--- a/themes/hugo-elate-theme/static/images/Pictures for blog.pptx
+++ b/themes/hugo-elate-theme/static/images/Pictures for blog.pptx
@@ -3497,7 +3497,7 @@
         </p:blipFill>
         <p:spPr>
           <a:xfrm>
-            <a:off x="724029" y="5211435"/>
+            <a:off x="464462" y="5163881"/>
             <a:ext cx="914400" cy="914400"/>
           </a:xfrm>
           <a:prstGeom prst="rect">
@@ -3536,7 +3536,7 @@
         </p:blipFill>
         <p:spPr>
           <a:xfrm>
-            <a:off x="1738988" y="5211435"/>
+            <a:off x="1496981" y="5113631"/>
             <a:ext cx="914400" cy="914400"/>
           </a:xfrm>
           <a:prstGeom prst="rect">
@@ -3575,46 +3575,7 @@
         </p:blipFill>
         <p:spPr>
           <a:xfrm>
-            <a:off x="708974" y="4026630"/>
-            <a:ext cx="914400" cy="914400"/>
-          </a:xfrm>
-          <a:prstGeom prst="rect">
-            <a:avLst/>
-          </a:prstGeom>
-        </p:spPr>
-      </p:pic>
-      <p:pic>
-        <p:nvPicPr>
-          <p:cNvPr id="10" name="Grafika 9" descr="Otwarty folder">
-            <a:extLst>
-              <a:ext uri="{FF2B5EF4-FFF2-40B4-BE49-F238E27FC236}">
-                <a16:creationId xmlns:a16="http://schemas.microsoft.com/office/drawing/2014/main" id="{AFBC10FB-EEEB-4B41-950C-78D45405EB79}"/>
-              </a:ext>
-            </a:extLst>
-          </p:cNvPr>
-          <p:cNvPicPr>
-            <a:picLocks noChangeAspect="1"/>
-          </p:cNvPicPr>
-          <p:nvPr/>
-        </p:nvPicPr>
-        <p:blipFill>
-          <a:blip r:embed="rId9">
-            <a:extLst>
-              <a:ext uri="{28A0092B-C50C-407E-A947-70E740481C1C}">
-                <a14:useLocalDpi xmlns:a14="http://schemas.microsoft.com/office/drawing/2010/main" val="0"/>
-              </a:ext>
-              <a:ext uri="{96DAC541-7B7A-43D3-8B79-37D633B846F1}">
-                <asvg:svgBlip xmlns:asvg="http://schemas.microsoft.com/office/drawing/2016/SVG/main" r:embed="rId10"/>
-              </a:ext>
-            </a:extLst>
-          </a:blip>
-          <a:stretch>
-            <a:fillRect/>
-          </a:stretch>
-        </p:blipFill>
-        <p:spPr>
-          <a:xfrm>
-            <a:off x="1707334" y="4035209"/>
+            <a:off x="437957" y="3864276"/>
             <a:ext cx="914400" cy="914400"/>
           </a:xfrm>
           <a:prstGeom prst="rect">
@@ -3637,13 +3598,13 @@
           <p:nvPr/>
         </p:nvPicPr>
         <p:blipFill>
-          <a:blip r:embed="rId11">
+          <a:blip r:embed="rId9">
             <a:extLst>
               <a:ext uri="{28A0092B-C50C-407E-A947-70E740481C1C}">
                 <a14:useLocalDpi xmlns:a14="http://schemas.microsoft.com/office/drawing/2010/main" val="0"/>
               </a:ext>
               <a:ext uri="{96DAC541-7B7A-43D3-8B79-37D633B846F1}">
-                <asvg:svgBlip xmlns:asvg="http://schemas.microsoft.com/office/drawing/2016/SVG/main" r:embed="rId12"/>
+                <asvg:svgBlip xmlns:asvg="http://schemas.microsoft.com/office/drawing/2016/SVG/main" r:embed="rId10"/>
               </a:ext>
             </a:extLst>
           </a:blip>
@@ -3653,7 +3614,46 @@
         </p:blipFill>
         <p:spPr>
           <a:xfrm>
-            <a:off x="1166174" y="2935408"/>
+            <a:off x="515685" y="2528978"/>
+            <a:ext cx="914400" cy="914400"/>
+          </a:xfrm>
+          <a:prstGeom prst="rect">
+            <a:avLst/>
+          </a:prstGeom>
+        </p:spPr>
+      </p:pic>
+      <p:pic>
+        <p:nvPicPr>
+          <p:cNvPr id="4" name="Grafika 3" descr="Kalendarz dzienny">
+            <a:extLst>
+              <a:ext uri="{FF2B5EF4-FFF2-40B4-BE49-F238E27FC236}">
+                <a16:creationId xmlns:a16="http://schemas.microsoft.com/office/drawing/2014/main" id="{44FE4857-CC6D-4AE3-8438-B12D12861E16}"/>
+              </a:ext>
+            </a:extLst>
+          </p:cNvPr>
+          <p:cNvPicPr>
+            <a:picLocks noChangeAspect="1"/>
+          </p:cNvPicPr>
+          <p:nvPr/>
+        </p:nvPicPr>
+        <p:blipFill>
+          <a:blip r:embed="rId11">
+            <a:extLst>
+              <a:ext uri="{28A0092B-C50C-407E-A947-70E740481C1C}">
+                <a14:useLocalDpi xmlns:a14="http://schemas.microsoft.com/office/drawing/2010/main" val="0"/>
+              </a:ext>
+              <a:ext uri="{96DAC541-7B7A-43D3-8B79-37D633B846F1}">
+                <asvg:svgBlip xmlns:asvg="http://schemas.microsoft.com/office/drawing/2016/SVG/main" r:embed="rId12"/>
+              </a:ext>
+            </a:extLst>
+          </a:blip>
+          <a:stretch>
+            <a:fillRect/>
+          </a:stretch>
+        </p:blipFill>
+        <p:spPr>
+          <a:xfrm>
+            <a:off x="1496981" y="2535962"/>
             <a:ext cx="914400" cy="914400"/>
           </a:xfrm>
           <a:prstGeom prst="rect">
@@ -3663,10 +3663,10 @@
       </p:pic>
       <p:sp>
         <p:nvSpPr>
-          <p:cNvPr id="13" name="Prostokąt: zaokrąglone rogi 12">
+          <p:cNvPr id="9" name="Schemat blokowy: dysk magnetyczny 8">
             <a:extLst>
               <a:ext uri="{FF2B5EF4-FFF2-40B4-BE49-F238E27FC236}">
-                <a16:creationId xmlns:a16="http://schemas.microsoft.com/office/drawing/2014/main" id="{99F87B7D-3ACA-471D-8FBE-DE88E017F66D}"/>
+                <a16:creationId xmlns:a16="http://schemas.microsoft.com/office/drawing/2014/main" id="{8C447BA2-C81D-440D-900A-2620E64FAA0D}"/>
               </a:ext>
             </a:extLst>
           </p:cNvPr>
@@ -3675,19 +3675,2494 @@
         </p:nvSpPr>
         <p:spPr>
           <a:xfrm>
-            <a:off x="293333" y="2040834"/>
-            <a:ext cx="2690191" cy="4359966"/>
+            <a:off x="3288515" y="3229776"/>
+            <a:ext cx="1099931" cy="410818"/>
           </a:xfrm>
-          <a:prstGeom prst="roundRect">
+          <a:prstGeom prst="flowChartMagneticDisk">
+            <a:avLst/>
+          </a:prstGeom>
+          <a:ln>
+            <a:solidFill>
+              <a:srgbClr val="11CFD9"/>
+            </a:solidFill>
+          </a:ln>
+        </p:spPr>
+        <p:style>
+          <a:lnRef idx="2">
+            <a:schemeClr val="accent6"/>
+          </a:lnRef>
+          <a:fillRef idx="1">
+            <a:schemeClr val="lt1"/>
+          </a:fillRef>
+          <a:effectRef idx="0">
+            <a:schemeClr val="accent6"/>
+          </a:effectRef>
+          <a:fontRef idx="minor">
+            <a:schemeClr val="dk1"/>
+          </a:fontRef>
+        </p:style>
+        <p:txBody>
+          <a:bodyPr rtlCol="0" anchor="ctr"/>
+          <a:lstStyle/>
+          <a:p>
+            <a:pPr algn="ctr"/>
+            <a:endParaRPr lang="pl-PL"/>
+          </a:p>
+        </p:txBody>
+      </p:sp>
+      <p:sp>
+        <p:nvSpPr>
+          <p:cNvPr id="14" name="Schemat blokowy: dysk magnetyczny 13">
+            <a:extLst>
+              <a:ext uri="{FF2B5EF4-FFF2-40B4-BE49-F238E27FC236}">
+                <a16:creationId xmlns:a16="http://schemas.microsoft.com/office/drawing/2014/main" id="{24F99C1B-AF06-4611-8CEB-9B09C2EF3DD4}"/>
+              </a:ext>
+            </a:extLst>
+          </p:cNvPr>
+          <p:cNvSpPr/>
+          <p:nvPr/>
+        </p:nvSpPr>
+        <p:spPr>
+          <a:xfrm>
+            <a:off x="3288516" y="3854863"/>
+            <a:ext cx="1099931" cy="410818"/>
+          </a:xfrm>
+          <a:prstGeom prst="flowChartMagneticDisk">
+            <a:avLst/>
+          </a:prstGeom>
+          <a:ln>
+            <a:solidFill>
+              <a:srgbClr val="11CFD9"/>
+            </a:solidFill>
+          </a:ln>
+        </p:spPr>
+        <p:style>
+          <a:lnRef idx="2">
+            <a:schemeClr val="accent6"/>
+          </a:lnRef>
+          <a:fillRef idx="1">
+            <a:schemeClr val="lt1"/>
+          </a:fillRef>
+          <a:effectRef idx="0">
+            <a:schemeClr val="accent6"/>
+          </a:effectRef>
+          <a:fontRef idx="minor">
+            <a:schemeClr val="dk1"/>
+          </a:fontRef>
+        </p:style>
+        <p:txBody>
+          <a:bodyPr rtlCol="0" anchor="ctr"/>
+          <a:lstStyle/>
+          <a:p>
+            <a:pPr algn="ctr"/>
+            <a:endParaRPr lang="pl-PL"/>
+          </a:p>
+        </p:txBody>
+      </p:sp>
+      <p:sp>
+        <p:nvSpPr>
+          <p:cNvPr id="15" name="Schemat blokowy: dysk magnetyczny 14">
+            <a:extLst>
+              <a:ext uri="{FF2B5EF4-FFF2-40B4-BE49-F238E27FC236}">
+                <a16:creationId xmlns:a16="http://schemas.microsoft.com/office/drawing/2014/main" id="{592223A3-74CC-4D9D-8C3D-D1D01AE9D903}"/>
+              </a:ext>
+            </a:extLst>
+          </p:cNvPr>
+          <p:cNvSpPr/>
+          <p:nvPr/>
+        </p:nvSpPr>
+        <p:spPr>
+          <a:xfrm>
+            <a:off x="3288516" y="4459057"/>
+            <a:ext cx="1099931" cy="410818"/>
+          </a:xfrm>
+          <a:prstGeom prst="flowChartMagneticDisk">
+            <a:avLst/>
+          </a:prstGeom>
+          <a:ln>
+            <a:solidFill>
+              <a:srgbClr val="11CFD9"/>
+            </a:solidFill>
+          </a:ln>
+        </p:spPr>
+        <p:style>
+          <a:lnRef idx="2">
+            <a:schemeClr val="accent6"/>
+          </a:lnRef>
+          <a:fillRef idx="1">
+            <a:schemeClr val="lt1"/>
+          </a:fillRef>
+          <a:effectRef idx="0">
+            <a:schemeClr val="accent6"/>
+          </a:effectRef>
+          <a:fontRef idx="minor">
+            <a:schemeClr val="dk1"/>
+          </a:fontRef>
+        </p:style>
+        <p:txBody>
+          <a:bodyPr rtlCol="0" anchor="ctr"/>
+          <a:lstStyle/>
+          <a:p>
+            <a:pPr algn="ctr"/>
+            <a:endParaRPr lang="pl-PL"/>
+          </a:p>
+        </p:txBody>
+      </p:sp>
+      <p:pic>
+        <p:nvPicPr>
+          <p:cNvPr id="38" name="Grafika 37" descr="Baza danych">
+            <a:extLst>
+              <a:ext uri="{FF2B5EF4-FFF2-40B4-BE49-F238E27FC236}">
+                <a16:creationId xmlns:a16="http://schemas.microsoft.com/office/drawing/2014/main" id="{F4E90393-76FF-4E59-8A88-D3238E71AAA9}"/>
+              </a:ext>
+            </a:extLst>
+          </p:cNvPr>
+          <p:cNvPicPr>
+            <a:picLocks noChangeAspect="1"/>
+          </p:cNvPicPr>
+          <p:nvPr/>
+        </p:nvPicPr>
+        <p:blipFill>
+          <a:blip r:embed="rId5">
+            <a:extLst>
+              <a:ext uri="{28A0092B-C50C-407E-A947-70E740481C1C}">
+                <a14:useLocalDpi xmlns:a14="http://schemas.microsoft.com/office/drawing/2010/main" val="0"/>
+              </a:ext>
+              <a:ext uri="{96DAC541-7B7A-43D3-8B79-37D633B846F1}">
+                <asvg:svgBlip xmlns:asvg="http://schemas.microsoft.com/office/drawing/2016/SVG/main" r:embed="rId6"/>
+              </a:ext>
+            </a:extLst>
+          </a:blip>
+          <a:stretch>
+            <a:fillRect/>
+          </a:stretch>
+        </p:blipFill>
+        <p:spPr>
+          <a:xfrm>
+            <a:off x="10307140" y="2552083"/>
+            <a:ext cx="1392064" cy="1078679"/>
+          </a:xfrm>
+          <a:prstGeom prst="rect">
+            <a:avLst/>
+          </a:prstGeom>
+        </p:spPr>
+      </p:pic>
+      <p:pic>
+        <p:nvPicPr>
+          <p:cNvPr id="39" name="Grafika 38" descr="Baza danych">
+            <a:extLst>
+              <a:ext uri="{FF2B5EF4-FFF2-40B4-BE49-F238E27FC236}">
+                <a16:creationId xmlns:a16="http://schemas.microsoft.com/office/drawing/2014/main" id="{3D974693-F6C5-4EBD-B6D8-DAEB9C441C82}"/>
+              </a:ext>
+            </a:extLst>
+          </p:cNvPr>
+          <p:cNvPicPr>
+            <a:picLocks noChangeAspect="1"/>
+          </p:cNvPicPr>
+          <p:nvPr/>
+        </p:nvPicPr>
+        <p:blipFill>
+          <a:blip r:embed="rId5">
+            <a:extLst>
+              <a:ext uri="{28A0092B-C50C-407E-A947-70E740481C1C}">
+                <a14:useLocalDpi xmlns:a14="http://schemas.microsoft.com/office/drawing/2010/main" val="0"/>
+              </a:ext>
+              <a:ext uri="{96DAC541-7B7A-43D3-8B79-37D633B846F1}">
+                <asvg:svgBlip xmlns:asvg="http://schemas.microsoft.com/office/drawing/2016/SVG/main" r:embed="rId6"/>
+              </a:ext>
+            </a:extLst>
+          </a:blip>
+          <a:stretch>
+            <a:fillRect/>
+          </a:stretch>
+        </p:blipFill>
+        <p:spPr>
+          <a:xfrm>
+            <a:off x="10307140" y="3740160"/>
+            <a:ext cx="1392064" cy="1078679"/>
+          </a:xfrm>
+          <a:prstGeom prst="rect">
+            <a:avLst/>
+          </a:prstGeom>
+        </p:spPr>
+      </p:pic>
+      <p:pic>
+        <p:nvPicPr>
+          <p:cNvPr id="40" name="Grafika 39" descr="Baza danych">
+            <a:extLst>
+              <a:ext uri="{FF2B5EF4-FFF2-40B4-BE49-F238E27FC236}">
+                <a16:creationId xmlns:a16="http://schemas.microsoft.com/office/drawing/2014/main" id="{BD9550F6-DE5F-456C-A089-569F434E645C}"/>
+              </a:ext>
+            </a:extLst>
+          </p:cNvPr>
+          <p:cNvPicPr>
+            <a:picLocks noChangeAspect="1"/>
+          </p:cNvPicPr>
+          <p:nvPr/>
+        </p:nvPicPr>
+        <p:blipFill>
+          <a:blip r:embed="rId5">
+            <a:extLst>
+              <a:ext uri="{28A0092B-C50C-407E-A947-70E740481C1C}">
+                <a14:useLocalDpi xmlns:a14="http://schemas.microsoft.com/office/drawing/2010/main" val="0"/>
+              </a:ext>
+              <a:ext uri="{96DAC541-7B7A-43D3-8B79-37D633B846F1}">
+                <asvg:svgBlip xmlns:asvg="http://schemas.microsoft.com/office/drawing/2016/SVG/main" r:embed="rId6"/>
+              </a:ext>
+            </a:extLst>
+          </a:blip>
+          <a:stretch>
+            <a:fillRect/>
+          </a:stretch>
+        </p:blipFill>
+        <p:spPr>
+          <a:xfrm>
+            <a:off x="10307140" y="4981239"/>
+            <a:ext cx="1392064" cy="1078679"/>
+          </a:xfrm>
+          <a:prstGeom prst="rect">
+            <a:avLst/>
+          </a:prstGeom>
+        </p:spPr>
+      </p:pic>
+      <p:pic>
+        <p:nvPicPr>
+          <p:cNvPr id="41" name="Grafika 40" descr="Dokument">
+            <a:extLst>
+              <a:ext uri="{FF2B5EF4-FFF2-40B4-BE49-F238E27FC236}">
+                <a16:creationId xmlns:a16="http://schemas.microsoft.com/office/drawing/2014/main" id="{F095E350-E1AC-480D-B498-CB7B2529B23F}"/>
+              </a:ext>
+            </a:extLst>
+          </p:cNvPr>
+          <p:cNvPicPr>
+            <a:picLocks noChangeAspect="1"/>
+          </p:cNvPicPr>
+          <p:nvPr/>
+        </p:nvPicPr>
+        <p:blipFill>
+          <a:blip r:embed="rId13">
+            <a:extLst>
+              <a:ext uri="{28A0092B-C50C-407E-A947-70E740481C1C}">
+                <a14:useLocalDpi xmlns:a14="http://schemas.microsoft.com/office/drawing/2010/main" val="0"/>
+              </a:ext>
+              <a:ext uri="{96DAC541-7B7A-43D3-8B79-37D633B846F1}">
+                <asvg:svgBlip xmlns:asvg="http://schemas.microsoft.com/office/drawing/2016/SVG/main" r:embed="rId14"/>
+              </a:ext>
+            </a:extLst>
+          </a:blip>
+          <a:stretch>
+            <a:fillRect/>
+          </a:stretch>
+        </p:blipFill>
+        <p:spPr>
+          <a:xfrm>
+            <a:off x="478434" y="3794192"/>
+            <a:ext cx="914400" cy="914400"/>
+          </a:xfrm>
+          <a:prstGeom prst="rect">
+            <a:avLst/>
+          </a:prstGeom>
+        </p:spPr>
+      </p:pic>
+      <p:pic>
+        <p:nvPicPr>
+          <p:cNvPr id="42" name="Grafika 41" descr="Pobieranie z chmury">
+            <a:extLst>
+              <a:ext uri="{FF2B5EF4-FFF2-40B4-BE49-F238E27FC236}">
+                <a16:creationId xmlns:a16="http://schemas.microsoft.com/office/drawing/2014/main" id="{28E5113E-56E3-40A8-87C4-61BB5AF6429A}"/>
+              </a:ext>
+            </a:extLst>
+          </p:cNvPr>
+          <p:cNvPicPr>
+            <a:picLocks noChangeAspect="1"/>
+          </p:cNvPicPr>
+          <p:nvPr/>
+        </p:nvPicPr>
+        <p:blipFill>
+          <a:blip r:embed="rId15">
+            <a:extLst>
+              <a:ext uri="{28A0092B-C50C-407E-A947-70E740481C1C}">
+                <a14:useLocalDpi xmlns:a14="http://schemas.microsoft.com/office/drawing/2010/main" val="0"/>
+              </a:ext>
+              <a:ext uri="{96DAC541-7B7A-43D3-8B79-37D633B846F1}">
+                <asvg:svgBlip xmlns:asvg="http://schemas.microsoft.com/office/drawing/2016/SVG/main" r:embed="rId16"/>
+              </a:ext>
+            </a:extLst>
+          </a:blip>
+          <a:stretch>
+            <a:fillRect/>
+          </a:stretch>
+        </p:blipFill>
+        <p:spPr>
+          <a:xfrm>
+            <a:off x="540600" y="2580576"/>
+            <a:ext cx="914400" cy="914400"/>
+          </a:xfrm>
+          <a:prstGeom prst="rect">
+            <a:avLst/>
+          </a:prstGeom>
+        </p:spPr>
+      </p:pic>
+      <p:pic>
+        <p:nvPicPr>
+          <p:cNvPr id="43" name="Grafika 42" descr="Kalendarz dzienny">
+            <a:extLst>
+              <a:ext uri="{FF2B5EF4-FFF2-40B4-BE49-F238E27FC236}">
+                <a16:creationId xmlns:a16="http://schemas.microsoft.com/office/drawing/2014/main" id="{2BF003CC-5061-4B40-A0F9-5B3E666118EC}"/>
+              </a:ext>
+            </a:extLst>
+          </p:cNvPr>
+          <p:cNvPicPr>
+            <a:picLocks noChangeAspect="1"/>
+          </p:cNvPicPr>
+          <p:nvPr/>
+        </p:nvPicPr>
+        <p:blipFill>
+          <a:blip r:embed="rId17">
+            <a:extLst>
+              <a:ext uri="{28A0092B-C50C-407E-A947-70E740481C1C}">
+                <a14:useLocalDpi xmlns:a14="http://schemas.microsoft.com/office/drawing/2010/main" val="0"/>
+              </a:ext>
+              <a:ext uri="{96DAC541-7B7A-43D3-8B79-37D633B846F1}">
+                <asvg:svgBlip xmlns:asvg="http://schemas.microsoft.com/office/drawing/2016/SVG/main" r:embed="rId18"/>
+              </a:ext>
+            </a:extLst>
+          </a:blip>
+          <a:stretch>
+            <a:fillRect/>
+          </a:stretch>
+        </p:blipFill>
+        <p:spPr>
+          <a:xfrm>
+            <a:off x="1535124" y="2618201"/>
+            <a:ext cx="914400" cy="914400"/>
+          </a:xfrm>
+          <a:prstGeom prst="rect">
+            <a:avLst/>
+          </a:prstGeom>
+        </p:spPr>
+      </p:pic>
+      <p:grpSp>
+        <p:nvGrpSpPr>
+          <p:cNvPr id="130" name="Grupa 129">
+            <a:extLst>
+              <a:ext uri="{FF2B5EF4-FFF2-40B4-BE49-F238E27FC236}">
+                <a16:creationId xmlns:a16="http://schemas.microsoft.com/office/drawing/2014/main" id="{CBFB8C34-6BE9-4EA5-A21A-D8A97972CFED}"/>
+              </a:ext>
+            </a:extLst>
+          </p:cNvPr>
+          <p:cNvGrpSpPr/>
+          <p:nvPr/>
+        </p:nvGrpSpPr>
+        <p:grpSpPr>
+          <a:xfrm>
+            <a:off x="5362922" y="2927815"/>
+            <a:ext cx="1414442" cy="2880086"/>
+            <a:chOff x="5361837" y="2683120"/>
+            <a:chExt cx="1414442" cy="2880086"/>
+          </a:xfrm>
+        </p:grpSpPr>
+        <p:sp>
+          <p:nvSpPr>
+            <p:cNvPr id="11" name="Prostokąt 10">
+              <a:extLst>
+                <a:ext uri="{FF2B5EF4-FFF2-40B4-BE49-F238E27FC236}">
+                  <a16:creationId xmlns:a16="http://schemas.microsoft.com/office/drawing/2014/main" id="{840F94FE-8DBD-4F85-AECD-20647E27F9F4}"/>
+                </a:ext>
+              </a:extLst>
+            </p:cNvPr>
+            <p:cNvSpPr/>
+            <p:nvPr/>
+          </p:nvSpPr>
+          <p:spPr>
+            <a:xfrm>
+              <a:off x="5506654" y="3360389"/>
+              <a:ext cx="357809" cy="326866"/>
+            </a:xfrm>
+            <a:prstGeom prst="rect">
+              <a:avLst/>
+            </a:prstGeom>
+            <a:solidFill>
+              <a:schemeClr val="bg1"/>
+            </a:solidFill>
+            <a:ln>
+              <a:solidFill>
+                <a:srgbClr val="11CFD9"/>
+              </a:solidFill>
+            </a:ln>
+          </p:spPr>
+          <p:style>
+            <a:lnRef idx="2">
+              <a:schemeClr val="accent1">
+                <a:shade val="50000"/>
+              </a:schemeClr>
+            </a:lnRef>
+            <a:fillRef idx="1">
+              <a:schemeClr val="accent1"/>
+            </a:fillRef>
+            <a:effectRef idx="0">
+              <a:schemeClr val="accent1"/>
+            </a:effectRef>
+            <a:fontRef idx="minor">
+              <a:schemeClr val="lt1"/>
+            </a:fontRef>
+          </p:style>
+          <p:txBody>
+            <a:bodyPr rtlCol="0" anchor="ctr"/>
+            <a:lstStyle/>
+            <a:p>
+              <a:pPr algn="ctr"/>
+              <a:endParaRPr lang="pl-PL"/>
+            </a:p>
+          </p:txBody>
+        </p:sp>
+        <p:sp>
+          <p:nvSpPr>
+            <p:cNvPr id="23" name="Prostokąt 22">
+              <a:extLst>
+                <a:ext uri="{FF2B5EF4-FFF2-40B4-BE49-F238E27FC236}">
+                  <a16:creationId xmlns:a16="http://schemas.microsoft.com/office/drawing/2014/main" id="{3D546C18-B024-421E-A53A-AAC775B356C4}"/>
+                </a:ext>
+              </a:extLst>
+            </p:cNvPr>
+            <p:cNvSpPr/>
+            <p:nvPr/>
+          </p:nvSpPr>
+          <p:spPr>
+            <a:xfrm>
+              <a:off x="5806611" y="3952634"/>
+              <a:ext cx="357809" cy="326866"/>
+            </a:xfrm>
+            <a:prstGeom prst="rect">
+              <a:avLst/>
+            </a:prstGeom>
+            <a:solidFill>
+              <a:schemeClr val="bg1"/>
+            </a:solidFill>
+            <a:ln>
+              <a:solidFill>
+                <a:srgbClr val="11CFD9"/>
+              </a:solidFill>
+            </a:ln>
+          </p:spPr>
+          <p:style>
+            <a:lnRef idx="2">
+              <a:schemeClr val="accent1">
+                <a:shade val="50000"/>
+              </a:schemeClr>
+            </a:lnRef>
+            <a:fillRef idx="1">
+              <a:schemeClr val="accent1"/>
+            </a:fillRef>
+            <a:effectRef idx="0">
+              <a:schemeClr val="accent1"/>
+            </a:effectRef>
+            <a:fontRef idx="minor">
+              <a:schemeClr val="lt1"/>
+            </a:fontRef>
+          </p:style>
+          <p:txBody>
+            <a:bodyPr rtlCol="0" anchor="ctr"/>
+            <a:lstStyle/>
+            <a:p>
+              <a:pPr algn="ctr"/>
+              <a:endParaRPr lang="pl-PL"/>
+            </a:p>
+          </p:txBody>
+        </p:sp>
+        <p:sp>
+          <p:nvSpPr>
+            <p:cNvPr id="24" name="Prostokąt 23">
+              <a:extLst>
+                <a:ext uri="{FF2B5EF4-FFF2-40B4-BE49-F238E27FC236}">
+                  <a16:creationId xmlns:a16="http://schemas.microsoft.com/office/drawing/2014/main" id="{80C62FFC-213C-469A-A967-ED2E303F1939}"/>
+                </a:ext>
+              </a:extLst>
+            </p:cNvPr>
+            <p:cNvSpPr/>
+            <p:nvPr/>
+          </p:nvSpPr>
+          <p:spPr>
+            <a:xfrm>
+              <a:off x="5685558" y="2683120"/>
+              <a:ext cx="357809" cy="326866"/>
+            </a:xfrm>
+            <a:prstGeom prst="rect">
+              <a:avLst/>
+            </a:prstGeom>
+            <a:solidFill>
+              <a:schemeClr val="bg1"/>
+            </a:solidFill>
+            <a:ln>
+              <a:solidFill>
+                <a:srgbClr val="11CFD9"/>
+              </a:solidFill>
+            </a:ln>
+          </p:spPr>
+          <p:style>
+            <a:lnRef idx="2">
+              <a:schemeClr val="accent1">
+                <a:shade val="50000"/>
+              </a:schemeClr>
+            </a:lnRef>
+            <a:fillRef idx="1">
+              <a:schemeClr val="accent1"/>
+            </a:fillRef>
+            <a:effectRef idx="0">
+              <a:schemeClr val="accent1"/>
+            </a:effectRef>
+            <a:fontRef idx="minor">
+              <a:schemeClr val="lt1"/>
+            </a:fontRef>
+          </p:style>
+          <p:txBody>
+            <a:bodyPr rtlCol="0" anchor="ctr"/>
+            <a:lstStyle/>
+            <a:p>
+              <a:pPr algn="ctr"/>
+              <a:endParaRPr lang="pl-PL"/>
+            </a:p>
+          </p:txBody>
+        </p:sp>
+        <p:sp>
+          <p:nvSpPr>
+            <p:cNvPr id="25" name="Prostokąt 24">
+              <a:extLst>
+                <a:ext uri="{FF2B5EF4-FFF2-40B4-BE49-F238E27FC236}">
+                  <a16:creationId xmlns:a16="http://schemas.microsoft.com/office/drawing/2014/main" id="{7CC0A18D-689E-4BF0-8949-1A075553164D}"/>
+                </a:ext>
+              </a:extLst>
+            </p:cNvPr>
+            <p:cNvSpPr/>
+            <p:nvPr/>
+          </p:nvSpPr>
+          <p:spPr>
+            <a:xfrm>
+              <a:off x="5361837" y="4523470"/>
+              <a:ext cx="357809" cy="326866"/>
+            </a:xfrm>
+            <a:prstGeom prst="rect">
+              <a:avLst/>
+            </a:prstGeom>
+            <a:solidFill>
+              <a:schemeClr val="bg1"/>
+            </a:solidFill>
+            <a:ln>
+              <a:solidFill>
+                <a:srgbClr val="11CFD9"/>
+              </a:solidFill>
+            </a:ln>
+          </p:spPr>
+          <p:style>
+            <a:lnRef idx="2">
+              <a:schemeClr val="accent1">
+                <a:shade val="50000"/>
+              </a:schemeClr>
+            </a:lnRef>
+            <a:fillRef idx="1">
+              <a:schemeClr val="accent1"/>
+            </a:fillRef>
+            <a:effectRef idx="0">
+              <a:schemeClr val="accent1"/>
+            </a:effectRef>
+            <a:fontRef idx="minor">
+              <a:schemeClr val="lt1"/>
+            </a:fontRef>
+          </p:style>
+          <p:txBody>
+            <a:bodyPr rtlCol="0" anchor="ctr"/>
+            <a:lstStyle/>
+            <a:p>
+              <a:pPr algn="ctr"/>
+              <a:endParaRPr lang="pl-PL"/>
+            </a:p>
+          </p:txBody>
+        </p:sp>
+        <p:sp>
+          <p:nvSpPr>
+            <p:cNvPr id="26" name="Prostokąt 25">
+              <a:extLst>
+                <a:ext uri="{FF2B5EF4-FFF2-40B4-BE49-F238E27FC236}">
+                  <a16:creationId xmlns:a16="http://schemas.microsoft.com/office/drawing/2014/main" id="{7008C7E1-584A-4138-A297-B4849C4B3478}"/>
+                </a:ext>
+              </a:extLst>
+            </p:cNvPr>
+            <p:cNvSpPr/>
+            <p:nvPr/>
+          </p:nvSpPr>
+          <p:spPr>
+            <a:xfrm>
+              <a:off x="6366587" y="3961353"/>
+              <a:ext cx="357809" cy="326866"/>
+            </a:xfrm>
+            <a:prstGeom prst="rect">
+              <a:avLst/>
+            </a:prstGeom>
+            <a:solidFill>
+              <a:schemeClr val="bg1"/>
+            </a:solidFill>
+            <a:ln>
+              <a:solidFill>
+                <a:srgbClr val="11CFD9"/>
+              </a:solidFill>
+            </a:ln>
+          </p:spPr>
+          <p:style>
+            <a:lnRef idx="2">
+              <a:schemeClr val="accent1">
+                <a:shade val="50000"/>
+              </a:schemeClr>
+            </a:lnRef>
+            <a:fillRef idx="1">
+              <a:schemeClr val="accent1"/>
+            </a:fillRef>
+            <a:effectRef idx="0">
+              <a:schemeClr val="accent1"/>
+            </a:effectRef>
+            <a:fontRef idx="minor">
+              <a:schemeClr val="lt1"/>
+            </a:fontRef>
+          </p:style>
+          <p:txBody>
+            <a:bodyPr rtlCol="0" anchor="ctr"/>
+            <a:lstStyle/>
+            <a:p>
+              <a:pPr algn="ctr"/>
+              <a:endParaRPr lang="pl-PL"/>
+            </a:p>
+          </p:txBody>
+        </p:sp>
+        <p:sp>
+          <p:nvSpPr>
+            <p:cNvPr id="27" name="Prostokąt 26">
+              <a:extLst>
+                <a:ext uri="{FF2B5EF4-FFF2-40B4-BE49-F238E27FC236}">
+                  <a16:creationId xmlns:a16="http://schemas.microsoft.com/office/drawing/2014/main" id="{DE07E89A-3092-4385-A635-7A57DAA7F2B7}"/>
+                </a:ext>
+              </a:extLst>
+            </p:cNvPr>
+            <p:cNvSpPr/>
+            <p:nvPr/>
+          </p:nvSpPr>
+          <p:spPr>
+            <a:xfrm>
+              <a:off x="6040304" y="4611967"/>
+              <a:ext cx="357809" cy="326866"/>
+            </a:xfrm>
+            <a:prstGeom prst="rect">
+              <a:avLst/>
+            </a:prstGeom>
+            <a:solidFill>
+              <a:schemeClr val="bg1"/>
+            </a:solidFill>
+            <a:ln>
+              <a:solidFill>
+                <a:srgbClr val="11CFD9"/>
+              </a:solidFill>
+            </a:ln>
+          </p:spPr>
+          <p:style>
+            <a:lnRef idx="2">
+              <a:schemeClr val="accent1">
+                <a:shade val="50000"/>
+              </a:schemeClr>
+            </a:lnRef>
+            <a:fillRef idx="1">
+              <a:schemeClr val="accent1"/>
+            </a:fillRef>
+            <a:effectRef idx="0">
+              <a:schemeClr val="accent1"/>
+            </a:effectRef>
+            <a:fontRef idx="minor">
+              <a:schemeClr val="lt1"/>
+            </a:fontRef>
+          </p:style>
+          <p:txBody>
+            <a:bodyPr rtlCol="0" anchor="ctr"/>
+            <a:lstStyle/>
+            <a:p>
+              <a:pPr algn="ctr"/>
+              <a:endParaRPr lang="pl-PL"/>
+            </a:p>
+          </p:txBody>
+        </p:sp>
+        <p:sp>
+          <p:nvSpPr>
+            <p:cNvPr id="28" name="Prostokąt 27">
+              <a:extLst>
+                <a:ext uri="{FF2B5EF4-FFF2-40B4-BE49-F238E27FC236}">
+                  <a16:creationId xmlns:a16="http://schemas.microsoft.com/office/drawing/2014/main" id="{05D6D37A-422C-4AC8-9EE3-53E4348B2BA2}"/>
+                </a:ext>
+              </a:extLst>
+            </p:cNvPr>
+            <p:cNvSpPr/>
+            <p:nvPr/>
+          </p:nvSpPr>
+          <p:spPr>
+            <a:xfrm>
+              <a:off x="6297083" y="3123496"/>
+              <a:ext cx="357809" cy="326866"/>
+            </a:xfrm>
+            <a:prstGeom prst="rect">
+              <a:avLst/>
+            </a:prstGeom>
+            <a:solidFill>
+              <a:schemeClr val="bg1"/>
+            </a:solidFill>
+            <a:ln>
+              <a:solidFill>
+                <a:srgbClr val="11CFD9"/>
+              </a:solidFill>
+            </a:ln>
+          </p:spPr>
+          <p:style>
+            <a:lnRef idx="2">
+              <a:schemeClr val="accent1">
+                <a:shade val="50000"/>
+              </a:schemeClr>
+            </a:lnRef>
+            <a:fillRef idx="1">
+              <a:schemeClr val="accent1"/>
+            </a:fillRef>
+            <a:effectRef idx="0">
+              <a:schemeClr val="accent1"/>
+            </a:effectRef>
+            <a:fontRef idx="minor">
+              <a:schemeClr val="lt1"/>
+            </a:fontRef>
+          </p:style>
+          <p:txBody>
+            <a:bodyPr rtlCol="0" anchor="ctr"/>
+            <a:lstStyle/>
+            <a:p>
+              <a:pPr algn="ctr"/>
+              <a:endParaRPr lang="pl-PL"/>
+            </a:p>
+          </p:txBody>
+        </p:sp>
+        <p:sp>
+          <p:nvSpPr>
+            <p:cNvPr id="29" name="Prostokąt 28">
+              <a:extLst>
+                <a:ext uri="{FF2B5EF4-FFF2-40B4-BE49-F238E27FC236}">
+                  <a16:creationId xmlns:a16="http://schemas.microsoft.com/office/drawing/2014/main" id="{1FC6A00C-9945-477E-9A27-4758A3E25AEE}"/>
+                </a:ext>
+              </a:extLst>
+            </p:cNvPr>
+            <p:cNvSpPr/>
+            <p:nvPr/>
+          </p:nvSpPr>
+          <p:spPr>
+            <a:xfrm>
+              <a:off x="5653761" y="5236340"/>
+              <a:ext cx="357809" cy="326866"/>
+            </a:xfrm>
+            <a:prstGeom prst="rect">
+              <a:avLst/>
+            </a:prstGeom>
+            <a:solidFill>
+              <a:schemeClr val="bg1"/>
+            </a:solidFill>
+            <a:ln>
+              <a:solidFill>
+                <a:srgbClr val="11CFD9"/>
+              </a:solidFill>
+            </a:ln>
+          </p:spPr>
+          <p:style>
+            <a:lnRef idx="2">
+              <a:schemeClr val="accent1">
+                <a:shade val="50000"/>
+              </a:schemeClr>
+            </a:lnRef>
+            <a:fillRef idx="1">
+              <a:schemeClr val="accent1"/>
+            </a:fillRef>
+            <a:effectRef idx="0">
+              <a:schemeClr val="accent1"/>
+            </a:effectRef>
+            <a:fontRef idx="minor">
+              <a:schemeClr val="lt1"/>
+            </a:fontRef>
+          </p:style>
+          <p:txBody>
+            <a:bodyPr rtlCol="0" anchor="ctr"/>
+            <a:lstStyle/>
+            <a:p>
+              <a:pPr algn="ctr"/>
+              <a:endParaRPr lang="pl-PL"/>
+            </a:p>
+          </p:txBody>
+        </p:sp>
+        <p:sp>
+          <p:nvSpPr>
+            <p:cNvPr id="30" name="Prostokąt 29">
+              <a:extLst>
+                <a:ext uri="{FF2B5EF4-FFF2-40B4-BE49-F238E27FC236}">
+                  <a16:creationId xmlns:a16="http://schemas.microsoft.com/office/drawing/2014/main" id="{1CA690A3-23A6-47EF-8682-B96D3369AD17}"/>
+                </a:ext>
+              </a:extLst>
+            </p:cNvPr>
+            <p:cNvSpPr/>
+            <p:nvPr/>
+          </p:nvSpPr>
+          <p:spPr>
+            <a:xfrm>
+              <a:off x="6418470" y="5016199"/>
+              <a:ext cx="357809" cy="326866"/>
+            </a:xfrm>
+            <a:prstGeom prst="rect">
+              <a:avLst/>
+            </a:prstGeom>
+            <a:solidFill>
+              <a:schemeClr val="bg1"/>
+            </a:solidFill>
+            <a:ln>
+              <a:solidFill>
+                <a:srgbClr val="11CFD9"/>
+              </a:solidFill>
+            </a:ln>
+          </p:spPr>
+          <p:style>
+            <a:lnRef idx="2">
+              <a:schemeClr val="accent1">
+                <a:shade val="50000"/>
+              </a:schemeClr>
+            </a:lnRef>
+            <a:fillRef idx="1">
+              <a:schemeClr val="accent1"/>
+            </a:fillRef>
+            <a:effectRef idx="0">
+              <a:schemeClr val="accent1"/>
+            </a:effectRef>
+            <a:fontRef idx="minor">
+              <a:schemeClr val="lt1"/>
+            </a:fontRef>
+          </p:style>
+          <p:txBody>
+            <a:bodyPr rtlCol="0" anchor="ctr"/>
+            <a:lstStyle/>
+            <a:p>
+              <a:pPr algn="ctr"/>
+              <a:endParaRPr lang="pl-PL"/>
+            </a:p>
+          </p:txBody>
+        </p:sp>
+        <p:cxnSp>
+          <p:nvCxnSpPr>
+            <p:cNvPr id="47" name="Łącznik: łamany 46">
+              <a:extLst>
+                <a:ext uri="{FF2B5EF4-FFF2-40B4-BE49-F238E27FC236}">
+                  <a16:creationId xmlns:a16="http://schemas.microsoft.com/office/drawing/2014/main" id="{00B658A4-CAAB-4670-8804-681911AC4DDD}"/>
+                </a:ext>
+              </a:extLst>
+            </p:cNvPr>
+            <p:cNvCxnSpPr>
+              <a:cxnSpLocks/>
+              <a:stCxn id="24" idx="3"/>
+              <a:endCxn id="28" idx="0"/>
+            </p:cNvCxnSpPr>
+            <p:nvPr/>
+          </p:nvCxnSpPr>
+          <p:spPr>
+            <a:xfrm>
+              <a:off x="6043367" y="2846553"/>
+              <a:ext cx="432621" cy="276943"/>
+            </a:xfrm>
+            <a:prstGeom prst="bentConnector2">
+              <a:avLst/>
+            </a:prstGeom>
+            <a:ln w="57150">
+              <a:solidFill>
+                <a:schemeClr val="bg1"/>
+              </a:solidFill>
+            </a:ln>
+          </p:spPr>
+          <p:style>
+            <a:lnRef idx="1">
+              <a:schemeClr val="accent1"/>
+            </a:lnRef>
+            <a:fillRef idx="0">
+              <a:schemeClr val="accent1"/>
+            </a:fillRef>
+            <a:effectRef idx="0">
+              <a:schemeClr val="accent1"/>
+            </a:effectRef>
+            <a:fontRef idx="minor">
+              <a:schemeClr val="tx1"/>
+            </a:fontRef>
+          </p:style>
+        </p:cxnSp>
+        <p:cxnSp>
+          <p:nvCxnSpPr>
+            <p:cNvPr id="49" name="Łącznik: łamany 48">
+              <a:extLst>
+                <a:ext uri="{FF2B5EF4-FFF2-40B4-BE49-F238E27FC236}">
+                  <a16:creationId xmlns:a16="http://schemas.microsoft.com/office/drawing/2014/main" id="{EC5E9F1D-B914-41D5-B526-25490970ADAE}"/>
+                </a:ext>
+              </a:extLst>
+            </p:cNvPr>
+            <p:cNvCxnSpPr>
+              <a:cxnSpLocks/>
+              <a:stCxn id="11" idx="3"/>
+              <a:endCxn id="28" idx="2"/>
+            </p:cNvCxnSpPr>
+            <p:nvPr/>
+          </p:nvCxnSpPr>
+          <p:spPr>
+            <a:xfrm flipV="1">
+              <a:off x="5864463" y="3450362"/>
+              <a:ext cx="611525" cy="73460"/>
+            </a:xfrm>
+            <a:prstGeom prst="bentConnector2">
+              <a:avLst/>
+            </a:prstGeom>
+            <a:ln w="57150">
+              <a:solidFill>
+                <a:schemeClr val="bg1"/>
+              </a:solidFill>
+            </a:ln>
+          </p:spPr>
+          <p:style>
+            <a:lnRef idx="1">
+              <a:schemeClr val="accent1"/>
+            </a:lnRef>
+            <a:fillRef idx="0">
+              <a:schemeClr val="accent1"/>
+            </a:fillRef>
+            <a:effectRef idx="0">
+              <a:schemeClr val="accent1"/>
+            </a:effectRef>
+            <a:fontRef idx="minor">
+              <a:schemeClr val="tx1"/>
+            </a:fontRef>
+          </p:style>
+        </p:cxnSp>
+        <p:cxnSp>
+          <p:nvCxnSpPr>
+            <p:cNvPr id="52" name="Łącznik: łamany 51">
+              <a:extLst>
+                <a:ext uri="{FF2B5EF4-FFF2-40B4-BE49-F238E27FC236}">
+                  <a16:creationId xmlns:a16="http://schemas.microsoft.com/office/drawing/2014/main" id="{AF2121A5-DF5F-4139-B06E-89F19F12A043}"/>
+                </a:ext>
+              </a:extLst>
+            </p:cNvPr>
+            <p:cNvCxnSpPr>
+              <a:cxnSpLocks/>
+              <a:stCxn id="11" idx="2"/>
+              <a:endCxn id="26" idx="0"/>
+            </p:cNvCxnSpPr>
+            <p:nvPr/>
+          </p:nvCxnSpPr>
+          <p:spPr>
+            <a:xfrm rot="16200000" flipH="1">
+              <a:off x="5978476" y="3394337"/>
+              <a:ext cx="274098" cy="859933"/>
+            </a:xfrm>
+            <a:prstGeom prst="bentConnector3">
+              <a:avLst>
+                <a:gd name="adj1" fmla="val 50000"/>
+              </a:avLst>
+            </a:prstGeom>
+            <a:ln w="57150">
+              <a:solidFill>
+                <a:schemeClr val="bg1"/>
+              </a:solidFill>
+            </a:ln>
+          </p:spPr>
+          <p:style>
+            <a:lnRef idx="1">
+              <a:schemeClr val="accent1"/>
+            </a:lnRef>
+            <a:fillRef idx="0">
+              <a:schemeClr val="accent1"/>
+            </a:fillRef>
+            <a:effectRef idx="0">
+              <a:schemeClr val="accent1"/>
+            </a:effectRef>
+            <a:fontRef idx="minor">
+              <a:schemeClr val="tx1"/>
+            </a:fontRef>
+          </p:style>
+        </p:cxnSp>
+        <p:cxnSp>
+          <p:nvCxnSpPr>
+            <p:cNvPr id="55" name="Łącznik: łamany 54">
+              <a:extLst>
+                <a:ext uri="{FF2B5EF4-FFF2-40B4-BE49-F238E27FC236}">
+                  <a16:creationId xmlns:a16="http://schemas.microsoft.com/office/drawing/2014/main" id="{0B4C0AE9-45AE-4C6E-B597-CCC2E1AD7542}"/>
+                </a:ext>
+              </a:extLst>
+            </p:cNvPr>
+            <p:cNvCxnSpPr>
+              <a:cxnSpLocks/>
+              <a:stCxn id="11" idx="1"/>
+              <a:endCxn id="23" idx="1"/>
+            </p:cNvCxnSpPr>
+            <p:nvPr/>
+          </p:nvCxnSpPr>
+          <p:spPr>
+            <a:xfrm rot="10800000" flipH="1" flipV="1">
+              <a:off x="5506653" y="3523821"/>
+              <a:ext cx="299957" cy="592245"/>
+            </a:xfrm>
+            <a:prstGeom prst="bentConnector3">
+              <a:avLst>
+                <a:gd name="adj1" fmla="val -76211"/>
+              </a:avLst>
+            </a:prstGeom>
+            <a:ln w="57150">
+              <a:solidFill>
+                <a:schemeClr val="bg1"/>
+              </a:solidFill>
+            </a:ln>
+          </p:spPr>
+          <p:style>
+            <a:lnRef idx="1">
+              <a:schemeClr val="accent1"/>
+            </a:lnRef>
+            <a:fillRef idx="0">
+              <a:schemeClr val="accent1"/>
+            </a:fillRef>
+            <a:effectRef idx="0">
+              <a:schemeClr val="accent1"/>
+            </a:effectRef>
+            <a:fontRef idx="minor">
+              <a:schemeClr val="tx1"/>
+            </a:fontRef>
+          </p:style>
+        </p:cxnSp>
+        <p:cxnSp>
+          <p:nvCxnSpPr>
+            <p:cNvPr id="58" name="Łącznik: łamany 57">
+              <a:extLst>
+                <a:ext uri="{FF2B5EF4-FFF2-40B4-BE49-F238E27FC236}">
+                  <a16:creationId xmlns:a16="http://schemas.microsoft.com/office/drawing/2014/main" id="{6FE00341-877E-4D00-90E2-1B84EE2C1394}"/>
+                </a:ext>
+              </a:extLst>
+            </p:cNvPr>
+            <p:cNvCxnSpPr>
+              <a:cxnSpLocks/>
+              <a:stCxn id="28" idx="3"/>
+              <a:endCxn id="27" idx="3"/>
+            </p:cNvCxnSpPr>
+            <p:nvPr/>
+          </p:nvCxnSpPr>
+          <p:spPr>
+            <a:xfrm flipH="1">
+              <a:off x="6398113" y="3286929"/>
+              <a:ext cx="256779" cy="1488471"/>
+            </a:xfrm>
+            <a:prstGeom prst="bentConnector3">
+              <a:avLst>
+                <a:gd name="adj1" fmla="val -89026"/>
+              </a:avLst>
+            </a:prstGeom>
+            <a:ln w="57150">
+              <a:solidFill>
+                <a:schemeClr val="bg1"/>
+              </a:solidFill>
+            </a:ln>
+          </p:spPr>
+          <p:style>
+            <a:lnRef idx="1">
+              <a:schemeClr val="accent1"/>
+            </a:lnRef>
+            <a:fillRef idx="0">
+              <a:schemeClr val="accent1"/>
+            </a:fillRef>
+            <a:effectRef idx="0">
+              <a:schemeClr val="accent1"/>
+            </a:effectRef>
+            <a:fontRef idx="minor">
+              <a:schemeClr val="tx1"/>
+            </a:fontRef>
+          </p:style>
+        </p:cxnSp>
+        <p:cxnSp>
+          <p:nvCxnSpPr>
+            <p:cNvPr id="61" name="Łącznik: łamany 60">
+              <a:extLst>
+                <a:ext uri="{FF2B5EF4-FFF2-40B4-BE49-F238E27FC236}">
+                  <a16:creationId xmlns:a16="http://schemas.microsoft.com/office/drawing/2014/main" id="{1092D761-9DC7-45E2-908E-83069D7E877F}"/>
+                </a:ext>
+              </a:extLst>
+            </p:cNvPr>
+            <p:cNvCxnSpPr>
+              <a:cxnSpLocks/>
+              <a:stCxn id="23" idx="2"/>
+              <a:endCxn id="25" idx="0"/>
+            </p:cNvCxnSpPr>
+            <p:nvPr/>
+          </p:nvCxnSpPr>
+          <p:spPr>
+            <a:xfrm rot="5400000">
+              <a:off x="5641144" y="4179098"/>
+              <a:ext cx="243970" cy="444774"/>
+            </a:xfrm>
+            <a:prstGeom prst="bentConnector3">
+              <a:avLst>
+                <a:gd name="adj1" fmla="val 50000"/>
+              </a:avLst>
+            </a:prstGeom>
+            <a:ln w="57150">
+              <a:solidFill>
+                <a:schemeClr val="bg1"/>
+              </a:solidFill>
+            </a:ln>
+          </p:spPr>
+          <p:style>
+            <a:lnRef idx="1">
+              <a:schemeClr val="accent1"/>
+            </a:lnRef>
+            <a:fillRef idx="0">
+              <a:schemeClr val="accent1"/>
+            </a:fillRef>
+            <a:effectRef idx="0">
+              <a:schemeClr val="accent1"/>
+            </a:effectRef>
+            <a:fontRef idx="minor">
+              <a:schemeClr val="tx1"/>
+            </a:fontRef>
+          </p:style>
+        </p:cxnSp>
+        <p:cxnSp>
+          <p:nvCxnSpPr>
+            <p:cNvPr id="64" name="Łącznik: łamany 63">
+              <a:extLst>
+                <a:ext uri="{FF2B5EF4-FFF2-40B4-BE49-F238E27FC236}">
+                  <a16:creationId xmlns:a16="http://schemas.microsoft.com/office/drawing/2014/main" id="{55F3784A-0E6C-4D4D-8C0D-4087414F9F3B}"/>
+                </a:ext>
+              </a:extLst>
+            </p:cNvPr>
+            <p:cNvCxnSpPr>
+              <a:cxnSpLocks/>
+              <a:endCxn id="27" idx="0"/>
+            </p:cNvCxnSpPr>
+            <p:nvPr/>
+          </p:nvCxnSpPr>
+          <p:spPr>
+            <a:xfrm rot="5400000">
+              <a:off x="6211361" y="4257613"/>
+              <a:ext cx="362203" cy="346505"/>
+            </a:xfrm>
+            <a:prstGeom prst="bentConnector3">
+              <a:avLst>
+                <a:gd name="adj1" fmla="val 50000"/>
+              </a:avLst>
+            </a:prstGeom>
+            <a:ln w="57150">
+              <a:solidFill>
+                <a:schemeClr val="bg1"/>
+              </a:solidFill>
+            </a:ln>
+          </p:spPr>
+          <p:style>
+            <a:lnRef idx="1">
+              <a:schemeClr val="accent1"/>
+            </a:lnRef>
+            <a:fillRef idx="0">
+              <a:schemeClr val="accent1"/>
+            </a:fillRef>
+            <a:effectRef idx="0">
+              <a:schemeClr val="accent1"/>
+            </a:effectRef>
+            <a:fontRef idx="minor">
+              <a:schemeClr val="tx1"/>
+            </a:fontRef>
+          </p:style>
+        </p:cxnSp>
+        <p:cxnSp>
+          <p:nvCxnSpPr>
+            <p:cNvPr id="66" name="Łącznik: łamany 65">
+              <a:extLst>
+                <a:ext uri="{FF2B5EF4-FFF2-40B4-BE49-F238E27FC236}">
+                  <a16:creationId xmlns:a16="http://schemas.microsoft.com/office/drawing/2014/main" id="{1675A33E-E672-498F-94E3-628B854475EB}"/>
+                </a:ext>
+              </a:extLst>
+            </p:cNvPr>
+            <p:cNvCxnSpPr>
+              <a:cxnSpLocks/>
+              <a:stCxn id="27" idx="2"/>
+              <a:endCxn id="29" idx="0"/>
+            </p:cNvCxnSpPr>
+            <p:nvPr/>
+          </p:nvCxnSpPr>
+          <p:spPr>
+            <a:xfrm rot="5400000">
+              <a:off x="5877185" y="4894315"/>
+              <a:ext cx="297507" cy="386543"/>
+            </a:xfrm>
+            <a:prstGeom prst="bentConnector3">
+              <a:avLst>
+                <a:gd name="adj1" fmla="val 50000"/>
+              </a:avLst>
+            </a:prstGeom>
+            <a:ln w="57150">
+              <a:solidFill>
+                <a:schemeClr val="bg1"/>
+              </a:solidFill>
+            </a:ln>
+          </p:spPr>
+          <p:style>
+            <a:lnRef idx="1">
+              <a:schemeClr val="accent1"/>
+            </a:lnRef>
+            <a:fillRef idx="0">
+              <a:schemeClr val="accent1"/>
+            </a:fillRef>
+            <a:effectRef idx="0">
+              <a:schemeClr val="accent1"/>
+            </a:effectRef>
+            <a:fontRef idx="minor">
+              <a:schemeClr val="tx1"/>
+            </a:fontRef>
+          </p:style>
+        </p:cxnSp>
+        <p:cxnSp>
+          <p:nvCxnSpPr>
+            <p:cNvPr id="69" name="Łącznik: łamany 68">
+              <a:extLst>
+                <a:ext uri="{FF2B5EF4-FFF2-40B4-BE49-F238E27FC236}">
+                  <a16:creationId xmlns:a16="http://schemas.microsoft.com/office/drawing/2014/main" id="{7D664025-F0A4-467E-9D67-E6D142AD57B9}"/>
+                </a:ext>
+              </a:extLst>
+            </p:cNvPr>
+            <p:cNvCxnSpPr>
+              <a:cxnSpLocks/>
+              <a:stCxn id="29" idx="1"/>
+              <a:endCxn id="25" idx="2"/>
+            </p:cNvCxnSpPr>
+            <p:nvPr/>
+          </p:nvCxnSpPr>
+          <p:spPr>
+            <a:xfrm rot="10800000">
+              <a:off x="5540743" y="4850337"/>
+              <a:ext cx="113019" cy="549437"/>
+            </a:xfrm>
+            <a:prstGeom prst="bentConnector2">
+              <a:avLst/>
+            </a:prstGeom>
+            <a:ln w="57150">
+              <a:solidFill>
+                <a:schemeClr val="bg1"/>
+              </a:solidFill>
+            </a:ln>
+          </p:spPr>
+          <p:style>
+            <a:lnRef idx="1">
+              <a:schemeClr val="accent1"/>
+            </a:lnRef>
+            <a:fillRef idx="0">
+              <a:schemeClr val="accent1"/>
+            </a:fillRef>
+            <a:effectRef idx="0">
+              <a:schemeClr val="accent1"/>
+            </a:effectRef>
+            <a:fontRef idx="minor">
+              <a:schemeClr val="tx1"/>
+            </a:fontRef>
+          </p:style>
+        </p:cxnSp>
+        <p:cxnSp>
+          <p:nvCxnSpPr>
+            <p:cNvPr id="74" name="Łącznik: łamany 73">
+              <a:extLst>
+                <a:ext uri="{FF2B5EF4-FFF2-40B4-BE49-F238E27FC236}">
+                  <a16:creationId xmlns:a16="http://schemas.microsoft.com/office/drawing/2014/main" id="{04282CDF-182D-4A4C-B138-0EC116A1A25B}"/>
+                </a:ext>
+              </a:extLst>
+            </p:cNvPr>
+            <p:cNvCxnSpPr>
+              <a:cxnSpLocks/>
+              <a:stCxn id="30" idx="2"/>
+              <a:endCxn id="27" idx="2"/>
+            </p:cNvCxnSpPr>
+            <p:nvPr/>
+          </p:nvCxnSpPr>
+          <p:spPr>
+            <a:xfrm rot="5400000" flipH="1">
+              <a:off x="6206176" y="4951866"/>
+              <a:ext cx="404232" cy="378166"/>
+            </a:xfrm>
+            <a:prstGeom prst="bentConnector3">
+              <a:avLst>
+                <a:gd name="adj1" fmla="val -56552"/>
+              </a:avLst>
+            </a:prstGeom>
+            <a:ln w="57150">
+              <a:solidFill>
+                <a:schemeClr val="bg1"/>
+              </a:solidFill>
+            </a:ln>
+          </p:spPr>
+          <p:style>
+            <a:lnRef idx="1">
+              <a:schemeClr val="accent1"/>
+            </a:lnRef>
+            <a:fillRef idx="0">
+              <a:schemeClr val="accent1"/>
+            </a:fillRef>
+            <a:effectRef idx="0">
+              <a:schemeClr val="accent1"/>
+            </a:effectRef>
+            <a:fontRef idx="minor">
+              <a:schemeClr val="tx1"/>
+            </a:fontRef>
+          </p:style>
+        </p:cxnSp>
+      </p:grpSp>
+      <p:grpSp>
+        <p:nvGrpSpPr>
+          <p:cNvPr id="129" name="Grupa 128">
+            <a:extLst>
+              <a:ext uri="{FF2B5EF4-FFF2-40B4-BE49-F238E27FC236}">
+                <a16:creationId xmlns:a16="http://schemas.microsoft.com/office/drawing/2014/main" id="{59C49FBD-3B59-4D38-A472-0855098CDD1F}"/>
+              </a:ext>
+            </a:extLst>
+          </p:cNvPr>
+          <p:cNvGrpSpPr/>
+          <p:nvPr/>
+        </p:nvGrpSpPr>
+        <p:grpSpPr>
+          <a:xfrm>
+            <a:off x="7807668" y="3432184"/>
+            <a:ext cx="1694317" cy="1716432"/>
+            <a:chOff x="7782131" y="3091423"/>
+            <a:chExt cx="1694317" cy="1716432"/>
+          </a:xfrm>
+        </p:grpSpPr>
+        <p:sp>
+          <p:nvSpPr>
+            <p:cNvPr id="31" name="Prostokąt 30">
+              <a:extLst>
+                <a:ext uri="{FF2B5EF4-FFF2-40B4-BE49-F238E27FC236}">
+                  <a16:creationId xmlns:a16="http://schemas.microsoft.com/office/drawing/2014/main" id="{287E55E9-8784-4E51-AE9E-BC7A450007EC}"/>
+                </a:ext>
+              </a:extLst>
+            </p:cNvPr>
+            <p:cNvSpPr/>
+            <p:nvPr/>
+          </p:nvSpPr>
+          <p:spPr>
+            <a:xfrm>
+              <a:off x="7961035" y="3123496"/>
+              <a:ext cx="357809" cy="326866"/>
+            </a:xfrm>
+            <a:prstGeom prst="rect">
+              <a:avLst/>
+            </a:prstGeom>
+            <a:solidFill>
+              <a:schemeClr val="bg1"/>
+            </a:solidFill>
+            <a:ln>
+              <a:solidFill>
+                <a:srgbClr val="11CFD9"/>
+              </a:solidFill>
+            </a:ln>
+          </p:spPr>
+          <p:style>
+            <a:lnRef idx="2">
+              <a:schemeClr val="accent1">
+                <a:shade val="50000"/>
+              </a:schemeClr>
+            </a:lnRef>
+            <a:fillRef idx="1">
+              <a:schemeClr val="accent1"/>
+            </a:fillRef>
+            <a:effectRef idx="0">
+              <a:schemeClr val="accent1"/>
+            </a:effectRef>
+            <a:fontRef idx="minor">
+              <a:schemeClr val="lt1"/>
+            </a:fontRef>
+          </p:style>
+          <p:txBody>
+            <a:bodyPr rtlCol="0" anchor="ctr"/>
+            <a:lstStyle/>
+            <a:p>
+              <a:pPr algn="ctr"/>
+              <a:endParaRPr lang="pl-PL"/>
+            </a:p>
+          </p:txBody>
+        </p:sp>
+        <p:sp>
+          <p:nvSpPr>
+            <p:cNvPr id="32" name="Prostokąt 31">
+              <a:extLst>
+                <a:ext uri="{FF2B5EF4-FFF2-40B4-BE49-F238E27FC236}">
+                  <a16:creationId xmlns:a16="http://schemas.microsoft.com/office/drawing/2014/main" id="{3AA4BBC5-1938-477F-AEA7-0FCE2CFF4845}"/>
+                </a:ext>
+              </a:extLst>
+            </p:cNvPr>
+            <p:cNvSpPr/>
+            <p:nvPr/>
+          </p:nvSpPr>
+          <p:spPr>
+            <a:xfrm>
+              <a:off x="8450385" y="3815156"/>
+              <a:ext cx="357809" cy="326866"/>
+            </a:xfrm>
+            <a:prstGeom prst="rect">
+              <a:avLst/>
+            </a:prstGeom>
+            <a:solidFill>
+              <a:schemeClr val="bg1"/>
+            </a:solidFill>
+            <a:ln>
+              <a:solidFill>
+                <a:srgbClr val="11CFD9"/>
+              </a:solidFill>
+            </a:ln>
+          </p:spPr>
+          <p:style>
+            <a:lnRef idx="2">
+              <a:schemeClr val="accent1">
+                <a:shade val="50000"/>
+              </a:schemeClr>
+            </a:lnRef>
+            <a:fillRef idx="1">
+              <a:schemeClr val="accent1"/>
+            </a:fillRef>
+            <a:effectRef idx="0">
+              <a:schemeClr val="accent1"/>
+            </a:effectRef>
+            <a:fontRef idx="minor">
+              <a:schemeClr val="lt1"/>
+            </a:fontRef>
+          </p:style>
+          <p:txBody>
+            <a:bodyPr rtlCol="0" anchor="ctr"/>
+            <a:lstStyle/>
+            <a:p>
+              <a:pPr algn="ctr"/>
+              <a:endParaRPr lang="pl-PL"/>
+            </a:p>
+          </p:txBody>
+        </p:sp>
+        <p:sp>
+          <p:nvSpPr>
+            <p:cNvPr id="33" name="Prostokąt 32">
+              <a:extLst>
+                <a:ext uri="{FF2B5EF4-FFF2-40B4-BE49-F238E27FC236}">
+                  <a16:creationId xmlns:a16="http://schemas.microsoft.com/office/drawing/2014/main" id="{1B741EF8-F59F-49B1-859F-05C69DDB9C6A}"/>
+                </a:ext>
+              </a:extLst>
+            </p:cNvPr>
+            <p:cNvSpPr/>
+            <p:nvPr/>
+          </p:nvSpPr>
+          <p:spPr>
+            <a:xfrm>
+              <a:off x="7782131" y="3797920"/>
+              <a:ext cx="357809" cy="326866"/>
+            </a:xfrm>
+            <a:prstGeom prst="rect">
+              <a:avLst/>
+            </a:prstGeom>
+            <a:solidFill>
+              <a:schemeClr val="bg1"/>
+            </a:solidFill>
+            <a:ln>
+              <a:solidFill>
+                <a:srgbClr val="11CFD9"/>
+              </a:solidFill>
+            </a:ln>
+          </p:spPr>
+          <p:style>
+            <a:lnRef idx="2">
+              <a:schemeClr val="accent1">
+                <a:shade val="50000"/>
+              </a:schemeClr>
+            </a:lnRef>
+            <a:fillRef idx="1">
+              <a:schemeClr val="accent1"/>
+            </a:fillRef>
+            <a:effectRef idx="0">
+              <a:schemeClr val="accent1"/>
+            </a:effectRef>
+            <a:fontRef idx="minor">
+              <a:schemeClr val="lt1"/>
+            </a:fontRef>
+          </p:style>
+          <p:txBody>
+            <a:bodyPr rtlCol="0" anchor="ctr"/>
+            <a:lstStyle/>
+            <a:p>
+              <a:pPr algn="ctr"/>
+              <a:endParaRPr lang="pl-PL"/>
+            </a:p>
+          </p:txBody>
+        </p:sp>
+        <p:sp>
+          <p:nvSpPr>
+            <p:cNvPr id="34" name="Prostokąt 33">
+              <a:extLst>
+                <a:ext uri="{FF2B5EF4-FFF2-40B4-BE49-F238E27FC236}">
+                  <a16:creationId xmlns:a16="http://schemas.microsoft.com/office/drawing/2014/main" id="{DFFB5F88-D9DA-42D7-AE1E-AF78C8B6D066}"/>
+                </a:ext>
+              </a:extLst>
+            </p:cNvPr>
+            <p:cNvSpPr/>
+            <p:nvPr/>
+          </p:nvSpPr>
+          <p:spPr>
+            <a:xfrm>
+              <a:off x="9118639" y="3755295"/>
+              <a:ext cx="357809" cy="326866"/>
+            </a:xfrm>
+            <a:prstGeom prst="rect">
+              <a:avLst/>
+            </a:prstGeom>
+            <a:solidFill>
+              <a:schemeClr val="bg1"/>
+            </a:solidFill>
+            <a:ln>
+              <a:solidFill>
+                <a:srgbClr val="11CFD9"/>
+              </a:solidFill>
+            </a:ln>
+          </p:spPr>
+          <p:style>
+            <a:lnRef idx="2">
+              <a:schemeClr val="accent1">
+                <a:shade val="50000"/>
+              </a:schemeClr>
+            </a:lnRef>
+            <a:fillRef idx="1">
+              <a:schemeClr val="accent1"/>
+            </a:fillRef>
+            <a:effectRef idx="0">
+              <a:schemeClr val="accent1"/>
+            </a:effectRef>
+            <a:fontRef idx="minor">
+              <a:schemeClr val="lt1"/>
+            </a:fontRef>
+          </p:style>
+          <p:txBody>
+            <a:bodyPr rtlCol="0" anchor="ctr"/>
+            <a:lstStyle/>
+            <a:p>
+              <a:pPr algn="ctr"/>
+              <a:endParaRPr lang="pl-PL"/>
+            </a:p>
+          </p:txBody>
+        </p:sp>
+        <p:sp>
+          <p:nvSpPr>
+            <p:cNvPr id="35" name="Prostokąt 34">
+              <a:extLst>
+                <a:ext uri="{FF2B5EF4-FFF2-40B4-BE49-F238E27FC236}">
+                  <a16:creationId xmlns:a16="http://schemas.microsoft.com/office/drawing/2014/main" id="{B193EC4E-1A62-4886-8395-19688FB087F3}"/>
+                </a:ext>
+              </a:extLst>
+            </p:cNvPr>
+            <p:cNvSpPr/>
+            <p:nvPr/>
+          </p:nvSpPr>
+          <p:spPr>
+            <a:xfrm>
+              <a:off x="8808194" y="4480989"/>
+              <a:ext cx="357809" cy="326866"/>
+            </a:xfrm>
+            <a:prstGeom prst="rect">
+              <a:avLst/>
+            </a:prstGeom>
+            <a:solidFill>
+              <a:schemeClr val="bg1"/>
+            </a:solidFill>
+            <a:ln>
+              <a:solidFill>
+                <a:srgbClr val="11CFD9"/>
+              </a:solidFill>
+            </a:ln>
+          </p:spPr>
+          <p:style>
+            <a:lnRef idx="2">
+              <a:schemeClr val="accent1">
+                <a:shade val="50000"/>
+              </a:schemeClr>
+            </a:lnRef>
+            <a:fillRef idx="1">
+              <a:schemeClr val="accent1"/>
+            </a:fillRef>
+            <a:effectRef idx="0">
+              <a:schemeClr val="accent1"/>
+            </a:effectRef>
+            <a:fontRef idx="minor">
+              <a:schemeClr val="lt1"/>
+            </a:fontRef>
+          </p:style>
+          <p:txBody>
+            <a:bodyPr rtlCol="0" anchor="ctr"/>
+            <a:lstStyle/>
+            <a:p>
+              <a:pPr algn="ctr"/>
+              <a:endParaRPr lang="pl-PL"/>
+            </a:p>
+          </p:txBody>
+        </p:sp>
+        <p:sp>
+          <p:nvSpPr>
+            <p:cNvPr id="36" name="Prostokąt 35">
+              <a:extLst>
+                <a:ext uri="{FF2B5EF4-FFF2-40B4-BE49-F238E27FC236}">
+                  <a16:creationId xmlns:a16="http://schemas.microsoft.com/office/drawing/2014/main" id="{868EBA6F-6F79-4BE4-8200-7BD78844E801}"/>
+                </a:ext>
+              </a:extLst>
+            </p:cNvPr>
+            <p:cNvSpPr/>
+            <p:nvPr/>
+          </p:nvSpPr>
+          <p:spPr>
+            <a:xfrm>
+              <a:off x="8738822" y="3091423"/>
+              <a:ext cx="357809" cy="326866"/>
+            </a:xfrm>
+            <a:prstGeom prst="rect">
+              <a:avLst/>
+            </a:prstGeom>
+            <a:solidFill>
+              <a:schemeClr val="bg1"/>
+            </a:solidFill>
+            <a:ln>
+              <a:solidFill>
+                <a:srgbClr val="11CFD9"/>
+              </a:solidFill>
+            </a:ln>
+          </p:spPr>
+          <p:style>
+            <a:lnRef idx="2">
+              <a:schemeClr val="accent1">
+                <a:shade val="50000"/>
+              </a:schemeClr>
+            </a:lnRef>
+            <a:fillRef idx="1">
+              <a:schemeClr val="accent1"/>
+            </a:fillRef>
+            <a:effectRef idx="0">
+              <a:schemeClr val="accent1"/>
+            </a:effectRef>
+            <a:fontRef idx="minor">
+              <a:schemeClr val="lt1"/>
+            </a:fontRef>
+          </p:style>
+          <p:txBody>
+            <a:bodyPr rtlCol="0" anchor="ctr"/>
+            <a:lstStyle/>
+            <a:p>
+              <a:pPr algn="ctr"/>
+              <a:endParaRPr lang="pl-PL"/>
+            </a:p>
+          </p:txBody>
+        </p:sp>
+        <p:sp>
+          <p:nvSpPr>
+            <p:cNvPr id="37" name="Prostokąt 36">
+              <a:extLst>
+                <a:ext uri="{FF2B5EF4-FFF2-40B4-BE49-F238E27FC236}">
+                  <a16:creationId xmlns:a16="http://schemas.microsoft.com/office/drawing/2014/main" id="{B0FD7F81-660F-4F49-B72B-E7D653915AE4}"/>
+                </a:ext>
+              </a:extLst>
+            </p:cNvPr>
+            <p:cNvSpPr/>
+            <p:nvPr/>
+          </p:nvSpPr>
+          <p:spPr>
+            <a:xfrm>
+              <a:off x="8017525" y="4441341"/>
+              <a:ext cx="357809" cy="326866"/>
+            </a:xfrm>
+            <a:prstGeom prst="rect">
+              <a:avLst/>
+            </a:prstGeom>
+            <a:solidFill>
+              <a:schemeClr val="bg1"/>
+            </a:solidFill>
+            <a:ln>
+              <a:solidFill>
+                <a:srgbClr val="11CFD9"/>
+              </a:solidFill>
+            </a:ln>
+          </p:spPr>
+          <p:style>
+            <a:lnRef idx="2">
+              <a:schemeClr val="accent1">
+                <a:shade val="50000"/>
+              </a:schemeClr>
+            </a:lnRef>
+            <a:fillRef idx="1">
+              <a:schemeClr val="accent1"/>
+            </a:fillRef>
+            <a:effectRef idx="0">
+              <a:schemeClr val="accent1"/>
+            </a:effectRef>
+            <a:fontRef idx="minor">
+              <a:schemeClr val="lt1"/>
+            </a:fontRef>
+          </p:style>
+          <p:txBody>
+            <a:bodyPr rtlCol="0" anchor="ctr"/>
+            <a:lstStyle/>
+            <a:p>
+              <a:pPr algn="ctr"/>
+              <a:endParaRPr lang="pl-PL"/>
+            </a:p>
+          </p:txBody>
+        </p:sp>
+        <p:cxnSp>
+          <p:nvCxnSpPr>
+            <p:cNvPr id="81" name="Łącznik prosty 80">
+              <a:extLst>
+                <a:ext uri="{FF2B5EF4-FFF2-40B4-BE49-F238E27FC236}">
+                  <a16:creationId xmlns:a16="http://schemas.microsoft.com/office/drawing/2014/main" id="{11973E30-817F-4660-B29C-1F2B96C589B5}"/>
+                </a:ext>
+              </a:extLst>
+            </p:cNvPr>
+            <p:cNvCxnSpPr>
+              <a:stCxn id="32" idx="2"/>
+              <a:endCxn id="35" idx="0"/>
+            </p:cNvCxnSpPr>
+            <p:nvPr/>
+          </p:nvCxnSpPr>
+          <p:spPr>
+            <a:xfrm>
+              <a:off x="8629290" y="4142022"/>
+              <a:ext cx="357809" cy="338967"/>
+            </a:xfrm>
+            <a:prstGeom prst="line">
+              <a:avLst/>
+            </a:prstGeom>
+            <a:ln w="57150">
+              <a:solidFill>
+                <a:schemeClr val="bg1"/>
+              </a:solidFill>
+            </a:ln>
+          </p:spPr>
+          <p:style>
+            <a:lnRef idx="1">
+              <a:schemeClr val="accent1"/>
+            </a:lnRef>
+            <a:fillRef idx="0">
+              <a:schemeClr val="accent1"/>
+            </a:fillRef>
+            <a:effectRef idx="0">
+              <a:schemeClr val="accent1"/>
+            </a:effectRef>
+            <a:fontRef idx="minor">
+              <a:schemeClr val="tx1"/>
+            </a:fontRef>
+          </p:style>
+        </p:cxnSp>
+        <p:cxnSp>
+          <p:nvCxnSpPr>
+            <p:cNvPr id="82" name="Łącznik prosty 81">
+              <a:extLst>
+                <a:ext uri="{FF2B5EF4-FFF2-40B4-BE49-F238E27FC236}">
+                  <a16:creationId xmlns:a16="http://schemas.microsoft.com/office/drawing/2014/main" id="{95F49F2F-6348-49C0-BEE3-11624BD81B8E}"/>
+                </a:ext>
+              </a:extLst>
+            </p:cNvPr>
+            <p:cNvCxnSpPr>
+              <a:cxnSpLocks/>
+              <a:stCxn id="32" idx="1"/>
+              <a:endCxn id="33" idx="3"/>
+            </p:cNvCxnSpPr>
+            <p:nvPr/>
+          </p:nvCxnSpPr>
+          <p:spPr>
+            <a:xfrm flipH="1" flipV="1">
+              <a:off x="8139940" y="3961353"/>
+              <a:ext cx="310445" cy="17236"/>
+            </a:xfrm>
+            <a:prstGeom prst="line">
+              <a:avLst/>
+            </a:prstGeom>
+            <a:ln w="57150">
+              <a:solidFill>
+                <a:schemeClr val="bg1"/>
+              </a:solidFill>
+            </a:ln>
+          </p:spPr>
+          <p:style>
+            <a:lnRef idx="1">
+              <a:schemeClr val="accent1"/>
+            </a:lnRef>
+            <a:fillRef idx="0">
+              <a:schemeClr val="accent1"/>
+            </a:fillRef>
+            <a:effectRef idx="0">
+              <a:schemeClr val="accent1"/>
+            </a:effectRef>
+            <a:fontRef idx="minor">
+              <a:schemeClr val="tx1"/>
+            </a:fontRef>
+          </p:style>
+        </p:cxnSp>
+        <p:cxnSp>
+          <p:nvCxnSpPr>
+            <p:cNvPr id="83" name="Łącznik prosty 82">
+              <a:extLst>
+                <a:ext uri="{FF2B5EF4-FFF2-40B4-BE49-F238E27FC236}">
+                  <a16:creationId xmlns:a16="http://schemas.microsoft.com/office/drawing/2014/main" id="{3E5479E9-1943-4451-A5C0-684C1F5DFAA6}"/>
+                </a:ext>
+              </a:extLst>
+            </p:cNvPr>
+            <p:cNvCxnSpPr>
+              <a:cxnSpLocks/>
+              <a:stCxn id="32" idx="3"/>
+              <a:endCxn id="34" idx="1"/>
+            </p:cNvCxnSpPr>
+            <p:nvPr/>
+          </p:nvCxnSpPr>
+          <p:spPr>
+            <a:xfrm flipV="1">
+              <a:off x="8808194" y="3918728"/>
+              <a:ext cx="310445" cy="59861"/>
+            </a:xfrm>
+            <a:prstGeom prst="line">
+              <a:avLst/>
+            </a:prstGeom>
+            <a:ln w="57150">
+              <a:solidFill>
+                <a:schemeClr val="bg1"/>
+              </a:solidFill>
+            </a:ln>
+          </p:spPr>
+          <p:style>
+            <a:lnRef idx="1">
+              <a:schemeClr val="accent1"/>
+            </a:lnRef>
+            <a:fillRef idx="0">
+              <a:schemeClr val="accent1"/>
+            </a:fillRef>
+            <a:effectRef idx="0">
+              <a:schemeClr val="accent1"/>
+            </a:effectRef>
+            <a:fontRef idx="minor">
+              <a:schemeClr val="tx1"/>
+            </a:fontRef>
+          </p:style>
+        </p:cxnSp>
+        <p:cxnSp>
+          <p:nvCxnSpPr>
+            <p:cNvPr id="84" name="Łącznik prosty 83">
+              <a:extLst>
+                <a:ext uri="{FF2B5EF4-FFF2-40B4-BE49-F238E27FC236}">
+                  <a16:creationId xmlns:a16="http://schemas.microsoft.com/office/drawing/2014/main" id="{5FF4528E-F252-4F3D-8698-2FB4A40123E6}"/>
+                </a:ext>
+              </a:extLst>
+            </p:cNvPr>
+            <p:cNvCxnSpPr>
+              <a:cxnSpLocks/>
+              <a:stCxn id="32" idx="2"/>
+              <a:endCxn id="37" idx="0"/>
+            </p:cNvCxnSpPr>
+            <p:nvPr/>
+          </p:nvCxnSpPr>
+          <p:spPr>
+            <a:xfrm flipH="1">
+              <a:off x="8196430" y="4142022"/>
+              <a:ext cx="432860" cy="299319"/>
+            </a:xfrm>
+            <a:prstGeom prst="line">
+              <a:avLst/>
+            </a:prstGeom>
+            <a:ln w="57150">
+              <a:solidFill>
+                <a:schemeClr val="bg1"/>
+              </a:solidFill>
+            </a:ln>
+          </p:spPr>
+          <p:style>
+            <a:lnRef idx="1">
+              <a:schemeClr val="accent1"/>
+            </a:lnRef>
+            <a:fillRef idx="0">
+              <a:schemeClr val="accent1"/>
+            </a:fillRef>
+            <a:effectRef idx="0">
+              <a:schemeClr val="accent1"/>
+            </a:effectRef>
+            <a:fontRef idx="minor">
+              <a:schemeClr val="tx1"/>
+            </a:fontRef>
+          </p:style>
+        </p:cxnSp>
+        <p:cxnSp>
+          <p:nvCxnSpPr>
+            <p:cNvPr id="85" name="Łącznik prosty 84">
+              <a:extLst>
+                <a:ext uri="{FF2B5EF4-FFF2-40B4-BE49-F238E27FC236}">
+                  <a16:creationId xmlns:a16="http://schemas.microsoft.com/office/drawing/2014/main" id="{CF9CA816-10D8-42C7-A00F-2DBA61F5416D}"/>
+                </a:ext>
+              </a:extLst>
+            </p:cNvPr>
+            <p:cNvCxnSpPr>
+              <a:cxnSpLocks/>
+              <a:stCxn id="31" idx="2"/>
+              <a:endCxn id="32" idx="0"/>
+            </p:cNvCxnSpPr>
+            <p:nvPr/>
+          </p:nvCxnSpPr>
+          <p:spPr>
+            <a:xfrm>
+              <a:off x="8139940" y="3450362"/>
+              <a:ext cx="489350" cy="364794"/>
+            </a:xfrm>
+            <a:prstGeom prst="line">
+              <a:avLst/>
+            </a:prstGeom>
+            <a:ln w="57150">
+              <a:solidFill>
+                <a:schemeClr val="bg1"/>
+              </a:solidFill>
+            </a:ln>
+          </p:spPr>
+          <p:style>
+            <a:lnRef idx="1">
+              <a:schemeClr val="accent1"/>
+            </a:lnRef>
+            <a:fillRef idx="0">
+              <a:schemeClr val="accent1"/>
+            </a:fillRef>
+            <a:effectRef idx="0">
+              <a:schemeClr val="accent1"/>
+            </a:effectRef>
+            <a:fontRef idx="minor">
+              <a:schemeClr val="tx1"/>
+            </a:fontRef>
+          </p:style>
+        </p:cxnSp>
+        <p:cxnSp>
+          <p:nvCxnSpPr>
+            <p:cNvPr id="94" name="Łącznik prosty 93">
+              <a:extLst>
+                <a:ext uri="{FF2B5EF4-FFF2-40B4-BE49-F238E27FC236}">
+                  <a16:creationId xmlns:a16="http://schemas.microsoft.com/office/drawing/2014/main" id="{07BE5F83-9700-4F5C-94F3-C33520007B6D}"/>
+                </a:ext>
+              </a:extLst>
+            </p:cNvPr>
+            <p:cNvCxnSpPr>
+              <a:cxnSpLocks/>
+              <a:stCxn id="32" idx="0"/>
+              <a:endCxn id="36" idx="2"/>
+            </p:cNvCxnSpPr>
+            <p:nvPr/>
+          </p:nvCxnSpPr>
+          <p:spPr>
+            <a:xfrm flipV="1">
+              <a:off x="8629290" y="3418289"/>
+              <a:ext cx="288437" cy="396867"/>
+            </a:xfrm>
+            <a:prstGeom prst="line">
+              <a:avLst/>
+            </a:prstGeom>
+            <a:ln w="57150">
+              <a:solidFill>
+                <a:schemeClr val="bg1"/>
+              </a:solidFill>
+            </a:ln>
+          </p:spPr>
+          <p:style>
+            <a:lnRef idx="1">
+              <a:schemeClr val="accent1"/>
+            </a:lnRef>
+            <a:fillRef idx="0">
+              <a:schemeClr val="accent1"/>
+            </a:fillRef>
+            <a:effectRef idx="0">
+              <a:schemeClr val="accent1"/>
+            </a:effectRef>
+            <a:fontRef idx="minor">
+              <a:schemeClr val="tx1"/>
+            </a:fontRef>
+          </p:style>
+        </p:cxnSp>
+      </p:grpSp>
+      <p:sp>
+        <p:nvSpPr>
+          <p:cNvPr id="106" name="Prostokąt 105">
+            <a:extLst>
+              <a:ext uri="{FF2B5EF4-FFF2-40B4-BE49-F238E27FC236}">
+                <a16:creationId xmlns:a16="http://schemas.microsoft.com/office/drawing/2014/main" id="{6ECA6AC6-0FA3-47E9-8409-28424C4A7DC3}"/>
+              </a:ext>
+            </a:extLst>
+          </p:cNvPr>
+          <p:cNvSpPr/>
+          <p:nvPr/>
+        </p:nvSpPr>
+        <p:spPr>
+          <a:xfrm>
+            <a:off x="4863271" y="1332386"/>
+            <a:ext cx="2460515" cy="1323439"/>
+          </a:xfrm>
+          <a:prstGeom prst="rect">
             <a:avLst/>
           </a:prstGeom>
           <a:noFill/>
-          <a:ln w="76200">
-            <a:solidFill>
-              <a:schemeClr val="accent1">
-                <a:lumMod val="50000"/>
-              </a:schemeClr>
-            </a:solidFill>
+        </p:spPr>
+        <p:txBody>
+          <a:bodyPr wrap="square" lIns="91440" tIns="45720" rIns="91440" bIns="45720">
+            <a:spAutoFit/>
+          </a:bodyPr>
+          <a:lstStyle/>
+          <a:p>
+            <a:pPr algn="ctr"/>
+            <a:r>
+              <a:rPr lang="pl-PL" sz="4000" b="1" dirty="0">
+                <a:ln w="10160">
+                  <a:solidFill>
+                    <a:schemeClr val="accent5"/>
+                  </a:solidFill>
+                  <a:prstDash val="solid"/>
+                </a:ln>
+                <a:solidFill>
+                  <a:srgbClr val="FFFFFF"/>
+                </a:solidFill>
+                <a:effectLst>
+                  <a:outerShdw blurRad="38100" dist="22860" dir="5400000" algn="tl" rotWithShape="0">
+                    <a:srgbClr val="000000">
+                      <a:alpha val="30000"/>
+                    </a:srgbClr>
+                  </a:outerShdw>
+                </a:effectLst>
+              </a:rPr>
+              <a:t>Integrated layer</a:t>
+            </a:r>
+            <a:endParaRPr lang="pl-PL" sz="4000" b="1" cap="none" spc="0" dirty="0">
+              <a:ln w="10160">
+                <a:solidFill>
+                  <a:schemeClr val="accent5"/>
+                </a:solidFill>
+                <a:prstDash val="solid"/>
+              </a:ln>
+              <a:solidFill>
+                <a:srgbClr val="FFFFFF"/>
+              </a:solidFill>
+              <a:effectLst>
+                <a:outerShdw blurRad="38100" dist="22860" dir="5400000" algn="tl" rotWithShape="0">
+                  <a:srgbClr val="000000">
+                    <a:alpha val="30000"/>
+                  </a:srgbClr>
+                </a:outerShdw>
+              </a:effectLst>
+            </a:endParaRPr>
+          </a:p>
+        </p:txBody>
+      </p:sp>
+      <p:sp>
+        <p:nvSpPr>
+          <p:cNvPr id="109" name="Prostokąt 108">
+            <a:extLst>
+              <a:ext uri="{FF2B5EF4-FFF2-40B4-BE49-F238E27FC236}">
+                <a16:creationId xmlns:a16="http://schemas.microsoft.com/office/drawing/2014/main" id="{F4ACCFB6-DFFD-4CC1-A01E-37B08B3BDCFD}"/>
+              </a:ext>
+            </a:extLst>
+          </p:cNvPr>
+          <p:cNvSpPr/>
+          <p:nvPr/>
+        </p:nvSpPr>
+        <p:spPr>
+          <a:xfrm>
+            <a:off x="390886" y="1332386"/>
+            <a:ext cx="2336726" cy="1323439"/>
+          </a:xfrm>
+          <a:prstGeom prst="rect">
+            <a:avLst/>
+          </a:prstGeom>
+          <a:noFill/>
+        </p:spPr>
+        <p:txBody>
+          <a:bodyPr wrap="square" lIns="91440" tIns="45720" rIns="91440" bIns="45720">
+            <a:spAutoFit/>
+          </a:bodyPr>
+          <a:lstStyle/>
+          <a:p>
+            <a:pPr algn="ctr"/>
+            <a:r>
+              <a:rPr lang="pl-PL" sz="4000" b="1" dirty="0">
+                <a:ln w="10160">
+                  <a:solidFill>
+                    <a:schemeClr val="accent5"/>
+                  </a:solidFill>
+                  <a:prstDash val="solid"/>
+                </a:ln>
+                <a:solidFill>
+                  <a:srgbClr val="FFFFFF"/>
+                </a:solidFill>
+                <a:effectLst>
+                  <a:outerShdw blurRad="38100" dist="22860" dir="5400000" algn="tl" rotWithShape="0">
+                    <a:srgbClr val="000000">
+                      <a:alpha val="30000"/>
+                    </a:srgbClr>
+                  </a:outerShdw>
+                </a:effectLst>
+              </a:rPr>
+              <a:t>Landing area</a:t>
+            </a:r>
+            <a:endParaRPr lang="pl-PL" sz="4000" b="1" cap="none" spc="0" dirty="0">
+              <a:ln w="10160">
+                <a:solidFill>
+                  <a:schemeClr val="accent5"/>
+                </a:solidFill>
+                <a:prstDash val="solid"/>
+              </a:ln>
+              <a:solidFill>
+                <a:srgbClr val="FFFFFF"/>
+              </a:solidFill>
+              <a:effectLst>
+                <a:outerShdw blurRad="38100" dist="22860" dir="5400000" algn="tl" rotWithShape="0">
+                  <a:srgbClr val="000000">
+                    <a:alpha val="30000"/>
+                  </a:srgbClr>
+                </a:outerShdw>
+              </a:effectLst>
+            </a:endParaRPr>
+          </a:p>
+        </p:txBody>
+      </p:sp>
+      <p:sp>
+        <p:nvSpPr>
+          <p:cNvPr id="110" name="Prostokąt 109">
+            <a:extLst>
+              <a:ext uri="{FF2B5EF4-FFF2-40B4-BE49-F238E27FC236}">
+                <a16:creationId xmlns:a16="http://schemas.microsoft.com/office/drawing/2014/main" id="{C813C70A-C6A0-4089-AE52-5CD1B0431AF9}"/>
+              </a:ext>
+            </a:extLst>
+          </p:cNvPr>
+          <p:cNvSpPr/>
+          <p:nvPr/>
+        </p:nvSpPr>
+        <p:spPr>
+          <a:xfrm>
+            <a:off x="7414414" y="1332386"/>
+            <a:ext cx="2460515" cy="1323439"/>
+          </a:xfrm>
+          <a:prstGeom prst="rect">
+            <a:avLst/>
+          </a:prstGeom>
+          <a:noFill/>
+        </p:spPr>
+        <p:txBody>
+          <a:bodyPr wrap="square" lIns="91440" tIns="45720" rIns="91440" bIns="45720">
+            <a:spAutoFit/>
+          </a:bodyPr>
+          <a:lstStyle/>
+          <a:p>
+            <a:pPr algn="ctr"/>
+            <a:r>
+              <a:rPr lang="pl-PL" sz="4000" b="1" dirty="0">
+                <a:ln w="10160">
+                  <a:solidFill>
+                    <a:schemeClr val="accent5"/>
+                  </a:solidFill>
+                  <a:prstDash val="solid"/>
+                </a:ln>
+                <a:solidFill>
+                  <a:srgbClr val="FFFFFF"/>
+                </a:solidFill>
+                <a:effectLst>
+                  <a:outerShdw blurRad="38100" dist="22860" dir="5400000" algn="tl" rotWithShape="0">
+                    <a:srgbClr val="000000">
+                      <a:alpha val="30000"/>
+                    </a:srgbClr>
+                  </a:outerShdw>
+                </a:effectLst>
+              </a:rPr>
+              <a:t>Access layer</a:t>
+            </a:r>
+            <a:endParaRPr lang="pl-PL" sz="4000" b="1" cap="none" spc="0" dirty="0">
+              <a:ln w="10160">
+                <a:solidFill>
+                  <a:schemeClr val="accent5"/>
+                </a:solidFill>
+                <a:prstDash val="solid"/>
+              </a:ln>
+              <a:solidFill>
+                <a:srgbClr val="FFFFFF"/>
+              </a:solidFill>
+              <a:effectLst>
+                <a:outerShdw blurRad="38100" dist="22860" dir="5400000" algn="tl" rotWithShape="0">
+                  <a:srgbClr val="000000">
+                    <a:alpha val="30000"/>
+                  </a:srgbClr>
+                </a:outerShdw>
+              </a:effectLst>
+            </a:endParaRPr>
+          </a:p>
+        </p:txBody>
+      </p:sp>
+      <p:sp>
+        <p:nvSpPr>
+          <p:cNvPr id="111" name="Prostokąt 110">
+            <a:extLst>
+              <a:ext uri="{FF2B5EF4-FFF2-40B4-BE49-F238E27FC236}">
+                <a16:creationId xmlns:a16="http://schemas.microsoft.com/office/drawing/2014/main" id="{B7223AE2-058B-4F03-92E0-39A223981F0E}"/>
+              </a:ext>
+            </a:extLst>
+          </p:cNvPr>
+          <p:cNvSpPr/>
+          <p:nvPr/>
+        </p:nvSpPr>
+        <p:spPr>
+          <a:xfrm>
+            <a:off x="9786077" y="1332386"/>
+            <a:ext cx="2460515" cy="1323439"/>
+          </a:xfrm>
+          <a:prstGeom prst="rect">
+            <a:avLst/>
+          </a:prstGeom>
+          <a:noFill/>
+        </p:spPr>
+        <p:txBody>
+          <a:bodyPr wrap="square" lIns="91440" tIns="45720" rIns="91440" bIns="45720">
+            <a:spAutoFit/>
+          </a:bodyPr>
+          <a:lstStyle/>
+          <a:p>
+            <a:pPr algn="ctr"/>
+            <a:r>
+              <a:rPr lang="pl-PL" sz="4000" b="1" dirty="0">
+                <a:ln w="10160">
+                  <a:solidFill>
+                    <a:schemeClr val="accent5"/>
+                  </a:solidFill>
+                  <a:prstDash val="solid"/>
+                </a:ln>
+                <a:solidFill>
+                  <a:srgbClr val="FFFFFF"/>
+                </a:solidFill>
+                <a:effectLst>
+                  <a:outerShdw blurRad="38100" dist="22860" dir="5400000" algn="tl" rotWithShape="0">
+                    <a:srgbClr val="000000">
+                      <a:alpha val="30000"/>
+                    </a:srgbClr>
+                  </a:outerShdw>
+                </a:effectLst>
+              </a:rPr>
+              <a:t>Data marts</a:t>
+            </a:r>
+            <a:endParaRPr lang="pl-PL" sz="4000" b="1" cap="none" spc="0" dirty="0">
+              <a:ln w="10160">
+                <a:solidFill>
+                  <a:schemeClr val="accent5"/>
+                </a:solidFill>
+                <a:prstDash val="solid"/>
+              </a:ln>
+              <a:solidFill>
+                <a:srgbClr val="FFFFFF"/>
+              </a:solidFill>
+              <a:effectLst>
+                <a:outerShdw blurRad="38100" dist="22860" dir="5400000" algn="tl" rotWithShape="0">
+                  <a:srgbClr val="000000">
+                    <a:alpha val="30000"/>
+                  </a:srgbClr>
+                </a:outerShdw>
+              </a:effectLst>
+            </a:endParaRPr>
+          </a:p>
+        </p:txBody>
+      </p:sp>
+      <p:sp>
+        <p:nvSpPr>
+          <p:cNvPr id="112" name="Prostokąt 111">
+            <a:extLst>
+              <a:ext uri="{FF2B5EF4-FFF2-40B4-BE49-F238E27FC236}">
+                <a16:creationId xmlns:a16="http://schemas.microsoft.com/office/drawing/2014/main" id="{D3F4ECD7-3B4F-4CE1-A85D-9C7BDE69825B}"/>
+              </a:ext>
+            </a:extLst>
+          </p:cNvPr>
+          <p:cNvSpPr/>
+          <p:nvPr/>
+        </p:nvSpPr>
+        <p:spPr>
+          <a:xfrm>
+            <a:off x="2565184" y="1332386"/>
+            <a:ext cx="2460515" cy="1323439"/>
+          </a:xfrm>
+          <a:prstGeom prst="rect">
+            <a:avLst/>
+          </a:prstGeom>
+          <a:noFill/>
+        </p:spPr>
+        <p:txBody>
+          <a:bodyPr wrap="square" lIns="91440" tIns="45720" rIns="91440" bIns="45720">
+            <a:spAutoFit/>
+          </a:bodyPr>
+          <a:lstStyle/>
+          <a:p>
+            <a:pPr algn="ctr"/>
+            <a:r>
+              <a:rPr lang="pl-PL" sz="4000" b="1" dirty="0">
+                <a:ln w="10160">
+                  <a:solidFill>
+                    <a:schemeClr val="accent5"/>
+                  </a:solidFill>
+                  <a:prstDash val="solid"/>
+                </a:ln>
+                <a:solidFill>
+                  <a:srgbClr val="FFFFFF"/>
+                </a:solidFill>
+                <a:effectLst>
+                  <a:outerShdw blurRad="38100" dist="22860" dir="5400000" algn="tl" rotWithShape="0">
+                    <a:srgbClr val="000000">
+                      <a:alpha val="30000"/>
+                    </a:srgbClr>
+                  </a:outerShdw>
+                </a:effectLst>
+              </a:rPr>
+              <a:t>Stage layer</a:t>
+            </a:r>
+            <a:endParaRPr lang="pl-PL" sz="4000" b="1" cap="none" spc="0" dirty="0">
+              <a:ln w="10160">
+                <a:solidFill>
+                  <a:schemeClr val="accent5"/>
+                </a:solidFill>
+                <a:prstDash val="solid"/>
+              </a:ln>
+              <a:solidFill>
+                <a:srgbClr val="FFFFFF"/>
+              </a:solidFill>
+              <a:effectLst>
+                <a:outerShdw blurRad="38100" dist="22860" dir="5400000" algn="tl" rotWithShape="0">
+                  <a:srgbClr val="000000">
+                    <a:alpha val="30000"/>
+                  </a:srgbClr>
+                </a:outerShdw>
+              </a:effectLst>
+            </a:endParaRPr>
+          </a:p>
+        </p:txBody>
+      </p:sp>
+      <p:grpSp>
+        <p:nvGrpSpPr>
+          <p:cNvPr id="133" name="Grupa 132">
+            <a:extLst>
+              <a:ext uri="{FF2B5EF4-FFF2-40B4-BE49-F238E27FC236}">
+                <a16:creationId xmlns:a16="http://schemas.microsoft.com/office/drawing/2014/main" id="{2F9F27E0-EFE2-445E-A166-C1C90B3B3797}"/>
+              </a:ext>
+            </a:extLst>
+          </p:cNvPr>
+          <p:cNvGrpSpPr/>
+          <p:nvPr/>
+        </p:nvGrpSpPr>
+        <p:grpSpPr>
+          <a:xfrm>
+            <a:off x="1523922" y="3863749"/>
+            <a:ext cx="951773" cy="982102"/>
+            <a:chOff x="1523914" y="3794192"/>
+            <a:chExt cx="951773" cy="982102"/>
+          </a:xfrm>
+        </p:grpSpPr>
+        <p:pic>
+          <p:nvPicPr>
+            <p:cNvPr id="10" name="Grafika 9" descr="Otwarty folder">
+              <a:extLst>
+                <a:ext uri="{FF2B5EF4-FFF2-40B4-BE49-F238E27FC236}">
+                  <a16:creationId xmlns:a16="http://schemas.microsoft.com/office/drawing/2014/main" id="{AFBC10FB-EEEB-4B41-950C-78D45405EB79}"/>
+                </a:ext>
+              </a:extLst>
+            </p:cNvPr>
+            <p:cNvPicPr>
+              <a:picLocks noChangeAspect="1"/>
+            </p:cNvPicPr>
+            <p:nvPr/>
+          </p:nvPicPr>
+          <p:blipFill>
+            <a:blip r:embed="rId19">
+              <a:extLst>
+                <a:ext uri="{28A0092B-C50C-407E-A947-70E740481C1C}">
+                  <a14:useLocalDpi xmlns:a14="http://schemas.microsoft.com/office/drawing/2010/main" val="0"/>
+                </a:ext>
+                <a:ext uri="{96DAC541-7B7A-43D3-8B79-37D633B846F1}">
+                  <asvg:svgBlip xmlns:asvg="http://schemas.microsoft.com/office/drawing/2016/SVG/main" r:embed="rId20"/>
+                </a:ext>
+              </a:extLst>
+            </a:blip>
+            <a:stretch>
+              <a:fillRect/>
+            </a:stretch>
+          </p:blipFill>
+          <p:spPr>
+            <a:xfrm>
+              <a:off x="1561287" y="3861894"/>
+              <a:ext cx="914400" cy="914400"/>
+            </a:xfrm>
+            <a:prstGeom prst="rect">
+              <a:avLst/>
+            </a:prstGeom>
+          </p:spPr>
+        </p:pic>
+        <p:pic>
+          <p:nvPicPr>
+            <p:cNvPr id="132" name="Grafika 131" descr="Otwarty folder">
+              <a:extLst>
+                <a:ext uri="{FF2B5EF4-FFF2-40B4-BE49-F238E27FC236}">
+                  <a16:creationId xmlns:a16="http://schemas.microsoft.com/office/drawing/2014/main" id="{14B98A63-CBE1-4641-822C-7A918CCD34C3}"/>
+                </a:ext>
+              </a:extLst>
+            </p:cNvPr>
+            <p:cNvPicPr>
+              <a:picLocks noChangeAspect="1"/>
+            </p:cNvPicPr>
+            <p:nvPr/>
+          </p:nvPicPr>
+          <p:blipFill>
+            <a:blip r:embed="rId21">
+              <a:extLst>
+                <a:ext uri="{28A0092B-C50C-407E-A947-70E740481C1C}">
+                  <a14:useLocalDpi xmlns:a14="http://schemas.microsoft.com/office/drawing/2010/main" val="0"/>
+                </a:ext>
+                <a:ext uri="{96DAC541-7B7A-43D3-8B79-37D633B846F1}">
+                  <asvg:svgBlip xmlns:asvg="http://schemas.microsoft.com/office/drawing/2016/SVG/main" r:embed="rId22"/>
+                </a:ext>
+              </a:extLst>
+            </a:blip>
+            <a:stretch>
+              <a:fillRect/>
+            </a:stretch>
+          </p:blipFill>
+          <p:spPr>
+            <a:xfrm>
+              <a:off x="1523914" y="3794192"/>
+              <a:ext cx="914400" cy="914400"/>
+            </a:xfrm>
+            <a:prstGeom prst="rect">
+              <a:avLst/>
+            </a:prstGeom>
+          </p:spPr>
+        </p:pic>
+      </p:grpSp>
+      <p:sp>
+        <p:nvSpPr>
+          <p:cNvPr id="134" name="Strzałka: zakrzywiona w lewo 133">
+            <a:extLst>
+              <a:ext uri="{FF2B5EF4-FFF2-40B4-BE49-F238E27FC236}">
+                <a16:creationId xmlns:a16="http://schemas.microsoft.com/office/drawing/2014/main" id="{6F099261-F1E3-4965-A012-E4E1CD1C406F}"/>
+              </a:ext>
+            </a:extLst>
+          </p:cNvPr>
+          <p:cNvSpPr/>
+          <p:nvPr/>
+        </p:nvSpPr>
+        <p:spPr>
+          <a:xfrm rot="15329600" flipH="1">
+            <a:off x="1627153" y="4074551"/>
+            <a:ext cx="1382633" cy="3986783"/>
+          </a:xfrm>
+          <a:prstGeom prst="curvedLeftArrow">
+            <a:avLst>
+              <a:gd name="adj1" fmla="val 9233"/>
+              <a:gd name="adj2" fmla="val 30776"/>
+              <a:gd name="adj3" fmla="val 12167"/>
+            </a:avLst>
+          </a:prstGeom>
+          <a:solidFill>
+            <a:schemeClr val="bg1"/>
+          </a:solidFill>
+          <a:ln>
+            <a:noFill/>
           </a:ln>
         </p:spPr>
         <p:style>
@@ -3711,10 +6186,317 @@
           <a:lstStyle/>
           <a:p>
             <a:pPr algn="ctr"/>
-            <a:endParaRPr lang="pl-PL"/>
+            <a:endParaRPr lang="pl-PL">
+              <a:solidFill>
+                <a:schemeClr val="tx1"/>
+              </a:solidFill>
+            </a:endParaRPr>
           </a:p>
         </p:txBody>
       </p:sp>
+      <p:sp>
+        <p:nvSpPr>
+          <p:cNvPr id="135" name="Strzałka: zakrzywiona w lewo 134">
+            <a:extLst>
+              <a:ext uri="{FF2B5EF4-FFF2-40B4-BE49-F238E27FC236}">
+                <a16:creationId xmlns:a16="http://schemas.microsoft.com/office/drawing/2014/main" id="{DDDC603E-E875-4C61-B546-93C81D339DDA}"/>
+              </a:ext>
+            </a:extLst>
+          </p:cNvPr>
+          <p:cNvSpPr/>
+          <p:nvPr/>
+        </p:nvSpPr>
+        <p:spPr>
+          <a:xfrm rot="15329600">
+            <a:off x="3569995" y="2020892"/>
+            <a:ext cx="928838" cy="2344504"/>
+          </a:xfrm>
+          <a:prstGeom prst="curvedLeftArrow">
+            <a:avLst>
+              <a:gd name="adj1" fmla="val 17800"/>
+              <a:gd name="adj2" fmla="val 30776"/>
+              <a:gd name="adj3" fmla="val 25705"/>
+            </a:avLst>
+          </a:prstGeom>
+          <a:solidFill>
+            <a:schemeClr val="bg1"/>
+          </a:solidFill>
+          <a:ln>
+            <a:noFill/>
+          </a:ln>
+        </p:spPr>
+        <p:style>
+          <a:lnRef idx="2">
+            <a:schemeClr val="accent1">
+              <a:shade val="50000"/>
+            </a:schemeClr>
+          </a:lnRef>
+          <a:fillRef idx="1">
+            <a:schemeClr val="accent1"/>
+          </a:fillRef>
+          <a:effectRef idx="0">
+            <a:schemeClr val="accent1"/>
+          </a:effectRef>
+          <a:fontRef idx="minor">
+            <a:schemeClr val="lt1"/>
+          </a:fontRef>
+        </p:style>
+        <p:txBody>
+          <a:bodyPr rtlCol="0" anchor="ctr"/>
+          <a:lstStyle/>
+          <a:p>
+            <a:pPr algn="ctr"/>
+            <a:endParaRPr lang="pl-PL">
+              <a:solidFill>
+                <a:schemeClr val="tx1"/>
+              </a:solidFill>
+            </a:endParaRPr>
+          </a:p>
+        </p:txBody>
+      </p:sp>
+      <p:sp>
+        <p:nvSpPr>
+          <p:cNvPr id="136" name="Strzałka: zakrzywiona w lewo 135">
+            <a:extLst>
+              <a:ext uri="{FF2B5EF4-FFF2-40B4-BE49-F238E27FC236}">
+                <a16:creationId xmlns:a16="http://schemas.microsoft.com/office/drawing/2014/main" id="{8AA5A3A1-8581-4EF3-BCDB-64A2F9C5B017}"/>
+              </a:ext>
+            </a:extLst>
+          </p:cNvPr>
+          <p:cNvSpPr/>
+          <p:nvPr/>
+        </p:nvSpPr>
+        <p:spPr>
+          <a:xfrm rot="15329600" flipH="1">
+            <a:off x="7222307" y="5039346"/>
+            <a:ext cx="1017052" cy="2344504"/>
+          </a:xfrm>
+          <a:prstGeom prst="curvedLeftArrow">
+            <a:avLst>
+              <a:gd name="adj1" fmla="val 17800"/>
+              <a:gd name="adj2" fmla="val 30776"/>
+              <a:gd name="adj3" fmla="val 25705"/>
+            </a:avLst>
+          </a:prstGeom>
+          <a:solidFill>
+            <a:schemeClr val="bg1"/>
+          </a:solidFill>
+          <a:ln>
+            <a:noFill/>
+          </a:ln>
+        </p:spPr>
+        <p:style>
+          <a:lnRef idx="2">
+            <a:schemeClr val="accent1">
+              <a:shade val="50000"/>
+            </a:schemeClr>
+          </a:lnRef>
+          <a:fillRef idx="1">
+            <a:schemeClr val="accent1"/>
+          </a:fillRef>
+          <a:effectRef idx="0">
+            <a:schemeClr val="accent1"/>
+          </a:effectRef>
+          <a:fontRef idx="minor">
+            <a:schemeClr val="lt1"/>
+          </a:fontRef>
+        </p:style>
+        <p:txBody>
+          <a:bodyPr rtlCol="0" anchor="ctr"/>
+          <a:lstStyle/>
+          <a:p>
+            <a:pPr algn="ctr"/>
+            <a:endParaRPr lang="pl-PL">
+              <a:solidFill>
+                <a:schemeClr val="tx1"/>
+              </a:solidFill>
+            </a:endParaRPr>
+          </a:p>
+        </p:txBody>
+      </p:sp>
+      <p:grpSp>
+        <p:nvGrpSpPr>
+          <p:cNvPr id="141" name="Grupa 140">
+            <a:extLst>
+              <a:ext uri="{FF2B5EF4-FFF2-40B4-BE49-F238E27FC236}">
+                <a16:creationId xmlns:a16="http://schemas.microsoft.com/office/drawing/2014/main" id="{5373A467-9F6F-4DF6-8645-E2112ACC5F86}"/>
+              </a:ext>
+            </a:extLst>
+          </p:cNvPr>
+          <p:cNvGrpSpPr/>
+          <p:nvPr/>
+        </p:nvGrpSpPr>
+        <p:grpSpPr>
+          <a:xfrm>
+            <a:off x="9688335" y="3368191"/>
+            <a:ext cx="764428" cy="1925814"/>
+            <a:chOff x="9552558" y="3327131"/>
+            <a:chExt cx="975708" cy="1925814"/>
+          </a:xfrm>
+        </p:grpSpPr>
+        <p:sp>
+          <p:nvSpPr>
+            <p:cNvPr id="138" name="Strzałka: w górę 137">
+              <a:extLst>
+                <a:ext uri="{FF2B5EF4-FFF2-40B4-BE49-F238E27FC236}">
+                  <a16:creationId xmlns:a16="http://schemas.microsoft.com/office/drawing/2014/main" id="{36BD046B-17F3-4DAA-84B8-A42A719E8442}"/>
+                </a:ext>
+              </a:extLst>
+            </p:cNvPr>
+            <p:cNvSpPr/>
+            <p:nvPr/>
+          </p:nvSpPr>
+          <p:spPr>
+            <a:xfrm rot="3650100">
+              <a:off x="9878765" y="3035825"/>
+              <a:ext cx="335689" cy="918301"/>
+            </a:xfrm>
+            <a:prstGeom prst="upArrow">
+              <a:avLst/>
+            </a:prstGeom>
+            <a:solidFill>
+              <a:schemeClr val="bg1"/>
+            </a:solidFill>
+            <a:ln>
+              <a:solidFill>
+                <a:srgbClr val="11CFD9"/>
+              </a:solidFill>
+            </a:ln>
+          </p:spPr>
+          <p:style>
+            <a:lnRef idx="2">
+              <a:schemeClr val="accent1">
+                <a:shade val="50000"/>
+              </a:schemeClr>
+            </a:lnRef>
+            <a:fillRef idx="1">
+              <a:schemeClr val="accent1"/>
+            </a:fillRef>
+            <a:effectRef idx="0">
+              <a:schemeClr val="accent1"/>
+            </a:effectRef>
+            <a:fontRef idx="minor">
+              <a:schemeClr val="lt1"/>
+            </a:fontRef>
+          </p:style>
+          <p:txBody>
+            <a:bodyPr rtlCol="0" anchor="ctr"/>
+            <a:lstStyle/>
+            <a:p>
+              <a:pPr algn="ctr"/>
+              <a:endParaRPr lang="pl-PL"/>
+            </a:p>
+          </p:txBody>
+        </p:sp>
+        <p:sp>
+          <p:nvSpPr>
+            <p:cNvPr id="139" name="Strzałka: w górę 138">
+              <a:extLst>
+                <a:ext uri="{FF2B5EF4-FFF2-40B4-BE49-F238E27FC236}">
+                  <a16:creationId xmlns:a16="http://schemas.microsoft.com/office/drawing/2014/main" id="{3E8CCD7C-31F1-4A0D-B3A7-1B7EFDCAE10F}"/>
+                </a:ext>
+              </a:extLst>
+            </p:cNvPr>
+            <p:cNvSpPr/>
+            <p:nvPr/>
+          </p:nvSpPr>
+          <p:spPr>
+            <a:xfrm rot="5400000">
+              <a:off x="9901271" y="3804231"/>
+              <a:ext cx="335689" cy="918301"/>
+            </a:xfrm>
+            <a:prstGeom prst="upArrow">
+              <a:avLst/>
+            </a:prstGeom>
+            <a:solidFill>
+              <a:schemeClr val="bg1"/>
+            </a:solidFill>
+            <a:ln>
+              <a:solidFill>
+                <a:srgbClr val="11CFD9"/>
+              </a:solidFill>
+            </a:ln>
+          </p:spPr>
+          <p:style>
+            <a:lnRef idx="2">
+              <a:schemeClr val="accent1">
+                <a:shade val="50000"/>
+              </a:schemeClr>
+            </a:lnRef>
+            <a:fillRef idx="1">
+              <a:schemeClr val="accent1"/>
+            </a:fillRef>
+            <a:effectRef idx="0">
+              <a:schemeClr val="accent1"/>
+            </a:effectRef>
+            <a:fontRef idx="minor">
+              <a:schemeClr val="lt1"/>
+            </a:fontRef>
+          </p:style>
+          <p:txBody>
+            <a:bodyPr rtlCol="0" anchor="ctr"/>
+            <a:lstStyle/>
+            <a:p>
+              <a:pPr algn="ctr"/>
+              <a:endParaRPr lang="pl-PL"/>
+            </a:p>
+          </p:txBody>
+        </p:sp>
+        <p:sp>
+          <p:nvSpPr>
+            <p:cNvPr id="140" name="Strzałka: w górę 139">
+              <a:extLst>
+                <a:ext uri="{FF2B5EF4-FFF2-40B4-BE49-F238E27FC236}">
+                  <a16:creationId xmlns:a16="http://schemas.microsoft.com/office/drawing/2014/main" id="{CA126C16-AE3B-4D3E-B532-23163AB334C0}"/>
+                </a:ext>
+              </a:extLst>
+            </p:cNvPr>
+            <p:cNvSpPr/>
+            <p:nvPr/>
+          </p:nvSpPr>
+          <p:spPr>
+            <a:xfrm rot="7761374">
+              <a:off x="9843864" y="4625950"/>
+              <a:ext cx="335689" cy="918301"/>
+            </a:xfrm>
+            <a:prstGeom prst="upArrow">
+              <a:avLst/>
+            </a:prstGeom>
+            <a:solidFill>
+              <a:schemeClr val="bg1"/>
+            </a:solidFill>
+            <a:ln>
+              <a:solidFill>
+                <a:srgbClr val="11CFD9"/>
+              </a:solidFill>
+            </a:ln>
+          </p:spPr>
+          <p:style>
+            <a:lnRef idx="2">
+              <a:schemeClr val="accent1">
+                <a:shade val="50000"/>
+              </a:schemeClr>
+            </a:lnRef>
+            <a:fillRef idx="1">
+              <a:schemeClr val="accent1"/>
+            </a:fillRef>
+            <a:effectRef idx="0">
+              <a:schemeClr val="accent1"/>
+            </a:effectRef>
+            <a:fontRef idx="minor">
+              <a:schemeClr val="lt1"/>
+            </a:fontRef>
+          </p:style>
+          <p:txBody>
+            <a:bodyPr rtlCol="0" anchor="ctr"/>
+            <a:lstStyle/>
+            <a:p>
+              <a:pPr algn="ctr"/>
+              <a:endParaRPr lang="pl-PL"/>
+            </a:p>
+          </p:txBody>
+        </p:sp>
+      </p:grpSp>
     </p:spTree>
     <p:extLst>
       <p:ext uri="{BB962C8B-B14F-4D97-AF65-F5344CB8AC3E}">

--- a/themes/hugo-elate-theme/static/images/Pictures for blog.pptx
+++ b/themes/hugo-elate-theme/static/images/Pictures for blog.pptx
@@ -6267,9 +6267,9 @@
           <p:nvPr/>
         </p:nvSpPr>
         <p:spPr>
-          <a:xfrm rot="15329600" flipH="1">
-            <a:off x="7222307" y="5039346"/>
-            <a:ext cx="1017052" cy="2344504"/>
+          <a:xfrm rot="15616987" flipH="1">
+            <a:off x="6310029" y="4612877"/>
+            <a:ext cx="1017052" cy="2953139"/>
           </a:xfrm>
           <a:prstGeom prst="curvedLeftArrow">
             <a:avLst>

--- a/themes/hugo-elate-theme/static/images/Pictures for blog.pptx
+++ b/themes/hugo-elate-theme/static/images/Pictures for blog.pptx
@@ -6,8 +6,9 @@
   </p:sldMasterIdLst>
   <p:sldIdLst>
     <p:sldId id="257" r:id="rId2"/>
-    <p:sldId id="258" r:id="rId3"/>
-    <p:sldId id="256" r:id="rId4"/>
+    <p:sldId id="259" r:id="rId3"/>
+    <p:sldId id="258" r:id="rId4"/>
+    <p:sldId id="256" r:id="rId5"/>
   </p:sldIdLst>
   <p:sldSz cx="12192000" cy="6858000"/>
   <p:notesSz cx="6858000" cy="9144000"/>
@@ -265,7 +266,7 @@
           <a:p>
             <a:fld id="{A42A12F9-EA54-49E1-A3FD-186D9B25B348}" type="datetimeFigureOut">
               <a:rPr lang="pl-PL" smtClean="0"/>
-              <a:t>29.06.2019</a:t>
+              <a:t>02.07.2019</a:t>
             </a:fld>
             <a:endParaRPr lang="pl-PL"/>
           </a:p>
@@ -463,7 +464,7 @@
           <a:p>
             <a:fld id="{A42A12F9-EA54-49E1-A3FD-186D9B25B348}" type="datetimeFigureOut">
               <a:rPr lang="pl-PL" smtClean="0"/>
-              <a:t>29.06.2019</a:t>
+              <a:t>02.07.2019</a:t>
             </a:fld>
             <a:endParaRPr lang="pl-PL"/>
           </a:p>
@@ -671,7 +672,7 @@
           <a:p>
             <a:fld id="{A42A12F9-EA54-49E1-A3FD-186D9B25B348}" type="datetimeFigureOut">
               <a:rPr lang="pl-PL" smtClean="0"/>
-              <a:t>29.06.2019</a:t>
+              <a:t>02.07.2019</a:t>
             </a:fld>
             <a:endParaRPr lang="pl-PL"/>
           </a:p>
@@ -869,7 +870,7 @@
           <a:p>
             <a:fld id="{A42A12F9-EA54-49E1-A3FD-186D9B25B348}" type="datetimeFigureOut">
               <a:rPr lang="pl-PL" smtClean="0"/>
-              <a:t>29.06.2019</a:t>
+              <a:t>02.07.2019</a:t>
             </a:fld>
             <a:endParaRPr lang="pl-PL"/>
           </a:p>
@@ -1144,7 +1145,7 @@
           <a:p>
             <a:fld id="{A42A12F9-EA54-49E1-A3FD-186D9B25B348}" type="datetimeFigureOut">
               <a:rPr lang="pl-PL" smtClean="0"/>
-              <a:t>29.06.2019</a:t>
+              <a:t>02.07.2019</a:t>
             </a:fld>
             <a:endParaRPr lang="pl-PL"/>
           </a:p>
@@ -1409,7 +1410,7 @@
           <a:p>
             <a:fld id="{A42A12F9-EA54-49E1-A3FD-186D9B25B348}" type="datetimeFigureOut">
               <a:rPr lang="pl-PL" smtClean="0"/>
-              <a:t>29.06.2019</a:t>
+              <a:t>02.07.2019</a:t>
             </a:fld>
             <a:endParaRPr lang="pl-PL"/>
           </a:p>
@@ -1821,7 +1822,7 @@
           <a:p>
             <a:fld id="{A42A12F9-EA54-49E1-A3FD-186D9B25B348}" type="datetimeFigureOut">
               <a:rPr lang="pl-PL" smtClean="0"/>
-              <a:t>29.06.2019</a:t>
+              <a:t>02.07.2019</a:t>
             </a:fld>
             <a:endParaRPr lang="pl-PL"/>
           </a:p>
@@ -1962,7 +1963,7 @@
           <a:p>
             <a:fld id="{A42A12F9-EA54-49E1-A3FD-186D9B25B348}" type="datetimeFigureOut">
               <a:rPr lang="pl-PL" smtClean="0"/>
-              <a:t>29.06.2019</a:t>
+              <a:t>02.07.2019</a:t>
             </a:fld>
             <a:endParaRPr lang="pl-PL"/>
           </a:p>
@@ -2075,7 +2076,7 @@
           <a:p>
             <a:fld id="{A42A12F9-EA54-49E1-A3FD-186D9B25B348}" type="datetimeFigureOut">
               <a:rPr lang="pl-PL" smtClean="0"/>
-              <a:t>29.06.2019</a:t>
+              <a:t>02.07.2019</a:t>
             </a:fld>
             <a:endParaRPr lang="pl-PL"/>
           </a:p>
@@ -2386,7 +2387,7 @@
           <a:p>
             <a:fld id="{A42A12F9-EA54-49E1-A3FD-186D9B25B348}" type="datetimeFigureOut">
               <a:rPr lang="pl-PL" smtClean="0"/>
-              <a:t>29.06.2019</a:t>
+              <a:t>02.07.2019</a:t>
             </a:fld>
             <a:endParaRPr lang="pl-PL"/>
           </a:p>
@@ -2674,7 +2675,7 @@
           <a:p>
             <a:fld id="{A42A12F9-EA54-49E1-A3FD-186D9B25B348}" type="datetimeFigureOut">
               <a:rPr lang="pl-PL" smtClean="0"/>
-              <a:t>29.06.2019</a:t>
+              <a:t>02.07.2019</a:t>
             </a:fld>
             <a:endParaRPr lang="pl-PL"/>
           </a:p>
@@ -2915,7 +2916,7 @@
           <a:p>
             <a:fld id="{A42A12F9-EA54-49E1-A3FD-186D9B25B348}" type="datetimeFigureOut">
               <a:rPr lang="pl-PL" smtClean="0"/>
-              <a:t>29.06.2019</a:t>
+              <a:t>02.07.2019</a:t>
             </a:fld>
             <a:endParaRPr lang="pl-PL"/>
           </a:p>
@@ -3466,6 +3467,738 @@
           </a:prstGeom>
         </p:spPr>
       </p:pic>
+      <p:grpSp>
+        <p:nvGrpSpPr>
+          <p:cNvPr id="15" name="Grupa 14">
+            <a:extLst>
+              <a:ext uri="{FF2B5EF4-FFF2-40B4-BE49-F238E27FC236}">
+                <a16:creationId xmlns:a16="http://schemas.microsoft.com/office/drawing/2014/main" id="{E6368EE1-4515-432C-8043-AAA31E47CD19}"/>
+              </a:ext>
+            </a:extLst>
+          </p:cNvPr>
+          <p:cNvGrpSpPr/>
+          <p:nvPr/>
+        </p:nvGrpSpPr>
+        <p:grpSpPr>
+          <a:xfrm>
+            <a:off x="882424" y="2974238"/>
+            <a:ext cx="2503280" cy="2337063"/>
+            <a:chOff x="901148" y="2166492"/>
+            <a:chExt cx="2503280" cy="2337063"/>
+          </a:xfrm>
+        </p:grpSpPr>
+        <p:pic>
+          <p:nvPicPr>
+            <p:cNvPr id="3" name="Grafika 2" descr="Koła zębate">
+              <a:extLst>
+                <a:ext uri="{FF2B5EF4-FFF2-40B4-BE49-F238E27FC236}">
+                  <a16:creationId xmlns:a16="http://schemas.microsoft.com/office/drawing/2014/main" id="{94B09A1F-458C-46E9-B416-502D546E35C4}"/>
+                </a:ext>
+              </a:extLst>
+            </p:cNvPr>
+            <p:cNvPicPr>
+              <a:picLocks noChangeAspect="1"/>
+            </p:cNvPicPr>
+            <p:nvPr/>
+          </p:nvPicPr>
+          <p:blipFill>
+            <a:blip r:embed="rId3">
+              <a:extLst>
+                <a:ext uri="{28A0092B-C50C-407E-A947-70E740481C1C}">
+                  <a14:useLocalDpi xmlns:a14="http://schemas.microsoft.com/office/drawing/2010/main" val="0"/>
+                </a:ext>
+                <a:ext uri="{96DAC541-7B7A-43D3-8B79-37D633B846F1}">
+                  <asvg:svgBlip xmlns:asvg="http://schemas.microsoft.com/office/drawing/2016/SVG/main" r:embed="rId4"/>
+                </a:ext>
+              </a:extLst>
+            </a:blip>
+            <a:stretch>
+              <a:fillRect/>
+            </a:stretch>
+          </p:blipFill>
+          <p:spPr>
+            <a:xfrm>
+              <a:off x="1846386" y="2945513"/>
+              <a:ext cx="1558042" cy="1558042"/>
+            </a:xfrm>
+            <a:prstGeom prst="rect">
+              <a:avLst/>
+            </a:prstGeom>
+          </p:spPr>
+        </p:pic>
+        <p:pic>
+          <p:nvPicPr>
+            <p:cNvPr id="6" name="Grafika 5" descr="Pojedyncze koło zębate">
+              <a:extLst>
+                <a:ext uri="{FF2B5EF4-FFF2-40B4-BE49-F238E27FC236}">
+                  <a16:creationId xmlns:a16="http://schemas.microsoft.com/office/drawing/2014/main" id="{C5809225-676D-43FD-ACA7-F35351E42C82}"/>
+                </a:ext>
+              </a:extLst>
+            </p:cNvPr>
+            <p:cNvPicPr>
+              <a:picLocks noChangeAspect="1"/>
+            </p:cNvPicPr>
+            <p:nvPr/>
+          </p:nvPicPr>
+          <p:blipFill>
+            <a:blip r:embed="rId5">
+              <a:extLst>
+                <a:ext uri="{28A0092B-C50C-407E-A947-70E740481C1C}">
+                  <a14:useLocalDpi xmlns:a14="http://schemas.microsoft.com/office/drawing/2010/main" val="0"/>
+                </a:ext>
+                <a:ext uri="{96DAC541-7B7A-43D3-8B79-37D633B846F1}">
+                  <asvg:svgBlip xmlns:asvg="http://schemas.microsoft.com/office/drawing/2016/SVG/main" r:embed="rId6"/>
+                </a:ext>
+              </a:extLst>
+            </a:blip>
+            <a:stretch>
+              <a:fillRect/>
+            </a:stretch>
+          </p:blipFill>
+          <p:spPr>
+            <a:xfrm>
+              <a:off x="901148" y="2166492"/>
+              <a:ext cx="1558042" cy="1558042"/>
+            </a:xfrm>
+            <a:prstGeom prst="rect">
+              <a:avLst/>
+            </a:prstGeom>
+          </p:spPr>
+        </p:pic>
+      </p:grpSp>
+      <p:pic>
+        <p:nvPicPr>
+          <p:cNvPr id="10" name="Grafika 9" descr="Uścisk dłoni">
+            <a:extLst>
+              <a:ext uri="{FF2B5EF4-FFF2-40B4-BE49-F238E27FC236}">
+                <a16:creationId xmlns:a16="http://schemas.microsoft.com/office/drawing/2014/main" id="{43E8A39C-E342-4A1A-895D-358E46B367B1}"/>
+              </a:ext>
+            </a:extLst>
+          </p:cNvPr>
+          <p:cNvPicPr>
+            <a:picLocks noChangeAspect="1"/>
+          </p:cNvPicPr>
+          <p:nvPr/>
+        </p:nvPicPr>
+        <p:blipFill>
+          <a:blip r:embed="rId7">
+            <a:extLst>
+              <a:ext uri="{28A0092B-C50C-407E-A947-70E740481C1C}">
+                <a14:useLocalDpi xmlns:a14="http://schemas.microsoft.com/office/drawing/2010/main" val="0"/>
+              </a:ext>
+              <a:ext uri="{96DAC541-7B7A-43D3-8B79-37D633B846F1}">
+                <asvg:svgBlip xmlns:asvg="http://schemas.microsoft.com/office/drawing/2016/SVG/main" r:embed="rId8"/>
+              </a:ext>
+            </a:extLst>
+          </a:blip>
+          <a:stretch>
+            <a:fillRect/>
+          </a:stretch>
+        </p:blipFill>
+        <p:spPr>
+          <a:xfrm>
+            <a:off x="3805085" y="700299"/>
+            <a:ext cx="5134070" cy="5134070"/>
+          </a:xfrm>
+          <a:prstGeom prst="rect">
+            <a:avLst/>
+          </a:prstGeom>
+        </p:spPr>
+      </p:pic>
+      <p:grpSp>
+        <p:nvGrpSpPr>
+          <p:cNvPr id="16" name="Grupa 15">
+            <a:extLst>
+              <a:ext uri="{FF2B5EF4-FFF2-40B4-BE49-F238E27FC236}">
+                <a16:creationId xmlns:a16="http://schemas.microsoft.com/office/drawing/2014/main" id="{B79AE4CA-E867-44F2-9070-7D48A6C6EBD5}"/>
+              </a:ext>
+            </a:extLst>
+          </p:cNvPr>
+          <p:cNvGrpSpPr/>
+          <p:nvPr/>
+        </p:nvGrpSpPr>
+        <p:grpSpPr>
+          <a:xfrm>
+            <a:off x="8959242" y="3070653"/>
+            <a:ext cx="2941986" cy="2240648"/>
+            <a:chOff x="9315357" y="2584728"/>
+            <a:chExt cx="2941986" cy="2240648"/>
+          </a:xfrm>
+        </p:grpSpPr>
+        <p:pic>
+          <p:nvPicPr>
+            <p:cNvPr id="12" name="Grafika 11" descr="Pracownik biurowy">
+              <a:extLst>
+                <a:ext uri="{FF2B5EF4-FFF2-40B4-BE49-F238E27FC236}">
+                  <a16:creationId xmlns:a16="http://schemas.microsoft.com/office/drawing/2014/main" id="{7FF245DF-6704-4B7A-A1D6-62E8C4A789AF}"/>
+                </a:ext>
+              </a:extLst>
+            </p:cNvPr>
+            <p:cNvPicPr>
+              <a:picLocks noChangeAspect="1"/>
+            </p:cNvPicPr>
+            <p:nvPr/>
+          </p:nvPicPr>
+          <p:blipFill>
+            <a:blip r:embed="rId9">
+              <a:extLst>
+                <a:ext uri="{28A0092B-C50C-407E-A947-70E740481C1C}">
+                  <a14:useLocalDpi xmlns:a14="http://schemas.microsoft.com/office/drawing/2010/main" val="0"/>
+                </a:ext>
+                <a:ext uri="{96DAC541-7B7A-43D3-8B79-37D633B846F1}">
+                  <asvg:svgBlip xmlns:asvg="http://schemas.microsoft.com/office/drawing/2016/SVG/main" r:embed="rId10"/>
+                </a:ext>
+              </a:extLst>
+            </a:blip>
+            <a:stretch>
+              <a:fillRect/>
+            </a:stretch>
+          </p:blipFill>
+          <p:spPr>
+            <a:xfrm>
+              <a:off x="9315357" y="2584728"/>
+              <a:ext cx="1365212" cy="1365212"/>
+            </a:xfrm>
+            <a:prstGeom prst="rect">
+              <a:avLst/>
+            </a:prstGeom>
+          </p:spPr>
+        </p:pic>
+        <p:pic>
+          <p:nvPicPr>
+            <p:cNvPr id="13" name="Grafika 12" descr="Pracownik biurowy">
+              <a:extLst>
+                <a:ext uri="{FF2B5EF4-FFF2-40B4-BE49-F238E27FC236}">
+                  <a16:creationId xmlns:a16="http://schemas.microsoft.com/office/drawing/2014/main" id="{71A47239-6F38-4D6B-A727-D45C3DEB557E}"/>
+                </a:ext>
+              </a:extLst>
+            </p:cNvPr>
+            <p:cNvPicPr>
+              <a:picLocks noChangeAspect="1"/>
+            </p:cNvPicPr>
+            <p:nvPr/>
+          </p:nvPicPr>
+          <p:blipFill>
+            <a:blip r:embed="rId9">
+              <a:extLst>
+                <a:ext uri="{28A0092B-C50C-407E-A947-70E740481C1C}">
+                  <a14:useLocalDpi xmlns:a14="http://schemas.microsoft.com/office/drawing/2010/main" val="0"/>
+                </a:ext>
+                <a:ext uri="{96DAC541-7B7A-43D3-8B79-37D633B846F1}">
+                  <asvg:svgBlip xmlns:asvg="http://schemas.microsoft.com/office/drawing/2016/SVG/main" r:embed="rId10"/>
+                </a:ext>
+              </a:extLst>
+            </a:blip>
+            <a:stretch>
+              <a:fillRect/>
+            </a:stretch>
+          </p:blipFill>
+          <p:spPr>
+            <a:xfrm>
+              <a:off x="10103744" y="3460164"/>
+              <a:ext cx="1365212" cy="1365212"/>
+            </a:xfrm>
+            <a:prstGeom prst="rect">
+              <a:avLst/>
+            </a:prstGeom>
+          </p:spPr>
+        </p:pic>
+        <p:pic>
+          <p:nvPicPr>
+            <p:cNvPr id="14" name="Grafika 13" descr="Pracownik biurowy">
+              <a:extLst>
+                <a:ext uri="{FF2B5EF4-FFF2-40B4-BE49-F238E27FC236}">
+                  <a16:creationId xmlns:a16="http://schemas.microsoft.com/office/drawing/2014/main" id="{803158BE-5E55-4CE5-996A-DE4F5A66B730}"/>
+                </a:ext>
+              </a:extLst>
+            </p:cNvPr>
+            <p:cNvPicPr>
+              <a:picLocks noChangeAspect="1"/>
+            </p:cNvPicPr>
+            <p:nvPr/>
+          </p:nvPicPr>
+          <p:blipFill>
+            <a:blip r:embed="rId9">
+              <a:extLst>
+                <a:ext uri="{28A0092B-C50C-407E-A947-70E740481C1C}">
+                  <a14:useLocalDpi xmlns:a14="http://schemas.microsoft.com/office/drawing/2010/main" val="0"/>
+                </a:ext>
+                <a:ext uri="{96DAC541-7B7A-43D3-8B79-37D633B846F1}">
+                  <asvg:svgBlip xmlns:asvg="http://schemas.microsoft.com/office/drawing/2016/SVG/main" r:embed="rId10"/>
+                </a:ext>
+              </a:extLst>
+            </a:blip>
+            <a:stretch>
+              <a:fillRect/>
+            </a:stretch>
+          </p:blipFill>
+          <p:spPr>
+            <a:xfrm>
+              <a:off x="10892131" y="2900955"/>
+              <a:ext cx="1365212" cy="1365212"/>
+            </a:xfrm>
+            <a:prstGeom prst="rect">
+              <a:avLst/>
+            </a:prstGeom>
+          </p:spPr>
+        </p:pic>
+      </p:grpSp>
+      <p:grpSp>
+        <p:nvGrpSpPr>
+          <p:cNvPr id="17" name="Grupa 16">
+            <a:extLst>
+              <a:ext uri="{FF2B5EF4-FFF2-40B4-BE49-F238E27FC236}">
+                <a16:creationId xmlns:a16="http://schemas.microsoft.com/office/drawing/2014/main" id="{5375CA3A-B624-48D7-A463-FCC3F236962B}"/>
+              </a:ext>
+            </a:extLst>
+          </p:cNvPr>
+          <p:cNvGrpSpPr/>
+          <p:nvPr/>
+        </p:nvGrpSpPr>
+        <p:grpSpPr>
+          <a:xfrm>
+            <a:off x="8853461" y="3027838"/>
+            <a:ext cx="2941986" cy="2240648"/>
+            <a:chOff x="9315357" y="2584728"/>
+            <a:chExt cx="2941986" cy="2240648"/>
+          </a:xfrm>
+          <a:solidFill>
+            <a:schemeClr val="bg1"/>
+          </a:solidFill>
+        </p:grpSpPr>
+        <p:pic>
+          <p:nvPicPr>
+            <p:cNvPr id="18" name="Grafika 17" descr="Pracownik biurowy">
+              <a:extLst>
+                <a:ext uri="{FF2B5EF4-FFF2-40B4-BE49-F238E27FC236}">
+                  <a16:creationId xmlns:a16="http://schemas.microsoft.com/office/drawing/2014/main" id="{62D6BFC0-61ED-460A-952A-5366CA02274B}"/>
+                </a:ext>
+              </a:extLst>
+            </p:cNvPr>
+            <p:cNvPicPr>
+              <a:picLocks noChangeAspect="1"/>
+            </p:cNvPicPr>
+            <p:nvPr/>
+          </p:nvPicPr>
+          <p:blipFill>
+            <a:blip r:embed="rId11">
+              <a:extLst>
+                <a:ext uri="{28A0092B-C50C-407E-A947-70E740481C1C}">
+                  <a14:useLocalDpi xmlns:a14="http://schemas.microsoft.com/office/drawing/2010/main" val="0"/>
+                </a:ext>
+                <a:ext uri="{96DAC541-7B7A-43D3-8B79-37D633B846F1}">
+                  <asvg:svgBlip xmlns:asvg="http://schemas.microsoft.com/office/drawing/2016/SVG/main" r:embed="rId12"/>
+                </a:ext>
+              </a:extLst>
+            </a:blip>
+            <a:stretch>
+              <a:fillRect/>
+            </a:stretch>
+          </p:blipFill>
+          <p:spPr>
+            <a:xfrm>
+              <a:off x="9315357" y="2584728"/>
+              <a:ext cx="1365212" cy="1365212"/>
+            </a:xfrm>
+            <a:prstGeom prst="rect">
+              <a:avLst/>
+            </a:prstGeom>
+          </p:spPr>
+        </p:pic>
+        <p:pic>
+          <p:nvPicPr>
+            <p:cNvPr id="19" name="Grafika 18" descr="Pracownik biurowy">
+              <a:extLst>
+                <a:ext uri="{FF2B5EF4-FFF2-40B4-BE49-F238E27FC236}">
+                  <a16:creationId xmlns:a16="http://schemas.microsoft.com/office/drawing/2014/main" id="{F319ECBD-05AD-4FF7-AAF2-00C5983D90FE}"/>
+                </a:ext>
+              </a:extLst>
+            </p:cNvPr>
+            <p:cNvPicPr>
+              <a:picLocks noChangeAspect="1"/>
+            </p:cNvPicPr>
+            <p:nvPr/>
+          </p:nvPicPr>
+          <p:blipFill>
+            <a:blip r:embed="rId11">
+              <a:extLst>
+                <a:ext uri="{28A0092B-C50C-407E-A947-70E740481C1C}">
+                  <a14:useLocalDpi xmlns:a14="http://schemas.microsoft.com/office/drawing/2010/main" val="0"/>
+                </a:ext>
+                <a:ext uri="{96DAC541-7B7A-43D3-8B79-37D633B846F1}">
+                  <asvg:svgBlip xmlns:asvg="http://schemas.microsoft.com/office/drawing/2016/SVG/main" r:embed="rId12"/>
+                </a:ext>
+              </a:extLst>
+            </a:blip>
+            <a:stretch>
+              <a:fillRect/>
+            </a:stretch>
+          </p:blipFill>
+          <p:spPr>
+            <a:xfrm>
+              <a:off x="10103744" y="3460164"/>
+              <a:ext cx="1365212" cy="1365212"/>
+            </a:xfrm>
+            <a:prstGeom prst="rect">
+              <a:avLst/>
+            </a:prstGeom>
+          </p:spPr>
+        </p:pic>
+        <p:pic>
+          <p:nvPicPr>
+            <p:cNvPr id="20" name="Grafika 19" descr="Pracownik biurowy">
+              <a:extLst>
+                <a:ext uri="{FF2B5EF4-FFF2-40B4-BE49-F238E27FC236}">
+                  <a16:creationId xmlns:a16="http://schemas.microsoft.com/office/drawing/2014/main" id="{07285869-8BDD-4DD3-9A06-21DE9ACE8EBF}"/>
+                </a:ext>
+              </a:extLst>
+            </p:cNvPr>
+            <p:cNvPicPr>
+              <a:picLocks noChangeAspect="1"/>
+            </p:cNvPicPr>
+            <p:nvPr/>
+          </p:nvPicPr>
+          <p:blipFill>
+            <a:blip r:embed="rId11">
+              <a:extLst>
+                <a:ext uri="{28A0092B-C50C-407E-A947-70E740481C1C}">
+                  <a14:useLocalDpi xmlns:a14="http://schemas.microsoft.com/office/drawing/2010/main" val="0"/>
+                </a:ext>
+                <a:ext uri="{96DAC541-7B7A-43D3-8B79-37D633B846F1}">
+                  <asvg:svgBlip xmlns:asvg="http://schemas.microsoft.com/office/drawing/2016/SVG/main" r:embed="rId12"/>
+                </a:ext>
+              </a:extLst>
+            </a:blip>
+            <a:stretch>
+              <a:fillRect/>
+            </a:stretch>
+          </p:blipFill>
+          <p:spPr>
+            <a:xfrm>
+              <a:off x="10892131" y="2900955"/>
+              <a:ext cx="1365212" cy="1365212"/>
+            </a:xfrm>
+            <a:prstGeom prst="rect">
+              <a:avLst/>
+            </a:prstGeom>
+          </p:spPr>
+        </p:pic>
+      </p:grpSp>
+      <p:pic>
+        <p:nvPicPr>
+          <p:cNvPr id="21" name="Grafika 20" descr="Uścisk dłoni">
+            <a:extLst>
+              <a:ext uri="{FF2B5EF4-FFF2-40B4-BE49-F238E27FC236}">
+                <a16:creationId xmlns:a16="http://schemas.microsoft.com/office/drawing/2014/main" id="{8F69160B-4308-4826-94D4-890480B82D1B}"/>
+              </a:ext>
+            </a:extLst>
+          </p:cNvPr>
+          <p:cNvPicPr>
+            <a:picLocks noChangeAspect="1"/>
+          </p:cNvPicPr>
+          <p:nvPr/>
+        </p:nvPicPr>
+        <p:blipFill>
+          <a:blip r:embed="rId13">
+            <a:extLst>
+              <a:ext uri="{28A0092B-C50C-407E-A947-70E740481C1C}">
+                <a14:useLocalDpi xmlns:a14="http://schemas.microsoft.com/office/drawing/2010/main" val="0"/>
+              </a:ext>
+              <a:ext uri="{96DAC541-7B7A-43D3-8B79-37D633B846F1}">
+                <asvg:svgBlip xmlns:asvg="http://schemas.microsoft.com/office/drawing/2016/SVG/main" r:embed="rId14"/>
+              </a:ext>
+            </a:extLst>
+          </a:blip>
+          <a:stretch>
+            <a:fillRect/>
+          </a:stretch>
+        </p:blipFill>
+        <p:spPr>
+          <a:xfrm>
+            <a:off x="3784998" y="600908"/>
+            <a:ext cx="5134070" cy="5134070"/>
+          </a:xfrm>
+          <a:prstGeom prst="rect">
+            <a:avLst/>
+          </a:prstGeom>
+        </p:spPr>
+      </p:pic>
+      <p:grpSp>
+        <p:nvGrpSpPr>
+          <p:cNvPr id="22" name="Grupa 21">
+            <a:extLst>
+              <a:ext uri="{FF2B5EF4-FFF2-40B4-BE49-F238E27FC236}">
+                <a16:creationId xmlns:a16="http://schemas.microsoft.com/office/drawing/2014/main" id="{1FA60A96-DD3B-4249-A8FD-06889D1000F7}"/>
+              </a:ext>
+            </a:extLst>
+          </p:cNvPr>
+          <p:cNvGrpSpPr/>
+          <p:nvPr/>
+        </p:nvGrpSpPr>
+        <p:grpSpPr>
+          <a:xfrm>
+            <a:off x="861707" y="2858139"/>
+            <a:ext cx="2503280" cy="2337063"/>
+            <a:chOff x="901148" y="2166492"/>
+            <a:chExt cx="2503280" cy="2337063"/>
+          </a:xfrm>
+          <a:solidFill>
+            <a:schemeClr val="bg1"/>
+          </a:solidFill>
+        </p:grpSpPr>
+        <p:pic>
+          <p:nvPicPr>
+            <p:cNvPr id="23" name="Grafika 22" descr="Koła zębate">
+              <a:extLst>
+                <a:ext uri="{FF2B5EF4-FFF2-40B4-BE49-F238E27FC236}">
+                  <a16:creationId xmlns:a16="http://schemas.microsoft.com/office/drawing/2014/main" id="{F7D551CB-0B57-4934-9549-B11C5DFA865F}"/>
+                </a:ext>
+              </a:extLst>
+            </p:cNvPr>
+            <p:cNvPicPr>
+              <a:picLocks noChangeAspect="1"/>
+            </p:cNvPicPr>
+            <p:nvPr/>
+          </p:nvPicPr>
+          <p:blipFill>
+            <a:blip r:embed="rId15">
+              <a:extLst>
+                <a:ext uri="{28A0092B-C50C-407E-A947-70E740481C1C}">
+                  <a14:useLocalDpi xmlns:a14="http://schemas.microsoft.com/office/drawing/2010/main" val="0"/>
+                </a:ext>
+                <a:ext uri="{96DAC541-7B7A-43D3-8B79-37D633B846F1}">
+                  <asvg:svgBlip xmlns:asvg="http://schemas.microsoft.com/office/drawing/2016/SVG/main" r:embed="rId16"/>
+                </a:ext>
+              </a:extLst>
+            </a:blip>
+            <a:stretch>
+              <a:fillRect/>
+            </a:stretch>
+          </p:blipFill>
+          <p:spPr>
+            <a:xfrm>
+              <a:off x="1846386" y="2945513"/>
+              <a:ext cx="1558042" cy="1558042"/>
+            </a:xfrm>
+            <a:prstGeom prst="rect">
+              <a:avLst/>
+            </a:prstGeom>
+          </p:spPr>
+        </p:pic>
+        <p:pic>
+          <p:nvPicPr>
+            <p:cNvPr id="24" name="Grafika 23" descr="Pojedyncze koło zębate">
+              <a:extLst>
+                <a:ext uri="{FF2B5EF4-FFF2-40B4-BE49-F238E27FC236}">
+                  <a16:creationId xmlns:a16="http://schemas.microsoft.com/office/drawing/2014/main" id="{5AB7828F-3C3D-4C2E-9258-4BE0996DA181}"/>
+                </a:ext>
+              </a:extLst>
+            </p:cNvPr>
+            <p:cNvPicPr>
+              <a:picLocks noChangeAspect="1"/>
+            </p:cNvPicPr>
+            <p:nvPr/>
+          </p:nvPicPr>
+          <p:blipFill>
+            <a:blip r:embed="rId17">
+              <a:extLst>
+                <a:ext uri="{28A0092B-C50C-407E-A947-70E740481C1C}">
+                  <a14:useLocalDpi xmlns:a14="http://schemas.microsoft.com/office/drawing/2010/main" val="0"/>
+                </a:ext>
+                <a:ext uri="{96DAC541-7B7A-43D3-8B79-37D633B846F1}">
+                  <asvg:svgBlip xmlns:asvg="http://schemas.microsoft.com/office/drawing/2016/SVG/main" r:embed="rId18"/>
+                </a:ext>
+              </a:extLst>
+            </a:blip>
+            <a:stretch>
+              <a:fillRect/>
+            </a:stretch>
+          </p:blipFill>
+          <p:spPr>
+            <a:xfrm>
+              <a:off x="901148" y="2166492"/>
+              <a:ext cx="1558042" cy="1558042"/>
+            </a:xfrm>
+            <a:prstGeom prst="rect">
+              <a:avLst/>
+            </a:prstGeom>
+          </p:spPr>
+        </p:pic>
+      </p:grpSp>
+      <p:sp>
+        <p:nvSpPr>
+          <p:cNvPr id="25" name="Prostokąt 24">
+            <a:extLst>
+              <a:ext uri="{FF2B5EF4-FFF2-40B4-BE49-F238E27FC236}">
+                <a16:creationId xmlns:a16="http://schemas.microsoft.com/office/drawing/2014/main" id="{7552D539-ACA4-436B-B2ED-44A4CAA474F2}"/>
+              </a:ext>
+            </a:extLst>
+          </p:cNvPr>
+          <p:cNvSpPr/>
+          <p:nvPr/>
+        </p:nvSpPr>
+        <p:spPr>
+          <a:xfrm>
+            <a:off x="4909620" y="4907511"/>
+            <a:ext cx="2925000" cy="1754326"/>
+          </a:xfrm>
+          <a:prstGeom prst="rect">
+            <a:avLst/>
+          </a:prstGeom>
+          <a:noFill/>
+        </p:spPr>
+        <p:txBody>
+          <a:bodyPr wrap="square" lIns="91440" tIns="45720" rIns="91440" bIns="45720">
+            <a:spAutoFit/>
+          </a:bodyPr>
+          <a:lstStyle/>
+          <a:p>
+            <a:pPr algn="ctr"/>
+            <a:r>
+              <a:rPr lang="pl-PL" sz="5400" b="1" dirty="0">
+                <a:ln w="10160">
+                  <a:solidFill>
+                    <a:schemeClr val="accent5"/>
+                  </a:solidFill>
+                  <a:prstDash val="solid"/>
+                </a:ln>
+                <a:solidFill>
+                  <a:srgbClr val="FFFFFF"/>
+                </a:solidFill>
+                <a:effectLst>
+                  <a:outerShdw blurRad="38100" dist="22860" dir="5400000" algn="tl" rotWithShape="0">
+                    <a:srgbClr val="000000">
+                      <a:alpha val="30000"/>
+                    </a:srgbClr>
+                  </a:outerShdw>
+                </a:effectLst>
+              </a:rPr>
+              <a:t>Business </a:t>
+            </a:r>
+            <a:r>
+              <a:rPr lang="pl-PL" sz="5400" b="1" dirty="0" err="1">
+                <a:ln w="10160">
+                  <a:solidFill>
+                    <a:schemeClr val="accent5"/>
+                  </a:solidFill>
+                  <a:prstDash val="solid"/>
+                </a:ln>
+                <a:solidFill>
+                  <a:srgbClr val="FFFFFF"/>
+                </a:solidFill>
+                <a:effectLst>
+                  <a:outerShdw blurRad="38100" dist="22860" dir="5400000" algn="tl" rotWithShape="0">
+                    <a:srgbClr val="000000">
+                      <a:alpha val="30000"/>
+                    </a:srgbClr>
+                  </a:outerShdw>
+                </a:effectLst>
+              </a:rPr>
+              <a:t>first</a:t>
+            </a:r>
+            <a:endParaRPr lang="pl-PL" sz="5400" b="1" cap="none" spc="0" dirty="0">
+              <a:ln w="10160">
+                <a:solidFill>
+                  <a:schemeClr val="accent5"/>
+                </a:solidFill>
+                <a:prstDash val="solid"/>
+              </a:ln>
+              <a:solidFill>
+                <a:srgbClr val="FFFFFF"/>
+              </a:solidFill>
+              <a:effectLst>
+                <a:outerShdw blurRad="38100" dist="22860" dir="5400000" algn="tl" rotWithShape="0">
+                  <a:srgbClr val="000000">
+                    <a:alpha val="30000"/>
+                  </a:srgbClr>
+                </a:outerShdw>
+              </a:effectLst>
+            </a:endParaRPr>
+          </a:p>
+        </p:txBody>
+      </p:sp>
+    </p:spTree>
+    <p:extLst>
+      <p:ext uri="{BB962C8B-B14F-4D97-AF65-F5344CB8AC3E}">
+        <p14:creationId xmlns:p14="http://schemas.microsoft.com/office/powerpoint/2010/main" val="2630656502"/>
+      </p:ext>
+    </p:extLst>
+  </p:cSld>
+  <p:clrMapOvr>
+    <a:masterClrMapping/>
+  </p:clrMapOvr>
+</p:sld>
+</file>
+
+<file path=ppt/slides/slide3.xml><?xml version="1.0" encoding="utf-8"?>
+<p:sld xmlns:a="http://schemas.openxmlformats.org/drawingml/2006/main" xmlns:r="http://schemas.openxmlformats.org/officeDocument/2006/relationships" xmlns:p="http://schemas.openxmlformats.org/presentationml/2006/main">
+  <p:cSld>
+    <p:bg>
+      <p:bgPr>
+        <a:gradFill>
+          <a:gsLst>
+            <a:gs pos="54000">
+              <a:srgbClr val="07A1D7"/>
+            </a:gs>
+            <a:gs pos="100000">
+              <a:srgbClr val="11CFD9"/>
+            </a:gs>
+          </a:gsLst>
+          <a:lin ang="5400000" scaled="1"/>
+        </a:gradFill>
+        <a:effectLst/>
+      </p:bgPr>
+    </p:bg>
+    <p:spTree>
+      <p:nvGrpSpPr>
+        <p:cNvPr id="1" name=""/>
+        <p:cNvGrpSpPr/>
+        <p:nvPr/>
+      </p:nvGrpSpPr>
+      <p:grpSpPr>
+        <a:xfrm>
+          <a:off x="0" y="0"/>
+          <a:ext cx="0" cy="0"/>
+          <a:chOff x="0" y="0"/>
+          <a:chExt cx="0" cy="0"/>
+        </a:xfrm>
+      </p:grpSpPr>
+      <p:pic>
+        <p:nvPicPr>
+          <p:cNvPr id="5" name="Obraz 4">
+            <a:extLst>
+              <a:ext uri="{FF2B5EF4-FFF2-40B4-BE49-F238E27FC236}">
+                <a16:creationId xmlns:a16="http://schemas.microsoft.com/office/drawing/2014/main" id="{FA2B5562-A690-428E-8278-450D1EECD2E4}"/>
+              </a:ext>
+            </a:extLst>
+          </p:cNvPr>
+          <p:cNvPicPr>
+            <a:picLocks noChangeAspect="1"/>
+          </p:cNvPicPr>
+          <p:nvPr/>
+        </p:nvPicPr>
+        <p:blipFill>
+          <a:blip r:embed="rId2">
+            <a:extLst>
+              <a:ext uri="{28A0092B-C50C-407E-A947-70E740481C1C}">
+                <a14:useLocalDpi xmlns:a14="http://schemas.microsoft.com/office/drawing/2010/main" val="0"/>
+              </a:ext>
+            </a:extLst>
+          </a:blip>
+          <a:stretch>
+            <a:fillRect/>
+          </a:stretch>
+        </p:blipFill>
+        <p:spPr>
+          <a:xfrm>
+            <a:off x="153944" y="139485"/>
+            <a:ext cx="2471463" cy="1425844"/>
+          </a:xfrm>
+          <a:prstGeom prst="rect">
+            <a:avLst/>
+          </a:prstGeom>
+        </p:spPr>
+      </p:pic>
       <p:pic>
         <p:nvPicPr>
           <p:cNvPr id="3" name="Grafika 2" descr="Tabela">
@@ -6510,7 +7243,7 @@
 </p:sld>
 </file>
 
-<file path=ppt/slides/slide3.xml><?xml version="1.0" encoding="utf-8"?>
+<file path=ppt/slides/slide4.xml><?xml version="1.0" encoding="utf-8"?>
 <p:sld xmlns:a="http://schemas.openxmlformats.org/drawingml/2006/main" xmlns:r="http://schemas.openxmlformats.org/officeDocument/2006/relationships" xmlns:p="http://schemas.openxmlformats.org/presentationml/2006/main">
   <p:cSld>
     <p:bg>

--- a/themes/hugo-elate-theme/static/images/Pictures for blog.pptx
+++ b/themes/hugo-elate-theme/static/images/Pictures for blog.pptx
@@ -6,9 +6,10 @@
   </p:sldMasterIdLst>
   <p:sldIdLst>
     <p:sldId id="257" r:id="rId2"/>
-    <p:sldId id="259" r:id="rId3"/>
-    <p:sldId id="258" r:id="rId4"/>
-    <p:sldId id="256" r:id="rId5"/>
+    <p:sldId id="260" r:id="rId3"/>
+    <p:sldId id="259" r:id="rId4"/>
+    <p:sldId id="258" r:id="rId5"/>
+    <p:sldId id="256" r:id="rId6"/>
   </p:sldIdLst>
   <p:sldSz cx="12192000" cy="6858000"/>
   <p:notesSz cx="6858000" cy="9144000"/>
@@ -266,7 +267,7 @@
           <a:p>
             <a:fld id="{A42A12F9-EA54-49E1-A3FD-186D9B25B348}" type="datetimeFigureOut">
               <a:rPr lang="pl-PL" smtClean="0"/>
-              <a:t>02.07.2019</a:t>
+              <a:t>08.07.2019</a:t>
             </a:fld>
             <a:endParaRPr lang="pl-PL"/>
           </a:p>
@@ -464,7 +465,7 @@
           <a:p>
             <a:fld id="{A42A12F9-EA54-49E1-A3FD-186D9B25B348}" type="datetimeFigureOut">
               <a:rPr lang="pl-PL" smtClean="0"/>
-              <a:t>02.07.2019</a:t>
+              <a:t>08.07.2019</a:t>
             </a:fld>
             <a:endParaRPr lang="pl-PL"/>
           </a:p>
@@ -672,7 +673,7 @@
           <a:p>
             <a:fld id="{A42A12F9-EA54-49E1-A3FD-186D9B25B348}" type="datetimeFigureOut">
               <a:rPr lang="pl-PL" smtClean="0"/>
-              <a:t>02.07.2019</a:t>
+              <a:t>08.07.2019</a:t>
             </a:fld>
             <a:endParaRPr lang="pl-PL"/>
           </a:p>
@@ -870,7 +871,7 @@
           <a:p>
             <a:fld id="{A42A12F9-EA54-49E1-A3FD-186D9B25B348}" type="datetimeFigureOut">
               <a:rPr lang="pl-PL" smtClean="0"/>
-              <a:t>02.07.2019</a:t>
+              <a:t>08.07.2019</a:t>
             </a:fld>
             <a:endParaRPr lang="pl-PL"/>
           </a:p>
@@ -1145,7 +1146,7 @@
           <a:p>
             <a:fld id="{A42A12F9-EA54-49E1-A3FD-186D9B25B348}" type="datetimeFigureOut">
               <a:rPr lang="pl-PL" smtClean="0"/>
-              <a:t>02.07.2019</a:t>
+              <a:t>08.07.2019</a:t>
             </a:fld>
             <a:endParaRPr lang="pl-PL"/>
           </a:p>
@@ -1410,7 +1411,7 @@
           <a:p>
             <a:fld id="{A42A12F9-EA54-49E1-A3FD-186D9B25B348}" type="datetimeFigureOut">
               <a:rPr lang="pl-PL" smtClean="0"/>
-              <a:t>02.07.2019</a:t>
+              <a:t>08.07.2019</a:t>
             </a:fld>
             <a:endParaRPr lang="pl-PL"/>
           </a:p>
@@ -1822,7 +1823,7 @@
           <a:p>
             <a:fld id="{A42A12F9-EA54-49E1-A3FD-186D9B25B348}" type="datetimeFigureOut">
               <a:rPr lang="pl-PL" smtClean="0"/>
-              <a:t>02.07.2019</a:t>
+              <a:t>08.07.2019</a:t>
             </a:fld>
             <a:endParaRPr lang="pl-PL"/>
           </a:p>
@@ -1963,7 +1964,7 @@
           <a:p>
             <a:fld id="{A42A12F9-EA54-49E1-A3FD-186D9B25B348}" type="datetimeFigureOut">
               <a:rPr lang="pl-PL" smtClean="0"/>
-              <a:t>02.07.2019</a:t>
+              <a:t>08.07.2019</a:t>
             </a:fld>
             <a:endParaRPr lang="pl-PL"/>
           </a:p>
@@ -2076,7 +2077,7 @@
           <a:p>
             <a:fld id="{A42A12F9-EA54-49E1-A3FD-186D9B25B348}" type="datetimeFigureOut">
               <a:rPr lang="pl-PL" smtClean="0"/>
-              <a:t>02.07.2019</a:t>
+              <a:t>08.07.2019</a:t>
             </a:fld>
             <a:endParaRPr lang="pl-PL"/>
           </a:p>
@@ -2387,7 +2388,7 @@
           <a:p>
             <a:fld id="{A42A12F9-EA54-49E1-A3FD-186D9B25B348}" type="datetimeFigureOut">
               <a:rPr lang="pl-PL" smtClean="0"/>
-              <a:t>02.07.2019</a:t>
+              <a:t>08.07.2019</a:t>
             </a:fld>
             <a:endParaRPr lang="pl-PL"/>
           </a:p>
@@ -2675,7 +2676,7 @@
           <a:p>
             <a:fld id="{A42A12F9-EA54-49E1-A3FD-186D9B25B348}" type="datetimeFigureOut">
               <a:rPr lang="pl-PL" smtClean="0"/>
-              <a:t>02.07.2019</a:t>
+              <a:t>08.07.2019</a:t>
             </a:fld>
             <a:endParaRPr lang="pl-PL"/>
           </a:p>
@@ -2916,7 +2917,7 @@
           <a:p>
             <a:fld id="{A42A12F9-EA54-49E1-A3FD-186D9B25B348}" type="datetimeFigureOut">
               <a:rPr lang="pl-PL" smtClean="0"/>
-              <a:t>02.07.2019</a:t>
+              <a:t>08.07.2019</a:t>
             </a:fld>
             <a:endParaRPr lang="pl-PL"/>
           </a:p>
@@ -3469,10 +3470,10 @@
       </p:pic>
       <p:grpSp>
         <p:nvGrpSpPr>
-          <p:cNvPr id="15" name="Grupa 14">
+          <p:cNvPr id="25" name="Grupa 24">
             <a:extLst>
               <a:ext uri="{FF2B5EF4-FFF2-40B4-BE49-F238E27FC236}">
-                <a16:creationId xmlns:a16="http://schemas.microsoft.com/office/drawing/2014/main" id="{E6368EE1-4515-432C-8043-AAA31E47CD19}"/>
+                <a16:creationId xmlns:a16="http://schemas.microsoft.com/office/drawing/2014/main" id="{C771E598-2B42-4372-A6E4-D00DD79C1204}"/>
               </a:ext>
             </a:extLst>
           </p:cNvPr>
@@ -3481,97 +3482,1931 @@
         </p:nvGrpSpPr>
         <p:grpSpPr>
           <a:xfrm>
-            <a:off x="882424" y="2974238"/>
-            <a:ext cx="2503280" cy="2337063"/>
-            <a:chOff x="901148" y="2166492"/>
-            <a:chExt cx="2503280" cy="2337063"/>
+            <a:off x="1389675" y="1061746"/>
+            <a:ext cx="8006609" cy="4548405"/>
+            <a:chOff x="819338" y="734449"/>
+            <a:chExt cx="8880091" cy="5261327"/>
           </a:xfrm>
         </p:grpSpPr>
-        <p:pic>
-          <p:nvPicPr>
-            <p:cNvPr id="3" name="Grafika 2" descr="Koła zębate">
-              <a:extLst>
-                <a:ext uri="{FF2B5EF4-FFF2-40B4-BE49-F238E27FC236}">
-                  <a16:creationId xmlns:a16="http://schemas.microsoft.com/office/drawing/2014/main" id="{94B09A1F-458C-46E9-B416-502D546E35C4}"/>
-                </a:ext>
-              </a:extLst>
-            </p:cNvPr>
-            <p:cNvPicPr>
-              <a:picLocks noChangeAspect="1"/>
-            </p:cNvPicPr>
-            <p:nvPr/>
-          </p:nvPicPr>
-          <p:blipFill>
-            <a:blip r:embed="rId3">
-              <a:extLst>
-                <a:ext uri="{28A0092B-C50C-407E-A947-70E740481C1C}">
-                  <a14:useLocalDpi xmlns:a14="http://schemas.microsoft.com/office/drawing/2010/main" val="0"/>
-                </a:ext>
-                <a:ext uri="{96DAC541-7B7A-43D3-8B79-37D633B846F1}">
-                  <asvg:svgBlip xmlns:asvg="http://schemas.microsoft.com/office/drawing/2016/SVG/main" r:embed="rId4"/>
-                </a:ext>
-              </a:extLst>
-            </a:blip>
-            <a:stretch>
-              <a:fillRect/>
-            </a:stretch>
-          </p:blipFill>
+        <p:grpSp>
+          <p:nvGrpSpPr>
+            <p:cNvPr id="16" name="Grupa 15">
+              <a:extLst>
+                <a:ext uri="{FF2B5EF4-FFF2-40B4-BE49-F238E27FC236}">
+                  <a16:creationId xmlns:a16="http://schemas.microsoft.com/office/drawing/2014/main" id="{63276588-39AF-441C-B9F1-57909137CB0D}"/>
+                </a:ext>
+              </a:extLst>
+            </p:cNvPr>
+            <p:cNvGrpSpPr/>
+            <p:nvPr/>
+          </p:nvGrpSpPr>
+          <p:grpSpPr>
+            <a:xfrm>
+              <a:off x="1000359" y="852407"/>
+              <a:ext cx="8699070" cy="5143369"/>
+              <a:chOff x="881090" y="937755"/>
+              <a:chExt cx="8699070" cy="5143369"/>
+            </a:xfrm>
+            <a:solidFill>
+              <a:schemeClr val="tx1"/>
+            </a:solidFill>
+          </p:grpSpPr>
+          <p:sp>
+            <p:nvSpPr>
+              <p:cNvPr id="11" name="Strzałka: kolista 10">
+                <a:extLst>
+                  <a:ext uri="{FF2B5EF4-FFF2-40B4-BE49-F238E27FC236}">
+                    <a16:creationId xmlns:a16="http://schemas.microsoft.com/office/drawing/2014/main" id="{E7EF9396-B6F4-4E7F-A88D-ECFFBF6A6D9E}"/>
+                  </a:ext>
+                </a:extLst>
+              </p:cNvPr>
+              <p:cNvSpPr/>
+              <p:nvPr/>
+            </p:nvSpPr>
+            <p:spPr>
+              <a:xfrm rot="4232097">
+                <a:off x="4720754" y="1774172"/>
+                <a:ext cx="3989259" cy="3506544"/>
+              </a:xfrm>
+              <a:prstGeom prst="circularArrow">
+                <a:avLst>
+                  <a:gd name="adj1" fmla="val 17285"/>
+                  <a:gd name="adj2" fmla="val 817767"/>
+                  <a:gd name="adj3" fmla="val 20220068"/>
+                  <a:gd name="adj4" fmla="val 13674065"/>
+                  <a:gd name="adj5" fmla="val 13816"/>
+                </a:avLst>
+              </a:prstGeom>
+              <a:grpFill/>
+              <a:ln>
+                <a:noFill/>
+              </a:ln>
+            </p:spPr>
+            <p:style>
+              <a:lnRef idx="2">
+                <a:schemeClr val="accent6"/>
+              </a:lnRef>
+              <a:fillRef idx="1">
+                <a:schemeClr val="lt1"/>
+              </a:fillRef>
+              <a:effectRef idx="0">
+                <a:schemeClr val="accent6"/>
+              </a:effectRef>
+              <a:fontRef idx="minor">
+                <a:schemeClr val="dk1"/>
+              </a:fontRef>
+            </p:style>
+            <p:txBody>
+              <a:bodyPr rtlCol="0" anchor="ctr"/>
+              <a:lstStyle/>
+              <a:p>
+                <a:pPr algn="ctr"/>
+                <a:endParaRPr lang="pl-PL" dirty="0">
+                  <a:solidFill>
+                    <a:schemeClr val="tx1"/>
+                  </a:solidFill>
+                </a:endParaRPr>
+              </a:p>
+            </p:txBody>
+          </p:sp>
+          <p:sp>
+            <p:nvSpPr>
+              <p:cNvPr id="12" name="Strzałka: kolista 11">
+                <a:extLst>
+                  <a:ext uri="{FF2B5EF4-FFF2-40B4-BE49-F238E27FC236}">
+                    <a16:creationId xmlns:a16="http://schemas.microsoft.com/office/drawing/2014/main" id="{E63943B3-62F3-4E65-8BC8-121E621AA861}"/>
+                  </a:ext>
+                </a:extLst>
+              </p:cNvPr>
+              <p:cNvSpPr/>
+              <p:nvPr/>
+            </p:nvSpPr>
+            <p:spPr>
+              <a:xfrm rot="17588791">
+                <a:off x="4634487" y="2601821"/>
+                <a:ext cx="3356567" cy="3602040"/>
+              </a:xfrm>
+              <a:prstGeom prst="circularArrow">
+                <a:avLst>
+                  <a:gd name="adj1" fmla="val 17285"/>
+                  <a:gd name="adj2" fmla="val 817767"/>
+                  <a:gd name="adj3" fmla="val 20220068"/>
+                  <a:gd name="adj4" fmla="val 14902528"/>
+                  <a:gd name="adj5" fmla="val 13816"/>
+                </a:avLst>
+              </a:prstGeom>
+              <a:grpFill/>
+              <a:ln>
+                <a:noFill/>
+              </a:ln>
+            </p:spPr>
+            <p:style>
+              <a:lnRef idx="2">
+                <a:schemeClr val="accent6"/>
+              </a:lnRef>
+              <a:fillRef idx="1">
+                <a:schemeClr val="lt1"/>
+              </a:fillRef>
+              <a:effectRef idx="0">
+                <a:schemeClr val="accent6"/>
+              </a:effectRef>
+              <a:fontRef idx="minor">
+                <a:schemeClr val="dk1"/>
+              </a:fontRef>
+            </p:style>
+            <p:txBody>
+              <a:bodyPr rtlCol="0" anchor="ctr"/>
+              <a:lstStyle/>
+              <a:p>
+                <a:pPr algn="ctr"/>
+                <a:endParaRPr lang="pl-PL" dirty="0">
+                  <a:solidFill>
+                    <a:schemeClr val="tx1"/>
+                  </a:solidFill>
+                </a:endParaRPr>
+              </a:p>
+            </p:txBody>
+          </p:sp>
+          <p:grpSp>
+            <p:nvGrpSpPr>
+              <p:cNvPr id="15" name="Grupa 14">
+                <a:extLst>
+                  <a:ext uri="{FF2B5EF4-FFF2-40B4-BE49-F238E27FC236}">
+                    <a16:creationId xmlns:a16="http://schemas.microsoft.com/office/drawing/2014/main" id="{10E89492-F0E1-4D71-810E-2D7089DE2B39}"/>
+                  </a:ext>
+                </a:extLst>
+              </p:cNvPr>
+              <p:cNvGrpSpPr/>
+              <p:nvPr/>
+            </p:nvGrpSpPr>
+            <p:grpSpPr>
+              <a:xfrm>
+                <a:off x="881090" y="937755"/>
+                <a:ext cx="8699070" cy="4841814"/>
+                <a:chOff x="73325" y="1052234"/>
+                <a:chExt cx="8699070" cy="4841814"/>
+              </a:xfrm>
+              <a:grpFill/>
+            </p:grpSpPr>
+            <p:sp>
+              <p:nvSpPr>
+                <p:cNvPr id="4" name="Strzałka: kolista 3">
+                  <a:extLst>
+                    <a:ext uri="{FF2B5EF4-FFF2-40B4-BE49-F238E27FC236}">
+                      <a16:creationId xmlns:a16="http://schemas.microsoft.com/office/drawing/2014/main" id="{870A6785-E29A-4081-909E-EAFF0039874B}"/>
+                    </a:ext>
+                  </a:extLst>
+                </p:cNvPr>
+                <p:cNvSpPr/>
+                <p:nvPr/>
+              </p:nvSpPr>
+              <p:spPr>
+                <a:xfrm rot="19837530">
+                  <a:off x="3219102" y="1605390"/>
+                  <a:ext cx="3989259" cy="3506544"/>
+                </a:xfrm>
+                <a:prstGeom prst="circularArrow">
+                  <a:avLst>
+                    <a:gd name="adj1" fmla="val 17285"/>
+                    <a:gd name="adj2" fmla="val 817767"/>
+                    <a:gd name="adj3" fmla="val 20220068"/>
+                    <a:gd name="adj4" fmla="val 13674065"/>
+                    <a:gd name="adj5" fmla="val 13816"/>
+                  </a:avLst>
+                </a:prstGeom>
+                <a:grpFill/>
+                <a:ln>
+                  <a:noFill/>
+                </a:ln>
+              </p:spPr>
+              <p:style>
+                <a:lnRef idx="2">
+                  <a:schemeClr val="accent6"/>
+                </a:lnRef>
+                <a:fillRef idx="1">
+                  <a:schemeClr val="lt1"/>
+                </a:fillRef>
+                <a:effectRef idx="0">
+                  <a:schemeClr val="accent6"/>
+                </a:effectRef>
+                <a:fontRef idx="minor">
+                  <a:schemeClr val="dk1"/>
+                </a:fontRef>
+              </p:style>
+              <p:txBody>
+                <a:bodyPr rtlCol="0" anchor="ctr"/>
+                <a:lstStyle/>
+                <a:p>
+                  <a:pPr algn="ctr"/>
+                  <a:endParaRPr lang="pl-PL" dirty="0">
+                    <a:solidFill>
+                      <a:schemeClr val="tx1"/>
+                    </a:solidFill>
+                  </a:endParaRPr>
+                </a:p>
+              </p:txBody>
+            </p:sp>
+            <p:sp>
+              <p:nvSpPr>
+                <p:cNvPr id="10" name="Strzałka: kolista 9">
+                  <a:extLst>
+                    <a:ext uri="{FF2B5EF4-FFF2-40B4-BE49-F238E27FC236}">
+                      <a16:creationId xmlns:a16="http://schemas.microsoft.com/office/drawing/2014/main" id="{9DE398AA-FD57-4685-8064-54DC1C1E3611}"/>
+                    </a:ext>
+                  </a:extLst>
+                </p:cNvPr>
+                <p:cNvSpPr/>
+                <p:nvPr/>
+              </p:nvSpPr>
+              <p:spPr>
+                <a:xfrm rot="10036440">
+                  <a:off x="3727731" y="2387504"/>
+                  <a:ext cx="3989259" cy="3506544"/>
+                </a:xfrm>
+                <a:prstGeom prst="circularArrow">
+                  <a:avLst>
+                    <a:gd name="adj1" fmla="val 17285"/>
+                    <a:gd name="adj2" fmla="val 817767"/>
+                    <a:gd name="adj3" fmla="val 20220068"/>
+                    <a:gd name="adj4" fmla="val 14902528"/>
+                    <a:gd name="adj5" fmla="val 13816"/>
+                  </a:avLst>
+                </a:prstGeom>
+                <a:grpFill/>
+                <a:ln>
+                  <a:noFill/>
+                </a:ln>
+              </p:spPr>
+              <p:style>
+                <a:lnRef idx="2">
+                  <a:schemeClr val="accent6"/>
+                </a:lnRef>
+                <a:fillRef idx="1">
+                  <a:schemeClr val="lt1"/>
+                </a:fillRef>
+                <a:effectRef idx="0">
+                  <a:schemeClr val="accent6"/>
+                </a:effectRef>
+                <a:fontRef idx="minor">
+                  <a:schemeClr val="dk1"/>
+                </a:fontRef>
+              </p:style>
+              <p:txBody>
+                <a:bodyPr rtlCol="0" anchor="ctr"/>
+                <a:lstStyle/>
+                <a:p>
+                  <a:pPr algn="ctr"/>
+                  <a:endParaRPr lang="pl-PL" dirty="0">
+                    <a:solidFill>
+                      <a:schemeClr val="tx1"/>
+                    </a:solidFill>
+                  </a:endParaRPr>
+                </a:p>
+              </p:txBody>
+            </p:sp>
+            <p:sp>
+              <p:nvSpPr>
+                <p:cNvPr id="13" name="Strzałka: kolista 12">
+                  <a:extLst>
+                    <a:ext uri="{FF2B5EF4-FFF2-40B4-BE49-F238E27FC236}">
+                      <a16:creationId xmlns:a16="http://schemas.microsoft.com/office/drawing/2014/main" id="{42B8EAF6-93F2-4B84-8729-C94AE784048B}"/>
+                    </a:ext>
+                  </a:extLst>
+                </p:cNvPr>
+                <p:cNvSpPr/>
+                <p:nvPr/>
+              </p:nvSpPr>
+              <p:spPr>
+                <a:xfrm rot="381463" flipV="1">
+                  <a:off x="73325" y="1052234"/>
+                  <a:ext cx="4285302" cy="3507415"/>
+                </a:xfrm>
+                <a:prstGeom prst="circularArrow">
+                  <a:avLst>
+                    <a:gd name="adj1" fmla="val 17285"/>
+                    <a:gd name="adj2" fmla="val 817767"/>
+                    <a:gd name="adj3" fmla="val 20220068"/>
+                    <a:gd name="adj4" fmla="val 15375350"/>
+                    <a:gd name="adj5" fmla="val 13816"/>
+                  </a:avLst>
+                </a:prstGeom>
+                <a:grpFill/>
+                <a:ln>
+                  <a:noFill/>
+                </a:ln>
+              </p:spPr>
+              <p:style>
+                <a:lnRef idx="2">
+                  <a:schemeClr val="accent6"/>
+                </a:lnRef>
+                <a:fillRef idx="1">
+                  <a:schemeClr val="lt1"/>
+                </a:fillRef>
+                <a:effectRef idx="0">
+                  <a:schemeClr val="accent6"/>
+                </a:effectRef>
+                <a:fontRef idx="minor">
+                  <a:schemeClr val="dk1"/>
+                </a:fontRef>
+              </p:style>
+              <p:txBody>
+                <a:bodyPr rtlCol="0" anchor="ctr"/>
+                <a:lstStyle/>
+                <a:p>
+                  <a:pPr algn="ctr"/>
+                  <a:endParaRPr lang="pl-PL" dirty="0">
+                    <a:solidFill>
+                      <a:schemeClr val="tx1"/>
+                    </a:solidFill>
+                  </a:endParaRPr>
+                </a:p>
+              </p:txBody>
+            </p:sp>
+            <p:pic>
+              <p:nvPicPr>
+                <p:cNvPr id="3" name="Grafika 2" descr="Strzałka: lekko zakrzywiona">
+                  <a:extLst>
+                    <a:ext uri="{FF2B5EF4-FFF2-40B4-BE49-F238E27FC236}">
+                      <a16:creationId xmlns:a16="http://schemas.microsoft.com/office/drawing/2014/main" id="{3803A2AA-B9A4-4545-B40C-CF67E6456884}"/>
+                    </a:ext>
+                  </a:extLst>
+                </p:cNvPr>
+                <p:cNvPicPr>
+                  <a:picLocks noChangeAspect="1"/>
+                </p:cNvPicPr>
+                <p:nvPr/>
+              </p:nvPicPr>
+              <p:blipFill>
+                <a:blip r:embed="rId3">
+                  <a:extLst>
+                    <a:ext uri="{28A0092B-C50C-407E-A947-70E740481C1C}">
+                      <a14:useLocalDpi xmlns:a14="http://schemas.microsoft.com/office/drawing/2010/main" val="0"/>
+                    </a:ext>
+                    <a:ext uri="{96DAC541-7B7A-43D3-8B79-37D633B846F1}">
+                      <asvg:svgBlip xmlns:asvg="http://schemas.microsoft.com/office/drawing/2016/SVG/main" r:embed="rId4"/>
+                    </a:ext>
+                  </a:extLst>
+                </a:blip>
+                <a:stretch>
+                  <a:fillRect/>
+                </a:stretch>
+              </p:blipFill>
+              <p:spPr>
+                <a:xfrm>
+                  <a:off x="5948920" y="2185122"/>
+                  <a:ext cx="2823475" cy="2823475"/>
+                </a:xfrm>
+                <a:prstGeom prst="rect">
+                  <a:avLst/>
+                </a:prstGeom>
+              </p:spPr>
+            </p:pic>
+          </p:grpSp>
+        </p:grpSp>
+        <p:grpSp>
+          <p:nvGrpSpPr>
+            <p:cNvPr id="17" name="Grupa 16">
+              <a:extLst>
+                <a:ext uri="{FF2B5EF4-FFF2-40B4-BE49-F238E27FC236}">
+                  <a16:creationId xmlns:a16="http://schemas.microsoft.com/office/drawing/2014/main" id="{8C694A27-5A78-4440-B7B6-1FD9848F4CB0}"/>
+                </a:ext>
+              </a:extLst>
+            </p:cNvPr>
+            <p:cNvGrpSpPr/>
+            <p:nvPr/>
+          </p:nvGrpSpPr>
+          <p:grpSpPr>
+            <a:xfrm>
+              <a:off x="819338" y="734449"/>
+              <a:ext cx="8699070" cy="5143369"/>
+              <a:chOff x="881090" y="937755"/>
+              <a:chExt cx="8699070" cy="5143369"/>
+            </a:xfrm>
+          </p:grpSpPr>
+          <p:sp>
+            <p:nvSpPr>
+              <p:cNvPr id="18" name="Strzałka: kolista 17">
+                <a:extLst>
+                  <a:ext uri="{FF2B5EF4-FFF2-40B4-BE49-F238E27FC236}">
+                    <a16:creationId xmlns:a16="http://schemas.microsoft.com/office/drawing/2014/main" id="{EEE27C09-A39D-43ED-AE36-F1E7298A3311}"/>
+                  </a:ext>
+                </a:extLst>
+              </p:cNvPr>
+              <p:cNvSpPr/>
+              <p:nvPr/>
+            </p:nvSpPr>
+            <p:spPr>
+              <a:xfrm rot="4232097">
+                <a:off x="4720754" y="1774172"/>
+                <a:ext cx="3989259" cy="3506544"/>
+              </a:xfrm>
+              <a:prstGeom prst="circularArrow">
+                <a:avLst>
+                  <a:gd name="adj1" fmla="val 17285"/>
+                  <a:gd name="adj2" fmla="val 817767"/>
+                  <a:gd name="adj3" fmla="val 20220068"/>
+                  <a:gd name="adj4" fmla="val 13674065"/>
+                  <a:gd name="adj5" fmla="val 13816"/>
+                </a:avLst>
+              </a:prstGeom>
+              <a:ln>
+                <a:noFill/>
+              </a:ln>
+            </p:spPr>
+            <p:style>
+              <a:lnRef idx="2">
+                <a:schemeClr val="accent6"/>
+              </a:lnRef>
+              <a:fillRef idx="1">
+                <a:schemeClr val="lt1"/>
+              </a:fillRef>
+              <a:effectRef idx="0">
+                <a:schemeClr val="accent6"/>
+              </a:effectRef>
+              <a:fontRef idx="minor">
+                <a:schemeClr val="dk1"/>
+              </a:fontRef>
+            </p:style>
+            <p:txBody>
+              <a:bodyPr rtlCol="0" anchor="ctr"/>
+              <a:lstStyle/>
+              <a:p>
+                <a:pPr algn="ctr"/>
+                <a:endParaRPr lang="pl-PL" dirty="0">
+                  <a:solidFill>
+                    <a:schemeClr val="tx1"/>
+                  </a:solidFill>
+                </a:endParaRPr>
+              </a:p>
+            </p:txBody>
+          </p:sp>
+          <p:sp>
+            <p:nvSpPr>
+              <p:cNvPr id="19" name="Strzałka: kolista 18">
+                <a:extLst>
+                  <a:ext uri="{FF2B5EF4-FFF2-40B4-BE49-F238E27FC236}">
+                    <a16:creationId xmlns:a16="http://schemas.microsoft.com/office/drawing/2014/main" id="{9E16B8BC-DFE5-4F8D-8C21-943900EB2B91}"/>
+                  </a:ext>
+                </a:extLst>
+              </p:cNvPr>
+              <p:cNvSpPr/>
+              <p:nvPr/>
+            </p:nvSpPr>
+            <p:spPr>
+              <a:xfrm rot="17588791">
+                <a:off x="4634487" y="2601821"/>
+                <a:ext cx="3356567" cy="3602040"/>
+              </a:xfrm>
+              <a:prstGeom prst="circularArrow">
+                <a:avLst>
+                  <a:gd name="adj1" fmla="val 17285"/>
+                  <a:gd name="adj2" fmla="val 817767"/>
+                  <a:gd name="adj3" fmla="val 20220068"/>
+                  <a:gd name="adj4" fmla="val 14902528"/>
+                  <a:gd name="adj5" fmla="val 13816"/>
+                </a:avLst>
+              </a:prstGeom>
+              <a:ln>
+                <a:noFill/>
+              </a:ln>
+            </p:spPr>
+            <p:style>
+              <a:lnRef idx="2">
+                <a:schemeClr val="accent6"/>
+              </a:lnRef>
+              <a:fillRef idx="1">
+                <a:schemeClr val="lt1"/>
+              </a:fillRef>
+              <a:effectRef idx="0">
+                <a:schemeClr val="accent6"/>
+              </a:effectRef>
+              <a:fontRef idx="minor">
+                <a:schemeClr val="dk1"/>
+              </a:fontRef>
+            </p:style>
+            <p:txBody>
+              <a:bodyPr rtlCol="0" anchor="ctr"/>
+              <a:lstStyle/>
+              <a:p>
+                <a:pPr algn="ctr"/>
+                <a:endParaRPr lang="pl-PL" dirty="0">
+                  <a:solidFill>
+                    <a:schemeClr val="tx1"/>
+                  </a:solidFill>
+                </a:endParaRPr>
+              </a:p>
+            </p:txBody>
+          </p:sp>
+          <p:grpSp>
+            <p:nvGrpSpPr>
+              <p:cNvPr id="20" name="Grupa 19">
+                <a:extLst>
+                  <a:ext uri="{FF2B5EF4-FFF2-40B4-BE49-F238E27FC236}">
+                    <a16:creationId xmlns:a16="http://schemas.microsoft.com/office/drawing/2014/main" id="{5792EEA4-478C-4549-9C47-6248FCA2472A}"/>
+                  </a:ext>
+                </a:extLst>
+              </p:cNvPr>
+              <p:cNvGrpSpPr/>
+              <p:nvPr/>
+            </p:nvGrpSpPr>
+            <p:grpSpPr>
+              <a:xfrm>
+                <a:off x="881090" y="937755"/>
+                <a:ext cx="8699070" cy="4841814"/>
+                <a:chOff x="73325" y="1052234"/>
+                <a:chExt cx="8699070" cy="4841814"/>
+              </a:xfrm>
+            </p:grpSpPr>
+            <p:sp>
+              <p:nvSpPr>
+                <p:cNvPr id="21" name="Strzałka: kolista 20">
+                  <a:extLst>
+                    <a:ext uri="{FF2B5EF4-FFF2-40B4-BE49-F238E27FC236}">
+                      <a16:creationId xmlns:a16="http://schemas.microsoft.com/office/drawing/2014/main" id="{BF61D56F-3E67-45C7-AEB4-267B863731D5}"/>
+                    </a:ext>
+                  </a:extLst>
+                </p:cNvPr>
+                <p:cNvSpPr/>
+                <p:nvPr/>
+              </p:nvSpPr>
+              <p:spPr>
+                <a:xfrm rot="19837530">
+                  <a:off x="3219102" y="1605390"/>
+                  <a:ext cx="3989259" cy="3506544"/>
+                </a:xfrm>
+                <a:prstGeom prst="circularArrow">
+                  <a:avLst>
+                    <a:gd name="adj1" fmla="val 17285"/>
+                    <a:gd name="adj2" fmla="val 817767"/>
+                    <a:gd name="adj3" fmla="val 20220068"/>
+                    <a:gd name="adj4" fmla="val 13674065"/>
+                    <a:gd name="adj5" fmla="val 13816"/>
+                  </a:avLst>
+                </a:prstGeom>
+                <a:ln>
+                  <a:noFill/>
+                </a:ln>
+              </p:spPr>
+              <p:style>
+                <a:lnRef idx="2">
+                  <a:schemeClr val="accent6"/>
+                </a:lnRef>
+                <a:fillRef idx="1">
+                  <a:schemeClr val="lt1"/>
+                </a:fillRef>
+                <a:effectRef idx="0">
+                  <a:schemeClr val="accent6"/>
+                </a:effectRef>
+                <a:fontRef idx="minor">
+                  <a:schemeClr val="dk1"/>
+                </a:fontRef>
+              </p:style>
+              <p:txBody>
+                <a:bodyPr rtlCol="0" anchor="ctr"/>
+                <a:lstStyle/>
+                <a:p>
+                  <a:pPr algn="ctr"/>
+                  <a:endParaRPr lang="pl-PL" dirty="0">
+                    <a:solidFill>
+                      <a:schemeClr val="tx1"/>
+                    </a:solidFill>
+                  </a:endParaRPr>
+                </a:p>
+              </p:txBody>
+            </p:sp>
+            <p:sp>
+              <p:nvSpPr>
+                <p:cNvPr id="22" name="Strzałka: kolista 21">
+                  <a:extLst>
+                    <a:ext uri="{FF2B5EF4-FFF2-40B4-BE49-F238E27FC236}">
+                      <a16:creationId xmlns:a16="http://schemas.microsoft.com/office/drawing/2014/main" id="{A31AB7C5-F4BD-47E7-897D-5B5237CED516}"/>
+                    </a:ext>
+                  </a:extLst>
+                </p:cNvPr>
+                <p:cNvSpPr/>
+                <p:nvPr/>
+              </p:nvSpPr>
+              <p:spPr>
+                <a:xfrm rot="10036440">
+                  <a:off x="3727731" y="2387504"/>
+                  <a:ext cx="3989259" cy="3506544"/>
+                </a:xfrm>
+                <a:prstGeom prst="circularArrow">
+                  <a:avLst>
+                    <a:gd name="adj1" fmla="val 17285"/>
+                    <a:gd name="adj2" fmla="val 817767"/>
+                    <a:gd name="adj3" fmla="val 20220068"/>
+                    <a:gd name="adj4" fmla="val 14902528"/>
+                    <a:gd name="adj5" fmla="val 13816"/>
+                  </a:avLst>
+                </a:prstGeom>
+                <a:ln>
+                  <a:noFill/>
+                </a:ln>
+              </p:spPr>
+              <p:style>
+                <a:lnRef idx="2">
+                  <a:schemeClr val="accent6"/>
+                </a:lnRef>
+                <a:fillRef idx="1">
+                  <a:schemeClr val="lt1"/>
+                </a:fillRef>
+                <a:effectRef idx="0">
+                  <a:schemeClr val="accent6"/>
+                </a:effectRef>
+                <a:fontRef idx="minor">
+                  <a:schemeClr val="dk1"/>
+                </a:fontRef>
+              </p:style>
+              <p:txBody>
+                <a:bodyPr rtlCol="0" anchor="ctr"/>
+                <a:lstStyle/>
+                <a:p>
+                  <a:pPr algn="ctr"/>
+                  <a:endParaRPr lang="pl-PL" dirty="0">
+                    <a:solidFill>
+                      <a:schemeClr val="tx1"/>
+                    </a:solidFill>
+                  </a:endParaRPr>
+                </a:p>
+              </p:txBody>
+            </p:sp>
+            <p:sp>
+              <p:nvSpPr>
+                <p:cNvPr id="23" name="Strzałka: kolista 22">
+                  <a:extLst>
+                    <a:ext uri="{FF2B5EF4-FFF2-40B4-BE49-F238E27FC236}">
+                      <a16:creationId xmlns:a16="http://schemas.microsoft.com/office/drawing/2014/main" id="{97B8FDEE-159F-4911-8A20-03F679E50BDA}"/>
+                    </a:ext>
+                  </a:extLst>
+                </p:cNvPr>
+                <p:cNvSpPr/>
+                <p:nvPr/>
+              </p:nvSpPr>
+              <p:spPr>
+                <a:xfrm rot="381463" flipV="1">
+                  <a:off x="73325" y="1052234"/>
+                  <a:ext cx="4285302" cy="3507415"/>
+                </a:xfrm>
+                <a:prstGeom prst="circularArrow">
+                  <a:avLst>
+                    <a:gd name="adj1" fmla="val 17285"/>
+                    <a:gd name="adj2" fmla="val 817767"/>
+                    <a:gd name="adj3" fmla="val 20220068"/>
+                    <a:gd name="adj4" fmla="val 15375350"/>
+                    <a:gd name="adj5" fmla="val 13816"/>
+                  </a:avLst>
+                </a:prstGeom>
+                <a:ln>
+                  <a:noFill/>
+                </a:ln>
+              </p:spPr>
+              <p:style>
+                <a:lnRef idx="2">
+                  <a:schemeClr val="accent6"/>
+                </a:lnRef>
+                <a:fillRef idx="1">
+                  <a:schemeClr val="lt1"/>
+                </a:fillRef>
+                <a:effectRef idx="0">
+                  <a:schemeClr val="accent6"/>
+                </a:effectRef>
+                <a:fontRef idx="minor">
+                  <a:schemeClr val="dk1"/>
+                </a:fontRef>
+              </p:style>
+              <p:txBody>
+                <a:bodyPr rtlCol="0" anchor="ctr"/>
+                <a:lstStyle/>
+                <a:p>
+                  <a:pPr algn="ctr"/>
+                  <a:endParaRPr lang="pl-PL" dirty="0">
+                    <a:solidFill>
+                      <a:schemeClr val="tx1"/>
+                    </a:solidFill>
+                  </a:endParaRPr>
+                </a:p>
+              </p:txBody>
+            </p:sp>
+            <p:pic>
+              <p:nvPicPr>
+                <p:cNvPr id="24" name="Grafika 23" descr="Strzałka: lekko zakrzywiona">
+                  <a:extLst>
+                    <a:ext uri="{FF2B5EF4-FFF2-40B4-BE49-F238E27FC236}">
+                      <a16:creationId xmlns:a16="http://schemas.microsoft.com/office/drawing/2014/main" id="{FCF2D6A2-1E02-4472-868D-8FFB35AAC919}"/>
+                    </a:ext>
+                  </a:extLst>
+                </p:cNvPr>
+                <p:cNvPicPr>
+                  <a:picLocks noChangeAspect="1"/>
+                </p:cNvPicPr>
+                <p:nvPr/>
+              </p:nvPicPr>
+              <p:blipFill>
+                <a:blip r:embed="rId5">
+                  <a:extLst>
+                    <a:ext uri="{28A0092B-C50C-407E-A947-70E740481C1C}">
+                      <a14:useLocalDpi xmlns:a14="http://schemas.microsoft.com/office/drawing/2010/main" val="0"/>
+                    </a:ext>
+                    <a:ext uri="{96DAC541-7B7A-43D3-8B79-37D633B846F1}">
+                      <asvg:svgBlip xmlns:asvg="http://schemas.microsoft.com/office/drawing/2016/SVG/main" r:embed="rId6"/>
+                    </a:ext>
+                  </a:extLst>
+                </a:blip>
+                <a:stretch>
+                  <a:fillRect/>
+                </a:stretch>
+              </p:blipFill>
+              <p:spPr>
+                <a:xfrm>
+                  <a:off x="5948920" y="2185122"/>
+                  <a:ext cx="2823475" cy="2823475"/>
+                </a:xfrm>
+                <a:prstGeom prst="rect">
+                  <a:avLst/>
+                </a:prstGeom>
+              </p:spPr>
+            </p:pic>
+          </p:grpSp>
+        </p:grpSp>
+      </p:grpSp>
+      <p:grpSp>
+        <p:nvGrpSpPr>
+          <p:cNvPr id="26" name="Grupa 25">
+            <a:extLst>
+              <a:ext uri="{FF2B5EF4-FFF2-40B4-BE49-F238E27FC236}">
+                <a16:creationId xmlns:a16="http://schemas.microsoft.com/office/drawing/2014/main" id="{0E0124E5-D63E-419B-91BB-173A25539046}"/>
+              </a:ext>
+            </a:extLst>
+          </p:cNvPr>
+          <p:cNvGrpSpPr/>
+          <p:nvPr/>
+        </p:nvGrpSpPr>
+        <p:grpSpPr>
+          <a:xfrm>
+            <a:off x="9447453" y="2251101"/>
+            <a:ext cx="2523997" cy="2453162"/>
+            <a:chOff x="861707" y="2858139"/>
+            <a:chExt cx="2523997" cy="2453162"/>
+          </a:xfrm>
+        </p:grpSpPr>
+        <p:grpSp>
+          <p:nvGrpSpPr>
+            <p:cNvPr id="27" name="Grupa 26">
+              <a:extLst>
+                <a:ext uri="{FF2B5EF4-FFF2-40B4-BE49-F238E27FC236}">
+                  <a16:creationId xmlns:a16="http://schemas.microsoft.com/office/drawing/2014/main" id="{39D6EF77-CCD6-4BEA-90BD-E9E3F07A449A}"/>
+                </a:ext>
+              </a:extLst>
+            </p:cNvPr>
+            <p:cNvGrpSpPr/>
+            <p:nvPr/>
+          </p:nvGrpSpPr>
+          <p:grpSpPr>
+            <a:xfrm>
+              <a:off x="882424" y="2974238"/>
+              <a:ext cx="2503280" cy="2337063"/>
+              <a:chOff x="901148" y="2166492"/>
+              <a:chExt cx="2503280" cy="2337063"/>
+            </a:xfrm>
+          </p:grpSpPr>
+          <p:pic>
+            <p:nvPicPr>
+              <p:cNvPr id="31" name="Grafika 30" descr="Koła zębate">
+                <a:extLst>
+                  <a:ext uri="{FF2B5EF4-FFF2-40B4-BE49-F238E27FC236}">
+                    <a16:creationId xmlns:a16="http://schemas.microsoft.com/office/drawing/2014/main" id="{177F32B4-75CC-427C-842A-5149E8E08450}"/>
+                  </a:ext>
+                </a:extLst>
+              </p:cNvPr>
+              <p:cNvPicPr>
+                <a:picLocks noChangeAspect="1"/>
+              </p:cNvPicPr>
+              <p:nvPr/>
+            </p:nvPicPr>
+            <p:blipFill>
+              <a:blip r:embed="rId7">
+                <a:extLst>
+                  <a:ext uri="{28A0092B-C50C-407E-A947-70E740481C1C}">
+                    <a14:useLocalDpi xmlns:a14="http://schemas.microsoft.com/office/drawing/2010/main" val="0"/>
+                  </a:ext>
+                  <a:ext uri="{96DAC541-7B7A-43D3-8B79-37D633B846F1}">
+                    <asvg:svgBlip xmlns:asvg="http://schemas.microsoft.com/office/drawing/2016/SVG/main" r:embed="rId8"/>
+                  </a:ext>
+                </a:extLst>
+              </a:blip>
+              <a:stretch>
+                <a:fillRect/>
+              </a:stretch>
+            </p:blipFill>
+            <p:spPr>
+              <a:xfrm>
+                <a:off x="1846386" y="2945513"/>
+                <a:ext cx="1558042" cy="1558042"/>
+              </a:xfrm>
+              <a:prstGeom prst="rect">
+                <a:avLst/>
+              </a:prstGeom>
+            </p:spPr>
+          </p:pic>
+          <p:pic>
+            <p:nvPicPr>
+              <p:cNvPr id="32" name="Grafika 31" descr="Pojedyncze koło zębate">
+                <a:extLst>
+                  <a:ext uri="{FF2B5EF4-FFF2-40B4-BE49-F238E27FC236}">
+                    <a16:creationId xmlns:a16="http://schemas.microsoft.com/office/drawing/2014/main" id="{30702EB1-E19E-4AE5-A952-6636AD536799}"/>
+                  </a:ext>
+                </a:extLst>
+              </p:cNvPr>
+              <p:cNvPicPr>
+                <a:picLocks noChangeAspect="1"/>
+              </p:cNvPicPr>
+              <p:nvPr/>
+            </p:nvPicPr>
+            <p:blipFill>
+              <a:blip r:embed="rId9">
+                <a:extLst>
+                  <a:ext uri="{28A0092B-C50C-407E-A947-70E740481C1C}">
+                    <a14:useLocalDpi xmlns:a14="http://schemas.microsoft.com/office/drawing/2010/main" val="0"/>
+                  </a:ext>
+                  <a:ext uri="{96DAC541-7B7A-43D3-8B79-37D633B846F1}">
+                    <asvg:svgBlip xmlns:asvg="http://schemas.microsoft.com/office/drawing/2016/SVG/main" r:embed="rId10"/>
+                  </a:ext>
+                </a:extLst>
+              </a:blip>
+              <a:stretch>
+                <a:fillRect/>
+              </a:stretch>
+            </p:blipFill>
+            <p:spPr>
+              <a:xfrm>
+                <a:off x="901148" y="2166492"/>
+                <a:ext cx="1558042" cy="1558042"/>
+              </a:xfrm>
+              <a:prstGeom prst="rect">
+                <a:avLst/>
+              </a:prstGeom>
+            </p:spPr>
+          </p:pic>
+        </p:grpSp>
+        <p:grpSp>
+          <p:nvGrpSpPr>
+            <p:cNvPr id="28" name="Grupa 27">
+              <a:extLst>
+                <a:ext uri="{FF2B5EF4-FFF2-40B4-BE49-F238E27FC236}">
+                  <a16:creationId xmlns:a16="http://schemas.microsoft.com/office/drawing/2014/main" id="{B5DB4A95-4C68-47E0-BBD1-BD1C2E9E51BE}"/>
+                </a:ext>
+              </a:extLst>
+            </p:cNvPr>
+            <p:cNvGrpSpPr/>
+            <p:nvPr/>
+          </p:nvGrpSpPr>
+          <p:grpSpPr>
+            <a:xfrm>
+              <a:off x="861707" y="2858139"/>
+              <a:ext cx="2503280" cy="2337063"/>
+              <a:chOff x="901148" y="2166492"/>
+              <a:chExt cx="2503280" cy="2337063"/>
+            </a:xfrm>
+            <a:solidFill>
+              <a:schemeClr val="bg1"/>
+            </a:solidFill>
+          </p:grpSpPr>
+          <p:pic>
+            <p:nvPicPr>
+              <p:cNvPr id="29" name="Grafika 28" descr="Koła zębate">
+                <a:extLst>
+                  <a:ext uri="{FF2B5EF4-FFF2-40B4-BE49-F238E27FC236}">
+                    <a16:creationId xmlns:a16="http://schemas.microsoft.com/office/drawing/2014/main" id="{3B486982-8948-4DAF-A0ED-298E7AD7EA02}"/>
+                  </a:ext>
+                </a:extLst>
+              </p:cNvPr>
+              <p:cNvPicPr>
+                <a:picLocks noChangeAspect="1"/>
+              </p:cNvPicPr>
+              <p:nvPr/>
+            </p:nvPicPr>
+            <p:blipFill>
+              <a:blip r:embed="rId11">
+                <a:extLst>
+                  <a:ext uri="{28A0092B-C50C-407E-A947-70E740481C1C}">
+                    <a14:useLocalDpi xmlns:a14="http://schemas.microsoft.com/office/drawing/2010/main" val="0"/>
+                  </a:ext>
+                  <a:ext uri="{96DAC541-7B7A-43D3-8B79-37D633B846F1}">
+                    <asvg:svgBlip xmlns:asvg="http://schemas.microsoft.com/office/drawing/2016/SVG/main" r:embed="rId12"/>
+                  </a:ext>
+                </a:extLst>
+              </a:blip>
+              <a:stretch>
+                <a:fillRect/>
+              </a:stretch>
+            </p:blipFill>
+            <p:spPr>
+              <a:xfrm>
+                <a:off x="1846386" y="2945513"/>
+                <a:ext cx="1558042" cy="1558042"/>
+              </a:xfrm>
+              <a:prstGeom prst="rect">
+                <a:avLst/>
+              </a:prstGeom>
+            </p:spPr>
+          </p:pic>
+          <p:pic>
+            <p:nvPicPr>
+              <p:cNvPr id="30" name="Grafika 29" descr="Pojedyncze koło zębate">
+                <a:extLst>
+                  <a:ext uri="{FF2B5EF4-FFF2-40B4-BE49-F238E27FC236}">
+                    <a16:creationId xmlns:a16="http://schemas.microsoft.com/office/drawing/2014/main" id="{4757B2F1-6FBB-4962-B040-D334BA3C67CD}"/>
+                  </a:ext>
+                </a:extLst>
+              </p:cNvPr>
+              <p:cNvPicPr>
+                <a:picLocks noChangeAspect="1"/>
+              </p:cNvPicPr>
+              <p:nvPr/>
+            </p:nvPicPr>
+            <p:blipFill>
+              <a:blip r:embed="rId13">
+                <a:extLst>
+                  <a:ext uri="{28A0092B-C50C-407E-A947-70E740481C1C}">
+                    <a14:useLocalDpi xmlns:a14="http://schemas.microsoft.com/office/drawing/2010/main" val="0"/>
+                  </a:ext>
+                  <a:ext uri="{96DAC541-7B7A-43D3-8B79-37D633B846F1}">
+                    <asvg:svgBlip xmlns:asvg="http://schemas.microsoft.com/office/drawing/2016/SVG/main" r:embed="rId14"/>
+                  </a:ext>
+                </a:extLst>
+              </a:blip>
+              <a:stretch>
+                <a:fillRect/>
+              </a:stretch>
+            </p:blipFill>
+            <p:spPr>
+              <a:xfrm>
+                <a:off x="901148" y="2166492"/>
+                <a:ext cx="1558042" cy="1558042"/>
+              </a:xfrm>
+              <a:prstGeom prst="rect">
+                <a:avLst/>
+              </a:prstGeom>
+            </p:spPr>
+          </p:pic>
+        </p:grpSp>
+      </p:grpSp>
+      <p:grpSp>
+        <p:nvGrpSpPr>
+          <p:cNvPr id="35" name="Grupa 34">
+            <a:extLst>
+              <a:ext uri="{FF2B5EF4-FFF2-40B4-BE49-F238E27FC236}">
+                <a16:creationId xmlns:a16="http://schemas.microsoft.com/office/drawing/2014/main" id="{ADF4632D-6F1A-4FF7-8E9E-3FE6935A48B7}"/>
+              </a:ext>
+            </a:extLst>
+          </p:cNvPr>
+          <p:cNvGrpSpPr/>
+          <p:nvPr/>
+        </p:nvGrpSpPr>
+        <p:grpSpPr>
+          <a:xfrm>
+            <a:off x="574211" y="1828650"/>
+            <a:ext cx="1196530" cy="512517"/>
+            <a:chOff x="626022" y="2084909"/>
+            <a:chExt cx="1196530" cy="512517"/>
+          </a:xfrm>
+        </p:grpSpPr>
+        <p:sp>
+          <p:nvSpPr>
+            <p:cNvPr id="33" name="Prostokąt: zaokrąglone rogi 32">
+              <a:extLst>
+                <a:ext uri="{FF2B5EF4-FFF2-40B4-BE49-F238E27FC236}">
+                  <a16:creationId xmlns:a16="http://schemas.microsoft.com/office/drawing/2014/main" id="{AC28E6EC-5C3E-4BBD-8776-B7EB71BD445F}"/>
+                </a:ext>
+              </a:extLst>
+            </p:cNvPr>
+            <p:cNvSpPr/>
+            <p:nvPr/>
+          </p:nvSpPr>
           <p:spPr>
             <a:xfrm>
-              <a:off x="1846386" y="2945513"/>
-              <a:ext cx="1558042" cy="1558042"/>
-            </a:xfrm>
-            <a:prstGeom prst="rect">
+              <a:off x="675861" y="2143099"/>
+              <a:ext cx="1146691" cy="454327"/>
+            </a:xfrm>
+            <a:prstGeom prst="roundRect">
               <a:avLst/>
             </a:prstGeom>
+            <a:ln/>
           </p:spPr>
-        </p:pic>
-        <p:pic>
-          <p:nvPicPr>
-            <p:cNvPr id="6" name="Grafika 5" descr="Pojedyncze koło zębate">
-              <a:extLst>
-                <a:ext uri="{FF2B5EF4-FFF2-40B4-BE49-F238E27FC236}">
-                  <a16:creationId xmlns:a16="http://schemas.microsoft.com/office/drawing/2014/main" id="{C5809225-676D-43FD-ACA7-F35351E42C82}"/>
-                </a:ext>
-              </a:extLst>
-            </p:cNvPr>
-            <p:cNvPicPr>
-              <a:picLocks noChangeAspect="1"/>
-            </p:cNvPicPr>
-            <p:nvPr/>
-          </p:nvPicPr>
-          <p:blipFill>
-            <a:blip r:embed="rId5">
-              <a:extLst>
-                <a:ext uri="{28A0092B-C50C-407E-A947-70E740481C1C}">
-                  <a14:useLocalDpi xmlns:a14="http://schemas.microsoft.com/office/drawing/2010/main" val="0"/>
-                </a:ext>
-                <a:ext uri="{96DAC541-7B7A-43D3-8B79-37D633B846F1}">
-                  <asvg:svgBlip xmlns:asvg="http://schemas.microsoft.com/office/drawing/2016/SVG/main" r:embed="rId6"/>
-                </a:ext>
-              </a:extLst>
-            </a:blip>
-            <a:stretch>
-              <a:fillRect/>
-            </a:stretch>
-          </p:blipFill>
+          <p:style>
+            <a:lnRef idx="2">
+              <a:schemeClr val="dk1">
+                <a:shade val="50000"/>
+              </a:schemeClr>
+            </a:lnRef>
+            <a:fillRef idx="1">
+              <a:schemeClr val="dk1"/>
+            </a:fillRef>
+            <a:effectRef idx="0">
+              <a:schemeClr val="dk1"/>
+            </a:effectRef>
+            <a:fontRef idx="minor">
+              <a:schemeClr val="lt1"/>
+            </a:fontRef>
+          </p:style>
+          <p:txBody>
+            <a:bodyPr rtlCol="0" anchor="ctr"/>
+            <a:lstStyle/>
+            <a:p>
+              <a:pPr algn="ctr"/>
+              <a:endParaRPr lang="pl-PL"/>
+            </a:p>
+          </p:txBody>
+        </p:sp>
+        <p:sp>
+          <p:nvSpPr>
+            <p:cNvPr id="34" name="Prostokąt: zaokrąglone rogi 33">
+              <a:extLst>
+                <a:ext uri="{FF2B5EF4-FFF2-40B4-BE49-F238E27FC236}">
+                  <a16:creationId xmlns:a16="http://schemas.microsoft.com/office/drawing/2014/main" id="{4C55121C-DFFE-489A-8DFA-0B3D73072F5A}"/>
+                </a:ext>
+              </a:extLst>
+            </p:cNvPr>
+            <p:cNvSpPr/>
+            <p:nvPr/>
+          </p:nvSpPr>
           <p:spPr>
             <a:xfrm>
-              <a:off x="901148" y="2166492"/>
-              <a:ext cx="1558042" cy="1558042"/>
-            </a:xfrm>
-            <a:prstGeom prst="rect">
+              <a:off x="626022" y="2084909"/>
+              <a:ext cx="1146691" cy="454327"/>
+            </a:xfrm>
+            <a:prstGeom prst="roundRect">
               <a:avLst/>
             </a:prstGeom>
+            <a:ln>
+              <a:noFill/>
+            </a:ln>
           </p:spPr>
-        </p:pic>
+          <p:style>
+            <a:lnRef idx="2">
+              <a:schemeClr val="accent6"/>
+            </a:lnRef>
+            <a:fillRef idx="1">
+              <a:schemeClr val="lt1"/>
+            </a:fillRef>
+            <a:effectRef idx="0">
+              <a:schemeClr val="accent6"/>
+            </a:effectRef>
+            <a:fontRef idx="minor">
+              <a:schemeClr val="dk1"/>
+            </a:fontRef>
+          </p:style>
+          <p:txBody>
+            <a:bodyPr rtlCol="0" anchor="ctr"/>
+            <a:lstStyle/>
+            <a:p>
+              <a:pPr algn="ctr"/>
+              <a:endParaRPr lang="pl-PL"/>
+            </a:p>
+          </p:txBody>
+        </p:sp>
       </p:grpSp>
+      <p:grpSp>
+        <p:nvGrpSpPr>
+          <p:cNvPr id="36" name="Grupa 35">
+            <a:extLst>
+              <a:ext uri="{FF2B5EF4-FFF2-40B4-BE49-F238E27FC236}">
+                <a16:creationId xmlns:a16="http://schemas.microsoft.com/office/drawing/2014/main" id="{776B8FE4-F0A9-41DF-9830-33EF22AB4C48}"/>
+              </a:ext>
+            </a:extLst>
+          </p:cNvPr>
+          <p:cNvGrpSpPr/>
+          <p:nvPr/>
+        </p:nvGrpSpPr>
+        <p:grpSpPr>
+          <a:xfrm>
+            <a:off x="574211" y="4848092"/>
+            <a:ext cx="1196530" cy="512517"/>
+            <a:chOff x="626022" y="2084909"/>
+            <a:chExt cx="1196530" cy="512517"/>
+          </a:xfrm>
+        </p:grpSpPr>
+        <p:sp>
+          <p:nvSpPr>
+            <p:cNvPr id="37" name="Prostokąt: zaokrąglone rogi 36">
+              <a:extLst>
+                <a:ext uri="{FF2B5EF4-FFF2-40B4-BE49-F238E27FC236}">
+                  <a16:creationId xmlns:a16="http://schemas.microsoft.com/office/drawing/2014/main" id="{F23F96B6-943B-4EC6-A593-5B4F774DA923}"/>
+                </a:ext>
+              </a:extLst>
+            </p:cNvPr>
+            <p:cNvSpPr/>
+            <p:nvPr/>
+          </p:nvSpPr>
+          <p:spPr>
+            <a:xfrm>
+              <a:off x="675861" y="2143099"/>
+              <a:ext cx="1146691" cy="454327"/>
+            </a:xfrm>
+            <a:prstGeom prst="roundRect">
+              <a:avLst/>
+            </a:prstGeom>
+            <a:ln/>
+          </p:spPr>
+          <p:style>
+            <a:lnRef idx="2">
+              <a:schemeClr val="dk1">
+                <a:shade val="50000"/>
+              </a:schemeClr>
+            </a:lnRef>
+            <a:fillRef idx="1">
+              <a:schemeClr val="dk1"/>
+            </a:fillRef>
+            <a:effectRef idx="0">
+              <a:schemeClr val="dk1"/>
+            </a:effectRef>
+            <a:fontRef idx="minor">
+              <a:schemeClr val="lt1"/>
+            </a:fontRef>
+          </p:style>
+          <p:txBody>
+            <a:bodyPr rtlCol="0" anchor="ctr"/>
+            <a:lstStyle/>
+            <a:p>
+              <a:pPr algn="ctr"/>
+              <a:endParaRPr lang="pl-PL"/>
+            </a:p>
+          </p:txBody>
+        </p:sp>
+        <p:sp>
+          <p:nvSpPr>
+            <p:cNvPr id="38" name="Prostokąt: zaokrąglone rogi 37">
+              <a:extLst>
+                <a:ext uri="{FF2B5EF4-FFF2-40B4-BE49-F238E27FC236}">
+                  <a16:creationId xmlns:a16="http://schemas.microsoft.com/office/drawing/2014/main" id="{902D3FCE-F640-4747-8947-FB948518B0ED}"/>
+                </a:ext>
+              </a:extLst>
+            </p:cNvPr>
+            <p:cNvSpPr/>
+            <p:nvPr/>
+          </p:nvSpPr>
+          <p:spPr>
+            <a:xfrm>
+              <a:off x="626022" y="2084909"/>
+              <a:ext cx="1146691" cy="454327"/>
+            </a:xfrm>
+            <a:prstGeom prst="roundRect">
+              <a:avLst/>
+            </a:prstGeom>
+            <a:ln>
+              <a:noFill/>
+            </a:ln>
+          </p:spPr>
+          <p:style>
+            <a:lnRef idx="2">
+              <a:schemeClr val="accent6"/>
+            </a:lnRef>
+            <a:fillRef idx="1">
+              <a:schemeClr val="lt1"/>
+            </a:fillRef>
+            <a:effectRef idx="0">
+              <a:schemeClr val="accent6"/>
+            </a:effectRef>
+            <a:fontRef idx="minor">
+              <a:schemeClr val="dk1"/>
+            </a:fontRef>
+          </p:style>
+          <p:txBody>
+            <a:bodyPr rtlCol="0" anchor="ctr"/>
+            <a:lstStyle/>
+            <a:p>
+              <a:pPr algn="ctr"/>
+              <a:endParaRPr lang="pl-PL"/>
+            </a:p>
+          </p:txBody>
+        </p:sp>
+      </p:grpSp>
+      <p:grpSp>
+        <p:nvGrpSpPr>
+          <p:cNvPr id="39" name="Grupa 38">
+            <a:extLst>
+              <a:ext uri="{FF2B5EF4-FFF2-40B4-BE49-F238E27FC236}">
+                <a16:creationId xmlns:a16="http://schemas.microsoft.com/office/drawing/2014/main" id="{8CFADE1B-6127-4196-A5A2-657A8C10B703}"/>
+              </a:ext>
+            </a:extLst>
+          </p:cNvPr>
+          <p:cNvGrpSpPr/>
+          <p:nvPr/>
+        </p:nvGrpSpPr>
+        <p:grpSpPr>
+          <a:xfrm>
+            <a:off x="574211" y="2506088"/>
+            <a:ext cx="1196530" cy="512517"/>
+            <a:chOff x="626022" y="2084909"/>
+            <a:chExt cx="1196530" cy="512517"/>
+          </a:xfrm>
+        </p:grpSpPr>
+        <p:sp>
+          <p:nvSpPr>
+            <p:cNvPr id="40" name="Prostokąt: zaokrąglone rogi 39">
+              <a:extLst>
+                <a:ext uri="{FF2B5EF4-FFF2-40B4-BE49-F238E27FC236}">
+                  <a16:creationId xmlns:a16="http://schemas.microsoft.com/office/drawing/2014/main" id="{2AFD60D8-A15F-459B-AC5A-5B428E89D891}"/>
+                </a:ext>
+              </a:extLst>
+            </p:cNvPr>
+            <p:cNvSpPr/>
+            <p:nvPr/>
+          </p:nvSpPr>
+          <p:spPr>
+            <a:xfrm>
+              <a:off x="675861" y="2143099"/>
+              <a:ext cx="1146691" cy="454327"/>
+            </a:xfrm>
+            <a:prstGeom prst="roundRect">
+              <a:avLst/>
+            </a:prstGeom>
+            <a:ln/>
+          </p:spPr>
+          <p:style>
+            <a:lnRef idx="2">
+              <a:schemeClr val="dk1">
+                <a:shade val="50000"/>
+              </a:schemeClr>
+            </a:lnRef>
+            <a:fillRef idx="1">
+              <a:schemeClr val="dk1"/>
+            </a:fillRef>
+            <a:effectRef idx="0">
+              <a:schemeClr val="dk1"/>
+            </a:effectRef>
+            <a:fontRef idx="minor">
+              <a:schemeClr val="lt1"/>
+            </a:fontRef>
+          </p:style>
+          <p:txBody>
+            <a:bodyPr rtlCol="0" anchor="ctr"/>
+            <a:lstStyle/>
+            <a:p>
+              <a:pPr algn="ctr"/>
+              <a:endParaRPr lang="pl-PL"/>
+            </a:p>
+          </p:txBody>
+        </p:sp>
+        <p:sp>
+          <p:nvSpPr>
+            <p:cNvPr id="41" name="Prostokąt: zaokrąglone rogi 40">
+              <a:extLst>
+                <a:ext uri="{FF2B5EF4-FFF2-40B4-BE49-F238E27FC236}">
+                  <a16:creationId xmlns:a16="http://schemas.microsoft.com/office/drawing/2014/main" id="{14C5D276-FB4A-4E1F-A49A-29AF183DCDFB}"/>
+                </a:ext>
+              </a:extLst>
+            </p:cNvPr>
+            <p:cNvSpPr/>
+            <p:nvPr/>
+          </p:nvSpPr>
+          <p:spPr>
+            <a:xfrm>
+              <a:off x="626022" y="2084909"/>
+              <a:ext cx="1146691" cy="454327"/>
+            </a:xfrm>
+            <a:prstGeom prst="roundRect">
+              <a:avLst/>
+            </a:prstGeom>
+            <a:ln>
+              <a:noFill/>
+            </a:ln>
+          </p:spPr>
+          <p:style>
+            <a:lnRef idx="2">
+              <a:schemeClr val="accent6"/>
+            </a:lnRef>
+            <a:fillRef idx="1">
+              <a:schemeClr val="lt1"/>
+            </a:fillRef>
+            <a:effectRef idx="0">
+              <a:schemeClr val="accent6"/>
+            </a:effectRef>
+            <a:fontRef idx="minor">
+              <a:schemeClr val="dk1"/>
+            </a:fontRef>
+          </p:style>
+          <p:txBody>
+            <a:bodyPr rtlCol="0" anchor="ctr"/>
+            <a:lstStyle/>
+            <a:p>
+              <a:pPr algn="ctr"/>
+              <a:endParaRPr lang="pl-PL"/>
+            </a:p>
+          </p:txBody>
+        </p:sp>
+      </p:grpSp>
+      <p:grpSp>
+        <p:nvGrpSpPr>
+          <p:cNvPr id="42" name="Grupa 41">
+            <a:extLst>
+              <a:ext uri="{FF2B5EF4-FFF2-40B4-BE49-F238E27FC236}">
+                <a16:creationId xmlns:a16="http://schemas.microsoft.com/office/drawing/2014/main" id="{895D51EC-D193-40AF-9C56-06BF09A7BFA3}"/>
+              </a:ext>
+            </a:extLst>
+          </p:cNvPr>
+          <p:cNvGrpSpPr/>
+          <p:nvPr/>
+        </p:nvGrpSpPr>
+        <p:grpSpPr>
+          <a:xfrm>
+            <a:off x="1272651" y="3298167"/>
+            <a:ext cx="1196530" cy="512517"/>
+            <a:chOff x="626022" y="2084909"/>
+            <a:chExt cx="1196530" cy="512517"/>
+          </a:xfrm>
+        </p:grpSpPr>
+        <p:sp>
+          <p:nvSpPr>
+            <p:cNvPr id="43" name="Prostokąt: zaokrąglone rogi 42">
+              <a:extLst>
+                <a:ext uri="{FF2B5EF4-FFF2-40B4-BE49-F238E27FC236}">
+                  <a16:creationId xmlns:a16="http://schemas.microsoft.com/office/drawing/2014/main" id="{00DCDF0E-727D-4BF5-9DF5-D8BA48A388AD}"/>
+                </a:ext>
+              </a:extLst>
+            </p:cNvPr>
+            <p:cNvSpPr/>
+            <p:nvPr/>
+          </p:nvSpPr>
+          <p:spPr>
+            <a:xfrm>
+              <a:off x="675861" y="2143099"/>
+              <a:ext cx="1146691" cy="454327"/>
+            </a:xfrm>
+            <a:prstGeom prst="roundRect">
+              <a:avLst/>
+            </a:prstGeom>
+            <a:ln/>
+          </p:spPr>
+          <p:style>
+            <a:lnRef idx="2">
+              <a:schemeClr val="dk1">
+                <a:shade val="50000"/>
+              </a:schemeClr>
+            </a:lnRef>
+            <a:fillRef idx="1">
+              <a:schemeClr val="dk1"/>
+            </a:fillRef>
+            <a:effectRef idx="0">
+              <a:schemeClr val="dk1"/>
+            </a:effectRef>
+            <a:fontRef idx="minor">
+              <a:schemeClr val="lt1"/>
+            </a:fontRef>
+          </p:style>
+          <p:txBody>
+            <a:bodyPr rtlCol="0" anchor="ctr"/>
+            <a:lstStyle/>
+            <a:p>
+              <a:pPr algn="ctr"/>
+              <a:endParaRPr lang="pl-PL"/>
+            </a:p>
+          </p:txBody>
+        </p:sp>
+        <p:sp>
+          <p:nvSpPr>
+            <p:cNvPr id="44" name="Prostokąt: zaokrąglone rogi 43">
+              <a:extLst>
+                <a:ext uri="{FF2B5EF4-FFF2-40B4-BE49-F238E27FC236}">
+                  <a16:creationId xmlns:a16="http://schemas.microsoft.com/office/drawing/2014/main" id="{FD3B46F1-26CF-4D3B-8DBF-DB717B63D940}"/>
+                </a:ext>
+              </a:extLst>
+            </p:cNvPr>
+            <p:cNvSpPr/>
+            <p:nvPr/>
+          </p:nvSpPr>
+          <p:spPr>
+            <a:xfrm>
+              <a:off x="626022" y="2084909"/>
+              <a:ext cx="1146691" cy="454327"/>
+            </a:xfrm>
+            <a:prstGeom prst="roundRect">
+              <a:avLst/>
+            </a:prstGeom>
+            <a:ln>
+              <a:noFill/>
+            </a:ln>
+          </p:spPr>
+          <p:style>
+            <a:lnRef idx="2">
+              <a:schemeClr val="accent6"/>
+            </a:lnRef>
+            <a:fillRef idx="1">
+              <a:schemeClr val="lt1"/>
+            </a:fillRef>
+            <a:effectRef idx="0">
+              <a:schemeClr val="accent6"/>
+            </a:effectRef>
+            <a:fontRef idx="minor">
+              <a:schemeClr val="dk1"/>
+            </a:fontRef>
+          </p:style>
+          <p:txBody>
+            <a:bodyPr rtlCol="0" anchor="ctr"/>
+            <a:lstStyle/>
+            <a:p>
+              <a:pPr algn="ctr"/>
+              <a:endParaRPr lang="pl-PL"/>
+            </a:p>
+          </p:txBody>
+        </p:sp>
+      </p:grpSp>
+      <p:grpSp>
+        <p:nvGrpSpPr>
+          <p:cNvPr id="45" name="Grupa 44">
+            <a:extLst>
+              <a:ext uri="{FF2B5EF4-FFF2-40B4-BE49-F238E27FC236}">
+                <a16:creationId xmlns:a16="http://schemas.microsoft.com/office/drawing/2014/main" id="{298BB48C-5163-4C6A-8B83-64444EFB2793}"/>
+              </a:ext>
+            </a:extLst>
+          </p:cNvPr>
+          <p:cNvGrpSpPr/>
+          <p:nvPr/>
+        </p:nvGrpSpPr>
+        <p:grpSpPr>
+          <a:xfrm>
+            <a:off x="574211" y="4090246"/>
+            <a:ext cx="1196530" cy="512517"/>
+            <a:chOff x="626022" y="2084909"/>
+            <a:chExt cx="1196530" cy="512517"/>
+          </a:xfrm>
+        </p:grpSpPr>
+        <p:sp>
+          <p:nvSpPr>
+            <p:cNvPr id="46" name="Prostokąt: zaokrąglone rogi 45">
+              <a:extLst>
+                <a:ext uri="{FF2B5EF4-FFF2-40B4-BE49-F238E27FC236}">
+                  <a16:creationId xmlns:a16="http://schemas.microsoft.com/office/drawing/2014/main" id="{145F991F-79B2-4564-A75F-07474B0205B0}"/>
+                </a:ext>
+              </a:extLst>
+            </p:cNvPr>
+            <p:cNvSpPr/>
+            <p:nvPr/>
+          </p:nvSpPr>
+          <p:spPr>
+            <a:xfrm>
+              <a:off x="675861" y="2143099"/>
+              <a:ext cx="1146691" cy="454327"/>
+            </a:xfrm>
+            <a:prstGeom prst="roundRect">
+              <a:avLst/>
+            </a:prstGeom>
+            <a:ln/>
+          </p:spPr>
+          <p:style>
+            <a:lnRef idx="2">
+              <a:schemeClr val="dk1">
+                <a:shade val="50000"/>
+              </a:schemeClr>
+            </a:lnRef>
+            <a:fillRef idx="1">
+              <a:schemeClr val="dk1"/>
+            </a:fillRef>
+            <a:effectRef idx="0">
+              <a:schemeClr val="dk1"/>
+            </a:effectRef>
+            <a:fontRef idx="minor">
+              <a:schemeClr val="lt1"/>
+            </a:fontRef>
+          </p:style>
+          <p:txBody>
+            <a:bodyPr rtlCol="0" anchor="ctr"/>
+            <a:lstStyle/>
+            <a:p>
+              <a:pPr algn="ctr"/>
+              <a:endParaRPr lang="pl-PL"/>
+            </a:p>
+          </p:txBody>
+        </p:sp>
+        <p:sp>
+          <p:nvSpPr>
+            <p:cNvPr id="47" name="Prostokąt: zaokrąglone rogi 46">
+              <a:extLst>
+                <a:ext uri="{FF2B5EF4-FFF2-40B4-BE49-F238E27FC236}">
+                  <a16:creationId xmlns:a16="http://schemas.microsoft.com/office/drawing/2014/main" id="{BF0DB9B8-9D69-446E-B978-C039361DB19F}"/>
+                </a:ext>
+              </a:extLst>
+            </p:cNvPr>
+            <p:cNvSpPr/>
+            <p:nvPr/>
+          </p:nvSpPr>
+          <p:spPr>
+            <a:xfrm>
+              <a:off x="626022" y="2084909"/>
+              <a:ext cx="1146691" cy="454327"/>
+            </a:xfrm>
+            <a:prstGeom prst="roundRect">
+              <a:avLst/>
+            </a:prstGeom>
+            <a:ln>
+              <a:noFill/>
+            </a:ln>
+          </p:spPr>
+          <p:style>
+            <a:lnRef idx="2">
+              <a:schemeClr val="accent6"/>
+            </a:lnRef>
+            <a:fillRef idx="1">
+              <a:schemeClr val="lt1"/>
+            </a:fillRef>
+            <a:effectRef idx="0">
+              <a:schemeClr val="accent6"/>
+            </a:effectRef>
+            <a:fontRef idx="minor">
+              <a:schemeClr val="dk1"/>
+            </a:fontRef>
+          </p:style>
+          <p:txBody>
+            <a:bodyPr rtlCol="0" anchor="ctr"/>
+            <a:lstStyle/>
+            <a:p>
+              <a:pPr algn="ctr"/>
+              <a:endParaRPr lang="pl-PL"/>
+            </a:p>
+          </p:txBody>
+        </p:sp>
+      </p:grpSp>
+      <p:sp>
+        <p:nvSpPr>
+          <p:cNvPr id="48" name="Prostokąt 47">
+            <a:extLst>
+              <a:ext uri="{FF2B5EF4-FFF2-40B4-BE49-F238E27FC236}">
+                <a16:creationId xmlns:a16="http://schemas.microsoft.com/office/drawing/2014/main" id="{8F951DAA-A36D-48DE-8AEC-40985F34D0A5}"/>
+              </a:ext>
+            </a:extLst>
+          </p:cNvPr>
+          <p:cNvSpPr/>
+          <p:nvPr/>
+        </p:nvSpPr>
+        <p:spPr>
+          <a:xfrm>
+            <a:off x="168049" y="5708398"/>
+            <a:ext cx="2460515" cy="707886"/>
+          </a:xfrm>
+          <a:prstGeom prst="rect">
+            <a:avLst/>
+          </a:prstGeom>
+          <a:noFill/>
+        </p:spPr>
+        <p:txBody>
+          <a:bodyPr wrap="square" lIns="91440" tIns="45720" rIns="91440" bIns="45720">
+            <a:spAutoFit/>
+          </a:bodyPr>
+          <a:lstStyle/>
+          <a:p>
+            <a:pPr algn="ctr"/>
+            <a:r>
+              <a:rPr lang="pl-PL" sz="4000" b="1" dirty="0" err="1">
+                <a:ln w="10160">
+                  <a:solidFill>
+                    <a:schemeClr val="accent5"/>
+                  </a:solidFill>
+                  <a:prstDash val="solid"/>
+                </a:ln>
+                <a:solidFill>
+                  <a:srgbClr val="FFFFFF"/>
+                </a:solidFill>
+                <a:effectLst>
+                  <a:outerShdw blurRad="38100" dist="22860" dir="5400000" algn="tl" rotWithShape="0">
+                    <a:srgbClr val="000000">
+                      <a:alpha val="30000"/>
+                    </a:srgbClr>
+                  </a:outerShdw>
+                </a:effectLst>
+              </a:rPr>
+              <a:t>Backlog</a:t>
+            </a:r>
+            <a:endParaRPr lang="pl-PL" sz="4000" b="1" cap="none" spc="0" dirty="0">
+              <a:ln w="10160">
+                <a:solidFill>
+                  <a:schemeClr val="accent5"/>
+                </a:solidFill>
+                <a:prstDash val="solid"/>
+              </a:ln>
+              <a:solidFill>
+                <a:srgbClr val="FFFFFF"/>
+              </a:solidFill>
+              <a:effectLst>
+                <a:outerShdw blurRad="38100" dist="22860" dir="5400000" algn="tl" rotWithShape="0">
+                  <a:srgbClr val="000000">
+                    <a:alpha val="30000"/>
+                  </a:srgbClr>
+                </a:outerShdw>
+              </a:effectLst>
+            </a:endParaRPr>
+          </a:p>
+        </p:txBody>
+      </p:sp>
+      <p:grpSp>
+        <p:nvGrpSpPr>
+          <p:cNvPr id="52" name="Grupa 51">
+            <a:extLst>
+              <a:ext uri="{FF2B5EF4-FFF2-40B4-BE49-F238E27FC236}">
+                <a16:creationId xmlns:a16="http://schemas.microsoft.com/office/drawing/2014/main" id="{15CE7E15-488C-42DD-B721-0B1FDB0D21A0}"/>
+              </a:ext>
+            </a:extLst>
+          </p:cNvPr>
+          <p:cNvGrpSpPr/>
+          <p:nvPr/>
+        </p:nvGrpSpPr>
+        <p:grpSpPr>
+          <a:xfrm>
+            <a:off x="2576183" y="1565329"/>
+            <a:ext cx="170068" cy="4573148"/>
+            <a:chOff x="3015326" y="583457"/>
+            <a:chExt cx="480862" cy="1971789"/>
+          </a:xfrm>
+        </p:grpSpPr>
+        <p:sp>
+          <p:nvSpPr>
+            <p:cNvPr id="50" name="Prostokąt: zaokrąglone rogi 49">
+              <a:extLst>
+                <a:ext uri="{FF2B5EF4-FFF2-40B4-BE49-F238E27FC236}">
+                  <a16:creationId xmlns:a16="http://schemas.microsoft.com/office/drawing/2014/main" id="{4DE2BBEE-9C5C-4C64-8633-8DB8233B0437}"/>
+                </a:ext>
+              </a:extLst>
+            </p:cNvPr>
+            <p:cNvSpPr/>
+            <p:nvPr/>
+          </p:nvSpPr>
+          <p:spPr>
+            <a:xfrm rot="5400000">
+              <a:off x="2315229" y="1374287"/>
+              <a:ext cx="1930895" cy="431023"/>
+            </a:xfrm>
+            <a:prstGeom prst="roundRect">
+              <a:avLst/>
+            </a:prstGeom>
+            <a:ln/>
+          </p:spPr>
+          <p:style>
+            <a:lnRef idx="2">
+              <a:schemeClr val="dk1">
+                <a:shade val="50000"/>
+              </a:schemeClr>
+            </a:lnRef>
+            <a:fillRef idx="1">
+              <a:schemeClr val="dk1"/>
+            </a:fillRef>
+            <a:effectRef idx="0">
+              <a:schemeClr val="dk1"/>
+            </a:effectRef>
+            <a:fontRef idx="minor">
+              <a:schemeClr val="lt1"/>
+            </a:fontRef>
+          </p:style>
+          <p:txBody>
+            <a:bodyPr rtlCol="0" anchor="ctr"/>
+            <a:lstStyle/>
+            <a:p>
+              <a:pPr algn="ctr"/>
+              <a:endParaRPr lang="pl-PL"/>
+            </a:p>
+          </p:txBody>
+        </p:sp>
+        <p:sp>
+          <p:nvSpPr>
+            <p:cNvPr id="51" name="Prostokąt: zaokrąglone rogi 50">
+              <a:extLst>
+                <a:ext uri="{FF2B5EF4-FFF2-40B4-BE49-F238E27FC236}">
+                  <a16:creationId xmlns:a16="http://schemas.microsoft.com/office/drawing/2014/main" id="{1A83F949-267B-4450-ACC5-B122B596FA93}"/>
+                </a:ext>
+              </a:extLst>
+            </p:cNvPr>
+            <p:cNvSpPr/>
+            <p:nvPr/>
+          </p:nvSpPr>
+          <p:spPr>
+            <a:xfrm rot="5400000">
+              <a:off x="2265390" y="1333393"/>
+              <a:ext cx="1930895" cy="431023"/>
+            </a:xfrm>
+            <a:prstGeom prst="roundRect">
+              <a:avLst/>
+            </a:prstGeom>
+            <a:ln>
+              <a:noFill/>
+            </a:ln>
+          </p:spPr>
+          <p:style>
+            <a:lnRef idx="2">
+              <a:schemeClr val="accent6"/>
+            </a:lnRef>
+            <a:fillRef idx="1">
+              <a:schemeClr val="lt1"/>
+            </a:fillRef>
+            <a:effectRef idx="0">
+              <a:schemeClr val="accent6"/>
+            </a:effectRef>
+            <a:fontRef idx="minor">
+              <a:schemeClr val="dk1"/>
+            </a:fontRef>
+          </p:style>
+          <p:txBody>
+            <a:bodyPr rtlCol="0" anchor="ctr"/>
+            <a:lstStyle/>
+            <a:p>
+              <a:pPr algn="ctr"/>
+              <a:endParaRPr lang="pl-PL"/>
+            </a:p>
+          </p:txBody>
+        </p:sp>
+      </p:grpSp>
+      <p:sp>
+        <p:nvSpPr>
+          <p:cNvPr id="54" name="Prostokąt 53">
+            <a:extLst>
+              <a:ext uri="{FF2B5EF4-FFF2-40B4-BE49-F238E27FC236}">
+                <a16:creationId xmlns:a16="http://schemas.microsoft.com/office/drawing/2014/main" id="{02FA3D69-5CEA-448B-9C87-B1D6A23C1915}"/>
+              </a:ext>
+            </a:extLst>
+          </p:cNvPr>
+          <p:cNvSpPr/>
+          <p:nvPr/>
+        </p:nvSpPr>
+        <p:spPr>
+          <a:xfrm>
+            <a:off x="5135923" y="5638389"/>
+            <a:ext cx="2460515" cy="707886"/>
+          </a:xfrm>
+          <a:prstGeom prst="rect">
+            <a:avLst/>
+          </a:prstGeom>
+          <a:noFill/>
+        </p:spPr>
+        <p:txBody>
+          <a:bodyPr wrap="square" lIns="91440" tIns="45720" rIns="91440" bIns="45720">
+            <a:spAutoFit/>
+          </a:bodyPr>
+          <a:lstStyle/>
+          <a:p>
+            <a:pPr algn="ctr"/>
+            <a:r>
+              <a:rPr lang="pl-PL" sz="4000" b="1" dirty="0">
+                <a:ln w="10160">
+                  <a:solidFill>
+                    <a:schemeClr val="accent5"/>
+                  </a:solidFill>
+                  <a:prstDash val="solid"/>
+                </a:ln>
+                <a:solidFill>
+                  <a:srgbClr val="FFFFFF"/>
+                </a:solidFill>
+                <a:effectLst>
+                  <a:outerShdw blurRad="38100" dist="22860" dir="5400000" algn="tl" rotWithShape="0">
+                    <a:srgbClr val="000000">
+                      <a:alpha val="30000"/>
+                    </a:srgbClr>
+                  </a:outerShdw>
+                </a:effectLst>
+              </a:rPr>
+              <a:t>Sprint</a:t>
+            </a:r>
+            <a:endParaRPr lang="pl-PL" sz="4000" b="1" cap="none" spc="0" dirty="0">
+              <a:ln w="10160">
+                <a:solidFill>
+                  <a:schemeClr val="accent5"/>
+                </a:solidFill>
+                <a:prstDash val="solid"/>
+              </a:ln>
+              <a:solidFill>
+                <a:srgbClr val="FFFFFF"/>
+              </a:solidFill>
+              <a:effectLst>
+                <a:outerShdw blurRad="38100" dist="22860" dir="5400000" algn="tl" rotWithShape="0">
+                  <a:srgbClr val="000000">
+                    <a:alpha val="30000"/>
+                  </a:srgbClr>
+                </a:outerShdw>
+              </a:effectLst>
+            </a:endParaRPr>
+          </a:p>
+        </p:txBody>
+      </p:sp>
+      <p:sp>
+        <p:nvSpPr>
+          <p:cNvPr id="55" name="Prostokąt 54">
+            <a:extLst>
+              <a:ext uri="{FF2B5EF4-FFF2-40B4-BE49-F238E27FC236}">
+                <a16:creationId xmlns:a16="http://schemas.microsoft.com/office/drawing/2014/main" id="{A415DDD9-E35E-4133-AF5C-DB5A9E8193E8}"/>
+              </a:ext>
+            </a:extLst>
+          </p:cNvPr>
+          <p:cNvSpPr/>
+          <p:nvPr/>
+        </p:nvSpPr>
+        <p:spPr>
+          <a:xfrm>
+            <a:off x="9477845" y="5638389"/>
+            <a:ext cx="2460515" cy="707886"/>
+          </a:xfrm>
+          <a:prstGeom prst="rect">
+            <a:avLst/>
+          </a:prstGeom>
+          <a:noFill/>
+        </p:spPr>
+        <p:txBody>
+          <a:bodyPr wrap="square" lIns="91440" tIns="45720" rIns="91440" bIns="45720">
+            <a:spAutoFit/>
+          </a:bodyPr>
+          <a:lstStyle/>
+          <a:p>
+            <a:pPr algn="ctr"/>
+            <a:r>
+              <a:rPr lang="pl-PL" sz="4000" b="1" cap="none" spc="0" dirty="0" err="1">
+                <a:ln w="10160">
+                  <a:solidFill>
+                    <a:schemeClr val="accent5"/>
+                  </a:solidFill>
+                  <a:prstDash val="solid"/>
+                </a:ln>
+                <a:solidFill>
+                  <a:srgbClr val="FFFFFF"/>
+                </a:solidFill>
+                <a:effectLst>
+                  <a:outerShdw blurRad="38100" dist="22860" dir="5400000" algn="tl" rotWithShape="0">
+                    <a:srgbClr val="000000">
+                      <a:alpha val="30000"/>
+                    </a:srgbClr>
+                  </a:outerShdw>
+                </a:effectLst>
+              </a:rPr>
+              <a:t>Release</a:t>
+            </a:r>
+            <a:endParaRPr lang="pl-PL" sz="4000" b="1" cap="none" spc="0" dirty="0">
+              <a:ln w="10160">
+                <a:solidFill>
+                  <a:schemeClr val="accent5"/>
+                </a:solidFill>
+                <a:prstDash val="solid"/>
+              </a:ln>
+              <a:solidFill>
+                <a:srgbClr val="FFFFFF"/>
+              </a:solidFill>
+              <a:effectLst>
+                <a:outerShdw blurRad="38100" dist="22860" dir="5400000" algn="tl" rotWithShape="0">
+                  <a:srgbClr val="000000">
+                    <a:alpha val="30000"/>
+                  </a:srgbClr>
+                </a:outerShdw>
+              </a:effectLst>
+            </a:endParaRPr>
+          </a:p>
+        </p:txBody>
+      </p:sp>
+    </p:spTree>
+    <p:extLst>
+      <p:ext uri="{BB962C8B-B14F-4D97-AF65-F5344CB8AC3E}">
+        <p14:creationId xmlns:p14="http://schemas.microsoft.com/office/powerpoint/2010/main" val="601130617"/>
+      </p:ext>
+    </p:extLst>
+  </p:cSld>
+  <p:clrMapOvr>
+    <a:masterClrMapping/>
+  </p:clrMapOvr>
+</p:sld>
+</file>
+
+<file path=ppt/slides/slide3.xml><?xml version="1.0" encoding="utf-8"?>
+<p:sld xmlns:a="http://schemas.openxmlformats.org/drawingml/2006/main" xmlns:r="http://schemas.openxmlformats.org/officeDocument/2006/relationships" xmlns:p="http://schemas.openxmlformats.org/presentationml/2006/main">
+  <p:cSld>
+    <p:bg>
+      <p:bgPr>
+        <a:gradFill>
+          <a:gsLst>
+            <a:gs pos="54000">
+              <a:srgbClr val="07A1D7"/>
+            </a:gs>
+            <a:gs pos="100000">
+              <a:srgbClr val="11CFD9"/>
+            </a:gs>
+          </a:gsLst>
+          <a:lin ang="5400000" scaled="1"/>
+        </a:gradFill>
+        <a:effectLst/>
+      </p:bgPr>
+    </p:bg>
+    <p:spTree>
+      <p:nvGrpSpPr>
+        <p:cNvPr id="1" name=""/>
+        <p:cNvGrpSpPr/>
+        <p:nvPr/>
+      </p:nvGrpSpPr>
+      <p:grpSpPr>
+        <a:xfrm>
+          <a:off x="0" y="0"/>
+          <a:ext cx="0" cy="0"/>
+          <a:chOff x="0" y="0"/>
+          <a:chExt cx="0" cy="0"/>
+        </a:xfrm>
+      </p:grpSpPr>
       <p:pic>
         <p:nvPicPr>
-          <p:cNvPr id="10" name="Grafika 9" descr="Uścisk dłoni">
+          <p:cNvPr id="5" name="Obraz 4">
             <a:extLst>
               <a:ext uri="{FF2B5EF4-FFF2-40B4-BE49-F238E27FC236}">
-                <a16:creationId xmlns:a16="http://schemas.microsoft.com/office/drawing/2014/main" id="{43E8A39C-E342-4A1A-895D-358E46B367B1}"/>
+                <a16:creationId xmlns:a16="http://schemas.microsoft.com/office/drawing/2014/main" id="{FA2B5562-A690-428E-8278-450D1EECD2E4}"/>
               </a:ext>
             </a:extLst>
           </p:cNvPr>
@@ -3581,13 +5416,49 @@
           <p:nvPr/>
         </p:nvPicPr>
         <p:blipFill>
-          <a:blip r:embed="rId7">
+          <a:blip r:embed="rId2">
             <a:extLst>
               <a:ext uri="{28A0092B-C50C-407E-A947-70E740481C1C}">
                 <a14:useLocalDpi xmlns:a14="http://schemas.microsoft.com/office/drawing/2010/main" val="0"/>
               </a:ext>
+            </a:extLst>
+          </a:blip>
+          <a:stretch>
+            <a:fillRect/>
+          </a:stretch>
+        </p:blipFill>
+        <p:spPr>
+          <a:xfrm>
+            <a:off x="153944" y="139485"/>
+            <a:ext cx="2471463" cy="1425844"/>
+          </a:xfrm>
+          <a:prstGeom prst="rect">
+            <a:avLst/>
+          </a:prstGeom>
+        </p:spPr>
+      </p:pic>
+      <p:pic>
+        <p:nvPicPr>
+          <p:cNvPr id="10" name="Grafika 9" descr="Uścisk dłoni">
+            <a:extLst>
+              <a:ext uri="{FF2B5EF4-FFF2-40B4-BE49-F238E27FC236}">
+                <a16:creationId xmlns:a16="http://schemas.microsoft.com/office/drawing/2014/main" id="{43E8A39C-E342-4A1A-895D-358E46B367B1}"/>
+              </a:ext>
+            </a:extLst>
+          </p:cNvPr>
+          <p:cNvPicPr>
+            <a:picLocks noChangeAspect="1"/>
+          </p:cNvPicPr>
+          <p:nvPr/>
+        </p:nvPicPr>
+        <p:blipFill>
+          <a:blip r:embed="rId3">
+            <a:extLst>
+              <a:ext uri="{28A0092B-C50C-407E-A947-70E740481C1C}">
+                <a14:useLocalDpi xmlns:a14="http://schemas.microsoft.com/office/drawing/2010/main" val="0"/>
+              </a:ext>
               <a:ext uri="{96DAC541-7B7A-43D3-8B79-37D633B846F1}">
-                <asvg:svgBlip xmlns:asvg="http://schemas.microsoft.com/office/drawing/2016/SVG/main" r:embed="rId8"/>
+                <asvg:svgBlip xmlns:asvg="http://schemas.microsoft.com/office/drawing/2016/SVG/main" r:embed="rId4"/>
               </a:ext>
             </a:extLst>
           </a:blip>
@@ -3640,13 +5511,13 @@
             <p:nvPr/>
           </p:nvPicPr>
           <p:blipFill>
-            <a:blip r:embed="rId9">
+            <a:blip r:embed="rId5">
               <a:extLst>
                 <a:ext uri="{28A0092B-C50C-407E-A947-70E740481C1C}">
                   <a14:useLocalDpi xmlns:a14="http://schemas.microsoft.com/office/drawing/2010/main" val="0"/>
                 </a:ext>
                 <a:ext uri="{96DAC541-7B7A-43D3-8B79-37D633B846F1}">
-                  <asvg:svgBlip xmlns:asvg="http://schemas.microsoft.com/office/drawing/2016/SVG/main" r:embed="rId10"/>
+                  <asvg:svgBlip xmlns:asvg="http://schemas.microsoft.com/office/drawing/2016/SVG/main" r:embed="rId6"/>
                 </a:ext>
               </a:extLst>
             </a:blip>
@@ -3679,13 +5550,13 @@
             <p:nvPr/>
           </p:nvPicPr>
           <p:blipFill>
-            <a:blip r:embed="rId9">
+            <a:blip r:embed="rId5">
               <a:extLst>
                 <a:ext uri="{28A0092B-C50C-407E-A947-70E740481C1C}">
                   <a14:useLocalDpi xmlns:a14="http://schemas.microsoft.com/office/drawing/2010/main" val="0"/>
                 </a:ext>
                 <a:ext uri="{96DAC541-7B7A-43D3-8B79-37D633B846F1}">
-                  <asvg:svgBlip xmlns:asvg="http://schemas.microsoft.com/office/drawing/2016/SVG/main" r:embed="rId10"/>
+                  <asvg:svgBlip xmlns:asvg="http://schemas.microsoft.com/office/drawing/2016/SVG/main" r:embed="rId6"/>
                 </a:ext>
               </a:extLst>
             </a:blip>
@@ -3718,13 +5589,13 @@
             <p:nvPr/>
           </p:nvPicPr>
           <p:blipFill>
-            <a:blip r:embed="rId9">
+            <a:blip r:embed="rId5">
               <a:extLst>
                 <a:ext uri="{28A0092B-C50C-407E-A947-70E740481C1C}">
                   <a14:useLocalDpi xmlns:a14="http://schemas.microsoft.com/office/drawing/2010/main" val="0"/>
                 </a:ext>
                 <a:ext uri="{96DAC541-7B7A-43D3-8B79-37D633B846F1}">
-                  <asvg:svgBlip xmlns:asvg="http://schemas.microsoft.com/office/drawing/2016/SVG/main" r:embed="rId10"/>
+                  <asvg:svgBlip xmlns:asvg="http://schemas.microsoft.com/office/drawing/2016/SVG/main" r:embed="rId6"/>
                 </a:ext>
               </a:extLst>
             </a:blip>
@@ -3781,13 +5652,13 @@
             <p:nvPr/>
           </p:nvPicPr>
           <p:blipFill>
-            <a:blip r:embed="rId11">
+            <a:blip r:embed="rId7">
               <a:extLst>
                 <a:ext uri="{28A0092B-C50C-407E-A947-70E740481C1C}">
                   <a14:useLocalDpi xmlns:a14="http://schemas.microsoft.com/office/drawing/2010/main" val="0"/>
                 </a:ext>
                 <a:ext uri="{96DAC541-7B7A-43D3-8B79-37D633B846F1}">
-                  <asvg:svgBlip xmlns:asvg="http://schemas.microsoft.com/office/drawing/2016/SVG/main" r:embed="rId12"/>
+                  <asvg:svgBlip xmlns:asvg="http://schemas.microsoft.com/office/drawing/2016/SVG/main" r:embed="rId8"/>
                 </a:ext>
               </a:extLst>
             </a:blip>
@@ -3820,13 +5691,13 @@
             <p:nvPr/>
           </p:nvPicPr>
           <p:blipFill>
-            <a:blip r:embed="rId11">
+            <a:blip r:embed="rId7">
               <a:extLst>
                 <a:ext uri="{28A0092B-C50C-407E-A947-70E740481C1C}">
                   <a14:useLocalDpi xmlns:a14="http://schemas.microsoft.com/office/drawing/2010/main" val="0"/>
                 </a:ext>
                 <a:ext uri="{96DAC541-7B7A-43D3-8B79-37D633B846F1}">
-                  <asvg:svgBlip xmlns:asvg="http://schemas.microsoft.com/office/drawing/2016/SVG/main" r:embed="rId12"/>
+                  <asvg:svgBlip xmlns:asvg="http://schemas.microsoft.com/office/drawing/2016/SVG/main" r:embed="rId8"/>
                 </a:ext>
               </a:extLst>
             </a:blip>
@@ -3859,13 +5730,13 @@
             <p:nvPr/>
           </p:nvPicPr>
           <p:blipFill>
-            <a:blip r:embed="rId11">
+            <a:blip r:embed="rId7">
               <a:extLst>
                 <a:ext uri="{28A0092B-C50C-407E-A947-70E740481C1C}">
                   <a14:useLocalDpi xmlns:a14="http://schemas.microsoft.com/office/drawing/2010/main" val="0"/>
                 </a:ext>
                 <a:ext uri="{96DAC541-7B7A-43D3-8B79-37D633B846F1}">
-                  <asvg:svgBlip xmlns:asvg="http://schemas.microsoft.com/office/drawing/2016/SVG/main" r:embed="rId12"/>
+                  <asvg:svgBlip xmlns:asvg="http://schemas.microsoft.com/office/drawing/2016/SVG/main" r:embed="rId8"/>
                 </a:ext>
               </a:extLst>
             </a:blip>
@@ -3899,13 +5770,13 @@
           <p:nvPr/>
         </p:nvPicPr>
         <p:blipFill>
-          <a:blip r:embed="rId13">
+          <a:blip r:embed="rId9">
             <a:extLst>
               <a:ext uri="{28A0092B-C50C-407E-A947-70E740481C1C}">
                 <a14:useLocalDpi xmlns:a14="http://schemas.microsoft.com/office/drawing/2010/main" val="0"/>
               </a:ext>
               <a:ext uri="{96DAC541-7B7A-43D3-8B79-37D633B846F1}">
-                <asvg:svgBlip xmlns:asvg="http://schemas.microsoft.com/office/drawing/2016/SVG/main" r:embed="rId14"/>
+                <asvg:svgBlip xmlns:asvg="http://schemas.microsoft.com/office/drawing/2016/SVG/main" r:embed="rId10"/>
               </a:ext>
             </a:extLst>
           </a:blip>
@@ -3925,10 +5796,10 @@
       </p:pic>
       <p:grpSp>
         <p:nvGrpSpPr>
-          <p:cNvPr id="22" name="Grupa 21">
+          <p:cNvPr id="2" name="Grupa 1">
             <a:extLst>
               <a:ext uri="{FF2B5EF4-FFF2-40B4-BE49-F238E27FC236}">
-                <a16:creationId xmlns:a16="http://schemas.microsoft.com/office/drawing/2014/main" id="{1FA60A96-DD3B-4249-A8FD-06889D1000F7}"/>
+                <a16:creationId xmlns:a16="http://schemas.microsoft.com/office/drawing/2014/main" id="{5A81BD43-8992-411B-B989-8BEA45E77262}"/>
               </a:ext>
             </a:extLst>
           </p:cNvPr>
@@ -3938,92 +5809,212 @@
         <p:grpSpPr>
           <a:xfrm>
             <a:off x="861707" y="2858139"/>
-            <a:ext cx="2503280" cy="2337063"/>
-            <a:chOff x="901148" y="2166492"/>
-            <a:chExt cx="2503280" cy="2337063"/>
+            <a:ext cx="2523997" cy="2453162"/>
+            <a:chOff x="861707" y="2858139"/>
+            <a:chExt cx="2523997" cy="2453162"/>
           </a:xfrm>
-          <a:solidFill>
-            <a:schemeClr val="bg1"/>
-          </a:solidFill>
         </p:grpSpPr>
-        <p:pic>
-          <p:nvPicPr>
-            <p:cNvPr id="23" name="Grafika 22" descr="Koła zębate">
-              <a:extLst>
-                <a:ext uri="{FF2B5EF4-FFF2-40B4-BE49-F238E27FC236}">
-                  <a16:creationId xmlns:a16="http://schemas.microsoft.com/office/drawing/2014/main" id="{F7D551CB-0B57-4934-9549-B11C5DFA865F}"/>
-                </a:ext>
-              </a:extLst>
-            </p:cNvPr>
-            <p:cNvPicPr>
-              <a:picLocks noChangeAspect="1"/>
-            </p:cNvPicPr>
-            <p:nvPr/>
-          </p:nvPicPr>
-          <p:blipFill>
-            <a:blip r:embed="rId15">
-              <a:extLst>
-                <a:ext uri="{28A0092B-C50C-407E-A947-70E740481C1C}">
-                  <a14:useLocalDpi xmlns:a14="http://schemas.microsoft.com/office/drawing/2010/main" val="0"/>
-                </a:ext>
-                <a:ext uri="{96DAC541-7B7A-43D3-8B79-37D633B846F1}">
-                  <asvg:svgBlip xmlns:asvg="http://schemas.microsoft.com/office/drawing/2016/SVG/main" r:embed="rId16"/>
-                </a:ext>
-              </a:extLst>
-            </a:blip>
-            <a:stretch>
-              <a:fillRect/>
-            </a:stretch>
-          </p:blipFill>
-          <p:spPr>
+        <p:grpSp>
+          <p:nvGrpSpPr>
+            <p:cNvPr id="15" name="Grupa 14">
+              <a:extLst>
+                <a:ext uri="{FF2B5EF4-FFF2-40B4-BE49-F238E27FC236}">
+                  <a16:creationId xmlns:a16="http://schemas.microsoft.com/office/drawing/2014/main" id="{E6368EE1-4515-432C-8043-AAA31E47CD19}"/>
+                </a:ext>
+              </a:extLst>
+            </p:cNvPr>
+            <p:cNvGrpSpPr/>
+            <p:nvPr/>
+          </p:nvGrpSpPr>
+          <p:grpSpPr>
             <a:xfrm>
-              <a:off x="1846386" y="2945513"/>
-              <a:ext cx="1558042" cy="1558042"/>
-            </a:xfrm>
-            <a:prstGeom prst="rect">
-              <a:avLst/>
-            </a:prstGeom>
-          </p:spPr>
-        </p:pic>
-        <p:pic>
-          <p:nvPicPr>
-            <p:cNvPr id="24" name="Grafika 23" descr="Pojedyncze koło zębate">
-              <a:extLst>
-                <a:ext uri="{FF2B5EF4-FFF2-40B4-BE49-F238E27FC236}">
-                  <a16:creationId xmlns:a16="http://schemas.microsoft.com/office/drawing/2014/main" id="{5AB7828F-3C3D-4C2E-9258-4BE0996DA181}"/>
-                </a:ext>
-              </a:extLst>
-            </p:cNvPr>
-            <p:cNvPicPr>
-              <a:picLocks noChangeAspect="1"/>
-            </p:cNvPicPr>
-            <p:nvPr/>
-          </p:nvPicPr>
-          <p:blipFill>
-            <a:blip r:embed="rId17">
-              <a:extLst>
-                <a:ext uri="{28A0092B-C50C-407E-A947-70E740481C1C}">
-                  <a14:useLocalDpi xmlns:a14="http://schemas.microsoft.com/office/drawing/2010/main" val="0"/>
-                </a:ext>
-                <a:ext uri="{96DAC541-7B7A-43D3-8B79-37D633B846F1}">
-                  <asvg:svgBlip xmlns:asvg="http://schemas.microsoft.com/office/drawing/2016/SVG/main" r:embed="rId18"/>
-                </a:ext>
-              </a:extLst>
-            </a:blip>
-            <a:stretch>
-              <a:fillRect/>
-            </a:stretch>
-          </p:blipFill>
-          <p:spPr>
+              <a:off x="882424" y="2974238"/>
+              <a:ext cx="2503280" cy="2337063"/>
+              <a:chOff x="901148" y="2166492"/>
+              <a:chExt cx="2503280" cy="2337063"/>
+            </a:xfrm>
+          </p:grpSpPr>
+          <p:pic>
+            <p:nvPicPr>
+              <p:cNvPr id="3" name="Grafika 2" descr="Koła zębate">
+                <a:extLst>
+                  <a:ext uri="{FF2B5EF4-FFF2-40B4-BE49-F238E27FC236}">
+                    <a16:creationId xmlns:a16="http://schemas.microsoft.com/office/drawing/2014/main" id="{94B09A1F-458C-46E9-B416-502D546E35C4}"/>
+                  </a:ext>
+                </a:extLst>
+              </p:cNvPr>
+              <p:cNvPicPr>
+                <a:picLocks noChangeAspect="1"/>
+              </p:cNvPicPr>
+              <p:nvPr/>
+            </p:nvPicPr>
+            <p:blipFill>
+              <a:blip r:embed="rId11">
+                <a:extLst>
+                  <a:ext uri="{28A0092B-C50C-407E-A947-70E740481C1C}">
+                    <a14:useLocalDpi xmlns:a14="http://schemas.microsoft.com/office/drawing/2010/main" val="0"/>
+                  </a:ext>
+                  <a:ext uri="{96DAC541-7B7A-43D3-8B79-37D633B846F1}">
+                    <asvg:svgBlip xmlns:asvg="http://schemas.microsoft.com/office/drawing/2016/SVG/main" r:embed="rId12"/>
+                  </a:ext>
+                </a:extLst>
+              </a:blip>
+              <a:stretch>
+                <a:fillRect/>
+              </a:stretch>
+            </p:blipFill>
+            <p:spPr>
+              <a:xfrm>
+                <a:off x="1846386" y="2945513"/>
+                <a:ext cx="1558042" cy="1558042"/>
+              </a:xfrm>
+              <a:prstGeom prst="rect">
+                <a:avLst/>
+              </a:prstGeom>
+            </p:spPr>
+          </p:pic>
+          <p:pic>
+            <p:nvPicPr>
+              <p:cNvPr id="6" name="Grafika 5" descr="Pojedyncze koło zębate">
+                <a:extLst>
+                  <a:ext uri="{FF2B5EF4-FFF2-40B4-BE49-F238E27FC236}">
+                    <a16:creationId xmlns:a16="http://schemas.microsoft.com/office/drawing/2014/main" id="{C5809225-676D-43FD-ACA7-F35351E42C82}"/>
+                  </a:ext>
+                </a:extLst>
+              </p:cNvPr>
+              <p:cNvPicPr>
+                <a:picLocks noChangeAspect="1"/>
+              </p:cNvPicPr>
+              <p:nvPr/>
+            </p:nvPicPr>
+            <p:blipFill>
+              <a:blip r:embed="rId13">
+                <a:extLst>
+                  <a:ext uri="{28A0092B-C50C-407E-A947-70E740481C1C}">
+                    <a14:useLocalDpi xmlns:a14="http://schemas.microsoft.com/office/drawing/2010/main" val="0"/>
+                  </a:ext>
+                  <a:ext uri="{96DAC541-7B7A-43D3-8B79-37D633B846F1}">
+                    <asvg:svgBlip xmlns:asvg="http://schemas.microsoft.com/office/drawing/2016/SVG/main" r:embed="rId14"/>
+                  </a:ext>
+                </a:extLst>
+              </a:blip>
+              <a:stretch>
+                <a:fillRect/>
+              </a:stretch>
+            </p:blipFill>
+            <p:spPr>
+              <a:xfrm>
+                <a:off x="901148" y="2166492"/>
+                <a:ext cx="1558042" cy="1558042"/>
+              </a:xfrm>
+              <a:prstGeom prst="rect">
+                <a:avLst/>
+              </a:prstGeom>
+            </p:spPr>
+          </p:pic>
+        </p:grpSp>
+        <p:grpSp>
+          <p:nvGrpSpPr>
+            <p:cNvPr id="22" name="Grupa 21">
+              <a:extLst>
+                <a:ext uri="{FF2B5EF4-FFF2-40B4-BE49-F238E27FC236}">
+                  <a16:creationId xmlns:a16="http://schemas.microsoft.com/office/drawing/2014/main" id="{1FA60A96-DD3B-4249-A8FD-06889D1000F7}"/>
+                </a:ext>
+              </a:extLst>
+            </p:cNvPr>
+            <p:cNvGrpSpPr/>
+            <p:nvPr/>
+          </p:nvGrpSpPr>
+          <p:grpSpPr>
             <a:xfrm>
-              <a:off x="901148" y="2166492"/>
-              <a:ext cx="1558042" cy="1558042"/>
-            </a:xfrm>
-            <a:prstGeom prst="rect">
-              <a:avLst/>
-            </a:prstGeom>
-          </p:spPr>
-        </p:pic>
+              <a:off x="861707" y="2858139"/>
+              <a:ext cx="2503280" cy="2337063"/>
+              <a:chOff x="901148" y="2166492"/>
+              <a:chExt cx="2503280" cy="2337063"/>
+            </a:xfrm>
+            <a:solidFill>
+              <a:schemeClr val="bg1"/>
+            </a:solidFill>
+          </p:grpSpPr>
+          <p:pic>
+            <p:nvPicPr>
+              <p:cNvPr id="23" name="Grafika 22" descr="Koła zębate">
+                <a:extLst>
+                  <a:ext uri="{FF2B5EF4-FFF2-40B4-BE49-F238E27FC236}">
+                    <a16:creationId xmlns:a16="http://schemas.microsoft.com/office/drawing/2014/main" id="{F7D551CB-0B57-4934-9549-B11C5DFA865F}"/>
+                  </a:ext>
+                </a:extLst>
+              </p:cNvPr>
+              <p:cNvPicPr>
+                <a:picLocks noChangeAspect="1"/>
+              </p:cNvPicPr>
+              <p:nvPr/>
+            </p:nvPicPr>
+            <p:blipFill>
+              <a:blip r:embed="rId15">
+                <a:extLst>
+                  <a:ext uri="{28A0092B-C50C-407E-A947-70E740481C1C}">
+                    <a14:useLocalDpi xmlns:a14="http://schemas.microsoft.com/office/drawing/2010/main" val="0"/>
+                  </a:ext>
+                  <a:ext uri="{96DAC541-7B7A-43D3-8B79-37D633B846F1}">
+                    <asvg:svgBlip xmlns:asvg="http://schemas.microsoft.com/office/drawing/2016/SVG/main" r:embed="rId16"/>
+                  </a:ext>
+                </a:extLst>
+              </a:blip>
+              <a:stretch>
+                <a:fillRect/>
+              </a:stretch>
+            </p:blipFill>
+            <p:spPr>
+              <a:xfrm>
+                <a:off x="1846386" y="2945513"/>
+                <a:ext cx="1558042" cy="1558042"/>
+              </a:xfrm>
+              <a:prstGeom prst="rect">
+                <a:avLst/>
+              </a:prstGeom>
+            </p:spPr>
+          </p:pic>
+          <p:pic>
+            <p:nvPicPr>
+              <p:cNvPr id="24" name="Grafika 23" descr="Pojedyncze koło zębate">
+                <a:extLst>
+                  <a:ext uri="{FF2B5EF4-FFF2-40B4-BE49-F238E27FC236}">
+                    <a16:creationId xmlns:a16="http://schemas.microsoft.com/office/drawing/2014/main" id="{5AB7828F-3C3D-4C2E-9258-4BE0996DA181}"/>
+                  </a:ext>
+                </a:extLst>
+              </p:cNvPr>
+              <p:cNvPicPr>
+                <a:picLocks noChangeAspect="1"/>
+              </p:cNvPicPr>
+              <p:nvPr/>
+            </p:nvPicPr>
+            <p:blipFill>
+              <a:blip r:embed="rId17">
+                <a:extLst>
+                  <a:ext uri="{28A0092B-C50C-407E-A947-70E740481C1C}">
+                    <a14:useLocalDpi xmlns:a14="http://schemas.microsoft.com/office/drawing/2010/main" val="0"/>
+                  </a:ext>
+                  <a:ext uri="{96DAC541-7B7A-43D3-8B79-37D633B846F1}">
+                    <asvg:svgBlip xmlns:asvg="http://schemas.microsoft.com/office/drawing/2016/SVG/main" r:embed="rId18"/>
+                  </a:ext>
+                </a:extLst>
+              </a:blip>
+              <a:stretch>
+                <a:fillRect/>
+              </a:stretch>
+            </p:blipFill>
+            <p:spPr>
+              <a:xfrm>
+                <a:off x="901148" y="2166492"/>
+                <a:ext cx="1558042" cy="1558042"/>
+              </a:xfrm>
+              <a:prstGeom prst="rect">
+                <a:avLst/>
+              </a:prstGeom>
+            </p:spPr>
+          </p:pic>
+        </p:grpSp>
       </p:grpSp>
       <p:sp>
         <p:nvSpPr>
@@ -4130,7 +6121,7 @@
 </p:sld>
 </file>
 
-<file path=ppt/slides/slide3.xml><?xml version="1.0" encoding="utf-8"?>
+<file path=ppt/slides/slide4.xml><?xml version="1.0" encoding="utf-8"?>
 <p:sld xmlns:a="http://schemas.openxmlformats.org/drawingml/2006/main" xmlns:r="http://schemas.openxmlformats.org/officeDocument/2006/relationships" xmlns:p="http://schemas.openxmlformats.org/presentationml/2006/main">
   <p:cSld>
     <p:bg>
@@ -7243,7 +9234,7 @@
 </p:sld>
 </file>
 
-<file path=ppt/slides/slide4.xml><?xml version="1.0" encoding="utf-8"?>
+<file path=ppt/slides/slide5.xml><?xml version="1.0" encoding="utf-8"?>
 <p:sld xmlns:a="http://schemas.openxmlformats.org/drawingml/2006/main" xmlns:r="http://schemas.openxmlformats.org/officeDocument/2006/relationships" xmlns:p="http://schemas.openxmlformats.org/presentationml/2006/main">
   <p:cSld>
     <p:bg>

--- a/themes/hugo-elate-theme/static/images/Pictures for blog.pptx
+++ b/themes/hugo-elate-theme/static/images/Pictures for blog.pptx
@@ -6,10 +6,11 @@
   </p:sldMasterIdLst>
   <p:sldIdLst>
     <p:sldId id="257" r:id="rId2"/>
-    <p:sldId id="260" r:id="rId3"/>
-    <p:sldId id="259" r:id="rId4"/>
-    <p:sldId id="258" r:id="rId5"/>
-    <p:sldId id="256" r:id="rId6"/>
+    <p:sldId id="261" r:id="rId3"/>
+    <p:sldId id="260" r:id="rId4"/>
+    <p:sldId id="259" r:id="rId5"/>
+    <p:sldId id="258" r:id="rId6"/>
+    <p:sldId id="256" r:id="rId7"/>
   </p:sldIdLst>
   <p:sldSz cx="12192000" cy="6858000"/>
   <p:notesSz cx="6858000" cy="9144000"/>
@@ -267,7 +268,7 @@
           <a:p>
             <a:fld id="{A42A12F9-EA54-49E1-A3FD-186D9B25B348}" type="datetimeFigureOut">
               <a:rPr lang="pl-PL" smtClean="0"/>
-              <a:t>08.07.2019</a:t>
+              <a:t>22.07.2019</a:t>
             </a:fld>
             <a:endParaRPr lang="pl-PL"/>
           </a:p>
@@ -465,7 +466,7 @@
           <a:p>
             <a:fld id="{A42A12F9-EA54-49E1-A3FD-186D9B25B348}" type="datetimeFigureOut">
               <a:rPr lang="pl-PL" smtClean="0"/>
-              <a:t>08.07.2019</a:t>
+              <a:t>22.07.2019</a:t>
             </a:fld>
             <a:endParaRPr lang="pl-PL"/>
           </a:p>
@@ -673,7 +674,7 @@
           <a:p>
             <a:fld id="{A42A12F9-EA54-49E1-A3FD-186D9B25B348}" type="datetimeFigureOut">
               <a:rPr lang="pl-PL" smtClean="0"/>
-              <a:t>08.07.2019</a:t>
+              <a:t>22.07.2019</a:t>
             </a:fld>
             <a:endParaRPr lang="pl-PL"/>
           </a:p>
@@ -871,7 +872,7 @@
           <a:p>
             <a:fld id="{A42A12F9-EA54-49E1-A3FD-186D9B25B348}" type="datetimeFigureOut">
               <a:rPr lang="pl-PL" smtClean="0"/>
-              <a:t>08.07.2019</a:t>
+              <a:t>22.07.2019</a:t>
             </a:fld>
             <a:endParaRPr lang="pl-PL"/>
           </a:p>
@@ -1146,7 +1147,7 @@
           <a:p>
             <a:fld id="{A42A12F9-EA54-49E1-A3FD-186D9B25B348}" type="datetimeFigureOut">
               <a:rPr lang="pl-PL" smtClean="0"/>
-              <a:t>08.07.2019</a:t>
+              <a:t>22.07.2019</a:t>
             </a:fld>
             <a:endParaRPr lang="pl-PL"/>
           </a:p>
@@ -1411,7 +1412,7 @@
           <a:p>
             <a:fld id="{A42A12F9-EA54-49E1-A3FD-186D9B25B348}" type="datetimeFigureOut">
               <a:rPr lang="pl-PL" smtClean="0"/>
-              <a:t>08.07.2019</a:t>
+              <a:t>22.07.2019</a:t>
             </a:fld>
             <a:endParaRPr lang="pl-PL"/>
           </a:p>
@@ -1823,7 +1824,7 @@
           <a:p>
             <a:fld id="{A42A12F9-EA54-49E1-A3FD-186D9B25B348}" type="datetimeFigureOut">
               <a:rPr lang="pl-PL" smtClean="0"/>
-              <a:t>08.07.2019</a:t>
+              <a:t>22.07.2019</a:t>
             </a:fld>
             <a:endParaRPr lang="pl-PL"/>
           </a:p>
@@ -1964,7 +1965,7 @@
           <a:p>
             <a:fld id="{A42A12F9-EA54-49E1-A3FD-186D9B25B348}" type="datetimeFigureOut">
               <a:rPr lang="pl-PL" smtClean="0"/>
-              <a:t>08.07.2019</a:t>
+              <a:t>22.07.2019</a:t>
             </a:fld>
             <a:endParaRPr lang="pl-PL"/>
           </a:p>
@@ -2077,7 +2078,7 @@
           <a:p>
             <a:fld id="{A42A12F9-EA54-49E1-A3FD-186D9B25B348}" type="datetimeFigureOut">
               <a:rPr lang="pl-PL" smtClean="0"/>
-              <a:t>08.07.2019</a:t>
+              <a:t>22.07.2019</a:t>
             </a:fld>
             <a:endParaRPr lang="pl-PL"/>
           </a:p>
@@ -2388,7 +2389,7 @@
           <a:p>
             <a:fld id="{A42A12F9-EA54-49E1-A3FD-186D9B25B348}" type="datetimeFigureOut">
               <a:rPr lang="pl-PL" smtClean="0"/>
-              <a:t>08.07.2019</a:t>
+              <a:t>22.07.2019</a:t>
             </a:fld>
             <a:endParaRPr lang="pl-PL"/>
           </a:p>
@@ -2676,7 +2677,7 @@
           <a:p>
             <a:fld id="{A42A12F9-EA54-49E1-A3FD-186D9B25B348}" type="datetimeFigureOut">
               <a:rPr lang="pl-PL" smtClean="0"/>
-              <a:t>08.07.2019</a:t>
+              <a:t>22.07.2019</a:t>
             </a:fld>
             <a:endParaRPr lang="pl-PL"/>
           </a:p>
@@ -2917,7 +2918,7 @@
           <a:p>
             <a:fld id="{A42A12F9-EA54-49E1-A3FD-186D9B25B348}" type="datetimeFigureOut">
               <a:rPr lang="pl-PL" smtClean="0"/>
-              <a:t>08.07.2019</a:t>
+              <a:t>22.07.2019</a:t>
             </a:fld>
             <a:endParaRPr lang="pl-PL"/>
           </a:p>
@@ -3434,6 +3435,716 @@
       </p:grpSpPr>
       <p:pic>
         <p:nvPicPr>
+          <p:cNvPr id="91" name="Grafika 90" descr="Dymek">
+            <a:extLst>
+              <a:ext uri="{FF2B5EF4-FFF2-40B4-BE49-F238E27FC236}">
+                <a16:creationId xmlns:a16="http://schemas.microsoft.com/office/drawing/2014/main" id="{904DE078-E5DC-4304-AED5-189219F35CC6}"/>
+              </a:ext>
+            </a:extLst>
+          </p:cNvPr>
+          <p:cNvPicPr>
+            <a:picLocks noChangeAspect="1"/>
+          </p:cNvPicPr>
+          <p:nvPr/>
+        </p:nvPicPr>
+        <p:blipFill>
+          <a:blip r:embed="rId2">
+            <a:extLst>
+              <a:ext uri="{28A0092B-C50C-407E-A947-70E740481C1C}">
+                <a14:useLocalDpi xmlns:a14="http://schemas.microsoft.com/office/drawing/2010/main" val="0"/>
+              </a:ext>
+              <a:ext uri="{96DAC541-7B7A-43D3-8B79-37D633B846F1}">
+                <asvg:svgBlip xmlns:asvg="http://schemas.microsoft.com/office/drawing/2016/SVG/main" r:embed="rId3"/>
+              </a:ext>
+            </a:extLst>
+          </a:blip>
+          <a:stretch>
+            <a:fillRect/>
+          </a:stretch>
+        </p:blipFill>
+        <p:spPr>
+          <a:xfrm rot="20042833" flipH="1">
+            <a:off x="2772277" y="1983121"/>
+            <a:ext cx="2571363" cy="2860662"/>
+          </a:xfrm>
+          <a:prstGeom prst="rect">
+            <a:avLst/>
+          </a:prstGeom>
+        </p:spPr>
+      </p:pic>
+      <p:pic>
+        <p:nvPicPr>
+          <p:cNvPr id="90" name="Grafika 89" descr="Dymek">
+            <a:extLst>
+              <a:ext uri="{FF2B5EF4-FFF2-40B4-BE49-F238E27FC236}">
+                <a16:creationId xmlns:a16="http://schemas.microsoft.com/office/drawing/2014/main" id="{41ECFA3D-98A3-4822-A78F-9EF53EE6DB9A}"/>
+              </a:ext>
+            </a:extLst>
+          </p:cNvPr>
+          <p:cNvPicPr>
+            <a:picLocks noChangeAspect="1"/>
+          </p:cNvPicPr>
+          <p:nvPr/>
+        </p:nvPicPr>
+        <p:blipFill>
+          <a:blip r:embed="rId2">
+            <a:extLst>
+              <a:ext uri="{28A0092B-C50C-407E-A947-70E740481C1C}">
+                <a14:useLocalDpi xmlns:a14="http://schemas.microsoft.com/office/drawing/2010/main" val="0"/>
+              </a:ext>
+              <a:ext uri="{96DAC541-7B7A-43D3-8B79-37D633B846F1}">
+                <asvg:svgBlip xmlns:asvg="http://schemas.microsoft.com/office/drawing/2016/SVG/main" r:embed="rId3"/>
+              </a:ext>
+            </a:extLst>
+          </a:blip>
+          <a:stretch>
+            <a:fillRect/>
+          </a:stretch>
+        </p:blipFill>
+        <p:spPr>
+          <a:xfrm>
+            <a:off x="6961794" y="1584211"/>
+            <a:ext cx="2860662" cy="2860662"/>
+          </a:xfrm>
+          <a:prstGeom prst="rect">
+            <a:avLst/>
+          </a:prstGeom>
+        </p:spPr>
+      </p:pic>
+      <p:pic>
+        <p:nvPicPr>
+          <p:cNvPr id="89" name="Grafika 88" descr="Dymek">
+            <a:extLst>
+              <a:ext uri="{FF2B5EF4-FFF2-40B4-BE49-F238E27FC236}">
+                <a16:creationId xmlns:a16="http://schemas.microsoft.com/office/drawing/2014/main" id="{4A1E1178-CD56-46BD-A335-DC2C115E5ED8}"/>
+              </a:ext>
+            </a:extLst>
+          </p:cNvPr>
+          <p:cNvPicPr>
+            <a:picLocks noChangeAspect="1"/>
+          </p:cNvPicPr>
+          <p:nvPr/>
+        </p:nvPicPr>
+        <p:blipFill>
+          <a:blip r:embed="rId2">
+            <a:extLst>
+              <a:ext uri="{28A0092B-C50C-407E-A947-70E740481C1C}">
+                <a14:useLocalDpi xmlns:a14="http://schemas.microsoft.com/office/drawing/2010/main" val="0"/>
+              </a:ext>
+              <a:ext uri="{96DAC541-7B7A-43D3-8B79-37D633B846F1}">
+                <asvg:svgBlip xmlns:asvg="http://schemas.microsoft.com/office/drawing/2016/SVG/main" r:embed="rId3"/>
+              </a:ext>
+            </a:extLst>
+          </a:blip>
+          <a:stretch>
+            <a:fillRect/>
+          </a:stretch>
+        </p:blipFill>
+        <p:spPr>
+          <a:xfrm rot="1057560" flipH="1">
+            <a:off x="4463542" y="618045"/>
+            <a:ext cx="2571363" cy="2860662"/>
+          </a:xfrm>
+          <a:prstGeom prst="rect">
+            <a:avLst/>
+          </a:prstGeom>
+        </p:spPr>
+      </p:pic>
+      <p:pic>
+        <p:nvPicPr>
+          <p:cNvPr id="88" name="Grafika 87" descr="Użytkownik">
+            <a:extLst>
+              <a:ext uri="{FF2B5EF4-FFF2-40B4-BE49-F238E27FC236}">
+                <a16:creationId xmlns:a16="http://schemas.microsoft.com/office/drawing/2014/main" id="{69AA939B-6482-4F12-A791-AF459D7005F1}"/>
+              </a:ext>
+            </a:extLst>
+          </p:cNvPr>
+          <p:cNvPicPr>
+            <a:picLocks noChangeAspect="1"/>
+          </p:cNvPicPr>
+          <p:nvPr/>
+        </p:nvPicPr>
+        <p:blipFill>
+          <a:blip r:embed="rId4">
+            <a:extLst>
+              <a:ext uri="{28A0092B-C50C-407E-A947-70E740481C1C}">
+                <a14:useLocalDpi xmlns:a14="http://schemas.microsoft.com/office/drawing/2010/main" val="0"/>
+              </a:ext>
+              <a:ext uri="{96DAC541-7B7A-43D3-8B79-37D633B846F1}">
+                <asvg:svgBlip xmlns:asvg="http://schemas.microsoft.com/office/drawing/2016/SVG/main" r:embed="rId5"/>
+              </a:ext>
+            </a:extLst>
+          </a:blip>
+          <a:stretch>
+            <a:fillRect/>
+          </a:stretch>
+        </p:blipFill>
+        <p:spPr>
+          <a:xfrm>
+            <a:off x="5413867" y="3396690"/>
+            <a:ext cx="2049239" cy="2049239"/>
+          </a:xfrm>
+          <a:prstGeom prst="rect">
+            <a:avLst/>
+          </a:prstGeom>
+        </p:spPr>
+      </p:pic>
+      <p:pic>
+        <p:nvPicPr>
+          <p:cNvPr id="5" name="Obraz 4">
+            <a:extLst>
+              <a:ext uri="{FF2B5EF4-FFF2-40B4-BE49-F238E27FC236}">
+                <a16:creationId xmlns:a16="http://schemas.microsoft.com/office/drawing/2014/main" id="{FA2B5562-A690-428E-8278-450D1EECD2E4}"/>
+              </a:ext>
+            </a:extLst>
+          </p:cNvPr>
+          <p:cNvPicPr>
+            <a:picLocks noChangeAspect="1"/>
+          </p:cNvPicPr>
+          <p:nvPr/>
+        </p:nvPicPr>
+        <p:blipFill>
+          <a:blip r:embed="rId6">
+            <a:extLst>
+              <a:ext uri="{28A0092B-C50C-407E-A947-70E740481C1C}">
+                <a14:useLocalDpi xmlns:a14="http://schemas.microsoft.com/office/drawing/2010/main" val="0"/>
+              </a:ext>
+            </a:extLst>
+          </a:blip>
+          <a:stretch>
+            <a:fillRect/>
+          </a:stretch>
+        </p:blipFill>
+        <p:spPr>
+          <a:xfrm>
+            <a:off x="153944" y="139485"/>
+            <a:ext cx="2471463" cy="1425844"/>
+          </a:xfrm>
+          <a:prstGeom prst="rect">
+            <a:avLst/>
+          </a:prstGeom>
+        </p:spPr>
+      </p:pic>
+      <p:grpSp>
+        <p:nvGrpSpPr>
+          <p:cNvPr id="46" name="Grupa 45">
+            <a:extLst>
+              <a:ext uri="{FF2B5EF4-FFF2-40B4-BE49-F238E27FC236}">
+                <a16:creationId xmlns:a16="http://schemas.microsoft.com/office/drawing/2014/main" id="{4FA5A4E0-4C79-4D6B-A643-5220C2D4D4DB}"/>
+              </a:ext>
+            </a:extLst>
+          </p:cNvPr>
+          <p:cNvGrpSpPr/>
+          <p:nvPr/>
+        </p:nvGrpSpPr>
+        <p:grpSpPr>
+          <a:xfrm>
+            <a:off x="6927617" y="1446853"/>
+            <a:ext cx="2860662" cy="2860662"/>
+            <a:chOff x="6878570" y="1477769"/>
+            <a:chExt cx="2860662" cy="2860662"/>
+          </a:xfrm>
+        </p:grpSpPr>
+        <p:pic>
+          <p:nvPicPr>
+            <p:cNvPr id="20" name="Grafika 19" descr="Dymek">
+              <a:extLst>
+                <a:ext uri="{FF2B5EF4-FFF2-40B4-BE49-F238E27FC236}">
+                  <a16:creationId xmlns:a16="http://schemas.microsoft.com/office/drawing/2014/main" id="{2E6430A6-3795-462D-B3C0-19202F4E438B}"/>
+                </a:ext>
+              </a:extLst>
+            </p:cNvPr>
+            <p:cNvPicPr>
+              <a:picLocks noChangeAspect="1"/>
+            </p:cNvPicPr>
+            <p:nvPr/>
+          </p:nvPicPr>
+          <p:blipFill>
+            <a:blip r:embed="rId7">
+              <a:extLst>
+                <a:ext uri="{28A0092B-C50C-407E-A947-70E740481C1C}">
+                  <a14:useLocalDpi xmlns:a14="http://schemas.microsoft.com/office/drawing/2010/main" val="0"/>
+                </a:ext>
+                <a:ext uri="{96DAC541-7B7A-43D3-8B79-37D633B846F1}">
+                  <asvg:svgBlip xmlns:asvg="http://schemas.microsoft.com/office/drawing/2016/SVG/main" r:embed="rId8"/>
+                </a:ext>
+              </a:extLst>
+            </a:blip>
+            <a:stretch>
+              <a:fillRect/>
+            </a:stretch>
+          </p:blipFill>
+          <p:spPr>
+            <a:xfrm>
+              <a:off x="6878570" y="1477769"/>
+              <a:ext cx="2860662" cy="2860662"/>
+            </a:xfrm>
+            <a:prstGeom prst="rect">
+              <a:avLst/>
+            </a:prstGeom>
+          </p:spPr>
+        </p:pic>
+        <p:sp>
+          <p:nvSpPr>
+            <p:cNvPr id="67" name="Prostokąt 66">
+              <a:extLst>
+                <a:ext uri="{FF2B5EF4-FFF2-40B4-BE49-F238E27FC236}">
+                  <a16:creationId xmlns:a16="http://schemas.microsoft.com/office/drawing/2014/main" id="{2DC70FE3-63D1-4367-8281-EB50710F5519}"/>
+                </a:ext>
+              </a:extLst>
+            </p:cNvPr>
+            <p:cNvSpPr/>
+            <p:nvPr/>
+          </p:nvSpPr>
+          <p:spPr>
+            <a:xfrm>
+              <a:off x="7009467" y="2416836"/>
+              <a:ext cx="2460515" cy="400110"/>
+            </a:xfrm>
+            <a:prstGeom prst="rect">
+              <a:avLst/>
+            </a:prstGeom>
+            <a:noFill/>
+          </p:spPr>
+          <p:txBody>
+            <a:bodyPr wrap="square" lIns="91440" tIns="45720" rIns="91440" bIns="45720">
+              <a:spAutoFit/>
+            </a:bodyPr>
+            <a:lstStyle/>
+            <a:p>
+              <a:pPr algn="ctr"/>
+              <a:r>
+                <a:rPr lang="pl-PL" sz="2000" b="1" dirty="0">
+                  <a:ln w="0"/>
+                  <a:effectLst>
+                    <a:outerShdw blurRad="38100" dist="19050" dir="2700000" algn="tl" rotWithShape="0">
+                      <a:schemeClr val="dk1">
+                        <a:alpha val="40000"/>
+                      </a:schemeClr>
+                    </a:outerShdw>
+                  </a:effectLst>
+                </a:rPr>
+                <a:t>V_SAP_NEW_HIRES</a:t>
+              </a:r>
+            </a:p>
+          </p:txBody>
+        </p:sp>
+      </p:grpSp>
+      <p:pic>
+        <p:nvPicPr>
+          <p:cNvPr id="45" name="Grafika 44" descr="Użytkownik">
+            <a:extLst>
+              <a:ext uri="{FF2B5EF4-FFF2-40B4-BE49-F238E27FC236}">
+                <a16:creationId xmlns:a16="http://schemas.microsoft.com/office/drawing/2014/main" id="{812EC455-0476-4F86-ABE5-8A46C95526F5}"/>
+              </a:ext>
+            </a:extLst>
+          </p:cNvPr>
+          <p:cNvPicPr>
+            <a:picLocks noChangeAspect="1"/>
+          </p:cNvPicPr>
+          <p:nvPr/>
+        </p:nvPicPr>
+        <p:blipFill>
+          <a:blip r:embed="rId9">
+            <a:extLst>
+              <a:ext uri="{28A0092B-C50C-407E-A947-70E740481C1C}">
+                <a14:useLocalDpi xmlns:a14="http://schemas.microsoft.com/office/drawing/2010/main" val="0"/>
+              </a:ext>
+              <a:ext uri="{96DAC541-7B7A-43D3-8B79-37D633B846F1}">
+                <asvg:svgBlip xmlns:asvg="http://schemas.microsoft.com/office/drawing/2016/SVG/main" r:embed="rId10"/>
+              </a:ext>
+            </a:extLst>
+          </a:blip>
+          <a:stretch>
+            <a:fillRect/>
+          </a:stretch>
+        </p:blipFill>
+        <p:spPr>
+          <a:xfrm>
+            <a:off x="5329832" y="3296234"/>
+            <a:ext cx="2049239" cy="2049239"/>
+          </a:xfrm>
+          <a:prstGeom prst="rect">
+            <a:avLst/>
+          </a:prstGeom>
+        </p:spPr>
+      </p:pic>
+      <p:pic>
+        <p:nvPicPr>
+          <p:cNvPr id="79" name="Grafika 78" descr="Dymek">
+            <a:extLst>
+              <a:ext uri="{FF2B5EF4-FFF2-40B4-BE49-F238E27FC236}">
+                <a16:creationId xmlns:a16="http://schemas.microsoft.com/office/drawing/2014/main" id="{F0CBF611-6E11-42E0-AFD5-6619C031A2D9}"/>
+              </a:ext>
+            </a:extLst>
+          </p:cNvPr>
+          <p:cNvPicPr>
+            <a:picLocks noChangeAspect="1"/>
+          </p:cNvPicPr>
+          <p:nvPr/>
+        </p:nvPicPr>
+        <p:blipFill>
+          <a:blip r:embed="rId7">
+            <a:extLst>
+              <a:ext uri="{28A0092B-C50C-407E-A947-70E740481C1C}">
+                <a14:useLocalDpi xmlns:a14="http://schemas.microsoft.com/office/drawing/2010/main" val="0"/>
+              </a:ext>
+              <a:ext uri="{96DAC541-7B7A-43D3-8B79-37D633B846F1}">
+                <asvg:svgBlip xmlns:asvg="http://schemas.microsoft.com/office/drawing/2016/SVG/main" r:embed="rId8"/>
+              </a:ext>
+            </a:extLst>
+          </a:blip>
+          <a:stretch>
+            <a:fillRect/>
+          </a:stretch>
+        </p:blipFill>
+        <p:spPr>
+          <a:xfrm rot="1057560" flipH="1">
+            <a:off x="4363943" y="524586"/>
+            <a:ext cx="2571363" cy="2860662"/>
+          </a:xfrm>
+          <a:prstGeom prst="rect">
+            <a:avLst/>
+          </a:prstGeom>
+        </p:spPr>
+      </p:pic>
+      <p:sp>
+        <p:nvSpPr>
+          <p:cNvPr id="80" name="Prostokąt 79">
+            <a:extLst>
+              <a:ext uri="{FF2B5EF4-FFF2-40B4-BE49-F238E27FC236}">
+                <a16:creationId xmlns:a16="http://schemas.microsoft.com/office/drawing/2014/main" id="{C9688AEB-691C-457D-8B90-04C5A1DA54B9}"/>
+              </a:ext>
+            </a:extLst>
+          </p:cNvPr>
+          <p:cNvSpPr/>
+          <p:nvPr/>
+        </p:nvSpPr>
+        <p:spPr>
+          <a:xfrm rot="887879">
+            <a:off x="4457284" y="1425384"/>
+            <a:ext cx="2460515" cy="400110"/>
+          </a:xfrm>
+          <a:prstGeom prst="rect">
+            <a:avLst/>
+          </a:prstGeom>
+          <a:noFill/>
+        </p:spPr>
+        <p:txBody>
+          <a:bodyPr wrap="square" lIns="91440" tIns="45720" rIns="91440" bIns="45720">
+            <a:spAutoFit/>
+          </a:bodyPr>
+          <a:lstStyle/>
+          <a:p>
+            <a:pPr algn="ctr"/>
+            <a:r>
+              <a:rPr lang="pl-PL" sz="2000" b="1" dirty="0">
+                <a:ln w="0"/>
+                <a:effectLst>
+                  <a:outerShdw blurRad="38100" dist="19050" dir="2700000" algn="tl" rotWithShape="0">
+                    <a:schemeClr val="dk1">
+                      <a:alpha val="40000"/>
+                    </a:schemeClr>
+                  </a:outerShdw>
+                </a:effectLst>
+              </a:rPr>
+              <a:t>K024_AGMT_KEY</a:t>
+            </a:r>
+          </a:p>
+        </p:txBody>
+      </p:sp>
+      <p:pic>
+        <p:nvPicPr>
+          <p:cNvPr id="86" name="Grafika 85" descr="Dymek">
+            <a:extLst>
+              <a:ext uri="{FF2B5EF4-FFF2-40B4-BE49-F238E27FC236}">
+                <a16:creationId xmlns:a16="http://schemas.microsoft.com/office/drawing/2014/main" id="{62E90D0F-F159-4042-B5D4-28154E60D16A}"/>
+              </a:ext>
+            </a:extLst>
+          </p:cNvPr>
+          <p:cNvPicPr>
+            <a:picLocks noChangeAspect="1"/>
+          </p:cNvPicPr>
+          <p:nvPr/>
+        </p:nvPicPr>
+        <p:blipFill>
+          <a:blip r:embed="rId7">
+            <a:extLst>
+              <a:ext uri="{28A0092B-C50C-407E-A947-70E740481C1C}">
+                <a14:useLocalDpi xmlns:a14="http://schemas.microsoft.com/office/drawing/2010/main" val="0"/>
+              </a:ext>
+              <a:ext uri="{96DAC541-7B7A-43D3-8B79-37D633B846F1}">
+                <asvg:svgBlip xmlns:asvg="http://schemas.microsoft.com/office/drawing/2016/SVG/main" r:embed="rId8"/>
+              </a:ext>
+            </a:extLst>
+          </a:blip>
+          <a:stretch>
+            <a:fillRect/>
+          </a:stretch>
+        </p:blipFill>
+        <p:spPr>
+          <a:xfrm rot="20042833" flipH="1">
+            <a:off x="2670079" y="1877451"/>
+            <a:ext cx="2571363" cy="2860662"/>
+          </a:xfrm>
+          <a:prstGeom prst="rect">
+            <a:avLst/>
+          </a:prstGeom>
+        </p:spPr>
+      </p:pic>
+      <p:sp>
+        <p:nvSpPr>
+          <p:cNvPr id="87" name="Prostokąt 86">
+            <a:extLst>
+              <a:ext uri="{FF2B5EF4-FFF2-40B4-BE49-F238E27FC236}">
+                <a16:creationId xmlns:a16="http://schemas.microsoft.com/office/drawing/2014/main" id="{3C620BAB-4BCB-4020-AECB-E0795BC7B51C}"/>
+              </a:ext>
+            </a:extLst>
+          </p:cNvPr>
+          <p:cNvSpPr/>
+          <p:nvPr/>
+        </p:nvSpPr>
+        <p:spPr>
+          <a:xfrm rot="19932552">
+            <a:off x="2570397" y="2903091"/>
+            <a:ext cx="2460515" cy="400110"/>
+          </a:xfrm>
+          <a:prstGeom prst="rect">
+            <a:avLst/>
+          </a:prstGeom>
+          <a:noFill/>
+        </p:spPr>
+        <p:txBody>
+          <a:bodyPr wrap="square" lIns="91440" tIns="45720" rIns="91440" bIns="45720">
+            <a:spAutoFit/>
+          </a:bodyPr>
+          <a:lstStyle/>
+          <a:p>
+            <a:pPr algn="ctr"/>
+            <a:r>
+              <a:rPr lang="pl-PL" sz="2000" b="1" dirty="0">
+                <a:ln w="0"/>
+                <a:effectLst>
+                  <a:outerShdw blurRad="38100" dist="19050" dir="2700000" algn="tl" rotWithShape="0">
+                    <a:schemeClr val="dk1">
+                      <a:alpha val="40000"/>
+                    </a:schemeClr>
+                  </a:outerShdw>
+                </a:effectLst>
+              </a:rPr>
+              <a:t>DIM</a:t>
+            </a:r>
+            <a:r>
+              <a:rPr lang="pl-PL" sz="2000" dirty="0">
+                <a:ln w="0"/>
+                <a:effectLst>
+                  <a:outerShdw blurRad="38100" dist="19050" dir="2700000" algn="tl" rotWithShape="0">
+                    <a:schemeClr val="dk1">
+                      <a:alpha val="40000"/>
+                    </a:schemeClr>
+                  </a:outerShdw>
+                </a:effectLst>
+              </a:rPr>
+              <a:t>_</a:t>
+            </a:r>
+            <a:r>
+              <a:rPr lang="pl-PL" sz="2000" b="1" dirty="0">
+                <a:ln w="0"/>
+                <a:effectLst>
+                  <a:outerShdw blurRad="38100" dist="19050" dir="2700000" algn="tl" rotWithShape="0">
+                    <a:schemeClr val="dk1">
+                      <a:alpha val="40000"/>
+                    </a:schemeClr>
+                  </a:outerShdw>
+                </a:effectLst>
+              </a:rPr>
+              <a:t>LOCATION</a:t>
+            </a:r>
+          </a:p>
+        </p:txBody>
+      </p:sp>
+      <p:sp>
+        <p:nvSpPr>
+          <p:cNvPr id="92" name="Prostokąt 91">
+            <a:extLst>
+              <a:ext uri="{FF2B5EF4-FFF2-40B4-BE49-F238E27FC236}">
+                <a16:creationId xmlns:a16="http://schemas.microsoft.com/office/drawing/2014/main" id="{DE2F2B82-697B-4C4A-A68A-69A9407B62F6}"/>
+              </a:ext>
+            </a:extLst>
+          </p:cNvPr>
+          <p:cNvSpPr/>
+          <p:nvPr/>
+        </p:nvSpPr>
+        <p:spPr>
+          <a:xfrm>
+            <a:off x="1883645" y="5246582"/>
+            <a:ext cx="8941612" cy="1015663"/>
+          </a:xfrm>
+          <a:prstGeom prst="rect">
+            <a:avLst/>
+          </a:prstGeom>
+          <a:noFill/>
+        </p:spPr>
+        <p:txBody>
+          <a:bodyPr wrap="square" lIns="91440" tIns="45720" rIns="91440" bIns="45720">
+            <a:spAutoFit/>
+          </a:bodyPr>
+          <a:lstStyle/>
+          <a:p>
+            <a:pPr algn="ctr"/>
+            <a:r>
+              <a:rPr lang="pl-PL" sz="6000" b="1" dirty="0" err="1">
+                <a:ln w="10160">
+                  <a:solidFill>
+                    <a:schemeClr val="accent5"/>
+                  </a:solidFill>
+                  <a:prstDash val="solid"/>
+                </a:ln>
+                <a:solidFill>
+                  <a:srgbClr val="FFFFFF"/>
+                </a:solidFill>
+                <a:effectLst>
+                  <a:outerShdw blurRad="38100" dist="22860" dir="5400000" algn="tl" rotWithShape="0">
+                    <a:srgbClr val="000000">
+                      <a:alpha val="30000"/>
+                    </a:srgbClr>
+                  </a:outerShdw>
+                </a:effectLst>
+              </a:rPr>
+              <a:t>Naming</a:t>
+            </a:r>
+            <a:r>
+              <a:rPr lang="pl-PL" sz="6000" b="1" dirty="0">
+                <a:ln w="10160">
+                  <a:solidFill>
+                    <a:schemeClr val="accent5"/>
+                  </a:solidFill>
+                  <a:prstDash val="solid"/>
+                </a:ln>
+                <a:solidFill>
+                  <a:srgbClr val="FFFFFF"/>
+                </a:solidFill>
+                <a:effectLst>
+                  <a:outerShdw blurRad="38100" dist="22860" dir="5400000" algn="tl" rotWithShape="0">
+                    <a:srgbClr val="000000">
+                      <a:alpha val="30000"/>
+                    </a:srgbClr>
+                  </a:outerShdw>
+                </a:effectLst>
+              </a:rPr>
+              <a:t> </a:t>
+            </a:r>
+            <a:r>
+              <a:rPr lang="pl-PL" sz="6000" b="1" dirty="0" err="1">
+                <a:ln w="10160">
+                  <a:solidFill>
+                    <a:schemeClr val="accent5"/>
+                  </a:solidFill>
+                  <a:prstDash val="solid"/>
+                </a:ln>
+                <a:solidFill>
+                  <a:srgbClr val="FFFFFF"/>
+                </a:solidFill>
+                <a:effectLst>
+                  <a:outerShdw blurRad="38100" dist="22860" dir="5400000" algn="tl" rotWithShape="0">
+                    <a:srgbClr val="000000">
+                      <a:alpha val="30000"/>
+                    </a:srgbClr>
+                  </a:outerShdw>
+                </a:effectLst>
+              </a:rPr>
+              <a:t>standards</a:t>
+            </a:r>
+            <a:r>
+              <a:rPr lang="pl-PL" sz="6000" b="1" dirty="0">
+                <a:ln w="10160">
+                  <a:solidFill>
+                    <a:schemeClr val="accent5"/>
+                  </a:solidFill>
+                  <a:prstDash val="solid"/>
+                </a:ln>
+                <a:solidFill>
+                  <a:srgbClr val="FFFFFF"/>
+                </a:solidFill>
+                <a:effectLst>
+                  <a:outerShdw blurRad="38100" dist="22860" dir="5400000" algn="tl" rotWithShape="0">
+                    <a:srgbClr val="000000">
+                      <a:alpha val="30000"/>
+                    </a:srgbClr>
+                  </a:outerShdw>
+                </a:effectLst>
+              </a:rPr>
+              <a:t> in DWH</a:t>
+            </a:r>
+            <a:endParaRPr lang="pl-PL" sz="6000" b="1" cap="none" spc="0" dirty="0">
+              <a:ln w="10160">
+                <a:solidFill>
+                  <a:schemeClr val="accent5"/>
+                </a:solidFill>
+                <a:prstDash val="solid"/>
+              </a:ln>
+              <a:solidFill>
+                <a:srgbClr val="FFFFFF"/>
+              </a:solidFill>
+              <a:effectLst>
+                <a:outerShdw blurRad="38100" dist="22860" dir="5400000" algn="tl" rotWithShape="0">
+                  <a:srgbClr val="000000">
+                    <a:alpha val="30000"/>
+                  </a:srgbClr>
+                </a:outerShdw>
+              </a:effectLst>
+            </a:endParaRPr>
+          </a:p>
+        </p:txBody>
+      </p:sp>
+    </p:spTree>
+    <p:extLst>
+      <p:ext uri="{BB962C8B-B14F-4D97-AF65-F5344CB8AC3E}">
+        <p14:creationId xmlns:p14="http://schemas.microsoft.com/office/powerpoint/2010/main" val="1773695073"/>
+      </p:ext>
+    </p:extLst>
+  </p:cSld>
+  <p:clrMapOvr>
+    <a:masterClrMapping/>
+  </p:clrMapOvr>
+</p:sld>
+</file>
+
+<file path=ppt/slides/slide3.xml><?xml version="1.0" encoding="utf-8"?>
+<p:sld xmlns:a="http://schemas.openxmlformats.org/drawingml/2006/main" xmlns:r="http://schemas.openxmlformats.org/officeDocument/2006/relationships" xmlns:p="http://schemas.openxmlformats.org/presentationml/2006/main">
+  <p:cSld>
+    <p:bg>
+      <p:bgPr>
+        <a:gradFill>
+          <a:gsLst>
+            <a:gs pos="54000">
+              <a:srgbClr val="07A1D7"/>
+            </a:gs>
+            <a:gs pos="100000">
+              <a:srgbClr val="11CFD9"/>
+            </a:gs>
+          </a:gsLst>
+          <a:lin ang="5400000" scaled="1"/>
+        </a:gradFill>
+        <a:effectLst/>
+      </p:bgPr>
+    </p:bg>
+    <p:spTree>
+      <p:nvGrpSpPr>
+        <p:cNvPr id="1" name=""/>
+        <p:cNvGrpSpPr/>
+        <p:nvPr/>
+      </p:nvGrpSpPr>
+      <p:grpSpPr>
+        <a:xfrm>
+          <a:off x="0" y="0"/>
+          <a:ext cx="0" cy="0"/>
+          <a:chOff x="0" y="0"/>
+          <a:chExt cx="0" cy="0"/>
+        </a:xfrm>
+      </p:grpSpPr>
+      <p:pic>
+        <p:nvPicPr>
           <p:cNvPr id="5" name="Obraz 4">
             <a:extLst>
               <a:ext uri="{FF2B5EF4-FFF2-40B4-BE49-F238E27FC236}">
@@ -5368,7 +6079,7 @@
 </p:sld>
 </file>
 
-<file path=ppt/slides/slide3.xml><?xml version="1.0" encoding="utf-8"?>
+<file path=ppt/slides/slide4.xml><?xml version="1.0" encoding="utf-8"?>
 <p:sld xmlns:a="http://schemas.openxmlformats.org/drawingml/2006/main" xmlns:r="http://schemas.openxmlformats.org/officeDocument/2006/relationships" xmlns:p="http://schemas.openxmlformats.org/presentationml/2006/main">
   <p:cSld>
     <p:bg>
@@ -6030,7 +6741,7 @@
         </p:nvSpPr>
         <p:spPr>
           <a:xfrm>
-            <a:off x="4909620" y="4907511"/>
+            <a:off x="4909620" y="4752092"/>
             <a:ext cx="2925000" cy="1754326"/>
           </a:xfrm>
           <a:prstGeom prst="rect">
@@ -6121,7 +6832,7 @@
 </p:sld>
 </file>
 
-<file path=ppt/slides/slide4.xml><?xml version="1.0" encoding="utf-8"?>
+<file path=ppt/slides/slide5.xml><?xml version="1.0" encoding="utf-8"?>
 <p:sld xmlns:a="http://schemas.openxmlformats.org/drawingml/2006/main" xmlns:r="http://schemas.openxmlformats.org/officeDocument/2006/relationships" xmlns:p="http://schemas.openxmlformats.org/presentationml/2006/main">
   <p:cSld>
     <p:bg>
@@ -9234,7 +9945,7 @@
 </p:sld>
 </file>
 
-<file path=ppt/slides/slide5.xml><?xml version="1.0" encoding="utf-8"?>
+<file path=ppt/slides/slide6.xml><?xml version="1.0" encoding="utf-8"?>
 <p:sld xmlns:a="http://schemas.openxmlformats.org/drawingml/2006/main" xmlns:r="http://schemas.openxmlformats.org/officeDocument/2006/relationships" xmlns:p="http://schemas.openxmlformats.org/presentationml/2006/main">
   <p:cSld>
     <p:bg>

--- a/themes/hugo-elate-theme/static/images/Pictures for blog.pptx
+++ b/themes/hugo-elate-theme/static/images/Pictures for blog.pptx
@@ -11,6 +11,7 @@
     <p:sldId id="259" r:id="rId5"/>
     <p:sldId id="258" r:id="rId6"/>
     <p:sldId id="256" r:id="rId7"/>
+    <p:sldId id="262" r:id="rId8"/>
   </p:sldIdLst>
   <p:sldSz cx="12192000" cy="6858000"/>
   <p:notesSz cx="6858000" cy="9144000"/>
@@ -268,7 +269,7 @@
           <a:p>
             <a:fld id="{A42A12F9-EA54-49E1-A3FD-186D9B25B348}" type="datetimeFigureOut">
               <a:rPr lang="pl-PL" smtClean="0"/>
-              <a:t>22.07.2019</a:t>
+              <a:t>05.08.2019</a:t>
             </a:fld>
             <a:endParaRPr lang="pl-PL"/>
           </a:p>
@@ -466,7 +467,7 @@
           <a:p>
             <a:fld id="{A42A12F9-EA54-49E1-A3FD-186D9B25B348}" type="datetimeFigureOut">
               <a:rPr lang="pl-PL" smtClean="0"/>
-              <a:t>22.07.2019</a:t>
+              <a:t>05.08.2019</a:t>
             </a:fld>
             <a:endParaRPr lang="pl-PL"/>
           </a:p>
@@ -674,7 +675,7 @@
           <a:p>
             <a:fld id="{A42A12F9-EA54-49E1-A3FD-186D9B25B348}" type="datetimeFigureOut">
               <a:rPr lang="pl-PL" smtClean="0"/>
-              <a:t>22.07.2019</a:t>
+              <a:t>05.08.2019</a:t>
             </a:fld>
             <a:endParaRPr lang="pl-PL"/>
           </a:p>
@@ -872,7 +873,7 @@
           <a:p>
             <a:fld id="{A42A12F9-EA54-49E1-A3FD-186D9B25B348}" type="datetimeFigureOut">
               <a:rPr lang="pl-PL" smtClean="0"/>
-              <a:t>22.07.2019</a:t>
+              <a:t>05.08.2019</a:t>
             </a:fld>
             <a:endParaRPr lang="pl-PL"/>
           </a:p>
@@ -1147,7 +1148,7 @@
           <a:p>
             <a:fld id="{A42A12F9-EA54-49E1-A3FD-186D9B25B348}" type="datetimeFigureOut">
               <a:rPr lang="pl-PL" smtClean="0"/>
-              <a:t>22.07.2019</a:t>
+              <a:t>05.08.2019</a:t>
             </a:fld>
             <a:endParaRPr lang="pl-PL"/>
           </a:p>
@@ -1412,7 +1413,7 @@
           <a:p>
             <a:fld id="{A42A12F9-EA54-49E1-A3FD-186D9B25B348}" type="datetimeFigureOut">
               <a:rPr lang="pl-PL" smtClean="0"/>
-              <a:t>22.07.2019</a:t>
+              <a:t>05.08.2019</a:t>
             </a:fld>
             <a:endParaRPr lang="pl-PL"/>
           </a:p>
@@ -1824,7 +1825,7 @@
           <a:p>
             <a:fld id="{A42A12F9-EA54-49E1-A3FD-186D9B25B348}" type="datetimeFigureOut">
               <a:rPr lang="pl-PL" smtClean="0"/>
-              <a:t>22.07.2019</a:t>
+              <a:t>05.08.2019</a:t>
             </a:fld>
             <a:endParaRPr lang="pl-PL"/>
           </a:p>
@@ -1965,7 +1966,7 @@
           <a:p>
             <a:fld id="{A42A12F9-EA54-49E1-A3FD-186D9B25B348}" type="datetimeFigureOut">
               <a:rPr lang="pl-PL" smtClean="0"/>
-              <a:t>22.07.2019</a:t>
+              <a:t>05.08.2019</a:t>
             </a:fld>
             <a:endParaRPr lang="pl-PL"/>
           </a:p>
@@ -2078,7 +2079,7 @@
           <a:p>
             <a:fld id="{A42A12F9-EA54-49E1-A3FD-186D9B25B348}" type="datetimeFigureOut">
               <a:rPr lang="pl-PL" smtClean="0"/>
-              <a:t>22.07.2019</a:t>
+              <a:t>05.08.2019</a:t>
             </a:fld>
             <a:endParaRPr lang="pl-PL"/>
           </a:p>
@@ -2389,7 +2390,7 @@
           <a:p>
             <a:fld id="{A42A12F9-EA54-49E1-A3FD-186D9B25B348}" type="datetimeFigureOut">
               <a:rPr lang="pl-PL" smtClean="0"/>
-              <a:t>22.07.2019</a:t>
+              <a:t>05.08.2019</a:t>
             </a:fld>
             <a:endParaRPr lang="pl-PL"/>
           </a:p>
@@ -2677,7 +2678,7 @@
           <a:p>
             <a:fld id="{A42A12F9-EA54-49E1-A3FD-186D9B25B348}" type="datetimeFigureOut">
               <a:rPr lang="pl-PL" smtClean="0"/>
-              <a:t>22.07.2019</a:t>
+              <a:t>05.08.2019</a:t>
             </a:fld>
             <a:endParaRPr lang="pl-PL"/>
           </a:p>
@@ -2918,7 +2919,7 @@
           <a:p>
             <a:fld id="{A42A12F9-EA54-49E1-A3FD-186D9B25B348}" type="datetimeFigureOut">
               <a:rPr lang="pl-PL" smtClean="0"/>
-              <a:t>22.07.2019</a:t>
+              <a:t>05.08.2019</a:t>
             </a:fld>
             <a:endParaRPr lang="pl-PL"/>
           </a:p>
@@ -6932,7 +6933,7 @@
         </p:blipFill>
         <p:spPr>
           <a:xfrm>
-            <a:off x="464462" y="5163881"/>
+            <a:off x="464461" y="5148616"/>
             <a:ext cx="914400" cy="914400"/>
           </a:xfrm>
           <a:prstGeom prst="rect">
@@ -6971,7 +6972,7 @@
         </p:blipFill>
         <p:spPr>
           <a:xfrm>
-            <a:off x="1496981" y="5113631"/>
+            <a:off x="1573513" y="5156290"/>
             <a:ext cx="914400" cy="914400"/>
           </a:xfrm>
           <a:prstGeom prst="rect">
@@ -7096,270 +7097,321 @@
           </a:prstGeom>
         </p:spPr>
       </p:pic>
-      <p:sp>
-        <p:nvSpPr>
-          <p:cNvPr id="9" name="Schemat blokowy: dysk magnetyczny 8">
+      <p:grpSp>
+        <p:nvGrpSpPr>
+          <p:cNvPr id="2" name="Grupa 1">
             <a:extLst>
               <a:ext uri="{FF2B5EF4-FFF2-40B4-BE49-F238E27FC236}">
-                <a16:creationId xmlns:a16="http://schemas.microsoft.com/office/drawing/2014/main" id="{8C447BA2-C81D-440D-900A-2620E64FAA0D}"/>
+                <a16:creationId xmlns:a16="http://schemas.microsoft.com/office/drawing/2014/main" id="{AAE5D9A0-D8AA-40A4-9D1E-66499F245C9F}"/>
               </a:ext>
             </a:extLst>
           </p:cNvPr>
-          <p:cNvSpPr/>
+          <p:cNvGrpSpPr/>
           <p:nvPr/>
-        </p:nvSpPr>
-        <p:spPr>
+        </p:nvGrpSpPr>
+        <p:grpSpPr>
           <a:xfrm>
-            <a:off x="3288515" y="3229776"/>
-            <a:ext cx="1099931" cy="410818"/>
+            <a:off x="3408049" y="3284749"/>
+            <a:ext cx="1099932" cy="1640099"/>
+            <a:chOff x="3288515" y="3229776"/>
+            <a:chExt cx="1099932" cy="1640099"/>
           </a:xfrm>
-          <a:prstGeom prst="flowChartMagneticDisk">
-            <a:avLst/>
-          </a:prstGeom>
-          <a:ln>
-            <a:solidFill>
-              <a:srgbClr val="11CFD9"/>
-            </a:solidFill>
-          </a:ln>
-        </p:spPr>
-        <p:style>
-          <a:lnRef idx="2">
-            <a:schemeClr val="accent6"/>
-          </a:lnRef>
-          <a:fillRef idx="1">
-            <a:schemeClr val="lt1"/>
-          </a:fillRef>
-          <a:effectRef idx="0">
-            <a:schemeClr val="accent6"/>
-          </a:effectRef>
-          <a:fontRef idx="minor">
-            <a:schemeClr val="dk1"/>
-          </a:fontRef>
-        </p:style>
-        <p:txBody>
-          <a:bodyPr rtlCol="0" anchor="ctr"/>
-          <a:lstStyle/>
-          <a:p>
-            <a:pPr algn="ctr"/>
-            <a:endParaRPr lang="pl-PL"/>
-          </a:p>
-        </p:txBody>
-      </p:sp>
-      <p:sp>
-        <p:nvSpPr>
-          <p:cNvPr id="14" name="Schemat blokowy: dysk magnetyczny 13">
+          <a:solidFill>
+            <a:schemeClr val="tx1"/>
+          </a:solidFill>
+        </p:grpSpPr>
+        <p:sp>
+          <p:nvSpPr>
+            <p:cNvPr id="9" name="Schemat blokowy: dysk magnetyczny 8">
+              <a:extLst>
+                <a:ext uri="{FF2B5EF4-FFF2-40B4-BE49-F238E27FC236}">
+                  <a16:creationId xmlns:a16="http://schemas.microsoft.com/office/drawing/2014/main" id="{8C447BA2-C81D-440D-900A-2620E64FAA0D}"/>
+                </a:ext>
+              </a:extLst>
+            </p:cNvPr>
+            <p:cNvSpPr/>
+            <p:nvPr/>
+          </p:nvSpPr>
+          <p:spPr>
+            <a:xfrm>
+              <a:off x="3288515" y="3229776"/>
+              <a:ext cx="1099931" cy="410818"/>
+            </a:xfrm>
+            <a:prstGeom prst="flowChartMagneticDisk">
+              <a:avLst/>
+            </a:prstGeom>
+            <a:grpFill/>
+            <a:ln>
+              <a:solidFill>
+                <a:srgbClr val="11CFD9"/>
+              </a:solidFill>
+            </a:ln>
+          </p:spPr>
+          <p:style>
+            <a:lnRef idx="2">
+              <a:schemeClr val="accent6"/>
+            </a:lnRef>
+            <a:fillRef idx="1">
+              <a:schemeClr val="lt1"/>
+            </a:fillRef>
+            <a:effectRef idx="0">
+              <a:schemeClr val="accent6"/>
+            </a:effectRef>
+            <a:fontRef idx="minor">
+              <a:schemeClr val="dk1"/>
+            </a:fontRef>
+          </p:style>
+          <p:txBody>
+            <a:bodyPr rtlCol="0" anchor="ctr"/>
+            <a:lstStyle/>
+            <a:p>
+              <a:pPr algn="ctr"/>
+              <a:endParaRPr lang="pl-PL"/>
+            </a:p>
+          </p:txBody>
+        </p:sp>
+        <p:sp>
+          <p:nvSpPr>
+            <p:cNvPr id="14" name="Schemat blokowy: dysk magnetyczny 13">
+              <a:extLst>
+                <a:ext uri="{FF2B5EF4-FFF2-40B4-BE49-F238E27FC236}">
+                  <a16:creationId xmlns:a16="http://schemas.microsoft.com/office/drawing/2014/main" id="{24F99C1B-AF06-4611-8CEB-9B09C2EF3DD4}"/>
+                </a:ext>
+              </a:extLst>
+            </p:cNvPr>
+            <p:cNvSpPr/>
+            <p:nvPr/>
+          </p:nvSpPr>
+          <p:spPr>
+            <a:xfrm>
+              <a:off x="3288516" y="3854863"/>
+              <a:ext cx="1099931" cy="410818"/>
+            </a:xfrm>
+            <a:prstGeom prst="flowChartMagneticDisk">
+              <a:avLst/>
+            </a:prstGeom>
+            <a:grpFill/>
+            <a:ln>
+              <a:solidFill>
+                <a:srgbClr val="11CFD9"/>
+              </a:solidFill>
+            </a:ln>
+          </p:spPr>
+          <p:style>
+            <a:lnRef idx="2">
+              <a:schemeClr val="accent6"/>
+            </a:lnRef>
+            <a:fillRef idx="1">
+              <a:schemeClr val="lt1"/>
+            </a:fillRef>
+            <a:effectRef idx="0">
+              <a:schemeClr val="accent6"/>
+            </a:effectRef>
+            <a:fontRef idx="minor">
+              <a:schemeClr val="dk1"/>
+            </a:fontRef>
+          </p:style>
+          <p:txBody>
+            <a:bodyPr rtlCol="0" anchor="ctr"/>
+            <a:lstStyle/>
+            <a:p>
+              <a:pPr algn="ctr"/>
+              <a:endParaRPr lang="pl-PL"/>
+            </a:p>
+          </p:txBody>
+        </p:sp>
+        <p:sp>
+          <p:nvSpPr>
+            <p:cNvPr id="15" name="Schemat blokowy: dysk magnetyczny 14">
+              <a:extLst>
+                <a:ext uri="{FF2B5EF4-FFF2-40B4-BE49-F238E27FC236}">
+                  <a16:creationId xmlns:a16="http://schemas.microsoft.com/office/drawing/2014/main" id="{592223A3-74CC-4D9D-8C3D-D1D01AE9D903}"/>
+                </a:ext>
+              </a:extLst>
+            </p:cNvPr>
+            <p:cNvSpPr/>
+            <p:nvPr/>
+          </p:nvSpPr>
+          <p:spPr>
+            <a:xfrm>
+              <a:off x="3288516" y="4459057"/>
+              <a:ext cx="1099931" cy="410818"/>
+            </a:xfrm>
+            <a:prstGeom prst="flowChartMagneticDisk">
+              <a:avLst/>
+            </a:prstGeom>
+            <a:grpFill/>
+            <a:ln>
+              <a:solidFill>
+                <a:srgbClr val="11CFD9"/>
+              </a:solidFill>
+            </a:ln>
+          </p:spPr>
+          <p:style>
+            <a:lnRef idx="2">
+              <a:schemeClr val="accent6"/>
+            </a:lnRef>
+            <a:fillRef idx="1">
+              <a:schemeClr val="lt1"/>
+            </a:fillRef>
+            <a:effectRef idx="0">
+              <a:schemeClr val="accent6"/>
+            </a:effectRef>
+            <a:fontRef idx="minor">
+              <a:schemeClr val="dk1"/>
+            </a:fontRef>
+          </p:style>
+          <p:txBody>
+            <a:bodyPr rtlCol="0" anchor="ctr"/>
+            <a:lstStyle/>
+            <a:p>
+              <a:pPr algn="ctr"/>
+              <a:endParaRPr lang="pl-PL"/>
+            </a:p>
+          </p:txBody>
+        </p:sp>
+      </p:grpSp>
+      <p:grpSp>
+        <p:nvGrpSpPr>
+          <p:cNvPr id="16" name="Grupa 15">
             <a:extLst>
               <a:ext uri="{FF2B5EF4-FFF2-40B4-BE49-F238E27FC236}">
-                <a16:creationId xmlns:a16="http://schemas.microsoft.com/office/drawing/2014/main" id="{24F99C1B-AF06-4611-8CEB-9B09C2EF3DD4}"/>
+                <a16:creationId xmlns:a16="http://schemas.microsoft.com/office/drawing/2014/main" id="{E73BC741-C523-4ECF-978B-A4918D74B368}"/>
               </a:ext>
             </a:extLst>
           </p:cNvPr>
-          <p:cNvSpPr/>
+          <p:cNvGrpSpPr/>
           <p:nvPr/>
-        </p:nvSpPr>
-        <p:spPr>
+        </p:nvGrpSpPr>
+        <p:grpSpPr>
           <a:xfrm>
-            <a:off x="3288516" y="3854863"/>
-            <a:ext cx="1099931" cy="410818"/>
+            <a:off x="10400171" y="2618201"/>
+            <a:ext cx="1392064" cy="3507835"/>
+            <a:chOff x="10307140" y="2552083"/>
+            <a:chExt cx="1392064" cy="3507835"/>
           </a:xfrm>
-          <a:prstGeom prst="flowChartMagneticDisk">
-            <a:avLst/>
-          </a:prstGeom>
-          <a:ln>
-            <a:solidFill>
-              <a:srgbClr val="11CFD9"/>
-            </a:solidFill>
-          </a:ln>
-        </p:spPr>
-        <p:style>
-          <a:lnRef idx="2">
-            <a:schemeClr val="accent6"/>
-          </a:lnRef>
-          <a:fillRef idx="1">
-            <a:schemeClr val="lt1"/>
-          </a:fillRef>
-          <a:effectRef idx="0">
-            <a:schemeClr val="accent6"/>
-          </a:effectRef>
-          <a:fontRef idx="minor">
-            <a:schemeClr val="dk1"/>
-          </a:fontRef>
-        </p:style>
-        <p:txBody>
-          <a:bodyPr rtlCol="0" anchor="ctr"/>
-          <a:lstStyle/>
-          <a:p>
-            <a:pPr algn="ctr"/>
-            <a:endParaRPr lang="pl-PL"/>
-          </a:p>
-        </p:txBody>
-      </p:sp>
-      <p:sp>
-        <p:nvSpPr>
-          <p:cNvPr id="15" name="Schemat blokowy: dysk magnetyczny 14">
-            <a:extLst>
-              <a:ext uri="{FF2B5EF4-FFF2-40B4-BE49-F238E27FC236}">
-                <a16:creationId xmlns:a16="http://schemas.microsoft.com/office/drawing/2014/main" id="{592223A3-74CC-4D9D-8C3D-D1D01AE9D903}"/>
-              </a:ext>
-            </a:extLst>
-          </p:cNvPr>
-          <p:cNvSpPr/>
-          <p:nvPr/>
-        </p:nvSpPr>
-        <p:spPr>
-          <a:xfrm>
-            <a:off x="3288516" y="4459057"/>
-            <a:ext cx="1099931" cy="410818"/>
-          </a:xfrm>
-          <a:prstGeom prst="flowChartMagneticDisk">
-            <a:avLst/>
-          </a:prstGeom>
-          <a:ln>
-            <a:solidFill>
-              <a:srgbClr val="11CFD9"/>
-            </a:solidFill>
-          </a:ln>
-        </p:spPr>
-        <p:style>
-          <a:lnRef idx="2">
-            <a:schemeClr val="accent6"/>
-          </a:lnRef>
-          <a:fillRef idx="1">
-            <a:schemeClr val="lt1"/>
-          </a:fillRef>
-          <a:effectRef idx="0">
-            <a:schemeClr val="accent6"/>
-          </a:effectRef>
-          <a:fontRef idx="minor">
-            <a:schemeClr val="dk1"/>
-          </a:fontRef>
-        </p:style>
-        <p:txBody>
-          <a:bodyPr rtlCol="0" anchor="ctr"/>
-          <a:lstStyle/>
-          <a:p>
-            <a:pPr algn="ctr"/>
-            <a:endParaRPr lang="pl-PL"/>
-          </a:p>
-        </p:txBody>
-      </p:sp>
-      <p:pic>
-        <p:nvPicPr>
-          <p:cNvPr id="38" name="Grafika 37" descr="Baza danych">
-            <a:extLst>
-              <a:ext uri="{FF2B5EF4-FFF2-40B4-BE49-F238E27FC236}">
-                <a16:creationId xmlns:a16="http://schemas.microsoft.com/office/drawing/2014/main" id="{F4E90393-76FF-4E59-8A88-D3238E71AAA9}"/>
-              </a:ext>
-            </a:extLst>
-          </p:cNvPr>
-          <p:cNvPicPr>
-            <a:picLocks noChangeAspect="1"/>
-          </p:cNvPicPr>
-          <p:nvPr/>
-        </p:nvPicPr>
-        <p:blipFill>
-          <a:blip r:embed="rId5">
-            <a:extLst>
-              <a:ext uri="{28A0092B-C50C-407E-A947-70E740481C1C}">
-                <a14:useLocalDpi xmlns:a14="http://schemas.microsoft.com/office/drawing/2010/main" val="0"/>
-              </a:ext>
-              <a:ext uri="{96DAC541-7B7A-43D3-8B79-37D633B846F1}">
-                <asvg:svgBlip xmlns:asvg="http://schemas.microsoft.com/office/drawing/2016/SVG/main" r:embed="rId6"/>
-              </a:ext>
-            </a:extLst>
-          </a:blip>
-          <a:stretch>
-            <a:fillRect/>
-          </a:stretch>
-        </p:blipFill>
-        <p:spPr>
-          <a:xfrm>
-            <a:off x="10307140" y="2552083"/>
-            <a:ext cx="1392064" cy="1078679"/>
-          </a:xfrm>
-          <a:prstGeom prst="rect">
-            <a:avLst/>
-          </a:prstGeom>
-        </p:spPr>
-      </p:pic>
-      <p:pic>
-        <p:nvPicPr>
-          <p:cNvPr id="39" name="Grafika 38" descr="Baza danych">
-            <a:extLst>
-              <a:ext uri="{FF2B5EF4-FFF2-40B4-BE49-F238E27FC236}">
-                <a16:creationId xmlns:a16="http://schemas.microsoft.com/office/drawing/2014/main" id="{3D974693-F6C5-4EBD-B6D8-DAEB9C441C82}"/>
-              </a:ext>
-            </a:extLst>
-          </p:cNvPr>
-          <p:cNvPicPr>
-            <a:picLocks noChangeAspect="1"/>
-          </p:cNvPicPr>
-          <p:nvPr/>
-        </p:nvPicPr>
-        <p:blipFill>
-          <a:blip r:embed="rId5">
-            <a:extLst>
-              <a:ext uri="{28A0092B-C50C-407E-A947-70E740481C1C}">
-                <a14:useLocalDpi xmlns:a14="http://schemas.microsoft.com/office/drawing/2010/main" val="0"/>
-              </a:ext>
-              <a:ext uri="{96DAC541-7B7A-43D3-8B79-37D633B846F1}">
-                <asvg:svgBlip xmlns:asvg="http://schemas.microsoft.com/office/drawing/2016/SVG/main" r:embed="rId6"/>
-              </a:ext>
-            </a:extLst>
-          </a:blip>
-          <a:stretch>
-            <a:fillRect/>
-          </a:stretch>
-        </p:blipFill>
-        <p:spPr>
-          <a:xfrm>
-            <a:off x="10307140" y="3740160"/>
-            <a:ext cx="1392064" cy="1078679"/>
-          </a:xfrm>
-          <a:prstGeom prst="rect">
-            <a:avLst/>
-          </a:prstGeom>
-        </p:spPr>
-      </p:pic>
-      <p:pic>
-        <p:nvPicPr>
-          <p:cNvPr id="40" name="Grafika 39" descr="Baza danych">
-            <a:extLst>
-              <a:ext uri="{FF2B5EF4-FFF2-40B4-BE49-F238E27FC236}">
-                <a16:creationId xmlns:a16="http://schemas.microsoft.com/office/drawing/2014/main" id="{BD9550F6-DE5F-456C-A089-569F434E645C}"/>
-              </a:ext>
-            </a:extLst>
-          </p:cNvPr>
-          <p:cNvPicPr>
-            <a:picLocks noChangeAspect="1"/>
-          </p:cNvPicPr>
-          <p:nvPr/>
-        </p:nvPicPr>
-        <p:blipFill>
-          <a:blip r:embed="rId5">
-            <a:extLst>
-              <a:ext uri="{28A0092B-C50C-407E-A947-70E740481C1C}">
-                <a14:useLocalDpi xmlns:a14="http://schemas.microsoft.com/office/drawing/2010/main" val="0"/>
-              </a:ext>
-              <a:ext uri="{96DAC541-7B7A-43D3-8B79-37D633B846F1}">
-                <asvg:svgBlip xmlns:asvg="http://schemas.microsoft.com/office/drawing/2016/SVG/main" r:embed="rId6"/>
-              </a:ext>
-            </a:extLst>
-          </a:blip>
-          <a:stretch>
-            <a:fillRect/>
-          </a:stretch>
-        </p:blipFill>
-        <p:spPr>
-          <a:xfrm>
-            <a:off x="10307140" y="4981239"/>
-            <a:ext cx="1392064" cy="1078679"/>
-          </a:xfrm>
-          <a:prstGeom prst="rect">
-            <a:avLst/>
-          </a:prstGeom>
-        </p:spPr>
-      </p:pic>
+          <a:solidFill>
+            <a:schemeClr val="tx1"/>
+          </a:solidFill>
+        </p:grpSpPr>
+        <p:pic>
+          <p:nvPicPr>
+            <p:cNvPr id="38" name="Grafika 37" descr="Baza danych">
+              <a:extLst>
+                <a:ext uri="{FF2B5EF4-FFF2-40B4-BE49-F238E27FC236}">
+                  <a16:creationId xmlns:a16="http://schemas.microsoft.com/office/drawing/2014/main" id="{F4E90393-76FF-4E59-8A88-D3238E71AAA9}"/>
+                </a:ext>
+              </a:extLst>
+            </p:cNvPr>
+            <p:cNvPicPr>
+              <a:picLocks noChangeAspect="1"/>
+            </p:cNvPicPr>
+            <p:nvPr/>
+          </p:nvPicPr>
+          <p:blipFill>
+            <a:blip r:embed="rId5">
+              <a:extLst>
+                <a:ext uri="{28A0092B-C50C-407E-A947-70E740481C1C}">
+                  <a14:useLocalDpi xmlns:a14="http://schemas.microsoft.com/office/drawing/2010/main" val="0"/>
+                </a:ext>
+                <a:ext uri="{96DAC541-7B7A-43D3-8B79-37D633B846F1}">
+                  <asvg:svgBlip xmlns:asvg="http://schemas.microsoft.com/office/drawing/2016/SVG/main" r:embed="rId6"/>
+                </a:ext>
+              </a:extLst>
+            </a:blip>
+            <a:stretch>
+              <a:fillRect/>
+            </a:stretch>
+          </p:blipFill>
+          <p:spPr>
+            <a:xfrm>
+              <a:off x="10307140" y="2552083"/>
+              <a:ext cx="1392064" cy="1078679"/>
+            </a:xfrm>
+            <a:prstGeom prst="rect">
+              <a:avLst/>
+            </a:prstGeom>
+          </p:spPr>
+        </p:pic>
+        <p:pic>
+          <p:nvPicPr>
+            <p:cNvPr id="39" name="Grafika 38" descr="Baza danych">
+              <a:extLst>
+                <a:ext uri="{FF2B5EF4-FFF2-40B4-BE49-F238E27FC236}">
+                  <a16:creationId xmlns:a16="http://schemas.microsoft.com/office/drawing/2014/main" id="{3D974693-F6C5-4EBD-B6D8-DAEB9C441C82}"/>
+                </a:ext>
+              </a:extLst>
+            </p:cNvPr>
+            <p:cNvPicPr>
+              <a:picLocks noChangeAspect="1"/>
+            </p:cNvPicPr>
+            <p:nvPr/>
+          </p:nvPicPr>
+          <p:blipFill>
+            <a:blip r:embed="rId5">
+              <a:extLst>
+                <a:ext uri="{28A0092B-C50C-407E-A947-70E740481C1C}">
+                  <a14:useLocalDpi xmlns:a14="http://schemas.microsoft.com/office/drawing/2010/main" val="0"/>
+                </a:ext>
+                <a:ext uri="{96DAC541-7B7A-43D3-8B79-37D633B846F1}">
+                  <asvg:svgBlip xmlns:asvg="http://schemas.microsoft.com/office/drawing/2016/SVG/main" r:embed="rId6"/>
+                </a:ext>
+              </a:extLst>
+            </a:blip>
+            <a:stretch>
+              <a:fillRect/>
+            </a:stretch>
+          </p:blipFill>
+          <p:spPr>
+            <a:xfrm>
+              <a:off x="10307140" y="3740160"/>
+              <a:ext cx="1392064" cy="1078679"/>
+            </a:xfrm>
+            <a:prstGeom prst="rect">
+              <a:avLst/>
+            </a:prstGeom>
+          </p:spPr>
+        </p:pic>
+        <p:pic>
+          <p:nvPicPr>
+            <p:cNvPr id="40" name="Grafika 39" descr="Baza danych">
+              <a:extLst>
+                <a:ext uri="{FF2B5EF4-FFF2-40B4-BE49-F238E27FC236}">
+                  <a16:creationId xmlns:a16="http://schemas.microsoft.com/office/drawing/2014/main" id="{BD9550F6-DE5F-456C-A089-569F434E645C}"/>
+                </a:ext>
+              </a:extLst>
+            </p:cNvPr>
+            <p:cNvPicPr>
+              <a:picLocks noChangeAspect="1"/>
+            </p:cNvPicPr>
+            <p:nvPr/>
+          </p:nvPicPr>
+          <p:blipFill>
+            <a:blip r:embed="rId5">
+              <a:extLst>
+                <a:ext uri="{28A0092B-C50C-407E-A947-70E740481C1C}">
+                  <a14:useLocalDpi xmlns:a14="http://schemas.microsoft.com/office/drawing/2010/main" val="0"/>
+                </a:ext>
+                <a:ext uri="{96DAC541-7B7A-43D3-8B79-37D633B846F1}">
+                  <asvg:svgBlip xmlns:asvg="http://schemas.microsoft.com/office/drawing/2016/SVG/main" r:embed="rId6"/>
+                </a:ext>
+              </a:extLst>
+            </a:blip>
+            <a:stretch>
+              <a:fillRect/>
+            </a:stretch>
+          </p:blipFill>
+          <p:spPr>
+            <a:xfrm>
+              <a:off x="10307140" y="4981239"/>
+              <a:ext cx="1392064" cy="1078679"/>
+            </a:xfrm>
+            <a:prstGeom prst="rect">
+              <a:avLst/>
+            </a:prstGeom>
+          </p:spPr>
+        </p:pic>
+      </p:grpSp>
       <p:pic>
         <p:nvPicPr>
           <p:cNvPr id="41" name="Grafika 40" descr="Dokument">
@@ -7491,11 +7543,14 @@
         </p:nvGrpSpPr>
         <p:grpSpPr>
           <a:xfrm>
-            <a:off x="5362922" y="2927815"/>
+            <a:off x="5469428" y="3022524"/>
             <a:ext cx="1414442" cy="2880086"/>
             <a:chOff x="5361837" y="2683120"/>
             <a:chExt cx="1414442" cy="2880086"/>
           </a:xfrm>
+          <a:solidFill>
+            <a:schemeClr val="tx1"/>
+          </a:solidFill>
         </p:grpSpPr>
         <p:sp>
           <p:nvSpPr>
@@ -7517,9 +7572,7 @@
             <a:prstGeom prst="rect">
               <a:avLst/>
             </a:prstGeom>
-            <a:solidFill>
-              <a:schemeClr val="bg1"/>
-            </a:solidFill>
+            <a:grpFill/>
             <a:ln>
               <a:solidFill>
                 <a:srgbClr val="11CFD9"/>
@@ -7571,9 +7624,7 @@
             <a:prstGeom prst="rect">
               <a:avLst/>
             </a:prstGeom>
-            <a:solidFill>
-              <a:schemeClr val="bg1"/>
-            </a:solidFill>
+            <a:grpFill/>
             <a:ln>
               <a:solidFill>
                 <a:srgbClr val="11CFD9"/>
@@ -7625,9 +7676,7 @@
             <a:prstGeom prst="rect">
               <a:avLst/>
             </a:prstGeom>
-            <a:solidFill>
-              <a:schemeClr val="bg1"/>
-            </a:solidFill>
+            <a:grpFill/>
             <a:ln>
               <a:solidFill>
                 <a:srgbClr val="11CFD9"/>
@@ -7679,9 +7728,7 @@
             <a:prstGeom prst="rect">
               <a:avLst/>
             </a:prstGeom>
-            <a:solidFill>
-              <a:schemeClr val="bg1"/>
-            </a:solidFill>
+            <a:grpFill/>
             <a:ln>
               <a:solidFill>
                 <a:srgbClr val="11CFD9"/>
@@ -7733,9 +7780,7 @@
             <a:prstGeom prst="rect">
               <a:avLst/>
             </a:prstGeom>
-            <a:solidFill>
-              <a:schemeClr val="bg1"/>
-            </a:solidFill>
+            <a:grpFill/>
             <a:ln>
               <a:solidFill>
                 <a:srgbClr val="11CFD9"/>
@@ -7787,9 +7832,7 @@
             <a:prstGeom prst="rect">
               <a:avLst/>
             </a:prstGeom>
-            <a:solidFill>
-              <a:schemeClr val="bg1"/>
-            </a:solidFill>
+            <a:grpFill/>
             <a:ln>
               <a:solidFill>
                 <a:srgbClr val="11CFD9"/>
@@ -7841,9 +7884,7 @@
             <a:prstGeom prst="rect">
               <a:avLst/>
             </a:prstGeom>
-            <a:solidFill>
-              <a:schemeClr val="bg1"/>
-            </a:solidFill>
+            <a:grpFill/>
             <a:ln>
               <a:solidFill>
                 <a:srgbClr val="11CFD9"/>
@@ -7895,9 +7936,7 @@
             <a:prstGeom prst="rect">
               <a:avLst/>
             </a:prstGeom>
-            <a:solidFill>
-              <a:schemeClr val="bg1"/>
-            </a:solidFill>
+            <a:grpFill/>
             <a:ln>
               <a:solidFill>
                 <a:srgbClr val="11CFD9"/>
@@ -7949,9 +7988,7 @@
             <a:prstGeom prst="rect">
               <a:avLst/>
             </a:prstGeom>
-            <a:solidFill>
-              <a:schemeClr val="bg1"/>
-            </a:solidFill>
+            <a:grpFill/>
             <a:ln>
               <a:solidFill>
                 <a:srgbClr val="11CFD9"/>
@@ -8007,6 +8044,7 @@
             <a:prstGeom prst="bentConnector2">
               <a:avLst/>
             </a:prstGeom>
+            <a:grpFill/>
             <a:ln w="57150">
               <a:solidFill>
                 <a:schemeClr val="bg1"/>
@@ -8052,6 +8090,7 @@
             <a:prstGeom prst="bentConnector2">
               <a:avLst/>
             </a:prstGeom>
+            <a:grpFill/>
             <a:ln w="57150">
               <a:solidFill>
                 <a:schemeClr val="bg1"/>
@@ -8099,6 +8138,7 @@
                 <a:gd name="adj1" fmla="val 50000"/>
               </a:avLst>
             </a:prstGeom>
+            <a:grpFill/>
             <a:ln w="57150">
               <a:solidFill>
                 <a:schemeClr val="bg1"/>
@@ -8146,6 +8186,7 @@
                 <a:gd name="adj1" fmla="val -76211"/>
               </a:avLst>
             </a:prstGeom>
+            <a:grpFill/>
             <a:ln w="57150">
               <a:solidFill>
                 <a:schemeClr val="bg1"/>
@@ -8193,6 +8234,7 @@
                 <a:gd name="adj1" fmla="val -89026"/>
               </a:avLst>
             </a:prstGeom>
+            <a:grpFill/>
             <a:ln w="57150">
               <a:solidFill>
                 <a:schemeClr val="bg1"/>
@@ -8240,6 +8282,7 @@
                 <a:gd name="adj1" fmla="val 50000"/>
               </a:avLst>
             </a:prstGeom>
+            <a:grpFill/>
             <a:ln w="57150">
               <a:solidFill>
                 <a:schemeClr val="bg1"/>
@@ -8286,6 +8329,7 @@
                 <a:gd name="adj1" fmla="val 50000"/>
               </a:avLst>
             </a:prstGeom>
+            <a:grpFill/>
             <a:ln w="57150">
               <a:solidFill>
                 <a:schemeClr val="bg1"/>
@@ -8333,6 +8377,7 @@
                 <a:gd name="adj1" fmla="val 50000"/>
               </a:avLst>
             </a:prstGeom>
+            <a:grpFill/>
             <a:ln w="57150">
               <a:solidFill>
                 <a:schemeClr val="bg1"/>
@@ -8378,6 +8423,7 @@
             <a:prstGeom prst="bentConnector2">
               <a:avLst/>
             </a:prstGeom>
+            <a:grpFill/>
             <a:ln w="57150">
               <a:solidFill>
                 <a:schemeClr val="bg1"/>
@@ -8425,6 +8471,7 @@
                 <a:gd name="adj1" fmla="val -56552"/>
               </a:avLst>
             </a:prstGeom>
+            <a:grpFill/>
             <a:ln w="57150">
               <a:solidFill>
                 <a:schemeClr val="bg1"/>
@@ -8466,6 +8513,9 @@
             <a:chOff x="7782131" y="3091423"/>
             <a:chExt cx="1694317" cy="1716432"/>
           </a:xfrm>
+          <a:solidFill>
+            <a:schemeClr val="tx1"/>
+          </a:solidFill>
         </p:grpSpPr>
         <p:sp>
           <p:nvSpPr>
@@ -8487,9 +8537,7 @@
             <a:prstGeom prst="rect">
               <a:avLst/>
             </a:prstGeom>
-            <a:solidFill>
-              <a:schemeClr val="bg1"/>
-            </a:solidFill>
+            <a:grpFill/>
             <a:ln>
               <a:solidFill>
                 <a:srgbClr val="11CFD9"/>
@@ -8541,9 +8589,7 @@
             <a:prstGeom prst="rect">
               <a:avLst/>
             </a:prstGeom>
-            <a:solidFill>
-              <a:schemeClr val="bg1"/>
-            </a:solidFill>
+            <a:grpFill/>
             <a:ln>
               <a:solidFill>
                 <a:srgbClr val="11CFD9"/>
@@ -8595,9 +8641,7 @@
             <a:prstGeom prst="rect">
               <a:avLst/>
             </a:prstGeom>
-            <a:solidFill>
-              <a:schemeClr val="bg1"/>
-            </a:solidFill>
+            <a:grpFill/>
             <a:ln>
               <a:solidFill>
                 <a:srgbClr val="11CFD9"/>
@@ -8649,9 +8693,7 @@
             <a:prstGeom prst="rect">
               <a:avLst/>
             </a:prstGeom>
-            <a:solidFill>
-              <a:schemeClr val="bg1"/>
-            </a:solidFill>
+            <a:grpFill/>
             <a:ln>
               <a:solidFill>
                 <a:srgbClr val="11CFD9"/>
@@ -8703,9 +8745,7 @@
             <a:prstGeom prst="rect">
               <a:avLst/>
             </a:prstGeom>
-            <a:solidFill>
-              <a:schemeClr val="bg1"/>
-            </a:solidFill>
+            <a:grpFill/>
             <a:ln>
               <a:solidFill>
                 <a:srgbClr val="11CFD9"/>
@@ -8757,9 +8797,7 @@
             <a:prstGeom prst="rect">
               <a:avLst/>
             </a:prstGeom>
-            <a:solidFill>
-              <a:schemeClr val="bg1"/>
-            </a:solidFill>
+            <a:grpFill/>
             <a:ln>
               <a:solidFill>
                 <a:srgbClr val="11CFD9"/>
@@ -8811,9 +8849,7 @@
             <a:prstGeom prst="rect">
               <a:avLst/>
             </a:prstGeom>
-            <a:solidFill>
-              <a:schemeClr val="bg1"/>
-            </a:solidFill>
+            <a:grpFill/>
             <a:ln>
               <a:solidFill>
                 <a:srgbClr val="11CFD9"/>
@@ -8868,6 +8904,7 @@
             <a:prstGeom prst="line">
               <a:avLst/>
             </a:prstGeom>
+            <a:grpFill/>
             <a:ln w="57150">
               <a:solidFill>
                 <a:schemeClr val="bg1"/>
@@ -8913,6 +8950,7 @@
             <a:prstGeom prst="line">
               <a:avLst/>
             </a:prstGeom>
+            <a:grpFill/>
             <a:ln w="57150">
               <a:solidFill>
                 <a:schemeClr val="bg1"/>
@@ -8958,6 +8996,7 @@
             <a:prstGeom prst="line">
               <a:avLst/>
             </a:prstGeom>
+            <a:grpFill/>
             <a:ln w="57150">
               <a:solidFill>
                 <a:schemeClr val="bg1"/>
@@ -9003,6 +9042,7 @@
             <a:prstGeom prst="line">
               <a:avLst/>
             </a:prstGeom>
+            <a:grpFill/>
             <a:ln w="57150">
               <a:solidFill>
                 <a:schemeClr val="bg1"/>
@@ -9048,6 +9088,7 @@
             <a:prstGeom prst="line">
               <a:avLst/>
             </a:prstGeom>
+            <a:grpFill/>
             <a:ln w="57150">
               <a:solidFill>
                 <a:schemeClr val="bg1"/>
@@ -9093,6 +9134,7 @@
             <a:prstGeom prst="line">
               <a:avLst/>
             </a:prstGeom>
+            <a:grpFill/>
             <a:ln w="57150">
               <a:solidFill>
                 <a:schemeClr val="bg1"/>
@@ -9129,7 +9171,7 @@
         </p:nvSpPr>
         <p:spPr>
           <a:xfrm>
-            <a:off x="4863271" y="1332386"/>
+            <a:off x="4969349" y="1332386"/>
             <a:ext cx="2460515" cy="1323439"/>
           </a:xfrm>
           <a:prstGeom prst="rect">
@@ -9932,6 +9974,1296 @@
           </p:txBody>
         </p:sp>
       </p:grpSp>
+      <p:pic>
+        <p:nvPicPr>
+          <p:cNvPr id="67" name="Grafika 66" descr="Tabela">
+            <a:extLst>
+              <a:ext uri="{FF2B5EF4-FFF2-40B4-BE49-F238E27FC236}">
+                <a16:creationId xmlns:a16="http://schemas.microsoft.com/office/drawing/2014/main" id="{33D0B949-E9A5-4604-9B88-D524E9E5325E}"/>
+              </a:ext>
+            </a:extLst>
+          </p:cNvPr>
+          <p:cNvPicPr>
+            <a:picLocks noChangeAspect="1"/>
+          </p:cNvPicPr>
+          <p:nvPr/>
+        </p:nvPicPr>
+        <p:blipFill>
+          <a:blip r:embed="rId23">
+            <a:extLst>
+              <a:ext uri="{28A0092B-C50C-407E-A947-70E740481C1C}">
+                <a14:useLocalDpi xmlns:a14="http://schemas.microsoft.com/office/drawing/2010/main" val="0"/>
+              </a:ext>
+              <a:ext uri="{96DAC541-7B7A-43D3-8B79-37D633B846F1}">
+                <asvg:svgBlip xmlns:asvg="http://schemas.microsoft.com/office/drawing/2016/SVG/main" r:embed="rId24"/>
+              </a:ext>
+            </a:extLst>
+          </a:blip>
+          <a:stretch>
+            <a:fillRect/>
+          </a:stretch>
+        </p:blipFill>
+        <p:spPr>
+          <a:xfrm>
+            <a:off x="414979" y="5107260"/>
+            <a:ext cx="914400" cy="914400"/>
+          </a:xfrm>
+          <a:prstGeom prst="rect">
+            <a:avLst/>
+          </a:prstGeom>
+        </p:spPr>
+      </p:pic>
+      <p:pic>
+        <p:nvPicPr>
+          <p:cNvPr id="68" name="Grafika 67" descr="Baza danych">
+            <a:extLst>
+              <a:ext uri="{FF2B5EF4-FFF2-40B4-BE49-F238E27FC236}">
+                <a16:creationId xmlns:a16="http://schemas.microsoft.com/office/drawing/2014/main" id="{2441C732-AF70-4CCF-B852-6931C9C1AD3B}"/>
+              </a:ext>
+            </a:extLst>
+          </p:cNvPr>
+          <p:cNvPicPr>
+            <a:picLocks noChangeAspect="1"/>
+          </p:cNvPicPr>
+          <p:nvPr/>
+        </p:nvPicPr>
+        <p:blipFill>
+          <a:blip r:embed="rId25">
+            <a:extLst>
+              <a:ext uri="{28A0092B-C50C-407E-A947-70E740481C1C}">
+                <a14:useLocalDpi xmlns:a14="http://schemas.microsoft.com/office/drawing/2010/main" val="0"/>
+              </a:ext>
+              <a:ext uri="{96DAC541-7B7A-43D3-8B79-37D633B846F1}">
+                <asvg:svgBlip xmlns:asvg="http://schemas.microsoft.com/office/drawing/2016/SVG/main" r:embed="rId26"/>
+              </a:ext>
+            </a:extLst>
+          </a:blip>
+          <a:stretch>
+            <a:fillRect/>
+          </a:stretch>
+        </p:blipFill>
+        <p:spPr>
+          <a:xfrm>
+            <a:off x="1544243" y="5095031"/>
+            <a:ext cx="914400" cy="914400"/>
+          </a:xfrm>
+          <a:prstGeom prst="rect">
+            <a:avLst/>
+          </a:prstGeom>
+        </p:spPr>
+      </p:pic>
+      <p:grpSp>
+        <p:nvGrpSpPr>
+          <p:cNvPr id="70" name="Grupa 69">
+            <a:extLst>
+              <a:ext uri="{FF2B5EF4-FFF2-40B4-BE49-F238E27FC236}">
+                <a16:creationId xmlns:a16="http://schemas.microsoft.com/office/drawing/2014/main" id="{271027F8-5F12-46A6-80B0-0B42364705E6}"/>
+              </a:ext>
+            </a:extLst>
+          </p:cNvPr>
+          <p:cNvGrpSpPr/>
+          <p:nvPr/>
+        </p:nvGrpSpPr>
+        <p:grpSpPr>
+          <a:xfrm>
+            <a:off x="3347843" y="3214166"/>
+            <a:ext cx="1099932" cy="1640099"/>
+            <a:chOff x="3288515" y="3229776"/>
+            <a:chExt cx="1099932" cy="1640099"/>
+          </a:xfrm>
+        </p:grpSpPr>
+        <p:sp>
+          <p:nvSpPr>
+            <p:cNvPr id="71" name="Schemat blokowy: dysk magnetyczny 70">
+              <a:extLst>
+                <a:ext uri="{FF2B5EF4-FFF2-40B4-BE49-F238E27FC236}">
+                  <a16:creationId xmlns:a16="http://schemas.microsoft.com/office/drawing/2014/main" id="{F7A79E6E-A28F-416B-A358-C20FA0D03822}"/>
+                </a:ext>
+              </a:extLst>
+            </p:cNvPr>
+            <p:cNvSpPr/>
+            <p:nvPr/>
+          </p:nvSpPr>
+          <p:spPr>
+            <a:xfrm>
+              <a:off x="3288515" y="3229776"/>
+              <a:ext cx="1099931" cy="410818"/>
+            </a:xfrm>
+            <a:prstGeom prst="flowChartMagneticDisk">
+              <a:avLst/>
+            </a:prstGeom>
+            <a:ln>
+              <a:solidFill>
+                <a:srgbClr val="11CFD9"/>
+              </a:solidFill>
+            </a:ln>
+          </p:spPr>
+          <p:style>
+            <a:lnRef idx="2">
+              <a:schemeClr val="accent6"/>
+            </a:lnRef>
+            <a:fillRef idx="1">
+              <a:schemeClr val="lt1"/>
+            </a:fillRef>
+            <a:effectRef idx="0">
+              <a:schemeClr val="accent6"/>
+            </a:effectRef>
+            <a:fontRef idx="minor">
+              <a:schemeClr val="dk1"/>
+            </a:fontRef>
+          </p:style>
+          <p:txBody>
+            <a:bodyPr rtlCol="0" anchor="ctr"/>
+            <a:lstStyle/>
+            <a:p>
+              <a:pPr algn="ctr"/>
+              <a:endParaRPr lang="pl-PL"/>
+            </a:p>
+          </p:txBody>
+        </p:sp>
+        <p:sp>
+          <p:nvSpPr>
+            <p:cNvPr id="72" name="Schemat blokowy: dysk magnetyczny 71">
+              <a:extLst>
+                <a:ext uri="{FF2B5EF4-FFF2-40B4-BE49-F238E27FC236}">
+                  <a16:creationId xmlns:a16="http://schemas.microsoft.com/office/drawing/2014/main" id="{8649FECE-786C-4E4B-B03B-369C9A39FFF4}"/>
+                </a:ext>
+              </a:extLst>
+            </p:cNvPr>
+            <p:cNvSpPr/>
+            <p:nvPr/>
+          </p:nvSpPr>
+          <p:spPr>
+            <a:xfrm>
+              <a:off x="3288516" y="3854863"/>
+              <a:ext cx="1099931" cy="410818"/>
+            </a:xfrm>
+            <a:prstGeom prst="flowChartMagneticDisk">
+              <a:avLst/>
+            </a:prstGeom>
+            <a:ln>
+              <a:solidFill>
+                <a:srgbClr val="11CFD9"/>
+              </a:solidFill>
+            </a:ln>
+          </p:spPr>
+          <p:style>
+            <a:lnRef idx="2">
+              <a:schemeClr val="accent6"/>
+            </a:lnRef>
+            <a:fillRef idx="1">
+              <a:schemeClr val="lt1"/>
+            </a:fillRef>
+            <a:effectRef idx="0">
+              <a:schemeClr val="accent6"/>
+            </a:effectRef>
+            <a:fontRef idx="minor">
+              <a:schemeClr val="dk1"/>
+            </a:fontRef>
+          </p:style>
+          <p:txBody>
+            <a:bodyPr rtlCol="0" anchor="ctr"/>
+            <a:lstStyle/>
+            <a:p>
+              <a:pPr algn="ctr"/>
+              <a:endParaRPr lang="pl-PL"/>
+            </a:p>
+          </p:txBody>
+        </p:sp>
+        <p:sp>
+          <p:nvSpPr>
+            <p:cNvPr id="73" name="Schemat blokowy: dysk magnetyczny 72">
+              <a:extLst>
+                <a:ext uri="{FF2B5EF4-FFF2-40B4-BE49-F238E27FC236}">
+                  <a16:creationId xmlns:a16="http://schemas.microsoft.com/office/drawing/2014/main" id="{0FEF7AAE-F2A1-4764-A8E2-46ED88521D7C}"/>
+                </a:ext>
+              </a:extLst>
+            </p:cNvPr>
+            <p:cNvSpPr/>
+            <p:nvPr/>
+          </p:nvSpPr>
+          <p:spPr>
+            <a:xfrm>
+              <a:off x="3288516" y="4459057"/>
+              <a:ext cx="1099931" cy="410818"/>
+            </a:xfrm>
+            <a:prstGeom prst="flowChartMagneticDisk">
+              <a:avLst/>
+            </a:prstGeom>
+            <a:ln>
+              <a:solidFill>
+                <a:srgbClr val="11CFD9"/>
+              </a:solidFill>
+            </a:ln>
+          </p:spPr>
+          <p:style>
+            <a:lnRef idx="2">
+              <a:schemeClr val="accent6"/>
+            </a:lnRef>
+            <a:fillRef idx="1">
+              <a:schemeClr val="lt1"/>
+            </a:fillRef>
+            <a:effectRef idx="0">
+              <a:schemeClr val="accent6"/>
+            </a:effectRef>
+            <a:fontRef idx="minor">
+              <a:schemeClr val="dk1"/>
+            </a:fontRef>
+          </p:style>
+          <p:txBody>
+            <a:bodyPr rtlCol="0" anchor="ctr"/>
+            <a:lstStyle/>
+            <a:p>
+              <a:pPr algn="ctr"/>
+              <a:endParaRPr lang="pl-PL"/>
+            </a:p>
+          </p:txBody>
+        </p:sp>
+      </p:grpSp>
+      <p:grpSp>
+        <p:nvGrpSpPr>
+          <p:cNvPr id="7" name="Grupa 6">
+            <a:extLst>
+              <a:ext uri="{FF2B5EF4-FFF2-40B4-BE49-F238E27FC236}">
+                <a16:creationId xmlns:a16="http://schemas.microsoft.com/office/drawing/2014/main" id="{5FF541F3-896A-4C0C-86A9-5B89587AD1CB}"/>
+              </a:ext>
+            </a:extLst>
+          </p:cNvPr>
+          <p:cNvGrpSpPr/>
+          <p:nvPr/>
+        </p:nvGrpSpPr>
+        <p:grpSpPr>
+          <a:xfrm>
+            <a:off x="5409226" y="2956375"/>
+            <a:ext cx="1414442" cy="2880086"/>
+            <a:chOff x="9122168" y="332138"/>
+            <a:chExt cx="1414442" cy="2880086"/>
+          </a:xfrm>
+        </p:grpSpPr>
+        <p:sp>
+          <p:nvSpPr>
+            <p:cNvPr id="76" name="Prostokąt 75">
+              <a:extLst>
+                <a:ext uri="{FF2B5EF4-FFF2-40B4-BE49-F238E27FC236}">
+                  <a16:creationId xmlns:a16="http://schemas.microsoft.com/office/drawing/2014/main" id="{D8F69916-7D4F-4D8C-92E9-B91B1A5DD592}"/>
+                </a:ext>
+              </a:extLst>
+            </p:cNvPr>
+            <p:cNvSpPr/>
+            <p:nvPr/>
+          </p:nvSpPr>
+          <p:spPr>
+            <a:xfrm>
+              <a:off x="9266985" y="1009407"/>
+              <a:ext cx="357809" cy="326866"/>
+            </a:xfrm>
+            <a:prstGeom prst="rect">
+              <a:avLst/>
+            </a:prstGeom>
+            <a:solidFill>
+              <a:schemeClr val="bg1"/>
+            </a:solidFill>
+            <a:ln>
+              <a:solidFill>
+                <a:srgbClr val="11CFD9"/>
+              </a:solidFill>
+            </a:ln>
+          </p:spPr>
+          <p:style>
+            <a:lnRef idx="2">
+              <a:schemeClr val="accent1">
+                <a:shade val="50000"/>
+              </a:schemeClr>
+            </a:lnRef>
+            <a:fillRef idx="1">
+              <a:schemeClr val="accent1"/>
+            </a:fillRef>
+            <a:effectRef idx="0">
+              <a:schemeClr val="accent1"/>
+            </a:effectRef>
+            <a:fontRef idx="minor">
+              <a:schemeClr val="lt1"/>
+            </a:fontRef>
+          </p:style>
+          <p:txBody>
+            <a:bodyPr rtlCol="0" anchor="ctr"/>
+            <a:lstStyle/>
+            <a:p>
+              <a:pPr algn="ctr"/>
+              <a:endParaRPr lang="pl-PL"/>
+            </a:p>
+          </p:txBody>
+        </p:sp>
+        <p:sp>
+          <p:nvSpPr>
+            <p:cNvPr id="77" name="Prostokąt 76">
+              <a:extLst>
+                <a:ext uri="{FF2B5EF4-FFF2-40B4-BE49-F238E27FC236}">
+                  <a16:creationId xmlns:a16="http://schemas.microsoft.com/office/drawing/2014/main" id="{A495CE9F-2055-40BD-B03F-92B755FBAD3E}"/>
+                </a:ext>
+              </a:extLst>
+            </p:cNvPr>
+            <p:cNvSpPr/>
+            <p:nvPr/>
+          </p:nvSpPr>
+          <p:spPr>
+            <a:xfrm>
+              <a:off x="9566942" y="1601652"/>
+              <a:ext cx="357809" cy="326866"/>
+            </a:xfrm>
+            <a:prstGeom prst="rect">
+              <a:avLst/>
+            </a:prstGeom>
+            <a:solidFill>
+              <a:schemeClr val="bg1"/>
+            </a:solidFill>
+            <a:ln>
+              <a:solidFill>
+                <a:srgbClr val="11CFD9"/>
+              </a:solidFill>
+            </a:ln>
+          </p:spPr>
+          <p:style>
+            <a:lnRef idx="2">
+              <a:schemeClr val="accent1">
+                <a:shade val="50000"/>
+              </a:schemeClr>
+            </a:lnRef>
+            <a:fillRef idx="1">
+              <a:schemeClr val="accent1"/>
+            </a:fillRef>
+            <a:effectRef idx="0">
+              <a:schemeClr val="accent1"/>
+            </a:effectRef>
+            <a:fontRef idx="minor">
+              <a:schemeClr val="lt1"/>
+            </a:fontRef>
+          </p:style>
+          <p:txBody>
+            <a:bodyPr rtlCol="0" anchor="ctr"/>
+            <a:lstStyle/>
+            <a:p>
+              <a:pPr algn="ctr"/>
+              <a:endParaRPr lang="pl-PL"/>
+            </a:p>
+          </p:txBody>
+        </p:sp>
+        <p:sp>
+          <p:nvSpPr>
+            <p:cNvPr id="78" name="Prostokąt 77">
+              <a:extLst>
+                <a:ext uri="{FF2B5EF4-FFF2-40B4-BE49-F238E27FC236}">
+                  <a16:creationId xmlns:a16="http://schemas.microsoft.com/office/drawing/2014/main" id="{D4E1B9A1-ACA6-4942-922F-F4BB2D02CA9C}"/>
+                </a:ext>
+              </a:extLst>
+            </p:cNvPr>
+            <p:cNvSpPr/>
+            <p:nvPr/>
+          </p:nvSpPr>
+          <p:spPr>
+            <a:xfrm>
+              <a:off x="9445889" y="332138"/>
+              <a:ext cx="357809" cy="326866"/>
+            </a:xfrm>
+            <a:prstGeom prst="rect">
+              <a:avLst/>
+            </a:prstGeom>
+            <a:solidFill>
+              <a:schemeClr val="bg1"/>
+            </a:solidFill>
+            <a:ln>
+              <a:solidFill>
+                <a:srgbClr val="11CFD9"/>
+              </a:solidFill>
+            </a:ln>
+          </p:spPr>
+          <p:style>
+            <a:lnRef idx="2">
+              <a:schemeClr val="accent1">
+                <a:shade val="50000"/>
+              </a:schemeClr>
+            </a:lnRef>
+            <a:fillRef idx="1">
+              <a:schemeClr val="accent1"/>
+            </a:fillRef>
+            <a:effectRef idx="0">
+              <a:schemeClr val="accent1"/>
+            </a:effectRef>
+            <a:fontRef idx="minor">
+              <a:schemeClr val="lt1"/>
+            </a:fontRef>
+          </p:style>
+          <p:txBody>
+            <a:bodyPr rtlCol="0" anchor="ctr"/>
+            <a:lstStyle/>
+            <a:p>
+              <a:pPr algn="ctr"/>
+              <a:endParaRPr lang="pl-PL"/>
+            </a:p>
+          </p:txBody>
+        </p:sp>
+        <p:sp>
+          <p:nvSpPr>
+            <p:cNvPr id="79" name="Prostokąt 78">
+              <a:extLst>
+                <a:ext uri="{FF2B5EF4-FFF2-40B4-BE49-F238E27FC236}">
+                  <a16:creationId xmlns:a16="http://schemas.microsoft.com/office/drawing/2014/main" id="{F11B1931-49F8-45D3-9CFC-F2630FEEC0D7}"/>
+                </a:ext>
+              </a:extLst>
+            </p:cNvPr>
+            <p:cNvSpPr/>
+            <p:nvPr/>
+          </p:nvSpPr>
+          <p:spPr>
+            <a:xfrm>
+              <a:off x="9122168" y="2172488"/>
+              <a:ext cx="357809" cy="326866"/>
+            </a:xfrm>
+            <a:prstGeom prst="rect">
+              <a:avLst/>
+            </a:prstGeom>
+            <a:solidFill>
+              <a:schemeClr val="bg1"/>
+            </a:solidFill>
+            <a:ln>
+              <a:solidFill>
+                <a:srgbClr val="11CFD9"/>
+              </a:solidFill>
+            </a:ln>
+          </p:spPr>
+          <p:style>
+            <a:lnRef idx="2">
+              <a:schemeClr val="accent1">
+                <a:shade val="50000"/>
+              </a:schemeClr>
+            </a:lnRef>
+            <a:fillRef idx="1">
+              <a:schemeClr val="accent1"/>
+            </a:fillRef>
+            <a:effectRef idx="0">
+              <a:schemeClr val="accent1"/>
+            </a:effectRef>
+            <a:fontRef idx="minor">
+              <a:schemeClr val="lt1"/>
+            </a:fontRef>
+          </p:style>
+          <p:txBody>
+            <a:bodyPr rtlCol="0" anchor="ctr"/>
+            <a:lstStyle/>
+            <a:p>
+              <a:pPr algn="ctr"/>
+              <a:endParaRPr lang="pl-PL"/>
+            </a:p>
+          </p:txBody>
+        </p:sp>
+        <p:sp>
+          <p:nvSpPr>
+            <p:cNvPr id="80" name="Prostokąt 79">
+              <a:extLst>
+                <a:ext uri="{FF2B5EF4-FFF2-40B4-BE49-F238E27FC236}">
+                  <a16:creationId xmlns:a16="http://schemas.microsoft.com/office/drawing/2014/main" id="{7409F0D1-6A0F-4F00-A049-13AB11631AB3}"/>
+                </a:ext>
+              </a:extLst>
+            </p:cNvPr>
+            <p:cNvSpPr/>
+            <p:nvPr/>
+          </p:nvSpPr>
+          <p:spPr>
+            <a:xfrm>
+              <a:off x="10126918" y="1610371"/>
+              <a:ext cx="357809" cy="326866"/>
+            </a:xfrm>
+            <a:prstGeom prst="rect">
+              <a:avLst/>
+            </a:prstGeom>
+            <a:solidFill>
+              <a:schemeClr val="bg1"/>
+            </a:solidFill>
+            <a:ln>
+              <a:solidFill>
+                <a:srgbClr val="11CFD9"/>
+              </a:solidFill>
+            </a:ln>
+          </p:spPr>
+          <p:style>
+            <a:lnRef idx="2">
+              <a:schemeClr val="accent1">
+                <a:shade val="50000"/>
+              </a:schemeClr>
+            </a:lnRef>
+            <a:fillRef idx="1">
+              <a:schemeClr val="accent1"/>
+            </a:fillRef>
+            <a:effectRef idx="0">
+              <a:schemeClr val="accent1"/>
+            </a:effectRef>
+            <a:fontRef idx="minor">
+              <a:schemeClr val="lt1"/>
+            </a:fontRef>
+          </p:style>
+          <p:txBody>
+            <a:bodyPr rtlCol="0" anchor="ctr"/>
+            <a:lstStyle/>
+            <a:p>
+              <a:pPr algn="ctr"/>
+              <a:endParaRPr lang="pl-PL"/>
+            </a:p>
+          </p:txBody>
+        </p:sp>
+        <p:sp>
+          <p:nvSpPr>
+            <p:cNvPr id="86" name="Prostokąt 85">
+              <a:extLst>
+                <a:ext uri="{FF2B5EF4-FFF2-40B4-BE49-F238E27FC236}">
+                  <a16:creationId xmlns:a16="http://schemas.microsoft.com/office/drawing/2014/main" id="{F10ECC03-CF97-448C-8F9B-99FAC1A09EFF}"/>
+                </a:ext>
+              </a:extLst>
+            </p:cNvPr>
+            <p:cNvSpPr/>
+            <p:nvPr/>
+          </p:nvSpPr>
+          <p:spPr>
+            <a:xfrm>
+              <a:off x="9800635" y="2260985"/>
+              <a:ext cx="357809" cy="326866"/>
+            </a:xfrm>
+            <a:prstGeom prst="rect">
+              <a:avLst/>
+            </a:prstGeom>
+            <a:solidFill>
+              <a:schemeClr val="bg1"/>
+            </a:solidFill>
+            <a:ln>
+              <a:solidFill>
+                <a:srgbClr val="11CFD9"/>
+              </a:solidFill>
+            </a:ln>
+          </p:spPr>
+          <p:style>
+            <a:lnRef idx="2">
+              <a:schemeClr val="accent1">
+                <a:shade val="50000"/>
+              </a:schemeClr>
+            </a:lnRef>
+            <a:fillRef idx="1">
+              <a:schemeClr val="accent1"/>
+            </a:fillRef>
+            <a:effectRef idx="0">
+              <a:schemeClr val="accent1"/>
+            </a:effectRef>
+            <a:fontRef idx="minor">
+              <a:schemeClr val="lt1"/>
+            </a:fontRef>
+          </p:style>
+          <p:txBody>
+            <a:bodyPr rtlCol="0" anchor="ctr"/>
+            <a:lstStyle/>
+            <a:p>
+              <a:pPr algn="ctr"/>
+              <a:endParaRPr lang="pl-PL"/>
+            </a:p>
+          </p:txBody>
+        </p:sp>
+        <p:sp>
+          <p:nvSpPr>
+            <p:cNvPr id="87" name="Prostokąt 86">
+              <a:extLst>
+                <a:ext uri="{FF2B5EF4-FFF2-40B4-BE49-F238E27FC236}">
+                  <a16:creationId xmlns:a16="http://schemas.microsoft.com/office/drawing/2014/main" id="{1725FA7D-6116-4336-812B-FD45FE305797}"/>
+                </a:ext>
+              </a:extLst>
+            </p:cNvPr>
+            <p:cNvSpPr/>
+            <p:nvPr/>
+          </p:nvSpPr>
+          <p:spPr>
+            <a:xfrm>
+              <a:off x="10057414" y="772514"/>
+              <a:ext cx="357809" cy="326866"/>
+            </a:xfrm>
+            <a:prstGeom prst="rect">
+              <a:avLst/>
+            </a:prstGeom>
+            <a:solidFill>
+              <a:schemeClr val="bg1"/>
+            </a:solidFill>
+            <a:ln>
+              <a:solidFill>
+                <a:srgbClr val="11CFD9"/>
+              </a:solidFill>
+            </a:ln>
+          </p:spPr>
+          <p:style>
+            <a:lnRef idx="2">
+              <a:schemeClr val="accent1">
+                <a:shade val="50000"/>
+              </a:schemeClr>
+            </a:lnRef>
+            <a:fillRef idx="1">
+              <a:schemeClr val="accent1"/>
+            </a:fillRef>
+            <a:effectRef idx="0">
+              <a:schemeClr val="accent1"/>
+            </a:effectRef>
+            <a:fontRef idx="minor">
+              <a:schemeClr val="lt1"/>
+            </a:fontRef>
+          </p:style>
+          <p:txBody>
+            <a:bodyPr rtlCol="0" anchor="ctr"/>
+            <a:lstStyle/>
+            <a:p>
+              <a:pPr algn="ctr"/>
+              <a:endParaRPr lang="pl-PL"/>
+            </a:p>
+          </p:txBody>
+        </p:sp>
+        <p:sp>
+          <p:nvSpPr>
+            <p:cNvPr id="88" name="Prostokąt 87">
+              <a:extLst>
+                <a:ext uri="{FF2B5EF4-FFF2-40B4-BE49-F238E27FC236}">
+                  <a16:creationId xmlns:a16="http://schemas.microsoft.com/office/drawing/2014/main" id="{AFB93E66-B231-4DD4-B5D4-2DDA56D50050}"/>
+                </a:ext>
+              </a:extLst>
+            </p:cNvPr>
+            <p:cNvSpPr/>
+            <p:nvPr/>
+          </p:nvSpPr>
+          <p:spPr>
+            <a:xfrm>
+              <a:off x="9414092" y="2885358"/>
+              <a:ext cx="357809" cy="326866"/>
+            </a:xfrm>
+            <a:prstGeom prst="rect">
+              <a:avLst/>
+            </a:prstGeom>
+            <a:solidFill>
+              <a:schemeClr val="bg1"/>
+            </a:solidFill>
+            <a:ln>
+              <a:solidFill>
+                <a:srgbClr val="11CFD9"/>
+              </a:solidFill>
+            </a:ln>
+          </p:spPr>
+          <p:style>
+            <a:lnRef idx="2">
+              <a:schemeClr val="accent1">
+                <a:shade val="50000"/>
+              </a:schemeClr>
+            </a:lnRef>
+            <a:fillRef idx="1">
+              <a:schemeClr val="accent1"/>
+            </a:fillRef>
+            <a:effectRef idx="0">
+              <a:schemeClr val="accent1"/>
+            </a:effectRef>
+            <a:fontRef idx="minor">
+              <a:schemeClr val="lt1"/>
+            </a:fontRef>
+          </p:style>
+          <p:txBody>
+            <a:bodyPr rtlCol="0" anchor="ctr"/>
+            <a:lstStyle/>
+            <a:p>
+              <a:pPr algn="ctr"/>
+              <a:endParaRPr lang="pl-PL"/>
+            </a:p>
+          </p:txBody>
+        </p:sp>
+        <p:sp>
+          <p:nvSpPr>
+            <p:cNvPr id="89" name="Prostokąt 88">
+              <a:extLst>
+                <a:ext uri="{FF2B5EF4-FFF2-40B4-BE49-F238E27FC236}">
+                  <a16:creationId xmlns:a16="http://schemas.microsoft.com/office/drawing/2014/main" id="{7744DE60-F394-4FC7-B578-AF723B06E50E}"/>
+                </a:ext>
+              </a:extLst>
+            </p:cNvPr>
+            <p:cNvSpPr/>
+            <p:nvPr/>
+          </p:nvSpPr>
+          <p:spPr>
+            <a:xfrm>
+              <a:off x="10178801" y="2665217"/>
+              <a:ext cx="357809" cy="326866"/>
+            </a:xfrm>
+            <a:prstGeom prst="rect">
+              <a:avLst/>
+            </a:prstGeom>
+            <a:solidFill>
+              <a:schemeClr val="bg1"/>
+            </a:solidFill>
+            <a:ln>
+              <a:solidFill>
+                <a:srgbClr val="11CFD9"/>
+              </a:solidFill>
+            </a:ln>
+          </p:spPr>
+          <p:style>
+            <a:lnRef idx="2">
+              <a:schemeClr val="accent1">
+                <a:shade val="50000"/>
+              </a:schemeClr>
+            </a:lnRef>
+            <a:fillRef idx="1">
+              <a:schemeClr val="accent1"/>
+            </a:fillRef>
+            <a:effectRef idx="0">
+              <a:schemeClr val="accent1"/>
+            </a:effectRef>
+            <a:fontRef idx="minor">
+              <a:schemeClr val="lt1"/>
+            </a:fontRef>
+          </p:style>
+          <p:txBody>
+            <a:bodyPr rtlCol="0" anchor="ctr"/>
+            <a:lstStyle/>
+            <a:p>
+              <a:pPr algn="ctr"/>
+              <a:endParaRPr lang="pl-PL"/>
+            </a:p>
+          </p:txBody>
+        </p:sp>
+      </p:grpSp>
+      <p:grpSp>
+        <p:nvGrpSpPr>
+          <p:cNvPr id="13" name="Grupa 12">
+            <a:extLst>
+              <a:ext uri="{FF2B5EF4-FFF2-40B4-BE49-F238E27FC236}">
+                <a16:creationId xmlns:a16="http://schemas.microsoft.com/office/drawing/2014/main" id="{A180D7DC-15DC-4A98-85B0-AF9680CDC7FC}"/>
+              </a:ext>
+            </a:extLst>
+          </p:cNvPr>
+          <p:cNvGrpSpPr/>
+          <p:nvPr/>
+        </p:nvGrpSpPr>
+        <p:grpSpPr>
+          <a:xfrm>
+            <a:off x="7755814" y="3367202"/>
+            <a:ext cx="1694317" cy="1716432"/>
+            <a:chOff x="9118398" y="303118"/>
+            <a:chExt cx="1694317" cy="1716432"/>
+          </a:xfrm>
+        </p:grpSpPr>
+        <p:sp>
+          <p:nvSpPr>
+            <p:cNvPr id="102" name="Prostokąt 101">
+              <a:extLst>
+                <a:ext uri="{FF2B5EF4-FFF2-40B4-BE49-F238E27FC236}">
+                  <a16:creationId xmlns:a16="http://schemas.microsoft.com/office/drawing/2014/main" id="{4F6D4EBE-F22B-418F-A2A2-A06B40085573}"/>
+                </a:ext>
+              </a:extLst>
+            </p:cNvPr>
+            <p:cNvSpPr/>
+            <p:nvPr/>
+          </p:nvSpPr>
+          <p:spPr>
+            <a:xfrm>
+              <a:off x="9297302" y="335191"/>
+              <a:ext cx="357809" cy="326866"/>
+            </a:xfrm>
+            <a:prstGeom prst="rect">
+              <a:avLst/>
+            </a:prstGeom>
+            <a:solidFill>
+              <a:schemeClr val="bg1"/>
+            </a:solidFill>
+            <a:ln>
+              <a:solidFill>
+                <a:srgbClr val="11CFD9"/>
+              </a:solidFill>
+            </a:ln>
+          </p:spPr>
+          <p:style>
+            <a:lnRef idx="2">
+              <a:schemeClr val="accent1">
+                <a:shade val="50000"/>
+              </a:schemeClr>
+            </a:lnRef>
+            <a:fillRef idx="1">
+              <a:schemeClr val="accent1"/>
+            </a:fillRef>
+            <a:effectRef idx="0">
+              <a:schemeClr val="accent1"/>
+            </a:effectRef>
+            <a:fontRef idx="minor">
+              <a:schemeClr val="lt1"/>
+            </a:fontRef>
+          </p:style>
+          <p:txBody>
+            <a:bodyPr rtlCol="0" anchor="ctr"/>
+            <a:lstStyle/>
+            <a:p>
+              <a:pPr algn="ctr"/>
+              <a:endParaRPr lang="pl-PL"/>
+            </a:p>
+          </p:txBody>
+        </p:sp>
+        <p:sp>
+          <p:nvSpPr>
+            <p:cNvPr id="103" name="Prostokąt 102">
+              <a:extLst>
+                <a:ext uri="{FF2B5EF4-FFF2-40B4-BE49-F238E27FC236}">
+                  <a16:creationId xmlns:a16="http://schemas.microsoft.com/office/drawing/2014/main" id="{FF53F948-969C-4205-90D2-5769A0C86B98}"/>
+                </a:ext>
+              </a:extLst>
+            </p:cNvPr>
+            <p:cNvSpPr/>
+            <p:nvPr/>
+          </p:nvSpPr>
+          <p:spPr>
+            <a:xfrm>
+              <a:off x="9786652" y="1026851"/>
+              <a:ext cx="357809" cy="326866"/>
+            </a:xfrm>
+            <a:prstGeom prst="rect">
+              <a:avLst/>
+            </a:prstGeom>
+            <a:solidFill>
+              <a:schemeClr val="bg1"/>
+            </a:solidFill>
+            <a:ln>
+              <a:solidFill>
+                <a:srgbClr val="11CFD9"/>
+              </a:solidFill>
+            </a:ln>
+          </p:spPr>
+          <p:style>
+            <a:lnRef idx="2">
+              <a:schemeClr val="accent1">
+                <a:shade val="50000"/>
+              </a:schemeClr>
+            </a:lnRef>
+            <a:fillRef idx="1">
+              <a:schemeClr val="accent1"/>
+            </a:fillRef>
+            <a:effectRef idx="0">
+              <a:schemeClr val="accent1"/>
+            </a:effectRef>
+            <a:fontRef idx="minor">
+              <a:schemeClr val="lt1"/>
+            </a:fontRef>
+          </p:style>
+          <p:txBody>
+            <a:bodyPr rtlCol="0" anchor="ctr"/>
+            <a:lstStyle/>
+            <a:p>
+              <a:pPr algn="ctr"/>
+              <a:endParaRPr lang="pl-PL"/>
+            </a:p>
+          </p:txBody>
+        </p:sp>
+        <p:sp>
+          <p:nvSpPr>
+            <p:cNvPr id="104" name="Prostokąt 103">
+              <a:extLst>
+                <a:ext uri="{FF2B5EF4-FFF2-40B4-BE49-F238E27FC236}">
+                  <a16:creationId xmlns:a16="http://schemas.microsoft.com/office/drawing/2014/main" id="{9897D3C6-B248-4A8D-B6CE-69A4173081DC}"/>
+                </a:ext>
+              </a:extLst>
+            </p:cNvPr>
+            <p:cNvSpPr/>
+            <p:nvPr/>
+          </p:nvSpPr>
+          <p:spPr>
+            <a:xfrm>
+              <a:off x="9118398" y="1009615"/>
+              <a:ext cx="357809" cy="326866"/>
+            </a:xfrm>
+            <a:prstGeom prst="rect">
+              <a:avLst/>
+            </a:prstGeom>
+            <a:solidFill>
+              <a:schemeClr val="bg1"/>
+            </a:solidFill>
+            <a:ln>
+              <a:solidFill>
+                <a:srgbClr val="11CFD9"/>
+              </a:solidFill>
+            </a:ln>
+          </p:spPr>
+          <p:style>
+            <a:lnRef idx="2">
+              <a:schemeClr val="accent1">
+                <a:shade val="50000"/>
+              </a:schemeClr>
+            </a:lnRef>
+            <a:fillRef idx="1">
+              <a:schemeClr val="accent1"/>
+            </a:fillRef>
+            <a:effectRef idx="0">
+              <a:schemeClr val="accent1"/>
+            </a:effectRef>
+            <a:fontRef idx="minor">
+              <a:schemeClr val="lt1"/>
+            </a:fontRef>
+          </p:style>
+          <p:txBody>
+            <a:bodyPr rtlCol="0" anchor="ctr"/>
+            <a:lstStyle/>
+            <a:p>
+              <a:pPr algn="ctr"/>
+              <a:endParaRPr lang="pl-PL"/>
+            </a:p>
+          </p:txBody>
+        </p:sp>
+        <p:sp>
+          <p:nvSpPr>
+            <p:cNvPr id="105" name="Prostokąt 104">
+              <a:extLst>
+                <a:ext uri="{FF2B5EF4-FFF2-40B4-BE49-F238E27FC236}">
+                  <a16:creationId xmlns:a16="http://schemas.microsoft.com/office/drawing/2014/main" id="{73AAB40B-F9C1-4ACE-A060-86AEC71B7385}"/>
+                </a:ext>
+              </a:extLst>
+            </p:cNvPr>
+            <p:cNvSpPr/>
+            <p:nvPr/>
+          </p:nvSpPr>
+          <p:spPr>
+            <a:xfrm>
+              <a:off x="10454906" y="966990"/>
+              <a:ext cx="357809" cy="326866"/>
+            </a:xfrm>
+            <a:prstGeom prst="rect">
+              <a:avLst/>
+            </a:prstGeom>
+            <a:solidFill>
+              <a:schemeClr val="bg1"/>
+            </a:solidFill>
+            <a:ln>
+              <a:solidFill>
+                <a:srgbClr val="11CFD9"/>
+              </a:solidFill>
+            </a:ln>
+          </p:spPr>
+          <p:style>
+            <a:lnRef idx="2">
+              <a:schemeClr val="accent1">
+                <a:shade val="50000"/>
+              </a:schemeClr>
+            </a:lnRef>
+            <a:fillRef idx="1">
+              <a:schemeClr val="accent1"/>
+            </a:fillRef>
+            <a:effectRef idx="0">
+              <a:schemeClr val="accent1"/>
+            </a:effectRef>
+            <a:fontRef idx="minor">
+              <a:schemeClr val="lt1"/>
+            </a:fontRef>
+          </p:style>
+          <p:txBody>
+            <a:bodyPr rtlCol="0" anchor="ctr"/>
+            <a:lstStyle/>
+            <a:p>
+              <a:pPr algn="ctr"/>
+              <a:endParaRPr lang="pl-PL"/>
+            </a:p>
+          </p:txBody>
+        </p:sp>
+        <p:sp>
+          <p:nvSpPr>
+            <p:cNvPr id="107" name="Prostokąt 106">
+              <a:extLst>
+                <a:ext uri="{FF2B5EF4-FFF2-40B4-BE49-F238E27FC236}">
+                  <a16:creationId xmlns:a16="http://schemas.microsoft.com/office/drawing/2014/main" id="{291E6929-A370-4133-B066-96BC80FFE0A6}"/>
+                </a:ext>
+              </a:extLst>
+            </p:cNvPr>
+            <p:cNvSpPr/>
+            <p:nvPr/>
+          </p:nvSpPr>
+          <p:spPr>
+            <a:xfrm>
+              <a:off x="10144461" y="1692684"/>
+              <a:ext cx="357809" cy="326866"/>
+            </a:xfrm>
+            <a:prstGeom prst="rect">
+              <a:avLst/>
+            </a:prstGeom>
+            <a:solidFill>
+              <a:schemeClr val="bg1"/>
+            </a:solidFill>
+            <a:ln>
+              <a:solidFill>
+                <a:srgbClr val="11CFD9"/>
+              </a:solidFill>
+            </a:ln>
+          </p:spPr>
+          <p:style>
+            <a:lnRef idx="2">
+              <a:schemeClr val="accent1">
+                <a:shade val="50000"/>
+              </a:schemeClr>
+            </a:lnRef>
+            <a:fillRef idx="1">
+              <a:schemeClr val="accent1"/>
+            </a:fillRef>
+            <a:effectRef idx="0">
+              <a:schemeClr val="accent1"/>
+            </a:effectRef>
+            <a:fontRef idx="minor">
+              <a:schemeClr val="lt1"/>
+            </a:fontRef>
+          </p:style>
+          <p:txBody>
+            <a:bodyPr rtlCol="0" anchor="ctr"/>
+            <a:lstStyle/>
+            <a:p>
+              <a:pPr algn="ctr"/>
+              <a:endParaRPr lang="pl-PL"/>
+            </a:p>
+          </p:txBody>
+        </p:sp>
+        <p:sp>
+          <p:nvSpPr>
+            <p:cNvPr id="108" name="Prostokąt 107">
+              <a:extLst>
+                <a:ext uri="{FF2B5EF4-FFF2-40B4-BE49-F238E27FC236}">
+                  <a16:creationId xmlns:a16="http://schemas.microsoft.com/office/drawing/2014/main" id="{43DC848F-874A-4AB1-9420-DD727C9222FC}"/>
+                </a:ext>
+              </a:extLst>
+            </p:cNvPr>
+            <p:cNvSpPr/>
+            <p:nvPr/>
+          </p:nvSpPr>
+          <p:spPr>
+            <a:xfrm>
+              <a:off x="10075089" y="303118"/>
+              <a:ext cx="357809" cy="326866"/>
+            </a:xfrm>
+            <a:prstGeom prst="rect">
+              <a:avLst/>
+            </a:prstGeom>
+            <a:solidFill>
+              <a:schemeClr val="bg1"/>
+            </a:solidFill>
+            <a:ln>
+              <a:solidFill>
+                <a:srgbClr val="11CFD9"/>
+              </a:solidFill>
+            </a:ln>
+          </p:spPr>
+          <p:style>
+            <a:lnRef idx="2">
+              <a:schemeClr val="accent1">
+                <a:shade val="50000"/>
+              </a:schemeClr>
+            </a:lnRef>
+            <a:fillRef idx="1">
+              <a:schemeClr val="accent1"/>
+            </a:fillRef>
+            <a:effectRef idx="0">
+              <a:schemeClr val="accent1"/>
+            </a:effectRef>
+            <a:fontRef idx="minor">
+              <a:schemeClr val="lt1"/>
+            </a:fontRef>
+          </p:style>
+          <p:txBody>
+            <a:bodyPr rtlCol="0" anchor="ctr"/>
+            <a:lstStyle/>
+            <a:p>
+              <a:pPr algn="ctr"/>
+              <a:endParaRPr lang="pl-PL"/>
+            </a:p>
+          </p:txBody>
+        </p:sp>
+        <p:sp>
+          <p:nvSpPr>
+            <p:cNvPr id="113" name="Prostokąt 112">
+              <a:extLst>
+                <a:ext uri="{FF2B5EF4-FFF2-40B4-BE49-F238E27FC236}">
+                  <a16:creationId xmlns:a16="http://schemas.microsoft.com/office/drawing/2014/main" id="{D225CD38-F8D4-415D-ACA2-D8ED23245730}"/>
+                </a:ext>
+              </a:extLst>
+            </p:cNvPr>
+            <p:cNvSpPr/>
+            <p:nvPr/>
+          </p:nvSpPr>
+          <p:spPr>
+            <a:xfrm>
+              <a:off x="9353792" y="1653036"/>
+              <a:ext cx="357809" cy="326866"/>
+            </a:xfrm>
+            <a:prstGeom prst="rect">
+              <a:avLst/>
+            </a:prstGeom>
+            <a:solidFill>
+              <a:schemeClr val="bg1"/>
+            </a:solidFill>
+            <a:ln>
+              <a:solidFill>
+                <a:srgbClr val="11CFD9"/>
+              </a:solidFill>
+            </a:ln>
+          </p:spPr>
+          <p:style>
+            <a:lnRef idx="2">
+              <a:schemeClr val="accent1">
+                <a:shade val="50000"/>
+              </a:schemeClr>
+            </a:lnRef>
+            <a:fillRef idx="1">
+              <a:schemeClr val="accent1"/>
+            </a:fillRef>
+            <a:effectRef idx="0">
+              <a:schemeClr val="accent1"/>
+            </a:effectRef>
+            <a:fontRef idx="minor">
+              <a:schemeClr val="lt1"/>
+            </a:fontRef>
+          </p:style>
+          <p:txBody>
+            <a:bodyPr rtlCol="0" anchor="ctr"/>
+            <a:lstStyle/>
+            <a:p>
+              <a:pPr algn="ctr"/>
+              <a:endParaRPr lang="pl-PL"/>
+            </a:p>
+          </p:txBody>
+        </p:sp>
+      </p:grpSp>
+      <p:grpSp>
+        <p:nvGrpSpPr>
+          <p:cNvPr id="120" name="Grupa 119">
+            <a:extLst>
+              <a:ext uri="{FF2B5EF4-FFF2-40B4-BE49-F238E27FC236}">
+                <a16:creationId xmlns:a16="http://schemas.microsoft.com/office/drawing/2014/main" id="{4658B2C2-9542-40F0-8C19-CE93C5751A3B}"/>
+              </a:ext>
+            </a:extLst>
+          </p:cNvPr>
+          <p:cNvGrpSpPr/>
+          <p:nvPr/>
+        </p:nvGrpSpPr>
+        <p:grpSpPr>
+          <a:xfrm>
+            <a:off x="10363775" y="2555181"/>
+            <a:ext cx="1392064" cy="3507835"/>
+            <a:chOff x="10307140" y="2552083"/>
+            <a:chExt cx="1392064" cy="3507835"/>
+          </a:xfrm>
+        </p:grpSpPr>
+        <p:pic>
+          <p:nvPicPr>
+            <p:cNvPr id="121" name="Grafika 120" descr="Baza danych">
+              <a:extLst>
+                <a:ext uri="{FF2B5EF4-FFF2-40B4-BE49-F238E27FC236}">
+                  <a16:creationId xmlns:a16="http://schemas.microsoft.com/office/drawing/2014/main" id="{5B2B08C0-6A89-4683-9D95-7621D7070B54}"/>
+                </a:ext>
+              </a:extLst>
+            </p:cNvPr>
+            <p:cNvPicPr>
+              <a:picLocks noChangeAspect="1"/>
+            </p:cNvPicPr>
+            <p:nvPr/>
+          </p:nvPicPr>
+          <p:blipFill>
+            <a:blip r:embed="rId25">
+              <a:extLst>
+                <a:ext uri="{28A0092B-C50C-407E-A947-70E740481C1C}">
+                  <a14:useLocalDpi xmlns:a14="http://schemas.microsoft.com/office/drawing/2010/main" val="0"/>
+                </a:ext>
+                <a:ext uri="{96DAC541-7B7A-43D3-8B79-37D633B846F1}">
+                  <asvg:svgBlip xmlns:asvg="http://schemas.microsoft.com/office/drawing/2016/SVG/main" r:embed="rId26"/>
+                </a:ext>
+              </a:extLst>
+            </a:blip>
+            <a:stretch>
+              <a:fillRect/>
+            </a:stretch>
+          </p:blipFill>
+          <p:spPr>
+            <a:xfrm>
+              <a:off x="10307140" y="2552083"/>
+              <a:ext cx="1392064" cy="1078679"/>
+            </a:xfrm>
+            <a:prstGeom prst="rect">
+              <a:avLst/>
+            </a:prstGeom>
+          </p:spPr>
+        </p:pic>
+        <p:pic>
+          <p:nvPicPr>
+            <p:cNvPr id="122" name="Grafika 121" descr="Baza danych">
+              <a:extLst>
+                <a:ext uri="{FF2B5EF4-FFF2-40B4-BE49-F238E27FC236}">
+                  <a16:creationId xmlns:a16="http://schemas.microsoft.com/office/drawing/2014/main" id="{1BBAA795-9BB9-494F-8438-C14C3EB9493B}"/>
+                </a:ext>
+              </a:extLst>
+            </p:cNvPr>
+            <p:cNvPicPr>
+              <a:picLocks noChangeAspect="1"/>
+            </p:cNvPicPr>
+            <p:nvPr/>
+          </p:nvPicPr>
+          <p:blipFill>
+            <a:blip r:embed="rId25">
+              <a:extLst>
+                <a:ext uri="{28A0092B-C50C-407E-A947-70E740481C1C}">
+                  <a14:useLocalDpi xmlns:a14="http://schemas.microsoft.com/office/drawing/2010/main" val="0"/>
+                </a:ext>
+                <a:ext uri="{96DAC541-7B7A-43D3-8B79-37D633B846F1}">
+                  <asvg:svgBlip xmlns:asvg="http://schemas.microsoft.com/office/drawing/2016/SVG/main" r:embed="rId26"/>
+                </a:ext>
+              </a:extLst>
+            </a:blip>
+            <a:stretch>
+              <a:fillRect/>
+            </a:stretch>
+          </p:blipFill>
+          <p:spPr>
+            <a:xfrm>
+              <a:off x="10307140" y="3740160"/>
+              <a:ext cx="1392064" cy="1078679"/>
+            </a:xfrm>
+            <a:prstGeom prst="rect">
+              <a:avLst/>
+            </a:prstGeom>
+          </p:spPr>
+        </p:pic>
+        <p:pic>
+          <p:nvPicPr>
+            <p:cNvPr id="123" name="Grafika 122" descr="Baza danych">
+              <a:extLst>
+                <a:ext uri="{FF2B5EF4-FFF2-40B4-BE49-F238E27FC236}">
+                  <a16:creationId xmlns:a16="http://schemas.microsoft.com/office/drawing/2014/main" id="{C080B0D2-9CDF-4E15-A5AD-ABAE9CB7E141}"/>
+                </a:ext>
+              </a:extLst>
+            </p:cNvPr>
+            <p:cNvPicPr>
+              <a:picLocks noChangeAspect="1"/>
+            </p:cNvPicPr>
+            <p:nvPr/>
+          </p:nvPicPr>
+          <p:blipFill>
+            <a:blip r:embed="rId25">
+              <a:extLst>
+                <a:ext uri="{28A0092B-C50C-407E-A947-70E740481C1C}">
+                  <a14:useLocalDpi xmlns:a14="http://schemas.microsoft.com/office/drawing/2010/main" val="0"/>
+                </a:ext>
+                <a:ext uri="{96DAC541-7B7A-43D3-8B79-37D633B846F1}">
+                  <asvg:svgBlip xmlns:asvg="http://schemas.microsoft.com/office/drawing/2016/SVG/main" r:embed="rId26"/>
+                </a:ext>
+              </a:extLst>
+            </a:blip>
+            <a:stretch>
+              <a:fillRect/>
+            </a:stretch>
+          </p:blipFill>
+          <p:spPr>
+            <a:xfrm>
+              <a:off x="10307140" y="4981239"/>
+              <a:ext cx="1392064" cy="1078679"/>
+            </a:xfrm>
+            <a:prstGeom prst="rect">
+              <a:avLst/>
+            </a:prstGeom>
+          </p:spPr>
+        </p:pic>
+      </p:grpSp>
     </p:spTree>
     <p:extLst>
       <p:ext uri="{BB962C8B-B14F-4D97-AF65-F5344CB8AC3E}">
@@ -13963,6 +15295,6370 @@
     <p:extLst>
       <p:ext uri="{BB962C8B-B14F-4D97-AF65-F5344CB8AC3E}">
         <p14:creationId xmlns:p14="http://schemas.microsoft.com/office/powerpoint/2010/main" val="2378055582"/>
+      </p:ext>
+    </p:extLst>
+  </p:cSld>
+  <p:clrMapOvr>
+    <a:masterClrMapping/>
+  </p:clrMapOvr>
+</p:sld>
+</file>
+
+<file path=ppt/slides/slide7.xml><?xml version="1.0" encoding="utf-8"?>
+<p:sld xmlns:a="http://schemas.openxmlformats.org/drawingml/2006/main" xmlns:r="http://schemas.openxmlformats.org/officeDocument/2006/relationships" xmlns:p="http://schemas.openxmlformats.org/presentationml/2006/main">
+  <p:cSld>
+    <p:bg>
+      <p:bgPr>
+        <a:gradFill>
+          <a:gsLst>
+            <a:gs pos="54000">
+              <a:srgbClr val="07A1D7"/>
+            </a:gs>
+            <a:gs pos="100000">
+              <a:srgbClr val="11CFD9"/>
+            </a:gs>
+          </a:gsLst>
+          <a:lin ang="5400000" scaled="1"/>
+        </a:gradFill>
+        <a:effectLst/>
+      </p:bgPr>
+    </p:bg>
+    <p:spTree>
+      <p:nvGrpSpPr>
+        <p:cNvPr id="1" name=""/>
+        <p:cNvGrpSpPr/>
+        <p:nvPr/>
+      </p:nvGrpSpPr>
+      <p:grpSpPr>
+        <a:xfrm>
+          <a:off x="0" y="0"/>
+          <a:ext cx="0" cy="0"/>
+          <a:chOff x="0" y="0"/>
+          <a:chExt cx="0" cy="0"/>
+        </a:xfrm>
+      </p:grpSpPr>
+      <p:pic>
+        <p:nvPicPr>
+          <p:cNvPr id="5" name="Obraz 4">
+            <a:extLst>
+              <a:ext uri="{FF2B5EF4-FFF2-40B4-BE49-F238E27FC236}">
+                <a16:creationId xmlns:a16="http://schemas.microsoft.com/office/drawing/2014/main" id="{FA2B5562-A690-428E-8278-450D1EECD2E4}"/>
+              </a:ext>
+            </a:extLst>
+          </p:cNvPr>
+          <p:cNvPicPr>
+            <a:picLocks noChangeAspect="1"/>
+          </p:cNvPicPr>
+          <p:nvPr/>
+        </p:nvPicPr>
+        <p:blipFill>
+          <a:blip r:embed="rId2">
+            <a:extLst>
+              <a:ext uri="{28A0092B-C50C-407E-A947-70E740481C1C}">
+                <a14:useLocalDpi xmlns:a14="http://schemas.microsoft.com/office/drawing/2010/main" val="0"/>
+              </a:ext>
+            </a:extLst>
+          </a:blip>
+          <a:stretch>
+            <a:fillRect/>
+          </a:stretch>
+        </p:blipFill>
+        <p:spPr>
+          <a:xfrm>
+            <a:off x="153944" y="139485"/>
+            <a:ext cx="2471463" cy="1425844"/>
+          </a:xfrm>
+          <a:prstGeom prst="rect">
+            <a:avLst/>
+          </a:prstGeom>
+        </p:spPr>
+      </p:pic>
+      <p:grpSp>
+        <p:nvGrpSpPr>
+          <p:cNvPr id="2" name="Grupa 1">
+            <a:extLst>
+              <a:ext uri="{FF2B5EF4-FFF2-40B4-BE49-F238E27FC236}">
+                <a16:creationId xmlns:a16="http://schemas.microsoft.com/office/drawing/2014/main" id="{C6B68EBD-F23C-46B7-A6D9-E40BF4D08562}"/>
+              </a:ext>
+            </a:extLst>
+          </p:cNvPr>
+          <p:cNvGrpSpPr/>
+          <p:nvPr/>
+        </p:nvGrpSpPr>
+        <p:grpSpPr>
+          <a:xfrm>
+            <a:off x="3924227" y="1260915"/>
+            <a:ext cx="3934488" cy="4122758"/>
+            <a:chOff x="4035804" y="1692618"/>
+            <a:chExt cx="3934488" cy="4122758"/>
+          </a:xfrm>
+        </p:grpSpPr>
+        <p:sp>
+          <p:nvSpPr>
+            <p:cNvPr id="11" name="Wybuch: 14 punktów 10">
+              <a:extLst>
+                <a:ext uri="{FF2B5EF4-FFF2-40B4-BE49-F238E27FC236}">
+                  <a16:creationId xmlns:a16="http://schemas.microsoft.com/office/drawing/2014/main" id="{46260736-8D03-4587-BEBC-FD35194986D4}"/>
+                </a:ext>
+              </a:extLst>
+            </p:cNvPr>
+            <p:cNvSpPr/>
+            <p:nvPr/>
+          </p:nvSpPr>
+          <p:spPr>
+            <a:xfrm>
+              <a:off x="4660453" y="2002636"/>
+              <a:ext cx="278296" cy="201040"/>
+            </a:xfrm>
+            <a:prstGeom prst="irregularSeal2">
+              <a:avLst/>
+            </a:prstGeom>
+            <a:ln>
+              <a:noFill/>
+            </a:ln>
+          </p:spPr>
+          <p:style>
+            <a:lnRef idx="2">
+              <a:schemeClr val="accent6"/>
+            </a:lnRef>
+            <a:fillRef idx="1">
+              <a:schemeClr val="lt1"/>
+            </a:fillRef>
+            <a:effectRef idx="0">
+              <a:schemeClr val="accent6"/>
+            </a:effectRef>
+            <a:fontRef idx="minor">
+              <a:schemeClr val="dk1"/>
+            </a:fontRef>
+          </p:style>
+          <p:txBody>
+            <a:bodyPr rtlCol="0" anchor="ctr"/>
+            <a:lstStyle/>
+            <a:p>
+              <a:pPr algn="ctr"/>
+              <a:endParaRPr lang="pl-PL"/>
+            </a:p>
+          </p:txBody>
+        </p:sp>
+        <p:sp>
+          <p:nvSpPr>
+            <p:cNvPr id="12" name="Wybuch: 14 punktów 11">
+              <a:extLst>
+                <a:ext uri="{FF2B5EF4-FFF2-40B4-BE49-F238E27FC236}">
+                  <a16:creationId xmlns:a16="http://schemas.microsoft.com/office/drawing/2014/main" id="{95978B9A-0891-4E05-A4F2-FC552F6570C5}"/>
+                </a:ext>
+              </a:extLst>
+            </p:cNvPr>
+            <p:cNvSpPr/>
+            <p:nvPr/>
+          </p:nvSpPr>
+          <p:spPr>
+            <a:xfrm>
+              <a:off x="4286460" y="2326120"/>
+              <a:ext cx="278296" cy="201040"/>
+            </a:xfrm>
+            <a:prstGeom prst="irregularSeal2">
+              <a:avLst/>
+            </a:prstGeom>
+            <a:ln>
+              <a:noFill/>
+            </a:ln>
+          </p:spPr>
+          <p:style>
+            <a:lnRef idx="2">
+              <a:schemeClr val="accent6"/>
+            </a:lnRef>
+            <a:fillRef idx="1">
+              <a:schemeClr val="lt1"/>
+            </a:fillRef>
+            <a:effectRef idx="0">
+              <a:schemeClr val="accent6"/>
+            </a:effectRef>
+            <a:fontRef idx="minor">
+              <a:schemeClr val="dk1"/>
+            </a:fontRef>
+          </p:style>
+          <p:txBody>
+            <a:bodyPr rtlCol="0" anchor="ctr"/>
+            <a:lstStyle/>
+            <a:p>
+              <a:pPr algn="ctr"/>
+              <a:endParaRPr lang="pl-PL"/>
+            </a:p>
+          </p:txBody>
+        </p:sp>
+        <p:sp>
+          <p:nvSpPr>
+            <p:cNvPr id="14" name="Wybuch: 14 punktów 13">
+              <a:extLst>
+                <a:ext uri="{FF2B5EF4-FFF2-40B4-BE49-F238E27FC236}">
+                  <a16:creationId xmlns:a16="http://schemas.microsoft.com/office/drawing/2014/main" id="{0D2E49A2-B51A-4120-B1EF-C724E85290E5}"/>
+                </a:ext>
+              </a:extLst>
+            </p:cNvPr>
+            <p:cNvSpPr/>
+            <p:nvPr/>
+          </p:nvSpPr>
+          <p:spPr>
+            <a:xfrm>
+              <a:off x="5074008" y="1801596"/>
+              <a:ext cx="278296" cy="201040"/>
+            </a:xfrm>
+            <a:prstGeom prst="irregularSeal2">
+              <a:avLst/>
+            </a:prstGeom>
+            <a:ln>
+              <a:noFill/>
+            </a:ln>
+          </p:spPr>
+          <p:style>
+            <a:lnRef idx="2">
+              <a:schemeClr val="accent6"/>
+            </a:lnRef>
+            <a:fillRef idx="1">
+              <a:schemeClr val="lt1"/>
+            </a:fillRef>
+            <a:effectRef idx="0">
+              <a:schemeClr val="accent6"/>
+            </a:effectRef>
+            <a:fontRef idx="minor">
+              <a:schemeClr val="dk1"/>
+            </a:fontRef>
+          </p:style>
+          <p:txBody>
+            <a:bodyPr rtlCol="0" anchor="ctr"/>
+            <a:lstStyle/>
+            <a:p>
+              <a:pPr algn="ctr"/>
+              <a:endParaRPr lang="pl-PL"/>
+            </a:p>
+          </p:txBody>
+        </p:sp>
+        <p:sp>
+          <p:nvSpPr>
+            <p:cNvPr id="15" name="Wybuch: 14 punktów 14">
+              <a:extLst>
+                <a:ext uri="{FF2B5EF4-FFF2-40B4-BE49-F238E27FC236}">
+                  <a16:creationId xmlns:a16="http://schemas.microsoft.com/office/drawing/2014/main" id="{D32979F6-B821-44A8-B785-1DE47699A489}"/>
+                </a:ext>
+              </a:extLst>
+            </p:cNvPr>
+            <p:cNvSpPr/>
+            <p:nvPr/>
+          </p:nvSpPr>
+          <p:spPr>
+            <a:xfrm>
+              <a:off x="5615612" y="1692618"/>
+              <a:ext cx="278296" cy="201040"/>
+            </a:xfrm>
+            <a:prstGeom prst="irregularSeal2">
+              <a:avLst/>
+            </a:prstGeom>
+            <a:ln>
+              <a:noFill/>
+            </a:ln>
+          </p:spPr>
+          <p:style>
+            <a:lnRef idx="2">
+              <a:schemeClr val="accent6"/>
+            </a:lnRef>
+            <a:fillRef idx="1">
+              <a:schemeClr val="lt1"/>
+            </a:fillRef>
+            <a:effectRef idx="0">
+              <a:schemeClr val="accent6"/>
+            </a:effectRef>
+            <a:fontRef idx="minor">
+              <a:schemeClr val="dk1"/>
+            </a:fontRef>
+          </p:style>
+          <p:txBody>
+            <a:bodyPr rtlCol="0" anchor="ctr"/>
+            <a:lstStyle/>
+            <a:p>
+              <a:pPr algn="ctr"/>
+              <a:endParaRPr lang="pl-PL"/>
+            </a:p>
+          </p:txBody>
+        </p:sp>
+        <p:sp>
+          <p:nvSpPr>
+            <p:cNvPr id="16" name="Wybuch: 14 punktów 15">
+              <a:extLst>
+                <a:ext uri="{FF2B5EF4-FFF2-40B4-BE49-F238E27FC236}">
+                  <a16:creationId xmlns:a16="http://schemas.microsoft.com/office/drawing/2014/main" id="{B8E15455-4F1F-4D50-9A62-62A692C4E509}"/>
+                </a:ext>
+              </a:extLst>
+            </p:cNvPr>
+            <p:cNvSpPr/>
+            <p:nvPr/>
+          </p:nvSpPr>
+          <p:spPr>
+            <a:xfrm>
+              <a:off x="6138386" y="1734186"/>
+              <a:ext cx="278296" cy="201040"/>
+            </a:xfrm>
+            <a:prstGeom prst="irregularSeal2">
+              <a:avLst/>
+            </a:prstGeom>
+            <a:ln>
+              <a:noFill/>
+            </a:ln>
+          </p:spPr>
+          <p:style>
+            <a:lnRef idx="2">
+              <a:schemeClr val="accent6"/>
+            </a:lnRef>
+            <a:fillRef idx="1">
+              <a:schemeClr val="lt1"/>
+            </a:fillRef>
+            <a:effectRef idx="0">
+              <a:schemeClr val="accent6"/>
+            </a:effectRef>
+            <a:fontRef idx="minor">
+              <a:schemeClr val="dk1"/>
+            </a:fontRef>
+          </p:style>
+          <p:txBody>
+            <a:bodyPr rtlCol="0" anchor="ctr"/>
+            <a:lstStyle/>
+            <a:p>
+              <a:pPr algn="ctr"/>
+              <a:endParaRPr lang="pl-PL"/>
+            </a:p>
+          </p:txBody>
+        </p:sp>
+        <p:sp>
+          <p:nvSpPr>
+            <p:cNvPr id="17" name="Wybuch: 14 punktów 16">
+              <a:extLst>
+                <a:ext uri="{FF2B5EF4-FFF2-40B4-BE49-F238E27FC236}">
+                  <a16:creationId xmlns:a16="http://schemas.microsoft.com/office/drawing/2014/main" id="{9090DDDB-439E-4435-BCE6-D82B98D9DFDC}"/>
+                </a:ext>
+              </a:extLst>
+            </p:cNvPr>
+            <p:cNvSpPr/>
+            <p:nvPr/>
+          </p:nvSpPr>
+          <p:spPr>
+            <a:xfrm>
+              <a:off x="6569588" y="1887604"/>
+              <a:ext cx="278296" cy="201040"/>
+            </a:xfrm>
+            <a:prstGeom prst="irregularSeal2">
+              <a:avLst/>
+            </a:prstGeom>
+            <a:ln>
+              <a:noFill/>
+            </a:ln>
+          </p:spPr>
+          <p:style>
+            <a:lnRef idx="2">
+              <a:schemeClr val="accent6"/>
+            </a:lnRef>
+            <a:fillRef idx="1">
+              <a:schemeClr val="lt1"/>
+            </a:fillRef>
+            <a:effectRef idx="0">
+              <a:schemeClr val="accent6"/>
+            </a:effectRef>
+            <a:fontRef idx="minor">
+              <a:schemeClr val="dk1"/>
+            </a:fontRef>
+          </p:style>
+          <p:txBody>
+            <a:bodyPr rtlCol="0" anchor="ctr"/>
+            <a:lstStyle/>
+            <a:p>
+              <a:pPr algn="ctr"/>
+              <a:endParaRPr lang="pl-PL"/>
+            </a:p>
+          </p:txBody>
+        </p:sp>
+        <p:sp>
+          <p:nvSpPr>
+            <p:cNvPr id="19" name="Wybuch: 14 punktów 18">
+              <a:extLst>
+                <a:ext uri="{FF2B5EF4-FFF2-40B4-BE49-F238E27FC236}">
+                  <a16:creationId xmlns:a16="http://schemas.microsoft.com/office/drawing/2014/main" id="{8338EC97-9D70-4057-A566-1D67FDA49743}"/>
+                </a:ext>
+              </a:extLst>
+            </p:cNvPr>
+            <p:cNvSpPr/>
+            <p:nvPr/>
+          </p:nvSpPr>
+          <p:spPr>
+            <a:xfrm>
+              <a:off x="6970763" y="2088644"/>
+              <a:ext cx="278296" cy="201040"/>
+            </a:xfrm>
+            <a:prstGeom prst="irregularSeal2">
+              <a:avLst/>
+            </a:prstGeom>
+            <a:ln>
+              <a:noFill/>
+            </a:ln>
+          </p:spPr>
+          <p:style>
+            <a:lnRef idx="2">
+              <a:schemeClr val="accent6"/>
+            </a:lnRef>
+            <a:fillRef idx="1">
+              <a:schemeClr val="lt1"/>
+            </a:fillRef>
+            <a:effectRef idx="0">
+              <a:schemeClr val="accent6"/>
+            </a:effectRef>
+            <a:fontRef idx="minor">
+              <a:schemeClr val="dk1"/>
+            </a:fontRef>
+          </p:style>
+          <p:txBody>
+            <a:bodyPr rtlCol="0" anchor="ctr"/>
+            <a:lstStyle/>
+            <a:p>
+              <a:pPr algn="ctr"/>
+              <a:endParaRPr lang="pl-PL"/>
+            </a:p>
+          </p:txBody>
+        </p:sp>
+        <p:sp>
+          <p:nvSpPr>
+            <p:cNvPr id="21" name="Wybuch: 14 punktów 20">
+              <a:extLst>
+                <a:ext uri="{FF2B5EF4-FFF2-40B4-BE49-F238E27FC236}">
+                  <a16:creationId xmlns:a16="http://schemas.microsoft.com/office/drawing/2014/main" id="{43548766-2DBB-49D0-9B89-D84E19515443}"/>
+                </a:ext>
+              </a:extLst>
+            </p:cNvPr>
+            <p:cNvSpPr/>
+            <p:nvPr/>
+          </p:nvSpPr>
+          <p:spPr>
+            <a:xfrm>
+              <a:off x="7249059" y="2326120"/>
+              <a:ext cx="278296" cy="201040"/>
+            </a:xfrm>
+            <a:prstGeom prst="irregularSeal2">
+              <a:avLst/>
+            </a:prstGeom>
+            <a:ln>
+              <a:noFill/>
+            </a:ln>
+          </p:spPr>
+          <p:style>
+            <a:lnRef idx="2">
+              <a:schemeClr val="accent6"/>
+            </a:lnRef>
+            <a:fillRef idx="1">
+              <a:schemeClr val="lt1"/>
+            </a:fillRef>
+            <a:effectRef idx="0">
+              <a:schemeClr val="accent6"/>
+            </a:effectRef>
+            <a:fontRef idx="minor">
+              <a:schemeClr val="dk1"/>
+            </a:fontRef>
+          </p:style>
+          <p:txBody>
+            <a:bodyPr rtlCol="0" anchor="ctr"/>
+            <a:lstStyle/>
+            <a:p>
+              <a:pPr algn="ctr"/>
+              <a:endParaRPr lang="pl-PL"/>
+            </a:p>
+          </p:txBody>
+        </p:sp>
+        <p:sp>
+          <p:nvSpPr>
+            <p:cNvPr id="28" name="Wybuch: 14 punktów 27">
+              <a:extLst>
+                <a:ext uri="{FF2B5EF4-FFF2-40B4-BE49-F238E27FC236}">
+                  <a16:creationId xmlns:a16="http://schemas.microsoft.com/office/drawing/2014/main" id="{8FC51898-4C83-4160-ADB2-B3E19453FAED}"/>
+                </a:ext>
+              </a:extLst>
+            </p:cNvPr>
+            <p:cNvSpPr/>
+            <p:nvPr/>
+          </p:nvSpPr>
+          <p:spPr>
+            <a:xfrm>
+              <a:off x="4592396" y="5258703"/>
+              <a:ext cx="278296" cy="201040"/>
+            </a:xfrm>
+            <a:prstGeom prst="irregularSeal2">
+              <a:avLst/>
+            </a:prstGeom>
+            <a:ln>
+              <a:noFill/>
+            </a:ln>
+          </p:spPr>
+          <p:style>
+            <a:lnRef idx="2">
+              <a:schemeClr val="accent6"/>
+            </a:lnRef>
+            <a:fillRef idx="1">
+              <a:schemeClr val="lt1"/>
+            </a:fillRef>
+            <a:effectRef idx="0">
+              <a:schemeClr val="accent6"/>
+            </a:effectRef>
+            <a:fontRef idx="minor">
+              <a:schemeClr val="dk1"/>
+            </a:fontRef>
+          </p:style>
+          <p:txBody>
+            <a:bodyPr rtlCol="0" anchor="ctr"/>
+            <a:lstStyle/>
+            <a:p>
+              <a:pPr algn="ctr"/>
+              <a:endParaRPr lang="pl-PL"/>
+            </a:p>
+          </p:txBody>
+        </p:sp>
+        <p:sp>
+          <p:nvSpPr>
+            <p:cNvPr id="29" name="Wybuch: 14 punktów 28">
+              <a:extLst>
+                <a:ext uri="{FF2B5EF4-FFF2-40B4-BE49-F238E27FC236}">
+                  <a16:creationId xmlns:a16="http://schemas.microsoft.com/office/drawing/2014/main" id="{73F8ADB3-6856-40D7-90EB-F2E0A2770D93}"/>
+                </a:ext>
+              </a:extLst>
+            </p:cNvPr>
+            <p:cNvSpPr/>
+            <p:nvPr/>
+          </p:nvSpPr>
+          <p:spPr>
+            <a:xfrm>
+              <a:off x="4884326" y="5451445"/>
+              <a:ext cx="278296" cy="201040"/>
+            </a:xfrm>
+            <a:prstGeom prst="irregularSeal2">
+              <a:avLst/>
+            </a:prstGeom>
+            <a:ln>
+              <a:noFill/>
+            </a:ln>
+          </p:spPr>
+          <p:style>
+            <a:lnRef idx="2">
+              <a:schemeClr val="accent6"/>
+            </a:lnRef>
+            <a:fillRef idx="1">
+              <a:schemeClr val="lt1"/>
+            </a:fillRef>
+            <a:effectRef idx="0">
+              <a:schemeClr val="accent6"/>
+            </a:effectRef>
+            <a:fontRef idx="minor">
+              <a:schemeClr val="dk1"/>
+            </a:fontRef>
+          </p:style>
+          <p:txBody>
+            <a:bodyPr rtlCol="0" anchor="ctr"/>
+            <a:lstStyle/>
+            <a:p>
+              <a:pPr algn="ctr"/>
+              <a:endParaRPr lang="pl-PL"/>
+            </a:p>
+          </p:txBody>
+        </p:sp>
+        <p:sp>
+          <p:nvSpPr>
+            <p:cNvPr id="30" name="Wybuch: 14 punktów 29">
+              <a:extLst>
+                <a:ext uri="{FF2B5EF4-FFF2-40B4-BE49-F238E27FC236}">
+                  <a16:creationId xmlns:a16="http://schemas.microsoft.com/office/drawing/2014/main" id="{43603D2B-6758-4CD2-916F-0338167B5126}"/>
+                </a:ext>
+              </a:extLst>
+            </p:cNvPr>
+            <p:cNvSpPr/>
+            <p:nvPr/>
+          </p:nvSpPr>
+          <p:spPr>
+            <a:xfrm>
+              <a:off x="5315404" y="5587386"/>
+              <a:ext cx="278296" cy="201040"/>
+            </a:xfrm>
+            <a:prstGeom prst="irregularSeal2">
+              <a:avLst/>
+            </a:prstGeom>
+            <a:ln>
+              <a:noFill/>
+            </a:ln>
+          </p:spPr>
+          <p:style>
+            <a:lnRef idx="2">
+              <a:schemeClr val="accent6"/>
+            </a:lnRef>
+            <a:fillRef idx="1">
+              <a:schemeClr val="lt1"/>
+            </a:fillRef>
+            <a:effectRef idx="0">
+              <a:schemeClr val="accent6"/>
+            </a:effectRef>
+            <a:fontRef idx="minor">
+              <a:schemeClr val="dk1"/>
+            </a:fontRef>
+          </p:style>
+          <p:txBody>
+            <a:bodyPr rtlCol="0" anchor="ctr"/>
+            <a:lstStyle/>
+            <a:p>
+              <a:pPr algn="ctr"/>
+              <a:endParaRPr lang="pl-PL"/>
+            </a:p>
+          </p:txBody>
+        </p:sp>
+        <p:sp>
+          <p:nvSpPr>
+            <p:cNvPr id="31" name="Wybuch: 14 punktów 30">
+              <a:extLst>
+                <a:ext uri="{FF2B5EF4-FFF2-40B4-BE49-F238E27FC236}">
+                  <a16:creationId xmlns:a16="http://schemas.microsoft.com/office/drawing/2014/main" id="{D55CB79C-5D30-4D20-B9C0-FA408A99BC3E}"/>
+                </a:ext>
+              </a:extLst>
+            </p:cNvPr>
+            <p:cNvSpPr/>
+            <p:nvPr/>
+          </p:nvSpPr>
+          <p:spPr>
+            <a:xfrm>
+              <a:off x="7691996" y="4218127"/>
+              <a:ext cx="278296" cy="201040"/>
+            </a:xfrm>
+            <a:prstGeom prst="irregularSeal2">
+              <a:avLst/>
+            </a:prstGeom>
+            <a:ln>
+              <a:noFill/>
+            </a:ln>
+          </p:spPr>
+          <p:style>
+            <a:lnRef idx="2">
+              <a:schemeClr val="accent6"/>
+            </a:lnRef>
+            <a:fillRef idx="1">
+              <a:schemeClr val="lt1"/>
+            </a:fillRef>
+            <a:effectRef idx="0">
+              <a:schemeClr val="accent6"/>
+            </a:effectRef>
+            <a:fontRef idx="minor">
+              <a:schemeClr val="dk1"/>
+            </a:fontRef>
+          </p:style>
+          <p:txBody>
+            <a:bodyPr rtlCol="0" anchor="ctr"/>
+            <a:lstStyle/>
+            <a:p>
+              <a:pPr algn="ctr"/>
+              <a:endParaRPr lang="pl-PL"/>
+            </a:p>
+          </p:txBody>
+        </p:sp>
+        <p:sp>
+          <p:nvSpPr>
+            <p:cNvPr id="32" name="Wybuch: 14 punktów 31">
+              <a:extLst>
+                <a:ext uri="{FF2B5EF4-FFF2-40B4-BE49-F238E27FC236}">
+                  <a16:creationId xmlns:a16="http://schemas.microsoft.com/office/drawing/2014/main" id="{1A899CED-C1ED-4FE8-BC1C-E06FB94F664F}"/>
+                </a:ext>
+              </a:extLst>
+            </p:cNvPr>
+            <p:cNvSpPr/>
+            <p:nvPr/>
+          </p:nvSpPr>
+          <p:spPr>
+            <a:xfrm>
+              <a:off x="6638353" y="2759809"/>
+              <a:ext cx="278296" cy="201040"/>
+            </a:xfrm>
+            <a:prstGeom prst="irregularSeal2">
+              <a:avLst/>
+            </a:prstGeom>
+            <a:ln>
+              <a:noFill/>
+            </a:ln>
+          </p:spPr>
+          <p:style>
+            <a:lnRef idx="2">
+              <a:schemeClr val="accent6"/>
+            </a:lnRef>
+            <a:fillRef idx="1">
+              <a:schemeClr val="lt1"/>
+            </a:fillRef>
+            <a:effectRef idx="0">
+              <a:schemeClr val="accent6"/>
+            </a:effectRef>
+            <a:fontRef idx="minor">
+              <a:schemeClr val="dk1"/>
+            </a:fontRef>
+          </p:style>
+          <p:txBody>
+            <a:bodyPr rtlCol="0" anchor="ctr"/>
+            <a:lstStyle/>
+            <a:p>
+              <a:pPr algn="ctr"/>
+              <a:endParaRPr lang="pl-PL"/>
+            </a:p>
+          </p:txBody>
+        </p:sp>
+        <p:sp>
+          <p:nvSpPr>
+            <p:cNvPr id="33" name="Wybuch: 14 punktów 32">
+              <a:extLst>
+                <a:ext uri="{FF2B5EF4-FFF2-40B4-BE49-F238E27FC236}">
+                  <a16:creationId xmlns:a16="http://schemas.microsoft.com/office/drawing/2014/main" id="{E91A7BE4-2027-4A1A-9493-AF773D4FEFB2}"/>
+                </a:ext>
+              </a:extLst>
+            </p:cNvPr>
+            <p:cNvSpPr/>
+            <p:nvPr/>
+          </p:nvSpPr>
+          <p:spPr>
+            <a:xfrm>
+              <a:off x="5746482" y="1998606"/>
+              <a:ext cx="278296" cy="201040"/>
+            </a:xfrm>
+            <a:prstGeom prst="irregularSeal2">
+              <a:avLst/>
+            </a:prstGeom>
+            <a:ln>
+              <a:noFill/>
+            </a:ln>
+          </p:spPr>
+          <p:style>
+            <a:lnRef idx="2">
+              <a:schemeClr val="accent6"/>
+            </a:lnRef>
+            <a:fillRef idx="1">
+              <a:schemeClr val="lt1"/>
+            </a:fillRef>
+            <a:effectRef idx="0">
+              <a:schemeClr val="accent6"/>
+            </a:effectRef>
+            <a:fontRef idx="minor">
+              <a:schemeClr val="dk1"/>
+            </a:fontRef>
+          </p:style>
+          <p:txBody>
+            <a:bodyPr rtlCol="0" anchor="ctr"/>
+            <a:lstStyle/>
+            <a:p>
+              <a:pPr algn="ctr"/>
+              <a:endParaRPr lang="pl-PL"/>
+            </a:p>
+          </p:txBody>
+        </p:sp>
+        <p:sp>
+          <p:nvSpPr>
+            <p:cNvPr id="34" name="Wybuch: 14 punktów 33">
+              <a:extLst>
+                <a:ext uri="{FF2B5EF4-FFF2-40B4-BE49-F238E27FC236}">
+                  <a16:creationId xmlns:a16="http://schemas.microsoft.com/office/drawing/2014/main" id="{328BEB6C-43C3-456E-83F5-010B5D5A5A0B}"/>
+                </a:ext>
+              </a:extLst>
+            </p:cNvPr>
+            <p:cNvSpPr/>
+            <p:nvPr/>
+          </p:nvSpPr>
+          <p:spPr>
+            <a:xfrm>
+              <a:off x="5897878" y="2264697"/>
+              <a:ext cx="278296" cy="201040"/>
+            </a:xfrm>
+            <a:prstGeom prst="irregularSeal2">
+              <a:avLst/>
+            </a:prstGeom>
+            <a:ln>
+              <a:noFill/>
+            </a:ln>
+          </p:spPr>
+          <p:style>
+            <a:lnRef idx="2">
+              <a:schemeClr val="accent6"/>
+            </a:lnRef>
+            <a:fillRef idx="1">
+              <a:schemeClr val="lt1"/>
+            </a:fillRef>
+            <a:effectRef idx="0">
+              <a:schemeClr val="accent6"/>
+            </a:effectRef>
+            <a:fontRef idx="minor">
+              <a:schemeClr val="dk1"/>
+            </a:fontRef>
+          </p:style>
+          <p:txBody>
+            <a:bodyPr rtlCol="0" anchor="ctr"/>
+            <a:lstStyle/>
+            <a:p>
+              <a:pPr algn="ctr"/>
+              <a:endParaRPr lang="pl-PL"/>
+            </a:p>
+          </p:txBody>
+        </p:sp>
+        <p:sp>
+          <p:nvSpPr>
+            <p:cNvPr id="35" name="Wybuch: 14 punktów 34">
+              <a:extLst>
+                <a:ext uri="{FF2B5EF4-FFF2-40B4-BE49-F238E27FC236}">
+                  <a16:creationId xmlns:a16="http://schemas.microsoft.com/office/drawing/2014/main" id="{2D006BFB-21CE-4E4E-B415-6481A28A761F}"/>
+                </a:ext>
+              </a:extLst>
+            </p:cNvPr>
+            <p:cNvSpPr/>
+            <p:nvPr/>
+          </p:nvSpPr>
+          <p:spPr>
+            <a:xfrm>
+              <a:off x="5836002" y="2678386"/>
+              <a:ext cx="278296" cy="201040"/>
+            </a:xfrm>
+            <a:prstGeom prst="irregularSeal2">
+              <a:avLst/>
+            </a:prstGeom>
+            <a:ln>
+              <a:noFill/>
+            </a:ln>
+          </p:spPr>
+          <p:style>
+            <a:lnRef idx="2">
+              <a:schemeClr val="accent6"/>
+            </a:lnRef>
+            <a:fillRef idx="1">
+              <a:schemeClr val="lt1"/>
+            </a:fillRef>
+            <a:effectRef idx="0">
+              <a:schemeClr val="accent6"/>
+            </a:effectRef>
+            <a:fontRef idx="minor">
+              <a:schemeClr val="dk1"/>
+            </a:fontRef>
+          </p:style>
+          <p:txBody>
+            <a:bodyPr rtlCol="0" anchor="ctr"/>
+            <a:lstStyle/>
+            <a:p>
+              <a:pPr algn="ctr"/>
+              <a:endParaRPr lang="pl-PL"/>
+            </a:p>
+          </p:txBody>
+        </p:sp>
+        <p:sp>
+          <p:nvSpPr>
+            <p:cNvPr id="36" name="Wybuch: 14 punktów 35">
+              <a:extLst>
+                <a:ext uri="{FF2B5EF4-FFF2-40B4-BE49-F238E27FC236}">
+                  <a16:creationId xmlns:a16="http://schemas.microsoft.com/office/drawing/2014/main" id="{99F5E226-DCA6-4B54-BE36-06105D3687B6}"/>
+                </a:ext>
+              </a:extLst>
+            </p:cNvPr>
+            <p:cNvSpPr/>
+            <p:nvPr/>
+          </p:nvSpPr>
+          <p:spPr>
+            <a:xfrm>
+              <a:off x="6203682" y="2455806"/>
+              <a:ext cx="278296" cy="201040"/>
+            </a:xfrm>
+            <a:prstGeom prst="irregularSeal2">
+              <a:avLst/>
+            </a:prstGeom>
+            <a:ln>
+              <a:noFill/>
+            </a:ln>
+          </p:spPr>
+          <p:style>
+            <a:lnRef idx="2">
+              <a:schemeClr val="accent6"/>
+            </a:lnRef>
+            <a:fillRef idx="1">
+              <a:schemeClr val="lt1"/>
+            </a:fillRef>
+            <a:effectRef idx="0">
+              <a:schemeClr val="accent6"/>
+            </a:effectRef>
+            <a:fontRef idx="minor">
+              <a:schemeClr val="dk1"/>
+            </a:fontRef>
+          </p:style>
+          <p:txBody>
+            <a:bodyPr rtlCol="0" anchor="ctr"/>
+            <a:lstStyle/>
+            <a:p>
+              <a:pPr algn="ctr"/>
+              <a:endParaRPr lang="pl-PL"/>
+            </a:p>
+          </p:txBody>
+        </p:sp>
+        <p:sp>
+          <p:nvSpPr>
+            <p:cNvPr id="37" name="Wybuch: 14 punktów 36">
+              <a:extLst>
+                <a:ext uri="{FF2B5EF4-FFF2-40B4-BE49-F238E27FC236}">
+                  <a16:creationId xmlns:a16="http://schemas.microsoft.com/office/drawing/2014/main" id="{A9538F27-B48F-45BB-994B-185475CB9B0A}"/>
+                </a:ext>
+              </a:extLst>
+            </p:cNvPr>
+            <p:cNvSpPr/>
+            <p:nvPr/>
+          </p:nvSpPr>
+          <p:spPr>
+            <a:xfrm>
+              <a:off x="6208463" y="2841264"/>
+              <a:ext cx="278296" cy="201040"/>
+            </a:xfrm>
+            <a:prstGeom prst="irregularSeal2">
+              <a:avLst/>
+            </a:prstGeom>
+            <a:ln>
+              <a:noFill/>
+            </a:ln>
+          </p:spPr>
+          <p:style>
+            <a:lnRef idx="2">
+              <a:schemeClr val="accent6"/>
+            </a:lnRef>
+            <a:fillRef idx="1">
+              <a:schemeClr val="lt1"/>
+            </a:fillRef>
+            <a:effectRef idx="0">
+              <a:schemeClr val="accent6"/>
+            </a:effectRef>
+            <a:fontRef idx="minor">
+              <a:schemeClr val="dk1"/>
+            </a:fontRef>
+          </p:style>
+          <p:txBody>
+            <a:bodyPr rtlCol="0" anchor="ctr"/>
+            <a:lstStyle/>
+            <a:p>
+              <a:pPr algn="ctr"/>
+              <a:endParaRPr lang="pl-PL"/>
+            </a:p>
+          </p:txBody>
+        </p:sp>
+        <p:sp>
+          <p:nvSpPr>
+            <p:cNvPr id="38" name="Wybuch: 14 punktów 37">
+              <a:extLst>
+                <a:ext uri="{FF2B5EF4-FFF2-40B4-BE49-F238E27FC236}">
+                  <a16:creationId xmlns:a16="http://schemas.microsoft.com/office/drawing/2014/main" id="{13910845-D353-4A72-AEAD-38888CCB645C}"/>
+                </a:ext>
+              </a:extLst>
+            </p:cNvPr>
+            <p:cNvSpPr/>
+            <p:nvPr/>
+          </p:nvSpPr>
+          <p:spPr>
+            <a:xfrm>
+              <a:off x="4035804" y="4683591"/>
+              <a:ext cx="278296" cy="201040"/>
+            </a:xfrm>
+            <a:prstGeom prst="irregularSeal2">
+              <a:avLst/>
+            </a:prstGeom>
+            <a:ln>
+              <a:noFill/>
+            </a:ln>
+          </p:spPr>
+          <p:style>
+            <a:lnRef idx="2">
+              <a:schemeClr val="accent6"/>
+            </a:lnRef>
+            <a:fillRef idx="1">
+              <a:schemeClr val="lt1"/>
+            </a:fillRef>
+            <a:effectRef idx="0">
+              <a:schemeClr val="accent6"/>
+            </a:effectRef>
+            <a:fontRef idx="minor">
+              <a:schemeClr val="dk1"/>
+            </a:fontRef>
+          </p:style>
+          <p:txBody>
+            <a:bodyPr rtlCol="0" anchor="ctr"/>
+            <a:lstStyle/>
+            <a:p>
+              <a:pPr algn="ctr"/>
+              <a:endParaRPr lang="pl-PL"/>
+            </a:p>
+          </p:txBody>
+        </p:sp>
+        <p:sp>
+          <p:nvSpPr>
+            <p:cNvPr id="39" name="Wybuch: 14 punktów 38">
+              <a:extLst>
+                <a:ext uri="{FF2B5EF4-FFF2-40B4-BE49-F238E27FC236}">
+                  <a16:creationId xmlns:a16="http://schemas.microsoft.com/office/drawing/2014/main" id="{905A963B-F637-4102-92F3-65BF875AFD80}"/>
+                </a:ext>
+              </a:extLst>
+            </p:cNvPr>
+            <p:cNvSpPr/>
+            <p:nvPr/>
+          </p:nvSpPr>
+          <p:spPr>
+            <a:xfrm>
+              <a:off x="4314100" y="4942851"/>
+              <a:ext cx="278296" cy="201040"/>
+            </a:xfrm>
+            <a:prstGeom prst="irregularSeal2">
+              <a:avLst/>
+            </a:prstGeom>
+            <a:ln>
+              <a:noFill/>
+            </a:ln>
+          </p:spPr>
+          <p:style>
+            <a:lnRef idx="2">
+              <a:schemeClr val="accent6"/>
+            </a:lnRef>
+            <a:fillRef idx="1">
+              <a:schemeClr val="lt1"/>
+            </a:fillRef>
+            <a:effectRef idx="0">
+              <a:schemeClr val="accent6"/>
+            </a:effectRef>
+            <a:fontRef idx="minor">
+              <a:schemeClr val="dk1"/>
+            </a:fontRef>
+          </p:style>
+          <p:txBody>
+            <a:bodyPr rtlCol="0" anchor="ctr"/>
+            <a:lstStyle/>
+            <a:p>
+              <a:pPr algn="ctr"/>
+              <a:endParaRPr lang="pl-PL"/>
+            </a:p>
+          </p:txBody>
+        </p:sp>
+        <p:sp>
+          <p:nvSpPr>
+            <p:cNvPr id="40" name="Wybuch: 14 punktów 39">
+              <a:extLst>
+                <a:ext uri="{FF2B5EF4-FFF2-40B4-BE49-F238E27FC236}">
+                  <a16:creationId xmlns:a16="http://schemas.microsoft.com/office/drawing/2014/main" id="{35F730F0-5C97-49A1-9AD4-419E3982D644}"/>
+                </a:ext>
+              </a:extLst>
+            </p:cNvPr>
+            <p:cNvSpPr/>
+            <p:nvPr/>
+          </p:nvSpPr>
+          <p:spPr>
+            <a:xfrm>
+              <a:off x="5746482" y="5614336"/>
+              <a:ext cx="278296" cy="201040"/>
+            </a:xfrm>
+            <a:prstGeom prst="irregularSeal2">
+              <a:avLst/>
+            </a:prstGeom>
+            <a:ln>
+              <a:noFill/>
+            </a:ln>
+          </p:spPr>
+          <p:style>
+            <a:lnRef idx="2">
+              <a:schemeClr val="accent6"/>
+            </a:lnRef>
+            <a:fillRef idx="1">
+              <a:schemeClr val="lt1"/>
+            </a:fillRef>
+            <a:effectRef idx="0">
+              <a:schemeClr val="accent6"/>
+            </a:effectRef>
+            <a:fontRef idx="minor">
+              <a:schemeClr val="dk1"/>
+            </a:fontRef>
+          </p:style>
+          <p:txBody>
+            <a:bodyPr rtlCol="0" anchor="ctr"/>
+            <a:lstStyle/>
+            <a:p>
+              <a:pPr algn="ctr"/>
+              <a:endParaRPr lang="pl-PL"/>
+            </a:p>
+          </p:txBody>
+        </p:sp>
+        <p:sp>
+          <p:nvSpPr>
+            <p:cNvPr id="41" name="Wybuch: 14 punktów 40">
+              <a:extLst>
+                <a:ext uri="{FF2B5EF4-FFF2-40B4-BE49-F238E27FC236}">
+                  <a16:creationId xmlns:a16="http://schemas.microsoft.com/office/drawing/2014/main" id="{A79AC292-3396-4D88-B202-68438D4299FB}"/>
+                </a:ext>
+              </a:extLst>
+            </p:cNvPr>
+            <p:cNvSpPr/>
+            <p:nvPr/>
+          </p:nvSpPr>
+          <p:spPr>
+            <a:xfrm>
+              <a:off x="6150377" y="5590649"/>
+              <a:ext cx="278296" cy="201040"/>
+            </a:xfrm>
+            <a:prstGeom prst="irregularSeal2">
+              <a:avLst/>
+            </a:prstGeom>
+            <a:ln>
+              <a:noFill/>
+            </a:ln>
+          </p:spPr>
+          <p:style>
+            <a:lnRef idx="2">
+              <a:schemeClr val="accent6"/>
+            </a:lnRef>
+            <a:fillRef idx="1">
+              <a:schemeClr val="lt1"/>
+            </a:fillRef>
+            <a:effectRef idx="0">
+              <a:schemeClr val="accent6"/>
+            </a:effectRef>
+            <a:fontRef idx="minor">
+              <a:schemeClr val="dk1"/>
+            </a:fontRef>
+          </p:style>
+          <p:txBody>
+            <a:bodyPr rtlCol="0" anchor="ctr"/>
+            <a:lstStyle/>
+            <a:p>
+              <a:pPr algn="ctr"/>
+              <a:endParaRPr lang="pl-PL"/>
+            </a:p>
+          </p:txBody>
+        </p:sp>
+        <p:sp>
+          <p:nvSpPr>
+            <p:cNvPr id="42" name="Wybuch: 14 punktów 41">
+              <a:extLst>
+                <a:ext uri="{FF2B5EF4-FFF2-40B4-BE49-F238E27FC236}">
+                  <a16:creationId xmlns:a16="http://schemas.microsoft.com/office/drawing/2014/main" id="{EC773B6A-AC36-40EF-93E5-5E609E27F9E7}"/>
+                </a:ext>
+              </a:extLst>
+            </p:cNvPr>
+            <p:cNvSpPr/>
+            <p:nvPr/>
+          </p:nvSpPr>
+          <p:spPr>
+            <a:xfrm>
+              <a:off x="6551138" y="5459743"/>
+              <a:ext cx="278296" cy="201040"/>
+            </a:xfrm>
+            <a:prstGeom prst="irregularSeal2">
+              <a:avLst/>
+            </a:prstGeom>
+            <a:ln>
+              <a:noFill/>
+            </a:ln>
+          </p:spPr>
+          <p:style>
+            <a:lnRef idx="2">
+              <a:schemeClr val="accent6"/>
+            </a:lnRef>
+            <a:fillRef idx="1">
+              <a:schemeClr val="lt1"/>
+            </a:fillRef>
+            <a:effectRef idx="0">
+              <a:schemeClr val="accent6"/>
+            </a:effectRef>
+            <a:fontRef idx="minor">
+              <a:schemeClr val="dk1"/>
+            </a:fontRef>
+          </p:style>
+          <p:txBody>
+            <a:bodyPr rtlCol="0" anchor="ctr"/>
+            <a:lstStyle/>
+            <a:p>
+              <a:pPr algn="ctr"/>
+              <a:endParaRPr lang="pl-PL"/>
+            </a:p>
+          </p:txBody>
+        </p:sp>
+        <p:sp>
+          <p:nvSpPr>
+            <p:cNvPr id="43" name="Wybuch: 14 punktów 42">
+              <a:extLst>
+                <a:ext uri="{FF2B5EF4-FFF2-40B4-BE49-F238E27FC236}">
+                  <a16:creationId xmlns:a16="http://schemas.microsoft.com/office/drawing/2014/main" id="{68249786-F6D0-4122-885E-551EDE65D863}"/>
+                </a:ext>
+              </a:extLst>
+            </p:cNvPr>
+            <p:cNvSpPr/>
+            <p:nvPr/>
+          </p:nvSpPr>
+          <p:spPr>
+            <a:xfrm>
+              <a:off x="6970763" y="5250405"/>
+              <a:ext cx="278296" cy="201040"/>
+            </a:xfrm>
+            <a:prstGeom prst="irregularSeal2">
+              <a:avLst/>
+            </a:prstGeom>
+            <a:ln>
+              <a:noFill/>
+            </a:ln>
+          </p:spPr>
+          <p:style>
+            <a:lnRef idx="2">
+              <a:schemeClr val="accent6"/>
+            </a:lnRef>
+            <a:fillRef idx="1">
+              <a:schemeClr val="lt1"/>
+            </a:fillRef>
+            <a:effectRef idx="0">
+              <a:schemeClr val="accent6"/>
+            </a:effectRef>
+            <a:fontRef idx="minor">
+              <a:schemeClr val="dk1"/>
+            </a:fontRef>
+          </p:style>
+          <p:txBody>
+            <a:bodyPr rtlCol="0" anchor="ctr"/>
+            <a:lstStyle/>
+            <a:p>
+              <a:pPr algn="ctr"/>
+              <a:endParaRPr lang="pl-PL"/>
+            </a:p>
+          </p:txBody>
+        </p:sp>
+        <p:sp>
+          <p:nvSpPr>
+            <p:cNvPr id="44" name="Wybuch: 14 punktów 43">
+              <a:extLst>
+                <a:ext uri="{FF2B5EF4-FFF2-40B4-BE49-F238E27FC236}">
+                  <a16:creationId xmlns:a16="http://schemas.microsoft.com/office/drawing/2014/main" id="{9AD40515-EBBD-47A0-B031-52069C9D4354}"/>
+                </a:ext>
+              </a:extLst>
+            </p:cNvPr>
+            <p:cNvSpPr/>
+            <p:nvPr/>
+          </p:nvSpPr>
+          <p:spPr>
+            <a:xfrm>
+              <a:off x="7291446" y="4937473"/>
+              <a:ext cx="278296" cy="201040"/>
+            </a:xfrm>
+            <a:prstGeom prst="irregularSeal2">
+              <a:avLst/>
+            </a:prstGeom>
+            <a:ln>
+              <a:noFill/>
+            </a:ln>
+          </p:spPr>
+          <p:style>
+            <a:lnRef idx="2">
+              <a:schemeClr val="accent6"/>
+            </a:lnRef>
+            <a:fillRef idx="1">
+              <a:schemeClr val="lt1"/>
+            </a:fillRef>
+            <a:effectRef idx="0">
+              <a:schemeClr val="accent6"/>
+            </a:effectRef>
+            <a:fontRef idx="minor">
+              <a:schemeClr val="dk1"/>
+            </a:fontRef>
+          </p:style>
+          <p:txBody>
+            <a:bodyPr rtlCol="0" anchor="ctr"/>
+            <a:lstStyle/>
+            <a:p>
+              <a:pPr algn="ctr"/>
+              <a:endParaRPr lang="pl-PL"/>
+            </a:p>
+          </p:txBody>
+        </p:sp>
+        <p:sp>
+          <p:nvSpPr>
+            <p:cNvPr id="45" name="Wybuch: 14 punktów 44">
+              <a:extLst>
+                <a:ext uri="{FF2B5EF4-FFF2-40B4-BE49-F238E27FC236}">
+                  <a16:creationId xmlns:a16="http://schemas.microsoft.com/office/drawing/2014/main" id="{B8910BDD-B34E-4ED9-8367-A96611F539C8}"/>
+                </a:ext>
+              </a:extLst>
+            </p:cNvPr>
+            <p:cNvSpPr/>
+            <p:nvPr/>
+          </p:nvSpPr>
+          <p:spPr>
+            <a:xfrm>
+              <a:off x="7564608" y="4583071"/>
+              <a:ext cx="278296" cy="201040"/>
+            </a:xfrm>
+            <a:prstGeom prst="irregularSeal2">
+              <a:avLst/>
+            </a:prstGeom>
+            <a:ln>
+              <a:noFill/>
+            </a:ln>
+          </p:spPr>
+          <p:style>
+            <a:lnRef idx="2">
+              <a:schemeClr val="accent6"/>
+            </a:lnRef>
+            <a:fillRef idx="1">
+              <a:schemeClr val="lt1"/>
+            </a:fillRef>
+            <a:effectRef idx="0">
+              <a:schemeClr val="accent6"/>
+            </a:effectRef>
+            <a:fontRef idx="minor">
+              <a:schemeClr val="dk1"/>
+            </a:fontRef>
+          </p:style>
+          <p:txBody>
+            <a:bodyPr rtlCol="0" anchor="ctr"/>
+            <a:lstStyle/>
+            <a:p>
+              <a:pPr algn="ctr"/>
+              <a:endParaRPr lang="pl-PL"/>
+            </a:p>
+          </p:txBody>
+        </p:sp>
+        <p:sp>
+          <p:nvSpPr>
+            <p:cNvPr id="46" name="Wybuch: 14 punktów 45">
+              <a:extLst>
+                <a:ext uri="{FF2B5EF4-FFF2-40B4-BE49-F238E27FC236}">
+                  <a16:creationId xmlns:a16="http://schemas.microsoft.com/office/drawing/2014/main" id="{272E9AD3-8526-4F28-A339-4E8233AA02F3}"/>
+                </a:ext>
+              </a:extLst>
+            </p:cNvPr>
+            <p:cNvSpPr/>
+            <p:nvPr/>
+          </p:nvSpPr>
+          <p:spPr>
+            <a:xfrm>
+              <a:off x="5308636" y="2180318"/>
+              <a:ext cx="278296" cy="201040"/>
+            </a:xfrm>
+            <a:prstGeom prst="irregularSeal2">
+              <a:avLst/>
+            </a:prstGeom>
+            <a:ln>
+              <a:noFill/>
+            </a:ln>
+          </p:spPr>
+          <p:style>
+            <a:lnRef idx="2">
+              <a:schemeClr val="accent6"/>
+            </a:lnRef>
+            <a:fillRef idx="1">
+              <a:schemeClr val="lt1"/>
+            </a:fillRef>
+            <a:effectRef idx="0">
+              <a:schemeClr val="accent6"/>
+            </a:effectRef>
+            <a:fontRef idx="minor">
+              <a:schemeClr val="dk1"/>
+            </a:fontRef>
+          </p:style>
+          <p:txBody>
+            <a:bodyPr rtlCol="0" anchor="ctr"/>
+            <a:lstStyle/>
+            <a:p>
+              <a:pPr algn="ctr"/>
+              <a:endParaRPr lang="pl-PL"/>
+            </a:p>
+          </p:txBody>
+        </p:sp>
+        <p:sp>
+          <p:nvSpPr>
+            <p:cNvPr id="47" name="Wybuch: 14 punktów 46">
+              <a:extLst>
+                <a:ext uri="{FF2B5EF4-FFF2-40B4-BE49-F238E27FC236}">
+                  <a16:creationId xmlns:a16="http://schemas.microsoft.com/office/drawing/2014/main" id="{0951F039-280A-4A49-8108-AD68B796509C}"/>
+                </a:ext>
+              </a:extLst>
+            </p:cNvPr>
+            <p:cNvSpPr/>
+            <p:nvPr/>
+          </p:nvSpPr>
+          <p:spPr>
+            <a:xfrm>
+              <a:off x="5303074" y="2674811"/>
+              <a:ext cx="278296" cy="201040"/>
+            </a:xfrm>
+            <a:prstGeom prst="irregularSeal2">
+              <a:avLst/>
+            </a:prstGeom>
+            <a:ln>
+              <a:noFill/>
+            </a:ln>
+          </p:spPr>
+          <p:style>
+            <a:lnRef idx="2">
+              <a:schemeClr val="accent6"/>
+            </a:lnRef>
+            <a:fillRef idx="1">
+              <a:schemeClr val="lt1"/>
+            </a:fillRef>
+            <a:effectRef idx="0">
+              <a:schemeClr val="accent6"/>
+            </a:effectRef>
+            <a:fontRef idx="minor">
+              <a:schemeClr val="dk1"/>
+            </a:fontRef>
+          </p:style>
+          <p:txBody>
+            <a:bodyPr rtlCol="0" anchor="ctr"/>
+            <a:lstStyle/>
+            <a:p>
+              <a:pPr algn="ctr"/>
+              <a:endParaRPr lang="pl-PL"/>
+            </a:p>
+          </p:txBody>
+        </p:sp>
+        <p:sp>
+          <p:nvSpPr>
+            <p:cNvPr id="48" name="Wybuch: 14 punktów 47">
+              <a:extLst>
+                <a:ext uri="{FF2B5EF4-FFF2-40B4-BE49-F238E27FC236}">
+                  <a16:creationId xmlns:a16="http://schemas.microsoft.com/office/drawing/2014/main" id="{66CD3A89-5587-442E-B910-C649DB6F086E}"/>
+                </a:ext>
+              </a:extLst>
+            </p:cNvPr>
+            <p:cNvSpPr/>
+            <p:nvPr/>
+          </p:nvSpPr>
+          <p:spPr>
+            <a:xfrm>
+              <a:off x="6532623" y="2323819"/>
+              <a:ext cx="278296" cy="201040"/>
+            </a:xfrm>
+            <a:prstGeom prst="irregularSeal2">
+              <a:avLst/>
+            </a:prstGeom>
+            <a:ln>
+              <a:noFill/>
+            </a:ln>
+          </p:spPr>
+          <p:style>
+            <a:lnRef idx="2">
+              <a:schemeClr val="accent6"/>
+            </a:lnRef>
+            <a:fillRef idx="1">
+              <a:schemeClr val="lt1"/>
+            </a:fillRef>
+            <a:effectRef idx="0">
+              <a:schemeClr val="accent6"/>
+            </a:effectRef>
+            <a:fontRef idx="minor">
+              <a:schemeClr val="dk1"/>
+            </a:fontRef>
+          </p:style>
+          <p:txBody>
+            <a:bodyPr rtlCol="0" anchor="ctr"/>
+            <a:lstStyle/>
+            <a:p>
+              <a:pPr algn="ctr"/>
+              <a:endParaRPr lang="pl-PL"/>
+            </a:p>
+          </p:txBody>
+        </p:sp>
+        <p:sp>
+          <p:nvSpPr>
+            <p:cNvPr id="50" name="Wybuch: 14 punktów 49">
+              <a:extLst>
+                <a:ext uri="{FF2B5EF4-FFF2-40B4-BE49-F238E27FC236}">
+                  <a16:creationId xmlns:a16="http://schemas.microsoft.com/office/drawing/2014/main" id="{EAB56CBC-8DD4-4C17-8FAE-FAE61988D95D}"/>
+                </a:ext>
+              </a:extLst>
+            </p:cNvPr>
+            <p:cNvSpPr/>
+            <p:nvPr/>
+          </p:nvSpPr>
+          <p:spPr>
+            <a:xfrm>
+              <a:off x="4643198" y="2800929"/>
+              <a:ext cx="278296" cy="201040"/>
+            </a:xfrm>
+            <a:prstGeom prst="irregularSeal2">
+              <a:avLst/>
+            </a:prstGeom>
+            <a:ln>
+              <a:noFill/>
+            </a:ln>
+          </p:spPr>
+          <p:style>
+            <a:lnRef idx="2">
+              <a:schemeClr val="accent6"/>
+            </a:lnRef>
+            <a:fillRef idx="1">
+              <a:schemeClr val="lt1"/>
+            </a:fillRef>
+            <a:effectRef idx="0">
+              <a:schemeClr val="accent6"/>
+            </a:effectRef>
+            <a:fontRef idx="minor">
+              <a:schemeClr val="dk1"/>
+            </a:fontRef>
+          </p:style>
+          <p:txBody>
+            <a:bodyPr rtlCol="0" anchor="ctr"/>
+            <a:lstStyle/>
+            <a:p>
+              <a:pPr algn="ctr"/>
+              <a:endParaRPr lang="pl-PL"/>
+            </a:p>
+          </p:txBody>
+        </p:sp>
+        <p:sp>
+          <p:nvSpPr>
+            <p:cNvPr id="52" name="Wybuch: 14 punktów 51">
+              <a:extLst>
+                <a:ext uri="{FF2B5EF4-FFF2-40B4-BE49-F238E27FC236}">
+                  <a16:creationId xmlns:a16="http://schemas.microsoft.com/office/drawing/2014/main" id="{0FFF2A34-2450-486D-967E-C909B7665086}"/>
+                </a:ext>
+              </a:extLst>
+            </p:cNvPr>
+            <p:cNvSpPr/>
+            <p:nvPr/>
+          </p:nvSpPr>
+          <p:spPr>
+            <a:xfrm>
+              <a:off x="4949002" y="2992038"/>
+              <a:ext cx="278296" cy="201040"/>
+            </a:xfrm>
+            <a:prstGeom prst="irregularSeal2">
+              <a:avLst/>
+            </a:prstGeom>
+            <a:ln>
+              <a:noFill/>
+            </a:ln>
+          </p:spPr>
+          <p:style>
+            <a:lnRef idx="2">
+              <a:schemeClr val="accent6"/>
+            </a:lnRef>
+            <a:fillRef idx="1">
+              <a:schemeClr val="lt1"/>
+            </a:fillRef>
+            <a:effectRef idx="0">
+              <a:schemeClr val="accent6"/>
+            </a:effectRef>
+            <a:fontRef idx="minor">
+              <a:schemeClr val="dk1"/>
+            </a:fontRef>
+          </p:style>
+          <p:txBody>
+            <a:bodyPr rtlCol="0" anchor="ctr"/>
+            <a:lstStyle/>
+            <a:p>
+              <a:pPr algn="ctr"/>
+              <a:endParaRPr lang="pl-PL"/>
+            </a:p>
+          </p:txBody>
+        </p:sp>
+        <p:sp>
+          <p:nvSpPr>
+            <p:cNvPr id="53" name="Wybuch: 14 punktów 52">
+              <a:extLst>
+                <a:ext uri="{FF2B5EF4-FFF2-40B4-BE49-F238E27FC236}">
+                  <a16:creationId xmlns:a16="http://schemas.microsoft.com/office/drawing/2014/main" id="{3D99D7BF-B948-4658-AA07-C1549463F8D2}"/>
+                </a:ext>
+              </a:extLst>
+            </p:cNvPr>
+            <p:cNvSpPr/>
+            <p:nvPr/>
+          </p:nvSpPr>
+          <p:spPr>
+            <a:xfrm>
+              <a:off x="4953783" y="3377496"/>
+              <a:ext cx="278296" cy="201040"/>
+            </a:xfrm>
+            <a:prstGeom prst="irregularSeal2">
+              <a:avLst/>
+            </a:prstGeom>
+            <a:ln>
+              <a:noFill/>
+            </a:ln>
+          </p:spPr>
+          <p:style>
+            <a:lnRef idx="2">
+              <a:schemeClr val="accent6"/>
+            </a:lnRef>
+            <a:fillRef idx="1">
+              <a:schemeClr val="lt1"/>
+            </a:fillRef>
+            <a:effectRef idx="0">
+              <a:schemeClr val="accent6"/>
+            </a:effectRef>
+            <a:fontRef idx="minor">
+              <a:schemeClr val="dk1"/>
+            </a:fontRef>
+          </p:style>
+          <p:txBody>
+            <a:bodyPr rtlCol="0" anchor="ctr"/>
+            <a:lstStyle/>
+            <a:p>
+              <a:pPr algn="ctr"/>
+              <a:endParaRPr lang="pl-PL"/>
+            </a:p>
+          </p:txBody>
+        </p:sp>
+        <p:sp>
+          <p:nvSpPr>
+            <p:cNvPr id="55" name="Wybuch: 14 punktów 54">
+              <a:extLst>
+                <a:ext uri="{FF2B5EF4-FFF2-40B4-BE49-F238E27FC236}">
+                  <a16:creationId xmlns:a16="http://schemas.microsoft.com/office/drawing/2014/main" id="{9A19C1E4-E589-4FFB-A6C9-0E9F8571CA2C}"/>
+                </a:ext>
+              </a:extLst>
+            </p:cNvPr>
+            <p:cNvSpPr/>
+            <p:nvPr/>
+          </p:nvSpPr>
+          <p:spPr>
+            <a:xfrm>
+              <a:off x="4840655" y="2462560"/>
+              <a:ext cx="278296" cy="201040"/>
+            </a:xfrm>
+            <a:prstGeom prst="irregularSeal2">
+              <a:avLst/>
+            </a:prstGeom>
+            <a:ln>
+              <a:noFill/>
+            </a:ln>
+          </p:spPr>
+          <p:style>
+            <a:lnRef idx="2">
+              <a:schemeClr val="accent6"/>
+            </a:lnRef>
+            <a:fillRef idx="1">
+              <a:schemeClr val="lt1"/>
+            </a:fillRef>
+            <a:effectRef idx="0">
+              <a:schemeClr val="accent6"/>
+            </a:effectRef>
+            <a:fontRef idx="minor">
+              <a:schemeClr val="dk1"/>
+            </a:fontRef>
+          </p:style>
+          <p:txBody>
+            <a:bodyPr rtlCol="0" anchor="ctr"/>
+            <a:lstStyle/>
+            <a:p>
+              <a:pPr algn="ctr"/>
+              <a:endParaRPr lang="pl-PL"/>
+            </a:p>
+          </p:txBody>
+        </p:sp>
+        <p:sp>
+          <p:nvSpPr>
+            <p:cNvPr id="56" name="Wybuch: 14 punktów 55">
+              <a:extLst>
+                <a:ext uri="{FF2B5EF4-FFF2-40B4-BE49-F238E27FC236}">
+                  <a16:creationId xmlns:a16="http://schemas.microsoft.com/office/drawing/2014/main" id="{E266A829-8183-41F1-8762-149148083654}"/>
+                </a:ext>
+              </a:extLst>
+            </p:cNvPr>
+            <p:cNvSpPr/>
+            <p:nvPr/>
+          </p:nvSpPr>
+          <p:spPr>
+            <a:xfrm>
+              <a:off x="6274105" y="4366737"/>
+              <a:ext cx="278296" cy="201040"/>
+            </a:xfrm>
+            <a:prstGeom prst="irregularSeal2">
+              <a:avLst/>
+            </a:prstGeom>
+            <a:ln>
+              <a:noFill/>
+            </a:ln>
+          </p:spPr>
+          <p:style>
+            <a:lnRef idx="2">
+              <a:schemeClr val="accent6"/>
+            </a:lnRef>
+            <a:fillRef idx="1">
+              <a:schemeClr val="lt1"/>
+            </a:fillRef>
+            <a:effectRef idx="0">
+              <a:schemeClr val="accent6"/>
+            </a:effectRef>
+            <a:fontRef idx="minor">
+              <a:schemeClr val="dk1"/>
+            </a:fontRef>
+          </p:style>
+          <p:txBody>
+            <a:bodyPr rtlCol="0" anchor="ctr"/>
+            <a:lstStyle/>
+            <a:p>
+              <a:pPr algn="ctr"/>
+              <a:endParaRPr lang="pl-PL"/>
+            </a:p>
+          </p:txBody>
+        </p:sp>
+        <p:sp>
+          <p:nvSpPr>
+            <p:cNvPr id="57" name="Wybuch: 14 punktów 56">
+              <a:extLst>
+                <a:ext uri="{FF2B5EF4-FFF2-40B4-BE49-F238E27FC236}">
+                  <a16:creationId xmlns:a16="http://schemas.microsoft.com/office/drawing/2014/main" id="{73D6CA6F-9B8A-4E55-994C-308F355C9A06}"/>
+                </a:ext>
+              </a:extLst>
+            </p:cNvPr>
+            <p:cNvSpPr/>
+            <p:nvPr/>
+          </p:nvSpPr>
+          <p:spPr>
+            <a:xfrm>
+              <a:off x="6093322" y="5004151"/>
+              <a:ext cx="278296" cy="201040"/>
+            </a:xfrm>
+            <a:prstGeom prst="irregularSeal2">
+              <a:avLst/>
+            </a:prstGeom>
+            <a:ln>
+              <a:noFill/>
+            </a:ln>
+          </p:spPr>
+          <p:style>
+            <a:lnRef idx="2">
+              <a:schemeClr val="accent6"/>
+            </a:lnRef>
+            <a:fillRef idx="1">
+              <a:schemeClr val="lt1"/>
+            </a:fillRef>
+            <a:effectRef idx="0">
+              <a:schemeClr val="accent6"/>
+            </a:effectRef>
+            <a:fontRef idx="minor">
+              <a:schemeClr val="dk1"/>
+            </a:fontRef>
+          </p:style>
+          <p:txBody>
+            <a:bodyPr rtlCol="0" anchor="ctr"/>
+            <a:lstStyle/>
+            <a:p>
+              <a:pPr algn="ctr"/>
+              <a:endParaRPr lang="pl-PL"/>
+            </a:p>
+          </p:txBody>
+        </p:sp>
+        <p:sp>
+          <p:nvSpPr>
+            <p:cNvPr id="58" name="Wybuch: 14 punktów 57">
+              <a:extLst>
+                <a:ext uri="{FF2B5EF4-FFF2-40B4-BE49-F238E27FC236}">
+                  <a16:creationId xmlns:a16="http://schemas.microsoft.com/office/drawing/2014/main" id="{6C3E67FE-EDB3-46D6-9C0A-8CDDB4A4EFBF}"/>
+                </a:ext>
+              </a:extLst>
+            </p:cNvPr>
+            <p:cNvSpPr/>
+            <p:nvPr/>
+          </p:nvSpPr>
+          <p:spPr>
+            <a:xfrm>
+              <a:off x="6579909" y="4557846"/>
+              <a:ext cx="278296" cy="201040"/>
+            </a:xfrm>
+            <a:prstGeom prst="irregularSeal2">
+              <a:avLst/>
+            </a:prstGeom>
+            <a:ln>
+              <a:noFill/>
+            </a:ln>
+          </p:spPr>
+          <p:style>
+            <a:lnRef idx="2">
+              <a:schemeClr val="accent6"/>
+            </a:lnRef>
+            <a:fillRef idx="1">
+              <a:schemeClr val="lt1"/>
+            </a:fillRef>
+            <a:effectRef idx="0">
+              <a:schemeClr val="accent6"/>
+            </a:effectRef>
+            <a:fontRef idx="minor">
+              <a:schemeClr val="dk1"/>
+            </a:fontRef>
+          </p:style>
+          <p:txBody>
+            <a:bodyPr rtlCol="0" anchor="ctr"/>
+            <a:lstStyle/>
+            <a:p>
+              <a:pPr algn="ctr"/>
+              <a:endParaRPr lang="pl-PL"/>
+            </a:p>
+          </p:txBody>
+        </p:sp>
+        <p:sp>
+          <p:nvSpPr>
+            <p:cNvPr id="59" name="Wybuch: 14 punktów 58">
+              <a:extLst>
+                <a:ext uri="{FF2B5EF4-FFF2-40B4-BE49-F238E27FC236}">
+                  <a16:creationId xmlns:a16="http://schemas.microsoft.com/office/drawing/2014/main" id="{B807DB49-5AC5-44F9-8459-9B235C8D7C72}"/>
+                </a:ext>
+              </a:extLst>
+            </p:cNvPr>
+            <p:cNvSpPr/>
+            <p:nvPr/>
+          </p:nvSpPr>
+          <p:spPr>
+            <a:xfrm>
+              <a:off x="6584690" y="4943304"/>
+              <a:ext cx="278296" cy="201040"/>
+            </a:xfrm>
+            <a:prstGeom prst="irregularSeal2">
+              <a:avLst/>
+            </a:prstGeom>
+            <a:ln>
+              <a:noFill/>
+            </a:ln>
+          </p:spPr>
+          <p:style>
+            <a:lnRef idx="2">
+              <a:schemeClr val="accent6"/>
+            </a:lnRef>
+            <a:fillRef idx="1">
+              <a:schemeClr val="lt1"/>
+            </a:fillRef>
+            <a:effectRef idx="0">
+              <a:schemeClr val="accent6"/>
+            </a:effectRef>
+            <a:fontRef idx="minor">
+              <a:schemeClr val="dk1"/>
+            </a:fontRef>
+          </p:style>
+          <p:txBody>
+            <a:bodyPr rtlCol="0" anchor="ctr"/>
+            <a:lstStyle/>
+            <a:p>
+              <a:pPr algn="ctr"/>
+              <a:endParaRPr lang="pl-PL"/>
+            </a:p>
+          </p:txBody>
+        </p:sp>
+        <p:sp>
+          <p:nvSpPr>
+            <p:cNvPr id="60" name="Wybuch: 14 punktów 59">
+              <a:extLst>
+                <a:ext uri="{FF2B5EF4-FFF2-40B4-BE49-F238E27FC236}">
+                  <a16:creationId xmlns:a16="http://schemas.microsoft.com/office/drawing/2014/main" id="{5BC9E72C-FE87-4046-8B69-B5B2A5AEBF5C}"/>
+                </a:ext>
+              </a:extLst>
+            </p:cNvPr>
+            <p:cNvSpPr/>
+            <p:nvPr/>
+          </p:nvSpPr>
+          <p:spPr>
+            <a:xfrm>
+              <a:off x="5612408" y="5238286"/>
+              <a:ext cx="278296" cy="201040"/>
+            </a:xfrm>
+            <a:prstGeom prst="irregularSeal2">
+              <a:avLst/>
+            </a:prstGeom>
+            <a:ln>
+              <a:noFill/>
+            </a:ln>
+          </p:spPr>
+          <p:style>
+            <a:lnRef idx="2">
+              <a:schemeClr val="accent6"/>
+            </a:lnRef>
+            <a:fillRef idx="1">
+              <a:schemeClr val="lt1"/>
+            </a:fillRef>
+            <a:effectRef idx="0">
+              <a:schemeClr val="accent6"/>
+            </a:effectRef>
+            <a:fontRef idx="minor">
+              <a:schemeClr val="dk1"/>
+            </a:fontRef>
+          </p:style>
+          <p:txBody>
+            <a:bodyPr rtlCol="0" anchor="ctr"/>
+            <a:lstStyle/>
+            <a:p>
+              <a:pPr algn="ctr"/>
+              <a:endParaRPr lang="pl-PL"/>
+            </a:p>
+          </p:txBody>
+        </p:sp>
+        <p:sp>
+          <p:nvSpPr>
+            <p:cNvPr id="61" name="Wybuch: 14 punktów 60">
+              <a:extLst>
+                <a:ext uri="{FF2B5EF4-FFF2-40B4-BE49-F238E27FC236}">
+                  <a16:creationId xmlns:a16="http://schemas.microsoft.com/office/drawing/2014/main" id="{D23C3E6B-9C9A-46AC-A2CC-D7EDD871003B}"/>
+                </a:ext>
+              </a:extLst>
+            </p:cNvPr>
+            <p:cNvSpPr/>
+            <p:nvPr/>
+          </p:nvSpPr>
+          <p:spPr>
+            <a:xfrm>
+              <a:off x="7134203" y="4425676"/>
+              <a:ext cx="278296" cy="201040"/>
+            </a:xfrm>
+            <a:prstGeom prst="irregularSeal2">
+              <a:avLst/>
+            </a:prstGeom>
+            <a:ln>
+              <a:noFill/>
+            </a:ln>
+          </p:spPr>
+          <p:style>
+            <a:lnRef idx="2">
+              <a:schemeClr val="accent6"/>
+            </a:lnRef>
+            <a:fillRef idx="1">
+              <a:schemeClr val="lt1"/>
+            </a:fillRef>
+            <a:effectRef idx="0">
+              <a:schemeClr val="accent6"/>
+            </a:effectRef>
+            <a:fontRef idx="minor">
+              <a:schemeClr val="dk1"/>
+            </a:fontRef>
+          </p:style>
+          <p:txBody>
+            <a:bodyPr rtlCol="0" anchor="ctr"/>
+            <a:lstStyle/>
+            <a:p>
+              <a:pPr algn="ctr"/>
+              <a:endParaRPr lang="pl-PL"/>
+            </a:p>
+          </p:txBody>
+        </p:sp>
+        <p:sp>
+          <p:nvSpPr>
+            <p:cNvPr id="63" name="Wybuch: 14 punktów 62">
+              <a:extLst>
+                <a:ext uri="{FF2B5EF4-FFF2-40B4-BE49-F238E27FC236}">
+                  <a16:creationId xmlns:a16="http://schemas.microsoft.com/office/drawing/2014/main" id="{6B876364-9335-4765-B6E6-C1565CD674B8}"/>
+                </a:ext>
+              </a:extLst>
+            </p:cNvPr>
+            <p:cNvSpPr/>
+            <p:nvPr/>
+          </p:nvSpPr>
+          <p:spPr>
+            <a:xfrm>
+              <a:off x="4560314" y="4115883"/>
+              <a:ext cx="278296" cy="201040"/>
+            </a:xfrm>
+            <a:prstGeom prst="irregularSeal2">
+              <a:avLst/>
+            </a:prstGeom>
+            <a:ln>
+              <a:noFill/>
+            </a:ln>
+          </p:spPr>
+          <p:style>
+            <a:lnRef idx="2">
+              <a:schemeClr val="accent6"/>
+            </a:lnRef>
+            <a:fillRef idx="1">
+              <a:schemeClr val="lt1"/>
+            </a:fillRef>
+            <a:effectRef idx="0">
+              <a:schemeClr val="accent6"/>
+            </a:effectRef>
+            <a:fontRef idx="minor">
+              <a:schemeClr val="dk1"/>
+            </a:fontRef>
+          </p:style>
+          <p:txBody>
+            <a:bodyPr rtlCol="0" anchor="ctr"/>
+            <a:lstStyle/>
+            <a:p>
+              <a:pPr algn="ctr"/>
+              <a:endParaRPr lang="pl-PL"/>
+            </a:p>
+          </p:txBody>
+        </p:sp>
+        <p:sp>
+          <p:nvSpPr>
+            <p:cNvPr id="64" name="Wybuch: 14 punktów 63">
+              <a:extLst>
+                <a:ext uri="{FF2B5EF4-FFF2-40B4-BE49-F238E27FC236}">
+                  <a16:creationId xmlns:a16="http://schemas.microsoft.com/office/drawing/2014/main" id="{511A2C18-3B4F-4871-AD68-72D1EA1930E8}"/>
+                </a:ext>
+              </a:extLst>
+            </p:cNvPr>
+            <p:cNvSpPr/>
+            <p:nvPr/>
+          </p:nvSpPr>
+          <p:spPr>
+            <a:xfrm>
+              <a:off x="4755410" y="3773116"/>
+              <a:ext cx="278296" cy="201040"/>
+            </a:xfrm>
+            <a:prstGeom prst="irregularSeal2">
+              <a:avLst/>
+            </a:prstGeom>
+            <a:ln>
+              <a:noFill/>
+            </a:ln>
+          </p:spPr>
+          <p:style>
+            <a:lnRef idx="2">
+              <a:schemeClr val="accent6"/>
+            </a:lnRef>
+            <a:fillRef idx="1">
+              <a:schemeClr val="lt1"/>
+            </a:fillRef>
+            <a:effectRef idx="0">
+              <a:schemeClr val="accent6"/>
+            </a:effectRef>
+            <a:fontRef idx="minor">
+              <a:schemeClr val="dk1"/>
+            </a:fontRef>
+          </p:style>
+          <p:txBody>
+            <a:bodyPr rtlCol="0" anchor="ctr"/>
+            <a:lstStyle/>
+            <a:p>
+              <a:pPr algn="ctr"/>
+              <a:endParaRPr lang="pl-PL"/>
+            </a:p>
+          </p:txBody>
+        </p:sp>
+        <p:sp>
+          <p:nvSpPr>
+            <p:cNvPr id="65" name="Wybuch: 14 punktów 64">
+              <a:extLst>
+                <a:ext uri="{FF2B5EF4-FFF2-40B4-BE49-F238E27FC236}">
+                  <a16:creationId xmlns:a16="http://schemas.microsoft.com/office/drawing/2014/main" id="{E7DF1F9B-711F-44E9-955A-D694BF3A46A8}"/>
+                </a:ext>
+              </a:extLst>
+            </p:cNvPr>
+            <p:cNvSpPr/>
+            <p:nvPr/>
+          </p:nvSpPr>
+          <p:spPr>
+            <a:xfrm>
+              <a:off x="4932775" y="4278761"/>
+              <a:ext cx="278296" cy="201040"/>
+            </a:xfrm>
+            <a:prstGeom prst="irregularSeal2">
+              <a:avLst/>
+            </a:prstGeom>
+            <a:ln>
+              <a:noFill/>
+            </a:ln>
+          </p:spPr>
+          <p:style>
+            <a:lnRef idx="2">
+              <a:schemeClr val="accent6"/>
+            </a:lnRef>
+            <a:fillRef idx="1">
+              <a:schemeClr val="lt1"/>
+            </a:fillRef>
+            <a:effectRef idx="0">
+              <a:schemeClr val="accent6"/>
+            </a:effectRef>
+            <a:fontRef idx="minor">
+              <a:schemeClr val="dk1"/>
+            </a:fontRef>
+          </p:style>
+          <p:txBody>
+            <a:bodyPr rtlCol="0" anchor="ctr"/>
+            <a:lstStyle/>
+            <a:p>
+              <a:pPr algn="ctr"/>
+              <a:endParaRPr lang="pl-PL"/>
+            </a:p>
+          </p:txBody>
+        </p:sp>
+        <p:sp>
+          <p:nvSpPr>
+            <p:cNvPr id="67" name="Wybuch: 14 punktów 66">
+              <a:extLst>
+                <a:ext uri="{FF2B5EF4-FFF2-40B4-BE49-F238E27FC236}">
+                  <a16:creationId xmlns:a16="http://schemas.microsoft.com/office/drawing/2014/main" id="{6009A573-1FB8-4E70-A3CD-8768FC557BC1}"/>
+                </a:ext>
+              </a:extLst>
+            </p:cNvPr>
+            <p:cNvSpPr/>
+            <p:nvPr/>
+          </p:nvSpPr>
+          <p:spPr>
+            <a:xfrm>
+              <a:off x="5256935" y="3761316"/>
+              <a:ext cx="278296" cy="201040"/>
+            </a:xfrm>
+            <a:prstGeom prst="irregularSeal2">
+              <a:avLst/>
+            </a:prstGeom>
+            <a:ln>
+              <a:noFill/>
+            </a:ln>
+          </p:spPr>
+          <p:style>
+            <a:lnRef idx="2">
+              <a:schemeClr val="accent6"/>
+            </a:lnRef>
+            <a:fillRef idx="1">
+              <a:schemeClr val="lt1"/>
+            </a:fillRef>
+            <a:effectRef idx="0">
+              <a:schemeClr val="accent6"/>
+            </a:effectRef>
+            <a:fontRef idx="minor">
+              <a:schemeClr val="dk1"/>
+            </a:fontRef>
+          </p:style>
+          <p:txBody>
+            <a:bodyPr rtlCol="0" anchor="ctr"/>
+            <a:lstStyle/>
+            <a:p>
+              <a:pPr algn="ctr"/>
+              <a:endParaRPr lang="pl-PL"/>
+            </a:p>
+          </p:txBody>
+        </p:sp>
+        <p:sp>
+          <p:nvSpPr>
+            <p:cNvPr id="68" name="Wybuch: 14 punktów 67">
+              <a:extLst>
+                <a:ext uri="{FF2B5EF4-FFF2-40B4-BE49-F238E27FC236}">
+                  <a16:creationId xmlns:a16="http://schemas.microsoft.com/office/drawing/2014/main" id="{B6822596-B38E-4FD2-A80A-705A56BD0FE4}"/>
+                </a:ext>
+              </a:extLst>
+            </p:cNvPr>
+            <p:cNvSpPr/>
+            <p:nvPr/>
+          </p:nvSpPr>
+          <p:spPr>
+            <a:xfrm>
+              <a:off x="6737413" y="3346550"/>
+              <a:ext cx="278296" cy="201040"/>
+            </a:xfrm>
+            <a:prstGeom prst="irregularSeal2">
+              <a:avLst/>
+            </a:prstGeom>
+            <a:ln>
+              <a:noFill/>
+            </a:ln>
+          </p:spPr>
+          <p:style>
+            <a:lnRef idx="2">
+              <a:schemeClr val="accent6"/>
+            </a:lnRef>
+            <a:fillRef idx="1">
+              <a:schemeClr val="lt1"/>
+            </a:fillRef>
+            <a:effectRef idx="0">
+              <a:schemeClr val="accent6"/>
+            </a:effectRef>
+            <a:fontRef idx="minor">
+              <a:schemeClr val="dk1"/>
+            </a:fontRef>
+          </p:style>
+          <p:txBody>
+            <a:bodyPr rtlCol="0" anchor="ctr"/>
+            <a:lstStyle/>
+            <a:p>
+              <a:pPr algn="ctr"/>
+              <a:endParaRPr lang="pl-PL"/>
+            </a:p>
+          </p:txBody>
+        </p:sp>
+        <p:sp>
+          <p:nvSpPr>
+            <p:cNvPr id="69" name="Wybuch: 14 punktów 68">
+              <a:extLst>
+                <a:ext uri="{FF2B5EF4-FFF2-40B4-BE49-F238E27FC236}">
+                  <a16:creationId xmlns:a16="http://schemas.microsoft.com/office/drawing/2014/main" id="{38586FBC-B255-4D96-9C53-9D970223EE59}"/>
+                </a:ext>
+              </a:extLst>
+            </p:cNvPr>
+            <p:cNvSpPr/>
+            <p:nvPr/>
+          </p:nvSpPr>
+          <p:spPr>
+            <a:xfrm>
+              <a:off x="6672575" y="3933291"/>
+              <a:ext cx="278296" cy="201040"/>
+            </a:xfrm>
+            <a:prstGeom prst="irregularSeal2">
+              <a:avLst/>
+            </a:prstGeom>
+            <a:ln>
+              <a:noFill/>
+            </a:ln>
+          </p:spPr>
+          <p:style>
+            <a:lnRef idx="2">
+              <a:schemeClr val="accent6"/>
+            </a:lnRef>
+            <a:fillRef idx="1">
+              <a:schemeClr val="lt1"/>
+            </a:fillRef>
+            <a:effectRef idx="0">
+              <a:schemeClr val="accent6"/>
+            </a:effectRef>
+            <a:fontRef idx="minor">
+              <a:schemeClr val="dk1"/>
+            </a:fontRef>
+          </p:style>
+          <p:txBody>
+            <a:bodyPr rtlCol="0" anchor="ctr"/>
+            <a:lstStyle/>
+            <a:p>
+              <a:pPr algn="ctr"/>
+              <a:endParaRPr lang="pl-PL"/>
+            </a:p>
+          </p:txBody>
+        </p:sp>
+        <p:sp>
+          <p:nvSpPr>
+            <p:cNvPr id="70" name="Wybuch: 14 punktów 69">
+              <a:extLst>
+                <a:ext uri="{FF2B5EF4-FFF2-40B4-BE49-F238E27FC236}">
+                  <a16:creationId xmlns:a16="http://schemas.microsoft.com/office/drawing/2014/main" id="{E08B0A08-20FE-4DEF-B4D1-0B3B81EB1E43}"/>
+                </a:ext>
+              </a:extLst>
+            </p:cNvPr>
+            <p:cNvSpPr/>
+            <p:nvPr/>
+          </p:nvSpPr>
+          <p:spPr>
+            <a:xfrm>
+              <a:off x="7043217" y="3537659"/>
+              <a:ext cx="278296" cy="201040"/>
+            </a:xfrm>
+            <a:prstGeom prst="irregularSeal2">
+              <a:avLst/>
+            </a:prstGeom>
+            <a:ln>
+              <a:noFill/>
+            </a:ln>
+          </p:spPr>
+          <p:style>
+            <a:lnRef idx="2">
+              <a:schemeClr val="accent6"/>
+            </a:lnRef>
+            <a:fillRef idx="1">
+              <a:schemeClr val="lt1"/>
+            </a:fillRef>
+            <a:effectRef idx="0">
+              <a:schemeClr val="accent6"/>
+            </a:effectRef>
+            <a:fontRef idx="minor">
+              <a:schemeClr val="dk1"/>
+            </a:fontRef>
+          </p:style>
+          <p:txBody>
+            <a:bodyPr rtlCol="0" anchor="ctr"/>
+            <a:lstStyle/>
+            <a:p>
+              <a:pPr algn="ctr"/>
+              <a:endParaRPr lang="pl-PL"/>
+            </a:p>
+          </p:txBody>
+        </p:sp>
+        <p:sp>
+          <p:nvSpPr>
+            <p:cNvPr id="71" name="Wybuch: 14 punktów 70">
+              <a:extLst>
+                <a:ext uri="{FF2B5EF4-FFF2-40B4-BE49-F238E27FC236}">
+                  <a16:creationId xmlns:a16="http://schemas.microsoft.com/office/drawing/2014/main" id="{0245759C-CF79-4543-A4CF-83D6EC01DE91}"/>
+                </a:ext>
+              </a:extLst>
+            </p:cNvPr>
+            <p:cNvSpPr/>
+            <p:nvPr/>
+          </p:nvSpPr>
+          <p:spPr>
+            <a:xfrm>
+              <a:off x="7047998" y="3923117"/>
+              <a:ext cx="278296" cy="201040"/>
+            </a:xfrm>
+            <a:prstGeom prst="irregularSeal2">
+              <a:avLst/>
+            </a:prstGeom>
+            <a:ln>
+              <a:noFill/>
+            </a:ln>
+          </p:spPr>
+          <p:style>
+            <a:lnRef idx="2">
+              <a:schemeClr val="accent6"/>
+            </a:lnRef>
+            <a:fillRef idx="1">
+              <a:schemeClr val="lt1"/>
+            </a:fillRef>
+            <a:effectRef idx="0">
+              <a:schemeClr val="accent6"/>
+            </a:effectRef>
+            <a:fontRef idx="minor">
+              <a:schemeClr val="dk1"/>
+            </a:fontRef>
+          </p:style>
+          <p:txBody>
+            <a:bodyPr rtlCol="0" anchor="ctr"/>
+            <a:lstStyle/>
+            <a:p>
+              <a:pPr algn="ctr"/>
+              <a:endParaRPr lang="pl-PL"/>
+            </a:p>
+          </p:txBody>
+        </p:sp>
+        <p:sp>
+          <p:nvSpPr>
+            <p:cNvPr id="72" name="Wybuch: 14 punktów 71">
+              <a:extLst>
+                <a:ext uri="{FF2B5EF4-FFF2-40B4-BE49-F238E27FC236}">
+                  <a16:creationId xmlns:a16="http://schemas.microsoft.com/office/drawing/2014/main" id="{C22EED06-305B-4537-B2F5-723F58F24214}"/>
+                </a:ext>
+              </a:extLst>
+            </p:cNvPr>
+            <p:cNvSpPr/>
+            <p:nvPr/>
+          </p:nvSpPr>
+          <p:spPr>
+            <a:xfrm>
+              <a:off x="6367125" y="3597787"/>
+              <a:ext cx="278296" cy="201040"/>
+            </a:xfrm>
+            <a:prstGeom prst="irregularSeal2">
+              <a:avLst/>
+            </a:prstGeom>
+            <a:ln>
+              <a:noFill/>
+            </a:ln>
+          </p:spPr>
+          <p:style>
+            <a:lnRef idx="2">
+              <a:schemeClr val="accent6"/>
+            </a:lnRef>
+            <a:fillRef idx="1">
+              <a:schemeClr val="lt1"/>
+            </a:fillRef>
+            <a:effectRef idx="0">
+              <a:schemeClr val="accent6"/>
+            </a:effectRef>
+            <a:fontRef idx="minor">
+              <a:schemeClr val="dk1"/>
+            </a:fontRef>
+          </p:style>
+          <p:txBody>
+            <a:bodyPr rtlCol="0" anchor="ctr"/>
+            <a:lstStyle/>
+            <a:p>
+              <a:pPr algn="ctr"/>
+              <a:endParaRPr lang="pl-PL"/>
+            </a:p>
+          </p:txBody>
+        </p:sp>
+        <p:sp>
+          <p:nvSpPr>
+            <p:cNvPr id="74" name="Wybuch: 14 punktów 73">
+              <a:extLst>
+                <a:ext uri="{FF2B5EF4-FFF2-40B4-BE49-F238E27FC236}">
+                  <a16:creationId xmlns:a16="http://schemas.microsoft.com/office/drawing/2014/main" id="{FB5184E1-E1A9-4B46-B6B0-91DD78CB3BE3}"/>
+                </a:ext>
+              </a:extLst>
+            </p:cNvPr>
+            <p:cNvSpPr/>
+            <p:nvPr/>
+          </p:nvSpPr>
+          <p:spPr>
+            <a:xfrm>
+              <a:off x="4937837" y="4550180"/>
+              <a:ext cx="278296" cy="201040"/>
+            </a:xfrm>
+            <a:prstGeom prst="irregularSeal2">
+              <a:avLst/>
+            </a:prstGeom>
+            <a:ln>
+              <a:noFill/>
+            </a:ln>
+          </p:spPr>
+          <p:style>
+            <a:lnRef idx="2">
+              <a:schemeClr val="accent6"/>
+            </a:lnRef>
+            <a:fillRef idx="1">
+              <a:schemeClr val="lt1"/>
+            </a:fillRef>
+            <a:effectRef idx="0">
+              <a:schemeClr val="accent6"/>
+            </a:effectRef>
+            <a:fontRef idx="minor">
+              <a:schemeClr val="dk1"/>
+            </a:fontRef>
+          </p:style>
+          <p:txBody>
+            <a:bodyPr rtlCol="0" anchor="ctr"/>
+            <a:lstStyle/>
+            <a:p>
+              <a:pPr algn="ctr"/>
+              <a:endParaRPr lang="pl-PL"/>
+            </a:p>
+          </p:txBody>
+        </p:sp>
+        <p:sp>
+          <p:nvSpPr>
+            <p:cNvPr id="75" name="Wybuch: 14 punktów 74">
+              <a:extLst>
+                <a:ext uri="{FF2B5EF4-FFF2-40B4-BE49-F238E27FC236}">
+                  <a16:creationId xmlns:a16="http://schemas.microsoft.com/office/drawing/2014/main" id="{9A0EE941-758A-4408-95E7-DA52885EF591}"/>
+                </a:ext>
+              </a:extLst>
+            </p:cNvPr>
+            <p:cNvSpPr/>
+            <p:nvPr/>
+          </p:nvSpPr>
+          <p:spPr>
+            <a:xfrm>
+              <a:off x="4875961" y="4963869"/>
+              <a:ext cx="278296" cy="201040"/>
+            </a:xfrm>
+            <a:prstGeom prst="irregularSeal2">
+              <a:avLst/>
+            </a:prstGeom>
+            <a:ln>
+              <a:noFill/>
+            </a:ln>
+          </p:spPr>
+          <p:style>
+            <a:lnRef idx="2">
+              <a:schemeClr val="accent6"/>
+            </a:lnRef>
+            <a:fillRef idx="1">
+              <a:schemeClr val="lt1"/>
+            </a:fillRef>
+            <a:effectRef idx="0">
+              <a:schemeClr val="accent6"/>
+            </a:effectRef>
+            <a:fontRef idx="minor">
+              <a:schemeClr val="dk1"/>
+            </a:fontRef>
+          </p:style>
+          <p:txBody>
+            <a:bodyPr rtlCol="0" anchor="ctr"/>
+            <a:lstStyle/>
+            <a:p>
+              <a:pPr algn="ctr"/>
+              <a:endParaRPr lang="pl-PL"/>
+            </a:p>
+          </p:txBody>
+        </p:sp>
+        <p:sp>
+          <p:nvSpPr>
+            <p:cNvPr id="76" name="Wybuch: 14 punktów 75">
+              <a:extLst>
+                <a:ext uri="{FF2B5EF4-FFF2-40B4-BE49-F238E27FC236}">
+                  <a16:creationId xmlns:a16="http://schemas.microsoft.com/office/drawing/2014/main" id="{DB297D4D-1EC9-41D8-84AB-FB26B272757F}"/>
+                </a:ext>
+              </a:extLst>
+            </p:cNvPr>
+            <p:cNvSpPr/>
+            <p:nvPr/>
+          </p:nvSpPr>
+          <p:spPr>
+            <a:xfrm>
+              <a:off x="5243641" y="4741289"/>
+              <a:ext cx="278296" cy="201040"/>
+            </a:xfrm>
+            <a:prstGeom prst="irregularSeal2">
+              <a:avLst/>
+            </a:prstGeom>
+            <a:ln>
+              <a:noFill/>
+            </a:ln>
+          </p:spPr>
+          <p:style>
+            <a:lnRef idx="2">
+              <a:schemeClr val="accent6"/>
+            </a:lnRef>
+            <a:fillRef idx="1">
+              <a:schemeClr val="lt1"/>
+            </a:fillRef>
+            <a:effectRef idx="0">
+              <a:schemeClr val="accent6"/>
+            </a:effectRef>
+            <a:fontRef idx="minor">
+              <a:schemeClr val="dk1"/>
+            </a:fontRef>
+          </p:style>
+          <p:txBody>
+            <a:bodyPr rtlCol="0" anchor="ctr"/>
+            <a:lstStyle/>
+            <a:p>
+              <a:pPr algn="ctr"/>
+              <a:endParaRPr lang="pl-PL"/>
+            </a:p>
+          </p:txBody>
+        </p:sp>
+        <p:sp>
+          <p:nvSpPr>
+            <p:cNvPr id="77" name="Wybuch: 14 punktów 76">
+              <a:extLst>
+                <a:ext uri="{FF2B5EF4-FFF2-40B4-BE49-F238E27FC236}">
+                  <a16:creationId xmlns:a16="http://schemas.microsoft.com/office/drawing/2014/main" id="{C78F6B71-7907-454F-AF52-CE9F8CBEE257}"/>
+                </a:ext>
+              </a:extLst>
+            </p:cNvPr>
+            <p:cNvSpPr/>
+            <p:nvPr/>
+          </p:nvSpPr>
+          <p:spPr>
+            <a:xfrm>
+              <a:off x="5248422" y="5126747"/>
+              <a:ext cx="278296" cy="201040"/>
+            </a:xfrm>
+            <a:prstGeom prst="irregularSeal2">
+              <a:avLst/>
+            </a:prstGeom>
+            <a:ln>
+              <a:noFill/>
+            </a:ln>
+          </p:spPr>
+          <p:style>
+            <a:lnRef idx="2">
+              <a:schemeClr val="accent6"/>
+            </a:lnRef>
+            <a:fillRef idx="1">
+              <a:schemeClr val="lt1"/>
+            </a:fillRef>
+            <a:effectRef idx="0">
+              <a:schemeClr val="accent6"/>
+            </a:effectRef>
+            <a:fontRef idx="minor">
+              <a:schemeClr val="dk1"/>
+            </a:fontRef>
+          </p:style>
+          <p:txBody>
+            <a:bodyPr rtlCol="0" anchor="ctr"/>
+            <a:lstStyle/>
+            <a:p>
+              <a:pPr algn="ctr"/>
+              <a:endParaRPr lang="pl-PL"/>
+            </a:p>
+          </p:txBody>
+        </p:sp>
+        <p:sp>
+          <p:nvSpPr>
+            <p:cNvPr id="78" name="Wybuch: 14 punktów 77">
+              <a:extLst>
+                <a:ext uri="{FF2B5EF4-FFF2-40B4-BE49-F238E27FC236}">
+                  <a16:creationId xmlns:a16="http://schemas.microsoft.com/office/drawing/2014/main" id="{0EE361A2-E0AC-4DE1-8ACF-11974DCDB521}"/>
+                </a:ext>
+              </a:extLst>
+            </p:cNvPr>
+            <p:cNvSpPr/>
+            <p:nvPr/>
+          </p:nvSpPr>
+          <p:spPr>
+            <a:xfrm>
+              <a:off x="4458554" y="4537130"/>
+              <a:ext cx="278296" cy="201040"/>
+            </a:xfrm>
+            <a:prstGeom prst="irregularSeal2">
+              <a:avLst/>
+            </a:prstGeom>
+            <a:ln>
+              <a:noFill/>
+            </a:ln>
+          </p:spPr>
+          <p:style>
+            <a:lnRef idx="2">
+              <a:schemeClr val="accent6"/>
+            </a:lnRef>
+            <a:fillRef idx="1">
+              <a:schemeClr val="lt1"/>
+            </a:fillRef>
+            <a:effectRef idx="0">
+              <a:schemeClr val="accent6"/>
+            </a:effectRef>
+            <a:fontRef idx="minor">
+              <a:schemeClr val="dk1"/>
+            </a:fontRef>
+          </p:style>
+          <p:txBody>
+            <a:bodyPr rtlCol="0" anchor="ctr"/>
+            <a:lstStyle/>
+            <a:p>
+              <a:pPr algn="ctr"/>
+              <a:endParaRPr lang="pl-PL"/>
+            </a:p>
+          </p:txBody>
+        </p:sp>
+        <p:sp>
+          <p:nvSpPr>
+            <p:cNvPr id="79" name="Wybuch: 14 punktów 78">
+              <a:extLst>
+                <a:ext uri="{FF2B5EF4-FFF2-40B4-BE49-F238E27FC236}">
+                  <a16:creationId xmlns:a16="http://schemas.microsoft.com/office/drawing/2014/main" id="{8D9E56EC-FD50-4DEE-A0CE-68CF039288BD}"/>
+                </a:ext>
+              </a:extLst>
+            </p:cNvPr>
+            <p:cNvSpPr/>
+            <p:nvPr/>
+          </p:nvSpPr>
+          <p:spPr>
+            <a:xfrm>
+              <a:off x="5865228" y="4595698"/>
+              <a:ext cx="278296" cy="201040"/>
+            </a:xfrm>
+            <a:prstGeom prst="irregularSeal2">
+              <a:avLst/>
+            </a:prstGeom>
+            <a:ln>
+              <a:noFill/>
+            </a:ln>
+          </p:spPr>
+          <p:style>
+            <a:lnRef idx="2">
+              <a:schemeClr val="accent6"/>
+            </a:lnRef>
+            <a:fillRef idx="1">
+              <a:schemeClr val="lt1"/>
+            </a:fillRef>
+            <a:effectRef idx="0">
+              <a:schemeClr val="accent6"/>
+            </a:effectRef>
+            <a:fontRef idx="minor">
+              <a:schemeClr val="dk1"/>
+            </a:fontRef>
+          </p:style>
+          <p:txBody>
+            <a:bodyPr rtlCol="0" anchor="ctr"/>
+            <a:lstStyle/>
+            <a:p>
+              <a:pPr algn="ctr"/>
+              <a:endParaRPr lang="pl-PL"/>
+            </a:p>
+          </p:txBody>
+        </p:sp>
+        <p:sp>
+          <p:nvSpPr>
+            <p:cNvPr id="80" name="Wybuch: 14 punktów 79">
+              <a:extLst>
+                <a:ext uri="{FF2B5EF4-FFF2-40B4-BE49-F238E27FC236}">
+                  <a16:creationId xmlns:a16="http://schemas.microsoft.com/office/drawing/2014/main" id="{576B5168-DA19-4B88-901C-F3935B1DB3E3}"/>
+                </a:ext>
+              </a:extLst>
+            </p:cNvPr>
+            <p:cNvSpPr/>
+            <p:nvPr/>
+          </p:nvSpPr>
+          <p:spPr>
+            <a:xfrm>
+              <a:off x="5586932" y="3052166"/>
+              <a:ext cx="278296" cy="201040"/>
+            </a:xfrm>
+            <a:prstGeom prst="irregularSeal2">
+              <a:avLst/>
+            </a:prstGeom>
+            <a:ln>
+              <a:noFill/>
+            </a:ln>
+          </p:spPr>
+          <p:style>
+            <a:lnRef idx="2">
+              <a:schemeClr val="accent6"/>
+            </a:lnRef>
+            <a:fillRef idx="1">
+              <a:schemeClr val="lt1"/>
+            </a:fillRef>
+            <a:effectRef idx="0">
+              <a:schemeClr val="accent6"/>
+            </a:effectRef>
+            <a:fontRef idx="minor">
+              <a:schemeClr val="dk1"/>
+            </a:fontRef>
+          </p:style>
+          <p:txBody>
+            <a:bodyPr rtlCol="0" anchor="ctr"/>
+            <a:lstStyle/>
+            <a:p>
+              <a:pPr algn="ctr"/>
+              <a:endParaRPr lang="pl-PL"/>
+            </a:p>
+          </p:txBody>
+        </p:sp>
+        <p:sp>
+          <p:nvSpPr>
+            <p:cNvPr id="81" name="Wybuch: 14 punktów 80">
+              <a:extLst>
+                <a:ext uri="{FF2B5EF4-FFF2-40B4-BE49-F238E27FC236}">
+                  <a16:creationId xmlns:a16="http://schemas.microsoft.com/office/drawing/2014/main" id="{80BC29BB-CC61-455D-8341-8821AD5F4EE5}"/>
+                </a:ext>
+              </a:extLst>
+            </p:cNvPr>
+            <p:cNvSpPr/>
+            <p:nvPr/>
+          </p:nvSpPr>
+          <p:spPr>
+            <a:xfrm>
+              <a:off x="5601649" y="3546413"/>
+              <a:ext cx="278296" cy="201040"/>
+            </a:xfrm>
+            <a:prstGeom prst="irregularSeal2">
+              <a:avLst/>
+            </a:prstGeom>
+            <a:ln>
+              <a:noFill/>
+            </a:ln>
+          </p:spPr>
+          <p:style>
+            <a:lnRef idx="2">
+              <a:schemeClr val="accent6"/>
+            </a:lnRef>
+            <a:fillRef idx="1">
+              <a:schemeClr val="lt1"/>
+            </a:fillRef>
+            <a:effectRef idx="0">
+              <a:schemeClr val="accent6"/>
+            </a:effectRef>
+            <a:fontRef idx="minor">
+              <a:schemeClr val="dk1"/>
+            </a:fontRef>
+          </p:style>
+          <p:txBody>
+            <a:bodyPr rtlCol="0" anchor="ctr"/>
+            <a:lstStyle/>
+            <a:p>
+              <a:pPr algn="ctr"/>
+              <a:endParaRPr lang="pl-PL"/>
+            </a:p>
+          </p:txBody>
+        </p:sp>
+        <p:sp>
+          <p:nvSpPr>
+            <p:cNvPr id="82" name="Wybuch: 14 punktów 81">
+              <a:extLst>
+                <a:ext uri="{FF2B5EF4-FFF2-40B4-BE49-F238E27FC236}">
+                  <a16:creationId xmlns:a16="http://schemas.microsoft.com/office/drawing/2014/main" id="{845969FE-74BB-4622-8C9E-19B3B01F1A5A}"/>
+                </a:ext>
+              </a:extLst>
+            </p:cNvPr>
+            <p:cNvSpPr/>
+            <p:nvPr/>
+          </p:nvSpPr>
+          <p:spPr>
+            <a:xfrm>
+              <a:off x="5969329" y="3323833"/>
+              <a:ext cx="278296" cy="201040"/>
+            </a:xfrm>
+            <a:prstGeom prst="irregularSeal2">
+              <a:avLst/>
+            </a:prstGeom>
+            <a:ln>
+              <a:noFill/>
+            </a:ln>
+          </p:spPr>
+          <p:style>
+            <a:lnRef idx="2">
+              <a:schemeClr val="accent6"/>
+            </a:lnRef>
+            <a:fillRef idx="1">
+              <a:schemeClr val="lt1"/>
+            </a:fillRef>
+            <a:effectRef idx="0">
+              <a:schemeClr val="accent6"/>
+            </a:effectRef>
+            <a:fontRef idx="minor">
+              <a:schemeClr val="dk1"/>
+            </a:fontRef>
+          </p:style>
+          <p:txBody>
+            <a:bodyPr rtlCol="0" anchor="ctr"/>
+            <a:lstStyle/>
+            <a:p>
+              <a:pPr algn="ctr"/>
+              <a:endParaRPr lang="pl-PL"/>
+            </a:p>
+          </p:txBody>
+        </p:sp>
+        <p:sp>
+          <p:nvSpPr>
+            <p:cNvPr id="83" name="Wybuch: 14 punktów 82">
+              <a:extLst>
+                <a:ext uri="{FF2B5EF4-FFF2-40B4-BE49-F238E27FC236}">
+                  <a16:creationId xmlns:a16="http://schemas.microsoft.com/office/drawing/2014/main" id="{EB0B707D-268E-42EE-B410-8D8C8A899935}"/>
+                </a:ext>
+              </a:extLst>
+            </p:cNvPr>
+            <p:cNvSpPr/>
+            <p:nvPr/>
+          </p:nvSpPr>
+          <p:spPr>
+            <a:xfrm>
+              <a:off x="5974110" y="3709291"/>
+              <a:ext cx="278296" cy="201040"/>
+            </a:xfrm>
+            <a:prstGeom prst="irregularSeal2">
+              <a:avLst/>
+            </a:prstGeom>
+            <a:ln>
+              <a:noFill/>
+            </a:ln>
+          </p:spPr>
+          <p:style>
+            <a:lnRef idx="2">
+              <a:schemeClr val="accent6"/>
+            </a:lnRef>
+            <a:fillRef idx="1">
+              <a:schemeClr val="lt1"/>
+            </a:fillRef>
+            <a:effectRef idx="0">
+              <a:schemeClr val="accent6"/>
+            </a:effectRef>
+            <a:fontRef idx="minor">
+              <a:schemeClr val="dk1"/>
+            </a:fontRef>
+          </p:style>
+          <p:txBody>
+            <a:bodyPr rtlCol="0" anchor="ctr"/>
+            <a:lstStyle/>
+            <a:p>
+              <a:pPr algn="ctr"/>
+              <a:endParaRPr lang="pl-PL"/>
+            </a:p>
+          </p:txBody>
+        </p:sp>
+        <p:sp>
+          <p:nvSpPr>
+            <p:cNvPr id="84" name="Wybuch: 14 punktów 83">
+              <a:extLst>
+                <a:ext uri="{FF2B5EF4-FFF2-40B4-BE49-F238E27FC236}">
+                  <a16:creationId xmlns:a16="http://schemas.microsoft.com/office/drawing/2014/main" id="{002EE77A-790A-4EB7-9183-2A4F7665C62B}"/>
+                </a:ext>
+              </a:extLst>
+            </p:cNvPr>
+            <p:cNvSpPr/>
+            <p:nvPr/>
+          </p:nvSpPr>
+          <p:spPr>
+            <a:xfrm>
+              <a:off x="5293237" y="3383961"/>
+              <a:ext cx="278296" cy="201040"/>
+            </a:xfrm>
+            <a:prstGeom prst="irregularSeal2">
+              <a:avLst/>
+            </a:prstGeom>
+            <a:ln>
+              <a:noFill/>
+            </a:ln>
+          </p:spPr>
+          <p:style>
+            <a:lnRef idx="2">
+              <a:schemeClr val="accent6"/>
+            </a:lnRef>
+            <a:fillRef idx="1">
+              <a:schemeClr val="lt1"/>
+            </a:fillRef>
+            <a:effectRef idx="0">
+              <a:schemeClr val="accent6"/>
+            </a:effectRef>
+            <a:fontRef idx="minor">
+              <a:schemeClr val="dk1"/>
+            </a:fontRef>
+          </p:style>
+          <p:txBody>
+            <a:bodyPr rtlCol="0" anchor="ctr"/>
+            <a:lstStyle/>
+            <a:p>
+              <a:pPr algn="ctr"/>
+              <a:endParaRPr lang="pl-PL"/>
+            </a:p>
+          </p:txBody>
+        </p:sp>
+        <p:sp>
+          <p:nvSpPr>
+            <p:cNvPr id="85" name="Wybuch: 14 punktów 84">
+              <a:extLst>
+                <a:ext uri="{FF2B5EF4-FFF2-40B4-BE49-F238E27FC236}">
+                  <a16:creationId xmlns:a16="http://schemas.microsoft.com/office/drawing/2014/main" id="{86CB8965-3B0D-4A07-95F5-D808D523EE36}"/>
+                </a:ext>
+              </a:extLst>
+            </p:cNvPr>
+            <p:cNvSpPr/>
+            <p:nvPr/>
+          </p:nvSpPr>
+          <p:spPr>
+            <a:xfrm>
+              <a:off x="6298270" y="3191846"/>
+              <a:ext cx="278296" cy="201040"/>
+            </a:xfrm>
+            <a:prstGeom prst="irregularSeal2">
+              <a:avLst/>
+            </a:prstGeom>
+            <a:ln>
+              <a:noFill/>
+            </a:ln>
+          </p:spPr>
+          <p:style>
+            <a:lnRef idx="2">
+              <a:schemeClr val="accent6"/>
+            </a:lnRef>
+            <a:fillRef idx="1">
+              <a:schemeClr val="lt1"/>
+            </a:fillRef>
+            <a:effectRef idx="0">
+              <a:schemeClr val="accent6"/>
+            </a:effectRef>
+            <a:fontRef idx="minor">
+              <a:schemeClr val="dk1"/>
+            </a:fontRef>
+          </p:style>
+          <p:txBody>
+            <a:bodyPr rtlCol="0" anchor="ctr"/>
+            <a:lstStyle/>
+            <a:p>
+              <a:pPr algn="ctr"/>
+              <a:endParaRPr lang="pl-PL"/>
+            </a:p>
+          </p:txBody>
+        </p:sp>
+        <p:sp>
+          <p:nvSpPr>
+            <p:cNvPr id="86" name="Wybuch: 14 punktów 85">
+              <a:extLst>
+                <a:ext uri="{FF2B5EF4-FFF2-40B4-BE49-F238E27FC236}">
+                  <a16:creationId xmlns:a16="http://schemas.microsoft.com/office/drawing/2014/main" id="{443C55A0-5F4A-45E7-B926-40CEBFCE4EF9}"/>
+                </a:ext>
+              </a:extLst>
+            </p:cNvPr>
+            <p:cNvSpPr/>
+            <p:nvPr/>
+          </p:nvSpPr>
+          <p:spPr>
+            <a:xfrm>
+              <a:off x="5606238" y="3869764"/>
+              <a:ext cx="278296" cy="201040"/>
+            </a:xfrm>
+            <a:prstGeom prst="irregularSeal2">
+              <a:avLst/>
+            </a:prstGeom>
+            <a:ln>
+              <a:noFill/>
+            </a:ln>
+          </p:spPr>
+          <p:style>
+            <a:lnRef idx="2">
+              <a:schemeClr val="accent6"/>
+            </a:lnRef>
+            <a:fillRef idx="1">
+              <a:schemeClr val="lt1"/>
+            </a:fillRef>
+            <a:effectRef idx="0">
+              <a:schemeClr val="accent6"/>
+            </a:effectRef>
+            <a:fontRef idx="minor">
+              <a:schemeClr val="dk1"/>
+            </a:fontRef>
+          </p:style>
+          <p:txBody>
+            <a:bodyPr rtlCol="0" anchor="ctr"/>
+            <a:lstStyle/>
+            <a:p>
+              <a:pPr algn="ctr"/>
+              <a:endParaRPr lang="pl-PL"/>
+            </a:p>
+          </p:txBody>
+        </p:sp>
+        <p:sp>
+          <p:nvSpPr>
+            <p:cNvPr id="87" name="Wybuch: 14 punktów 86">
+              <a:extLst>
+                <a:ext uri="{FF2B5EF4-FFF2-40B4-BE49-F238E27FC236}">
+                  <a16:creationId xmlns:a16="http://schemas.microsoft.com/office/drawing/2014/main" id="{AEC03136-4786-4A5D-85C0-2D10F2E5D8EF}"/>
+                </a:ext>
+              </a:extLst>
+            </p:cNvPr>
+            <p:cNvSpPr/>
+            <p:nvPr/>
+          </p:nvSpPr>
+          <p:spPr>
+            <a:xfrm>
+              <a:off x="5416445" y="4217910"/>
+              <a:ext cx="278296" cy="201040"/>
+            </a:xfrm>
+            <a:prstGeom prst="irregularSeal2">
+              <a:avLst/>
+            </a:prstGeom>
+            <a:ln>
+              <a:noFill/>
+            </a:ln>
+          </p:spPr>
+          <p:style>
+            <a:lnRef idx="2">
+              <a:schemeClr val="accent6"/>
+            </a:lnRef>
+            <a:fillRef idx="1">
+              <a:schemeClr val="lt1"/>
+            </a:fillRef>
+            <a:effectRef idx="0">
+              <a:schemeClr val="accent6"/>
+            </a:effectRef>
+            <a:fontRef idx="minor">
+              <a:schemeClr val="dk1"/>
+            </a:fontRef>
+          </p:style>
+          <p:txBody>
+            <a:bodyPr rtlCol="0" anchor="ctr"/>
+            <a:lstStyle/>
+            <a:p>
+              <a:pPr algn="ctr"/>
+              <a:endParaRPr lang="pl-PL"/>
+            </a:p>
+          </p:txBody>
+        </p:sp>
+        <p:sp>
+          <p:nvSpPr>
+            <p:cNvPr id="88" name="Wybuch: 14 punktów 87">
+              <a:extLst>
+                <a:ext uri="{FF2B5EF4-FFF2-40B4-BE49-F238E27FC236}">
+                  <a16:creationId xmlns:a16="http://schemas.microsoft.com/office/drawing/2014/main" id="{A491F181-A88D-4463-AD85-4251874814BC}"/>
+                </a:ext>
+              </a:extLst>
+            </p:cNvPr>
+            <p:cNvSpPr/>
+            <p:nvPr/>
+          </p:nvSpPr>
+          <p:spPr>
+            <a:xfrm>
+              <a:off x="6159495" y="4154291"/>
+              <a:ext cx="278296" cy="201040"/>
+            </a:xfrm>
+            <a:prstGeom prst="irregularSeal2">
+              <a:avLst/>
+            </a:prstGeom>
+            <a:ln>
+              <a:noFill/>
+            </a:ln>
+          </p:spPr>
+          <p:style>
+            <a:lnRef idx="2">
+              <a:schemeClr val="accent6"/>
+            </a:lnRef>
+            <a:fillRef idx="1">
+              <a:schemeClr val="lt1"/>
+            </a:fillRef>
+            <a:effectRef idx="0">
+              <a:schemeClr val="accent6"/>
+            </a:effectRef>
+            <a:fontRef idx="minor">
+              <a:schemeClr val="dk1"/>
+            </a:fontRef>
+          </p:style>
+          <p:txBody>
+            <a:bodyPr rtlCol="0" anchor="ctr"/>
+            <a:lstStyle/>
+            <a:p>
+              <a:pPr algn="ctr"/>
+              <a:endParaRPr lang="pl-PL"/>
+            </a:p>
+          </p:txBody>
+        </p:sp>
+      </p:grpSp>
+      <p:sp>
+        <p:nvSpPr>
+          <p:cNvPr id="91" name="Wybuch: 14 punktów 90">
+            <a:extLst>
+              <a:ext uri="{FF2B5EF4-FFF2-40B4-BE49-F238E27FC236}">
+                <a16:creationId xmlns:a16="http://schemas.microsoft.com/office/drawing/2014/main" id="{226CEF7E-8225-46BB-B0B2-6A5CC372270D}"/>
+              </a:ext>
+            </a:extLst>
+          </p:cNvPr>
+          <p:cNvSpPr/>
+          <p:nvPr/>
+        </p:nvSpPr>
+        <p:spPr>
+          <a:xfrm>
+            <a:off x="6998334" y="799830"/>
+            <a:ext cx="278296" cy="201040"/>
+          </a:xfrm>
+          <a:prstGeom prst="irregularSeal2">
+            <a:avLst/>
+          </a:prstGeom>
+          <a:ln>
+            <a:noFill/>
+          </a:ln>
+        </p:spPr>
+        <p:style>
+          <a:lnRef idx="2">
+            <a:schemeClr val="accent6"/>
+          </a:lnRef>
+          <a:fillRef idx="1">
+            <a:schemeClr val="lt1"/>
+          </a:fillRef>
+          <a:effectRef idx="0">
+            <a:schemeClr val="accent6"/>
+          </a:effectRef>
+          <a:fontRef idx="minor">
+            <a:schemeClr val="dk1"/>
+          </a:fontRef>
+        </p:style>
+        <p:txBody>
+          <a:bodyPr rtlCol="0" anchor="ctr"/>
+          <a:lstStyle/>
+          <a:p>
+            <a:pPr algn="ctr"/>
+            <a:endParaRPr lang="pl-PL"/>
+          </a:p>
+        </p:txBody>
+      </p:sp>
+      <p:sp>
+        <p:nvSpPr>
+          <p:cNvPr id="103" name="Strzałka: zakrzywiona w lewo 102">
+            <a:extLst>
+              <a:ext uri="{FF2B5EF4-FFF2-40B4-BE49-F238E27FC236}">
+                <a16:creationId xmlns:a16="http://schemas.microsoft.com/office/drawing/2014/main" id="{D06B58BE-0F5A-408B-A125-021792C5C31D}"/>
+              </a:ext>
+            </a:extLst>
+          </p:cNvPr>
+          <p:cNvSpPr/>
+          <p:nvPr/>
+        </p:nvSpPr>
+        <p:spPr>
+          <a:xfrm rot="10198486">
+            <a:off x="4819000" y="2860289"/>
+            <a:ext cx="1040397" cy="551868"/>
+          </a:xfrm>
+          <a:prstGeom prst="curvedLeftArrow">
+            <a:avLst>
+              <a:gd name="adj1" fmla="val 28769"/>
+              <a:gd name="adj2" fmla="val 28769"/>
+              <a:gd name="adj3" fmla="val 0"/>
+            </a:avLst>
+          </a:prstGeom>
+          <a:solidFill>
+            <a:schemeClr val="bg1"/>
+          </a:solidFill>
+          <a:ln>
+            <a:noFill/>
+          </a:ln>
+        </p:spPr>
+        <p:style>
+          <a:lnRef idx="2">
+            <a:schemeClr val="accent1">
+              <a:shade val="50000"/>
+            </a:schemeClr>
+          </a:lnRef>
+          <a:fillRef idx="1">
+            <a:schemeClr val="accent1"/>
+          </a:fillRef>
+          <a:effectRef idx="0">
+            <a:schemeClr val="accent1"/>
+          </a:effectRef>
+          <a:fontRef idx="minor">
+            <a:schemeClr val="lt1"/>
+          </a:fontRef>
+        </p:style>
+        <p:txBody>
+          <a:bodyPr rtlCol="0" anchor="ctr"/>
+          <a:lstStyle/>
+          <a:p>
+            <a:pPr algn="ctr"/>
+            <a:endParaRPr lang="pl-PL">
+              <a:solidFill>
+                <a:schemeClr val="tx1"/>
+              </a:solidFill>
+            </a:endParaRPr>
+          </a:p>
+        </p:txBody>
+      </p:sp>
+      <p:sp>
+        <p:nvSpPr>
+          <p:cNvPr id="93" name="Strzałka: zakrzywiona w lewo 92">
+            <a:extLst>
+              <a:ext uri="{FF2B5EF4-FFF2-40B4-BE49-F238E27FC236}">
+                <a16:creationId xmlns:a16="http://schemas.microsoft.com/office/drawing/2014/main" id="{0DD5CA91-1C69-41F8-AE6C-EE59239BAD1C}"/>
+              </a:ext>
+            </a:extLst>
+          </p:cNvPr>
+          <p:cNvSpPr/>
+          <p:nvPr/>
+        </p:nvSpPr>
+        <p:spPr>
+          <a:xfrm rot="10198486" flipH="1">
+            <a:off x="5831369" y="2689945"/>
+            <a:ext cx="973029" cy="551868"/>
+          </a:xfrm>
+          <a:prstGeom prst="curvedLeftArrow">
+            <a:avLst>
+              <a:gd name="adj1" fmla="val 28769"/>
+              <a:gd name="adj2" fmla="val 28769"/>
+              <a:gd name="adj3" fmla="val 0"/>
+            </a:avLst>
+          </a:prstGeom>
+          <a:solidFill>
+            <a:schemeClr val="bg1"/>
+          </a:solidFill>
+          <a:ln>
+            <a:noFill/>
+          </a:ln>
+        </p:spPr>
+        <p:style>
+          <a:lnRef idx="2">
+            <a:schemeClr val="accent1">
+              <a:shade val="50000"/>
+            </a:schemeClr>
+          </a:lnRef>
+          <a:fillRef idx="1">
+            <a:schemeClr val="accent1"/>
+          </a:fillRef>
+          <a:effectRef idx="0">
+            <a:schemeClr val="accent1"/>
+          </a:effectRef>
+          <a:fontRef idx="minor">
+            <a:schemeClr val="lt1"/>
+          </a:fontRef>
+        </p:style>
+        <p:txBody>
+          <a:bodyPr rtlCol="0" anchor="ctr"/>
+          <a:lstStyle/>
+          <a:p>
+            <a:pPr algn="ctr"/>
+            <a:endParaRPr lang="pl-PL">
+              <a:solidFill>
+                <a:schemeClr val="tx1"/>
+              </a:solidFill>
+            </a:endParaRPr>
+          </a:p>
+        </p:txBody>
+      </p:sp>
+      <p:sp>
+        <p:nvSpPr>
+          <p:cNvPr id="94" name="Strzałka: zakrzywiona w lewo 93">
+            <a:extLst>
+              <a:ext uri="{FF2B5EF4-FFF2-40B4-BE49-F238E27FC236}">
+                <a16:creationId xmlns:a16="http://schemas.microsoft.com/office/drawing/2014/main" id="{3C7558B0-75D8-4382-92DD-DAC10DD90BE3}"/>
+              </a:ext>
+            </a:extLst>
+          </p:cNvPr>
+          <p:cNvSpPr/>
+          <p:nvPr/>
+        </p:nvSpPr>
+        <p:spPr>
+          <a:xfrm rot="10800000">
+            <a:off x="4835962" y="2695541"/>
+            <a:ext cx="1040397" cy="551868"/>
+          </a:xfrm>
+          <a:prstGeom prst="curvedLeftArrow">
+            <a:avLst>
+              <a:gd name="adj1" fmla="val 28769"/>
+              <a:gd name="adj2" fmla="val 28769"/>
+              <a:gd name="adj3" fmla="val 0"/>
+            </a:avLst>
+          </a:prstGeom>
+          <a:solidFill>
+            <a:schemeClr val="bg1"/>
+          </a:solidFill>
+          <a:ln>
+            <a:noFill/>
+          </a:ln>
+        </p:spPr>
+        <p:style>
+          <a:lnRef idx="2">
+            <a:schemeClr val="accent1">
+              <a:shade val="50000"/>
+            </a:schemeClr>
+          </a:lnRef>
+          <a:fillRef idx="1">
+            <a:schemeClr val="accent1"/>
+          </a:fillRef>
+          <a:effectRef idx="0">
+            <a:schemeClr val="accent1"/>
+          </a:effectRef>
+          <a:fontRef idx="minor">
+            <a:schemeClr val="lt1"/>
+          </a:fontRef>
+        </p:style>
+        <p:txBody>
+          <a:bodyPr rtlCol="0" anchor="ctr"/>
+          <a:lstStyle/>
+          <a:p>
+            <a:pPr algn="ctr"/>
+            <a:endParaRPr lang="pl-PL">
+              <a:solidFill>
+                <a:schemeClr val="tx1"/>
+              </a:solidFill>
+            </a:endParaRPr>
+          </a:p>
+        </p:txBody>
+      </p:sp>
+      <p:sp>
+        <p:nvSpPr>
+          <p:cNvPr id="95" name="Strzałka: zakrzywiona w lewo 94">
+            <a:extLst>
+              <a:ext uri="{FF2B5EF4-FFF2-40B4-BE49-F238E27FC236}">
+                <a16:creationId xmlns:a16="http://schemas.microsoft.com/office/drawing/2014/main" id="{BA245C58-BBE6-42CC-99A9-7704DEAD8630}"/>
+              </a:ext>
+            </a:extLst>
+          </p:cNvPr>
+          <p:cNvSpPr/>
+          <p:nvPr/>
+        </p:nvSpPr>
+        <p:spPr>
+          <a:xfrm rot="9851956" flipH="1">
+            <a:off x="5800776" y="2572237"/>
+            <a:ext cx="973029" cy="551868"/>
+          </a:xfrm>
+          <a:prstGeom prst="curvedLeftArrow">
+            <a:avLst>
+              <a:gd name="adj1" fmla="val 28769"/>
+              <a:gd name="adj2" fmla="val 28769"/>
+              <a:gd name="adj3" fmla="val 0"/>
+            </a:avLst>
+          </a:prstGeom>
+          <a:solidFill>
+            <a:schemeClr val="bg1"/>
+          </a:solidFill>
+          <a:ln>
+            <a:noFill/>
+          </a:ln>
+        </p:spPr>
+        <p:style>
+          <a:lnRef idx="2">
+            <a:schemeClr val="accent1">
+              <a:shade val="50000"/>
+            </a:schemeClr>
+          </a:lnRef>
+          <a:fillRef idx="1">
+            <a:schemeClr val="accent1"/>
+          </a:fillRef>
+          <a:effectRef idx="0">
+            <a:schemeClr val="accent1"/>
+          </a:effectRef>
+          <a:fontRef idx="minor">
+            <a:schemeClr val="lt1"/>
+          </a:fontRef>
+        </p:style>
+        <p:txBody>
+          <a:bodyPr rtlCol="0" anchor="ctr"/>
+          <a:lstStyle/>
+          <a:p>
+            <a:pPr algn="ctr"/>
+            <a:endParaRPr lang="pl-PL">
+              <a:solidFill>
+                <a:schemeClr val="tx1"/>
+              </a:solidFill>
+            </a:endParaRPr>
+          </a:p>
+        </p:txBody>
+      </p:sp>
+      <p:grpSp>
+        <p:nvGrpSpPr>
+          <p:cNvPr id="99" name="Grupa 98">
+            <a:extLst>
+              <a:ext uri="{FF2B5EF4-FFF2-40B4-BE49-F238E27FC236}">
+                <a16:creationId xmlns:a16="http://schemas.microsoft.com/office/drawing/2014/main" id="{520F4136-D7DD-4620-AC6B-0BF8C21A6855}"/>
+              </a:ext>
+            </a:extLst>
+          </p:cNvPr>
+          <p:cNvGrpSpPr/>
+          <p:nvPr/>
+        </p:nvGrpSpPr>
+        <p:grpSpPr>
+          <a:xfrm>
+            <a:off x="6719259" y="1991878"/>
+            <a:ext cx="4087337" cy="1072889"/>
+            <a:chOff x="6671306" y="2347787"/>
+            <a:chExt cx="4087337" cy="1072889"/>
+          </a:xfrm>
+        </p:grpSpPr>
+        <p:sp>
+          <p:nvSpPr>
+            <p:cNvPr id="10" name="Dowolny kształt: kształt 9">
+              <a:extLst>
+                <a:ext uri="{FF2B5EF4-FFF2-40B4-BE49-F238E27FC236}">
+                  <a16:creationId xmlns:a16="http://schemas.microsoft.com/office/drawing/2014/main" id="{A7ECA0C1-F188-4332-B443-3583DCD560C9}"/>
+                </a:ext>
+              </a:extLst>
+            </p:cNvPr>
+            <p:cNvSpPr/>
+            <p:nvPr/>
+          </p:nvSpPr>
+          <p:spPr>
+            <a:xfrm>
+              <a:off x="6671306" y="2347787"/>
+              <a:ext cx="4056354" cy="930488"/>
+            </a:xfrm>
+            <a:custGeom>
+              <a:avLst/>
+              <a:gdLst>
+                <a:gd name="connsiteX0" fmla="*/ 0 w 3998794"/>
+                <a:gd name="connsiteY0" fmla="*/ 805218 h 1037575"/>
+                <a:gd name="connsiteX1" fmla="*/ 1705970 w 3998794"/>
+                <a:gd name="connsiteY1" fmla="*/ 122830 h 1037575"/>
+                <a:gd name="connsiteX2" fmla="*/ 3070746 w 3998794"/>
+                <a:gd name="connsiteY2" fmla="*/ 1037230 h 1037575"/>
+                <a:gd name="connsiteX3" fmla="*/ 3998794 w 3998794"/>
+                <a:gd name="connsiteY3" fmla="*/ 0 h 1037575"/>
+              </a:gdLst>
+              <a:ahLst/>
+              <a:cxnLst>
+                <a:cxn ang="0">
+                  <a:pos x="connsiteX0" y="connsiteY0"/>
+                </a:cxn>
+                <a:cxn ang="0">
+                  <a:pos x="connsiteX1" y="connsiteY1"/>
+                </a:cxn>
+                <a:cxn ang="0">
+                  <a:pos x="connsiteX2" y="connsiteY2"/>
+                </a:cxn>
+                <a:cxn ang="0">
+                  <a:pos x="connsiteX3" y="connsiteY3"/>
+                </a:cxn>
+              </a:cxnLst>
+              <a:rect l="l" t="t" r="r" b="b"/>
+              <a:pathLst>
+                <a:path w="3998794" h="1037575">
+                  <a:moveTo>
+                    <a:pt x="0" y="805218"/>
+                  </a:moveTo>
+                  <a:cubicBezTo>
+                    <a:pt x="597089" y="444689"/>
+                    <a:pt x="1194179" y="84161"/>
+                    <a:pt x="1705970" y="122830"/>
+                  </a:cubicBezTo>
+                  <a:cubicBezTo>
+                    <a:pt x="2217761" y="161499"/>
+                    <a:pt x="2688609" y="1057702"/>
+                    <a:pt x="3070746" y="1037230"/>
+                  </a:cubicBezTo>
+                  <a:cubicBezTo>
+                    <a:pt x="3452883" y="1016758"/>
+                    <a:pt x="3725838" y="508379"/>
+                    <a:pt x="3998794" y="0"/>
+                  </a:cubicBezTo>
+                </a:path>
+              </a:pathLst>
+            </a:custGeom>
+            <a:noFill/>
+            <a:ln w="76200">
+              <a:solidFill>
+                <a:schemeClr val="bg1"/>
+              </a:solidFill>
+            </a:ln>
+          </p:spPr>
+          <p:style>
+            <a:lnRef idx="2">
+              <a:schemeClr val="accent1">
+                <a:shade val="50000"/>
+              </a:schemeClr>
+            </a:lnRef>
+            <a:fillRef idx="1">
+              <a:schemeClr val="accent1"/>
+            </a:fillRef>
+            <a:effectRef idx="0">
+              <a:schemeClr val="accent1"/>
+            </a:effectRef>
+            <a:fontRef idx="minor">
+              <a:schemeClr val="lt1"/>
+            </a:fontRef>
+          </p:style>
+          <p:txBody>
+            <a:bodyPr rtlCol="0" anchor="ctr"/>
+            <a:lstStyle/>
+            <a:p>
+              <a:pPr algn="ctr"/>
+              <a:endParaRPr lang="pl-PL">
+                <a:ln w="76200">
+                  <a:solidFill>
+                    <a:schemeClr val="tx1"/>
+                  </a:solidFill>
+                </a:ln>
+              </a:endParaRPr>
+            </a:p>
+          </p:txBody>
+        </p:sp>
+        <p:sp>
+          <p:nvSpPr>
+            <p:cNvPr id="105" name="Dowolny kształt: kształt 104">
+              <a:extLst>
+                <a:ext uri="{FF2B5EF4-FFF2-40B4-BE49-F238E27FC236}">
+                  <a16:creationId xmlns:a16="http://schemas.microsoft.com/office/drawing/2014/main" id="{9B39A310-3279-4DCE-848F-EB9CC5701E72}"/>
+                </a:ext>
+              </a:extLst>
+            </p:cNvPr>
+            <p:cNvSpPr/>
+            <p:nvPr/>
+          </p:nvSpPr>
+          <p:spPr>
+            <a:xfrm>
+              <a:off x="6700356" y="2419835"/>
+              <a:ext cx="4056354" cy="930488"/>
+            </a:xfrm>
+            <a:custGeom>
+              <a:avLst/>
+              <a:gdLst>
+                <a:gd name="connsiteX0" fmla="*/ 0 w 3998794"/>
+                <a:gd name="connsiteY0" fmla="*/ 805218 h 1037575"/>
+                <a:gd name="connsiteX1" fmla="*/ 1705970 w 3998794"/>
+                <a:gd name="connsiteY1" fmla="*/ 122830 h 1037575"/>
+                <a:gd name="connsiteX2" fmla="*/ 3070746 w 3998794"/>
+                <a:gd name="connsiteY2" fmla="*/ 1037230 h 1037575"/>
+                <a:gd name="connsiteX3" fmla="*/ 3998794 w 3998794"/>
+                <a:gd name="connsiteY3" fmla="*/ 0 h 1037575"/>
+              </a:gdLst>
+              <a:ahLst/>
+              <a:cxnLst>
+                <a:cxn ang="0">
+                  <a:pos x="connsiteX0" y="connsiteY0"/>
+                </a:cxn>
+                <a:cxn ang="0">
+                  <a:pos x="connsiteX1" y="connsiteY1"/>
+                </a:cxn>
+                <a:cxn ang="0">
+                  <a:pos x="connsiteX2" y="connsiteY2"/>
+                </a:cxn>
+                <a:cxn ang="0">
+                  <a:pos x="connsiteX3" y="connsiteY3"/>
+                </a:cxn>
+              </a:cxnLst>
+              <a:rect l="l" t="t" r="r" b="b"/>
+              <a:pathLst>
+                <a:path w="3998794" h="1037575">
+                  <a:moveTo>
+                    <a:pt x="0" y="805218"/>
+                  </a:moveTo>
+                  <a:cubicBezTo>
+                    <a:pt x="597089" y="444689"/>
+                    <a:pt x="1194179" y="84161"/>
+                    <a:pt x="1705970" y="122830"/>
+                  </a:cubicBezTo>
+                  <a:cubicBezTo>
+                    <a:pt x="2217761" y="161499"/>
+                    <a:pt x="2688609" y="1057702"/>
+                    <a:pt x="3070746" y="1037230"/>
+                  </a:cubicBezTo>
+                  <a:cubicBezTo>
+                    <a:pt x="3452883" y="1016758"/>
+                    <a:pt x="3725838" y="508379"/>
+                    <a:pt x="3998794" y="0"/>
+                  </a:cubicBezTo>
+                </a:path>
+              </a:pathLst>
+            </a:custGeom>
+            <a:noFill/>
+            <a:ln w="76200">
+              <a:solidFill>
+                <a:schemeClr val="bg1"/>
+              </a:solidFill>
+            </a:ln>
+          </p:spPr>
+          <p:style>
+            <a:lnRef idx="2">
+              <a:schemeClr val="accent1">
+                <a:shade val="50000"/>
+              </a:schemeClr>
+            </a:lnRef>
+            <a:fillRef idx="1">
+              <a:schemeClr val="accent1"/>
+            </a:fillRef>
+            <a:effectRef idx="0">
+              <a:schemeClr val="accent1"/>
+            </a:effectRef>
+            <a:fontRef idx="minor">
+              <a:schemeClr val="lt1"/>
+            </a:fontRef>
+          </p:style>
+          <p:txBody>
+            <a:bodyPr rtlCol="0" anchor="ctr"/>
+            <a:lstStyle/>
+            <a:p>
+              <a:pPr algn="ctr"/>
+              <a:endParaRPr lang="pl-PL">
+                <a:ln w="76200">
+                  <a:solidFill>
+                    <a:schemeClr val="tx1"/>
+                  </a:solidFill>
+                </a:ln>
+              </a:endParaRPr>
+            </a:p>
+          </p:txBody>
+        </p:sp>
+        <p:sp>
+          <p:nvSpPr>
+            <p:cNvPr id="106" name="Dowolny kształt: kształt 105">
+              <a:extLst>
+                <a:ext uri="{FF2B5EF4-FFF2-40B4-BE49-F238E27FC236}">
+                  <a16:creationId xmlns:a16="http://schemas.microsoft.com/office/drawing/2014/main" id="{E3558BA7-2981-4C0D-A3A9-8AA7FB36EF6C}"/>
+                </a:ext>
+              </a:extLst>
+            </p:cNvPr>
+            <p:cNvSpPr/>
+            <p:nvPr/>
+          </p:nvSpPr>
+          <p:spPr>
+            <a:xfrm>
+              <a:off x="6702289" y="2490188"/>
+              <a:ext cx="4056354" cy="930488"/>
+            </a:xfrm>
+            <a:custGeom>
+              <a:avLst/>
+              <a:gdLst>
+                <a:gd name="connsiteX0" fmla="*/ 0 w 3998794"/>
+                <a:gd name="connsiteY0" fmla="*/ 805218 h 1037575"/>
+                <a:gd name="connsiteX1" fmla="*/ 1705970 w 3998794"/>
+                <a:gd name="connsiteY1" fmla="*/ 122830 h 1037575"/>
+                <a:gd name="connsiteX2" fmla="*/ 3070746 w 3998794"/>
+                <a:gd name="connsiteY2" fmla="*/ 1037230 h 1037575"/>
+                <a:gd name="connsiteX3" fmla="*/ 3998794 w 3998794"/>
+                <a:gd name="connsiteY3" fmla="*/ 0 h 1037575"/>
+              </a:gdLst>
+              <a:ahLst/>
+              <a:cxnLst>
+                <a:cxn ang="0">
+                  <a:pos x="connsiteX0" y="connsiteY0"/>
+                </a:cxn>
+                <a:cxn ang="0">
+                  <a:pos x="connsiteX1" y="connsiteY1"/>
+                </a:cxn>
+                <a:cxn ang="0">
+                  <a:pos x="connsiteX2" y="connsiteY2"/>
+                </a:cxn>
+                <a:cxn ang="0">
+                  <a:pos x="connsiteX3" y="connsiteY3"/>
+                </a:cxn>
+              </a:cxnLst>
+              <a:rect l="l" t="t" r="r" b="b"/>
+              <a:pathLst>
+                <a:path w="3998794" h="1037575">
+                  <a:moveTo>
+                    <a:pt x="0" y="805218"/>
+                  </a:moveTo>
+                  <a:cubicBezTo>
+                    <a:pt x="597089" y="444689"/>
+                    <a:pt x="1194179" y="84161"/>
+                    <a:pt x="1705970" y="122830"/>
+                  </a:cubicBezTo>
+                  <a:cubicBezTo>
+                    <a:pt x="2217761" y="161499"/>
+                    <a:pt x="2688609" y="1057702"/>
+                    <a:pt x="3070746" y="1037230"/>
+                  </a:cubicBezTo>
+                  <a:cubicBezTo>
+                    <a:pt x="3452883" y="1016758"/>
+                    <a:pt x="3725838" y="508379"/>
+                    <a:pt x="3998794" y="0"/>
+                  </a:cubicBezTo>
+                </a:path>
+              </a:pathLst>
+            </a:custGeom>
+            <a:noFill/>
+            <a:ln w="76200">
+              <a:solidFill>
+                <a:schemeClr val="bg1"/>
+              </a:solidFill>
+            </a:ln>
+          </p:spPr>
+          <p:style>
+            <a:lnRef idx="2">
+              <a:schemeClr val="accent1">
+                <a:shade val="50000"/>
+              </a:schemeClr>
+            </a:lnRef>
+            <a:fillRef idx="1">
+              <a:schemeClr val="accent1"/>
+            </a:fillRef>
+            <a:effectRef idx="0">
+              <a:schemeClr val="accent1"/>
+            </a:effectRef>
+            <a:fontRef idx="minor">
+              <a:schemeClr val="lt1"/>
+            </a:fontRef>
+          </p:style>
+          <p:txBody>
+            <a:bodyPr rtlCol="0" anchor="ctr"/>
+            <a:lstStyle/>
+            <a:p>
+              <a:pPr algn="ctr"/>
+              <a:endParaRPr lang="pl-PL">
+                <a:ln w="76200">
+                  <a:solidFill>
+                    <a:schemeClr val="tx1"/>
+                  </a:solidFill>
+                </a:ln>
+              </a:endParaRPr>
+            </a:p>
+          </p:txBody>
+        </p:sp>
+      </p:grpSp>
+      <p:grpSp>
+        <p:nvGrpSpPr>
+          <p:cNvPr id="107" name="Grupa 106">
+            <a:extLst>
+              <a:ext uri="{FF2B5EF4-FFF2-40B4-BE49-F238E27FC236}">
+                <a16:creationId xmlns:a16="http://schemas.microsoft.com/office/drawing/2014/main" id="{497E47CD-6A2B-4E96-A7F7-D40E75A8F4AC}"/>
+              </a:ext>
+            </a:extLst>
+          </p:cNvPr>
+          <p:cNvGrpSpPr/>
+          <p:nvPr/>
+        </p:nvGrpSpPr>
+        <p:grpSpPr>
+          <a:xfrm rot="1376774">
+            <a:off x="6608179" y="3314879"/>
+            <a:ext cx="4535071" cy="660104"/>
+            <a:chOff x="6671306" y="2347787"/>
+            <a:chExt cx="4087337" cy="1072889"/>
+          </a:xfrm>
+        </p:grpSpPr>
+        <p:sp>
+          <p:nvSpPr>
+            <p:cNvPr id="108" name="Dowolny kształt: kształt 107">
+              <a:extLst>
+                <a:ext uri="{FF2B5EF4-FFF2-40B4-BE49-F238E27FC236}">
+                  <a16:creationId xmlns:a16="http://schemas.microsoft.com/office/drawing/2014/main" id="{6E78E074-A2CE-40E0-9113-8EF45C00B52B}"/>
+                </a:ext>
+              </a:extLst>
+            </p:cNvPr>
+            <p:cNvSpPr/>
+            <p:nvPr/>
+          </p:nvSpPr>
+          <p:spPr>
+            <a:xfrm>
+              <a:off x="6671306" y="2347787"/>
+              <a:ext cx="4056354" cy="930488"/>
+            </a:xfrm>
+            <a:custGeom>
+              <a:avLst/>
+              <a:gdLst>
+                <a:gd name="connsiteX0" fmla="*/ 0 w 3998794"/>
+                <a:gd name="connsiteY0" fmla="*/ 805218 h 1037575"/>
+                <a:gd name="connsiteX1" fmla="*/ 1705970 w 3998794"/>
+                <a:gd name="connsiteY1" fmla="*/ 122830 h 1037575"/>
+                <a:gd name="connsiteX2" fmla="*/ 3070746 w 3998794"/>
+                <a:gd name="connsiteY2" fmla="*/ 1037230 h 1037575"/>
+                <a:gd name="connsiteX3" fmla="*/ 3998794 w 3998794"/>
+                <a:gd name="connsiteY3" fmla="*/ 0 h 1037575"/>
+              </a:gdLst>
+              <a:ahLst/>
+              <a:cxnLst>
+                <a:cxn ang="0">
+                  <a:pos x="connsiteX0" y="connsiteY0"/>
+                </a:cxn>
+                <a:cxn ang="0">
+                  <a:pos x="connsiteX1" y="connsiteY1"/>
+                </a:cxn>
+                <a:cxn ang="0">
+                  <a:pos x="connsiteX2" y="connsiteY2"/>
+                </a:cxn>
+                <a:cxn ang="0">
+                  <a:pos x="connsiteX3" y="connsiteY3"/>
+                </a:cxn>
+              </a:cxnLst>
+              <a:rect l="l" t="t" r="r" b="b"/>
+              <a:pathLst>
+                <a:path w="3998794" h="1037575">
+                  <a:moveTo>
+                    <a:pt x="0" y="805218"/>
+                  </a:moveTo>
+                  <a:cubicBezTo>
+                    <a:pt x="597089" y="444689"/>
+                    <a:pt x="1194179" y="84161"/>
+                    <a:pt x="1705970" y="122830"/>
+                  </a:cubicBezTo>
+                  <a:cubicBezTo>
+                    <a:pt x="2217761" y="161499"/>
+                    <a:pt x="2688609" y="1057702"/>
+                    <a:pt x="3070746" y="1037230"/>
+                  </a:cubicBezTo>
+                  <a:cubicBezTo>
+                    <a:pt x="3452883" y="1016758"/>
+                    <a:pt x="3725838" y="508379"/>
+                    <a:pt x="3998794" y="0"/>
+                  </a:cubicBezTo>
+                </a:path>
+              </a:pathLst>
+            </a:custGeom>
+            <a:noFill/>
+            <a:ln w="76200">
+              <a:solidFill>
+                <a:schemeClr val="bg1"/>
+              </a:solidFill>
+            </a:ln>
+          </p:spPr>
+          <p:style>
+            <a:lnRef idx="2">
+              <a:schemeClr val="accent1">
+                <a:shade val="50000"/>
+              </a:schemeClr>
+            </a:lnRef>
+            <a:fillRef idx="1">
+              <a:schemeClr val="accent1"/>
+            </a:fillRef>
+            <a:effectRef idx="0">
+              <a:schemeClr val="accent1"/>
+            </a:effectRef>
+            <a:fontRef idx="minor">
+              <a:schemeClr val="lt1"/>
+            </a:fontRef>
+          </p:style>
+          <p:txBody>
+            <a:bodyPr rtlCol="0" anchor="ctr"/>
+            <a:lstStyle/>
+            <a:p>
+              <a:pPr algn="ctr"/>
+              <a:endParaRPr lang="pl-PL">
+                <a:ln w="76200">
+                  <a:solidFill>
+                    <a:schemeClr val="tx1"/>
+                  </a:solidFill>
+                </a:ln>
+              </a:endParaRPr>
+            </a:p>
+          </p:txBody>
+        </p:sp>
+        <p:sp>
+          <p:nvSpPr>
+            <p:cNvPr id="109" name="Dowolny kształt: kształt 108">
+              <a:extLst>
+                <a:ext uri="{FF2B5EF4-FFF2-40B4-BE49-F238E27FC236}">
+                  <a16:creationId xmlns:a16="http://schemas.microsoft.com/office/drawing/2014/main" id="{87E4A49B-DEA7-4F23-A63C-A8C99859C6B7}"/>
+                </a:ext>
+              </a:extLst>
+            </p:cNvPr>
+            <p:cNvSpPr/>
+            <p:nvPr/>
+          </p:nvSpPr>
+          <p:spPr>
+            <a:xfrm>
+              <a:off x="6700356" y="2419835"/>
+              <a:ext cx="4056354" cy="930488"/>
+            </a:xfrm>
+            <a:custGeom>
+              <a:avLst/>
+              <a:gdLst>
+                <a:gd name="connsiteX0" fmla="*/ 0 w 3998794"/>
+                <a:gd name="connsiteY0" fmla="*/ 805218 h 1037575"/>
+                <a:gd name="connsiteX1" fmla="*/ 1705970 w 3998794"/>
+                <a:gd name="connsiteY1" fmla="*/ 122830 h 1037575"/>
+                <a:gd name="connsiteX2" fmla="*/ 3070746 w 3998794"/>
+                <a:gd name="connsiteY2" fmla="*/ 1037230 h 1037575"/>
+                <a:gd name="connsiteX3" fmla="*/ 3998794 w 3998794"/>
+                <a:gd name="connsiteY3" fmla="*/ 0 h 1037575"/>
+              </a:gdLst>
+              <a:ahLst/>
+              <a:cxnLst>
+                <a:cxn ang="0">
+                  <a:pos x="connsiteX0" y="connsiteY0"/>
+                </a:cxn>
+                <a:cxn ang="0">
+                  <a:pos x="connsiteX1" y="connsiteY1"/>
+                </a:cxn>
+                <a:cxn ang="0">
+                  <a:pos x="connsiteX2" y="connsiteY2"/>
+                </a:cxn>
+                <a:cxn ang="0">
+                  <a:pos x="connsiteX3" y="connsiteY3"/>
+                </a:cxn>
+              </a:cxnLst>
+              <a:rect l="l" t="t" r="r" b="b"/>
+              <a:pathLst>
+                <a:path w="3998794" h="1037575">
+                  <a:moveTo>
+                    <a:pt x="0" y="805218"/>
+                  </a:moveTo>
+                  <a:cubicBezTo>
+                    <a:pt x="597089" y="444689"/>
+                    <a:pt x="1194179" y="84161"/>
+                    <a:pt x="1705970" y="122830"/>
+                  </a:cubicBezTo>
+                  <a:cubicBezTo>
+                    <a:pt x="2217761" y="161499"/>
+                    <a:pt x="2688609" y="1057702"/>
+                    <a:pt x="3070746" y="1037230"/>
+                  </a:cubicBezTo>
+                  <a:cubicBezTo>
+                    <a:pt x="3452883" y="1016758"/>
+                    <a:pt x="3725838" y="508379"/>
+                    <a:pt x="3998794" y="0"/>
+                  </a:cubicBezTo>
+                </a:path>
+              </a:pathLst>
+            </a:custGeom>
+            <a:noFill/>
+            <a:ln w="76200">
+              <a:solidFill>
+                <a:schemeClr val="bg1"/>
+              </a:solidFill>
+            </a:ln>
+          </p:spPr>
+          <p:style>
+            <a:lnRef idx="2">
+              <a:schemeClr val="accent1">
+                <a:shade val="50000"/>
+              </a:schemeClr>
+            </a:lnRef>
+            <a:fillRef idx="1">
+              <a:schemeClr val="accent1"/>
+            </a:fillRef>
+            <a:effectRef idx="0">
+              <a:schemeClr val="accent1"/>
+            </a:effectRef>
+            <a:fontRef idx="minor">
+              <a:schemeClr val="lt1"/>
+            </a:fontRef>
+          </p:style>
+          <p:txBody>
+            <a:bodyPr rtlCol="0" anchor="ctr"/>
+            <a:lstStyle/>
+            <a:p>
+              <a:pPr algn="ctr"/>
+              <a:endParaRPr lang="pl-PL">
+                <a:ln w="76200">
+                  <a:solidFill>
+                    <a:schemeClr val="tx1"/>
+                  </a:solidFill>
+                </a:ln>
+              </a:endParaRPr>
+            </a:p>
+          </p:txBody>
+        </p:sp>
+        <p:sp>
+          <p:nvSpPr>
+            <p:cNvPr id="110" name="Dowolny kształt: kształt 109">
+              <a:extLst>
+                <a:ext uri="{FF2B5EF4-FFF2-40B4-BE49-F238E27FC236}">
+                  <a16:creationId xmlns:a16="http://schemas.microsoft.com/office/drawing/2014/main" id="{2953C2D2-EB94-4CB8-9B51-C114E4C521EB}"/>
+                </a:ext>
+              </a:extLst>
+            </p:cNvPr>
+            <p:cNvSpPr/>
+            <p:nvPr/>
+          </p:nvSpPr>
+          <p:spPr>
+            <a:xfrm>
+              <a:off x="6702289" y="2490188"/>
+              <a:ext cx="4056354" cy="930488"/>
+            </a:xfrm>
+            <a:custGeom>
+              <a:avLst/>
+              <a:gdLst>
+                <a:gd name="connsiteX0" fmla="*/ 0 w 3998794"/>
+                <a:gd name="connsiteY0" fmla="*/ 805218 h 1037575"/>
+                <a:gd name="connsiteX1" fmla="*/ 1705970 w 3998794"/>
+                <a:gd name="connsiteY1" fmla="*/ 122830 h 1037575"/>
+                <a:gd name="connsiteX2" fmla="*/ 3070746 w 3998794"/>
+                <a:gd name="connsiteY2" fmla="*/ 1037230 h 1037575"/>
+                <a:gd name="connsiteX3" fmla="*/ 3998794 w 3998794"/>
+                <a:gd name="connsiteY3" fmla="*/ 0 h 1037575"/>
+              </a:gdLst>
+              <a:ahLst/>
+              <a:cxnLst>
+                <a:cxn ang="0">
+                  <a:pos x="connsiteX0" y="connsiteY0"/>
+                </a:cxn>
+                <a:cxn ang="0">
+                  <a:pos x="connsiteX1" y="connsiteY1"/>
+                </a:cxn>
+                <a:cxn ang="0">
+                  <a:pos x="connsiteX2" y="connsiteY2"/>
+                </a:cxn>
+                <a:cxn ang="0">
+                  <a:pos x="connsiteX3" y="connsiteY3"/>
+                </a:cxn>
+              </a:cxnLst>
+              <a:rect l="l" t="t" r="r" b="b"/>
+              <a:pathLst>
+                <a:path w="3998794" h="1037575">
+                  <a:moveTo>
+                    <a:pt x="0" y="805218"/>
+                  </a:moveTo>
+                  <a:cubicBezTo>
+                    <a:pt x="597089" y="444689"/>
+                    <a:pt x="1194179" y="84161"/>
+                    <a:pt x="1705970" y="122830"/>
+                  </a:cubicBezTo>
+                  <a:cubicBezTo>
+                    <a:pt x="2217761" y="161499"/>
+                    <a:pt x="2688609" y="1057702"/>
+                    <a:pt x="3070746" y="1037230"/>
+                  </a:cubicBezTo>
+                  <a:cubicBezTo>
+                    <a:pt x="3452883" y="1016758"/>
+                    <a:pt x="3725838" y="508379"/>
+                    <a:pt x="3998794" y="0"/>
+                  </a:cubicBezTo>
+                </a:path>
+              </a:pathLst>
+            </a:custGeom>
+            <a:noFill/>
+            <a:ln w="76200">
+              <a:solidFill>
+                <a:schemeClr val="bg1"/>
+              </a:solidFill>
+            </a:ln>
+          </p:spPr>
+          <p:style>
+            <a:lnRef idx="2">
+              <a:schemeClr val="accent1">
+                <a:shade val="50000"/>
+              </a:schemeClr>
+            </a:lnRef>
+            <a:fillRef idx="1">
+              <a:schemeClr val="accent1"/>
+            </a:fillRef>
+            <a:effectRef idx="0">
+              <a:schemeClr val="accent1"/>
+            </a:effectRef>
+            <a:fontRef idx="minor">
+              <a:schemeClr val="lt1"/>
+            </a:fontRef>
+          </p:style>
+          <p:txBody>
+            <a:bodyPr rtlCol="0" anchor="ctr"/>
+            <a:lstStyle/>
+            <a:p>
+              <a:pPr algn="ctr"/>
+              <a:endParaRPr lang="pl-PL">
+                <a:ln w="76200">
+                  <a:solidFill>
+                    <a:schemeClr val="tx1"/>
+                  </a:solidFill>
+                </a:ln>
+              </a:endParaRPr>
+            </a:p>
+          </p:txBody>
+        </p:sp>
+      </p:grpSp>
+      <p:grpSp>
+        <p:nvGrpSpPr>
+          <p:cNvPr id="111" name="Grupa 110">
+            <a:extLst>
+              <a:ext uri="{FF2B5EF4-FFF2-40B4-BE49-F238E27FC236}">
+                <a16:creationId xmlns:a16="http://schemas.microsoft.com/office/drawing/2014/main" id="{07F7428D-14B0-4C52-85FB-208BAA51046E}"/>
+              </a:ext>
+            </a:extLst>
+          </p:cNvPr>
+          <p:cNvGrpSpPr/>
+          <p:nvPr/>
+        </p:nvGrpSpPr>
+        <p:grpSpPr>
+          <a:xfrm rot="12308628">
+            <a:off x="1088903" y="1966953"/>
+            <a:ext cx="3867441" cy="1072889"/>
+            <a:chOff x="6671306" y="2347787"/>
+            <a:chExt cx="4087337" cy="1072889"/>
+          </a:xfrm>
+        </p:grpSpPr>
+        <p:sp>
+          <p:nvSpPr>
+            <p:cNvPr id="112" name="Dowolny kształt: kształt 111">
+              <a:extLst>
+                <a:ext uri="{FF2B5EF4-FFF2-40B4-BE49-F238E27FC236}">
+                  <a16:creationId xmlns:a16="http://schemas.microsoft.com/office/drawing/2014/main" id="{291ED517-ADEE-4F04-9F4C-E8460B1B2A3E}"/>
+                </a:ext>
+              </a:extLst>
+            </p:cNvPr>
+            <p:cNvSpPr/>
+            <p:nvPr/>
+          </p:nvSpPr>
+          <p:spPr>
+            <a:xfrm>
+              <a:off x="6671306" y="2347787"/>
+              <a:ext cx="4056354" cy="930488"/>
+            </a:xfrm>
+            <a:custGeom>
+              <a:avLst/>
+              <a:gdLst>
+                <a:gd name="connsiteX0" fmla="*/ 0 w 3998794"/>
+                <a:gd name="connsiteY0" fmla="*/ 805218 h 1037575"/>
+                <a:gd name="connsiteX1" fmla="*/ 1705970 w 3998794"/>
+                <a:gd name="connsiteY1" fmla="*/ 122830 h 1037575"/>
+                <a:gd name="connsiteX2" fmla="*/ 3070746 w 3998794"/>
+                <a:gd name="connsiteY2" fmla="*/ 1037230 h 1037575"/>
+                <a:gd name="connsiteX3" fmla="*/ 3998794 w 3998794"/>
+                <a:gd name="connsiteY3" fmla="*/ 0 h 1037575"/>
+              </a:gdLst>
+              <a:ahLst/>
+              <a:cxnLst>
+                <a:cxn ang="0">
+                  <a:pos x="connsiteX0" y="connsiteY0"/>
+                </a:cxn>
+                <a:cxn ang="0">
+                  <a:pos x="connsiteX1" y="connsiteY1"/>
+                </a:cxn>
+                <a:cxn ang="0">
+                  <a:pos x="connsiteX2" y="connsiteY2"/>
+                </a:cxn>
+                <a:cxn ang="0">
+                  <a:pos x="connsiteX3" y="connsiteY3"/>
+                </a:cxn>
+              </a:cxnLst>
+              <a:rect l="l" t="t" r="r" b="b"/>
+              <a:pathLst>
+                <a:path w="3998794" h="1037575">
+                  <a:moveTo>
+                    <a:pt x="0" y="805218"/>
+                  </a:moveTo>
+                  <a:cubicBezTo>
+                    <a:pt x="597089" y="444689"/>
+                    <a:pt x="1194179" y="84161"/>
+                    <a:pt x="1705970" y="122830"/>
+                  </a:cubicBezTo>
+                  <a:cubicBezTo>
+                    <a:pt x="2217761" y="161499"/>
+                    <a:pt x="2688609" y="1057702"/>
+                    <a:pt x="3070746" y="1037230"/>
+                  </a:cubicBezTo>
+                  <a:cubicBezTo>
+                    <a:pt x="3452883" y="1016758"/>
+                    <a:pt x="3725838" y="508379"/>
+                    <a:pt x="3998794" y="0"/>
+                  </a:cubicBezTo>
+                </a:path>
+              </a:pathLst>
+            </a:custGeom>
+            <a:noFill/>
+            <a:ln w="76200">
+              <a:solidFill>
+                <a:schemeClr val="bg1"/>
+              </a:solidFill>
+            </a:ln>
+          </p:spPr>
+          <p:style>
+            <a:lnRef idx="2">
+              <a:schemeClr val="accent1">
+                <a:shade val="50000"/>
+              </a:schemeClr>
+            </a:lnRef>
+            <a:fillRef idx="1">
+              <a:schemeClr val="accent1"/>
+            </a:fillRef>
+            <a:effectRef idx="0">
+              <a:schemeClr val="accent1"/>
+            </a:effectRef>
+            <a:fontRef idx="minor">
+              <a:schemeClr val="lt1"/>
+            </a:fontRef>
+          </p:style>
+          <p:txBody>
+            <a:bodyPr rtlCol="0" anchor="ctr"/>
+            <a:lstStyle/>
+            <a:p>
+              <a:pPr algn="ctr"/>
+              <a:endParaRPr lang="pl-PL">
+                <a:ln w="76200">
+                  <a:solidFill>
+                    <a:schemeClr val="tx1"/>
+                  </a:solidFill>
+                </a:ln>
+              </a:endParaRPr>
+            </a:p>
+          </p:txBody>
+        </p:sp>
+        <p:sp>
+          <p:nvSpPr>
+            <p:cNvPr id="113" name="Dowolny kształt: kształt 112">
+              <a:extLst>
+                <a:ext uri="{FF2B5EF4-FFF2-40B4-BE49-F238E27FC236}">
+                  <a16:creationId xmlns:a16="http://schemas.microsoft.com/office/drawing/2014/main" id="{7CF9EBAC-BFF4-449F-B1FA-CAA96E9BC090}"/>
+                </a:ext>
+              </a:extLst>
+            </p:cNvPr>
+            <p:cNvSpPr/>
+            <p:nvPr/>
+          </p:nvSpPr>
+          <p:spPr>
+            <a:xfrm>
+              <a:off x="6700356" y="2419835"/>
+              <a:ext cx="4056354" cy="930488"/>
+            </a:xfrm>
+            <a:custGeom>
+              <a:avLst/>
+              <a:gdLst>
+                <a:gd name="connsiteX0" fmla="*/ 0 w 3998794"/>
+                <a:gd name="connsiteY0" fmla="*/ 805218 h 1037575"/>
+                <a:gd name="connsiteX1" fmla="*/ 1705970 w 3998794"/>
+                <a:gd name="connsiteY1" fmla="*/ 122830 h 1037575"/>
+                <a:gd name="connsiteX2" fmla="*/ 3070746 w 3998794"/>
+                <a:gd name="connsiteY2" fmla="*/ 1037230 h 1037575"/>
+                <a:gd name="connsiteX3" fmla="*/ 3998794 w 3998794"/>
+                <a:gd name="connsiteY3" fmla="*/ 0 h 1037575"/>
+              </a:gdLst>
+              <a:ahLst/>
+              <a:cxnLst>
+                <a:cxn ang="0">
+                  <a:pos x="connsiteX0" y="connsiteY0"/>
+                </a:cxn>
+                <a:cxn ang="0">
+                  <a:pos x="connsiteX1" y="connsiteY1"/>
+                </a:cxn>
+                <a:cxn ang="0">
+                  <a:pos x="connsiteX2" y="connsiteY2"/>
+                </a:cxn>
+                <a:cxn ang="0">
+                  <a:pos x="connsiteX3" y="connsiteY3"/>
+                </a:cxn>
+              </a:cxnLst>
+              <a:rect l="l" t="t" r="r" b="b"/>
+              <a:pathLst>
+                <a:path w="3998794" h="1037575">
+                  <a:moveTo>
+                    <a:pt x="0" y="805218"/>
+                  </a:moveTo>
+                  <a:cubicBezTo>
+                    <a:pt x="597089" y="444689"/>
+                    <a:pt x="1194179" y="84161"/>
+                    <a:pt x="1705970" y="122830"/>
+                  </a:cubicBezTo>
+                  <a:cubicBezTo>
+                    <a:pt x="2217761" y="161499"/>
+                    <a:pt x="2688609" y="1057702"/>
+                    <a:pt x="3070746" y="1037230"/>
+                  </a:cubicBezTo>
+                  <a:cubicBezTo>
+                    <a:pt x="3452883" y="1016758"/>
+                    <a:pt x="3725838" y="508379"/>
+                    <a:pt x="3998794" y="0"/>
+                  </a:cubicBezTo>
+                </a:path>
+              </a:pathLst>
+            </a:custGeom>
+            <a:noFill/>
+            <a:ln w="76200">
+              <a:solidFill>
+                <a:schemeClr val="bg1"/>
+              </a:solidFill>
+            </a:ln>
+          </p:spPr>
+          <p:style>
+            <a:lnRef idx="2">
+              <a:schemeClr val="accent1">
+                <a:shade val="50000"/>
+              </a:schemeClr>
+            </a:lnRef>
+            <a:fillRef idx="1">
+              <a:schemeClr val="accent1"/>
+            </a:fillRef>
+            <a:effectRef idx="0">
+              <a:schemeClr val="accent1"/>
+            </a:effectRef>
+            <a:fontRef idx="minor">
+              <a:schemeClr val="lt1"/>
+            </a:fontRef>
+          </p:style>
+          <p:txBody>
+            <a:bodyPr rtlCol="0" anchor="ctr"/>
+            <a:lstStyle/>
+            <a:p>
+              <a:pPr algn="ctr"/>
+              <a:endParaRPr lang="pl-PL">
+                <a:ln w="76200">
+                  <a:solidFill>
+                    <a:schemeClr val="tx1"/>
+                  </a:solidFill>
+                </a:ln>
+              </a:endParaRPr>
+            </a:p>
+          </p:txBody>
+        </p:sp>
+        <p:sp>
+          <p:nvSpPr>
+            <p:cNvPr id="114" name="Dowolny kształt: kształt 113">
+              <a:extLst>
+                <a:ext uri="{FF2B5EF4-FFF2-40B4-BE49-F238E27FC236}">
+                  <a16:creationId xmlns:a16="http://schemas.microsoft.com/office/drawing/2014/main" id="{1188EE78-AA4C-4D56-BEA2-96BD8EDF4670}"/>
+                </a:ext>
+              </a:extLst>
+            </p:cNvPr>
+            <p:cNvSpPr/>
+            <p:nvPr/>
+          </p:nvSpPr>
+          <p:spPr>
+            <a:xfrm>
+              <a:off x="6702289" y="2490188"/>
+              <a:ext cx="4056354" cy="930488"/>
+            </a:xfrm>
+            <a:custGeom>
+              <a:avLst/>
+              <a:gdLst>
+                <a:gd name="connsiteX0" fmla="*/ 0 w 3998794"/>
+                <a:gd name="connsiteY0" fmla="*/ 805218 h 1037575"/>
+                <a:gd name="connsiteX1" fmla="*/ 1705970 w 3998794"/>
+                <a:gd name="connsiteY1" fmla="*/ 122830 h 1037575"/>
+                <a:gd name="connsiteX2" fmla="*/ 3070746 w 3998794"/>
+                <a:gd name="connsiteY2" fmla="*/ 1037230 h 1037575"/>
+                <a:gd name="connsiteX3" fmla="*/ 3998794 w 3998794"/>
+                <a:gd name="connsiteY3" fmla="*/ 0 h 1037575"/>
+              </a:gdLst>
+              <a:ahLst/>
+              <a:cxnLst>
+                <a:cxn ang="0">
+                  <a:pos x="connsiteX0" y="connsiteY0"/>
+                </a:cxn>
+                <a:cxn ang="0">
+                  <a:pos x="connsiteX1" y="connsiteY1"/>
+                </a:cxn>
+                <a:cxn ang="0">
+                  <a:pos x="connsiteX2" y="connsiteY2"/>
+                </a:cxn>
+                <a:cxn ang="0">
+                  <a:pos x="connsiteX3" y="connsiteY3"/>
+                </a:cxn>
+              </a:cxnLst>
+              <a:rect l="l" t="t" r="r" b="b"/>
+              <a:pathLst>
+                <a:path w="3998794" h="1037575">
+                  <a:moveTo>
+                    <a:pt x="0" y="805218"/>
+                  </a:moveTo>
+                  <a:cubicBezTo>
+                    <a:pt x="597089" y="444689"/>
+                    <a:pt x="1194179" y="84161"/>
+                    <a:pt x="1705970" y="122830"/>
+                  </a:cubicBezTo>
+                  <a:cubicBezTo>
+                    <a:pt x="2217761" y="161499"/>
+                    <a:pt x="2688609" y="1057702"/>
+                    <a:pt x="3070746" y="1037230"/>
+                  </a:cubicBezTo>
+                  <a:cubicBezTo>
+                    <a:pt x="3452883" y="1016758"/>
+                    <a:pt x="3725838" y="508379"/>
+                    <a:pt x="3998794" y="0"/>
+                  </a:cubicBezTo>
+                </a:path>
+              </a:pathLst>
+            </a:custGeom>
+            <a:noFill/>
+            <a:ln w="76200">
+              <a:solidFill>
+                <a:schemeClr val="bg1"/>
+              </a:solidFill>
+            </a:ln>
+          </p:spPr>
+          <p:style>
+            <a:lnRef idx="2">
+              <a:schemeClr val="accent1">
+                <a:shade val="50000"/>
+              </a:schemeClr>
+            </a:lnRef>
+            <a:fillRef idx="1">
+              <a:schemeClr val="accent1"/>
+            </a:fillRef>
+            <a:effectRef idx="0">
+              <a:schemeClr val="accent1"/>
+            </a:effectRef>
+            <a:fontRef idx="minor">
+              <a:schemeClr val="lt1"/>
+            </a:fontRef>
+          </p:style>
+          <p:txBody>
+            <a:bodyPr rtlCol="0" anchor="ctr"/>
+            <a:lstStyle/>
+            <a:p>
+              <a:pPr algn="ctr"/>
+              <a:endParaRPr lang="pl-PL">
+                <a:ln w="76200">
+                  <a:solidFill>
+                    <a:schemeClr val="tx1"/>
+                  </a:solidFill>
+                </a:ln>
+              </a:endParaRPr>
+            </a:p>
+          </p:txBody>
+        </p:sp>
+      </p:grpSp>
+      <p:grpSp>
+        <p:nvGrpSpPr>
+          <p:cNvPr id="115" name="Grupa 114">
+            <a:extLst>
+              <a:ext uri="{FF2B5EF4-FFF2-40B4-BE49-F238E27FC236}">
+                <a16:creationId xmlns:a16="http://schemas.microsoft.com/office/drawing/2014/main" id="{760FFEB1-761D-4175-B401-F29FBA08F39D}"/>
+              </a:ext>
+            </a:extLst>
+          </p:cNvPr>
+          <p:cNvGrpSpPr/>
+          <p:nvPr/>
+        </p:nvGrpSpPr>
+        <p:grpSpPr>
+          <a:xfrm rot="9532454">
+            <a:off x="553660" y="3754538"/>
+            <a:ext cx="4535071" cy="660104"/>
+            <a:chOff x="6671306" y="2347787"/>
+            <a:chExt cx="4087337" cy="1072889"/>
+          </a:xfrm>
+        </p:grpSpPr>
+        <p:sp>
+          <p:nvSpPr>
+            <p:cNvPr id="116" name="Dowolny kształt: kształt 115">
+              <a:extLst>
+                <a:ext uri="{FF2B5EF4-FFF2-40B4-BE49-F238E27FC236}">
+                  <a16:creationId xmlns:a16="http://schemas.microsoft.com/office/drawing/2014/main" id="{A3C97F48-E45F-4C24-BC42-ADE3016BB4E1}"/>
+                </a:ext>
+              </a:extLst>
+            </p:cNvPr>
+            <p:cNvSpPr/>
+            <p:nvPr/>
+          </p:nvSpPr>
+          <p:spPr>
+            <a:xfrm>
+              <a:off x="6671306" y="2347787"/>
+              <a:ext cx="4056354" cy="930488"/>
+            </a:xfrm>
+            <a:custGeom>
+              <a:avLst/>
+              <a:gdLst>
+                <a:gd name="connsiteX0" fmla="*/ 0 w 3998794"/>
+                <a:gd name="connsiteY0" fmla="*/ 805218 h 1037575"/>
+                <a:gd name="connsiteX1" fmla="*/ 1705970 w 3998794"/>
+                <a:gd name="connsiteY1" fmla="*/ 122830 h 1037575"/>
+                <a:gd name="connsiteX2" fmla="*/ 3070746 w 3998794"/>
+                <a:gd name="connsiteY2" fmla="*/ 1037230 h 1037575"/>
+                <a:gd name="connsiteX3" fmla="*/ 3998794 w 3998794"/>
+                <a:gd name="connsiteY3" fmla="*/ 0 h 1037575"/>
+              </a:gdLst>
+              <a:ahLst/>
+              <a:cxnLst>
+                <a:cxn ang="0">
+                  <a:pos x="connsiteX0" y="connsiteY0"/>
+                </a:cxn>
+                <a:cxn ang="0">
+                  <a:pos x="connsiteX1" y="connsiteY1"/>
+                </a:cxn>
+                <a:cxn ang="0">
+                  <a:pos x="connsiteX2" y="connsiteY2"/>
+                </a:cxn>
+                <a:cxn ang="0">
+                  <a:pos x="connsiteX3" y="connsiteY3"/>
+                </a:cxn>
+              </a:cxnLst>
+              <a:rect l="l" t="t" r="r" b="b"/>
+              <a:pathLst>
+                <a:path w="3998794" h="1037575">
+                  <a:moveTo>
+                    <a:pt x="0" y="805218"/>
+                  </a:moveTo>
+                  <a:cubicBezTo>
+                    <a:pt x="597089" y="444689"/>
+                    <a:pt x="1194179" y="84161"/>
+                    <a:pt x="1705970" y="122830"/>
+                  </a:cubicBezTo>
+                  <a:cubicBezTo>
+                    <a:pt x="2217761" y="161499"/>
+                    <a:pt x="2688609" y="1057702"/>
+                    <a:pt x="3070746" y="1037230"/>
+                  </a:cubicBezTo>
+                  <a:cubicBezTo>
+                    <a:pt x="3452883" y="1016758"/>
+                    <a:pt x="3725838" y="508379"/>
+                    <a:pt x="3998794" y="0"/>
+                  </a:cubicBezTo>
+                </a:path>
+              </a:pathLst>
+            </a:custGeom>
+            <a:noFill/>
+            <a:ln w="76200">
+              <a:solidFill>
+                <a:schemeClr val="bg1"/>
+              </a:solidFill>
+            </a:ln>
+          </p:spPr>
+          <p:style>
+            <a:lnRef idx="2">
+              <a:schemeClr val="accent1">
+                <a:shade val="50000"/>
+              </a:schemeClr>
+            </a:lnRef>
+            <a:fillRef idx="1">
+              <a:schemeClr val="accent1"/>
+            </a:fillRef>
+            <a:effectRef idx="0">
+              <a:schemeClr val="accent1"/>
+            </a:effectRef>
+            <a:fontRef idx="minor">
+              <a:schemeClr val="lt1"/>
+            </a:fontRef>
+          </p:style>
+          <p:txBody>
+            <a:bodyPr rtlCol="0" anchor="ctr"/>
+            <a:lstStyle/>
+            <a:p>
+              <a:pPr algn="ctr"/>
+              <a:endParaRPr lang="pl-PL">
+                <a:ln w="76200">
+                  <a:solidFill>
+                    <a:schemeClr val="tx1"/>
+                  </a:solidFill>
+                </a:ln>
+              </a:endParaRPr>
+            </a:p>
+          </p:txBody>
+        </p:sp>
+        <p:sp>
+          <p:nvSpPr>
+            <p:cNvPr id="117" name="Dowolny kształt: kształt 116">
+              <a:extLst>
+                <a:ext uri="{FF2B5EF4-FFF2-40B4-BE49-F238E27FC236}">
+                  <a16:creationId xmlns:a16="http://schemas.microsoft.com/office/drawing/2014/main" id="{A8C90A24-6B45-46DD-8B37-FED4223066F5}"/>
+                </a:ext>
+              </a:extLst>
+            </p:cNvPr>
+            <p:cNvSpPr/>
+            <p:nvPr/>
+          </p:nvSpPr>
+          <p:spPr>
+            <a:xfrm>
+              <a:off x="6700356" y="2419835"/>
+              <a:ext cx="4056354" cy="930488"/>
+            </a:xfrm>
+            <a:custGeom>
+              <a:avLst/>
+              <a:gdLst>
+                <a:gd name="connsiteX0" fmla="*/ 0 w 3998794"/>
+                <a:gd name="connsiteY0" fmla="*/ 805218 h 1037575"/>
+                <a:gd name="connsiteX1" fmla="*/ 1705970 w 3998794"/>
+                <a:gd name="connsiteY1" fmla="*/ 122830 h 1037575"/>
+                <a:gd name="connsiteX2" fmla="*/ 3070746 w 3998794"/>
+                <a:gd name="connsiteY2" fmla="*/ 1037230 h 1037575"/>
+                <a:gd name="connsiteX3" fmla="*/ 3998794 w 3998794"/>
+                <a:gd name="connsiteY3" fmla="*/ 0 h 1037575"/>
+              </a:gdLst>
+              <a:ahLst/>
+              <a:cxnLst>
+                <a:cxn ang="0">
+                  <a:pos x="connsiteX0" y="connsiteY0"/>
+                </a:cxn>
+                <a:cxn ang="0">
+                  <a:pos x="connsiteX1" y="connsiteY1"/>
+                </a:cxn>
+                <a:cxn ang="0">
+                  <a:pos x="connsiteX2" y="connsiteY2"/>
+                </a:cxn>
+                <a:cxn ang="0">
+                  <a:pos x="connsiteX3" y="connsiteY3"/>
+                </a:cxn>
+              </a:cxnLst>
+              <a:rect l="l" t="t" r="r" b="b"/>
+              <a:pathLst>
+                <a:path w="3998794" h="1037575">
+                  <a:moveTo>
+                    <a:pt x="0" y="805218"/>
+                  </a:moveTo>
+                  <a:cubicBezTo>
+                    <a:pt x="597089" y="444689"/>
+                    <a:pt x="1194179" y="84161"/>
+                    <a:pt x="1705970" y="122830"/>
+                  </a:cubicBezTo>
+                  <a:cubicBezTo>
+                    <a:pt x="2217761" y="161499"/>
+                    <a:pt x="2688609" y="1057702"/>
+                    <a:pt x="3070746" y="1037230"/>
+                  </a:cubicBezTo>
+                  <a:cubicBezTo>
+                    <a:pt x="3452883" y="1016758"/>
+                    <a:pt x="3725838" y="508379"/>
+                    <a:pt x="3998794" y="0"/>
+                  </a:cubicBezTo>
+                </a:path>
+              </a:pathLst>
+            </a:custGeom>
+            <a:noFill/>
+            <a:ln w="76200">
+              <a:solidFill>
+                <a:schemeClr val="bg1"/>
+              </a:solidFill>
+            </a:ln>
+          </p:spPr>
+          <p:style>
+            <a:lnRef idx="2">
+              <a:schemeClr val="accent1">
+                <a:shade val="50000"/>
+              </a:schemeClr>
+            </a:lnRef>
+            <a:fillRef idx="1">
+              <a:schemeClr val="accent1"/>
+            </a:fillRef>
+            <a:effectRef idx="0">
+              <a:schemeClr val="accent1"/>
+            </a:effectRef>
+            <a:fontRef idx="minor">
+              <a:schemeClr val="lt1"/>
+            </a:fontRef>
+          </p:style>
+          <p:txBody>
+            <a:bodyPr rtlCol="0" anchor="ctr"/>
+            <a:lstStyle/>
+            <a:p>
+              <a:pPr algn="ctr"/>
+              <a:endParaRPr lang="pl-PL">
+                <a:ln w="76200">
+                  <a:solidFill>
+                    <a:schemeClr val="tx1"/>
+                  </a:solidFill>
+                </a:ln>
+              </a:endParaRPr>
+            </a:p>
+          </p:txBody>
+        </p:sp>
+        <p:sp>
+          <p:nvSpPr>
+            <p:cNvPr id="118" name="Dowolny kształt: kształt 117">
+              <a:extLst>
+                <a:ext uri="{FF2B5EF4-FFF2-40B4-BE49-F238E27FC236}">
+                  <a16:creationId xmlns:a16="http://schemas.microsoft.com/office/drawing/2014/main" id="{27280A66-921D-4AA8-8B5A-9A46F88BB1C0}"/>
+                </a:ext>
+              </a:extLst>
+            </p:cNvPr>
+            <p:cNvSpPr/>
+            <p:nvPr/>
+          </p:nvSpPr>
+          <p:spPr>
+            <a:xfrm>
+              <a:off x="6702289" y="2490188"/>
+              <a:ext cx="4056354" cy="930488"/>
+            </a:xfrm>
+            <a:custGeom>
+              <a:avLst/>
+              <a:gdLst>
+                <a:gd name="connsiteX0" fmla="*/ 0 w 3998794"/>
+                <a:gd name="connsiteY0" fmla="*/ 805218 h 1037575"/>
+                <a:gd name="connsiteX1" fmla="*/ 1705970 w 3998794"/>
+                <a:gd name="connsiteY1" fmla="*/ 122830 h 1037575"/>
+                <a:gd name="connsiteX2" fmla="*/ 3070746 w 3998794"/>
+                <a:gd name="connsiteY2" fmla="*/ 1037230 h 1037575"/>
+                <a:gd name="connsiteX3" fmla="*/ 3998794 w 3998794"/>
+                <a:gd name="connsiteY3" fmla="*/ 0 h 1037575"/>
+              </a:gdLst>
+              <a:ahLst/>
+              <a:cxnLst>
+                <a:cxn ang="0">
+                  <a:pos x="connsiteX0" y="connsiteY0"/>
+                </a:cxn>
+                <a:cxn ang="0">
+                  <a:pos x="connsiteX1" y="connsiteY1"/>
+                </a:cxn>
+                <a:cxn ang="0">
+                  <a:pos x="connsiteX2" y="connsiteY2"/>
+                </a:cxn>
+                <a:cxn ang="0">
+                  <a:pos x="connsiteX3" y="connsiteY3"/>
+                </a:cxn>
+              </a:cxnLst>
+              <a:rect l="l" t="t" r="r" b="b"/>
+              <a:pathLst>
+                <a:path w="3998794" h="1037575">
+                  <a:moveTo>
+                    <a:pt x="0" y="805218"/>
+                  </a:moveTo>
+                  <a:cubicBezTo>
+                    <a:pt x="597089" y="444689"/>
+                    <a:pt x="1194179" y="84161"/>
+                    <a:pt x="1705970" y="122830"/>
+                  </a:cubicBezTo>
+                  <a:cubicBezTo>
+                    <a:pt x="2217761" y="161499"/>
+                    <a:pt x="2688609" y="1057702"/>
+                    <a:pt x="3070746" y="1037230"/>
+                  </a:cubicBezTo>
+                  <a:cubicBezTo>
+                    <a:pt x="3452883" y="1016758"/>
+                    <a:pt x="3725838" y="508379"/>
+                    <a:pt x="3998794" y="0"/>
+                  </a:cubicBezTo>
+                </a:path>
+              </a:pathLst>
+            </a:custGeom>
+            <a:noFill/>
+            <a:ln w="76200">
+              <a:solidFill>
+                <a:schemeClr val="bg1"/>
+              </a:solidFill>
+            </a:ln>
+          </p:spPr>
+          <p:style>
+            <a:lnRef idx="2">
+              <a:schemeClr val="accent1">
+                <a:shade val="50000"/>
+              </a:schemeClr>
+            </a:lnRef>
+            <a:fillRef idx="1">
+              <a:schemeClr val="accent1"/>
+            </a:fillRef>
+            <a:effectRef idx="0">
+              <a:schemeClr val="accent1"/>
+            </a:effectRef>
+            <a:fontRef idx="minor">
+              <a:schemeClr val="lt1"/>
+            </a:fontRef>
+          </p:style>
+          <p:txBody>
+            <a:bodyPr rtlCol="0" anchor="ctr"/>
+            <a:lstStyle/>
+            <a:p>
+              <a:pPr algn="ctr"/>
+              <a:endParaRPr lang="pl-PL">
+                <a:ln w="76200">
+                  <a:solidFill>
+                    <a:schemeClr val="tx1"/>
+                  </a:solidFill>
+                </a:ln>
+              </a:endParaRPr>
+            </a:p>
+          </p:txBody>
+        </p:sp>
+      </p:grpSp>
+      <p:sp>
+        <p:nvSpPr>
+          <p:cNvPr id="119" name="Wybuch: 14 punktów 118">
+            <a:extLst>
+              <a:ext uri="{FF2B5EF4-FFF2-40B4-BE49-F238E27FC236}">
+                <a16:creationId xmlns:a16="http://schemas.microsoft.com/office/drawing/2014/main" id="{1768F88B-1049-4443-A54B-A3AE2596E532}"/>
+              </a:ext>
+            </a:extLst>
+          </p:cNvPr>
+          <p:cNvSpPr/>
+          <p:nvPr/>
+        </p:nvSpPr>
+        <p:spPr>
+          <a:xfrm>
+            <a:off x="4069475" y="1190223"/>
+            <a:ext cx="278296" cy="201040"/>
+          </a:xfrm>
+          <a:prstGeom prst="irregularSeal2">
+            <a:avLst/>
+          </a:prstGeom>
+          <a:ln>
+            <a:noFill/>
+          </a:ln>
+        </p:spPr>
+        <p:style>
+          <a:lnRef idx="2">
+            <a:schemeClr val="accent6"/>
+          </a:lnRef>
+          <a:fillRef idx="1">
+            <a:schemeClr val="lt1"/>
+          </a:fillRef>
+          <a:effectRef idx="0">
+            <a:schemeClr val="accent6"/>
+          </a:effectRef>
+          <a:fontRef idx="minor">
+            <a:schemeClr val="dk1"/>
+          </a:fontRef>
+        </p:style>
+        <p:txBody>
+          <a:bodyPr rtlCol="0" anchor="ctr"/>
+          <a:lstStyle/>
+          <a:p>
+            <a:pPr algn="ctr"/>
+            <a:endParaRPr lang="pl-PL"/>
+          </a:p>
+        </p:txBody>
+      </p:sp>
+      <p:sp>
+        <p:nvSpPr>
+          <p:cNvPr id="120" name="Wybuch: 14 punktów 119">
+            <a:extLst>
+              <a:ext uri="{FF2B5EF4-FFF2-40B4-BE49-F238E27FC236}">
+                <a16:creationId xmlns:a16="http://schemas.microsoft.com/office/drawing/2014/main" id="{7C686FF7-642D-4DC1-9482-74C899FA06B7}"/>
+              </a:ext>
+            </a:extLst>
+          </p:cNvPr>
+          <p:cNvSpPr/>
+          <p:nvPr/>
+        </p:nvSpPr>
+        <p:spPr>
+          <a:xfrm>
+            <a:off x="3791179" y="1560354"/>
+            <a:ext cx="278296" cy="201040"/>
+          </a:xfrm>
+          <a:prstGeom prst="irregularSeal2">
+            <a:avLst/>
+          </a:prstGeom>
+          <a:ln>
+            <a:noFill/>
+          </a:ln>
+        </p:spPr>
+        <p:style>
+          <a:lnRef idx="2">
+            <a:schemeClr val="accent6"/>
+          </a:lnRef>
+          <a:fillRef idx="1">
+            <a:schemeClr val="lt1"/>
+          </a:fillRef>
+          <a:effectRef idx="0">
+            <a:schemeClr val="accent6"/>
+          </a:effectRef>
+          <a:fontRef idx="minor">
+            <a:schemeClr val="dk1"/>
+          </a:fontRef>
+        </p:style>
+        <p:txBody>
+          <a:bodyPr rtlCol="0" anchor="ctr"/>
+          <a:lstStyle/>
+          <a:p>
+            <a:pPr algn="ctr"/>
+            <a:endParaRPr lang="pl-PL"/>
+          </a:p>
+        </p:txBody>
+      </p:sp>
+      <p:sp>
+        <p:nvSpPr>
+          <p:cNvPr id="121" name="Wybuch: 14 punktów 120">
+            <a:extLst>
+              <a:ext uri="{FF2B5EF4-FFF2-40B4-BE49-F238E27FC236}">
+                <a16:creationId xmlns:a16="http://schemas.microsoft.com/office/drawing/2014/main" id="{BC1287CE-33FB-4944-B184-F3A019F67991}"/>
+              </a:ext>
+            </a:extLst>
+          </p:cNvPr>
+          <p:cNvSpPr/>
+          <p:nvPr/>
+        </p:nvSpPr>
+        <p:spPr>
+          <a:xfrm>
+            <a:off x="3710172" y="2056875"/>
+            <a:ext cx="278296" cy="201040"/>
+          </a:xfrm>
+          <a:prstGeom prst="irregularSeal2">
+            <a:avLst/>
+          </a:prstGeom>
+          <a:ln>
+            <a:noFill/>
+          </a:ln>
+        </p:spPr>
+        <p:style>
+          <a:lnRef idx="2">
+            <a:schemeClr val="accent6"/>
+          </a:lnRef>
+          <a:fillRef idx="1">
+            <a:schemeClr val="lt1"/>
+          </a:fillRef>
+          <a:effectRef idx="0">
+            <a:schemeClr val="accent6"/>
+          </a:effectRef>
+          <a:fontRef idx="minor">
+            <a:schemeClr val="dk1"/>
+          </a:fontRef>
+        </p:style>
+        <p:txBody>
+          <a:bodyPr rtlCol="0" anchor="ctr"/>
+          <a:lstStyle/>
+          <a:p>
+            <a:pPr algn="ctr"/>
+            <a:endParaRPr lang="pl-PL"/>
+          </a:p>
+        </p:txBody>
+      </p:sp>
+      <p:sp>
+        <p:nvSpPr>
+          <p:cNvPr id="122" name="Wybuch: 14 punktów 121">
+            <a:extLst>
+              <a:ext uri="{FF2B5EF4-FFF2-40B4-BE49-F238E27FC236}">
+                <a16:creationId xmlns:a16="http://schemas.microsoft.com/office/drawing/2014/main" id="{DDE8892C-9C11-4CEB-ADAB-D3040D7BF01B}"/>
+              </a:ext>
+            </a:extLst>
+          </p:cNvPr>
+          <p:cNvSpPr/>
+          <p:nvPr/>
+        </p:nvSpPr>
+        <p:spPr>
+          <a:xfrm>
+            <a:off x="4148924" y="2410826"/>
+            <a:ext cx="278296" cy="201040"/>
+          </a:xfrm>
+          <a:prstGeom prst="irregularSeal2">
+            <a:avLst/>
+          </a:prstGeom>
+          <a:ln>
+            <a:noFill/>
+          </a:ln>
+        </p:spPr>
+        <p:style>
+          <a:lnRef idx="2">
+            <a:schemeClr val="accent6"/>
+          </a:lnRef>
+          <a:fillRef idx="1">
+            <a:schemeClr val="lt1"/>
+          </a:fillRef>
+          <a:effectRef idx="0">
+            <a:schemeClr val="accent6"/>
+          </a:effectRef>
+          <a:fontRef idx="minor">
+            <a:schemeClr val="dk1"/>
+          </a:fontRef>
+        </p:style>
+        <p:txBody>
+          <a:bodyPr rtlCol="0" anchor="ctr"/>
+          <a:lstStyle/>
+          <a:p>
+            <a:pPr algn="ctr"/>
+            <a:endParaRPr lang="pl-PL"/>
+          </a:p>
+        </p:txBody>
+      </p:sp>
+      <p:sp>
+        <p:nvSpPr>
+          <p:cNvPr id="123" name="Wybuch: 14 punktów 122">
+            <a:extLst>
+              <a:ext uri="{FF2B5EF4-FFF2-40B4-BE49-F238E27FC236}">
+                <a16:creationId xmlns:a16="http://schemas.microsoft.com/office/drawing/2014/main" id="{7F7433D4-99A4-4DB3-9F34-88AF0CD6C376}"/>
+              </a:ext>
+            </a:extLst>
+          </p:cNvPr>
+          <p:cNvSpPr/>
+          <p:nvPr/>
+        </p:nvSpPr>
+        <p:spPr>
+          <a:xfrm>
+            <a:off x="4572019" y="1148297"/>
+            <a:ext cx="278296" cy="201040"/>
+          </a:xfrm>
+          <a:prstGeom prst="irregularSeal2">
+            <a:avLst/>
+          </a:prstGeom>
+          <a:ln>
+            <a:noFill/>
+          </a:ln>
+        </p:spPr>
+        <p:style>
+          <a:lnRef idx="2">
+            <a:schemeClr val="accent6"/>
+          </a:lnRef>
+          <a:fillRef idx="1">
+            <a:schemeClr val="lt1"/>
+          </a:fillRef>
+          <a:effectRef idx="0">
+            <a:schemeClr val="accent6"/>
+          </a:effectRef>
+          <a:fontRef idx="minor">
+            <a:schemeClr val="dk1"/>
+          </a:fontRef>
+        </p:style>
+        <p:txBody>
+          <a:bodyPr rtlCol="0" anchor="ctr"/>
+          <a:lstStyle/>
+          <a:p>
+            <a:pPr algn="ctr"/>
+            <a:endParaRPr lang="pl-PL"/>
+          </a:p>
+        </p:txBody>
+      </p:sp>
+      <p:sp>
+        <p:nvSpPr>
+          <p:cNvPr id="126" name="Wybuch: 14 punktów 125">
+            <a:extLst>
+              <a:ext uri="{FF2B5EF4-FFF2-40B4-BE49-F238E27FC236}">
+                <a16:creationId xmlns:a16="http://schemas.microsoft.com/office/drawing/2014/main" id="{804AF831-4279-4EC4-B20F-0171A417D422}"/>
+              </a:ext>
+            </a:extLst>
+          </p:cNvPr>
+          <p:cNvSpPr/>
+          <p:nvPr/>
+        </p:nvSpPr>
+        <p:spPr>
+          <a:xfrm>
+            <a:off x="4688024" y="5284375"/>
+            <a:ext cx="278296" cy="201040"/>
+          </a:xfrm>
+          <a:prstGeom prst="irregularSeal2">
+            <a:avLst/>
+          </a:prstGeom>
+          <a:ln>
+            <a:noFill/>
+          </a:ln>
+        </p:spPr>
+        <p:style>
+          <a:lnRef idx="2">
+            <a:schemeClr val="accent6"/>
+          </a:lnRef>
+          <a:fillRef idx="1">
+            <a:schemeClr val="lt1"/>
+          </a:fillRef>
+          <a:effectRef idx="0">
+            <a:schemeClr val="accent6"/>
+          </a:effectRef>
+          <a:fontRef idx="minor">
+            <a:schemeClr val="dk1"/>
+          </a:fontRef>
+        </p:style>
+        <p:txBody>
+          <a:bodyPr rtlCol="0" anchor="ctr"/>
+          <a:lstStyle/>
+          <a:p>
+            <a:pPr algn="ctr"/>
+            <a:endParaRPr lang="pl-PL"/>
+          </a:p>
+        </p:txBody>
+      </p:sp>
+      <p:sp>
+        <p:nvSpPr>
+          <p:cNvPr id="127" name="Wybuch: 14 punktów 126">
+            <a:extLst>
+              <a:ext uri="{FF2B5EF4-FFF2-40B4-BE49-F238E27FC236}">
+                <a16:creationId xmlns:a16="http://schemas.microsoft.com/office/drawing/2014/main" id="{38360A3C-25D6-4ABB-A43C-5A63C63DAD03}"/>
+              </a:ext>
+            </a:extLst>
+          </p:cNvPr>
+          <p:cNvSpPr/>
+          <p:nvPr/>
+        </p:nvSpPr>
+        <p:spPr>
+          <a:xfrm>
+            <a:off x="4068345" y="5011722"/>
+            <a:ext cx="278296" cy="201040"/>
+          </a:xfrm>
+          <a:prstGeom prst="irregularSeal2">
+            <a:avLst/>
+          </a:prstGeom>
+          <a:ln>
+            <a:noFill/>
+          </a:ln>
+        </p:spPr>
+        <p:style>
+          <a:lnRef idx="2">
+            <a:schemeClr val="accent6"/>
+          </a:lnRef>
+          <a:fillRef idx="1">
+            <a:schemeClr val="lt1"/>
+          </a:fillRef>
+          <a:effectRef idx="0">
+            <a:schemeClr val="accent6"/>
+          </a:effectRef>
+          <a:fontRef idx="minor">
+            <a:schemeClr val="dk1"/>
+          </a:fontRef>
+        </p:style>
+        <p:txBody>
+          <a:bodyPr rtlCol="0" anchor="ctr"/>
+          <a:lstStyle/>
+          <a:p>
+            <a:pPr algn="ctr"/>
+            <a:endParaRPr lang="pl-PL"/>
+          </a:p>
+        </p:txBody>
+      </p:sp>
+      <p:sp>
+        <p:nvSpPr>
+          <p:cNvPr id="128" name="Wybuch: 14 punktów 127">
+            <a:extLst>
+              <a:ext uri="{FF2B5EF4-FFF2-40B4-BE49-F238E27FC236}">
+                <a16:creationId xmlns:a16="http://schemas.microsoft.com/office/drawing/2014/main" id="{6EECD301-40A0-49BF-B99D-E8E20CCFC2C7}"/>
+              </a:ext>
+            </a:extLst>
+          </p:cNvPr>
+          <p:cNvSpPr/>
+          <p:nvPr/>
+        </p:nvSpPr>
+        <p:spPr>
+          <a:xfrm>
+            <a:off x="7585078" y="4768370"/>
+            <a:ext cx="278296" cy="201040"/>
+          </a:xfrm>
+          <a:prstGeom prst="irregularSeal2">
+            <a:avLst/>
+          </a:prstGeom>
+          <a:ln>
+            <a:noFill/>
+          </a:ln>
+        </p:spPr>
+        <p:style>
+          <a:lnRef idx="2">
+            <a:schemeClr val="accent6"/>
+          </a:lnRef>
+          <a:fillRef idx="1">
+            <a:schemeClr val="lt1"/>
+          </a:fillRef>
+          <a:effectRef idx="0">
+            <a:schemeClr val="accent6"/>
+          </a:effectRef>
+          <a:fontRef idx="minor">
+            <a:schemeClr val="dk1"/>
+          </a:fontRef>
+        </p:style>
+        <p:txBody>
+          <a:bodyPr rtlCol="0" anchor="ctr"/>
+          <a:lstStyle/>
+          <a:p>
+            <a:pPr algn="ctr"/>
+            <a:endParaRPr lang="pl-PL"/>
+          </a:p>
+        </p:txBody>
+      </p:sp>
+      <p:sp>
+        <p:nvSpPr>
+          <p:cNvPr id="129" name="Wybuch: 14 punktów 128">
+            <a:extLst>
+              <a:ext uri="{FF2B5EF4-FFF2-40B4-BE49-F238E27FC236}">
+                <a16:creationId xmlns:a16="http://schemas.microsoft.com/office/drawing/2014/main" id="{E387DD43-A6DD-44D0-A508-D0E93AA5989B}"/>
+              </a:ext>
+            </a:extLst>
+          </p:cNvPr>
+          <p:cNvSpPr/>
+          <p:nvPr/>
+        </p:nvSpPr>
+        <p:spPr>
+          <a:xfrm>
+            <a:off x="7860915" y="4226663"/>
+            <a:ext cx="278296" cy="201040"/>
+          </a:xfrm>
+          <a:prstGeom prst="irregularSeal2">
+            <a:avLst/>
+          </a:prstGeom>
+          <a:ln>
+            <a:noFill/>
+          </a:ln>
+        </p:spPr>
+        <p:style>
+          <a:lnRef idx="2">
+            <a:schemeClr val="accent6"/>
+          </a:lnRef>
+          <a:fillRef idx="1">
+            <a:schemeClr val="lt1"/>
+          </a:fillRef>
+          <a:effectRef idx="0">
+            <a:schemeClr val="accent6"/>
+          </a:effectRef>
+          <a:fontRef idx="minor">
+            <a:schemeClr val="dk1"/>
+          </a:fontRef>
+        </p:style>
+        <p:txBody>
+          <a:bodyPr rtlCol="0" anchor="ctr"/>
+          <a:lstStyle/>
+          <a:p>
+            <a:pPr algn="ctr"/>
+            <a:endParaRPr lang="pl-PL"/>
+          </a:p>
+        </p:txBody>
+      </p:sp>
+      <p:sp>
+        <p:nvSpPr>
+          <p:cNvPr id="130" name="Wybuch: 14 punktów 129">
+            <a:extLst>
+              <a:ext uri="{FF2B5EF4-FFF2-40B4-BE49-F238E27FC236}">
+                <a16:creationId xmlns:a16="http://schemas.microsoft.com/office/drawing/2014/main" id="{C5619A89-C04D-4BFD-8AC7-59ECEC43D096}"/>
+              </a:ext>
+            </a:extLst>
+          </p:cNvPr>
+          <p:cNvSpPr/>
+          <p:nvPr/>
+        </p:nvSpPr>
+        <p:spPr>
+          <a:xfrm>
+            <a:off x="6227284" y="823133"/>
+            <a:ext cx="278296" cy="201040"/>
+          </a:xfrm>
+          <a:prstGeom prst="irregularSeal2">
+            <a:avLst/>
+          </a:prstGeom>
+          <a:ln>
+            <a:noFill/>
+          </a:ln>
+        </p:spPr>
+        <p:style>
+          <a:lnRef idx="2">
+            <a:schemeClr val="accent6"/>
+          </a:lnRef>
+          <a:fillRef idx="1">
+            <a:schemeClr val="lt1"/>
+          </a:fillRef>
+          <a:effectRef idx="0">
+            <a:schemeClr val="accent6"/>
+          </a:effectRef>
+          <a:fontRef idx="minor">
+            <a:schemeClr val="dk1"/>
+          </a:fontRef>
+        </p:style>
+        <p:txBody>
+          <a:bodyPr rtlCol="0" anchor="ctr"/>
+          <a:lstStyle/>
+          <a:p>
+            <a:pPr algn="ctr"/>
+            <a:endParaRPr lang="pl-PL"/>
+          </a:p>
+        </p:txBody>
+      </p:sp>
+      <p:sp>
+        <p:nvSpPr>
+          <p:cNvPr id="131" name="Wybuch: 14 punktów 130">
+            <a:extLst>
+              <a:ext uri="{FF2B5EF4-FFF2-40B4-BE49-F238E27FC236}">
+                <a16:creationId xmlns:a16="http://schemas.microsoft.com/office/drawing/2014/main" id="{23C670A8-D6F2-433F-BD82-4D5673F107D9}"/>
+              </a:ext>
+            </a:extLst>
+          </p:cNvPr>
+          <p:cNvSpPr/>
+          <p:nvPr/>
+        </p:nvSpPr>
+        <p:spPr>
+          <a:xfrm>
+            <a:off x="6716559" y="1138482"/>
+            <a:ext cx="278296" cy="201040"/>
+          </a:xfrm>
+          <a:prstGeom prst="irregularSeal2">
+            <a:avLst/>
+          </a:prstGeom>
+          <a:ln>
+            <a:noFill/>
+          </a:ln>
+        </p:spPr>
+        <p:style>
+          <a:lnRef idx="2">
+            <a:schemeClr val="accent6"/>
+          </a:lnRef>
+          <a:fillRef idx="1">
+            <a:schemeClr val="lt1"/>
+          </a:fillRef>
+          <a:effectRef idx="0">
+            <a:schemeClr val="accent6"/>
+          </a:effectRef>
+          <a:fontRef idx="minor">
+            <a:schemeClr val="dk1"/>
+          </a:fontRef>
+        </p:style>
+        <p:txBody>
+          <a:bodyPr rtlCol="0" anchor="ctr"/>
+          <a:lstStyle/>
+          <a:p>
+            <a:pPr algn="ctr"/>
+            <a:endParaRPr lang="pl-PL"/>
+          </a:p>
+        </p:txBody>
+      </p:sp>
+      <p:sp>
+        <p:nvSpPr>
+          <p:cNvPr id="132" name="Wybuch: 14 punktów 131">
+            <a:extLst>
+              <a:ext uri="{FF2B5EF4-FFF2-40B4-BE49-F238E27FC236}">
+                <a16:creationId xmlns:a16="http://schemas.microsoft.com/office/drawing/2014/main" id="{C0A001FA-AEBB-42ED-926E-CF3725C92B73}"/>
+              </a:ext>
+            </a:extLst>
+          </p:cNvPr>
+          <p:cNvSpPr/>
+          <p:nvPr/>
+        </p:nvSpPr>
+        <p:spPr>
+          <a:xfrm>
+            <a:off x="6536045" y="525417"/>
+            <a:ext cx="278296" cy="201040"/>
+          </a:xfrm>
+          <a:prstGeom prst="irregularSeal2">
+            <a:avLst/>
+          </a:prstGeom>
+          <a:ln>
+            <a:noFill/>
+          </a:ln>
+        </p:spPr>
+        <p:style>
+          <a:lnRef idx="2">
+            <a:schemeClr val="accent6"/>
+          </a:lnRef>
+          <a:fillRef idx="1">
+            <a:schemeClr val="lt1"/>
+          </a:fillRef>
+          <a:effectRef idx="0">
+            <a:schemeClr val="accent6"/>
+          </a:effectRef>
+          <a:fontRef idx="minor">
+            <a:schemeClr val="dk1"/>
+          </a:fontRef>
+        </p:style>
+        <p:txBody>
+          <a:bodyPr rtlCol="0" anchor="ctr"/>
+          <a:lstStyle/>
+          <a:p>
+            <a:pPr algn="ctr"/>
+            <a:endParaRPr lang="pl-PL"/>
+          </a:p>
+        </p:txBody>
+      </p:sp>
+      <p:sp>
+        <p:nvSpPr>
+          <p:cNvPr id="137" name="Wybuch: 14 punktów 136">
+            <a:extLst>
+              <a:ext uri="{FF2B5EF4-FFF2-40B4-BE49-F238E27FC236}">
+                <a16:creationId xmlns:a16="http://schemas.microsoft.com/office/drawing/2014/main" id="{13ACE9BB-E8FB-4F4E-B10E-8BF14A1C2919}"/>
+              </a:ext>
+            </a:extLst>
+          </p:cNvPr>
+          <p:cNvSpPr/>
+          <p:nvPr/>
+        </p:nvSpPr>
+        <p:spPr>
+          <a:xfrm>
+            <a:off x="5766185" y="839083"/>
+            <a:ext cx="278296" cy="201040"/>
+          </a:xfrm>
+          <a:prstGeom prst="irregularSeal2">
+            <a:avLst/>
+          </a:prstGeom>
+          <a:ln>
+            <a:noFill/>
+          </a:ln>
+        </p:spPr>
+        <p:style>
+          <a:lnRef idx="2">
+            <a:schemeClr val="accent6"/>
+          </a:lnRef>
+          <a:fillRef idx="1">
+            <a:schemeClr val="lt1"/>
+          </a:fillRef>
+          <a:effectRef idx="0">
+            <a:schemeClr val="accent6"/>
+          </a:effectRef>
+          <a:fontRef idx="minor">
+            <a:schemeClr val="dk1"/>
+          </a:fontRef>
+        </p:style>
+        <p:txBody>
+          <a:bodyPr rtlCol="0" anchor="ctr"/>
+          <a:lstStyle/>
+          <a:p>
+            <a:pPr algn="ctr"/>
+            <a:endParaRPr lang="pl-PL"/>
+          </a:p>
+        </p:txBody>
+      </p:sp>
+      <p:sp>
+        <p:nvSpPr>
+          <p:cNvPr id="138" name="Wybuch: 14 punktów 137">
+            <a:extLst>
+              <a:ext uri="{FF2B5EF4-FFF2-40B4-BE49-F238E27FC236}">
+                <a16:creationId xmlns:a16="http://schemas.microsoft.com/office/drawing/2014/main" id="{8EB2C139-D405-4C2C-A485-08EEAE78EE6B}"/>
+              </a:ext>
+            </a:extLst>
+          </p:cNvPr>
+          <p:cNvSpPr/>
+          <p:nvPr/>
+        </p:nvSpPr>
+        <p:spPr>
+          <a:xfrm>
+            <a:off x="5115721" y="991171"/>
+            <a:ext cx="278296" cy="201040"/>
+          </a:xfrm>
+          <a:prstGeom prst="irregularSeal2">
+            <a:avLst/>
+          </a:prstGeom>
+          <a:ln>
+            <a:noFill/>
+          </a:ln>
+        </p:spPr>
+        <p:style>
+          <a:lnRef idx="2">
+            <a:schemeClr val="accent6"/>
+          </a:lnRef>
+          <a:fillRef idx="1">
+            <a:schemeClr val="lt1"/>
+          </a:fillRef>
+          <a:effectRef idx="0">
+            <a:schemeClr val="accent6"/>
+          </a:effectRef>
+          <a:fontRef idx="minor">
+            <a:schemeClr val="dk1"/>
+          </a:fontRef>
+        </p:style>
+        <p:txBody>
+          <a:bodyPr rtlCol="0" anchor="ctr"/>
+          <a:lstStyle/>
+          <a:p>
+            <a:pPr algn="ctr"/>
+            <a:endParaRPr lang="pl-PL"/>
+          </a:p>
+        </p:txBody>
+      </p:sp>
+      <p:sp>
+        <p:nvSpPr>
+          <p:cNvPr id="139" name="Wybuch: 14 punktów 138">
+            <a:extLst>
+              <a:ext uri="{FF2B5EF4-FFF2-40B4-BE49-F238E27FC236}">
+                <a16:creationId xmlns:a16="http://schemas.microsoft.com/office/drawing/2014/main" id="{45750A7F-CCF0-4A53-A4FD-67A196B0C679}"/>
+              </a:ext>
+            </a:extLst>
+          </p:cNvPr>
+          <p:cNvSpPr/>
+          <p:nvPr/>
+        </p:nvSpPr>
+        <p:spPr>
+          <a:xfrm>
+            <a:off x="5362006" y="650207"/>
+            <a:ext cx="278296" cy="201040"/>
+          </a:xfrm>
+          <a:prstGeom prst="irregularSeal2">
+            <a:avLst/>
+          </a:prstGeom>
+          <a:ln>
+            <a:noFill/>
+          </a:ln>
+        </p:spPr>
+        <p:style>
+          <a:lnRef idx="2">
+            <a:schemeClr val="accent6"/>
+          </a:lnRef>
+          <a:fillRef idx="1">
+            <a:schemeClr val="lt1"/>
+          </a:fillRef>
+          <a:effectRef idx="0">
+            <a:schemeClr val="accent6"/>
+          </a:effectRef>
+          <a:fontRef idx="minor">
+            <a:schemeClr val="dk1"/>
+          </a:fontRef>
+        </p:style>
+        <p:txBody>
+          <a:bodyPr rtlCol="0" anchor="ctr"/>
+          <a:lstStyle/>
+          <a:p>
+            <a:pPr algn="ctr"/>
+            <a:endParaRPr lang="pl-PL"/>
+          </a:p>
+        </p:txBody>
+      </p:sp>
+      <p:sp>
+        <p:nvSpPr>
+          <p:cNvPr id="140" name="Wybuch: 14 punktów 139">
+            <a:extLst>
+              <a:ext uri="{FF2B5EF4-FFF2-40B4-BE49-F238E27FC236}">
+                <a16:creationId xmlns:a16="http://schemas.microsoft.com/office/drawing/2014/main" id="{357C30D0-CEA1-4DD0-95DF-A51B4A171985}"/>
+              </a:ext>
+            </a:extLst>
+          </p:cNvPr>
+          <p:cNvSpPr/>
+          <p:nvPr/>
+        </p:nvSpPr>
+        <p:spPr>
+          <a:xfrm>
+            <a:off x="4778595" y="721768"/>
+            <a:ext cx="278296" cy="201040"/>
+          </a:xfrm>
+          <a:prstGeom prst="irregularSeal2">
+            <a:avLst/>
+          </a:prstGeom>
+          <a:ln>
+            <a:noFill/>
+          </a:ln>
+        </p:spPr>
+        <p:style>
+          <a:lnRef idx="2">
+            <a:schemeClr val="accent6"/>
+          </a:lnRef>
+          <a:fillRef idx="1">
+            <a:schemeClr val="lt1"/>
+          </a:fillRef>
+          <a:effectRef idx="0">
+            <a:schemeClr val="accent6"/>
+          </a:effectRef>
+          <a:fontRef idx="minor">
+            <a:schemeClr val="dk1"/>
+          </a:fontRef>
+        </p:style>
+        <p:txBody>
+          <a:bodyPr rtlCol="0" anchor="ctr"/>
+          <a:lstStyle/>
+          <a:p>
+            <a:pPr algn="ctr"/>
+            <a:endParaRPr lang="pl-PL"/>
+          </a:p>
+        </p:txBody>
+      </p:sp>
+      <p:sp>
+        <p:nvSpPr>
+          <p:cNvPr id="141" name="Wybuch: 14 punktów 140">
+            <a:extLst>
+              <a:ext uri="{FF2B5EF4-FFF2-40B4-BE49-F238E27FC236}">
+                <a16:creationId xmlns:a16="http://schemas.microsoft.com/office/drawing/2014/main" id="{74B41A87-EE9A-4EA6-BCFC-4F0D562DF15F}"/>
+              </a:ext>
+            </a:extLst>
+          </p:cNvPr>
+          <p:cNvSpPr/>
+          <p:nvPr/>
+        </p:nvSpPr>
+        <p:spPr>
+          <a:xfrm>
+            <a:off x="6597159" y="5520150"/>
+            <a:ext cx="278296" cy="201040"/>
+          </a:xfrm>
+          <a:prstGeom prst="irregularSeal2">
+            <a:avLst/>
+          </a:prstGeom>
+          <a:ln>
+            <a:noFill/>
+          </a:ln>
+        </p:spPr>
+        <p:style>
+          <a:lnRef idx="2">
+            <a:schemeClr val="accent6"/>
+          </a:lnRef>
+          <a:fillRef idx="1">
+            <a:schemeClr val="lt1"/>
+          </a:fillRef>
+          <a:effectRef idx="0">
+            <a:schemeClr val="accent6"/>
+          </a:effectRef>
+          <a:fontRef idx="minor">
+            <a:schemeClr val="dk1"/>
+          </a:fontRef>
+        </p:style>
+        <p:txBody>
+          <a:bodyPr rtlCol="0" anchor="ctr"/>
+          <a:lstStyle/>
+          <a:p>
+            <a:pPr algn="ctr"/>
+            <a:endParaRPr lang="pl-PL"/>
+          </a:p>
+        </p:txBody>
+      </p:sp>
+      <p:sp>
+        <p:nvSpPr>
+          <p:cNvPr id="142" name="Wybuch: 14 punktów 141">
+            <a:extLst>
+              <a:ext uri="{FF2B5EF4-FFF2-40B4-BE49-F238E27FC236}">
+                <a16:creationId xmlns:a16="http://schemas.microsoft.com/office/drawing/2014/main" id="{6A5DC8D1-BF0C-4B74-A193-73B3BC8D80F8}"/>
+              </a:ext>
+            </a:extLst>
+          </p:cNvPr>
+          <p:cNvSpPr/>
+          <p:nvPr/>
+        </p:nvSpPr>
+        <p:spPr>
+          <a:xfrm>
+            <a:off x="7137482" y="5355550"/>
+            <a:ext cx="278296" cy="201040"/>
+          </a:xfrm>
+          <a:prstGeom prst="irregularSeal2">
+            <a:avLst/>
+          </a:prstGeom>
+          <a:ln>
+            <a:noFill/>
+          </a:ln>
+        </p:spPr>
+        <p:style>
+          <a:lnRef idx="2">
+            <a:schemeClr val="accent6"/>
+          </a:lnRef>
+          <a:fillRef idx="1">
+            <a:schemeClr val="lt1"/>
+          </a:fillRef>
+          <a:effectRef idx="0">
+            <a:schemeClr val="accent6"/>
+          </a:effectRef>
+          <a:fontRef idx="minor">
+            <a:schemeClr val="dk1"/>
+          </a:fontRef>
+        </p:style>
+        <p:txBody>
+          <a:bodyPr rtlCol="0" anchor="ctr"/>
+          <a:lstStyle/>
+          <a:p>
+            <a:pPr algn="ctr"/>
+            <a:endParaRPr lang="pl-PL"/>
+          </a:p>
+        </p:txBody>
+      </p:sp>
+      <p:sp>
+        <p:nvSpPr>
+          <p:cNvPr id="143" name="Wybuch: 14 punktów 142">
+            <a:extLst>
+              <a:ext uri="{FF2B5EF4-FFF2-40B4-BE49-F238E27FC236}">
+                <a16:creationId xmlns:a16="http://schemas.microsoft.com/office/drawing/2014/main" id="{A02E2D9C-16E3-4AEA-97B0-086CE153EFBE}"/>
+              </a:ext>
+            </a:extLst>
+          </p:cNvPr>
+          <p:cNvSpPr/>
+          <p:nvPr/>
+        </p:nvSpPr>
+        <p:spPr>
+          <a:xfrm>
+            <a:off x="7254523" y="1226528"/>
+            <a:ext cx="278296" cy="201040"/>
+          </a:xfrm>
+          <a:prstGeom prst="irregularSeal2">
+            <a:avLst/>
+          </a:prstGeom>
+          <a:ln>
+            <a:noFill/>
+          </a:ln>
+        </p:spPr>
+        <p:style>
+          <a:lnRef idx="2">
+            <a:schemeClr val="accent6"/>
+          </a:lnRef>
+          <a:fillRef idx="1">
+            <a:schemeClr val="lt1"/>
+          </a:fillRef>
+          <a:effectRef idx="0">
+            <a:schemeClr val="accent6"/>
+          </a:effectRef>
+          <a:fontRef idx="minor">
+            <a:schemeClr val="dk1"/>
+          </a:fontRef>
+        </p:style>
+        <p:txBody>
+          <a:bodyPr rtlCol="0" anchor="ctr"/>
+          <a:lstStyle/>
+          <a:p>
+            <a:pPr algn="ctr"/>
+            <a:endParaRPr lang="pl-PL"/>
+          </a:p>
+        </p:txBody>
+      </p:sp>
+      <p:sp>
+        <p:nvSpPr>
+          <p:cNvPr id="144" name="Wybuch: 14 punktów 143">
+            <a:extLst>
+              <a:ext uri="{FF2B5EF4-FFF2-40B4-BE49-F238E27FC236}">
+                <a16:creationId xmlns:a16="http://schemas.microsoft.com/office/drawing/2014/main" id="{24B4F222-C569-488B-BF9A-59C914A64083}"/>
+              </a:ext>
+            </a:extLst>
+          </p:cNvPr>
+          <p:cNvSpPr/>
+          <p:nvPr/>
+        </p:nvSpPr>
+        <p:spPr>
+          <a:xfrm>
+            <a:off x="5239981" y="5577588"/>
+            <a:ext cx="278296" cy="201040"/>
+          </a:xfrm>
+          <a:prstGeom prst="irregularSeal2">
+            <a:avLst/>
+          </a:prstGeom>
+          <a:ln>
+            <a:noFill/>
+          </a:ln>
+        </p:spPr>
+        <p:style>
+          <a:lnRef idx="2">
+            <a:schemeClr val="accent6"/>
+          </a:lnRef>
+          <a:fillRef idx="1">
+            <a:schemeClr val="lt1"/>
+          </a:fillRef>
+          <a:effectRef idx="0">
+            <a:schemeClr val="accent6"/>
+          </a:effectRef>
+          <a:fontRef idx="minor">
+            <a:schemeClr val="dk1"/>
+          </a:fontRef>
+        </p:style>
+        <p:txBody>
+          <a:bodyPr rtlCol="0" anchor="ctr"/>
+          <a:lstStyle/>
+          <a:p>
+            <a:pPr algn="ctr"/>
+            <a:endParaRPr lang="pl-PL"/>
+          </a:p>
+        </p:txBody>
+      </p:sp>
+      <p:sp>
+        <p:nvSpPr>
+          <p:cNvPr id="145" name="Wybuch: 14 punktów 144">
+            <a:extLst>
+              <a:ext uri="{FF2B5EF4-FFF2-40B4-BE49-F238E27FC236}">
+                <a16:creationId xmlns:a16="http://schemas.microsoft.com/office/drawing/2014/main" id="{0957E863-A4BB-4B42-8B2A-92D5C0D64B56}"/>
+              </a:ext>
+            </a:extLst>
+          </p:cNvPr>
+          <p:cNvSpPr/>
+          <p:nvPr/>
+        </p:nvSpPr>
+        <p:spPr>
+          <a:xfrm>
+            <a:off x="5925449" y="433142"/>
+            <a:ext cx="278296" cy="201040"/>
+          </a:xfrm>
+          <a:prstGeom prst="irregularSeal2">
+            <a:avLst/>
+          </a:prstGeom>
+          <a:ln>
+            <a:noFill/>
+          </a:ln>
+        </p:spPr>
+        <p:style>
+          <a:lnRef idx="2">
+            <a:schemeClr val="accent6"/>
+          </a:lnRef>
+          <a:fillRef idx="1">
+            <a:schemeClr val="lt1"/>
+          </a:fillRef>
+          <a:effectRef idx="0">
+            <a:schemeClr val="accent6"/>
+          </a:effectRef>
+          <a:fontRef idx="minor">
+            <a:schemeClr val="dk1"/>
+          </a:fontRef>
+        </p:style>
+        <p:txBody>
+          <a:bodyPr rtlCol="0" anchor="ctr"/>
+          <a:lstStyle/>
+          <a:p>
+            <a:pPr algn="ctr"/>
+            <a:endParaRPr lang="pl-PL"/>
+          </a:p>
+        </p:txBody>
+      </p:sp>
+      <p:sp>
+        <p:nvSpPr>
+          <p:cNvPr id="146" name="Wybuch: 14 punktów 145">
+            <a:extLst>
+              <a:ext uri="{FF2B5EF4-FFF2-40B4-BE49-F238E27FC236}">
+                <a16:creationId xmlns:a16="http://schemas.microsoft.com/office/drawing/2014/main" id="{CA56593B-C4A9-464C-AB93-7979EAD671F7}"/>
+              </a:ext>
+            </a:extLst>
+          </p:cNvPr>
+          <p:cNvSpPr/>
+          <p:nvPr/>
+        </p:nvSpPr>
+        <p:spPr>
+          <a:xfrm>
+            <a:off x="5528278" y="344553"/>
+            <a:ext cx="278296" cy="201040"/>
+          </a:xfrm>
+          <a:prstGeom prst="irregularSeal2">
+            <a:avLst/>
+          </a:prstGeom>
+          <a:ln>
+            <a:noFill/>
+          </a:ln>
+        </p:spPr>
+        <p:style>
+          <a:lnRef idx="2">
+            <a:schemeClr val="accent6"/>
+          </a:lnRef>
+          <a:fillRef idx="1">
+            <a:schemeClr val="lt1"/>
+          </a:fillRef>
+          <a:effectRef idx="0">
+            <a:schemeClr val="accent6"/>
+          </a:effectRef>
+          <a:fontRef idx="minor">
+            <a:schemeClr val="dk1"/>
+          </a:fontRef>
+        </p:style>
+        <p:txBody>
+          <a:bodyPr rtlCol="0" anchor="ctr"/>
+          <a:lstStyle/>
+          <a:p>
+            <a:pPr algn="ctr"/>
+            <a:endParaRPr lang="pl-PL"/>
+          </a:p>
+        </p:txBody>
+      </p:sp>
+      <p:sp>
+        <p:nvSpPr>
+          <p:cNvPr id="147" name="Wybuch: 14 punktów 146">
+            <a:extLst>
+              <a:ext uri="{FF2B5EF4-FFF2-40B4-BE49-F238E27FC236}">
+                <a16:creationId xmlns:a16="http://schemas.microsoft.com/office/drawing/2014/main" id="{0D4827E8-C957-49D8-80E0-A9FC90C5AE97}"/>
+              </a:ext>
+            </a:extLst>
+          </p:cNvPr>
+          <p:cNvSpPr/>
+          <p:nvPr/>
+        </p:nvSpPr>
+        <p:spPr>
+          <a:xfrm>
+            <a:off x="5071086" y="389920"/>
+            <a:ext cx="278296" cy="201040"/>
+          </a:xfrm>
+          <a:prstGeom prst="irregularSeal2">
+            <a:avLst/>
+          </a:prstGeom>
+          <a:ln>
+            <a:noFill/>
+          </a:ln>
+        </p:spPr>
+        <p:style>
+          <a:lnRef idx="2">
+            <a:schemeClr val="accent6"/>
+          </a:lnRef>
+          <a:fillRef idx="1">
+            <a:schemeClr val="lt1"/>
+          </a:fillRef>
+          <a:effectRef idx="0">
+            <a:schemeClr val="accent6"/>
+          </a:effectRef>
+          <a:fontRef idx="minor">
+            <a:schemeClr val="dk1"/>
+          </a:fontRef>
+        </p:style>
+        <p:txBody>
+          <a:bodyPr rtlCol="0" anchor="ctr"/>
+          <a:lstStyle/>
+          <a:p>
+            <a:pPr algn="ctr"/>
+            <a:endParaRPr lang="pl-PL"/>
+          </a:p>
+        </p:txBody>
+      </p:sp>
+      <p:sp>
+        <p:nvSpPr>
+          <p:cNvPr id="148" name="Wybuch: 14 punktów 147">
+            <a:extLst>
+              <a:ext uri="{FF2B5EF4-FFF2-40B4-BE49-F238E27FC236}">
+                <a16:creationId xmlns:a16="http://schemas.microsoft.com/office/drawing/2014/main" id="{470265C3-9C8B-4F53-8127-584A6878DA44}"/>
+              </a:ext>
+            </a:extLst>
+          </p:cNvPr>
+          <p:cNvSpPr/>
+          <p:nvPr/>
+        </p:nvSpPr>
+        <p:spPr>
+          <a:xfrm>
+            <a:off x="4350065" y="732493"/>
+            <a:ext cx="278296" cy="201040"/>
+          </a:xfrm>
+          <a:prstGeom prst="irregularSeal2">
+            <a:avLst/>
+          </a:prstGeom>
+          <a:ln>
+            <a:noFill/>
+          </a:ln>
+        </p:spPr>
+        <p:style>
+          <a:lnRef idx="2">
+            <a:schemeClr val="accent6"/>
+          </a:lnRef>
+          <a:fillRef idx="1">
+            <a:schemeClr val="lt1"/>
+          </a:fillRef>
+          <a:effectRef idx="0">
+            <a:schemeClr val="accent6"/>
+          </a:effectRef>
+          <a:fontRef idx="minor">
+            <a:schemeClr val="dk1"/>
+          </a:fontRef>
+        </p:style>
+        <p:txBody>
+          <a:bodyPr rtlCol="0" anchor="ctr"/>
+          <a:lstStyle/>
+          <a:p>
+            <a:pPr algn="ctr"/>
+            <a:endParaRPr lang="pl-PL"/>
+          </a:p>
+        </p:txBody>
+      </p:sp>
+      <p:sp>
+        <p:nvSpPr>
+          <p:cNvPr id="149" name="Wybuch: 14 punktów 148">
+            <a:extLst>
+              <a:ext uri="{FF2B5EF4-FFF2-40B4-BE49-F238E27FC236}">
+                <a16:creationId xmlns:a16="http://schemas.microsoft.com/office/drawing/2014/main" id="{A65CA321-73CC-4A54-82A8-005E47CB02D1}"/>
+              </a:ext>
+            </a:extLst>
+          </p:cNvPr>
+          <p:cNvSpPr/>
+          <p:nvPr/>
+        </p:nvSpPr>
+        <p:spPr>
+          <a:xfrm>
+            <a:off x="4666621" y="460232"/>
+            <a:ext cx="278296" cy="201040"/>
+          </a:xfrm>
+          <a:prstGeom prst="irregularSeal2">
+            <a:avLst/>
+          </a:prstGeom>
+          <a:ln>
+            <a:noFill/>
+          </a:ln>
+        </p:spPr>
+        <p:style>
+          <a:lnRef idx="2">
+            <a:schemeClr val="accent6"/>
+          </a:lnRef>
+          <a:fillRef idx="1">
+            <a:schemeClr val="lt1"/>
+          </a:fillRef>
+          <a:effectRef idx="0">
+            <a:schemeClr val="accent6"/>
+          </a:effectRef>
+          <a:fontRef idx="minor">
+            <a:schemeClr val="dk1"/>
+          </a:fontRef>
+        </p:style>
+        <p:txBody>
+          <a:bodyPr rtlCol="0" anchor="ctr"/>
+          <a:lstStyle/>
+          <a:p>
+            <a:pPr algn="ctr"/>
+            <a:endParaRPr lang="pl-PL"/>
+          </a:p>
+        </p:txBody>
+      </p:sp>
+      <p:sp>
+        <p:nvSpPr>
+          <p:cNvPr id="150" name="Wybuch: 14 punktów 149">
+            <a:extLst>
+              <a:ext uri="{FF2B5EF4-FFF2-40B4-BE49-F238E27FC236}">
+                <a16:creationId xmlns:a16="http://schemas.microsoft.com/office/drawing/2014/main" id="{8544C64E-FDDE-4529-8B97-79437FC57E0B}"/>
+              </a:ext>
+            </a:extLst>
+          </p:cNvPr>
+          <p:cNvSpPr/>
+          <p:nvPr/>
+        </p:nvSpPr>
+        <p:spPr>
+          <a:xfrm>
+            <a:off x="7996552" y="4720172"/>
+            <a:ext cx="278296" cy="201040"/>
+          </a:xfrm>
+          <a:prstGeom prst="irregularSeal2">
+            <a:avLst/>
+          </a:prstGeom>
+          <a:ln>
+            <a:noFill/>
+          </a:ln>
+        </p:spPr>
+        <p:style>
+          <a:lnRef idx="2">
+            <a:schemeClr val="accent6"/>
+          </a:lnRef>
+          <a:fillRef idx="1">
+            <a:schemeClr val="lt1"/>
+          </a:fillRef>
+          <a:effectRef idx="0">
+            <a:schemeClr val="accent6"/>
+          </a:effectRef>
+          <a:fontRef idx="minor">
+            <a:schemeClr val="dk1"/>
+          </a:fontRef>
+        </p:style>
+        <p:txBody>
+          <a:bodyPr rtlCol="0" anchor="ctr"/>
+          <a:lstStyle/>
+          <a:p>
+            <a:pPr algn="ctr"/>
+            <a:endParaRPr lang="pl-PL"/>
+          </a:p>
+        </p:txBody>
+      </p:sp>
+      <p:sp>
+        <p:nvSpPr>
+          <p:cNvPr id="151" name="Wybuch: 14 punktów 150">
+            <a:extLst>
+              <a:ext uri="{FF2B5EF4-FFF2-40B4-BE49-F238E27FC236}">
+                <a16:creationId xmlns:a16="http://schemas.microsoft.com/office/drawing/2014/main" id="{D7E895A1-9645-4751-B3DF-5B9C282C4F41}"/>
+              </a:ext>
+            </a:extLst>
+          </p:cNvPr>
+          <p:cNvSpPr/>
+          <p:nvPr/>
+        </p:nvSpPr>
+        <p:spPr>
+          <a:xfrm>
+            <a:off x="7115375" y="5035311"/>
+            <a:ext cx="278296" cy="201040"/>
+          </a:xfrm>
+          <a:prstGeom prst="irregularSeal2">
+            <a:avLst/>
+          </a:prstGeom>
+          <a:ln>
+            <a:noFill/>
+          </a:ln>
+        </p:spPr>
+        <p:style>
+          <a:lnRef idx="2">
+            <a:schemeClr val="accent6"/>
+          </a:lnRef>
+          <a:fillRef idx="1">
+            <a:schemeClr val="lt1"/>
+          </a:fillRef>
+          <a:effectRef idx="0">
+            <a:schemeClr val="accent6"/>
+          </a:effectRef>
+          <a:fontRef idx="minor">
+            <a:schemeClr val="dk1"/>
+          </a:fontRef>
+        </p:style>
+        <p:txBody>
+          <a:bodyPr rtlCol="0" anchor="ctr"/>
+          <a:lstStyle/>
+          <a:p>
+            <a:pPr algn="ctr"/>
+            <a:endParaRPr lang="pl-PL"/>
+          </a:p>
+        </p:txBody>
+      </p:sp>
+      <p:sp>
+        <p:nvSpPr>
+          <p:cNvPr id="152" name="Wybuch: 14 punktów 151">
+            <a:extLst>
+              <a:ext uri="{FF2B5EF4-FFF2-40B4-BE49-F238E27FC236}">
+                <a16:creationId xmlns:a16="http://schemas.microsoft.com/office/drawing/2014/main" id="{00385C72-7581-4A9F-8D48-07C70EFF94E0}"/>
+              </a:ext>
+            </a:extLst>
+          </p:cNvPr>
+          <p:cNvSpPr/>
+          <p:nvPr/>
+        </p:nvSpPr>
+        <p:spPr>
+          <a:xfrm>
+            <a:off x="5925449" y="5644924"/>
+            <a:ext cx="278296" cy="201040"/>
+          </a:xfrm>
+          <a:prstGeom prst="irregularSeal2">
+            <a:avLst/>
+          </a:prstGeom>
+          <a:ln>
+            <a:noFill/>
+          </a:ln>
+        </p:spPr>
+        <p:style>
+          <a:lnRef idx="2">
+            <a:schemeClr val="accent6"/>
+          </a:lnRef>
+          <a:fillRef idx="1">
+            <a:schemeClr val="lt1"/>
+          </a:fillRef>
+          <a:effectRef idx="0">
+            <a:schemeClr val="accent6"/>
+          </a:effectRef>
+          <a:fontRef idx="minor">
+            <a:schemeClr val="dk1"/>
+          </a:fontRef>
+        </p:style>
+        <p:txBody>
+          <a:bodyPr rtlCol="0" anchor="ctr"/>
+          <a:lstStyle/>
+          <a:p>
+            <a:pPr algn="ctr"/>
+            <a:endParaRPr lang="pl-PL"/>
+          </a:p>
+        </p:txBody>
+      </p:sp>
+      <p:pic>
+        <p:nvPicPr>
+          <p:cNvPr id="101" name="Obraz 100">
+            <a:extLst>
+              <a:ext uri="{FF2B5EF4-FFF2-40B4-BE49-F238E27FC236}">
+                <a16:creationId xmlns:a16="http://schemas.microsoft.com/office/drawing/2014/main" id="{261F73A0-09BA-450D-92ED-8DB0C223D251}"/>
+              </a:ext>
+            </a:extLst>
+          </p:cNvPr>
+          <p:cNvPicPr>
+            <a:picLocks noChangeAspect="1"/>
+          </p:cNvPicPr>
+          <p:nvPr/>
+        </p:nvPicPr>
+        <p:blipFill>
+          <a:blip r:embed="rId3">
+            <a:extLst>
+              <a:ext uri="{28A0092B-C50C-407E-A947-70E740481C1C}">
+                <a14:useLocalDpi xmlns:a14="http://schemas.microsoft.com/office/drawing/2010/main" val="0"/>
+              </a:ext>
+            </a:extLst>
+          </a:blip>
+          <a:stretch>
+            <a:fillRect/>
+          </a:stretch>
+        </p:blipFill>
+        <p:spPr>
+          <a:xfrm>
+            <a:off x="399040" y="1858535"/>
+            <a:ext cx="1501432" cy="510691"/>
+          </a:xfrm>
+          <a:prstGeom prst="rect">
+            <a:avLst/>
+          </a:prstGeom>
+        </p:spPr>
+      </p:pic>
+      <p:pic>
+        <p:nvPicPr>
+          <p:cNvPr id="154" name="Obraz 153">
+            <a:extLst>
+              <a:ext uri="{FF2B5EF4-FFF2-40B4-BE49-F238E27FC236}">
+                <a16:creationId xmlns:a16="http://schemas.microsoft.com/office/drawing/2014/main" id="{F99D0DFA-02E9-48AD-B8BB-C37BC1F42371}"/>
+              </a:ext>
+            </a:extLst>
+          </p:cNvPr>
+          <p:cNvPicPr>
+            <a:picLocks noChangeAspect="1"/>
+          </p:cNvPicPr>
+          <p:nvPr/>
+        </p:nvPicPr>
+        <p:blipFill>
+          <a:blip r:embed="rId4">
+            <a:extLst>
+              <a:ext uri="{28A0092B-C50C-407E-A947-70E740481C1C}">
+                <a14:useLocalDpi xmlns:a14="http://schemas.microsoft.com/office/drawing/2010/main" val="0"/>
+              </a:ext>
+            </a:extLst>
+          </a:blip>
+          <a:stretch>
+            <a:fillRect/>
+          </a:stretch>
+        </p:blipFill>
+        <p:spPr>
+          <a:xfrm>
+            <a:off x="10237325" y="3271388"/>
+            <a:ext cx="1838487" cy="1378865"/>
+          </a:xfrm>
+          <a:prstGeom prst="rect">
+            <a:avLst/>
+          </a:prstGeom>
+        </p:spPr>
+      </p:pic>
+      <p:pic>
+        <p:nvPicPr>
+          <p:cNvPr id="156" name="Obraz 155">
+            <a:extLst>
+              <a:ext uri="{FF2B5EF4-FFF2-40B4-BE49-F238E27FC236}">
+                <a16:creationId xmlns:a16="http://schemas.microsoft.com/office/drawing/2014/main" id="{34AA4E46-6422-47A0-929E-5EB04E4ED63F}"/>
+              </a:ext>
+            </a:extLst>
+          </p:cNvPr>
+          <p:cNvPicPr>
+            <a:picLocks noChangeAspect="1"/>
+          </p:cNvPicPr>
+          <p:nvPr/>
+        </p:nvPicPr>
+        <p:blipFill>
+          <a:blip r:embed="rId5">
+            <a:extLst>
+              <a:ext uri="{28A0092B-C50C-407E-A947-70E740481C1C}">
+                <a14:useLocalDpi xmlns:a14="http://schemas.microsoft.com/office/drawing/2010/main" val="0"/>
+              </a:ext>
+            </a:extLst>
+          </a:blip>
+          <a:stretch>
+            <a:fillRect/>
+          </a:stretch>
+        </p:blipFill>
+        <p:spPr>
+          <a:xfrm>
+            <a:off x="493481" y="4806583"/>
+            <a:ext cx="1276727" cy="1276727"/>
+          </a:xfrm>
+          <a:prstGeom prst="rect">
+            <a:avLst/>
+          </a:prstGeom>
+        </p:spPr>
+      </p:pic>
+      <p:pic>
+        <p:nvPicPr>
+          <p:cNvPr id="158" name="Obraz 157">
+            <a:extLst>
+              <a:ext uri="{FF2B5EF4-FFF2-40B4-BE49-F238E27FC236}">
+                <a16:creationId xmlns:a16="http://schemas.microsoft.com/office/drawing/2014/main" id="{2D7B2E62-AE47-46D1-92BF-2564B8A5F3D5}"/>
+              </a:ext>
+            </a:extLst>
+          </p:cNvPr>
+          <p:cNvPicPr>
+            <a:picLocks noChangeAspect="1"/>
+          </p:cNvPicPr>
+          <p:nvPr/>
+        </p:nvPicPr>
+        <p:blipFill>
+          <a:blip r:embed="rId6">
+            <a:extLst>
+              <a:ext uri="{28A0092B-C50C-407E-A947-70E740481C1C}">
+                <a14:useLocalDpi xmlns:a14="http://schemas.microsoft.com/office/drawing/2010/main" val="0"/>
+              </a:ext>
+            </a:extLst>
+          </a:blip>
+          <a:stretch>
+            <a:fillRect/>
+          </a:stretch>
+        </p:blipFill>
+        <p:spPr>
+          <a:xfrm>
+            <a:off x="10678214" y="1231637"/>
+            <a:ext cx="951989" cy="951989"/>
+          </a:xfrm>
+          <a:prstGeom prst="rect">
+            <a:avLst/>
+          </a:prstGeom>
+        </p:spPr>
+      </p:pic>
+      <p:sp>
+        <p:nvSpPr>
+          <p:cNvPr id="159" name="Prostokąt 158">
+            <a:extLst>
+              <a:ext uri="{FF2B5EF4-FFF2-40B4-BE49-F238E27FC236}">
+                <a16:creationId xmlns:a16="http://schemas.microsoft.com/office/drawing/2014/main" id="{989C1CBC-3B31-4F2A-8569-98058F6B0F32}"/>
+              </a:ext>
+            </a:extLst>
+          </p:cNvPr>
+          <p:cNvSpPr/>
+          <p:nvPr/>
+        </p:nvSpPr>
+        <p:spPr>
+          <a:xfrm>
+            <a:off x="2398997" y="5544117"/>
+            <a:ext cx="7853687" cy="830997"/>
+          </a:xfrm>
+          <a:prstGeom prst="rect">
+            <a:avLst/>
+          </a:prstGeom>
+          <a:noFill/>
+        </p:spPr>
+        <p:txBody>
+          <a:bodyPr wrap="square" lIns="91440" tIns="45720" rIns="91440" bIns="45720">
+            <a:spAutoFit/>
+          </a:bodyPr>
+          <a:lstStyle/>
+          <a:p>
+            <a:pPr algn="ctr"/>
+            <a:r>
+              <a:rPr lang="pl-PL" sz="4800" b="1" cap="none" spc="0" dirty="0">
+                <a:ln w="10160">
+                  <a:solidFill>
+                    <a:schemeClr val="accent5"/>
+                  </a:solidFill>
+                  <a:prstDash val="solid"/>
+                </a:ln>
+                <a:solidFill>
+                  <a:srgbClr val="FFFFFF"/>
+                </a:solidFill>
+                <a:effectLst>
+                  <a:outerShdw blurRad="38100" dist="22860" dir="5400000" algn="tl" rotWithShape="0">
+                    <a:srgbClr val="000000">
+                      <a:alpha val="30000"/>
+                    </a:srgbClr>
+                  </a:outerShdw>
+                </a:effectLst>
+              </a:rPr>
+              <a:t>DWH </a:t>
+            </a:r>
+            <a:r>
+              <a:rPr lang="pl-PL" sz="4800" b="1" dirty="0">
+                <a:ln w="10160">
+                  <a:solidFill>
+                    <a:schemeClr val="accent5"/>
+                  </a:solidFill>
+                  <a:prstDash val="solid"/>
+                </a:ln>
+                <a:solidFill>
+                  <a:srgbClr val="FFFFFF"/>
+                </a:solidFill>
+                <a:effectLst>
+                  <a:outerShdw blurRad="38100" dist="22860" dir="5400000" algn="tl" rotWithShape="0">
+                    <a:srgbClr val="000000">
+                      <a:alpha val="30000"/>
+                    </a:srgbClr>
+                  </a:outerShdw>
+                </a:effectLst>
+              </a:rPr>
+              <a:t>e</a:t>
+            </a:r>
+            <a:r>
+              <a:rPr lang="pl-PL" sz="4800" b="1" cap="none" spc="0">
+                <a:ln w="10160">
+                  <a:solidFill>
+                    <a:schemeClr val="accent5"/>
+                  </a:solidFill>
+                  <a:prstDash val="solid"/>
+                </a:ln>
+                <a:solidFill>
+                  <a:srgbClr val="FFFFFF"/>
+                </a:solidFill>
+                <a:effectLst>
+                  <a:outerShdw blurRad="38100" dist="22860" dir="5400000" algn="tl" rotWithShape="0">
+                    <a:srgbClr val="000000">
+                      <a:alpha val="30000"/>
+                    </a:srgbClr>
+                  </a:outerShdw>
+                </a:effectLst>
+              </a:rPr>
+              <a:t>ntropy</a:t>
+            </a:r>
+            <a:r>
+              <a:rPr lang="pl-PL" sz="4800" b="1" cap="none" spc="0" dirty="0">
+                <a:ln w="10160">
+                  <a:solidFill>
+                    <a:schemeClr val="accent5"/>
+                  </a:solidFill>
+                  <a:prstDash val="solid"/>
+                </a:ln>
+                <a:solidFill>
+                  <a:srgbClr val="FFFFFF"/>
+                </a:solidFill>
+                <a:effectLst>
+                  <a:outerShdw blurRad="38100" dist="22860" dir="5400000" algn="tl" rotWithShape="0">
+                    <a:srgbClr val="000000">
+                      <a:alpha val="30000"/>
+                    </a:srgbClr>
+                  </a:outerShdw>
+                </a:effectLst>
+              </a:rPr>
+              <a:t> </a:t>
+            </a:r>
+            <a:r>
+              <a:rPr lang="pl-PL" sz="4800" b="1" cap="none" spc="0" dirty="0" err="1">
+                <a:ln w="10160">
+                  <a:solidFill>
+                    <a:schemeClr val="accent5"/>
+                  </a:solidFill>
+                  <a:prstDash val="solid"/>
+                </a:ln>
+                <a:solidFill>
+                  <a:srgbClr val="FFFFFF"/>
+                </a:solidFill>
+                <a:effectLst>
+                  <a:outerShdw blurRad="38100" dist="22860" dir="5400000" algn="tl" rotWithShape="0">
+                    <a:srgbClr val="000000">
+                      <a:alpha val="30000"/>
+                    </a:srgbClr>
+                  </a:outerShdw>
+                </a:effectLst>
+              </a:rPr>
+              <a:t>under</a:t>
+            </a:r>
+            <a:r>
+              <a:rPr lang="pl-PL" sz="4800" b="1" cap="none" spc="0" dirty="0">
+                <a:ln w="10160">
+                  <a:solidFill>
+                    <a:schemeClr val="accent5"/>
+                  </a:solidFill>
+                  <a:prstDash val="solid"/>
+                </a:ln>
+                <a:solidFill>
+                  <a:srgbClr val="FFFFFF"/>
+                </a:solidFill>
+                <a:effectLst>
+                  <a:outerShdw blurRad="38100" dist="22860" dir="5400000" algn="tl" rotWithShape="0">
+                    <a:srgbClr val="000000">
+                      <a:alpha val="30000"/>
+                    </a:srgbClr>
+                  </a:outerShdw>
+                </a:effectLst>
+              </a:rPr>
+              <a:t> </a:t>
+            </a:r>
+            <a:r>
+              <a:rPr lang="pl-PL" sz="4800" b="1" cap="none" spc="0" dirty="0" err="1">
+                <a:ln w="10160">
+                  <a:solidFill>
+                    <a:schemeClr val="accent5"/>
+                  </a:solidFill>
+                  <a:prstDash val="solid"/>
+                </a:ln>
+                <a:solidFill>
+                  <a:srgbClr val="FFFFFF"/>
+                </a:solidFill>
+                <a:effectLst>
+                  <a:outerShdw blurRad="38100" dist="22860" dir="5400000" algn="tl" rotWithShape="0">
+                    <a:srgbClr val="000000">
+                      <a:alpha val="30000"/>
+                    </a:srgbClr>
+                  </a:outerShdw>
+                </a:effectLst>
+              </a:rPr>
+              <a:t>contol</a:t>
+            </a:r>
+            <a:endParaRPr lang="pl-PL" sz="4800" b="1" cap="none" spc="0" dirty="0">
+              <a:ln w="10160">
+                <a:solidFill>
+                  <a:schemeClr val="accent5"/>
+                </a:solidFill>
+                <a:prstDash val="solid"/>
+              </a:ln>
+              <a:solidFill>
+                <a:srgbClr val="FFFFFF"/>
+              </a:solidFill>
+              <a:effectLst>
+                <a:outerShdw blurRad="38100" dist="22860" dir="5400000" algn="tl" rotWithShape="0">
+                  <a:srgbClr val="000000">
+                    <a:alpha val="30000"/>
+                  </a:srgbClr>
+                </a:outerShdw>
+              </a:effectLst>
+            </a:endParaRPr>
+          </a:p>
+        </p:txBody>
+      </p:sp>
+    </p:spTree>
+    <p:extLst>
+      <p:ext uri="{BB962C8B-B14F-4D97-AF65-F5344CB8AC3E}">
+        <p14:creationId xmlns:p14="http://schemas.microsoft.com/office/powerpoint/2010/main" val="3789948161"/>
       </p:ext>
     </p:extLst>
   </p:cSld>

--- a/themes/hugo-elate-theme/static/images/Pictures for blog.pptx
+++ b/themes/hugo-elate-theme/static/images/Pictures for blog.pptx
@@ -2,17 +2,23 @@
 <file path=ppt/presentation.xml><?xml version="1.0" encoding="utf-8"?>
 <p:presentation xmlns:a="http://schemas.openxmlformats.org/drawingml/2006/main" xmlns:r="http://schemas.openxmlformats.org/officeDocument/2006/relationships" xmlns:p="http://schemas.openxmlformats.org/presentationml/2006/main" saveSubsetFonts="1">
   <p:sldMasterIdLst>
-    <p:sldMasterId id="2147483648" r:id="rId1"/>
+    <p:sldMasterId id="2147483648" r:id="rId2"/>
   </p:sldMasterIdLst>
+  <p:notesMasterIdLst>
+    <p:notesMasterId r:id="rId11"/>
+  </p:notesMasterIdLst>
+  <p:handoutMasterIdLst>
+    <p:handoutMasterId r:id="rId12"/>
+  </p:handoutMasterIdLst>
   <p:sldIdLst>
-    <p:sldId id="257" r:id="rId2"/>
-    <p:sldId id="263" r:id="rId3"/>
-    <p:sldId id="262" r:id="rId4"/>
-    <p:sldId id="261" r:id="rId5"/>
-    <p:sldId id="260" r:id="rId6"/>
-    <p:sldId id="259" r:id="rId7"/>
-    <p:sldId id="258" r:id="rId8"/>
-    <p:sldId id="256" r:id="rId9"/>
+    <p:sldId id="257" r:id="rId3"/>
+    <p:sldId id="263" r:id="rId4"/>
+    <p:sldId id="262" r:id="rId5"/>
+    <p:sldId id="261" r:id="rId6"/>
+    <p:sldId id="260" r:id="rId7"/>
+    <p:sldId id="259" r:id="rId8"/>
+    <p:sldId id="258" r:id="rId9"/>
+    <p:sldId id="256" r:id="rId10"/>
   </p:sldIdLst>
   <p:sldSz cx="12192000" cy="6858000"/>
   <p:notesSz cx="6858000" cy="9144000"/>
@@ -119,8 +125,1519 @@
 </p:presentation>
 </file>
 
-<file path=ppt/revisionInfo.xml><?xml version="1.0" encoding="utf-8"?>
-<p1510:revInfo xmlns:a="http://schemas.openxmlformats.org/drawingml/2006/main" xmlns:r="http://schemas.openxmlformats.org/officeDocument/2006/relationships" xmlns:p1510="http://schemas.microsoft.com/office/powerpoint/2015/10/main"/>
+<file path=ppt/handoutMasters/handoutMaster1.xml><?xml version="1.0" encoding="utf-8"?>
+<p:handoutMaster xmlns:a="http://schemas.openxmlformats.org/drawingml/2006/main" xmlns:r="http://schemas.openxmlformats.org/officeDocument/2006/relationships" xmlns:p="http://schemas.openxmlformats.org/presentationml/2006/main">
+  <p:cSld>
+    <p:bg>
+      <p:bgRef idx="1001">
+        <a:schemeClr val="bg1"/>
+      </p:bgRef>
+    </p:bg>
+    <p:spTree>
+      <p:nvGrpSpPr>
+        <p:cNvPr id="1" name=""/>
+        <p:cNvGrpSpPr/>
+        <p:nvPr/>
+      </p:nvGrpSpPr>
+      <p:grpSpPr>
+        <a:xfrm>
+          <a:off x="0" y="0"/>
+          <a:ext cx="0" cy="0"/>
+          <a:chOff x="0" y="0"/>
+          <a:chExt cx="0" cy="0"/>
+        </a:xfrm>
+      </p:grpSpPr>
+      <p:sp>
+        <p:nvSpPr>
+          <p:cNvPr id="2" name="Header Placeholder 1">
+            <a:extLst>
+              <a:ext uri="{FF2B5EF4-FFF2-40B4-BE49-F238E27FC236}">
+                <a16:creationId xmlns:a16="http://schemas.microsoft.com/office/drawing/2014/main" id="{9473FDFF-EAE7-4F89-9172-A500DA698A36}"/>
+              </a:ext>
+            </a:extLst>
+          </p:cNvPr>
+          <p:cNvSpPr>
+            <a:spLocks noGrp="1"/>
+          </p:cNvSpPr>
+          <p:nvPr>
+            <p:ph type="hdr" sz="quarter"/>
+          </p:nvPr>
+        </p:nvSpPr>
+        <p:spPr>
+          <a:xfrm>
+            <a:off x="0" y="0"/>
+            <a:ext cx="2971800" cy="458788"/>
+          </a:xfrm>
+          <a:prstGeom prst="rect">
+            <a:avLst/>
+          </a:prstGeom>
+        </p:spPr>
+        <p:txBody>
+          <a:bodyPr vert="horz" lIns="91440" tIns="45720" rIns="91440" bIns="45720" rtlCol="0"/>
+          <a:lstStyle>
+            <a:lvl1pPr algn="l">
+              <a:defRPr sz="1200"/>
+            </a:lvl1pPr>
+          </a:lstStyle>
+          <a:p>
+            <a:endParaRPr lang="en-US"/>
+          </a:p>
+        </p:txBody>
+      </p:sp>
+      <p:sp>
+        <p:nvSpPr>
+          <p:cNvPr id="3" name="Date Placeholder 2">
+            <a:extLst>
+              <a:ext uri="{FF2B5EF4-FFF2-40B4-BE49-F238E27FC236}">
+                <a16:creationId xmlns:a16="http://schemas.microsoft.com/office/drawing/2014/main" id="{281FCDCF-0E29-4EB9-BE68-C9D59412E583}"/>
+              </a:ext>
+            </a:extLst>
+          </p:cNvPr>
+          <p:cNvSpPr>
+            <a:spLocks noGrp="1"/>
+          </p:cNvSpPr>
+          <p:nvPr>
+            <p:ph type="dt" sz="quarter" idx="1"/>
+          </p:nvPr>
+        </p:nvSpPr>
+        <p:spPr>
+          <a:xfrm>
+            <a:off x="3884613" y="0"/>
+            <a:ext cx="2971800" cy="458788"/>
+          </a:xfrm>
+          <a:prstGeom prst="rect">
+            <a:avLst/>
+          </a:prstGeom>
+        </p:spPr>
+        <p:txBody>
+          <a:bodyPr vert="horz" lIns="91440" tIns="45720" rIns="91440" bIns="45720" rtlCol="0"/>
+          <a:lstStyle>
+            <a:lvl1pPr algn="r">
+              <a:defRPr sz="1200"/>
+            </a:lvl1pPr>
+          </a:lstStyle>
+          <a:p>
+            <a:fld id="{85F6B539-82EF-4B0A-81D6-A7AC15FDDE32}" type="datetimeFigureOut">
+              <a:rPr lang="en-US" smtClean="0"/>
+              <a:t>8/14/2019</a:t>
+            </a:fld>
+            <a:endParaRPr lang="en-US"/>
+          </a:p>
+        </p:txBody>
+      </p:sp>
+      <p:sp>
+        <p:nvSpPr>
+          <p:cNvPr id="4" name="Footer Placeholder 3">
+            <a:extLst>
+              <a:ext uri="{FF2B5EF4-FFF2-40B4-BE49-F238E27FC236}">
+                <a16:creationId xmlns:a16="http://schemas.microsoft.com/office/drawing/2014/main" id="{E6EB5F93-38F7-4003-BB16-15D378D0A6C5}"/>
+              </a:ext>
+            </a:extLst>
+          </p:cNvPr>
+          <p:cNvSpPr>
+            <a:spLocks noGrp="1"/>
+          </p:cNvSpPr>
+          <p:nvPr>
+            <p:ph type="ftr" sz="quarter" idx="2"/>
+          </p:nvPr>
+        </p:nvSpPr>
+        <p:spPr>
+          <a:xfrm>
+            <a:off x="0" y="8685213"/>
+            <a:ext cx="2971800" cy="458787"/>
+          </a:xfrm>
+          <a:prstGeom prst="rect">
+            <a:avLst/>
+          </a:prstGeom>
+        </p:spPr>
+        <p:txBody>
+          <a:bodyPr vert="horz" lIns="91440" tIns="45720" rIns="91440" bIns="45720" rtlCol="0" anchor="b"/>
+          <a:lstStyle>
+            <a:lvl1pPr algn="l">
+              <a:defRPr sz="1200"/>
+            </a:lvl1pPr>
+          </a:lstStyle>
+          <a:p>
+            <a:endParaRPr lang="en-US"/>
+          </a:p>
+        </p:txBody>
+      </p:sp>
+      <p:sp>
+        <p:nvSpPr>
+          <p:cNvPr id="5" name="Slide Number Placeholder 4">
+            <a:extLst>
+              <a:ext uri="{FF2B5EF4-FFF2-40B4-BE49-F238E27FC236}">
+                <a16:creationId xmlns:a16="http://schemas.microsoft.com/office/drawing/2014/main" id="{2380F4B3-95A4-4D39-A596-E8A711E0941B}"/>
+              </a:ext>
+            </a:extLst>
+          </p:cNvPr>
+          <p:cNvSpPr>
+            <a:spLocks noGrp="1"/>
+          </p:cNvSpPr>
+          <p:nvPr>
+            <p:ph type="sldNum" sz="quarter" idx="3"/>
+          </p:nvPr>
+        </p:nvSpPr>
+        <p:spPr>
+          <a:xfrm>
+            <a:off x="3884613" y="8685213"/>
+            <a:ext cx="2971800" cy="458787"/>
+          </a:xfrm>
+          <a:prstGeom prst="rect">
+            <a:avLst/>
+          </a:prstGeom>
+        </p:spPr>
+        <p:txBody>
+          <a:bodyPr vert="horz" lIns="91440" tIns="45720" rIns="91440" bIns="45720" rtlCol="0" anchor="b"/>
+          <a:lstStyle>
+            <a:lvl1pPr algn="r">
+              <a:defRPr sz="1200"/>
+            </a:lvl1pPr>
+          </a:lstStyle>
+          <a:p>
+            <a:fld id="{F4E67517-869C-422C-8E5A-3EA762C1A748}" type="slidenum">
+              <a:rPr lang="en-US" smtClean="0"/>
+              <a:t>‹#›</a:t>
+            </a:fld>
+            <a:endParaRPr lang="en-US"/>
+          </a:p>
+        </p:txBody>
+      </p:sp>
+    </p:spTree>
+    <p:extLst>
+      <p:ext uri="{BB962C8B-B14F-4D97-AF65-F5344CB8AC3E}">
+        <p14:creationId xmlns:p14="http://schemas.microsoft.com/office/powerpoint/2010/main" val="2203673456"/>
+      </p:ext>
+    </p:extLst>
+  </p:cSld>
+  <p:clrMap bg1="lt1" tx1="dk1" bg2="lt2" tx2="dk2" accent1="accent1" accent2="accent2" accent3="accent3" accent4="accent4" accent5="accent5" accent6="accent6" hlink="hlink" folHlink="folHlink"/>
+</p:handoutMaster>
+</file>
+
+<file path=ppt/notesMasters/notesMaster1.xml><?xml version="1.0" encoding="utf-8"?>
+<p:notesMaster xmlns:a="http://schemas.openxmlformats.org/drawingml/2006/main" xmlns:r="http://schemas.openxmlformats.org/officeDocument/2006/relationships" xmlns:p="http://schemas.openxmlformats.org/presentationml/2006/main">
+  <p:cSld>
+    <p:bg>
+      <p:bgRef idx="1001">
+        <a:schemeClr val="bg1"/>
+      </p:bgRef>
+    </p:bg>
+    <p:spTree>
+      <p:nvGrpSpPr>
+        <p:cNvPr id="1" name=""/>
+        <p:cNvGrpSpPr/>
+        <p:nvPr/>
+      </p:nvGrpSpPr>
+      <p:grpSpPr>
+        <a:xfrm>
+          <a:off x="0" y="0"/>
+          <a:ext cx="0" cy="0"/>
+          <a:chOff x="0" y="0"/>
+          <a:chExt cx="0" cy="0"/>
+        </a:xfrm>
+      </p:grpSpPr>
+      <p:sp>
+        <p:nvSpPr>
+          <p:cNvPr id="2" name="Header Placeholder 1"/>
+          <p:cNvSpPr>
+            <a:spLocks noGrp="1"/>
+          </p:cNvSpPr>
+          <p:nvPr>
+            <p:ph type="hdr" sz="quarter"/>
+          </p:nvPr>
+        </p:nvSpPr>
+        <p:spPr>
+          <a:xfrm>
+            <a:off x="0" y="0"/>
+            <a:ext cx="2971800" cy="458788"/>
+          </a:xfrm>
+          <a:prstGeom prst="rect">
+            <a:avLst/>
+          </a:prstGeom>
+        </p:spPr>
+        <p:txBody>
+          <a:bodyPr vert="horz" lIns="91440" tIns="45720" rIns="91440" bIns="45720" rtlCol="0"/>
+          <a:lstStyle>
+            <a:lvl1pPr algn="l">
+              <a:defRPr sz="1200"/>
+            </a:lvl1pPr>
+          </a:lstStyle>
+          <a:p>
+            <a:endParaRPr lang="en-US"/>
+          </a:p>
+        </p:txBody>
+      </p:sp>
+      <p:sp>
+        <p:nvSpPr>
+          <p:cNvPr id="3" name="Date Placeholder 2"/>
+          <p:cNvSpPr>
+            <a:spLocks noGrp="1"/>
+          </p:cNvSpPr>
+          <p:nvPr>
+            <p:ph type="dt" idx="1"/>
+          </p:nvPr>
+        </p:nvSpPr>
+        <p:spPr>
+          <a:xfrm>
+            <a:off x="3884613" y="0"/>
+            <a:ext cx="2971800" cy="458788"/>
+          </a:xfrm>
+          <a:prstGeom prst="rect">
+            <a:avLst/>
+          </a:prstGeom>
+        </p:spPr>
+        <p:txBody>
+          <a:bodyPr vert="horz" lIns="91440" tIns="45720" rIns="91440" bIns="45720" rtlCol="0"/>
+          <a:lstStyle>
+            <a:lvl1pPr algn="r">
+              <a:defRPr sz="1200"/>
+            </a:lvl1pPr>
+          </a:lstStyle>
+          <a:p>
+            <a:fld id="{DF849A96-36CF-49A5-9A4F-E58C3FF49857}" type="datetimeFigureOut">
+              <a:rPr lang="en-US" smtClean="0"/>
+              <a:t>8/14/2019</a:t>
+            </a:fld>
+            <a:endParaRPr lang="en-US"/>
+          </a:p>
+        </p:txBody>
+      </p:sp>
+      <p:sp>
+        <p:nvSpPr>
+          <p:cNvPr id="4" name="Slide Image Placeholder 3"/>
+          <p:cNvSpPr>
+            <a:spLocks noGrp="1" noRot="1" noChangeAspect="1"/>
+          </p:cNvSpPr>
+          <p:nvPr>
+            <p:ph type="sldImg" idx="2"/>
+          </p:nvPr>
+        </p:nvSpPr>
+        <p:spPr>
+          <a:xfrm>
+            <a:off x="685800" y="1143000"/>
+            <a:ext cx="5486400" cy="3086100"/>
+          </a:xfrm>
+          <a:prstGeom prst="rect">
+            <a:avLst/>
+          </a:prstGeom>
+          <a:noFill/>
+          <a:ln w="12700">
+            <a:solidFill>
+              <a:prstClr val="black"/>
+            </a:solidFill>
+          </a:ln>
+        </p:spPr>
+        <p:txBody>
+          <a:bodyPr vert="horz" lIns="91440" tIns="45720" rIns="91440" bIns="45720" rtlCol="0" anchor="ctr"/>
+          <a:lstStyle/>
+          <a:p>
+            <a:endParaRPr lang="en-US"/>
+          </a:p>
+        </p:txBody>
+      </p:sp>
+      <p:sp>
+        <p:nvSpPr>
+          <p:cNvPr id="5" name="Notes Placeholder 4"/>
+          <p:cNvSpPr>
+            <a:spLocks noGrp="1"/>
+          </p:cNvSpPr>
+          <p:nvPr>
+            <p:ph type="body" sz="quarter" idx="3"/>
+          </p:nvPr>
+        </p:nvSpPr>
+        <p:spPr>
+          <a:xfrm>
+            <a:off x="685800" y="4400550"/>
+            <a:ext cx="5486400" cy="3600450"/>
+          </a:xfrm>
+          <a:prstGeom prst="rect">
+            <a:avLst/>
+          </a:prstGeom>
+        </p:spPr>
+        <p:txBody>
+          <a:bodyPr vert="horz" lIns="91440" tIns="45720" rIns="91440" bIns="45720" rtlCol="0"/>
+          <a:lstStyle/>
+          <a:p>
+            <a:pPr lvl="0"/>
+            <a:r>
+              <a:rPr lang="en-US"/>
+              <a:t>Edit Master text styles</a:t>
+            </a:r>
+          </a:p>
+          <a:p>
+            <a:pPr lvl="1"/>
+            <a:r>
+              <a:rPr lang="en-US"/>
+              <a:t>Second level</a:t>
+            </a:r>
+          </a:p>
+          <a:p>
+            <a:pPr lvl="2"/>
+            <a:r>
+              <a:rPr lang="en-US"/>
+              <a:t>Third level</a:t>
+            </a:r>
+          </a:p>
+          <a:p>
+            <a:pPr lvl="3"/>
+            <a:r>
+              <a:rPr lang="en-US"/>
+              <a:t>Fourth level</a:t>
+            </a:r>
+          </a:p>
+          <a:p>
+            <a:pPr lvl="4"/>
+            <a:r>
+              <a:rPr lang="en-US"/>
+              <a:t>Fifth level</a:t>
+            </a:r>
+          </a:p>
+        </p:txBody>
+      </p:sp>
+      <p:sp>
+        <p:nvSpPr>
+          <p:cNvPr id="6" name="Footer Placeholder 5"/>
+          <p:cNvSpPr>
+            <a:spLocks noGrp="1"/>
+          </p:cNvSpPr>
+          <p:nvPr>
+            <p:ph type="ftr" sz="quarter" idx="4"/>
+          </p:nvPr>
+        </p:nvSpPr>
+        <p:spPr>
+          <a:xfrm>
+            <a:off x="0" y="8685213"/>
+            <a:ext cx="2971800" cy="458787"/>
+          </a:xfrm>
+          <a:prstGeom prst="rect">
+            <a:avLst/>
+          </a:prstGeom>
+        </p:spPr>
+        <p:txBody>
+          <a:bodyPr vert="horz" lIns="91440" tIns="45720" rIns="91440" bIns="45720" rtlCol="0" anchor="b"/>
+          <a:lstStyle>
+            <a:lvl1pPr algn="l">
+              <a:defRPr sz="1200"/>
+            </a:lvl1pPr>
+          </a:lstStyle>
+          <a:p>
+            <a:endParaRPr lang="en-US"/>
+          </a:p>
+        </p:txBody>
+      </p:sp>
+      <p:sp>
+        <p:nvSpPr>
+          <p:cNvPr id="7" name="Slide Number Placeholder 6"/>
+          <p:cNvSpPr>
+            <a:spLocks noGrp="1"/>
+          </p:cNvSpPr>
+          <p:nvPr>
+            <p:ph type="sldNum" sz="quarter" idx="5"/>
+          </p:nvPr>
+        </p:nvSpPr>
+        <p:spPr>
+          <a:xfrm>
+            <a:off x="3884613" y="8685213"/>
+            <a:ext cx="2971800" cy="458787"/>
+          </a:xfrm>
+          <a:prstGeom prst="rect">
+            <a:avLst/>
+          </a:prstGeom>
+        </p:spPr>
+        <p:txBody>
+          <a:bodyPr vert="horz" lIns="91440" tIns="45720" rIns="91440" bIns="45720" rtlCol="0" anchor="b"/>
+          <a:lstStyle>
+            <a:lvl1pPr algn="r">
+              <a:defRPr sz="1200"/>
+            </a:lvl1pPr>
+          </a:lstStyle>
+          <a:p>
+            <a:fld id="{FC1513FD-C785-4211-B2B0-BF864DB9E391}" type="slidenum">
+              <a:rPr lang="en-US" smtClean="0"/>
+              <a:t>‹#›</a:t>
+            </a:fld>
+            <a:endParaRPr lang="en-US"/>
+          </a:p>
+        </p:txBody>
+      </p:sp>
+    </p:spTree>
+    <p:extLst>
+      <p:ext uri="{BB962C8B-B14F-4D97-AF65-F5344CB8AC3E}">
+        <p14:creationId xmlns:p14="http://schemas.microsoft.com/office/powerpoint/2010/main" val="1416539697"/>
+      </p:ext>
+    </p:extLst>
+  </p:cSld>
+  <p:clrMap bg1="lt1" tx1="dk1" bg2="lt2" tx2="dk2" accent1="accent1" accent2="accent2" accent3="accent3" accent4="accent4" accent5="accent5" accent6="accent6" hlink="hlink" folHlink="folHlink"/>
+  <p:hf dt="0"/>
+  <p:notesStyle>
+    <a:lvl1pPr marL="0" algn="l" defTabSz="914400" rtl="0" eaLnBrk="1" latinLnBrk="0" hangingPunct="1">
+      <a:defRPr sz="1200" kern="1200">
+        <a:solidFill>
+          <a:schemeClr val="tx1"/>
+        </a:solidFill>
+        <a:latin typeface="+mn-lt"/>
+        <a:ea typeface="+mn-ea"/>
+        <a:cs typeface="+mn-cs"/>
+      </a:defRPr>
+    </a:lvl1pPr>
+    <a:lvl2pPr marL="457200" algn="l" defTabSz="914400" rtl="0" eaLnBrk="1" latinLnBrk="0" hangingPunct="1">
+      <a:defRPr sz="1200" kern="1200">
+        <a:solidFill>
+          <a:schemeClr val="tx1"/>
+        </a:solidFill>
+        <a:latin typeface="+mn-lt"/>
+        <a:ea typeface="+mn-ea"/>
+        <a:cs typeface="+mn-cs"/>
+      </a:defRPr>
+    </a:lvl2pPr>
+    <a:lvl3pPr marL="914400" algn="l" defTabSz="914400" rtl="0" eaLnBrk="1" latinLnBrk="0" hangingPunct="1">
+      <a:defRPr sz="1200" kern="1200">
+        <a:solidFill>
+          <a:schemeClr val="tx1"/>
+        </a:solidFill>
+        <a:latin typeface="+mn-lt"/>
+        <a:ea typeface="+mn-ea"/>
+        <a:cs typeface="+mn-cs"/>
+      </a:defRPr>
+    </a:lvl3pPr>
+    <a:lvl4pPr marL="1371600" algn="l" defTabSz="914400" rtl="0" eaLnBrk="1" latinLnBrk="0" hangingPunct="1">
+      <a:defRPr sz="1200" kern="1200">
+        <a:solidFill>
+          <a:schemeClr val="tx1"/>
+        </a:solidFill>
+        <a:latin typeface="+mn-lt"/>
+        <a:ea typeface="+mn-ea"/>
+        <a:cs typeface="+mn-cs"/>
+      </a:defRPr>
+    </a:lvl4pPr>
+    <a:lvl5pPr marL="1828800" algn="l" defTabSz="914400" rtl="0" eaLnBrk="1" latinLnBrk="0" hangingPunct="1">
+      <a:defRPr sz="1200" kern="1200">
+        <a:solidFill>
+          <a:schemeClr val="tx1"/>
+        </a:solidFill>
+        <a:latin typeface="+mn-lt"/>
+        <a:ea typeface="+mn-ea"/>
+        <a:cs typeface="+mn-cs"/>
+      </a:defRPr>
+    </a:lvl5pPr>
+    <a:lvl6pPr marL="2286000" algn="l" defTabSz="914400" rtl="0" eaLnBrk="1" latinLnBrk="0" hangingPunct="1">
+      <a:defRPr sz="1200" kern="1200">
+        <a:solidFill>
+          <a:schemeClr val="tx1"/>
+        </a:solidFill>
+        <a:latin typeface="+mn-lt"/>
+        <a:ea typeface="+mn-ea"/>
+        <a:cs typeface="+mn-cs"/>
+      </a:defRPr>
+    </a:lvl6pPr>
+    <a:lvl7pPr marL="2743200" algn="l" defTabSz="914400" rtl="0" eaLnBrk="1" latinLnBrk="0" hangingPunct="1">
+      <a:defRPr sz="1200" kern="1200">
+        <a:solidFill>
+          <a:schemeClr val="tx1"/>
+        </a:solidFill>
+        <a:latin typeface="+mn-lt"/>
+        <a:ea typeface="+mn-ea"/>
+        <a:cs typeface="+mn-cs"/>
+      </a:defRPr>
+    </a:lvl7pPr>
+    <a:lvl8pPr marL="3200400" algn="l" defTabSz="914400" rtl="0" eaLnBrk="1" latinLnBrk="0" hangingPunct="1">
+      <a:defRPr sz="1200" kern="1200">
+        <a:solidFill>
+          <a:schemeClr val="tx1"/>
+        </a:solidFill>
+        <a:latin typeface="+mn-lt"/>
+        <a:ea typeface="+mn-ea"/>
+        <a:cs typeface="+mn-cs"/>
+      </a:defRPr>
+    </a:lvl8pPr>
+    <a:lvl9pPr marL="3657600" algn="l" defTabSz="914400" rtl="0" eaLnBrk="1" latinLnBrk="0" hangingPunct="1">
+      <a:defRPr sz="1200" kern="1200">
+        <a:solidFill>
+          <a:schemeClr val="tx1"/>
+        </a:solidFill>
+        <a:latin typeface="+mn-lt"/>
+        <a:ea typeface="+mn-ea"/>
+        <a:cs typeface="+mn-cs"/>
+      </a:defRPr>
+    </a:lvl9pPr>
+  </p:notesStyle>
+</p:notesMaster>
+</file>
+
+<file path=ppt/notesSlides/notesSlide1.xml><?xml version="1.0" encoding="utf-8"?>
+<p:notes xmlns:a="http://schemas.openxmlformats.org/drawingml/2006/main" xmlns:r="http://schemas.openxmlformats.org/officeDocument/2006/relationships" xmlns:p="http://schemas.openxmlformats.org/presentationml/2006/main">
+  <p:cSld>
+    <p:spTree>
+      <p:nvGrpSpPr>
+        <p:cNvPr id="1" name=""/>
+        <p:cNvGrpSpPr/>
+        <p:nvPr/>
+      </p:nvGrpSpPr>
+      <p:grpSpPr>
+        <a:xfrm>
+          <a:off x="0" y="0"/>
+          <a:ext cx="0" cy="0"/>
+          <a:chOff x="0" y="0"/>
+          <a:chExt cx="0" cy="0"/>
+        </a:xfrm>
+      </p:grpSpPr>
+      <p:sp>
+        <p:nvSpPr>
+          <p:cNvPr id="2" name="Slide Image Placeholder 1"/>
+          <p:cNvSpPr>
+            <a:spLocks noGrp="1" noRot="1" noChangeAspect="1"/>
+          </p:cNvSpPr>
+          <p:nvPr>
+            <p:ph type="sldImg"/>
+          </p:nvPr>
+        </p:nvSpPr>
+        <p:spPr/>
+      </p:sp>
+      <p:sp>
+        <p:nvSpPr>
+          <p:cNvPr id="3" name="Notes Placeholder 2"/>
+          <p:cNvSpPr>
+            <a:spLocks noGrp="1"/>
+          </p:cNvSpPr>
+          <p:nvPr>
+            <p:ph type="body" idx="1"/>
+          </p:nvPr>
+        </p:nvSpPr>
+        <p:spPr/>
+        <p:txBody>
+          <a:bodyPr/>
+          <a:lstStyle/>
+          <a:p>
+            <a:endParaRPr lang="en-US"/>
+          </a:p>
+        </p:txBody>
+      </p:sp>
+      <p:sp>
+        <p:nvSpPr>
+          <p:cNvPr id="4" name="Header Placeholder 3"/>
+          <p:cNvSpPr>
+            <a:spLocks noGrp="1"/>
+          </p:cNvSpPr>
+          <p:nvPr>
+            <p:ph type="hdr" sz="quarter"/>
+          </p:nvPr>
+        </p:nvSpPr>
+        <p:spPr/>
+        <p:txBody>
+          <a:bodyPr/>
+          <a:lstStyle/>
+          <a:p>
+            <a:endParaRPr lang="en-US"/>
+          </a:p>
+        </p:txBody>
+      </p:sp>
+      <p:sp>
+        <p:nvSpPr>
+          <p:cNvPr id="5" name="Footer Placeholder 4"/>
+          <p:cNvSpPr>
+            <a:spLocks noGrp="1"/>
+          </p:cNvSpPr>
+          <p:nvPr>
+            <p:ph type="ftr" sz="quarter" idx="4"/>
+          </p:nvPr>
+        </p:nvSpPr>
+        <p:spPr/>
+        <p:txBody>
+          <a:bodyPr/>
+          <a:lstStyle/>
+          <a:p>
+            <a:endParaRPr lang="en-US"/>
+          </a:p>
+        </p:txBody>
+      </p:sp>
+      <p:sp>
+        <p:nvSpPr>
+          <p:cNvPr id="6" name="Slide Number Placeholder 5"/>
+          <p:cNvSpPr>
+            <a:spLocks noGrp="1"/>
+          </p:cNvSpPr>
+          <p:nvPr>
+            <p:ph type="sldNum" sz="quarter" idx="5"/>
+          </p:nvPr>
+        </p:nvSpPr>
+        <p:spPr/>
+        <p:txBody>
+          <a:bodyPr/>
+          <a:lstStyle/>
+          <a:p>
+            <a:fld id="{FC1513FD-C785-4211-B2B0-BF864DB9E391}" type="slidenum">
+              <a:rPr lang="en-US" smtClean="0"/>
+              <a:t>1</a:t>
+            </a:fld>
+            <a:endParaRPr lang="en-US"/>
+          </a:p>
+        </p:txBody>
+      </p:sp>
+    </p:spTree>
+    <p:extLst>
+      <p:ext uri="{BB962C8B-B14F-4D97-AF65-F5344CB8AC3E}">
+        <p14:creationId xmlns:p14="http://schemas.microsoft.com/office/powerpoint/2010/main" val="1624944633"/>
+      </p:ext>
+    </p:extLst>
+  </p:cSld>
+  <p:clrMapOvr>
+    <a:masterClrMapping/>
+  </p:clrMapOvr>
+</p:notes>
+</file>
+
+<file path=ppt/notesSlides/notesSlide2.xml><?xml version="1.0" encoding="utf-8"?>
+<p:notes xmlns:a="http://schemas.openxmlformats.org/drawingml/2006/main" xmlns:r="http://schemas.openxmlformats.org/officeDocument/2006/relationships" xmlns:p="http://schemas.openxmlformats.org/presentationml/2006/main">
+  <p:cSld>
+    <p:spTree>
+      <p:nvGrpSpPr>
+        <p:cNvPr id="1" name=""/>
+        <p:cNvGrpSpPr/>
+        <p:nvPr/>
+      </p:nvGrpSpPr>
+      <p:grpSpPr>
+        <a:xfrm>
+          <a:off x="0" y="0"/>
+          <a:ext cx="0" cy="0"/>
+          <a:chOff x="0" y="0"/>
+          <a:chExt cx="0" cy="0"/>
+        </a:xfrm>
+      </p:grpSpPr>
+      <p:sp>
+        <p:nvSpPr>
+          <p:cNvPr id="2" name="Slide Image Placeholder 1"/>
+          <p:cNvSpPr>
+            <a:spLocks noGrp="1" noRot="1" noChangeAspect="1"/>
+          </p:cNvSpPr>
+          <p:nvPr>
+            <p:ph type="sldImg"/>
+          </p:nvPr>
+        </p:nvSpPr>
+        <p:spPr/>
+      </p:sp>
+      <p:sp>
+        <p:nvSpPr>
+          <p:cNvPr id="3" name="Notes Placeholder 2"/>
+          <p:cNvSpPr>
+            <a:spLocks noGrp="1"/>
+          </p:cNvSpPr>
+          <p:nvPr>
+            <p:ph type="body" idx="1"/>
+          </p:nvPr>
+        </p:nvSpPr>
+        <p:spPr/>
+        <p:txBody>
+          <a:bodyPr/>
+          <a:lstStyle/>
+          <a:p>
+            <a:endParaRPr lang="en-US"/>
+          </a:p>
+        </p:txBody>
+      </p:sp>
+      <p:sp>
+        <p:nvSpPr>
+          <p:cNvPr id="4" name="Header Placeholder 3"/>
+          <p:cNvSpPr>
+            <a:spLocks noGrp="1"/>
+          </p:cNvSpPr>
+          <p:nvPr>
+            <p:ph type="hdr" sz="quarter"/>
+          </p:nvPr>
+        </p:nvSpPr>
+        <p:spPr/>
+        <p:txBody>
+          <a:bodyPr/>
+          <a:lstStyle/>
+          <a:p>
+            <a:endParaRPr lang="en-US"/>
+          </a:p>
+        </p:txBody>
+      </p:sp>
+      <p:sp>
+        <p:nvSpPr>
+          <p:cNvPr id="5" name="Footer Placeholder 4"/>
+          <p:cNvSpPr>
+            <a:spLocks noGrp="1"/>
+          </p:cNvSpPr>
+          <p:nvPr>
+            <p:ph type="ftr" sz="quarter" idx="4"/>
+          </p:nvPr>
+        </p:nvSpPr>
+        <p:spPr/>
+        <p:txBody>
+          <a:bodyPr/>
+          <a:lstStyle/>
+          <a:p>
+            <a:endParaRPr lang="en-US"/>
+          </a:p>
+        </p:txBody>
+      </p:sp>
+      <p:sp>
+        <p:nvSpPr>
+          <p:cNvPr id="6" name="Slide Number Placeholder 5"/>
+          <p:cNvSpPr>
+            <a:spLocks noGrp="1"/>
+          </p:cNvSpPr>
+          <p:nvPr>
+            <p:ph type="sldNum" sz="quarter" idx="5"/>
+          </p:nvPr>
+        </p:nvSpPr>
+        <p:spPr/>
+        <p:txBody>
+          <a:bodyPr/>
+          <a:lstStyle/>
+          <a:p>
+            <a:fld id="{FC1513FD-C785-4211-B2B0-BF864DB9E391}" type="slidenum">
+              <a:rPr lang="en-US" smtClean="0"/>
+              <a:t>2</a:t>
+            </a:fld>
+            <a:endParaRPr lang="en-US"/>
+          </a:p>
+        </p:txBody>
+      </p:sp>
+    </p:spTree>
+    <p:extLst>
+      <p:ext uri="{BB962C8B-B14F-4D97-AF65-F5344CB8AC3E}">
+        <p14:creationId xmlns:p14="http://schemas.microsoft.com/office/powerpoint/2010/main" val="713017731"/>
+      </p:ext>
+    </p:extLst>
+  </p:cSld>
+  <p:clrMapOvr>
+    <a:masterClrMapping/>
+  </p:clrMapOvr>
+</p:notes>
+</file>
+
+<file path=ppt/notesSlides/notesSlide3.xml><?xml version="1.0" encoding="utf-8"?>
+<p:notes xmlns:a="http://schemas.openxmlformats.org/drawingml/2006/main" xmlns:r="http://schemas.openxmlformats.org/officeDocument/2006/relationships" xmlns:p="http://schemas.openxmlformats.org/presentationml/2006/main">
+  <p:cSld>
+    <p:spTree>
+      <p:nvGrpSpPr>
+        <p:cNvPr id="1" name=""/>
+        <p:cNvGrpSpPr/>
+        <p:nvPr/>
+      </p:nvGrpSpPr>
+      <p:grpSpPr>
+        <a:xfrm>
+          <a:off x="0" y="0"/>
+          <a:ext cx="0" cy="0"/>
+          <a:chOff x="0" y="0"/>
+          <a:chExt cx="0" cy="0"/>
+        </a:xfrm>
+      </p:grpSpPr>
+      <p:sp>
+        <p:nvSpPr>
+          <p:cNvPr id="2" name="Slide Image Placeholder 1"/>
+          <p:cNvSpPr>
+            <a:spLocks noGrp="1" noRot="1" noChangeAspect="1"/>
+          </p:cNvSpPr>
+          <p:nvPr>
+            <p:ph type="sldImg"/>
+          </p:nvPr>
+        </p:nvSpPr>
+        <p:spPr/>
+      </p:sp>
+      <p:sp>
+        <p:nvSpPr>
+          <p:cNvPr id="3" name="Notes Placeholder 2"/>
+          <p:cNvSpPr>
+            <a:spLocks noGrp="1"/>
+          </p:cNvSpPr>
+          <p:nvPr>
+            <p:ph type="body" idx="1"/>
+          </p:nvPr>
+        </p:nvSpPr>
+        <p:spPr/>
+        <p:txBody>
+          <a:bodyPr/>
+          <a:lstStyle/>
+          <a:p>
+            <a:endParaRPr lang="en-US"/>
+          </a:p>
+        </p:txBody>
+      </p:sp>
+      <p:sp>
+        <p:nvSpPr>
+          <p:cNvPr id="4" name="Header Placeholder 3"/>
+          <p:cNvSpPr>
+            <a:spLocks noGrp="1"/>
+          </p:cNvSpPr>
+          <p:nvPr>
+            <p:ph type="hdr" sz="quarter"/>
+          </p:nvPr>
+        </p:nvSpPr>
+        <p:spPr/>
+        <p:txBody>
+          <a:bodyPr/>
+          <a:lstStyle/>
+          <a:p>
+            <a:endParaRPr lang="en-US"/>
+          </a:p>
+        </p:txBody>
+      </p:sp>
+      <p:sp>
+        <p:nvSpPr>
+          <p:cNvPr id="5" name="Footer Placeholder 4"/>
+          <p:cNvSpPr>
+            <a:spLocks noGrp="1"/>
+          </p:cNvSpPr>
+          <p:nvPr>
+            <p:ph type="ftr" sz="quarter" idx="4"/>
+          </p:nvPr>
+        </p:nvSpPr>
+        <p:spPr/>
+        <p:txBody>
+          <a:bodyPr/>
+          <a:lstStyle/>
+          <a:p>
+            <a:endParaRPr lang="en-US"/>
+          </a:p>
+        </p:txBody>
+      </p:sp>
+      <p:sp>
+        <p:nvSpPr>
+          <p:cNvPr id="6" name="Slide Number Placeholder 5"/>
+          <p:cNvSpPr>
+            <a:spLocks noGrp="1"/>
+          </p:cNvSpPr>
+          <p:nvPr>
+            <p:ph type="sldNum" sz="quarter" idx="5"/>
+          </p:nvPr>
+        </p:nvSpPr>
+        <p:spPr/>
+        <p:txBody>
+          <a:bodyPr/>
+          <a:lstStyle/>
+          <a:p>
+            <a:fld id="{FC1513FD-C785-4211-B2B0-BF864DB9E391}" type="slidenum">
+              <a:rPr lang="en-US" smtClean="0"/>
+              <a:t>3</a:t>
+            </a:fld>
+            <a:endParaRPr lang="en-US"/>
+          </a:p>
+        </p:txBody>
+      </p:sp>
+    </p:spTree>
+    <p:extLst>
+      <p:ext uri="{BB962C8B-B14F-4D97-AF65-F5344CB8AC3E}">
+        <p14:creationId xmlns:p14="http://schemas.microsoft.com/office/powerpoint/2010/main" val="1147223370"/>
+      </p:ext>
+    </p:extLst>
+  </p:cSld>
+  <p:clrMapOvr>
+    <a:masterClrMapping/>
+  </p:clrMapOvr>
+</p:notes>
+</file>
+
+<file path=ppt/notesSlides/notesSlide4.xml><?xml version="1.0" encoding="utf-8"?>
+<p:notes xmlns:a="http://schemas.openxmlformats.org/drawingml/2006/main" xmlns:r="http://schemas.openxmlformats.org/officeDocument/2006/relationships" xmlns:p="http://schemas.openxmlformats.org/presentationml/2006/main">
+  <p:cSld>
+    <p:spTree>
+      <p:nvGrpSpPr>
+        <p:cNvPr id="1" name=""/>
+        <p:cNvGrpSpPr/>
+        <p:nvPr/>
+      </p:nvGrpSpPr>
+      <p:grpSpPr>
+        <a:xfrm>
+          <a:off x="0" y="0"/>
+          <a:ext cx="0" cy="0"/>
+          <a:chOff x="0" y="0"/>
+          <a:chExt cx="0" cy="0"/>
+        </a:xfrm>
+      </p:grpSpPr>
+      <p:sp>
+        <p:nvSpPr>
+          <p:cNvPr id="2" name="Slide Image Placeholder 1"/>
+          <p:cNvSpPr>
+            <a:spLocks noGrp="1" noRot="1" noChangeAspect="1"/>
+          </p:cNvSpPr>
+          <p:nvPr>
+            <p:ph type="sldImg"/>
+          </p:nvPr>
+        </p:nvSpPr>
+        <p:spPr/>
+      </p:sp>
+      <p:sp>
+        <p:nvSpPr>
+          <p:cNvPr id="3" name="Notes Placeholder 2"/>
+          <p:cNvSpPr>
+            <a:spLocks noGrp="1"/>
+          </p:cNvSpPr>
+          <p:nvPr>
+            <p:ph type="body" idx="1"/>
+          </p:nvPr>
+        </p:nvSpPr>
+        <p:spPr/>
+        <p:txBody>
+          <a:bodyPr/>
+          <a:lstStyle/>
+          <a:p>
+            <a:endParaRPr lang="en-US"/>
+          </a:p>
+        </p:txBody>
+      </p:sp>
+      <p:sp>
+        <p:nvSpPr>
+          <p:cNvPr id="4" name="Header Placeholder 3"/>
+          <p:cNvSpPr>
+            <a:spLocks noGrp="1"/>
+          </p:cNvSpPr>
+          <p:nvPr>
+            <p:ph type="hdr" sz="quarter"/>
+          </p:nvPr>
+        </p:nvSpPr>
+        <p:spPr/>
+        <p:txBody>
+          <a:bodyPr/>
+          <a:lstStyle/>
+          <a:p>
+            <a:endParaRPr lang="en-US"/>
+          </a:p>
+        </p:txBody>
+      </p:sp>
+      <p:sp>
+        <p:nvSpPr>
+          <p:cNvPr id="5" name="Footer Placeholder 4"/>
+          <p:cNvSpPr>
+            <a:spLocks noGrp="1"/>
+          </p:cNvSpPr>
+          <p:nvPr>
+            <p:ph type="ftr" sz="quarter" idx="4"/>
+          </p:nvPr>
+        </p:nvSpPr>
+        <p:spPr/>
+        <p:txBody>
+          <a:bodyPr/>
+          <a:lstStyle/>
+          <a:p>
+            <a:endParaRPr lang="en-US"/>
+          </a:p>
+        </p:txBody>
+      </p:sp>
+      <p:sp>
+        <p:nvSpPr>
+          <p:cNvPr id="6" name="Slide Number Placeholder 5"/>
+          <p:cNvSpPr>
+            <a:spLocks noGrp="1"/>
+          </p:cNvSpPr>
+          <p:nvPr>
+            <p:ph type="sldNum" sz="quarter" idx="5"/>
+          </p:nvPr>
+        </p:nvSpPr>
+        <p:spPr/>
+        <p:txBody>
+          <a:bodyPr/>
+          <a:lstStyle/>
+          <a:p>
+            <a:fld id="{FC1513FD-C785-4211-B2B0-BF864DB9E391}" type="slidenum">
+              <a:rPr lang="en-US" smtClean="0"/>
+              <a:t>4</a:t>
+            </a:fld>
+            <a:endParaRPr lang="en-US"/>
+          </a:p>
+        </p:txBody>
+      </p:sp>
+    </p:spTree>
+    <p:extLst>
+      <p:ext uri="{BB962C8B-B14F-4D97-AF65-F5344CB8AC3E}">
+        <p14:creationId xmlns:p14="http://schemas.microsoft.com/office/powerpoint/2010/main" val="877862846"/>
+      </p:ext>
+    </p:extLst>
+  </p:cSld>
+  <p:clrMapOvr>
+    <a:masterClrMapping/>
+  </p:clrMapOvr>
+</p:notes>
+</file>
+
+<file path=ppt/notesSlides/notesSlide5.xml><?xml version="1.0" encoding="utf-8"?>
+<p:notes xmlns:a="http://schemas.openxmlformats.org/drawingml/2006/main" xmlns:r="http://schemas.openxmlformats.org/officeDocument/2006/relationships" xmlns:p="http://schemas.openxmlformats.org/presentationml/2006/main">
+  <p:cSld>
+    <p:spTree>
+      <p:nvGrpSpPr>
+        <p:cNvPr id="1" name=""/>
+        <p:cNvGrpSpPr/>
+        <p:nvPr/>
+      </p:nvGrpSpPr>
+      <p:grpSpPr>
+        <a:xfrm>
+          <a:off x="0" y="0"/>
+          <a:ext cx="0" cy="0"/>
+          <a:chOff x="0" y="0"/>
+          <a:chExt cx="0" cy="0"/>
+        </a:xfrm>
+      </p:grpSpPr>
+      <p:sp>
+        <p:nvSpPr>
+          <p:cNvPr id="2" name="Slide Image Placeholder 1"/>
+          <p:cNvSpPr>
+            <a:spLocks noGrp="1" noRot="1" noChangeAspect="1"/>
+          </p:cNvSpPr>
+          <p:nvPr>
+            <p:ph type="sldImg"/>
+          </p:nvPr>
+        </p:nvSpPr>
+        <p:spPr/>
+      </p:sp>
+      <p:sp>
+        <p:nvSpPr>
+          <p:cNvPr id="3" name="Notes Placeholder 2"/>
+          <p:cNvSpPr>
+            <a:spLocks noGrp="1"/>
+          </p:cNvSpPr>
+          <p:nvPr>
+            <p:ph type="body" idx="1"/>
+          </p:nvPr>
+        </p:nvSpPr>
+        <p:spPr/>
+        <p:txBody>
+          <a:bodyPr/>
+          <a:lstStyle/>
+          <a:p>
+            <a:endParaRPr lang="en-US"/>
+          </a:p>
+        </p:txBody>
+      </p:sp>
+      <p:sp>
+        <p:nvSpPr>
+          <p:cNvPr id="4" name="Header Placeholder 3"/>
+          <p:cNvSpPr>
+            <a:spLocks noGrp="1"/>
+          </p:cNvSpPr>
+          <p:nvPr>
+            <p:ph type="hdr" sz="quarter"/>
+          </p:nvPr>
+        </p:nvSpPr>
+        <p:spPr/>
+        <p:txBody>
+          <a:bodyPr/>
+          <a:lstStyle/>
+          <a:p>
+            <a:endParaRPr lang="en-US"/>
+          </a:p>
+        </p:txBody>
+      </p:sp>
+      <p:sp>
+        <p:nvSpPr>
+          <p:cNvPr id="5" name="Footer Placeholder 4"/>
+          <p:cNvSpPr>
+            <a:spLocks noGrp="1"/>
+          </p:cNvSpPr>
+          <p:nvPr>
+            <p:ph type="ftr" sz="quarter" idx="4"/>
+          </p:nvPr>
+        </p:nvSpPr>
+        <p:spPr/>
+        <p:txBody>
+          <a:bodyPr/>
+          <a:lstStyle/>
+          <a:p>
+            <a:endParaRPr lang="en-US"/>
+          </a:p>
+        </p:txBody>
+      </p:sp>
+      <p:sp>
+        <p:nvSpPr>
+          <p:cNvPr id="6" name="Slide Number Placeholder 5"/>
+          <p:cNvSpPr>
+            <a:spLocks noGrp="1"/>
+          </p:cNvSpPr>
+          <p:nvPr>
+            <p:ph type="sldNum" sz="quarter" idx="5"/>
+          </p:nvPr>
+        </p:nvSpPr>
+        <p:spPr/>
+        <p:txBody>
+          <a:bodyPr/>
+          <a:lstStyle/>
+          <a:p>
+            <a:fld id="{FC1513FD-C785-4211-B2B0-BF864DB9E391}" type="slidenum">
+              <a:rPr lang="en-US" smtClean="0"/>
+              <a:t>5</a:t>
+            </a:fld>
+            <a:endParaRPr lang="en-US"/>
+          </a:p>
+        </p:txBody>
+      </p:sp>
+    </p:spTree>
+    <p:extLst>
+      <p:ext uri="{BB962C8B-B14F-4D97-AF65-F5344CB8AC3E}">
+        <p14:creationId xmlns:p14="http://schemas.microsoft.com/office/powerpoint/2010/main" val="418226113"/>
+      </p:ext>
+    </p:extLst>
+  </p:cSld>
+  <p:clrMapOvr>
+    <a:masterClrMapping/>
+  </p:clrMapOvr>
+</p:notes>
+</file>
+
+<file path=ppt/notesSlides/notesSlide6.xml><?xml version="1.0" encoding="utf-8"?>
+<p:notes xmlns:a="http://schemas.openxmlformats.org/drawingml/2006/main" xmlns:r="http://schemas.openxmlformats.org/officeDocument/2006/relationships" xmlns:p="http://schemas.openxmlformats.org/presentationml/2006/main">
+  <p:cSld>
+    <p:spTree>
+      <p:nvGrpSpPr>
+        <p:cNvPr id="1" name=""/>
+        <p:cNvGrpSpPr/>
+        <p:nvPr/>
+      </p:nvGrpSpPr>
+      <p:grpSpPr>
+        <a:xfrm>
+          <a:off x="0" y="0"/>
+          <a:ext cx="0" cy="0"/>
+          <a:chOff x="0" y="0"/>
+          <a:chExt cx="0" cy="0"/>
+        </a:xfrm>
+      </p:grpSpPr>
+      <p:sp>
+        <p:nvSpPr>
+          <p:cNvPr id="2" name="Slide Image Placeholder 1"/>
+          <p:cNvSpPr>
+            <a:spLocks noGrp="1" noRot="1" noChangeAspect="1"/>
+          </p:cNvSpPr>
+          <p:nvPr>
+            <p:ph type="sldImg"/>
+          </p:nvPr>
+        </p:nvSpPr>
+        <p:spPr/>
+      </p:sp>
+      <p:sp>
+        <p:nvSpPr>
+          <p:cNvPr id="3" name="Notes Placeholder 2"/>
+          <p:cNvSpPr>
+            <a:spLocks noGrp="1"/>
+          </p:cNvSpPr>
+          <p:nvPr>
+            <p:ph type="body" idx="1"/>
+          </p:nvPr>
+        </p:nvSpPr>
+        <p:spPr/>
+        <p:txBody>
+          <a:bodyPr/>
+          <a:lstStyle/>
+          <a:p>
+            <a:endParaRPr lang="en-US"/>
+          </a:p>
+        </p:txBody>
+      </p:sp>
+      <p:sp>
+        <p:nvSpPr>
+          <p:cNvPr id="4" name="Header Placeholder 3"/>
+          <p:cNvSpPr>
+            <a:spLocks noGrp="1"/>
+          </p:cNvSpPr>
+          <p:nvPr>
+            <p:ph type="hdr" sz="quarter"/>
+          </p:nvPr>
+        </p:nvSpPr>
+        <p:spPr/>
+        <p:txBody>
+          <a:bodyPr/>
+          <a:lstStyle/>
+          <a:p>
+            <a:endParaRPr lang="en-US"/>
+          </a:p>
+        </p:txBody>
+      </p:sp>
+      <p:sp>
+        <p:nvSpPr>
+          <p:cNvPr id="5" name="Footer Placeholder 4"/>
+          <p:cNvSpPr>
+            <a:spLocks noGrp="1"/>
+          </p:cNvSpPr>
+          <p:nvPr>
+            <p:ph type="ftr" sz="quarter" idx="4"/>
+          </p:nvPr>
+        </p:nvSpPr>
+        <p:spPr/>
+        <p:txBody>
+          <a:bodyPr/>
+          <a:lstStyle/>
+          <a:p>
+            <a:endParaRPr lang="en-US"/>
+          </a:p>
+        </p:txBody>
+      </p:sp>
+      <p:sp>
+        <p:nvSpPr>
+          <p:cNvPr id="6" name="Slide Number Placeholder 5"/>
+          <p:cNvSpPr>
+            <a:spLocks noGrp="1"/>
+          </p:cNvSpPr>
+          <p:nvPr>
+            <p:ph type="sldNum" sz="quarter" idx="5"/>
+          </p:nvPr>
+        </p:nvSpPr>
+        <p:spPr/>
+        <p:txBody>
+          <a:bodyPr/>
+          <a:lstStyle/>
+          <a:p>
+            <a:fld id="{FC1513FD-C785-4211-B2B0-BF864DB9E391}" type="slidenum">
+              <a:rPr lang="en-US" smtClean="0"/>
+              <a:t>6</a:t>
+            </a:fld>
+            <a:endParaRPr lang="en-US"/>
+          </a:p>
+        </p:txBody>
+      </p:sp>
+    </p:spTree>
+    <p:extLst>
+      <p:ext uri="{BB962C8B-B14F-4D97-AF65-F5344CB8AC3E}">
+        <p14:creationId xmlns:p14="http://schemas.microsoft.com/office/powerpoint/2010/main" val="2883995183"/>
+      </p:ext>
+    </p:extLst>
+  </p:cSld>
+  <p:clrMapOvr>
+    <a:masterClrMapping/>
+  </p:clrMapOvr>
+</p:notes>
+</file>
+
+<file path=ppt/notesSlides/notesSlide7.xml><?xml version="1.0" encoding="utf-8"?>
+<p:notes xmlns:a="http://schemas.openxmlformats.org/drawingml/2006/main" xmlns:r="http://schemas.openxmlformats.org/officeDocument/2006/relationships" xmlns:p="http://schemas.openxmlformats.org/presentationml/2006/main">
+  <p:cSld>
+    <p:spTree>
+      <p:nvGrpSpPr>
+        <p:cNvPr id="1" name=""/>
+        <p:cNvGrpSpPr/>
+        <p:nvPr/>
+      </p:nvGrpSpPr>
+      <p:grpSpPr>
+        <a:xfrm>
+          <a:off x="0" y="0"/>
+          <a:ext cx="0" cy="0"/>
+          <a:chOff x="0" y="0"/>
+          <a:chExt cx="0" cy="0"/>
+        </a:xfrm>
+      </p:grpSpPr>
+      <p:sp>
+        <p:nvSpPr>
+          <p:cNvPr id="2" name="Slide Image Placeholder 1"/>
+          <p:cNvSpPr>
+            <a:spLocks noGrp="1" noRot="1" noChangeAspect="1"/>
+          </p:cNvSpPr>
+          <p:nvPr>
+            <p:ph type="sldImg"/>
+          </p:nvPr>
+        </p:nvSpPr>
+        <p:spPr/>
+      </p:sp>
+      <p:sp>
+        <p:nvSpPr>
+          <p:cNvPr id="3" name="Notes Placeholder 2"/>
+          <p:cNvSpPr>
+            <a:spLocks noGrp="1"/>
+          </p:cNvSpPr>
+          <p:nvPr>
+            <p:ph type="body" idx="1"/>
+          </p:nvPr>
+        </p:nvSpPr>
+        <p:spPr/>
+        <p:txBody>
+          <a:bodyPr/>
+          <a:lstStyle/>
+          <a:p>
+            <a:endParaRPr lang="en-US"/>
+          </a:p>
+        </p:txBody>
+      </p:sp>
+      <p:sp>
+        <p:nvSpPr>
+          <p:cNvPr id="4" name="Header Placeholder 3"/>
+          <p:cNvSpPr>
+            <a:spLocks noGrp="1"/>
+          </p:cNvSpPr>
+          <p:nvPr>
+            <p:ph type="hdr" sz="quarter"/>
+          </p:nvPr>
+        </p:nvSpPr>
+        <p:spPr/>
+        <p:txBody>
+          <a:bodyPr/>
+          <a:lstStyle/>
+          <a:p>
+            <a:endParaRPr lang="en-US"/>
+          </a:p>
+        </p:txBody>
+      </p:sp>
+      <p:sp>
+        <p:nvSpPr>
+          <p:cNvPr id="5" name="Footer Placeholder 4"/>
+          <p:cNvSpPr>
+            <a:spLocks noGrp="1"/>
+          </p:cNvSpPr>
+          <p:nvPr>
+            <p:ph type="ftr" sz="quarter" idx="4"/>
+          </p:nvPr>
+        </p:nvSpPr>
+        <p:spPr/>
+        <p:txBody>
+          <a:bodyPr/>
+          <a:lstStyle/>
+          <a:p>
+            <a:endParaRPr lang="en-US"/>
+          </a:p>
+        </p:txBody>
+      </p:sp>
+      <p:sp>
+        <p:nvSpPr>
+          <p:cNvPr id="6" name="Slide Number Placeholder 5"/>
+          <p:cNvSpPr>
+            <a:spLocks noGrp="1"/>
+          </p:cNvSpPr>
+          <p:nvPr>
+            <p:ph type="sldNum" sz="quarter" idx="5"/>
+          </p:nvPr>
+        </p:nvSpPr>
+        <p:spPr/>
+        <p:txBody>
+          <a:bodyPr/>
+          <a:lstStyle/>
+          <a:p>
+            <a:fld id="{FC1513FD-C785-4211-B2B0-BF864DB9E391}" type="slidenum">
+              <a:rPr lang="en-US" smtClean="0"/>
+              <a:t>7</a:t>
+            </a:fld>
+            <a:endParaRPr lang="en-US"/>
+          </a:p>
+        </p:txBody>
+      </p:sp>
+    </p:spTree>
+    <p:extLst>
+      <p:ext uri="{BB962C8B-B14F-4D97-AF65-F5344CB8AC3E}">
+        <p14:creationId xmlns:p14="http://schemas.microsoft.com/office/powerpoint/2010/main" val="4199135739"/>
+      </p:ext>
+    </p:extLst>
+  </p:cSld>
+  <p:clrMapOvr>
+    <a:masterClrMapping/>
+  </p:clrMapOvr>
+</p:notes>
+</file>
+
+<file path=ppt/notesSlides/notesSlide8.xml><?xml version="1.0" encoding="utf-8"?>
+<p:notes xmlns:a="http://schemas.openxmlformats.org/drawingml/2006/main" xmlns:r="http://schemas.openxmlformats.org/officeDocument/2006/relationships" xmlns:p="http://schemas.openxmlformats.org/presentationml/2006/main">
+  <p:cSld>
+    <p:spTree>
+      <p:nvGrpSpPr>
+        <p:cNvPr id="1" name=""/>
+        <p:cNvGrpSpPr/>
+        <p:nvPr/>
+      </p:nvGrpSpPr>
+      <p:grpSpPr>
+        <a:xfrm>
+          <a:off x="0" y="0"/>
+          <a:ext cx="0" cy="0"/>
+          <a:chOff x="0" y="0"/>
+          <a:chExt cx="0" cy="0"/>
+        </a:xfrm>
+      </p:grpSpPr>
+      <p:sp>
+        <p:nvSpPr>
+          <p:cNvPr id="2" name="Slide Image Placeholder 1"/>
+          <p:cNvSpPr>
+            <a:spLocks noGrp="1" noRot="1" noChangeAspect="1"/>
+          </p:cNvSpPr>
+          <p:nvPr>
+            <p:ph type="sldImg"/>
+          </p:nvPr>
+        </p:nvSpPr>
+        <p:spPr/>
+      </p:sp>
+      <p:sp>
+        <p:nvSpPr>
+          <p:cNvPr id="3" name="Notes Placeholder 2"/>
+          <p:cNvSpPr>
+            <a:spLocks noGrp="1"/>
+          </p:cNvSpPr>
+          <p:nvPr>
+            <p:ph type="body" idx="1"/>
+          </p:nvPr>
+        </p:nvSpPr>
+        <p:spPr/>
+        <p:txBody>
+          <a:bodyPr/>
+          <a:lstStyle/>
+          <a:p>
+            <a:endParaRPr lang="en-US"/>
+          </a:p>
+        </p:txBody>
+      </p:sp>
+      <p:sp>
+        <p:nvSpPr>
+          <p:cNvPr id="4" name="Header Placeholder 3"/>
+          <p:cNvSpPr>
+            <a:spLocks noGrp="1"/>
+          </p:cNvSpPr>
+          <p:nvPr>
+            <p:ph type="hdr" sz="quarter"/>
+          </p:nvPr>
+        </p:nvSpPr>
+        <p:spPr/>
+        <p:txBody>
+          <a:bodyPr/>
+          <a:lstStyle/>
+          <a:p>
+            <a:endParaRPr lang="en-US"/>
+          </a:p>
+        </p:txBody>
+      </p:sp>
+      <p:sp>
+        <p:nvSpPr>
+          <p:cNvPr id="5" name="Footer Placeholder 4"/>
+          <p:cNvSpPr>
+            <a:spLocks noGrp="1"/>
+          </p:cNvSpPr>
+          <p:nvPr>
+            <p:ph type="ftr" sz="quarter" idx="4"/>
+          </p:nvPr>
+        </p:nvSpPr>
+        <p:spPr/>
+        <p:txBody>
+          <a:bodyPr/>
+          <a:lstStyle/>
+          <a:p>
+            <a:endParaRPr lang="en-US"/>
+          </a:p>
+        </p:txBody>
+      </p:sp>
+      <p:sp>
+        <p:nvSpPr>
+          <p:cNvPr id="6" name="Slide Number Placeholder 5"/>
+          <p:cNvSpPr>
+            <a:spLocks noGrp="1"/>
+          </p:cNvSpPr>
+          <p:nvPr>
+            <p:ph type="sldNum" sz="quarter" idx="5"/>
+          </p:nvPr>
+        </p:nvSpPr>
+        <p:spPr/>
+        <p:txBody>
+          <a:bodyPr/>
+          <a:lstStyle/>
+          <a:p>
+            <a:fld id="{FC1513FD-C785-4211-B2B0-BF864DB9E391}" type="slidenum">
+              <a:rPr lang="en-US" smtClean="0"/>
+              <a:t>8</a:t>
+            </a:fld>
+            <a:endParaRPr lang="en-US"/>
+          </a:p>
+        </p:txBody>
+      </p:sp>
+    </p:spTree>
+    <p:extLst>
+      <p:ext uri="{BB962C8B-B14F-4D97-AF65-F5344CB8AC3E}">
+        <p14:creationId xmlns:p14="http://schemas.microsoft.com/office/powerpoint/2010/main" val="2360331614"/>
+      </p:ext>
+    </p:extLst>
+  </p:cSld>
+  <p:clrMapOvr>
+    <a:masterClrMapping/>
+  </p:clrMapOvr>
+</p:notes>
 </file>
 
 <file path=ppt/slideLayouts/slideLayout1.xml><?xml version="1.0" encoding="utf-8"?>
@@ -270,7 +1787,7 @@
           <a:p>
             <a:fld id="{A42A12F9-EA54-49E1-A3FD-186D9B25B348}" type="datetimeFigureOut">
               <a:rPr lang="pl-PL" smtClean="0"/>
-              <a:t>12.08.2019</a:t>
+              <a:t>14.08.2019</a:t>
             </a:fld>
             <a:endParaRPr lang="pl-PL"/>
           </a:p>
@@ -468,7 +1985,7 @@
           <a:p>
             <a:fld id="{A42A12F9-EA54-49E1-A3FD-186D9B25B348}" type="datetimeFigureOut">
               <a:rPr lang="pl-PL" smtClean="0"/>
-              <a:t>12.08.2019</a:t>
+              <a:t>14.08.2019</a:t>
             </a:fld>
             <a:endParaRPr lang="pl-PL"/>
           </a:p>
@@ -676,7 +2193,7 @@
           <a:p>
             <a:fld id="{A42A12F9-EA54-49E1-A3FD-186D9B25B348}" type="datetimeFigureOut">
               <a:rPr lang="pl-PL" smtClean="0"/>
-              <a:t>12.08.2019</a:t>
+              <a:t>14.08.2019</a:t>
             </a:fld>
             <a:endParaRPr lang="pl-PL"/>
           </a:p>
@@ -874,7 +2391,7 @@
           <a:p>
             <a:fld id="{A42A12F9-EA54-49E1-A3FD-186D9B25B348}" type="datetimeFigureOut">
               <a:rPr lang="pl-PL" smtClean="0"/>
-              <a:t>12.08.2019</a:t>
+              <a:t>14.08.2019</a:t>
             </a:fld>
             <a:endParaRPr lang="pl-PL"/>
           </a:p>
@@ -1149,7 +2666,7 @@
           <a:p>
             <a:fld id="{A42A12F9-EA54-49E1-A3FD-186D9B25B348}" type="datetimeFigureOut">
               <a:rPr lang="pl-PL" smtClean="0"/>
-              <a:t>12.08.2019</a:t>
+              <a:t>14.08.2019</a:t>
             </a:fld>
             <a:endParaRPr lang="pl-PL"/>
           </a:p>
@@ -1414,7 +2931,7 @@
           <a:p>
             <a:fld id="{A42A12F9-EA54-49E1-A3FD-186D9B25B348}" type="datetimeFigureOut">
               <a:rPr lang="pl-PL" smtClean="0"/>
-              <a:t>12.08.2019</a:t>
+              <a:t>14.08.2019</a:t>
             </a:fld>
             <a:endParaRPr lang="pl-PL"/>
           </a:p>
@@ -1826,7 +3343,7 @@
           <a:p>
             <a:fld id="{A42A12F9-EA54-49E1-A3FD-186D9B25B348}" type="datetimeFigureOut">
               <a:rPr lang="pl-PL" smtClean="0"/>
-              <a:t>12.08.2019</a:t>
+              <a:t>14.08.2019</a:t>
             </a:fld>
             <a:endParaRPr lang="pl-PL"/>
           </a:p>
@@ -1967,7 +3484,7 @@
           <a:p>
             <a:fld id="{A42A12F9-EA54-49E1-A3FD-186D9B25B348}" type="datetimeFigureOut">
               <a:rPr lang="pl-PL" smtClean="0"/>
-              <a:t>12.08.2019</a:t>
+              <a:t>14.08.2019</a:t>
             </a:fld>
             <a:endParaRPr lang="pl-PL"/>
           </a:p>
@@ -2080,7 +3597,7 @@
           <a:p>
             <a:fld id="{A42A12F9-EA54-49E1-A3FD-186D9B25B348}" type="datetimeFigureOut">
               <a:rPr lang="pl-PL" smtClean="0"/>
-              <a:t>12.08.2019</a:t>
+              <a:t>14.08.2019</a:t>
             </a:fld>
             <a:endParaRPr lang="pl-PL"/>
           </a:p>
@@ -2391,7 +3908,7 @@
           <a:p>
             <a:fld id="{A42A12F9-EA54-49E1-A3FD-186D9B25B348}" type="datetimeFigureOut">
               <a:rPr lang="pl-PL" smtClean="0"/>
-              <a:t>12.08.2019</a:t>
+              <a:t>14.08.2019</a:t>
             </a:fld>
             <a:endParaRPr lang="pl-PL"/>
           </a:p>
@@ -2679,7 +4196,7 @@
           <a:p>
             <a:fld id="{A42A12F9-EA54-49E1-A3FD-186D9B25B348}" type="datetimeFigureOut">
               <a:rPr lang="pl-PL" smtClean="0"/>
-              <a:t>12.08.2019</a:t>
+              <a:t>14.08.2019</a:t>
             </a:fld>
             <a:endParaRPr lang="pl-PL"/>
           </a:p>
@@ -2920,7 +4437,7 @@
           <a:p>
             <a:fld id="{A42A12F9-EA54-49E1-A3FD-186D9B25B348}" type="datetimeFigureOut">
               <a:rPr lang="pl-PL" smtClean="0"/>
-              <a:t>12.08.2019</a:t>
+              <a:t>14.08.2019</a:t>
             </a:fld>
             <a:endParaRPr lang="pl-PL"/>
           </a:p>
@@ -3368,7 +4885,7 @@
           <p:nvPr/>
         </p:nvPicPr>
         <p:blipFill>
-          <a:blip r:embed="rId2">
+          <a:blip r:embed="rId3">
             <a:extLst>
               <a:ext uri="{28A0092B-C50C-407E-A947-70E740481C1C}">
                 <a14:useLocalDpi xmlns:a14="http://schemas.microsoft.com/office/drawing/2010/main" val="0"/>
@@ -3450,7 +4967,7 @@
           <p:nvPr/>
         </p:nvPicPr>
         <p:blipFill>
-          <a:blip r:embed="rId2">
+          <a:blip r:embed="rId3">
             <a:extLst>
               <a:ext uri="{28A0092B-C50C-407E-A947-70E740481C1C}">
                 <a14:useLocalDpi xmlns:a14="http://schemas.microsoft.com/office/drawing/2010/main" val="0"/>
@@ -3471,55 +4988,6 @@
           </a:prstGeom>
         </p:spPr>
       </p:pic>
-      <p:pic>
-        <p:nvPicPr>
-          <p:cNvPr id="3" name="Obraz 2">
-            <a:extLst>
-              <a:ext uri="{FF2B5EF4-FFF2-40B4-BE49-F238E27FC236}">
-                <a16:creationId xmlns:a16="http://schemas.microsoft.com/office/drawing/2014/main" id="{F1E30B0D-6972-4B65-BB1D-D0634A4E9B54}"/>
-              </a:ext>
-            </a:extLst>
-          </p:cNvPr>
-          <p:cNvPicPr>
-            <a:picLocks noChangeAspect="1"/>
-          </p:cNvPicPr>
-          <p:nvPr/>
-        </p:nvPicPr>
-        <p:blipFill>
-          <a:blip r:embed="rId3">
-            <a:extLst>
-              <a:ext uri="{28A0092B-C50C-407E-A947-70E740481C1C}">
-                <a14:useLocalDpi xmlns:a14="http://schemas.microsoft.com/office/drawing/2010/main" val="0"/>
-              </a:ext>
-            </a:extLst>
-          </a:blip>
-          <a:stretch>
-            <a:fillRect/>
-          </a:stretch>
-        </p:blipFill>
-        <p:spPr>
-          <a:xfrm>
-            <a:off x="2387247" y="1252213"/>
-            <a:ext cx="7339847" cy="4045026"/>
-          </a:xfrm>
-          <a:prstGeom prst="roundRect">
-            <a:avLst>
-              <a:gd name="adj" fmla="val 8594"/>
-            </a:avLst>
-          </a:prstGeom>
-          <a:solidFill>
-            <a:srgbClr val="FFFFFF">
-              <a:shade val="85000"/>
-            </a:srgbClr>
-          </a:solidFill>
-          <a:ln>
-            <a:noFill/>
-          </a:ln>
-          <a:effectLst>
-            <a:reflection blurRad="12700" stA="38000" endPos="28000" dist="5000" dir="5400000" sy="-100000" algn="bl" rotWithShape="0"/>
-          </a:effectLst>
-        </p:spPr>
-      </p:pic>
       <p:sp>
         <p:nvSpPr>
           <p:cNvPr id="6" name="Prostokąt 5">
@@ -3534,7 +5002,7 @@
         </p:nvSpPr>
         <p:spPr>
           <a:xfrm>
-            <a:off x="1586365" y="5297239"/>
+            <a:off x="1733845" y="5297239"/>
             <a:ext cx="8941612" cy="1015663"/>
           </a:xfrm>
           <a:prstGeom prst="rect">
@@ -3633,6 +5101,959 @@
           </a:p>
         </p:txBody>
       </p:sp>
+      <p:grpSp>
+        <p:nvGrpSpPr>
+          <p:cNvPr id="2" name="Group 1">
+            <a:extLst>
+              <a:ext uri="{FF2B5EF4-FFF2-40B4-BE49-F238E27FC236}">
+                <a16:creationId xmlns:a16="http://schemas.microsoft.com/office/drawing/2014/main" id="{3C8BD5CB-0D2D-43AA-B4BF-144AEB672580}"/>
+              </a:ext>
+            </a:extLst>
+          </p:cNvPr>
+          <p:cNvGrpSpPr/>
+          <p:nvPr/>
+        </p:nvGrpSpPr>
+        <p:grpSpPr>
+          <a:xfrm>
+            <a:off x="2809154" y="345043"/>
+            <a:ext cx="6790993" cy="5286947"/>
+            <a:chOff x="3618561" y="277466"/>
+            <a:chExt cx="5334702" cy="5286947"/>
+          </a:xfrm>
+        </p:grpSpPr>
+        <p:grpSp>
+          <p:nvGrpSpPr>
+            <p:cNvPr id="7" name="Group 6">
+              <a:extLst>
+                <a:ext uri="{FF2B5EF4-FFF2-40B4-BE49-F238E27FC236}">
+                  <a16:creationId xmlns:a16="http://schemas.microsoft.com/office/drawing/2014/main" id="{87BEEFD1-ECD0-4833-AA01-6964D5460ED8}"/>
+                </a:ext>
+              </a:extLst>
+            </p:cNvPr>
+            <p:cNvGrpSpPr/>
+            <p:nvPr/>
+          </p:nvGrpSpPr>
+          <p:grpSpPr>
+            <a:xfrm>
+              <a:off x="3672640" y="316796"/>
+              <a:ext cx="5280623" cy="5247617"/>
+              <a:chOff x="4664294" y="138060"/>
+              <a:chExt cx="5280623" cy="5247617"/>
+            </a:xfrm>
+          </p:grpSpPr>
+          <p:pic>
+            <p:nvPicPr>
+              <p:cNvPr id="8" name="Graphic 7" descr="Network diagram">
+                <a:extLst>
+                  <a:ext uri="{FF2B5EF4-FFF2-40B4-BE49-F238E27FC236}">
+                    <a16:creationId xmlns:a16="http://schemas.microsoft.com/office/drawing/2014/main" id="{AC8BD2D9-26D8-4842-BD3D-5212D1B9F7C3}"/>
+                  </a:ext>
+                </a:extLst>
+              </p:cNvPr>
+              <p:cNvPicPr>
+                <a:picLocks noChangeAspect="1"/>
+              </p:cNvPicPr>
+              <p:nvPr/>
+            </p:nvPicPr>
+            <p:blipFill>
+              <a:blip r:embed="rId4">
+                <a:extLst>
+                  <a:ext uri="{28A0092B-C50C-407E-A947-70E740481C1C}">
+                    <a14:useLocalDpi xmlns:a14="http://schemas.microsoft.com/office/drawing/2010/main" val="0"/>
+                  </a:ext>
+                  <a:ext uri="{96DAC541-7B7A-43D3-8B79-37D633B846F1}">
+                    <asvg:svgBlip xmlns:asvg="http://schemas.microsoft.com/office/drawing/2016/SVG/main" r:embed="rId5"/>
+                  </a:ext>
+                </a:extLst>
+              </a:blip>
+              <a:stretch>
+                <a:fillRect/>
+              </a:stretch>
+            </p:blipFill>
+            <p:spPr>
+              <a:xfrm rot="16200000">
+                <a:off x="6057899" y="2903032"/>
+                <a:ext cx="2482645" cy="2482645"/>
+              </a:xfrm>
+              <a:prstGeom prst="rect">
+                <a:avLst/>
+              </a:prstGeom>
+            </p:spPr>
+          </p:pic>
+          <p:pic>
+            <p:nvPicPr>
+              <p:cNvPr id="9" name="Graphic 8" descr="Network diagram">
+                <a:extLst>
+                  <a:ext uri="{FF2B5EF4-FFF2-40B4-BE49-F238E27FC236}">
+                    <a16:creationId xmlns:a16="http://schemas.microsoft.com/office/drawing/2014/main" id="{9A4BAC2E-86D3-4537-926B-60C0CFB2BB6B}"/>
+                  </a:ext>
+                </a:extLst>
+              </p:cNvPr>
+              <p:cNvPicPr>
+                <a:picLocks noChangeAspect="1"/>
+              </p:cNvPicPr>
+              <p:nvPr/>
+            </p:nvPicPr>
+            <p:blipFill>
+              <a:blip r:embed="rId4">
+                <a:extLst>
+                  <a:ext uri="{28A0092B-C50C-407E-A947-70E740481C1C}">
+                    <a14:useLocalDpi xmlns:a14="http://schemas.microsoft.com/office/drawing/2010/main" val="0"/>
+                  </a:ext>
+                  <a:ext uri="{96DAC541-7B7A-43D3-8B79-37D633B846F1}">
+                    <asvg:svgBlip xmlns:asvg="http://schemas.microsoft.com/office/drawing/2016/SVG/main" r:embed="rId5"/>
+                  </a:ext>
+                </a:extLst>
+              </a:blip>
+              <a:stretch>
+                <a:fillRect/>
+              </a:stretch>
+            </p:blipFill>
+            <p:spPr>
+              <a:xfrm rot="16200000">
+                <a:off x="4664294" y="1520546"/>
+                <a:ext cx="2482645" cy="2482645"/>
+              </a:xfrm>
+              <a:prstGeom prst="rect">
+                <a:avLst/>
+              </a:prstGeom>
+            </p:spPr>
+          </p:pic>
+          <p:pic>
+            <p:nvPicPr>
+              <p:cNvPr id="10" name="Graphic 9" descr="Network diagram">
+                <a:extLst>
+                  <a:ext uri="{FF2B5EF4-FFF2-40B4-BE49-F238E27FC236}">
+                    <a16:creationId xmlns:a16="http://schemas.microsoft.com/office/drawing/2014/main" id="{2232C554-E5C8-40F6-9BB2-7100D8522919}"/>
+                  </a:ext>
+                </a:extLst>
+              </p:cNvPr>
+              <p:cNvPicPr>
+                <a:picLocks noChangeAspect="1"/>
+              </p:cNvPicPr>
+              <p:nvPr/>
+            </p:nvPicPr>
+            <p:blipFill>
+              <a:blip r:embed="rId4">
+                <a:extLst>
+                  <a:ext uri="{28A0092B-C50C-407E-A947-70E740481C1C}">
+                    <a14:useLocalDpi xmlns:a14="http://schemas.microsoft.com/office/drawing/2010/main" val="0"/>
+                  </a:ext>
+                  <a:ext uri="{96DAC541-7B7A-43D3-8B79-37D633B846F1}">
+                    <asvg:svgBlip xmlns:asvg="http://schemas.microsoft.com/office/drawing/2016/SVG/main" r:embed="rId5"/>
+                  </a:ext>
+                </a:extLst>
+              </a:blip>
+              <a:stretch>
+                <a:fillRect/>
+              </a:stretch>
+            </p:blipFill>
+            <p:spPr>
+              <a:xfrm rot="16200000">
+                <a:off x="6057899" y="1520546"/>
+                <a:ext cx="2482645" cy="2482645"/>
+              </a:xfrm>
+              <a:prstGeom prst="rect">
+                <a:avLst/>
+              </a:prstGeom>
+            </p:spPr>
+          </p:pic>
+          <p:pic>
+            <p:nvPicPr>
+              <p:cNvPr id="11" name="Graphic 10" descr="Network diagram">
+                <a:extLst>
+                  <a:ext uri="{FF2B5EF4-FFF2-40B4-BE49-F238E27FC236}">
+                    <a16:creationId xmlns:a16="http://schemas.microsoft.com/office/drawing/2014/main" id="{2ED42577-B6EA-44D2-BE06-018857D39852}"/>
+                  </a:ext>
+                </a:extLst>
+              </p:cNvPr>
+              <p:cNvPicPr>
+                <a:picLocks noChangeAspect="1"/>
+              </p:cNvPicPr>
+              <p:nvPr/>
+            </p:nvPicPr>
+            <p:blipFill>
+              <a:blip r:embed="rId4">
+                <a:extLst>
+                  <a:ext uri="{28A0092B-C50C-407E-A947-70E740481C1C}">
+                    <a14:useLocalDpi xmlns:a14="http://schemas.microsoft.com/office/drawing/2010/main" val="0"/>
+                  </a:ext>
+                  <a:ext uri="{96DAC541-7B7A-43D3-8B79-37D633B846F1}">
+                    <asvg:svgBlip xmlns:asvg="http://schemas.microsoft.com/office/drawing/2016/SVG/main" r:embed="rId5"/>
+                  </a:ext>
+                </a:extLst>
+              </a:blip>
+              <a:stretch>
+                <a:fillRect/>
+              </a:stretch>
+            </p:blipFill>
+            <p:spPr>
+              <a:xfrm rot="16200000">
+                <a:off x="7462272" y="1520545"/>
+                <a:ext cx="2482645" cy="2482645"/>
+              </a:xfrm>
+              <a:prstGeom prst="rect">
+                <a:avLst/>
+              </a:prstGeom>
+            </p:spPr>
+          </p:pic>
+          <p:pic>
+            <p:nvPicPr>
+              <p:cNvPr id="12" name="Graphic 11" descr="Network diagram">
+                <a:extLst>
+                  <a:ext uri="{FF2B5EF4-FFF2-40B4-BE49-F238E27FC236}">
+                    <a16:creationId xmlns:a16="http://schemas.microsoft.com/office/drawing/2014/main" id="{9FD53E21-C0E2-4585-BAA2-78A7CE0274D7}"/>
+                  </a:ext>
+                </a:extLst>
+              </p:cNvPr>
+              <p:cNvPicPr>
+                <a:picLocks noChangeAspect="1"/>
+              </p:cNvPicPr>
+              <p:nvPr/>
+            </p:nvPicPr>
+            <p:blipFill>
+              <a:blip r:embed="rId4">
+                <a:extLst>
+                  <a:ext uri="{28A0092B-C50C-407E-A947-70E740481C1C}">
+                    <a14:useLocalDpi xmlns:a14="http://schemas.microsoft.com/office/drawing/2010/main" val="0"/>
+                  </a:ext>
+                  <a:ext uri="{96DAC541-7B7A-43D3-8B79-37D633B846F1}">
+                    <asvg:svgBlip xmlns:asvg="http://schemas.microsoft.com/office/drawing/2016/SVG/main" r:embed="rId5"/>
+                  </a:ext>
+                </a:extLst>
+              </a:blip>
+              <a:stretch>
+                <a:fillRect/>
+              </a:stretch>
+            </p:blipFill>
+            <p:spPr>
+              <a:xfrm rot="16200000">
+                <a:off x="5361096" y="138060"/>
+                <a:ext cx="2482645" cy="2482645"/>
+              </a:xfrm>
+              <a:prstGeom prst="rect">
+                <a:avLst/>
+              </a:prstGeom>
+            </p:spPr>
+          </p:pic>
+        </p:grpSp>
+        <p:grpSp>
+          <p:nvGrpSpPr>
+            <p:cNvPr id="13" name="Group 12">
+              <a:extLst>
+                <a:ext uri="{FF2B5EF4-FFF2-40B4-BE49-F238E27FC236}">
+                  <a16:creationId xmlns:a16="http://schemas.microsoft.com/office/drawing/2014/main" id="{463B5D01-350B-4319-89F4-BFD668B7C20F}"/>
+                </a:ext>
+              </a:extLst>
+            </p:cNvPr>
+            <p:cNvGrpSpPr/>
+            <p:nvPr/>
+          </p:nvGrpSpPr>
+          <p:grpSpPr>
+            <a:xfrm>
+              <a:off x="3618561" y="277466"/>
+              <a:ext cx="5280623" cy="5247617"/>
+              <a:chOff x="4664294" y="138060"/>
+              <a:chExt cx="5280623" cy="5247617"/>
+            </a:xfrm>
+            <a:solidFill>
+              <a:schemeClr val="bg1"/>
+            </a:solidFill>
+          </p:grpSpPr>
+          <p:pic>
+            <p:nvPicPr>
+              <p:cNvPr id="14" name="Graphic 13" descr="Network diagram">
+                <a:extLst>
+                  <a:ext uri="{FF2B5EF4-FFF2-40B4-BE49-F238E27FC236}">
+                    <a16:creationId xmlns:a16="http://schemas.microsoft.com/office/drawing/2014/main" id="{B0954412-D86B-475F-8569-1F1DEC19E7A1}"/>
+                  </a:ext>
+                </a:extLst>
+              </p:cNvPr>
+              <p:cNvPicPr>
+                <a:picLocks noChangeAspect="1"/>
+              </p:cNvPicPr>
+              <p:nvPr/>
+            </p:nvPicPr>
+            <p:blipFill>
+              <a:blip r:embed="rId6">
+                <a:extLst>
+                  <a:ext uri="{28A0092B-C50C-407E-A947-70E740481C1C}">
+                    <a14:useLocalDpi xmlns:a14="http://schemas.microsoft.com/office/drawing/2010/main" val="0"/>
+                  </a:ext>
+                  <a:ext uri="{96DAC541-7B7A-43D3-8B79-37D633B846F1}">
+                    <asvg:svgBlip xmlns:asvg="http://schemas.microsoft.com/office/drawing/2016/SVG/main" r:embed="rId7"/>
+                  </a:ext>
+                </a:extLst>
+              </a:blip>
+              <a:stretch>
+                <a:fillRect/>
+              </a:stretch>
+            </p:blipFill>
+            <p:spPr>
+              <a:xfrm rot="16200000">
+                <a:off x="6057899" y="2903032"/>
+                <a:ext cx="2482645" cy="2482645"/>
+              </a:xfrm>
+              <a:prstGeom prst="rect">
+                <a:avLst/>
+              </a:prstGeom>
+            </p:spPr>
+          </p:pic>
+          <p:pic>
+            <p:nvPicPr>
+              <p:cNvPr id="15" name="Graphic 14" descr="Network diagram">
+                <a:extLst>
+                  <a:ext uri="{FF2B5EF4-FFF2-40B4-BE49-F238E27FC236}">
+                    <a16:creationId xmlns:a16="http://schemas.microsoft.com/office/drawing/2014/main" id="{1F6BED6F-6DF9-4937-BD8A-18017CDCA831}"/>
+                  </a:ext>
+                </a:extLst>
+              </p:cNvPr>
+              <p:cNvPicPr>
+                <a:picLocks noChangeAspect="1"/>
+              </p:cNvPicPr>
+              <p:nvPr/>
+            </p:nvPicPr>
+            <p:blipFill>
+              <a:blip r:embed="rId6">
+                <a:extLst>
+                  <a:ext uri="{28A0092B-C50C-407E-A947-70E740481C1C}">
+                    <a14:useLocalDpi xmlns:a14="http://schemas.microsoft.com/office/drawing/2010/main" val="0"/>
+                  </a:ext>
+                  <a:ext uri="{96DAC541-7B7A-43D3-8B79-37D633B846F1}">
+                    <asvg:svgBlip xmlns:asvg="http://schemas.microsoft.com/office/drawing/2016/SVG/main" r:embed="rId7"/>
+                  </a:ext>
+                </a:extLst>
+              </a:blip>
+              <a:stretch>
+                <a:fillRect/>
+              </a:stretch>
+            </p:blipFill>
+            <p:spPr>
+              <a:xfrm rot="16200000">
+                <a:off x="4664294" y="1520546"/>
+                <a:ext cx="2482645" cy="2482645"/>
+              </a:xfrm>
+              <a:prstGeom prst="rect">
+                <a:avLst/>
+              </a:prstGeom>
+            </p:spPr>
+          </p:pic>
+          <p:pic>
+            <p:nvPicPr>
+              <p:cNvPr id="16" name="Graphic 15" descr="Network diagram">
+                <a:extLst>
+                  <a:ext uri="{FF2B5EF4-FFF2-40B4-BE49-F238E27FC236}">
+                    <a16:creationId xmlns:a16="http://schemas.microsoft.com/office/drawing/2014/main" id="{6304EEBA-4EDB-4044-B4A3-7486BBA10B6B}"/>
+                  </a:ext>
+                </a:extLst>
+              </p:cNvPr>
+              <p:cNvPicPr>
+                <a:picLocks noChangeAspect="1"/>
+              </p:cNvPicPr>
+              <p:nvPr/>
+            </p:nvPicPr>
+            <p:blipFill>
+              <a:blip r:embed="rId6">
+                <a:extLst>
+                  <a:ext uri="{28A0092B-C50C-407E-A947-70E740481C1C}">
+                    <a14:useLocalDpi xmlns:a14="http://schemas.microsoft.com/office/drawing/2010/main" val="0"/>
+                  </a:ext>
+                  <a:ext uri="{96DAC541-7B7A-43D3-8B79-37D633B846F1}">
+                    <asvg:svgBlip xmlns:asvg="http://schemas.microsoft.com/office/drawing/2016/SVG/main" r:embed="rId7"/>
+                  </a:ext>
+                </a:extLst>
+              </a:blip>
+              <a:stretch>
+                <a:fillRect/>
+              </a:stretch>
+            </p:blipFill>
+            <p:spPr>
+              <a:xfrm rot="16200000">
+                <a:off x="6057899" y="1520546"/>
+                <a:ext cx="2482645" cy="2482645"/>
+              </a:xfrm>
+              <a:prstGeom prst="rect">
+                <a:avLst/>
+              </a:prstGeom>
+            </p:spPr>
+          </p:pic>
+          <p:pic>
+            <p:nvPicPr>
+              <p:cNvPr id="17" name="Graphic 16" descr="Network diagram">
+                <a:extLst>
+                  <a:ext uri="{FF2B5EF4-FFF2-40B4-BE49-F238E27FC236}">
+                    <a16:creationId xmlns:a16="http://schemas.microsoft.com/office/drawing/2014/main" id="{37687D57-3458-451A-B6C4-B4C5642C8438}"/>
+                  </a:ext>
+                </a:extLst>
+              </p:cNvPr>
+              <p:cNvPicPr>
+                <a:picLocks noChangeAspect="1"/>
+              </p:cNvPicPr>
+              <p:nvPr/>
+            </p:nvPicPr>
+            <p:blipFill>
+              <a:blip r:embed="rId6">
+                <a:extLst>
+                  <a:ext uri="{28A0092B-C50C-407E-A947-70E740481C1C}">
+                    <a14:useLocalDpi xmlns:a14="http://schemas.microsoft.com/office/drawing/2010/main" val="0"/>
+                  </a:ext>
+                  <a:ext uri="{96DAC541-7B7A-43D3-8B79-37D633B846F1}">
+                    <asvg:svgBlip xmlns:asvg="http://schemas.microsoft.com/office/drawing/2016/SVG/main" r:embed="rId7"/>
+                  </a:ext>
+                </a:extLst>
+              </a:blip>
+              <a:stretch>
+                <a:fillRect/>
+              </a:stretch>
+            </p:blipFill>
+            <p:spPr>
+              <a:xfrm rot="16200000">
+                <a:off x="7462272" y="1520545"/>
+                <a:ext cx="2482645" cy="2482645"/>
+              </a:xfrm>
+              <a:prstGeom prst="rect">
+                <a:avLst/>
+              </a:prstGeom>
+            </p:spPr>
+          </p:pic>
+          <p:pic>
+            <p:nvPicPr>
+              <p:cNvPr id="18" name="Graphic 17" descr="Network diagram">
+                <a:extLst>
+                  <a:ext uri="{FF2B5EF4-FFF2-40B4-BE49-F238E27FC236}">
+                    <a16:creationId xmlns:a16="http://schemas.microsoft.com/office/drawing/2014/main" id="{91D53D9D-ACC0-4D86-BF08-E7AAD3E30BE4}"/>
+                  </a:ext>
+                </a:extLst>
+              </p:cNvPr>
+              <p:cNvPicPr>
+                <a:picLocks noChangeAspect="1"/>
+              </p:cNvPicPr>
+              <p:nvPr/>
+            </p:nvPicPr>
+            <p:blipFill>
+              <a:blip r:embed="rId6">
+                <a:extLst>
+                  <a:ext uri="{28A0092B-C50C-407E-A947-70E740481C1C}">
+                    <a14:useLocalDpi xmlns:a14="http://schemas.microsoft.com/office/drawing/2010/main" val="0"/>
+                  </a:ext>
+                  <a:ext uri="{96DAC541-7B7A-43D3-8B79-37D633B846F1}">
+                    <asvg:svgBlip xmlns:asvg="http://schemas.microsoft.com/office/drawing/2016/SVG/main" r:embed="rId7"/>
+                  </a:ext>
+                </a:extLst>
+              </a:blip>
+              <a:stretch>
+                <a:fillRect/>
+              </a:stretch>
+            </p:blipFill>
+            <p:spPr>
+              <a:xfrm rot="16200000">
+                <a:off x="5361096" y="138060"/>
+                <a:ext cx="2482645" cy="2482645"/>
+              </a:xfrm>
+              <a:prstGeom prst="rect">
+                <a:avLst/>
+              </a:prstGeom>
+            </p:spPr>
+          </p:pic>
+        </p:grpSp>
+      </p:grpSp>
+      <p:sp>
+        <p:nvSpPr>
+          <p:cNvPr id="19" name="Prostokąt 5">
+            <a:extLst>
+              <a:ext uri="{FF2B5EF4-FFF2-40B4-BE49-F238E27FC236}">
+                <a16:creationId xmlns:a16="http://schemas.microsoft.com/office/drawing/2014/main" id="{1B43E6F2-2082-439D-937C-CEA7CDAA3625}"/>
+              </a:ext>
+            </a:extLst>
+          </p:cNvPr>
+          <p:cNvSpPr/>
+          <p:nvPr/>
+        </p:nvSpPr>
+        <p:spPr>
+          <a:xfrm>
+            <a:off x="7956826" y="2089428"/>
+            <a:ext cx="1388637" cy="400110"/>
+          </a:xfrm>
+          <a:prstGeom prst="rect">
+            <a:avLst/>
+          </a:prstGeom>
+          <a:noFill/>
+        </p:spPr>
+        <p:txBody>
+          <a:bodyPr wrap="square" lIns="91440" tIns="45720" rIns="91440" bIns="45720">
+            <a:spAutoFit/>
+          </a:bodyPr>
+          <a:lstStyle/>
+          <a:p>
+            <a:pPr algn="ctr"/>
+            <a:r>
+              <a:rPr lang="en-US" sz="2000" b="1" cap="none" spc="0" dirty="0">
+                <a:ln w="10160">
+                  <a:solidFill>
+                    <a:schemeClr val="accent5"/>
+                  </a:solidFill>
+                  <a:prstDash val="solid"/>
+                </a:ln>
+                <a:solidFill>
+                  <a:srgbClr val="FFFFFF"/>
+                </a:solidFill>
+                <a:effectLst>
+                  <a:outerShdw blurRad="38100" dist="22860" dir="5400000" algn="tl" rotWithShape="0">
+                    <a:srgbClr val="000000">
+                      <a:alpha val="30000"/>
+                    </a:srgbClr>
+                  </a:outerShdw>
+                </a:effectLst>
+              </a:rPr>
+              <a:t>Parent</a:t>
+            </a:r>
+            <a:endParaRPr lang="pl-PL" sz="2000" b="1" cap="none" spc="0" dirty="0">
+              <a:ln w="10160">
+                <a:solidFill>
+                  <a:schemeClr val="accent5"/>
+                </a:solidFill>
+                <a:prstDash val="solid"/>
+              </a:ln>
+              <a:solidFill>
+                <a:srgbClr val="FFFFFF"/>
+              </a:solidFill>
+              <a:effectLst>
+                <a:outerShdw blurRad="38100" dist="22860" dir="5400000" algn="tl" rotWithShape="0">
+                  <a:srgbClr val="000000">
+                    <a:alpha val="30000"/>
+                  </a:srgbClr>
+                </a:outerShdw>
+              </a:effectLst>
+            </a:endParaRPr>
+          </a:p>
+        </p:txBody>
+      </p:sp>
+      <p:sp>
+        <p:nvSpPr>
+          <p:cNvPr id="20" name="Prostokąt 5">
+            <a:extLst>
+              <a:ext uri="{FF2B5EF4-FFF2-40B4-BE49-F238E27FC236}">
+                <a16:creationId xmlns:a16="http://schemas.microsoft.com/office/drawing/2014/main" id="{8D41FCAD-DB38-464F-9E2A-A498D9521B79}"/>
+              </a:ext>
+            </a:extLst>
+          </p:cNvPr>
+          <p:cNvSpPr/>
+          <p:nvPr/>
+        </p:nvSpPr>
+        <p:spPr>
+          <a:xfrm>
+            <a:off x="2946838" y="2189304"/>
+            <a:ext cx="1388637" cy="400110"/>
+          </a:xfrm>
+          <a:prstGeom prst="rect">
+            <a:avLst/>
+          </a:prstGeom>
+          <a:noFill/>
+        </p:spPr>
+        <p:txBody>
+          <a:bodyPr wrap="square" lIns="91440" tIns="45720" rIns="91440" bIns="45720">
+            <a:spAutoFit/>
+          </a:bodyPr>
+          <a:lstStyle/>
+          <a:p>
+            <a:pPr algn="ctr"/>
+            <a:r>
+              <a:rPr lang="en-US" sz="2000" b="1" cap="none" spc="0" dirty="0">
+                <a:ln w="10160">
+                  <a:solidFill>
+                    <a:schemeClr val="accent5"/>
+                  </a:solidFill>
+                  <a:prstDash val="solid"/>
+                </a:ln>
+                <a:solidFill>
+                  <a:srgbClr val="FFFFFF"/>
+                </a:solidFill>
+                <a:effectLst>
+                  <a:outerShdw blurRad="38100" dist="22860" dir="5400000" algn="tl" rotWithShape="0">
+                    <a:srgbClr val="000000">
+                      <a:alpha val="30000"/>
+                    </a:srgbClr>
+                  </a:outerShdw>
+                </a:effectLst>
+              </a:rPr>
+              <a:t>Parent</a:t>
+            </a:r>
+            <a:endParaRPr lang="pl-PL" sz="2000" b="1" cap="none" spc="0" dirty="0">
+              <a:ln w="10160">
+                <a:solidFill>
+                  <a:schemeClr val="accent5"/>
+                </a:solidFill>
+                <a:prstDash val="solid"/>
+              </a:ln>
+              <a:solidFill>
+                <a:srgbClr val="FFFFFF"/>
+              </a:solidFill>
+              <a:effectLst>
+                <a:outerShdw blurRad="38100" dist="22860" dir="5400000" algn="tl" rotWithShape="0">
+                  <a:srgbClr val="000000">
+                    <a:alpha val="30000"/>
+                  </a:srgbClr>
+                </a:outerShdw>
+              </a:effectLst>
+            </a:endParaRPr>
+          </a:p>
+        </p:txBody>
+      </p:sp>
+      <p:sp>
+        <p:nvSpPr>
+          <p:cNvPr id="21" name="Prostokąt 5">
+            <a:extLst>
+              <a:ext uri="{FF2B5EF4-FFF2-40B4-BE49-F238E27FC236}">
+                <a16:creationId xmlns:a16="http://schemas.microsoft.com/office/drawing/2014/main" id="{EAB03A0E-C12B-4DAF-B74C-223ADD2F03F5}"/>
+              </a:ext>
+            </a:extLst>
+          </p:cNvPr>
+          <p:cNvSpPr/>
+          <p:nvPr/>
+        </p:nvSpPr>
+        <p:spPr>
+          <a:xfrm>
+            <a:off x="5251516" y="731925"/>
+            <a:ext cx="1388637" cy="400110"/>
+          </a:xfrm>
+          <a:prstGeom prst="rect">
+            <a:avLst/>
+          </a:prstGeom>
+          <a:noFill/>
+        </p:spPr>
+        <p:txBody>
+          <a:bodyPr wrap="square" lIns="91440" tIns="45720" rIns="91440" bIns="45720">
+            <a:spAutoFit/>
+          </a:bodyPr>
+          <a:lstStyle/>
+          <a:p>
+            <a:pPr algn="ctr"/>
+            <a:r>
+              <a:rPr lang="en-US" sz="2000" b="1" cap="none" spc="0" dirty="0">
+                <a:ln w="10160">
+                  <a:solidFill>
+                    <a:schemeClr val="accent5"/>
+                  </a:solidFill>
+                  <a:prstDash val="solid"/>
+                </a:ln>
+                <a:solidFill>
+                  <a:srgbClr val="FFFFFF"/>
+                </a:solidFill>
+                <a:effectLst>
+                  <a:outerShdw blurRad="38100" dist="22860" dir="5400000" algn="tl" rotWithShape="0">
+                    <a:srgbClr val="000000">
+                      <a:alpha val="30000"/>
+                    </a:srgbClr>
+                  </a:outerShdw>
+                </a:effectLst>
+              </a:rPr>
+              <a:t>Parent</a:t>
+            </a:r>
+            <a:endParaRPr lang="pl-PL" sz="2000" b="1" cap="none" spc="0" dirty="0">
+              <a:ln w="10160">
+                <a:solidFill>
+                  <a:schemeClr val="accent5"/>
+                </a:solidFill>
+                <a:prstDash val="solid"/>
+              </a:ln>
+              <a:solidFill>
+                <a:srgbClr val="FFFFFF"/>
+              </a:solidFill>
+              <a:effectLst>
+                <a:outerShdw blurRad="38100" dist="22860" dir="5400000" algn="tl" rotWithShape="0">
+                  <a:srgbClr val="000000">
+                    <a:alpha val="30000"/>
+                  </a:srgbClr>
+                </a:outerShdw>
+              </a:effectLst>
+            </a:endParaRPr>
+          </a:p>
+        </p:txBody>
+      </p:sp>
+      <p:sp>
+        <p:nvSpPr>
+          <p:cNvPr id="22" name="Prostokąt 5">
+            <a:extLst>
+              <a:ext uri="{FF2B5EF4-FFF2-40B4-BE49-F238E27FC236}">
+                <a16:creationId xmlns:a16="http://schemas.microsoft.com/office/drawing/2014/main" id="{72C956D3-E1DE-4678-B3DC-B6CFBCCC08EA}"/>
+              </a:ext>
+            </a:extLst>
+          </p:cNvPr>
+          <p:cNvSpPr/>
+          <p:nvPr/>
+        </p:nvSpPr>
+        <p:spPr>
+          <a:xfrm>
+            <a:off x="2159971" y="3477534"/>
+            <a:ext cx="1388637" cy="400110"/>
+          </a:xfrm>
+          <a:prstGeom prst="rect">
+            <a:avLst/>
+          </a:prstGeom>
+          <a:noFill/>
+        </p:spPr>
+        <p:txBody>
+          <a:bodyPr wrap="square" lIns="91440" tIns="45720" rIns="91440" bIns="45720">
+            <a:spAutoFit/>
+          </a:bodyPr>
+          <a:lstStyle/>
+          <a:p>
+            <a:pPr algn="ctr"/>
+            <a:r>
+              <a:rPr lang="en-US" sz="2000" b="1" cap="none" spc="0" dirty="0">
+                <a:ln w="10160">
+                  <a:solidFill>
+                    <a:schemeClr val="accent5"/>
+                  </a:solidFill>
+                  <a:prstDash val="solid"/>
+                </a:ln>
+                <a:solidFill>
+                  <a:srgbClr val="FFFFFF"/>
+                </a:solidFill>
+                <a:effectLst>
+                  <a:outerShdw blurRad="38100" dist="22860" dir="5400000" algn="tl" rotWithShape="0">
+                    <a:srgbClr val="000000">
+                      <a:alpha val="30000"/>
+                    </a:srgbClr>
+                  </a:outerShdw>
+                </a:effectLst>
+              </a:rPr>
+              <a:t>Child</a:t>
+            </a:r>
+            <a:endParaRPr lang="pl-PL" sz="2000" b="1" cap="none" spc="0" dirty="0">
+              <a:ln w="10160">
+                <a:solidFill>
+                  <a:schemeClr val="accent5"/>
+                </a:solidFill>
+                <a:prstDash val="solid"/>
+              </a:ln>
+              <a:solidFill>
+                <a:srgbClr val="FFFFFF"/>
+              </a:solidFill>
+              <a:effectLst>
+                <a:outerShdw blurRad="38100" dist="22860" dir="5400000" algn="tl" rotWithShape="0">
+                  <a:srgbClr val="000000">
+                    <a:alpha val="30000"/>
+                  </a:srgbClr>
+                </a:outerShdw>
+              </a:effectLst>
+            </a:endParaRPr>
+          </a:p>
+        </p:txBody>
+      </p:sp>
+      <p:sp>
+        <p:nvSpPr>
+          <p:cNvPr id="24" name="Prostokąt 5">
+            <a:extLst>
+              <a:ext uri="{FF2B5EF4-FFF2-40B4-BE49-F238E27FC236}">
+                <a16:creationId xmlns:a16="http://schemas.microsoft.com/office/drawing/2014/main" id="{5A06780C-2225-4B77-B1E9-703AD88C3CE6}"/>
+              </a:ext>
+            </a:extLst>
+          </p:cNvPr>
+          <p:cNvSpPr/>
+          <p:nvPr/>
+        </p:nvSpPr>
+        <p:spPr>
+          <a:xfrm>
+            <a:off x="8754436" y="3478281"/>
+            <a:ext cx="1388637" cy="400110"/>
+          </a:xfrm>
+          <a:prstGeom prst="rect">
+            <a:avLst/>
+          </a:prstGeom>
+          <a:noFill/>
+        </p:spPr>
+        <p:txBody>
+          <a:bodyPr wrap="square" lIns="91440" tIns="45720" rIns="91440" bIns="45720">
+            <a:spAutoFit/>
+          </a:bodyPr>
+          <a:lstStyle/>
+          <a:p>
+            <a:pPr algn="ctr"/>
+            <a:r>
+              <a:rPr lang="en-US" sz="2000" b="1" cap="none" spc="0" dirty="0">
+                <a:ln w="10160">
+                  <a:solidFill>
+                    <a:schemeClr val="accent5"/>
+                  </a:solidFill>
+                  <a:prstDash val="solid"/>
+                </a:ln>
+                <a:solidFill>
+                  <a:srgbClr val="FFFFFF"/>
+                </a:solidFill>
+                <a:effectLst>
+                  <a:outerShdw blurRad="38100" dist="22860" dir="5400000" algn="tl" rotWithShape="0">
+                    <a:srgbClr val="000000">
+                      <a:alpha val="30000"/>
+                    </a:srgbClr>
+                  </a:outerShdw>
+                </a:effectLst>
+              </a:rPr>
+              <a:t>Child</a:t>
+            </a:r>
+            <a:endParaRPr lang="pl-PL" sz="2000" b="1" cap="none" spc="0" dirty="0">
+              <a:ln w="10160">
+                <a:solidFill>
+                  <a:schemeClr val="accent5"/>
+                </a:solidFill>
+                <a:prstDash val="solid"/>
+              </a:ln>
+              <a:solidFill>
+                <a:srgbClr val="FFFFFF"/>
+              </a:solidFill>
+              <a:effectLst>
+                <a:outerShdw blurRad="38100" dist="22860" dir="5400000" algn="tl" rotWithShape="0">
+                  <a:srgbClr val="000000">
+                    <a:alpha val="30000"/>
+                  </a:srgbClr>
+                </a:outerShdw>
+              </a:effectLst>
+            </a:endParaRPr>
+          </a:p>
+        </p:txBody>
+      </p:sp>
+      <p:sp>
+        <p:nvSpPr>
+          <p:cNvPr id="25" name="Prostokąt 5">
+            <a:extLst>
+              <a:ext uri="{FF2B5EF4-FFF2-40B4-BE49-F238E27FC236}">
+                <a16:creationId xmlns:a16="http://schemas.microsoft.com/office/drawing/2014/main" id="{ACD7B25E-8B69-498C-B05F-4CEC92AA846A}"/>
+              </a:ext>
+            </a:extLst>
+          </p:cNvPr>
+          <p:cNvSpPr/>
+          <p:nvPr/>
+        </p:nvSpPr>
+        <p:spPr>
+          <a:xfrm>
+            <a:off x="6986596" y="4877464"/>
+            <a:ext cx="1388637" cy="400110"/>
+          </a:xfrm>
+          <a:prstGeom prst="rect">
+            <a:avLst/>
+          </a:prstGeom>
+          <a:noFill/>
+        </p:spPr>
+        <p:txBody>
+          <a:bodyPr wrap="square" lIns="91440" tIns="45720" rIns="91440" bIns="45720">
+            <a:spAutoFit/>
+          </a:bodyPr>
+          <a:lstStyle/>
+          <a:p>
+            <a:pPr algn="ctr"/>
+            <a:r>
+              <a:rPr lang="en-US" sz="2000" b="1" cap="none" spc="0" dirty="0">
+                <a:ln w="10160">
+                  <a:solidFill>
+                    <a:schemeClr val="accent5"/>
+                  </a:solidFill>
+                  <a:prstDash val="solid"/>
+                </a:ln>
+                <a:solidFill>
+                  <a:srgbClr val="FFFFFF"/>
+                </a:solidFill>
+                <a:effectLst>
+                  <a:outerShdw blurRad="38100" dist="22860" dir="5400000" algn="tl" rotWithShape="0">
+                    <a:srgbClr val="000000">
+                      <a:alpha val="30000"/>
+                    </a:srgbClr>
+                  </a:outerShdw>
+                </a:effectLst>
+              </a:rPr>
+              <a:t>Child</a:t>
+            </a:r>
+            <a:endParaRPr lang="pl-PL" sz="2000" b="1" cap="none" spc="0" dirty="0">
+              <a:ln w="10160">
+                <a:solidFill>
+                  <a:schemeClr val="accent5"/>
+                </a:solidFill>
+                <a:prstDash val="solid"/>
+              </a:ln>
+              <a:solidFill>
+                <a:srgbClr val="FFFFFF"/>
+              </a:solidFill>
+              <a:effectLst>
+                <a:outerShdw blurRad="38100" dist="22860" dir="5400000" algn="tl" rotWithShape="0">
+                  <a:srgbClr val="000000">
+                    <a:alpha val="30000"/>
+                  </a:srgbClr>
+                </a:outerShdw>
+              </a:effectLst>
+            </a:endParaRPr>
+          </a:p>
+        </p:txBody>
+      </p:sp>
+      <p:sp>
+        <p:nvSpPr>
+          <p:cNvPr id="27" name="Prostokąt 5">
+            <a:extLst>
+              <a:ext uri="{FF2B5EF4-FFF2-40B4-BE49-F238E27FC236}">
+                <a16:creationId xmlns:a16="http://schemas.microsoft.com/office/drawing/2014/main" id="{F5326095-281A-4DC8-A815-84B539397D48}"/>
+              </a:ext>
+            </a:extLst>
+          </p:cNvPr>
+          <p:cNvSpPr/>
+          <p:nvPr/>
+        </p:nvSpPr>
+        <p:spPr>
+          <a:xfrm>
+            <a:off x="2957965" y="1951031"/>
+            <a:ext cx="1388637" cy="400110"/>
+          </a:xfrm>
+          <a:prstGeom prst="rect">
+            <a:avLst/>
+          </a:prstGeom>
+          <a:noFill/>
+        </p:spPr>
+        <p:txBody>
+          <a:bodyPr wrap="square" lIns="91440" tIns="45720" rIns="91440" bIns="45720">
+            <a:spAutoFit/>
+          </a:bodyPr>
+          <a:lstStyle/>
+          <a:p>
+            <a:pPr algn="ctr"/>
+            <a:r>
+              <a:rPr lang="en-US" sz="2000" b="1" cap="none" spc="0" dirty="0">
+                <a:ln w="10160">
+                  <a:solidFill>
+                    <a:schemeClr val="accent5"/>
+                  </a:solidFill>
+                  <a:prstDash val="solid"/>
+                </a:ln>
+                <a:solidFill>
+                  <a:srgbClr val="FFFFFF"/>
+                </a:solidFill>
+                <a:effectLst>
+                  <a:outerShdw blurRad="38100" dist="22860" dir="5400000" algn="tl" rotWithShape="0">
+                    <a:srgbClr val="000000">
+                      <a:alpha val="30000"/>
+                    </a:srgbClr>
+                  </a:outerShdw>
+                </a:effectLst>
+              </a:rPr>
+              <a:t>Child</a:t>
+            </a:r>
+            <a:endParaRPr lang="pl-PL" sz="2000" b="1" cap="none" spc="0" dirty="0">
+              <a:ln w="10160">
+                <a:solidFill>
+                  <a:schemeClr val="accent5"/>
+                </a:solidFill>
+                <a:prstDash val="solid"/>
+              </a:ln>
+              <a:solidFill>
+                <a:srgbClr val="FFFFFF"/>
+              </a:solidFill>
+              <a:effectLst>
+                <a:outerShdw blurRad="38100" dist="22860" dir="5400000" algn="tl" rotWithShape="0">
+                  <a:srgbClr val="000000">
+                    <a:alpha val="30000"/>
+                  </a:srgbClr>
+                </a:outerShdw>
+              </a:effectLst>
+            </a:endParaRPr>
+          </a:p>
+        </p:txBody>
+      </p:sp>
     </p:spTree>
     <p:extLst>
       <p:ext uri="{BB962C8B-B14F-4D97-AF65-F5344CB8AC3E}">
@@ -3694,7 +6115,7 @@
           <p:nvPr/>
         </p:nvPicPr>
         <p:blipFill>
-          <a:blip r:embed="rId2">
+          <a:blip r:embed="rId3">
             <a:extLst>
               <a:ext uri="{28A0092B-C50C-407E-A947-70E740481C1C}">
                 <a14:useLocalDpi xmlns:a14="http://schemas.microsoft.com/office/drawing/2010/main" val="0"/>
@@ -9671,7 +12092,7 @@
           <p:nvPr/>
         </p:nvPicPr>
         <p:blipFill>
-          <a:blip r:embed="rId3">
+          <a:blip r:embed="rId4">
             <a:extLst>
               <a:ext uri="{28A0092B-C50C-407E-A947-70E740481C1C}">
                 <a14:useLocalDpi xmlns:a14="http://schemas.microsoft.com/office/drawing/2010/main" val="0"/>
@@ -9707,7 +12128,7 @@
           <p:nvPr/>
         </p:nvPicPr>
         <p:blipFill>
-          <a:blip r:embed="rId4">
+          <a:blip r:embed="rId5">
             <a:extLst>
               <a:ext uri="{28A0092B-C50C-407E-A947-70E740481C1C}">
                 <a14:useLocalDpi xmlns:a14="http://schemas.microsoft.com/office/drawing/2010/main" val="0"/>
@@ -9743,7 +12164,7 @@
           <p:nvPr/>
         </p:nvPicPr>
         <p:blipFill>
-          <a:blip r:embed="rId5">
+          <a:blip r:embed="rId6">
             <a:extLst>
               <a:ext uri="{28A0092B-C50C-407E-A947-70E740481C1C}">
                 <a14:useLocalDpi xmlns:a14="http://schemas.microsoft.com/office/drawing/2010/main" val="0"/>
@@ -9779,7 +12200,7 @@
           <p:nvPr/>
         </p:nvPicPr>
         <p:blipFill>
-          <a:blip r:embed="rId6">
+          <a:blip r:embed="rId7">
             <a:extLst>
               <a:ext uri="{28A0092B-C50C-407E-A947-70E740481C1C}">
                 <a14:useLocalDpi xmlns:a14="http://schemas.microsoft.com/office/drawing/2010/main" val="0"/>
@@ -10058,13 +12479,13 @@
           <p:nvPr/>
         </p:nvPicPr>
         <p:blipFill>
-          <a:blip r:embed="rId2">
+          <a:blip r:embed="rId3">
             <a:extLst>
               <a:ext uri="{28A0092B-C50C-407E-A947-70E740481C1C}">
                 <a14:useLocalDpi xmlns:a14="http://schemas.microsoft.com/office/drawing/2010/main" val="0"/>
               </a:ext>
               <a:ext uri="{96DAC541-7B7A-43D3-8B79-37D633B846F1}">
-                <asvg:svgBlip xmlns:asvg="http://schemas.microsoft.com/office/drawing/2016/SVG/main" r:embed="rId3"/>
+                <asvg:svgBlip xmlns:asvg="http://schemas.microsoft.com/office/drawing/2016/SVG/main" r:embed="rId4"/>
               </a:ext>
             </a:extLst>
           </a:blip>
@@ -10097,13 +12518,13 @@
           <p:nvPr/>
         </p:nvPicPr>
         <p:blipFill>
-          <a:blip r:embed="rId2">
+          <a:blip r:embed="rId3">
             <a:extLst>
               <a:ext uri="{28A0092B-C50C-407E-A947-70E740481C1C}">
                 <a14:useLocalDpi xmlns:a14="http://schemas.microsoft.com/office/drawing/2010/main" val="0"/>
               </a:ext>
               <a:ext uri="{96DAC541-7B7A-43D3-8B79-37D633B846F1}">
-                <asvg:svgBlip xmlns:asvg="http://schemas.microsoft.com/office/drawing/2016/SVG/main" r:embed="rId3"/>
+                <asvg:svgBlip xmlns:asvg="http://schemas.microsoft.com/office/drawing/2016/SVG/main" r:embed="rId4"/>
               </a:ext>
             </a:extLst>
           </a:blip>
@@ -10136,13 +12557,13 @@
           <p:nvPr/>
         </p:nvPicPr>
         <p:blipFill>
-          <a:blip r:embed="rId2">
+          <a:blip r:embed="rId3">
             <a:extLst>
               <a:ext uri="{28A0092B-C50C-407E-A947-70E740481C1C}">
                 <a14:useLocalDpi xmlns:a14="http://schemas.microsoft.com/office/drawing/2010/main" val="0"/>
               </a:ext>
               <a:ext uri="{96DAC541-7B7A-43D3-8B79-37D633B846F1}">
-                <asvg:svgBlip xmlns:asvg="http://schemas.microsoft.com/office/drawing/2016/SVG/main" r:embed="rId3"/>
+                <asvg:svgBlip xmlns:asvg="http://schemas.microsoft.com/office/drawing/2016/SVG/main" r:embed="rId4"/>
               </a:ext>
             </a:extLst>
           </a:blip>
@@ -10175,13 +12596,13 @@
           <p:nvPr/>
         </p:nvPicPr>
         <p:blipFill>
-          <a:blip r:embed="rId4">
+          <a:blip r:embed="rId5">
             <a:extLst>
               <a:ext uri="{28A0092B-C50C-407E-A947-70E740481C1C}">
                 <a14:useLocalDpi xmlns:a14="http://schemas.microsoft.com/office/drawing/2010/main" val="0"/>
               </a:ext>
               <a:ext uri="{96DAC541-7B7A-43D3-8B79-37D633B846F1}">
-                <asvg:svgBlip xmlns:asvg="http://schemas.microsoft.com/office/drawing/2016/SVG/main" r:embed="rId5"/>
+                <asvg:svgBlip xmlns:asvg="http://schemas.microsoft.com/office/drawing/2016/SVG/main" r:embed="rId6"/>
               </a:ext>
             </a:extLst>
           </a:blip>
@@ -10214,7 +12635,7 @@
           <p:nvPr/>
         </p:nvPicPr>
         <p:blipFill>
-          <a:blip r:embed="rId6">
+          <a:blip r:embed="rId7">
             <a:extLst>
               <a:ext uri="{28A0092B-C50C-407E-A947-70E740481C1C}">
                 <a14:useLocalDpi xmlns:a14="http://schemas.microsoft.com/office/drawing/2010/main" val="0"/>
@@ -10270,13 +12691,13 @@
             <p:nvPr/>
           </p:nvPicPr>
           <p:blipFill>
-            <a:blip r:embed="rId7">
+            <a:blip r:embed="rId8">
               <a:extLst>
                 <a:ext uri="{28A0092B-C50C-407E-A947-70E740481C1C}">
                   <a14:useLocalDpi xmlns:a14="http://schemas.microsoft.com/office/drawing/2010/main" val="0"/>
                 </a:ext>
                 <a:ext uri="{96DAC541-7B7A-43D3-8B79-37D633B846F1}">
-                  <asvg:svgBlip xmlns:asvg="http://schemas.microsoft.com/office/drawing/2016/SVG/main" r:embed="rId8"/>
+                  <asvg:svgBlip xmlns:asvg="http://schemas.microsoft.com/office/drawing/2016/SVG/main" r:embed="rId9"/>
                 </a:ext>
               </a:extLst>
             </a:blip>
@@ -10355,13 +12776,13 @@
           <p:nvPr/>
         </p:nvPicPr>
         <p:blipFill>
-          <a:blip r:embed="rId9">
+          <a:blip r:embed="rId10">
             <a:extLst>
               <a:ext uri="{28A0092B-C50C-407E-A947-70E740481C1C}">
                 <a14:useLocalDpi xmlns:a14="http://schemas.microsoft.com/office/drawing/2010/main" val="0"/>
               </a:ext>
               <a:ext uri="{96DAC541-7B7A-43D3-8B79-37D633B846F1}">
-                <asvg:svgBlip xmlns:asvg="http://schemas.microsoft.com/office/drawing/2016/SVG/main" r:embed="rId10"/>
+                <asvg:svgBlip xmlns:asvg="http://schemas.microsoft.com/office/drawing/2016/SVG/main" r:embed="rId11"/>
               </a:ext>
             </a:extLst>
           </a:blip>
@@ -10394,13 +12815,13 @@
           <p:nvPr/>
         </p:nvPicPr>
         <p:blipFill>
-          <a:blip r:embed="rId7">
+          <a:blip r:embed="rId8">
             <a:extLst>
               <a:ext uri="{28A0092B-C50C-407E-A947-70E740481C1C}">
                 <a14:useLocalDpi xmlns:a14="http://schemas.microsoft.com/office/drawing/2010/main" val="0"/>
               </a:ext>
               <a:ext uri="{96DAC541-7B7A-43D3-8B79-37D633B846F1}">
-                <asvg:svgBlip xmlns:asvg="http://schemas.microsoft.com/office/drawing/2016/SVG/main" r:embed="rId8"/>
+                <asvg:svgBlip xmlns:asvg="http://schemas.microsoft.com/office/drawing/2016/SVG/main" r:embed="rId9"/>
               </a:ext>
             </a:extLst>
           </a:blip>
@@ -10478,13 +12899,13 @@
           <p:nvPr/>
         </p:nvPicPr>
         <p:blipFill>
-          <a:blip r:embed="rId7">
+          <a:blip r:embed="rId8">
             <a:extLst>
               <a:ext uri="{28A0092B-C50C-407E-A947-70E740481C1C}">
                 <a14:useLocalDpi xmlns:a14="http://schemas.microsoft.com/office/drawing/2010/main" val="0"/>
               </a:ext>
               <a:ext uri="{96DAC541-7B7A-43D3-8B79-37D633B846F1}">
-                <asvg:svgBlip xmlns:asvg="http://schemas.microsoft.com/office/drawing/2016/SVG/main" r:embed="rId8"/>
+                <asvg:svgBlip xmlns:asvg="http://schemas.microsoft.com/office/drawing/2016/SVG/main" r:embed="rId9"/>
               </a:ext>
             </a:extLst>
           </a:blip>
@@ -10768,7 +13189,7 @@
           <p:nvPr/>
         </p:nvPicPr>
         <p:blipFill>
-          <a:blip r:embed="rId2">
+          <a:blip r:embed="rId3">
             <a:extLst>
               <a:ext uri="{28A0092B-C50C-407E-A947-70E740481C1C}">
                 <a14:useLocalDpi xmlns:a14="http://schemas.microsoft.com/office/drawing/2010/main" val="0"/>
@@ -11158,13 +13579,13 @@
                 <p:nvPr/>
               </p:nvPicPr>
               <p:blipFill>
-                <a:blip r:embed="rId3">
+                <a:blip r:embed="rId4">
                   <a:extLst>
                     <a:ext uri="{28A0092B-C50C-407E-A947-70E740481C1C}">
                       <a14:useLocalDpi xmlns:a14="http://schemas.microsoft.com/office/drawing/2010/main" val="0"/>
                     </a:ext>
                     <a:ext uri="{96DAC541-7B7A-43D3-8B79-37D633B846F1}">
-                      <asvg:svgBlip xmlns:asvg="http://schemas.microsoft.com/office/drawing/2016/SVG/main" r:embed="rId4"/>
+                      <asvg:svgBlip xmlns:asvg="http://schemas.microsoft.com/office/drawing/2016/SVG/main" r:embed="rId5"/>
                     </a:ext>
                   </a:extLst>
                 </a:blip>
@@ -11524,13 +13945,13 @@
                 <p:nvPr/>
               </p:nvPicPr>
               <p:blipFill>
-                <a:blip r:embed="rId5">
+                <a:blip r:embed="rId6">
                   <a:extLst>
                     <a:ext uri="{28A0092B-C50C-407E-A947-70E740481C1C}">
                       <a14:useLocalDpi xmlns:a14="http://schemas.microsoft.com/office/drawing/2010/main" val="0"/>
                     </a:ext>
                     <a:ext uri="{96DAC541-7B7A-43D3-8B79-37D633B846F1}">
-                      <asvg:svgBlip xmlns:asvg="http://schemas.microsoft.com/office/drawing/2016/SVG/main" r:embed="rId6"/>
+                      <asvg:svgBlip xmlns:asvg="http://schemas.microsoft.com/office/drawing/2016/SVG/main" r:embed="rId7"/>
                     </a:ext>
                   </a:extLst>
                 </a:blip>
@@ -11606,13 +14027,13 @@
               <p:nvPr/>
             </p:nvPicPr>
             <p:blipFill>
-              <a:blip r:embed="rId7">
+              <a:blip r:embed="rId8">
                 <a:extLst>
                   <a:ext uri="{28A0092B-C50C-407E-A947-70E740481C1C}">
                     <a14:useLocalDpi xmlns:a14="http://schemas.microsoft.com/office/drawing/2010/main" val="0"/>
                   </a:ext>
                   <a:ext uri="{96DAC541-7B7A-43D3-8B79-37D633B846F1}">
-                    <asvg:svgBlip xmlns:asvg="http://schemas.microsoft.com/office/drawing/2016/SVG/main" r:embed="rId8"/>
+                    <asvg:svgBlip xmlns:asvg="http://schemas.microsoft.com/office/drawing/2016/SVG/main" r:embed="rId9"/>
                   </a:ext>
                 </a:extLst>
               </a:blip>
@@ -11645,13 +14066,13 @@
               <p:nvPr/>
             </p:nvPicPr>
             <p:blipFill>
-              <a:blip r:embed="rId9">
+              <a:blip r:embed="rId10">
                 <a:extLst>
                   <a:ext uri="{28A0092B-C50C-407E-A947-70E740481C1C}">
                     <a14:useLocalDpi xmlns:a14="http://schemas.microsoft.com/office/drawing/2010/main" val="0"/>
                   </a:ext>
                   <a:ext uri="{96DAC541-7B7A-43D3-8B79-37D633B846F1}">
-                    <asvg:svgBlip xmlns:asvg="http://schemas.microsoft.com/office/drawing/2016/SVG/main" r:embed="rId10"/>
+                    <asvg:svgBlip xmlns:asvg="http://schemas.microsoft.com/office/drawing/2016/SVG/main" r:embed="rId11"/>
                   </a:ext>
                 </a:extLst>
               </a:blip>
@@ -11708,13 +14129,13 @@
               <p:nvPr/>
             </p:nvPicPr>
             <p:blipFill>
-              <a:blip r:embed="rId11">
+              <a:blip r:embed="rId12">
                 <a:extLst>
                   <a:ext uri="{28A0092B-C50C-407E-A947-70E740481C1C}">
                     <a14:useLocalDpi xmlns:a14="http://schemas.microsoft.com/office/drawing/2010/main" val="0"/>
                   </a:ext>
                   <a:ext uri="{96DAC541-7B7A-43D3-8B79-37D633B846F1}">
-                    <asvg:svgBlip xmlns:asvg="http://schemas.microsoft.com/office/drawing/2016/SVG/main" r:embed="rId12"/>
+                    <asvg:svgBlip xmlns:asvg="http://schemas.microsoft.com/office/drawing/2016/SVG/main" r:embed="rId13"/>
                   </a:ext>
                 </a:extLst>
               </a:blip>
@@ -11747,13 +14168,13 @@
               <p:nvPr/>
             </p:nvPicPr>
             <p:blipFill>
-              <a:blip r:embed="rId13">
+              <a:blip r:embed="rId14">
                 <a:extLst>
                   <a:ext uri="{28A0092B-C50C-407E-A947-70E740481C1C}">
                     <a14:useLocalDpi xmlns:a14="http://schemas.microsoft.com/office/drawing/2010/main" val="0"/>
                   </a:ext>
                   <a:ext uri="{96DAC541-7B7A-43D3-8B79-37D633B846F1}">
-                    <asvg:svgBlip xmlns:asvg="http://schemas.microsoft.com/office/drawing/2016/SVG/main" r:embed="rId14"/>
+                    <asvg:svgBlip xmlns:asvg="http://schemas.microsoft.com/office/drawing/2016/SVG/main" r:embed="rId15"/>
                   </a:ext>
                 </a:extLst>
               </a:blip>
@@ -12737,7 +15158,7 @@
           <p:nvPr/>
         </p:nvPicPr>
         <p:blipFill>
-          <a:blip r:embed="rId2">
+          <a:blip r:embed="rId3">
             <a:extLst>
               <a:ext uri="{28A0092B-C50C-407E-A947-70E740481C1C}">
                 <a14:useLocalDpi xmlns:a14="http://schemas.microsoft.com/office/drawing/2010/main" val="0"/>
@@ -12773,13 +15194,13 @@
           <p:nvPr/>
         </p:nvPicPr>
         <p:blipFill>
-          <a:blip r:embed="rId3">
+          <a:blip r:embed="rId4">
             <a:extLst>
               <a:ext uri="{28A0092B-C50C-407E-A947-70E740481C1C}">
                 <a14:useLocalDpi xmlns:a14="http://schemas.microsoft.com/office/drawing/2010/main" val="0"/>
               </a:ext>
               <a:ext uri="{96DAC541-7B7A-43D3-8B79-37D633B846F1}">
-                <asvg:svgBlip xmlns:asvg="http://schemas.microsoft.com/office/drawing/2016/SVG/main" r:embed="rId4"/>
+                <asvg:svgBlip xmlns:asvg="http://schemas.microsoft.com/office/drawing/2016/SVG/main" r:embed="rId5"/>
               </a:ext>
             </a:extLst>
           </a:blip>
@@ -12832,13 +15253,13 @@
             <p:nvPr/>
           </p:nvPicPr>
           <p:blipFill>
-            <a:blip r:embed="rId5">
+            <a:blip r:embed="rId6">
               <a:extLst>
                 <a:ext uri="{28A0092B-C50C-407E-A947-70E740481C1C}">
                   <a14:useLocalDpi xmlns:a14="http://schemas.microsoft.com/office/drawing/2010/main" val="0"/>
                 </a:ext>
                 <a:ext uri="{96DAC541-7B7A-43D3-8B79-37D633B846F1}">
-                  <asvg:svgBlip xmlns:asvg="http://schemas.microsoft.com/office/drawing/2016/SVG/main" r:embed="rId6"/>
+                  <asvg:svgBlip xmlns:asvg="http://schemas.microsoft.com/office/drawing/2016/SVG/main" r:embed="rId7"/>
                 </a:ext>
               </a:extLst>
             </a:blip>
@@ -12871,13 +15292,13 @@
             <p:nvPr/>
           </p:nvPicPr>
           <p:blipFill>
-            <a:blip r:embed="rId5">
+            <a:blip r:embed="rId6">
               <a:extLst>
                 <a:ext uri="{28A0092B-C50C-407E-A947-70E740481C1C}">
                   <a14:useLocalDpi xmlns:a14="http://schemas.microsoft.com/office/drawing/2010/main" val="0"/>
                 </a:ext>
                 <a:ext uri="{96DAC541-7B7A-43D3-8B79-37D633B846F1}">
-                  <asvg:svgBlip xmlns:asvg="http://schemas.microsoft.com/office/drawing/2016/SVG/main" r:embed="rId6"/>
+                  <asvg:svgBlip xmlns:asvg="http://schemas.microsoft.com/office/drawing/2016/SVG/main" r:embed="rId7"/>
                 </a:ext>
               </a:extLst>
             </a:blip>
@@ -12910,13 +15331,13 @@
             <p:nvPr/>
           </p:nvPicPr>
           <p:blipFill>
-            <a:blip r:embed="rId5">
+            <a:blip r:embed="rId6">
               <a:extLst>
                 <a:ext uri="{28A0092B-C50C-407E-A947-70E740481C1C}">
                   <a14:useLocalDpi xmlns:a14="http://schemas.microsoft.com/office/drawing/2010/main" val="0"/>
                 </a:ext>
                 <a:ext uri="{96DAC541-7B7A-43D3-8B79-37D633B846F1}">
-                  <asvg:svgBlip xmlns:asvg="http://schemas.microsoft.com/office/drawing/2016/SVG/main" r:embed="rId6"/>
+                  <asvg:svgBlip xmlns:asvg="http://schemas.microsoft.com/office/drawing/2016/SVG/main" r:embed="rId7"/>
                 </a:ext>
               </a:extLst>
             </a:blip>
@@ -12973,13 +15394,13 @@
             <p:nvPr/>
           </p:nvPicPr>
           <p:blipFill>
-            <a:blip r:embed="rId7">
+            <a:blip r:embed="rId8">
               <a:extLst>
                 <a:ext uri="{28A0092B-C50C-407E-A947-70E740481C1C}">
                   <a14:useLocalDpi xmlns:a14="http://schemas.microsoft.com/office/drawing/2010/main" val="0"/>
                 </a:ext>
                 <a:ext uri="{96DAC541-7B7A-43D3-8B79-37D633B846F1}">
-                  <asvg:svgBlip xmlns:asvg="http://schemas.microsoft.com/office/drawing/2016/SVG/main" r:embed="rId8"/>
+                  <asvg:svgBlip xmlns:asvg="http://schemas.microsoft.com/office/drawing/2016/SVG/main" r:embed="rId9"/>
                 </a:ext>
               </a:extLst>
             </a:blip>
@@ -13012,13 +15433,13 @@
             <p:nvPr/>
           </p:nvPicPr>
           <p:blipFill>
-            <a:blip r:embed="rId7">
+            <a:blip r:embed="rId8">
               <a:extLst>
                 <a:ext uri="{28A0092B-C50C-407E-A947-70E740481C1C}">
                   <a14:useLocalDpi xmlns:a14="http://schemas.microsoft.com/office/drawing/2010/main" val="0"/>
                 </a:ext>
                 <a:ext uri="{96DAC541-7B7A-43D3-8B79-37D633B846F1}">
-                  <asvg:svgBlip xmlns:asvg="http://schemas.microsoft.com/office/drawing/2016/SVG/main" r:embed="rId8"/>
+                  <asvg:svgBlip xmlns:asvg="http://schemas.microsoft.com/office/drawing/2016/SVG/main" r:embed="rId9"/>
                 </a:ext>
               </a:extLst>
             </a:blip>
@@ -13051,13 +15472,13 @@
             <p:nvPr/>
           </p:nvPicPr>
           <p:blipFill>
-            <a:blip r:embed="rId7">
+            <a:blip r:embed="rId8">
               <a:extLst>
                 <a:ext uri="{28A0092B-C50C-407E-A947-70E740481C1C}">
                   <a14:useLocalDpi xmlns:a14="http://schemas.microsoft.com/office/drawing/2010/main" val="0"/>
                 </a:ext>
                 <a:ext uri="{96DAC541-7B7A-43D3-8B79-37D633B846F1}">
-                  <asvg:svgBlip xmlns:asvg="http://schemas.microsoft.com/office/drawing/2016/SVG/main" r:embed="rId8"/>
+                  <asvg:svgBlip xmlns:asvg="http://schemas.microsoft.com/office/drawing/2016/SVG/main" r:embed="rId9"/>
                 </a:ext>
               </a:extLst>
             </a:blip>
@@ -13091,13 +15512,13 @@
           <p:nvPr/>
         </p:nvPicPr>
         <p:blipFill>
-          <a:blip r:embed="rId9">
+          <a:blip r:embed="rId10">
             <a:extLst>
               <a:ext uri="{28A0092B-C50C-407E-A947-70E740481C1C}">
                 <a14:useLocalDpi xmlns:a14="http://schemas.microsoft.com/office/drawing/2010/main" val="0"/>
               </a:ext>
               <a:ext uri="{96DAC541-7B7A-43D3-8B79-37D633B846F1}">
-                <asvg:svgBlip xmlns:asvg="http://schemas.microsoft.com/office/drawing/2016/SVG/main" r:embed="rId10"/>
+                <asvg:svgBlip xmlns:asvg="http://schemas.microsoft.com/office/drawing/2016/SVG/main" r:embed="rId11"/>
               </a:ext>
             </a:extLst>
           </a:blip>
@@ -13170,13 +15591,13 @@
               <p:nvPr/>
             </p:nvPicPr>
             <p:blipFill>
-              <a:blip r:embed="rId11">
+              <a:blip r:embed="rId12">
                 <a:extLst>
                   <a:ext uri="{28A0092B-C50C-407E-A947-70E740481C1C}">
                     <a14:useLocalDpi xmlns:a14="http://schemas.microsoft.com/office/drawing/2010/main" val="0"/>
                   </a:ext>
                   <a:ext uri="{96DAC541-7B7A-43D3-8B79-37D633B846F1}">
-                    <asvg:svgBlip xmlns:asvg="http://schemas.microsoft.com/office/drawing/2016/SVG/main" r:embed="rId12"/>
+                    <asvg:svgBlip xmlns:asvg="http://schemas.microsoft.com/office/drawing/2016/SVG/main" r:embed="rId13"/>
                   </a:ext>
                 </a:extLst>
               </a:blip>
@@ -13209,13 +15630,13 @@
               <p:nvPr/>
             </p:nvPicPr>
             <p:blipFill>
-              <a:blip r:embed="rId13">
+              <a:blip r:embed="rId14">
                 <a:extLst>
                   <a:ext uri="{28A0092B-C50C-407E-A947-70E740481C1C}">
                     <a14:useLocalDpi xmlns:a14="http://schemas.microsoft.com/office/drawing/2010/main" val="0"/>
                   </a:ext>
                   <a:ext uri="{96DAC541-7B7A-43D3-8B79-37D633B846F1}">
-                    <asvg:svgBlip xmlns:asvg="http://schemas.microsoft.com/office/drawing/2016/SVG/main" r:embed="rId14"/>
+                    <asvg:svgBlip xmlns:asvg="http://schemas.microsoft.com/office/drawing/2016/SVG/main" r:embed="rId15"/>
                   </a:ext>
                 </a:extLst>
               </a:blip>
@@ -13272,13 +15693,13 @@
               <p:nvPr/>
             </p:nvPicPr>
             <p:blipFill>
-              <a:blip r:embed="rId15">
+              <a:blip r:embed="rId16">
                 <a:extLst>
                   <a:ext uri="{28A0092B-C50C-407E-A947-70E740481C1C}">
                     <a14:useLocalDpi xmlns:a14="http://schemas.microsoft.com/office/drawing/2010/main" val="0"/>
                   </a:ext>
                   <a:ext uri="{96DAC541-7B7A-43D3-8B79-37D633B846F1}">
-                    <asvg:svgBlip xmlns:asvg="http://schemas.microsoft.com/office/drawing/2016/SVG/main" r:embed="rId16"/>
+                    <asvg:svgBlip xmlns:asvg="http://schemas.microsoft.com/office/drawing/2016/SVG/main" r:embed="rId17"/>
                   </a:ext>
                 </a:extLst>
               </a:blip>
@@ -13311,13 +15732,13 @@
               <p:nvPr/>
             </p:nvPicPr>
             <p:blipFill>
-              <a:blip r:embed="rId17">
+              <a:blip r:embed="rId18">
                 <a:extLst>
                   <a:ext uri="{28A0092B-C50C-407E-A947-70E740481C1C}">
                     <a14:useLocalDpi xmlns:a14="http://schemas.microsoft.com/office/drawing/2010/main" val="0"/>
                   </a:ext>
                   <a:ext uri="{96DAC541-7B7A-43D3-8B79-37D633B846F1}">
-                    <asvg:svgBlip xmlns:asvg="http://schemas.microsoft.com/office/drawing/2016/SVG/main" r:embed="rId18"/>
+                    <asvg:svgBlip xmlns:asvg="http://schemas.microsoft.com/office/drawing/2016/SVG/main" r:embed="rId19"/>
                   </a:ext>
                 </a:extLst>
               </a:blip>
@@ -13490,7 +15911,7 @@
           <p:nvPr/>
         </p:nvPicPr>
         <p:blipFill>
-          <a:blip r:embed="rId2">
+          <a:blip r:embed="rId3">
             <a:extLst>
               <a:ext uri="{28A0092B-C50C-407E-A947-70E740481C1C}">
                 <a14:useLocalDpi xmlns:a14="http://schemas.microsoft.com/office/drawing/2010/main" val="0"/>
@@ -13526,13 +15947,13 @@
           <p:nvPr/>
         </p:nvPicPr>
         <p:blipFill>
-          <a:blip r:embed="rId3">
+          <a:blip r:embed="rId4">
             <a:extLst>
               <a:ext uri="{28A0092B-C50C-407E-A947-70E740481C1C}">
                 <a14:useLocalDpi xmlns:a14="http://schemas.microsoft.com/office/drawing/2010/main" val="0"/>
               </a:ext>
               <a:ext uri="{96DAC541-7B7A-43D3-8B79-37D633B846F1}">
-                <asvg:svgBlip xmlns:asvg="http://schemas.microsoft.com/office/drawing/2016/SVG/main" r:embed="rId4"/>
+                <asvg:svgBlip xmlns:asvg="http://schemas.microsoft.com/office/drawing/2016/SVG/main" r:embed="rId5"/>
               </a:ext>
             </a:extLst>
           </a:blip>
@@ -13565,13 +15986,13 @@
           <p:nvPr/>
         </p:nvPicPr>
         <p:blipFill>
-          <a:blip r:embed="rId5">
+          <a:blip r:embed="rId6">
             <a:extLst>
               <a:ext uri="{28A0092B-C50C-407E-A947-70E740481C1C}">
                 <a14:useLocalDpi xmlns:a14="http://schemas.microsoft.com/office/drawing/2010/main" val="0"/>
               </a:ext>
               <a:ext uri="{96DAC541-7B7A-43D3-8B79-37D633B846F1}">
-                <asvg:svgBlip xmlns:asvg="http://schemas.microsoft.com/office/drawing/2016/SVG/main" r:embed="rId6"/>
+                <asvg:svgBlip xmlns:asvg="http://schemas.microsoft.com/office/drawing/2016/SVG/main" r:embed="rId7"/>
               </a:ext>
             </a:extLst>
           </a:blip>
@@ -13604,13 +16025,13 @@
           <p:nvPr/>
         </p:nvPicPr>
         <p:blipFill>
-          <a:blip r:embed="rId7">
+          <a:blip r:embed="rId8">
             <a:extLst>
               <a:ext uri="{28A0092B-C50C-407E-A947-70E740481C1C}">
                 <a14:useLocalDpi xmlns:a14="http://schemas.microsoft.com/office/drawing/2010/main" val="0"/>
               </a:ext>
               <a:ext uri="{96DAC541-7B7A-43D3-8B79-37D633B846F1}">
-                <asvg:svgBlip xmlns:asvg="http://schemas.microsoft.com/office/drawing/2016/SVG/main" r:embed="rId8"/>
+                <asvg:svgBlip xmlns:asvg="http://schemas.microsoft.com/office/drawing/2016/SVG/main" r:embed="rId9"/>
               </a:ext>
             </a:extLst>
           </a:blip>
@@ -13643,13 +16064,13 @@
           <p:nvPr/>
         </p:nvPicPr>
         <p:blipFill>
-          <a:blip r:embed="rId9">
+          <a:blip r:embed="rId10">
             <a:extLst>
               <a:ext uri="{28A0092B-C50C-407E-A947-70E740481C1C}">
                 <a14:useLocalDpi xmlns:a14="http://schemas.microsoft.com/office/drawing/2010/main" val="0"/>
               </a:ext>
               <a:ext uri="{96DAC541-7B7A-43D3-8B79-37D633B846F1}">
-                <asvg:svgBlip xmlns:asvg="http://schemas.microsoft.com/office/drawing/2016/SVG/main" r:embed="rId10"/>
+                <asvg:svgBlip xmlns:asvg="http://schemas.microsoft.com/office/drawing/2016/SVG/main" r:embed="rId11"/>
               </a:ext>
             </a:extLst>
           </a:blip>
@@ -13682,13 +16103,13 @@
           <p:nvPr/>
         </p:nvPicPr>
         <p:blipFill>
-          <a:blip r:embed="rId11">
+          <a:blip r:embed="rId12">
             <a:extLst>
               <a:ext uri="{28A0092B-C50C-407E-A947-70E740481C1C}">
                 <a14:useLocalDpi xmlns:a14="http://schemas.microsoft.com/office/drawing/2010/main" val="0"/>
               </a:ext>
               <a:ext uri="{96DAC541-7B7A-43D3-8B79-37D633B846F1}">
-                <asvg:svgBlip xmlns:asvg="http://schemas.microsoft.com/office/drawing/2016/SVG/main" r:embed="rId12"/>
+                <asvg:svgBlip xmlns:asvg="http://schemas.microsoft.com/office/drawing/2016/SVG/main" r:embed="rId13"/>
               </a:ext>
             </a:extLst>
           </a:blip>
@@ -13918,13 +16339,13 @@
             <p:nvPr/>
           </p:nvPicPr>
           <p:blipFill>
-            <a:blip r:embed="rId5">
+            <a:blip r:embed="rId6">
               <a:extLst>
                 <a:ext uri="{28A0092B-C50C-407E-A947-70E740481C1C}">
                   <a14:useLocalDpi xmlns:a14="http://schemas.microsoft.com/office/drawing/2010/main" val="0"/>
                 </a:ext>
                 <a:ext uri="{96DAC541-7B7A-43D3-8B79-37D633B846F1}">
-                  <asvg:svgBlip xmlns:asvg="http://schemas.microsoft.com/office/drawing/2016/SVG/main" r:embed="rId6"/>
+                  <asvg:svgBlip xmlns:asvg="http://schemas.microsoft.com/office/drawing/2016/SVG/main" r:embed="rId7"/>
                 </a:ext>
               </a:extLst>
             </a:blip>
@@ -13957,13 +16378,13 @@
             <p:nvPr/>
           </p:nvPicPr>
           <p:blipFill>
-            <a:blip r:embed="rId5">
+            <a:blip r:embed="rId6">
               <a:extLst>
                 <a:ext uri="{28A0092B-C50C-407E-A947-70E740481C1C}">
                   <a14:useLocalDpi xmlns:a14="http://schemas.microsoft.com/office/drawing/2010/main" val="0"/>
                 </a:ext>
                 <a:ext uri="{96DAC541-7B7A-43D3-8B79-37D633B846F1}">
-                  <asvg:svgBlip xmlns:asvg="http://schemas.microsoft.com/office/drawing/2016/SVG/main" r:embed="rId6"/>
+                  <asvg:svgBlip xmlns:asvg="http://schemas.microsoft.com/office/drawing/2016/SVG/main" r:embed="rId7"/>
                 </a:ext>
               </a:extLst>
             </a:blip>
@@ -13996,13 +16417,13 @@
             <p:nvPr/>
           </p:nvPicPr>
           <p:blipFill>
-            <a:blip r:embed="rId5">
+            <a:blip r:embed="rId6">
               <a:extLst>
                 <a:ext uri="{28A0092B-C50C-407E-A947-70E740481C1C}">
                   <a14:useLocalDpi xmlns:a14="http://schemas.microsoft.com/office/drawing/2010/main" val="0"/>
                 </a:ext>
                 <a:ext uri="{96DAC541-7B7A-43D3-8B79-37D633B846F1}">
-                  <asvg:svgBlip xmlns:asvg="http://schemas.microsoft.com/office/drawing/2016/SVG/main" r:embed="rId6"/>
+                  <asvg:svgBlip xmlns:asvg="http://schemas.microsoft.com/office/drawing/2016/SVG/main" r:embed="rId7"/>
                 </a:ext>
               </a:extLst>
             </a:blip>
@@ -14036,13 +16457,13 @@
           <p:nvPr/>
         </p:nvPicPr>
         <p:blipFill>
-          <a:blip r:embed="rId13">
+          <a:blip r:embed="rId14">
             <a:extLst>
               <a:ext uri="{28A0092B-C50C-407E-A947-70E740481C1C}">
                 <a14:useLocalDpi xmlns:a14="http://schemas.microsoft.com/office/drawing/2010/main" val="0"/>
               </a:ext>
               <a:ext uri="{96DAC541-7B7A-43D3-8B79-37D633B846F1}">
-                <asvg:svgBlip xmlns:asvg="http://schemas.microsoft.com/office/drawing/2016/SVG/main" r:embed="rId14"/>
+                <asvg:svgBlip xmlns:asvg="http://schemas.microsoft.com/office/drawing/2016/SVG/main" r:embed="rId15"/>
               </a:ext>
             </a:extLst>
           </a:blip>
@@ -14075,13 +16496,13 @@
           <p:nvPr/>
         </p:nvPicPr>
         <p:blipFill>
-          <a:blip r:embed="rId15">
+          <a:blip r:embed="rId16">
             <a:extLst>
               <a:ext uri="{28A0092B-C50C-407E-A947-70E740481C1C}">
                 <a14:useLocalDpi xmlns:a14="http://schemas.microsoft.com/office/drawing/2010/main" val="0"/>
               </a:ext>
               <a:ext uri="{96DAC541-7B7A-43D3-8B79-37D633B846F1}">
-                <asvg:svgBlip xmlns:asvg="http://schemas.microsoft.com/office/drawing/2016/SVG/main" r:embed="rId16"/>
+                <asvg:svgBlip xmlns:asvg="http://schemas.microsoft.com/office/drawing/2016/SVG/main" r:embed="rId17"/>
               </a:ext>
             </a:extLst>
           </a:blip>
@@ -14114,13 +16535,13 @@
           <p:nvPr/>
         </p:nvPicPr>
         <p:blipFill>
-          <a:blip r:embed="rId17">
+          <a:blip r:embed="rId18">
             <a:extLst>
               <a:ext uri="{28A0092B-C50C-407E-A947-70E740481C1C}">
                 <a14:useLocalDpi xmlns:a14="http://schemas.microsoft.com/office/drawing/2010/main" val="0"/>
               </a:ext>
               <a:ext uri="{96DAC541-7B7A-43D3-8B79-37D633B846F1}">
-                <asvg:svgBlip xmlns:asvg="http://schemas.microsoft.com/office/drawing/2016/SVG/main" r:embed="rId18"/>
+                <asvg:svgBlip xmlns:asvg="http://schemas.microsoft.com/office/drawing/2016/SVG/main" r:embed="rId19"/>
               </a:ext>
             </a:extLst>
           </a:blip>
@@ -16156,13 +18577,13 @@
             <p:nvPr/>
           </p:nvPicPr>
           <p:blipFill>
-            <a:blip r:embed="rId19">
+            <a:blip r:embed="rId20">
               <a:extLst>
                 <a:ext uri="{28A0092B-C50C-407E-A947-70E740481C1C}">
                   <a14:useLocalDpi xmlns:a14="http://schemas.microsoft.com/office/drawing/2010/main" val="0"/>
                 </a:ext>
                 <a:ext uri="{96DAC541-7B7A-43D3-8B79-37D633B846F1}">
-                  <asvg:svgBlip xmlns:asvg="http://schemas.microsoft.com/office/drawing/2016/SVG/main" r:embed="rId20"/>
+                  <asvg:svgBlip xmlns:asvg="http://schemas.microsoft.com/office/drawing/2016/SVG/main" r:embed="rId21"/>
                 </a:ext>
               </a:extLst>
             </a:blip>
@@ -16195,13 +18616,13 @@
             <p:nvPr/>
           </p:nvPicPr>
           <p:blipFill>
-            <a:blip r:embed="rId21">
+            <a:blip r:embed="rId22">
               <a:extLst>
                 <a:ext uri="{28A0092B-C50C-407E-A947-70E740481C1C}">
                   <a14:useLocalDpi xmlns:a14="http://schemas.microsoft.com/office/drawing/2010/main" val="0"/>
                 </a:ext>
                 <a:ext uri="{96DAC541-7B7A-43D3-8B79-37D633B846F1}">
-                  <asvg:svgBlip xmlns:asvg="http://schemas.microsoft.com/office/drawing/2016/SVG/main" r:embed="rId22"/>
+                  <asvg:svgBlip xmlns:asvg="http://schemas.microsoft.com/office/drawing/2016/SVG/main" r:embed="rId23"/>
                 </a:ext>
               </a:extLst>
             </a:blip>
@@ -16598,13 +19019,13 @@
           <p:nvPr/>
         </p:nvPicPr>
         <p:blipFill>
-          <a:blip r:embed="rId23">
+          <a:blip r:embed="rId24">
             <a:extLst>
               <a:ext uri="{28A0092B-C50C-407E-A947-70E740481C1C}">
                 <a14:useLocalDpi xmlns:a14="http://schemas.microsoft.com/office/drawing/2010/main" val="0"/>
               </a:ext>
               <a:ext uri="{96DAC541-7B7A-43D3-8B79-37D633B846F1}">
-                <asvg:svgBlip xmlns:asvg="http://schemas.microsoft.com/office/drawing/2016/SVG/main" r:embed="rId24"/>
+                <asvg:svgBlip xmlns:asvg="http://schemas.microsoft.com/office/drawing/2016/SVG/main" r:embed="rId25"/>
               </a:ext>
             </a:extLst>
           </a:blip>
@@ -16637,13 +19058,13 @@
           <p:nvPr/>
         </p:nvPicPr>
         <p:blipFill>
-          <a:blip r:embed="rId25">
+          <a:blip r:embed="rId26">
             <a:extLst>
               <a:ext uri="{28A0092B-C50C-407E-A947-70E740481C1C}">
                 <a14:useLocalDpi xmlns:a14="http://schemas.microsoft.com/office/drawing/2010/main" val="0"/>
               </a:ext>
               <a:ext uri="{96DAC541-7B7A-43D3-8B79-37D633B846F1}">
-                <asvg:svgBlip xmlns:asvg="http://schemas.microsoft.com/office/drawing/2016/SVG/main" r:embed="rId26"/>
+                <asvg:svgBlip xmlns:asvg="http://schemas.microsoft.com/office/drawing/2016/SVG/main" r:embed="rId27"/>
               </a:ext>
             </a:extLst>
           </a:blip>
@@ -17770,13 +20191,13 @@
             <p:nvPr/>
           </p:nvPicPr>
           <p:blipFill>
-            <a:blip r:embed="rId25">
+            <a:blip r:embed="rId26">
               <a:extLst>
                 <a:ext uri="{28A0092B-C50C-407E-A947-70E740481C1C}">
                   <a14:useLocalDpi xmlns:a14="http://schemas.microsoft.com/office/drawing/2010/main" val="0"/>
                 </a:ext>
                 <a:ext uri="{96DAC541-7B7A-43D3-8B79-37D633B846F1}">
-                  <asvg:svgBlip xmlns:asvg="http://schemas.microsoft.com/office/drawing/2016/SVG/main" r:embed="rId26"/>
+                  <asvg:svgBlip xmlns:asvg="http://schemas.microsoft.com/office/drawing/2016/SVG/main" r:embed="rId27"/>
                 </a:ext>
               </a:extLst>
             </a:blip>
@@ -17809,13 +20230,13 @@
             <p:nvPr/>
           </p:nvPicPr>
           <p:blipFill>
-            <a:blip r:embed="rId25">
+            <a:blip r:embed="rId26">
               <a:extLst>
                 <a:ext uri="{28A0092B-C50C-407E-A947-70E740481C1C}">
                   <a14:useLocalDpi xmlns:a14="http://schemas.microsoft.com/office/drawing/2010/main" val="0"/>
                 </a:ext>
                 <a:ext uri="{96DAC541-7B7A-43D3-8B79-37D633B846F1}">
-                  <asvg:svgBlip xmlns:asvg="http://schemas.microsoft.com/office/drawing/2016/SVG/main" r:embed="rId26"/>
+                  <asvg:svgBlip xmlns:asvg="http://schemas.microsoft.com/office/drawing/2016/SVG/main" r:embed="rId27"/>
                 </a:ext>
               </a:extLst>
             </a:blip>
@@ -17848,13 +20269,13 @@
             <p:nvPr/>
           </p:nvPicPr>
           <p:blipFill>
-            <a:blip r:embed="rId25">
+            <a:blip r:embed="rId26">
               <a:extLst>
                 <a:ext uri="{28A0092B-C50C-407E-A947-70E740481C1C}">
                   <a14:useLocalDpi xmlns:a14="http://schemas.microsoft.com/office/drawing/2010/main" val="0"/>
                 </a:ext>
                 <a:ext uri="{96DAC541-7B7A-43D3-8B79-37D633B846F1}">
-                  <asvg:svgBlip xmlns:asvg="http://schemas.microsoft.com/office/drawing/2016/SVG/main" r:embed="rId26"/>
+                  <asvg:svgBlip xmlns:asvg="http://schemas.microsoft.com/office/drawing/2016/SVG/main" r:embed="rId27"/>
                 </a:ext>
               </a:extLst>
             </a:blip>
@@ -17934,7 +20355,7 @@
           <p:nvPr/>
         </p:nvPicPr>
         <p:blipFill>
-          <a:blip r:embed="rId2">
+          <a:blip r:embed="rId3">
             <a:extLst>
               <a:ext uri="{28A0092B-C50C-407E-A947-70E740481C1C}">
                 <a14:useLocalDpi xmlns:a14="http://schemas.microsoft.com/office/drawing/2010/main" val="0"/>
@@ -17970,13 +20391,13 @@
           <p:nvPr/>
         </p:nvPicPr>
         <p:blipFill>
-          <a:blip r:embed="rId3">
+          <a:blip r:embed="rId4">
             <a:extLst>
               <a:ext uri="{28A0092B-C50C-407E-A947-70E740481C1C}">
                 <a14:useLocalDpi xmlns:a14="http://schemas.microsoft.com/office/drawing/2010/main" val="0"/>
               </a:ext>
               <a:ext uri="{96DAC541-7B7A-43D3-8B79-37D633B846F1}">
-                <asvg:svgBlip xmlns:asvg="http://schemas.microsoft.com/office/drawing/2016/SVG/main" r:embed="rId4"/>
+                <asvg:svgBlip xmlns:asvg="http://schemas.microsoft.com/office/drawing/2016/SVG/main" r:embed="rId5"/>
               </a:ext>
             </a:extLst>
           </a:blip>
@@ -18009,13 +20430,13 @@
           <p:nvPr/>
         </p:nvPicPr>
         <p:blipFill>
-          <a:blip r:embed="rId5">
+          <a:blip r:embed="rId6">
             <a:extLst>
               <a:ext uri="{28A0092B-C50C-407E-A947-70E740481C1C}">
                 <a14:useLocalDpi xmlns:a14="http://schemas.microsoft.com/office/drawing/2010/main" val="0"/>
               </a:ext>
               <a:ext uri="{96DAC541-7B7A-43D3-8B79-37D633B846F1}">
-                <asvg:svgBlip xmlns:asvg="http://schemas.microsoft.com/office/drawing/2016/SVG/main" r:embed="rId6"/>
+                <asvg:svgBlip xmlns:asvg="http://schemas.microsoft.com/office/drawing/2016/SVG/main" r:embed="rId7"/>
               </a:ext>
             </a:extLst>
           </a:blip>
@@ -22206,4 +24627,609 @@
     </a:ext>
   </a:extLst>
 </a:theme>
+</file>
+
+<file path=ppt/theme/theme2.xml><?xml version="1.0" encoding="utf-8"?>
+<a:theme xmlns:a="http://schemas.openxmlformats.org/drawingml/2006/main" name="Office Theme">
+  <a:themeElements>
+    <a:clrScheme name="Office">
+      <a:dk1>
+        <a:sysClr val="windowText" lastClr="000000"/>
+      </a:dk1>
+      <a:lt1>
+        <a:sysClr val="window" lastClr="FFFFFF"/>
+      </a:lt1>
+      <a:dk2>
+        <a:srgbClr val="44546A"/>
+      </a:dk2>
+      <a:lt2>
+        <a:srgbClr val="E7E6E6"/>
+      </a:lt2>
+      <a:accent1>
+        <a:srgbClr val="4472C4"/>
+      </a:accent1>
+      <a:accent2>
+        <a:srgbClr val="ED7D31"/>
+      </a:accent2>
+      <a:accent3>
+        <a:srgbClr val="A5A5A5"/>
+      </a:accent3>
+      <a:accent4>
+        <a:srgbClr val="FFC000"/>
+      </a:accent4>
+      <a:accent5>
+        <a:srgbClr val="5B9BD5"/>
+      </a:accent5>
+      <a:accent6>
+        <a:srgbClr val="70AD47"/>
+      </a:accent6>
+      <a:hlink>
+        <a:srgbClr val="0563C1"/>
+      </a:hlink>
+      <a:folHlink>
+        <a:srgbClr val="954F72"/>
+      </a:folHlink>
+    </a:clrScheme>
+    <a:fontScheme name="Office">
+      <a:majorFont>
+        <a:latin typeface="Calibri Light" panose="020F0302020204030204"/>
+        <a:ea typeface=""/>
+        <a:cs typeface=""/>
+        <a:font script="Jpan" typeface="游ゴシック Light"/>
+        <a:font script="Hang" typeface="맑은 고딕"/>
+        <a:font script="Hans" typeface="等线 Light"/>
+        <a:font script="Hant" typeface="新細明體"/>
+        <a:font script="Arab" typeface="Times New Roman"/>
+        <a:font script="Hebr" typeface="Times New Roman"/>
+        <a:font script="Thai" typeface="Angsana New"/>
+        <a:font script="Ethi" typeface="Nyala"/>
+        <a:font script="Beng" typeface="Vrinda"/>
+        <a:font script="Gujr" typeface="Shruti"/>
+        <a:font script="Khmr" typeface="MoolBoran"/>
+        <a:font script="Knda" typeface="Tunga"/>
+        <a:font script="Guru" typeface="Raavi"/>
+        <a:font script="Cans" typeface="Euphemia"/>
+        <a:font script="Cher" typeface="Plantagenet Cherokee"/>
+        <a:font script="Yiii" typeface="Microsoft Yi Baiti"/>
+        <a:font script="Tibt" typeface="Microsoft Himalaya"/>
+        <a:font script="Thaa" typeface="MV Boli"/>
+        <a:font script="Deva" typeface="Mangal"/>
+        <a:font script="Telu" typeface="Gautami"/>
+        <a:font script="Taml" typeface="Latha"/>
+        <a:font script="Syrc" typeface="Estrangelo Edessa"/>
+        <a:font script="Orya" typeface="Kalinga"/>
+        <a:font script="Mlym" typeface="Kartika"/>
+        <a:font script="Laoo" typeface="DokChampa"/>
+        <a:font script="Sinh" typeface="Iskoola Pota"/>
+        <a:font script="Mong" typeface="Mongolian Baiti"/>
+        <a:font script="Viet" typeface="Times New Roman"/>
+        <a:font script="Uigh" typeface="Microsoft Uighur"/>
+        <a:font script="Geor" typeface="Sylfaen"/>
+        <a:font script="Armn" typeface="Arial"/>
+        <a:font script="Bugi" typeface="Leelawadee UI"/>
+        <a:font script="Bopo" typeface="Microsoft JhengHei"/>
+        <a:font script="Java" typeface="Javanese Text"/>
+        <a:font script="Lisu" typeface="Segoe UI"/>
+        <a:font script="Mymr" typeface="Myanmar Text"/>
+        <a:font script="Nkoo" typeface="Ebrima"/>
+        <a:font script="Olck" typeface="Nirmala UI"/>
+        <a:font script="Osma" typeface="Ebrima"/>
+        <a:font script="Phag" typeface="Phagspa"/>
+        <a:font script="Syrn" typeface="Estrangelo Edessa"/>
+        <a:font script="Syrj" typeface="Estrangelo Edessa"/>
+        <a:font script="Syre" typeface="Estrangelo Edessa"/>
+        <a:font script="Sora" typeface="Nirmala UI"/>
+        <a:font script="Tale" typeface="Microsoft Tai Le"/>
+        <a:font script="Talu" typeface="Microsoft New Tai Lue"/>
+        <a:font script="Tfng" typeface="Ebrima"/>
+      </a:majorFont>
+      <a:minorFont>
+        <a:latin typeface="Calibri" panose="020F0502020204030204"/>
+        <a:ea typeface=""/>
+        <a:cs typeface=""/>
+        <a:font script="Jpan" typeface="游ゴシック"/>
+        <a:font script="Hang" typeface="맑은 고딕"/>
+        <a:font script="Hans" typeface="等线"/>
+        <a:font script="Hant" typeface="新細明體"/>
+        <a:font script="Arab" typeface="Arial"/>
+        <a:font script="Hebr" typeface="Arial"/>
+        <a:font script="Thai" typeface="Cordia New"/>
+        <a:font script="Ethi" typeface="Nyala"/>
+        <a:font script="Beng" typeface="Vrinda"/>
+        <a:font script="Gujr" typeface="Shruti"/>
+        <a:font script="Khmr" typeface="DaunPenh"/>
+        <a:font script="Knda" typeface="Tunga"/>
+        <a:font script="Guru" typeface="Raavi"/>
+        <a:font script="Cans" typeface="Euphemia"/>
+        <a:font script="Cher" typeface="Plantagenet Cherokee"/>
+        <a:font script="Yiii" typeface="Microsoft Yi Baiti"/>
+        <a:font script="Tibt" typeface="Microsoft Himalaya"/>
+        <a:font script="Thaa" typeface="MV Boli"/>
+        <a:font script="Deva" typeface="Mangal"/>
+        <a:font script="Telu" typeface="Gautami"/>
+        <a:font script="Taml" typeface="Latha"/>
+        <a:font script="Syrc" typeface="Estrangelo Edessa"/>
+        <a:font script="Orya" typeface="Kalinga"/>
+        <a:font script="Mlym" typeface="Kartika"/>
+        <a:font script="Laoo" typeface="DokChampa"/>
+        <a:font script="Sinh" typeface="Iskoola Pota"/>
+        <a:font script="Mong" typeface="Mongolian Baiti"/>
+        <a:font script="Viet" typeface="Arial"/>
+        <a:font script="Uigh" typeface="Microsoft Uighur"/>
+        <a:font script="Geor" typeface="Sylfaen"/>
+        <a:font script="Armn" typeface="Arial"/>
+        <a:font script="Bugi" typeface="Leelawadee UI"/>
+        <a:font script="Bopo" typeface="Microsoft JhengHei"/>
+        <a:font script="Java" typeface="Javanese Text"/>
+        <a:font script="Lisu" typeface="Segoe UI"/>
+        <a:font script="Mymr" typeface="Myanmar Text"/>
+        <a:font script="Nkoo" typeface="Ebrima"/>
+        <a:font script="Olck" typeface="Nirmala UI"/>
+        <a:font script="Osma" typeface="Ebrima"/>
+        <a:font script="Phag" typeface="Phagspa"/>
+        <a:font script="Syrn" typeface="Estrangelo Edessa"/>
+        <a:font script="Syrj" typeface="Estrangelo Edessa"/>
+        <a:font script="Syre" typeface="Estrangelo Edessa"/>
+        <a:font script="Sora" typeface="Nirmala UI"/>
+        <a:font script="Tale" typeface="Microsoft Tai Le"/>
+        <a:font script="Talu" typeface="Microsoft New Tai Lue"/>
+        <a:font script="Tfng" typeface="Ebrima"/>
+      </a:minorFont>
+    </a:fontScheme>
+    <a:fmtScheme name="Office">
+      <a:fillStyleLst>
+        <a:solidFill>
+          <a:schemeClr val="phClr"/>
+        </a:solidFill>
+        <a:gradFill rotWithShape="1">
+          <a:gsLst>
+            <a:gs pos="0">
+              <a:schemeClr val="phClr">
+                <a:lumMod val="110000"/>
+                <a:satMod val="105000"/>
+                <a:tint val="67000"/>
+              </a:schemeClr>
+            </a:gs>
+            <a:gs pos="50000">
+              <a:schemeClr val="phClr">
+                <a:lumMod val="105000"/>
+                <a:satMod val="103000"/>
+                <a:tint val="73000"/>
+              </a:schemeClr>
+            </a:gs>
+            <a:gs pos="100000">
+              <a:schemeClr val="phClr">
+                <a:lumMod val="105000"/>
+                <a:satMod val="109000"/>
+                <a:tint val="81000"/>
+              </a:schemeClr>
+            </a:gs>
+          </a:gsLst>
+          <a:lin ang="5400000" scaled="0"/>
+        </a:gradFill>
+        <a:gradFill rotWithShape="1">
+          <a:gsLst>
+            <a:gs pos="0">
+              <a:schemeClr val="phClr">
+                <a:satMod val="103000"/>
+                <a:lumMod val="102000"/>
+                <a:tint val="94000"/>
+              </a:schemeClr>
+            </a:gs>
+            <a:gs pos="50000">
+              <a:schemeClr val="phClr">
+                <a:satMod val="110000"/>
+                <a:lumMod val="100000"/>
+                <a:shade val="100000"/>
+              </a:schemeClr>
+            </a:gs>
+            <a:gs pos="100000">
+              <a:schemeClr val="phClr">
+                <a:lumMod val="99000"/>
+                <a:satMod val="120000"/>
+                <a:shade val="78000"/>
+              </a:schemeClr>
+            </a:gs>
+          </a:gsLst>
+          <a:lin ang="5400000" scaled="0"/>
+        </a:gradFill>
+      </a:fillStyleLst>
+      <a:lnStyleLst>
+        <a:ln w="6350" cap="flat" cmpd="sng" algn="ctr">
+          <a:solidFill>
+            <a:schemeClr val="phClr"/>
+          </a:solidFill>
+          <a:prstDash val="solid"/>
+          <a:miter lim="800000"/>
+        </a:ln>
+        <a:ln w="12700" cap="flat" cmpd="sng" algn="ctr">
+          <a:solidFill>
+            <a:schemeClr val="phClr"/>
+          </a:solidFill>
+          <a:prstDash val="solid"/>
+          <a:miter lim="800000"/>
+        </a:ln>
+        <a:ln w="19050" cap="flat" cmpd="sng" algn="ctr">
+          <a:solidFill>
+            <a:schemeClr val="phClr"/>
+          </a:solidFill>
+          <a:prstDash val="solid"/>
+          <a:miter lim="800000"/>
+        </a:ln>
+      </a:lnStyleLst>
+      <a:effectStyleLst>
+        <a:effectStyle>
+          <a:effectLst/>
+        </a:effectStyle>
+        <a:effectStyle>
+          <a:effectLst/>
+        </a:effectStyle>
+        <a:effectStyle>
+          <a:effectLst>
+            <a:outerShdw blurRad="57150" dist="19050" dir="5400000" algn="ctr" rotWithShape="0">
+              <a:srgbClr val="000000">
+                <a:alpha val="63000"/>
+              </a:srgbClr>
+            </a:outerShdw>
+          </a:effectLst>
+        </a:effectStyle>
+      </a:effectStyleLst>
+      <a:bgFillStyleLst>
+        <a:solidFill>
+          <a:schemeClr val="phClr"/>
+        </a:solidFill>
+        <a:solidFill>
+          <a:schemeClr val="phClr">
+            <a:tint val="95000"/>
+            <a:satMod val="170000"/>
+          </a:schemeClr>
+        </a:solidFill>
+        <a:gradFill rotWithShape="1">
+          <a:gsLst>
+            <a:gs pos="0">
+              <a:schemeClr val="phClr">
+                <a:tint val="93000"/>
+                <a:satMod val="150000"/>
+                <a:shade val="98000"/>
+                <a:lumMod val="102000"/>
+              </a:schemeClr>
+            </a:gs>
+            <a:gs pos="50000">
+              <a:schemeClr val="phClr">
+                <a:tint val="98000"/>
+                <a:satMod val="130000"/>
+                <a:shade val="90000"/>
+                <a:lumMod val="103000"/>
+              </a:schemeClr>
+            </a:gs>
+            <a:gs pos="100000">
+              <a:schemeClr val="phClr">
+                <a:shade val="63000"/>
+                <a:satMod val="120000"/>
+              </a:schemeClr>
+            </a:gs>
+          </a:gsLst>
+          <a:lin ang="5400000" scaled="0"/>
+        </a:gradFill>
+      </a:bgFillStyleLst>
+    </a:fmtScheme>
+  </a:themeElements>
+  <a:objectDefaults/>
+  <a:extraClrSchemeLst/>
+  <a:extLst>
+    <a:ext uri="{05A4C25C-085E-4340-85A3-A5531E510DB2}">
+      <thm15:themeFamily xmlns:thm15="http://schemas.microsoft.com/office/thememl/2012/main" name="Office Theme" id="{62F939B6-93AF-4DB8-9C6B-D6C7DFDC589F}" vid="{4A3C46E8-61CC-4603-A589-7422A47A8E4A}"/>
+    </a:ext>
+  </a:extLst>
+</a:theme>
+</file>
+
+<file path=ppt/theme/theme3.xml><?xml version="1.0" encoding="utf-8"?>
+<a:theme xmlns:a="http://schemas.openxmlformats.org/drawingml/2006/main" name="Office Theme">
+  <a:themeElements>
+    <a:clrScheme name="Office">
+      <a:dk1>
+        <a:sysClr val="windowText" lastClr="000000"/>
+      </a:dk1>
+      <a:lt1>
+        <a:sysClr val="window" lastClr="FFFFFF"/>
+      </a:lt1>
+      <a:dk2>
+        <a:srgbClr val="44546A"/>
+      </a:dk2>
+      <a:lt2>
+        <a:srgbClr val="E7E6E6"/>
+      </a:lt2>
+      <a:accent1>
+        <a:srgbClr val="4472C4"/>
+      </a:accent1>
+      <a:accent2>
+        <a:srgbClr val="ED7D31"/>
+      </a:accent2>
+      <a:accent3>
+        <a:srgbClr val="A5A5A5"/>
+      </a:accent3>
+      <a:accent4>
+        <a:srgbClr val="FFC000"/>
+      </a:accent4>
+      <a:accent5>
+        <a:srgbClr val="5B9BD5"/>
+      </a:accent5>
+      <a:accent6>
+        <a:srgbClr val="70AD47"/>
+      </a:accent6>
+      <a:hlink>
+        <a:srgbClr val="0563C1"/>
+      </a:hlink>
+      <a:folHlink>
+        <a:srgbClr val="954F72"/>
+      </a:folHlink>
+    </a:clrScheme>
+    <a:fontScheme name="Office">
+      <a:majorFont>
+        <a:latin typeface="Calibri Light" panose="020F0302020204030204"/>
+        <a:ea typeface=""/>
+        <a:cs typeface=""/>
+        <a:font script="Jpan" typeface="游ゴシック Light"/>
+        <a:font script="Hang" typeface="맑은 고딕"/>
+        <a:font script="Hans" typeface="等线 Light"/>
+        <a:font script="Hant" typeface="新細明體"/>
+        <a:font script="Arab" typeface="Times New Roman"/>
+        <a:font script="Hebr" typeface="Times New Roman"/>
+        <a:font script="Thai" typeface="Angsana New"/>
+        <a:font script="Ethi" typeface="Nyala"/>
+        <a:font script="Beng" typeface="Vrinda"/>
+        <a:font script="Gujr" typeface="Shruti"/>
+        <a:font script="Khmr" typeface="MoolBoran"/>
+        <a:font script="Knda" typeface="Tunga"/>
+        <a:font script="Guru" typeface="Raavi"/>
+        <a:font script="Cans" typeface="Euphemia"/>
+        <a:font script="Cher" typeface="Plantagenet Cherokee"/>
+        <a:font script="Yiii" typeface="Microsoft Yi Baiti"/>
+        <a:font script="Tibt" typeface="Microsoft Himalaya"/>
+        <a:font script="Thaa" typeface="MV Boli"/>
+        <a:font script="Deva" typeface="Mangal"/>
+        <a:font script="Telu" typeface="Gautami"/>
+        <a:font script="Taml" typeface="Latha"/>
+        <a:font script="Syrc" typeface="Estrangelo Edessa"/>
+        <a:font script="Orya" typeface="Kalinga"/>
+        <a:font script="Mlym" typeface="Kartika"/>
+        <a:font script="Laoo" typeface="DokChampa"/>
+        <a:font script="Sinh" typeface="Iskoola Pota"/>
+        <a:font script="Mong" typeface="Mongolian Baiti"/>
+        <a:font script="Viet" typeface="Times New Roman"/>
+        <a:font script="Uigh" typeface="Microsoft Uighur"/>
+        <a:font script="Geor" typeface="Sylfaen"/>
+        <a:font script="Armn" typeface="Arial"/>
+        <a:font script="Bugi" typeface="Leelawadee UI"/>
+        <a:font script="Bopo" typeface="Microsoft JhengHei"/>
+        <a:font script="Java" typeface="Javanese Text"/>
+        <a:font script="Lisu" typeface="Segoe UI"/>
+        <a:font script="Mymr" typeface="Myanmar Text"/>
+        <a:font script="Nkoo" typeface="Ebrima"/>
+        <a:font script="Olck" typeface="Nirmala UI"/>
+        <a:font script="Osma" typeface="Ebrima"/>
+        <a:font script="Phag" typeface="Phagspa"/>
+        <a:font script="Syrn" typeface="Estrangelo Edessa"/>
+        <a:font script="Syrj" typeface="Estrangelo Edessa"/>
+        <a:font script="Syre" typeface="Estrangelo Edessa"/>
+        <a:font script="Sora" typeface="Nirmala UI"/>
+        <a:font script="Tale" typeface="Microsoft Tai Le"/>
+        <a:font script="Talu" typeface="Microsoft New Tai Lue"/>
+        <a:font script="Tfng" typeface="Ebrima"/>
+      </a:majorFont>
+      <a:minorFont>
+        <a:latin typeface="Calibri" panose="020F0502020204030204"/>
+        <a:ea typeface=""/>
+        <a:cs typeface=""/>
+        <a:font script="Jpan" typeface="游ゴシック"/>
+        <a:font script="Hang" typeface="맑은 고딕"/>
+        <a:font script="Hans" typeface="等线"/>
+        <a:font script="Hant" typeface="新細明體"/>
+        <a:font script="Arab" typeface="Arial"/>
+        <a:font script="Hebr" typeface="Arial"/>
+        <a:font script="Thai" typeface="Cordia New"/>
+        <a:font script="Ethi" typeface="Nyala"/>
+        <a:font script="Beng" typeface="Vrinda"/>
+        <a:font script="Gujr" typeface="Shruti"/>
+        <a:font script="Khmr" typeface="DaunPenh"/>
+        <a:font script="Knda" typeface="Tunga"/>
+        <a:font script="Guru" typeface="Raavi"/>
+        <a:font script="Cans" typeface="Euphemia"/>
+        <a:font script="Cher" typeface="Plantagenet Cherokee"/>
+        <a:font script="Yiii" typeface="Microsoft Yi Baiti"/>
+        <a:font script="Tibt" typeface="Microsoft Himalaya"/>
+        <a:font script="Thaa" typeface="MV Boli"/>
+        <a:font script="Deva" typeface="Mangal"/>
+        <a:font script="Telu" typeface="Gautami"/>
+        <a:font script="Taml" typeface="Latha"/>
+        <a:font script="Syrc" typeface="Estrangelo Edessa"/>
+        <a:font script="Orya" typeface="Kalinga"/>
+        <a:font script="Mlym" typeface="Kartika"/>
+        <a:font script="Laoo" typeface="DokChampa"/>
+        <a:font script="Sinh" typeface="Iskoola Pota"/>
+        <a:font script="Mong" typeface="Mongolian Baiti"/>
+        <a:font script="Viet" typeface="Arial"/>
+        <a:font script="Uigh" typeface="Microsoft Uighur"/>
+        <a:font script="Geor" typeface="Sylfaen"/>
+        <a:font script="Armn" typeface="Arial"/>
+        <a:font script="Bugi" typeface="Leelawadee UI"/>
+        <a:font script="Bopo" typeface="Microsoft JhengHei"/>
+        <a:font script="Java" typeface="Javanese Text"/>
+        <a:font script="Lisu" typeface="Segoe UI"/>
+        <a:font script="Mymr" typeface="Myanmar Text"/>
+        <a:font script="Nkoo" typeface="Ebrima"/>
+        <a:font script="Olck" typeface="Nirmala UI"/>
+        <a:font script="Osma" typeface="Ebrima"/>
+        <a:font script="Phag" typeface="Phagspa"/>
+        <a:font script="Syrn" typeface="Estrangelo Edessa"/>
+        <a:font script="Syrj" typeface="Estrangelo Edessa"/>
+        <a:font script="Syre" typeface="Estrangelo Edessa"/>
+        <a:font script="Sora" typeface="Nirmala UI"/>
+        <a:font script="Tale" typeface="Microsoft Tai Le"/>
+        <a:font script="Talu" typeface="Microsoft New Tai Lue"/>
+        <a:font script="Tfng" typeface="Ebrima"/>
+      </a:minorFont>
+    </a:fontScheme>
+    <a:fmtScheme name="Office">
+      <a:fillStyleLst>
+        <a:solidFill>
+          <a:schemeClr val="phClr"/>
+        </a:solidFill>
+        <a:gradFill rotWithShape="1">
+          <a:gsLst>
+            <a:gs pos="0">
+              <a:schemeClr val="phClr">
+                <a:lumMod val="110000"/>
+                <a:satMod val="105000"/>
+                <a:tint val="67000"/>
+              </a:schemeClr>
+            </a:gs>
+            <a:gs pos="50000">
+              <a:schemeClr val="phClr">
+                <a:lumMod val="105000"/>
+                <a:satMod val="103000"/>
+                <a:tint val="73000"/>
+              </a:schemeClr>
+            </a:gs>
+            <a:gs pos="100000">
+              <a:schemeClr val="phClr">
+                <a:lumMod val="105000"/>
+                <a:satMod val="109000"/>
+                <a:tint val="81000"/>
+              </a:schemeClr>
+            </a:gs>
+          </a:gsLst>
+          <a:lin ang="5400000" scaled="0"/>
+        </a:gradFill>
+        <a:gradFill rotWithShape="1">
+          <a:gsLst>
+            <a:gs pos="0">
+              <a:schemeClr val="phClr">
+                <a:satMod val="103000"/>
+                <a:lumMod val="102000"/>
+                <a:tint val="94000"/>
+              </a:schemeClr>
+            </a:gs>
+            <a:gs pos="50000">
+              <a:schemeClr val="phClr">
+                <a:satMod val="110000"/>
+                <a:lumMod val="100000"/>
+                <a:shade val="100000"/>
+              </a:schemeClr>
+            </a:gs>
+            <a:gs pos="100000">
+              <a:schemeClr val="phClr">
+                <a:lumMod val="99000"/>
+                <a:satMod val="120000"/>
+                <a:shade val="78000"/>
+              </a:schemeClr>
+            </a:gs>
+          </a:gsLst>
+          <a:lin ang="5400000" scaled="0"/>
+        </a:gradFill>
+      </a:fillStyleLst>
+      <a:lnStyleLst>
+        <a:ln w="6350" cap="flat" cmpd="sng" algn="ctr">
+          <a:solidFill>
+            <a:schemeClr val="phClr"/>
+          </a:solidFill>
+          <a:prstDash val="solid"/>
+          <a:miter lim="800000"/>
+        </a:ln>
+        <a:ln w="12700" cap="flat" cmpd="sng" algn="ctr">
+          <a:solidFill>
+            <a:schemeClr val="phClr"/>
+          </a:solidFill>
+          <a:prstDash val="solid"/>
+          <a:miter lim="800000"/>
+        </a:ln>
+        <a:ln w="19050" cap="flat" cmpd="sng" algn="ctr">
+          <a:solidFill>
+            <a:schemeClr val="phClr"/>
+          </a:solidFill>
+          <a:prstDash val="solid"/>
+          <a:miter lim="800000"/>
+        </a:ln>
+      </a:lnStyleLst>
+      <a:effectStyleLst>
+        <a:effectStyle>
+          <a:effectLst/>
+        </a:effectStyle>
+        <a:effectStyle>
+          <a:effectLst/>
+        </a:effectStyle>
+        <a:effectStyle>
+          <a:effectLst>
+            <a:outerShdw blurRad="57150" dist="19050" dir="5400000" algn="ctr" rotWithShape="0">
+              <a:srgbClr val="000000">
+                <a:alpha val="63000"/>
+              </a:srgbClr>
+            </a:outerShdw>
+          </a:effectLst>
+        </a:effectStyle>
+      </a:effectStyleLst>
+      <a:bgFillStyleLst>
+        <a:solidFill>
+          <a:schemeClr val="phClr"/>
+        </a:solidFill>
+        <a:solidFill>
+          <a:schemeClr val="phClr">
+            <a:tint val="95000"/>
+            <a:satMod val="170000"/>
+          </a:schemeClr>
+        </a:solidFill>
+        <a:gradFill rotWithShape="1">
+          <a:gsLst>
+            <a:gs pos="0">
+              <a:schemeClr val="phClr">
+                <a:tint val="93000"/>
+                <a:satMod val="150000"/>
+                <a:shade val="98000"/>
+                <a:lumMod val="102000"/>
+              </a:schemeClr>
+            </a:gs>
+            <a:gs pos="50000">
+              <a:schemeClr val="phClr">
+                <a:tint val="98000"/>
+                <a:satMod val="130000"/>
+                <a:shade val="90000"/>
+                <a:lumMod val="103000"/>
+              </a:schemeClr>
+            </a:gs>
+            <a:gs pos="100000">
+              <a:schemeClr val="phClr">
+                <a:shade val="63000"/>
+                <a:satMod val="120000"/>
+              </a:schemeClr>
+            </a:gs>
+          </a:gsLst>
+          <a:lin ang="5400000" scaled="0"/>
+        </a:gradFill>
+      </a:bgFillStyleLst>
+    </a:fmtScheme>
+  </a:themeElements>
+  <a:objectDefaults/>
+  <a:extraClrSchemeLst/>
+  <a:extLst>
+    <a:ext uri="{05A4C25C-085E-4340-85A3-A5531E510DB2}">
+      <thm15:themeFamily xmlns:thm15="http://schemas.microsoft.com/office/thememl/2012/main" name="Office Theme" id="{62F939B6-93AF-4DB8-9C6B-D6C7DFDC589F}" vid="{4A3C46E8-61CC-4603-A589-7422A47A8E4A}"/>
+    </a:ext>
+  </a:extLst>
+</a:theme>
+</file>
+
+<file path=customXml/item1.xml><?xml version="1.0" encoding="utf-8"?>
+<sisl xmlns:xsi="http://www.w3.org/2001/XMLSchema-instance" xmlns:xsd="http://www.w3.org/2001/XMLSchema" xmlns="http://www.boldonjames.com/2008/01/sie/internal/label" sislVersion="0" policy="a10f9ac0-5937-4b4f-b459-96aedd9ed2c5" origin="userSelected">
+  <element uid="9920fcc9-9f43-4d43-9e3e-b98a219cfd55" value=""/>
+</sisl>
+</file>
+
+<file path=customXml/itemProps1.xml><?xml version="1.0" encoding="utf-8"?>
+<ds:datastoreItem xmlns:ds="http://schemas.openxmlformats.org/officeDocument/2006/customXml" ds:itemID="{6E6B17AD-F850-49E7-B468-742D096BC617}">
+  <ds:schemaRefs>
+    <ds:schemaRef ds:uri="http://www.w3.org/2001/XMLSchema"/>
+    <ds:schemaRef ds:uri="http://www.boldonjames.com/2008/01/sie/internal/label"/>
+  </ds:schemaRefs>
+</ds:datastoreItem>
 </file>